--- a/webapi/WebAPI.pptx
+++ b/webapi/WebAPI.pptx
@@ -153,7 +153,7 @@
     </p:spTree>
     <p:extLst>
       <p:ext uri="{BB962C8B-B14F-4D97-AF65-F5344CB8AC3E}">
-        <p14:creationId xmlns="" xmlns:p14="http://schemas.microsoft.com/office/powerpoint/2010/main" val="2280443481"/>
+        <p14:creationId xmlns:p14="http://schemas.microsoft.com/office/powerpoint/2010/main" xmlns="" val="2280443481"/>
       </p:ext>
     </p:extLst>
   </p:cSld>
@@ -323,7 +323,7 @@
     </p:spTree>
     <p:extLst>
       <p:ext uri="{BB962C8B-B14F-4D97-AF65-F5344CB8AC3E}">
-        <p14:creationId xmlns="" xmlns:p14="http://schemas.microsoft.com/office/powerpoint/2010/main" val="1996866432"/>
+        <p14:creationId xmlns:p14="http://schemas.microsoft.com/office/powerpoint/2010/main" xmlns="" val="1996866432"/>
       </p:ext>
     </p:extLst>
   </p:cSld>
@@ -1133,7 +1133,7 @@
     </p:spTree>
     <p:extLst>
       <p:ext uri="{BB962C8B-B14F-4D97-AF65-F5344CB8AC3E}">
-        <p14:creationId xmlns="" xmlns:p14="http://schemas.microsoft.com/office/powerpoint/2010/main" val="1631701370"/>
+        <p14:creationId xmlns:p14="http://schemas.microsoft.com/office/powerpoint/2010/main" xmlns="" val="1631701370"/>
       </p:ext>
     </p:extLst>
   </p:cSld>
@@ -1454,7 +1454,7 @@
     </p:spTree>
     <p:extLst>
       <p:ext uri="{BB962C8B-B14F-4D97-AF65-F5344CB8AC3E}">
-        <p14:creationId xmlns="" xmlns:p14="http://schemas.microsoft.com/office/powerpoint/2010/main" val="2627694574"/>
+        <p14:creationId xmlns:p14="http://schemas.microsoft.com/office/powerpoint/2010/main" xmlns="" val="2627694574"/>
       </p:ext>
     </p:extLst>
   </p:cSld>
@@ -1773,7 +1773,7 @@
     </p:spTree>
     <p:extLst>
       <p:ext uri="{BB962C8B-B14F-4D97-AF65-F5344CB8AC3E}">
-        <p14:creationId xmlns="" xmlns:p14="http://schemas.microsoft.com/office/powerpoint/2010/main" val="2472564093"/>
+        <p14:creationId xmlns:p14="http://schemas.microsoft.com/office/powerpoint/2010/main" xmlns="" val="2472564093"/>
       </p:ext>
     </p:extLst>
   </p:cSld>
@@ -2258,7 +2258,7 @@
     </p:spTree>
     <p:extLst>
       <p:ext uri="{BB962C8B-B14F-4D97-AF65-F5344CB8AC3E}">
-        <p14:creationId xmlns="" xmlns:p14="http://schemas.microsoft.com/office/powerpoint/2010/main" val="844442129"/>
+        <p14:creationId xmlns:p14="http://schemas.microsoft.com/office/powerpoint/2010/main" xmlns="" val="844442129"/>
       </p:ext>
     </p:extLst>
   </p:cSld>
@@ -2588,7 +2588,7 @@
     </p:spTree>
     <p:extLst>
       <p:ext uri="{BB962C8B-B14F-4D97-AF65-F5344CB8AC3E}">
-        <p14:creationId xmlns="" xmlns:p14="http://schemas.microsoft.com/office/powerpoint/2010/main" val="1607786633"/>
+        <p14:creationId xmlns:p14="http://schemas.microsoft.com/office/powerpoint/2010/main" xmlns="" val="1607786633"/>
       </p:ext>
     </p:extLst>
   </p:cSld>
@@ -2918,7 +2918,7 @@
     </p:spTree>
     <p:extLst>
       <p:ext uri="{BB962C8B-B14F-4D97-AF65-F5344CB8AC3E}">
-        <p14:creationId xmlns="" xmlns:p14="http://schemas.microsoft.com/office/powerpoint/2010/main" val="3400319444"/>
+        <p14:creationId xmlns:p14="http://schemas.microsoft.com/office/powerpoint/2010/main" xmlns="" val="3400319444"/>
       </p:ext>
     </p:extLst>
   </p:cSld>
@@ -4788,7 +4788,7 @@
     </p:spTree>
     <p:extLst>
       <p:ext uri="{BB962C8B-B14F-4D97-AF65-F5344CB8AC3E}">
-        <p14:creationId xmlns="" xmlns:p14="http://schemas.microsoft.com/office/powerpoint/2010/main" val="1273682958"/>
+        <p14:creationId xmlns:p14="http://schemas.microsoft.com/office/powerpoint/2010/main" xmlns="" val="1273682958"/>
       </p:ext>
     </p:extLst>
   </p:cSld>
@@ -4893,7 +4893,7 @@
     </p:spTree>
     <p:extLst>
       <p:ext uri="{BB962C8B-B14F-4D97-AF65-F5344CB8AC3E}">
-        <p14:creationId xmlns="" xmlns:p14="http://schemas.microsoft.com/office/powerpoint/2010/main" val="3654216826"/>
+        <p14:creationId xmlns:p14="http://schemas.microsoft.com/office/powerpoint/2010/main" xmlns="" val="3654216826"/>
       </p:ext>
     </p:extLst>
   </p:cSld>
@@ -5149,7 +5149,7 @@
     </p:spTree>
     <p:extLst>
       <p:ext uri="{BB962C8B-B14F-4D97-AF65-F5344CB8AC3E}">
-        <p14:creationId xmlns="" xmlns:p14="http://schemas.microsoft.com/office/powerpoint/2010/main" val="2837040887"/>
+        <p14:creationId xmlns:p14="http://schemas.microsoft.com/office/powerpoint/2010/main" xmlns="" val="2837040887"/>
       </p:ext>
     </p:extLst>
   </p:cSld>
@@ -5182,7 +5182,7 @@
     </p:spTree>
     <p:extLst>
       <p:ext uri="{BB962C8B-B14F-4D97-AF65-F5344CB8AC3E}">
-        <p14:creationId xmlns="" xmlns:p14="http://schemas.microsoft.com/office/powerpoint/2010/main" val="3283581558"/>
+        <p14:creationId xmlns:p14="http://schemas.microsoft.com/office/powerpoint/2010/main" xmlns="" val="3283581558"/>
       </p:ext>
     </p:extLst>
   </p:cSld>
@@ -5496,7 +5496,7 @@
     </p:spTree>
     <p:extLst>
       <p:ext uri="{BB962C8B-B14F-4D97-AF65-F5344CB8AC3E}">
-        <p14:creationId xmlns="" xmlns:p14="http://schemas.microsoft.com/office/powerpoint/2010/main" val="3151533342"/>
+        <p14:creationId xmlns:p14="http://schemas.microsoft.com/office/powerpoint/2010/main" xmlns="" val="3151533342"/>
       </p:ext>
     </p:extLst>
   </p:cSld>
@@ -5639,7 +5639,7 @@
     </p:spTree>
     <p:extLst>
       <p:ext uri="{BB962C8B-B14F-4D97-AF65-F5344CB8AC3E}">
-        <p14:creationId xmlns="" xmlns:p14="http://schemas.microsoft.com/office/powerpoint/2010/main" val="894352273"/>
+        <p14:creationId xmlns:p14="http://schemas.microsoft.com/office/powerpoint/2010/main" xmlns="" val="894352273"/>
       </p:ext>
     </p:extLst>
   </p:cSld>
@@ -5805,7 +5805,7 @@
     </p:spTree>
     <p:extLst>
       <p:ext uri="{BB962C8B-B14F-4D97-AF65-F5344CB8AC3E}">
-        <p14:creationId xmlns="" xmlns:p14="http://schemas.microsoft.com/office/powerpoint/2010/main" val="351067674"/>
+        <p14:creationId xmlns:p14="http://schemas.microsoft.com/office/powerpoint/2010/main" xmlns="" val="351067674"/>
       </p:ext>
     </p:extLst>
   </p:cSld>
@@ -6125,7 +6125,7 @@
     </p:spTree>
     <p:extLst>
       <p:ext uri="{BB962C8B-B14F-4D97-AF65-F5344CB8AC3E}">
-        <p14:creationId xmlns="" xmlns:p14="http://schemas.microsoft.com/office/powerpoint/2010/main" val="3938044995"/>
+        <p14:creationId xmlns:p14="http://schemas.microsoft.com/office/powerpoint/2010/main" xmlns="" val="3938044995"/>
       </p:ext>
     </p:extLst>
   </p:cSld>
@@ -6711,7 +6711,7 @@
     </p:spTree>
     <p:extLst>
       <p:ext uri="{BB962C8B-B14F-4D97-AF65-F5344CB8AC3E}">
-        <p14:creationId xmlns="" xmlns:p14="http://schemas.microsoft.com/office/powerpoint/2010/main" val="3192118728"/>
+        <p14:creationId xmlns:p14="http://schemas.microsoft.com/office/powerpoint/2010/main" xmlns="" val="3192118728"/>
       </p:ext>
     </p:extLst>
   </p:cSld>
@@ -7109,7 +7109,7 @@
     </p:spTree>
     <p:extLst>
       <p:ext uri="{BB962C8B-B14F-4D97-AF65-F5344CB8AC3E}">
-        <p14:creationId xmlns="" xmlns:p14="http://schemas.microsoft.com/office/powerpoint/2010/main" val="2190527855"/>
+        <p14:creationId xmlns:p14="http://schemas.microsoft.com/office/powerpoint/2010/main" xmlns="" val="2190527855"/>
       </p:ext>
     </p:extLst>
   </p:cSld>
@@ -7906,7 +7906,7 @@
     </p:spTree>
     <p:extLst>
       <p:ext uri="{BB962C8B-B14F-4D97-AF65-F5344CB8AC3E}">
-        <p14:creationId xmlns="" xmlns:p14="http://schemas.microsoft.com/office/powerpoint/2010/main" val="69886873"/>
+        <p14:creationId xmlns:p14="http://schemas.microsoft.com/office/powerpoint/2010/main" xmlns="" val="69886873"/>
       </p:ext>
     </p:extLst>
   </p:cSld>
@@ -8997,7 +8997,7 @@
     </p:spTree>
     <p:extLst>
       <p:ext uri="{BB962C8B-B14F-4D97-AF65-F5344CB8AC3E}">
-        <p14:creationId xmlns="" xmlns:p14="http://schemas.microsoft.com/office/powerpoint/2010/main" val="593901232"/>
+        <p14:creationId xmlns:p14="http://schemas.microsoft.com/office/powerpoint/2010/main" xmlns="" val="593901232"/>
       </p:ext>
     </p:extLst>
   </p:cSld>
@@ -9253,7 +9253,7 @@
     </p:spTree>
     <p:extLst>
       <p:ext uri="{BB962C8B-B14F-4D97-AF65-F5344CB8AC3E}">
-        <p14:creationId xmlns="" xmlns:p14="http://schemas.microsoft.com/office/powerpoint/2010/main" val="925662914"/>
+        <p14:creationId xmlns:p14="http://schemas.microsoft.com/office/powerpoint/2010/main" xmlns="" val="925662914"/>
       </p:ext>
     </p:extLst>
   </p:cSld>
@@ -9495,7 +9495,7 @@
     </p:spTree>
     <p:extLst>
       <p:ext uri="{BB962C8B-B14F-4D97-AF65-F5344CB8AC3E}">
-        <p14:creationId xmlns="" xmlns:p14="http://schemas.microsoft.com/office/powerpoint/2010/main" val="2463004899"/>
+        <p14:creationId xmlns:p14="http://schemas.microsoft.com/office/powerpoint/2010/main" xmlns="" val="2463004899"/>
       </p:ext>
     </p:extLst>
   </p:cSld>
@@ -9920,7 +9920,7 @@
     </p:spTree>
     <p:extLst>
       <p:ext uri="{BB962C8B-B14F-4D97-AF65-F5344CB8AC3E}">
-        <p14:creationId xmlns="" xmlns:p14="http://schemas.microsoft.com/office/powerpoint/2010/main" val="1193520387"/>
+        <p14:creationId xmlns:p14="http://schemas.microsoft.com/office/powerpoint/2010/main" xmlns="" val="1193520387"/>
       </p:ext>
     </p:extLst>
   </p:cSld>
@@ -14055,8 +14055,17 @@
             </a:pPr>
             <a:r>
               <a:rPr lang="nb-NO" sz="1400" dirty="0" smtClean="0"/>
-              <a:t> Tjenester eksponert over ren HTTP</a:t>
-            </a:r>
+              <a:t> Tjenester eksponert over </a:t>
+            </a:r>
+            <a:r>
+              <a:rPr lang="nb-NO" sz="1400" smtClean="0"/>
+              <a:t>ren </a:t>
+            </a:r>
+            <a:r>
+              <a:rPr lang="nb-NO" sz="1400" smtClean="0"/>
+              <a:t>HTTP i motsetning til over SOAP (.NET WCF)</a:t>
+            </a:r>
+            <a:endParaRPr lang="nb-NO" sz="1400" dirty="0" smtClean="0"/>
           </a:p>
           <a:p>
             <a:pPr>

--- a/webapi/WebAPI.pptx
+++ b/webapi/WebAPI.pptx
@@ -562,7 +562,19 @@
             </a:r>
             <a:r>
               <a:rPr lang="nb-NO" baseline="0" dirty="0" smtClean="0"/>
-              <a:t> satt opp Ninject</a:t>
+              <a:t> satt opp </a:t>
+            </a:r>
+            <a:r>
+              <a:rPr lang="nb-NO" baseline="0" dirty="0" smtClean="0"/>
+              <a:t>Ninject</a:t>
+            </a:r>
+          </a:p>
+          <a:p>
+            <a:r>
+              <a:rPr lang="en-US" sz="1600" dirty="0" smtClean="0">
+                <a:hlinkClick r:id="rId3"/>
+              </a:rPr>
+              <a:t>http://www.strathweb.com/2012/05/using-ninject-with-the-latest-asp-net-web-api-source/</a:t>
             </a:r>
             <a:endParaRPr lang="en-US" dirty="0"/>
           </a:p>
@@ -11297,7 +11309,7 @@
                 <a:latin typeface="Consolas" pitchFamily="49" charset="0"/>
                 <a:cs typeface="Consolas" pitchFamily="49" charset="0"/>
               </a:rPr>
-              <a:t>      </a:t>
+              <a:t>    </a:t>
             </a:r>
             <a:r>
               <a:rPr lang="en-US" sz="1200" dirty="0" smtClean="0">
@@ -13865,8 +13877,13 @@
             </a:pPr>
             <a:r>
               <a:rPr lang="nb-NO" sz="1400" dirty="0" smtClean="0"/>
-              <a:t> Oppgave 1</a:t>
-            </a:r>
+              <a:t> </a:t>
+            </a:r>
+            <a:r>
+              <a:rPr lang="nb-NO" sz="1400" dirty="0" smtClean="0"/>
+              <a:t>Oppgave</a:t>
+            </a:r>
+            <a:endParaRPr lang="nb-NO" sz="1400" dirty="0" smtClean="0"/>
           </a:p>
           <a:p>
             <a:pPr>
@@ -13897,8 +13914,13 @@
             </a:pPr>
             <a:r>
               <a:rPr lang="nb-NO" sz="1400" dirty="0" smtClean="0"/>
-              <a:t> Oppgave 2</a:t>
-            </a:r>
+              <a:t> </a:t>
+            </a:r>
+            <a:r>
+              <a:rPr lang="nb-NO" sz="1400" dirty="0" smtClean="0"/>
+              <a:t>Oppgave</a:t>
+            </a:r>
+            <a:endParaRPr lang="nb-NO" sz="1400" dirty="0" smtClean="0"/>
           </a:p>
           <a:p>
             <a:pPr>
@@ -13929,8 +13951,13 @@
             </a:pPr>
             <a:r>
               <a:rPr lang="nb-NO" sz="1400" dirty="0" smtClean="0"/>
-              <a:t> Oppgave 3</a:t>
-            </a:r>
+              <a:t> </a:t>
+            </a:r>
+            <a:r>
+              <a:rPr lang="nb-NO" sz="1400" dirty="0" smtClean="0"/>
+              <a:t>Oppgave</a:t>
+            </a:r>
+            <a:endParaRPr lang="nb-NO" sz="1400" dirty="0" smtClean="0"/>
           </a:p>
         </p:txBody>
       </p:sp>
@@ -14059,11 +14086,7 @@
             </a:r>
             <a:r>
               <a:rPr lang="nb-NO" sz="1400" smtClean="0"/>
-              <a:t>ren </a:t>
-            </a:r>
-            <a:r>
-              <a:rPr lang="nb-NO" sz="1400" smtClean="0"/>
-              <a:t>HTTP i motsetning til over SOAP (.NET WCF)</a:t>
+              <a:t>ren HTTP i motsetning til over SOAP (.NET WCF)</a:t>
             </a:r>
             <a:endParaRPr lang="nb-NO" sz="1400" dirty="0" smtClean="0"/>
           </a:p>
@@ -14150,9 +14173,9 @@
               </a:tblPr>
               <a:tblGrid>
                 <a:gridCol w="1292352"/>
-                <a:gridCol w="4927918"/>
-                <a:gridCol w="748030"/>
-                <a:gridCol w="1303655"/>
+                <a:gridCol w="4991452"/>
+                <a:gridCol w="720969"/>
+                <a:gridCol w="1267182"/>
               </a:tblGrid>
               <a:tr h="370840">
                 <a:tc>
@@ -14470,11 +14493,15 @@
                     <a:p>
                       <a:r>
                         <a:rPr lang="nb-NO" sz="1400" dirty="0" smtClean="0"/>
-                        <a:t>Tilsvarende som GET,</a:t>
+                        <a:t>Tilsvarende som </a:t>
+                      </a:r>
+                      <a:r>
+                        <a:rPr lang="nb-NO" sz="1400" dirty="0" smtClean="0"/>
+                        <a:t>GET,</a:t>
                       </a:r>
                       <a:r>
                         <a:rPr lang="nb-NO" sz="1400" baseline="0" dirty="0" smtClean="0"/>
-                        <a:t> men bare headere og body blir hentet</a:t>
+                        <a:t> ikke krav at meldings-body returneres</a:t>
                       </a:r>
                       <a:endParaRPr lang="en-US" sz="1400" dirty="0"/>
                     </a:p>
@@ -18624,7 +18651,7 @@
                 <a:latin typeface="Consolas" pitchFamily="49" charset="0"/>
                 <a:cs typeface="Consolas" pitchFamily="49" charset="0"/>
               </a:rPr>
-              <a:t>Install-Package Ninject-MVC3</a:t>
+              <a:t>Install-Package Ninject.MVC3</a:t>
             </a:r>
           </a:p>
           <a:p>
@@ -18781,6 +18808,39 @@
               </a:rPr>
               <a:t> </a:t>
             </a:r>
+            <a:r>
+              <a:rPr lang="en-US" sz="1400" dirty="0" smtClean="0">
+                <a:cs typeface="Consolas" pitchFamily="49" charset="0"/>
+              </a:rPr>
+              <a:t>I </a:t>
+            </a:r>
+            <a:r>
+              <a:rPr lang="en-US" sz="1400" dirty="0" err="1" smtClean="0">
+                <a:cs typeface="Consolas" pitchFamily="49" charset="0"/>
+              </a:rPr>
+              <a:t>metoden</a:t>
+            </a:r>
+            <a:r>
+              <a:rPr lang="en-US" sz="1400" dirty="0" smtClean="0">
+                <a:latin typeface="Consolas" pitchFamily="49" charset="0"/>
+                <a:cs typeface="Consolas" pitchFamily="49" charset="0"/>
+              </a:rPr>
+              <a:t> </a:t>
+            </a:r>
+            <a:r>
+              <a:rPr lang="en-US" sz="1400" dirty="0" err="1" smtClean="0">
+                <a:latin typeface="Consolas" pitchFamily="49" charset="0"/>
+                <a:cs typeface="Consolas" pitchFamily="49" charset="0"/>
+              </a:rPr>
+              <a:t>CreateKernel</a:t>
+            </a:r>
+            <a:r>
+              <a:rPr lang="en-US" sz="1400" dirty="0" smtClean="0">
+                <a:latin typeface="Consolas" pitchFamily="49" charset="0"/>
+                <a:cs typeface="Consolas" pitchFamily="49" charset="0"/>
+              </a:rPr>
+              <a:t>()</a:t>
+            </a:r>
             <a:endParaRPr lang="nb-NO" sz="1400" dirty="0" smtClean="0">
               <a:latin typeface="Consolas" pitchFamily="49" charset="0"/>
               <a:cs typeface="Consolas" pitchFamily="49" charset="0"/>
@@ -18790,32 +18850,167 @@
       </p:sp>
       <p:sp>
         <p:nvSpPr>
-          <p:cNvPr id="7" name="Rectangle 6"/>
-          <p:cNvSpPr/>
+          <p:cNvPr id="13313" name="Rectangle 1"/>
+          <p:cNvSpPr>
+            <a:spLocks noChangeArrowheads="1"/>
+          </p:cNvSpPr>
           <p:nvPr/>
         </p:nvSpPr>
-        <p:spPr>
+        <p:spPr bwMode="auto">
           <a:xfrm>
-            <a:off x="1292352" y="6324671"/>
-            <a:ext cx="7675784" cy="307777"/>
+            <a:off x="778933" y="3054826"/>
+            <a:ext cx="7952374" cy="276999"/>
           </a:xfrm>
           <a:prstGeom prst="rect">
             <a:avLst/>
           </a:prstGeom>
+          <a:solidFill>
+            <a:srgbClr val="FFFFFF"/>
+          </a:solidFill>
+          <a:ln w="9525">
+            <a:solidFill>
+              <a:schemeClr val="accent1"/>
+            </a:solidFill>
+            <a:miter lim="800000"/>
+            <a:headEnd/>
+            <a:tailEnd/>
+          </a:ln>
+          <a:effectLst/>
         </p:spPr>
         <p:txBody>
-          <a:bodyPr wrap="square">
+          <a:bodyPr vert="horz" wrap="square" lIns="91440" tIns="45720" rIns="91440" bIns="45720" numCol="1" anchor="ctr" anchorCtr="0" compatLnSpc="1">
+            <a:prstTxWarp prst="textNoShape">
+              <a:avLst/>
+            </a:prstTxWarp>
             <a:spAutoFit/>
           </a:bodyPr>
           <a:lstStyle/>
           <a:p>
-            <a:r>
-              <a:rPr lang="en-US" sz="1400" dirty="0" smtClean="0">
-                <a:hlinkClick r:id="rId3"/>
-              </a:rPr>
-              <a:t>http://www.strathweb.com/2012/05/using-ninject-with-the-latest-asp-net-web-api-source/</a:t>
-            </a:r>
-            <a:endParaRPr lang="en-US" sz="1400" dirty="0"/>
+            <a:pPr marL="0" marR="0" lvl="0" indent="0" algn="l" defTabSz="914400" rtl="0" eaLnBrk="1" fontAlgn="base" latinLnBrk="0" hangingPunct="1">
+              <a:lnSpc>
+                <a:spcPct val="100000"/>
+              </a:lnSpc>
+              <a:spcBef>
+                <a:spcPct val="0"/>
+              </a:spcBef>
+              <a:spcAft>
+                <a:spcPct val="0"/>
+              </a:spcAft>
+              <a:buClrTx/>
+              <a:buSzTx/>
+              <a:buFontTx/>
+              <a:buNone/>
+              <a:tabLst/>
+            </a:pPr>
+            <a:r>
+              <a:rPr kumimoji="0" lang="en-US" sz="1200" b="0" i="0" u="none" strike="noStrike" cap="none" normalizeH="0" baseline="0" dirty="0" err="1" smtClean="0">
+                <a:ln>
+                  <a:noFill/>
+                </a:ln>
+                <a:solidFill>
+                  <a:srgbClr val="2B91AF"/>
+                </a:solidFill>
+                <a:effectLst/>
+                <a:latin typeface="Consolas" pitchFamily="49" charset="0"/>
+                <a:cs typeface="Consolas" pitchFamily="49" charset="0"/>
+              </a:rPr>
+              <a:t>GlobalConfiguration</a:t>
+            </a:r>
+            <a:r>
+              <a:rPr kumimoji="0" lang="en-US" sz="1200" b="0" i="0" u="none" strike="noStrike" cap="none" normalizeH="0" baseline="0" dirty="0" err="1" smtClean="0">
+                <a:ln>
+                  <a:noFill/>
+                </a:ln>
+                <a:solidFill>
+                  <a:srgbClr val="000000"/>
+                </a:solidFill>
+                <a:effectLst/>
+                <a:latin typeface="Consolas" pitchFamily="49" charset="0"/>
+                <a:cs typeface="Consolas" pitchFamily="49" charset="0"/>
+              </a:rPr>
+              <a:t>.Configuration.DependencyResolver</a:t>
+            </a:r>
+            <a:r>
+              <a:rPr kumimoji="0" lang="en-US" sz="1200" b="0" i="0" u="none" strike="noStrike" cap="none" normalizeH="0" baseline="0" dirty="0" smtClean="0">
+                <a:ln>
+                  <a:noFill/>
+                </a:ln>
+                <a:solidFill>
+                  <a:srgbClr val="000000"/>
+                </a:solidFill>
+                <a:effectLst/>
+                <a:latin typeface="Consolas" pitchFamily="49" charset="0"/>
+                <a:cs typeface="Consolas" pitchFamily="49" charset="0"/>
+              </a:rPr>
+              <a:t> = </a:t>
+            </a:r>
+            <a:r>
+              <a:rPr kumimoji="0" lang="en-US" sz="1200" b="0" i="0" u="none" strike="noStrike" cap="none" normalizeH="0" baseline="0" dirty="0" smtClean="0">
+                <a:ln>
+                  <a:noFill/>
+                </a:ln>
+                <a:solidFill>
+                  <a:srgbClr val="0000FF"/>
+                </a:solidFill>
+                <a:effectLst/>
+                <a:latin typeface="Consolas" pitchFamily="49" charset="0"/>
+                <a:cs typeface="Consolas" pitchFamily="49" charset="0"/>
+              </a:rPr>
+              <a:t>new</a:t>
+            </a:r>
+            <a:r>
+              <a:rPr kumimoji="0" lang="en-US" sz="1200" b="0" i="0" u="none" strike="noStrike" cap="none" normalizeH="0" baseline="0" dirty="0" smtClean="0">
+                <a:ln>
+                  <a:noFill/>
+                </a:ln>
+                <a:solidFill>
+                  <a:srgbClr val="000000"/>
+                </a:solidFill>
+                <a:effectLst/>
+                <a:latin typeface="Consolas" pitchFamily="49" charset="0"/>
+                <a:cs typeface="Consolas" pitchFamily="49" charset="0"/>
+              </a:rPr>
+              <a:t> </a:t>
+            </a:r>
+            <a:r>
+              <a:rPr kumimoji="0" lang="en-US" sz="1200" b="0" i="0" u="none" strike="noStrike" cap="none" normalizeH="0" baseline="0" dirty="0" err="1" smtClean="0">
+                <a:ln>
+                  <a:noFill/>
+                </a:ln>
+                <a:solidFill>
+                  <a:srgbClr val="2B91AF"/>
+                </a:solidFill>
+                <a:effectLst/>
+                <a:latin typeface="Consolas" pitchFamily="49" charset="0"/>
+                <a:cs typeface="Consolas" pitchFamily="49" charset="0"/>
+              </a:rPr>
+              <a:t>NinjectResolver</a:t>
+            </a:r>
+            <a:r>
+              <a:rPr kumimoji="0" lang="en-US" sz="1200" b="0" i="0" u="none" strike="noStrike" cap="none" normalizeH="0" baseline="0" dirty="0" smtClean="0">
+                <a:ln>
+                  <a:noFill/>
+                </a:ln>
+                <a:solidFill>
+                  <a:srgbClr val="000000"/>
+                </a:solidFill>
+                <a:effectLst/>
+                <a:latin typeface="Consolas" pitchFamily="49" charset="0"/>
+                <a:cs typeface="Consolas" pitchFamily="49" charset="0"/>
+              </a:rPr>
+              <a:t>(kernel); </a:t>
+            </a:r>
+            <a:endParaRPr kumimoji="0" lang="en-US" sz="1200" b="0" i="0" u="none" strike="noStrike" cap="none" normalizeH="0" baseline="0" dirty="0" smtClean="0">
+              <a:ln>
+                <a:noFill/>
+              </a:ln>
+              <a:solidFill>
+                <a:schemeClr val="tx1"/>
+              </a:solidFill>
+              <a:effectLst/>
+              <a:latin typeface="Arial" pitchFamily="34" charset="0"/>
+              <a:cs typeface="Arial" pitchFamily="34" charset="0"/>
+            </a:endParaRPr>
           </a:p>
         </p:txBody>
       </p:sp>
@@ -18875,7 +19070,7 @@
         <p:spPr>
           <a:xfrm>
             <a:off x="321623" y="418905"/>
-            <a:ext cx="1579920" cy="307777"/>
+            <a:ext cx="1583767" cy="307777"/>
           </a:xfrm>
           <a:solidFill>
             <a:schemeClr val="accent1"/>
@@ -18891,7 +19086,7 @@
                   <a:schemeClr val="bg1"/>
                 </a:solidFill>
               </a:rPr>
-              <a:t>Oppgave 1</a:t>
+              <a:t>OppgaveR</a:t>
             </a:r>
             <a:endParaRPr lang="en-US" dirty="0">
               <a:solidFill>
@@ -18946,7 +19141,7 @@
         <p:spPr>
           <a:xfrm>
             <a:off x="321623" y="1397000"/>
-            <a:ext cx="8102827" cy="4247317"/>
+            <a:ext cx="8102827" cy="4893647"/>
           </a:xfrm>
           <a:prstGeom prst="rect">
             <a:avLst/>
@@ -18966,7 +19161,23 @@
                   <a:schemeClr val="bg1"/>
                 </a:solidFill>
               </a:rPr>
-              <a:t>I denne oppgaven skal vi starte på å lage et lite web API som skal eksponere blogginnlegg. Et blogginnlegg skal minimum ha tittel, innhold og dato for publisering. Start med å opprettet et .NET MVC4 Web Application og velg Web Api. Målet med denne oppgaven er å få til enkel CRUD for blogginnlegg. Vi trenger ikke lagring  i databasen, kun i minne.</a:t>
+              <a:t>I denne oppgaven skal vi starte på å lage et lite web API som skal eksponere blogginnlegg. Et blogginnlegg skal minimum ha tittel, innhold og dato for </a:t>
+            </a:r>
+            <a:r>
+              <a:rPr lang="nb-NO" dirty="0" smtClean="0">
+                <a:solidFill>
+                  <a:schemeClr val="bg1"/>
+                </a:solidFill>
+              </a:rPr>
+              <a:t>publisering. Målet </a:t>
+            </a:r>
+            <a:r>
+              <a:rPr lang="nb-NO" dirty="0" smtClean="0">
+                <a:solidFill>
+                  <a:schemeClr val="bg1"/>
+                </a:solidFill>
+              </a:rPr>
+              <a:t>med denne oppgaven er å få til enkel CRUD for blogginnlegg. Vi trenger ikke lagring  i databasen, kun i minne.</a:t>
             </a:r>
           </a:p>
           <a:p>
@@ -18985,8 +19196,13 @@
                   <a:schemeClr val="bg1"/>
                 </a:solidFill>
               </a:rPr>
-              <a:t>Operasjoner som bør finnes i controlleren</a:t>
-            </a:r>
+              <a:t>Implementèr følgende operasjoner i ApiControlleren:</a:t>
+            </a:r>
+            <a:endParaRPr lang="nb-NO" dirty="0" smtClean="0">
+              <a:solidFill>
+                <a:schemeClr val="bg1"/>
+              </a:solidFill>
+            </a:endParaRPr>
           </a:p>
           <a:p>
             <a:pPr algn="just"/>
@@ -19011,10 +19227,28 @@
                 <a:solidFill>
                   <a:schemeClr val="bg1"/>
                 </a:solidFill>
-                <a:latin typeface="Consolas" pitchFamily="49" charset="0"/>
-                <a:cs typeface="Consolas" pitchFamily="49" charset="0"/>
-              </a:rPr>
-              <a:t>Ienumerable&lt;BlogEntry&gt; Get()</a:t>
+              </a:rPr>
+              <a:t>1. </a:t>
+            </a:r>
+            <a:r>
+              <a:rPr lang="nb-NO" dirty="0" smtClean="0">
+                <a:solidFill>
+                  <a:schemeClr val="bg1"/>
+                </a:solidFill>
+                <a:latin typeface="Consolas" pitchFamily="49" charset="0"/>
+                <a:cs typeface="Consolas" pitchFamily="49" charset="0"/>
+              </a:rPr>
+              <a:t>IEnumerable&lt;BlogEntry</a:t>
+            </a:r>
+            <a:r>
+              <a:rPr lang="nb-NO" dirty="0" smtClean="0">
+                <a:solidFill>
+                  <a:schemeClr val="bg1"/>
+                </a:solidFill>
+                <a:latin typeface="Consolas" pitchFamily="49" charset="0"/>
+                <a:cs typeface="Consolas" pitchFamily="49" charset="0"/>
+              </a:rPr>
+              <a:t>&gt; Get()</a:t>
             </a:r>
           </a:p>
           <a:p>
@@ -19027,7 +19261,35 @@
                 <a:latin typeface="Consolas" pitchFamily="49" charset="0"/>
                 <a:cs typeface="Consolas" pitchFamily="49" charset="0"/>
               </a:rPr>
-              <a:t>	BlogEntry Get(id);</a:t>
+              <a:t>	</a:t>
+            </a:r>
+            <a:r>
+              <a:rPr lang="nb-NO" dirty="0" smtClean="0">
+                <a:solidFill>
+                  <a:schemeClr val="bg1"/>
+                </a:solidFill>
+              </a:rPr>
+              <a:t>2. </a:t>
+            </a:r>
+            <a:r>
+              <a:rPr lang="nb-NO" dirty="0" smtClean="0">
+                <a:solidFill>
+                  <a:schemeClr val="bg1"/>
+                </a:solidFill>
+                <a:latin typeface="Consolas" pitchFamily="49" charset="0"/>
+                <a:cs typeface="Consolas" pitchFamily="49" charset="0"/>
+              </a:rPr>
+              <a:t>BlogEntry </a:t>
+            </a:r>
+            <a:r>
+              <a:rPr lang="nb-NO" dirty="0" smtClean="0">
+                <a:solidFill>
+                  <a:schemeClr val="bg1"/>
+                </a:solidFill>
+                <a:latin typeface="Consolas" pitchFamily="49" charset="0"/>
+                <a:cs typeface="Consolas" pitchFamily="49" charset="0"/>
+              </a:rPr>
+              <a:t>Get(id);</a:t>
             </a:r>
           </a:p>
           <a:p>
@@ -19040,7 +19302,43 @@
                 <a:latin typeface="Consolas" pitchFamily="49" charset="0"/>
                 <a:cs typeface="Consolas" pitchFamily="49" charset="0"/>
               </a:rPr>
-              <a:t>	HttpResponseMessage Post(BlogEntry blogEntry)</a:t>
+              <a:t>	</a:t>
+            </a:r>
+            <a:r>
+              <a:rPr lang="nb-NO" dirty="0" smtClean="0">
+                <a:solidFill>
+                  <a:schemeClr val="bg1"/>
+                </a:solidFill>
+              </a:rPr>
+              <a:t>3</a:t>
+            </a:r>
+            <a:r>
+              <a:rPr lang="nb-NO" dirty="0" smtClean="0">
+                <a:solidFill>
+                  <a:schemeClr val="bg1"/>
+                </a:solidFill>
+              </a:rPr>
+              <a:t>. </a:t>
+            </a:r>
+            <a:r>
+              <a:rPr lang="nb-NO" dirty="0" smtClean="0">
+                <a:solidFill>
+                  <a:schemeClr val="bg1"/>
+                </a:solidFill>
+                <a:latin typeface="Consolas" pitchFamily="49" charset="0"/>
+                <a:cs typeface="Consolas" pitchFamily="49" charset="0"/>
+              </a:rPr>
+              <a:t>HttpResponseMessage </a:t>
+            </a:r>
+            <a:r>
+              <a:rPr lang="nb-NO" dirty="0" smtClean="0">
+                <a:solidFill>
+                  <a:schemeClr val="bg1"/>
+                </a:solidFill>
+                <a:latin typeface="Consolas" pitchFamily="49" charset="0"/>
+                <a:cs typeface="Consolas" pitchFamily="49" charset="0"/>
+              </a:rPr>
+              <a:t>Post(BlogEntry blogEntry)</a:t>
             </a:r>
           </a:p>
           <a:p>
@@ -19053,7 +19351,43 @@
                 <a:latin typeface="Consolas" pitchFamily="49" charset="0"/>
                 <a:cs typeface="Consolas" pitchFamily="49" charset="0"/>
               </a:rPr>
-              <a:t>	HttpResponseMessage Put(int id, BlogEntry blogEntry)</a:t>
+              <a:t>	</a:t>
+            </a:r>
+            <a:r>
+              <a:rPr lang="nb-NO" dirty="0" smtClean="0">
+                <a:solidFill>
+                  <a:schemeClr val="bg1"/>
+                </a:solidFill>
+              </a:rPr>
+              <a:t>4</a:t>
+            </a:r>
+            <a:r>
+              <a:rPr lang="nb-NO" dirty="0" smtClean="0">
+                <a:solidFill>
+                  <a:schemeClr val="bg1"/>
+                </a:solidFill>
+              </a:rPr>
+              <a:t>. </a:t>
+            </a:r>
+            <a:r>
+              <a:rPr lang="nb-NO" dirty="0" smtClean="0">
+                <a:solidFill>
+                  <a:schemeClr val="bg1"/>
+                </a:solidFill>
+                <a:latin typeface="Consolas" pitchFamily="49" charset="0"/>
+                <a:cs typeface="Consolas" pitchFamily="49" charset="0"/>
+              </a:rPr>
+              <a:t>HttpResponseMessage </a:t>
+            </a:r>
+            <a:r>
+              <a:rPr lang="nb-NO" dirty="0" smtClean="0">
+                <a:solidFill>
+                  <a:schemeClr val="bg1"/>
+                </a:solidFill>
+                <a:latin typeface="Consolas" pitchFamily="49" charset="0"/>
+                <a:cs typeface="Consolas" pitchFamily="49" charset="0"/>
+              </a:rPr>
+              <a:t>Put(int id, BlogEntry blogEntry)</a:t>
             </a:r>
           </a:p>
           <a:p>
@@ -19066,7 +19400,43 @@
                 <a:latin typeface="Consolas" pitchFamily="49" charset="0"/>
                 <a:cs typeface="Consolas" pitchFamily="49" charset="0"/>
               </a:rPr>
-              <a:t>	HttpResponseMessage Delete(int id)</a:t>
+              <a:t>	</a:t>
+            </a:r>
+            <a:r>
+              <a:rPr lang="nb-NO" dirty="0" smtClean="0">
+                <a:solidFill>
+                  <a:schemeClr val="bg1"/>
+                </a:solidFill>
+              </a:rPr>
+              <a:t>5</a:t>
+            </a:r>
+            <a:r>
+              <a:rPr lang="nb-NO" dirty="0" smtClean="0">
+                <a:solidFill>
+                  <a:schemeClr val="bg1"/>
+                </a:solidFill>
+              </a:rPr>
+              <a:t>. </a:t>
+            </a:r>
+            <a:r>
+              <a:rPr lang="nb-NO" dirty="0" smtClean="0">
+                <a:solidFill>
+                  <a:schemeClr val="bg1"/>
+                </a:solidFill>
+                <a:latin typeface="Consolas" pitchFamily="49" charset="0"/>
+                <a:cs typeface="Consolas" pitchFamily="49" charset="0"/>
+              </a:rPr>
+              <a:t>HttpResponseMessage </a:t>
+            </a:r>
+            <a:r>
+              <a:rPr lang="nb-NO" dirty="0" smtClean="0">
+                <a:solidFill>
+                  <a:schemeClr val="bg1"/>
+                </a:solidFill>
+                <a:latin typeface="Consolas" pitchFamily="49" charset="0"/>
+                <a:cs typeface="Consolas" pitchFamily="49" charset="0"/>
+              </a:rPr>
+              <a:t>Delete(int id)</a:t>
             </a:r>
           </a:p>
           <a:p>
@@ -19097,6 +19467,56 @@
               </a:rPr>
               <a:t>test-først</a:t>
             </a:r>
+          </a:p>
+          <a:p>
+            <a:pPr algn="just"/>
+            <a:endParaRPr lang="nb-NO" b="1" dirty="0" smtClean="0">
+              <a:solidFill>
+                <a:schemeClr val="bg1"/>
+              </a:solidFill>
+            </a:endParaRPr>
+          </a:p>
+          <a:p>
+            <a:pPr algn="just"/>
+            <a:r>
+              <a:rPr lang="nb-NO" sz="1400" i="1" dirty="0" smtClean="0">
+                <a:solidFill>
+                  <a:schemeClr val="bg1"/>
+                </a:solidFill>
+              </a:rPr>
+              <a:t>Hint #1: Se Ninject_ASP_NET_WEB_API.pdf på http://github.com/bekk/dotnetkurs/webapi</a:t>
+            </a:r>
+            <a:br>
+              <a:rPr lang="nb-NO" sz="1400" i="1" dirty="0" smtClean="0">
+                <a:solidFill>
+                  <a:schemeClr val="bg1"/>
+                </a:solidFill>
+              </a:rPr>
+            </a:br>
+            <a:r>
+              <a:rPr lang="nb-NO" sz="1400" i="1" dirty="0" smtClean="0">
+                <a:solidFill>
+                  <a:schemeClr val="bg1"/>
+                </a:solidFill>
+              </a:rPr>
+              <a:t>Hint   #2:  Bruk Request.CreateResponse for å lage HttpResponseMessage i en ApiController</a:t>
+            </a:r>
+          </a:p>
+          <a:p>
+            <a:pPr algn="just"/>
+            <a:r>
+              <a:rPr lang="nb-NO" sz="1400" i="1" dirty="0" smtClean="0">
+                <a:solidFill>
+                  <a:schemeClr val="bg1"/>
+                </a:solidFill>
+              </a:rPr>
+              <a:t> </a:t>
+            </a:r>
+            <a:endParaRPr lang="nb-NO" sz="1400" i="1" dirty="0" smtClean="0">
+              <a:solidFill>
+                <a:schemeClr val="bg1"/>
+              </a:solidFill>
+            </a:endParaRPr>
           </a:p>
         </p:txBody>
       </p:sp>

--- a/webapi/WebAPI.pptx
+++ b/webapi/WebAPI.pptx
@@ -153,7 +153,7 @@
     </p:spTree>
     <p:extLst>
       <p:ext uri="{BB962C8B-B14F-4D97-AF65-F5344CB8AC3E}">
-        <p14:creationId xmlns:p14="http://schemas.microsoft.com/office/powerpoint/2010/main" xmlns="" val="2280443481"/>
+        <p14:creationId xmlns="" xmlns:p14="http://schemas.microsoft.com/office/powerpoint/2010/main" val="2280443481"/>
       </p:ext>
     </p:extLst>
   </p:cSld>
@@ -323,7 +323,7 @@
     </p:spTree>
     <p:extLst>
       <p:ext uri="{BB962C8B-B14F-4D97-AF65-F5344CB8AC3E}">
-        <p14:creationId xmlns:p14="http://schemas.microsoft.com/office/powerpoint/2010/main" xmlns="" val="1996866432"/>
+        <p14:creationId xmlns="" xmlns:p14="http://schemas.microsoft.com/office/powerpoint/2010/main" val="1996866432"/>
       </p:ext>
     </p:extLst>
   </p:cSld>
@@ -562,11 +562,7 @@
             </a:r>
             <a:r>
               <a:rPr lang="nb-NO" baseline="0" dirty="0" smtClean="0"/>
-              <a:t> satt opp </a:t>
-            </a:r>
-            <a:r>
-              <a:rPr lang="nb-NO" baseline="0" dirty="0" smtClean="0"/>
-              <a:t>Ninject</a:t>
+              <a:t> satt opp Ninject</a:t>
             </a:r>
           </a:p>
           <a:p>
@@ -1145,7 +1141,7 @@
     </p:spTree>
     <p:extLst>
       <p:ext uri="{BB962C8B-B14F-4D97-AF65-F5344CB8AC3E}">
-        <p14:creationId xmlns:p14="http://schemas.microsoft.com/office/powerpoint/2010/main" xmlns="" val="1631701370"/>
+        <p14:creationId xmlns="" xmlns:p14="http://schemas.microsoft.com/office/powerpoint/2010/main" val="1631701370"/>
       </p:ext>
     </p:extLst>
   </p:cSld>
@@ -1466,7 +1462,7 @@
     </p:spTree>
     <p:extLst>
       <p:ext uri="{BB962C8B-B14F-4D97-AF65-F5344CB8AC3E}">
-        <p14:creationId xmlns:p14="http://schemas.microsoft.com/office/powerpoint/2010/main" xmlns="" val="2627694574"/>
+        <p14:creationId xmlns="" xmlns:p14="http://schemas.microsoft.com/office/powerpoint/2010/main" val="2627694574"/>
       </p:ext>
     </p:extLst>
   </p:cSld>
@@ -1785,7 +1781,7 @@
     </p:spTree>
     <p:extLst>
       <p:ext uri="{BB962C8B-B14F-4D97-AF65-F5344CB8AC3E}">
-        <p14:creationId xmlns:p14="http://schemas.microsoft.com/office/powerpoint/2010/main" xmlns="" val="2472564093"/>
+        <p14:creationId xmlns="" xmlns:p14="http://schemas.microsoft.com/office/powerpoint/2010/main" val="2472564093"/>
       </p:ext>
     </p:extLst>
   </p:cSld>
@@ -2270,7 +2266,7 @@
     </p:spTree>
     <p:extLst>
       <p:ext uri="{BB962C8B-B14F-4D97-AF65-F5344CB8AC3E}">
-        <p14:creationId xmlns:p14="http://schemas.microsoft.com/office/powerpoint/2010/main" xmlns="" val="844442129"/>
+        <p14:creationId xmlns="" xmlns:p14="http://schemas.microsoft.com/office/powerpoint/2010/main" val="844442129"/>
       </p:ext>
     </p:extLst>
   </p:cSld>
@@ -2600,7 +2596,7 @@
     </p:spTree>
     <p:extLst>
       <p:ext uri="{BB962C8B-B14F-4D97-AF65-F5344CB8AC3E}">
-        <p14:creationId xmlns:p14="http://schemas.microsoft.com/office/powerpoint/2010/main" xmlns="" val="1607786633"/>
+        <p14:creationId xmlns="" xmlns:p14="http://schemas.microsoft.com/office/powerpoint/2010/main" val="1607786633"/>
       </p:ext>
     </p:extLst>
   </p:cSld>
@@ -2930,7 +2926,7 @@
     </p:spTree>
     <p:extLst>
       <p:ext uri="{BB962C8B-B14F-4D97-AF65-F5344CB8AC3E}">
-        <p14:creationId xmlns:p14="http://schemas.microsoft.com/office/powerpoint/2010/main" xmlns="" val="3400319444"/>
+        <p14:creationId xmlns="" xmlns:p14="http://schemas.microsoft.com/office/powerpoint/2010/main" val="3400319444"/>
       </p:ext>
     </p:extLst>
   </p:cSld>
@@ -4800,7 +4796,7 @@
     </p:spTree>
     <p:extLst>
       <p:ext uri="{BB962C8B-B14F-4D97-AF65-F5344CB8AC3E}">
-        <p14:creationId xmlns:p14="http://schemas.microsoft.com/office/powerpoint/2010/main" xmlns="" val="1273682958"/>
+        <p14:creationId xmlns="" xmlns:p14="http://schemas.microsoft.com/office/powerpoint/2010/main" val="1273682958"/>
       </p:ext>
     </p:extLst>
   </p:cSld>
@@ -4905,7 +4901,7 @@
     </p:spTree>
     <p:extLst>
       <p:ext uri="{BB962C8B-B14F-4D97-AF65-F5344CB8AC3E}">
-        <p14:creationId xmlns:p14="http://schemas.microsoft.com/office/powerpoint/2010/main" xmlns="" val="3654216826"/>
+        <p14:creationId xmlns="" xmlns:p14="http://schemas.microsoft.com/office/powerpoint/2010/main" val="3654216826"/>
       </p:ext>
     </p:extLst>
   </p:cSld>
@@ -5161,7 +5157,7 @@
     </p:spTree>
     <p:extLst>
       <p:ext uri="{BB962C8B-B14F-4D97-AF65-F5344CB8AC3E}">
-        <p14:creationId xmlns:p14="http://schemas.microsoft.com/office/powerpoint/2010/main" xmlns="" val="2837040887"/>
+        <p14:creationId xmlns="" xmlns:p14="http://schemas.microsoft.com/office/powerpoint/2010/main" val="2837040887"/>
       </p:ext>
     </p:extLst>
   </p:cSld>
@@ -5194,7 +5190,7 @@
     </p:spTree>
     <p:extLst>
       <p:ext uri="{BB962C8B-B14F-4D97-AF65-F5344CB8AC3E}">
-        <p14:creationId xmlns:p14="http://schemas.microsoft.com/office/powerpoint/2010/main" xmlns="" val="3283581558"/>
+        <p14:creationId xmlns="" xmlns:p14="http://schemas.microsoft.com/office/powerpoint/2010/main" val="3283581558"/>
       </p:ext>
     </p:extLst>
   </p:cSld>
@@ -5508,7 +5504,7 @@
     </p:spTree>
     <p:extLst>
       <p:ext uri="{BB962C8B-B14F-4D97-AF65-F5344CB8AC3E}">
-        <p14:creationId xmlns:p14="http://schemas.microsoft.com/office/powerpoint/2010/main" xmlns="" val="3151533342"/>
+        <p14:creationId xmlns="" xmlns:p14="http://schemas.microsoft.com/office/powerpoint/2010/main" val="3151533342"/>
       </p:ext>
     </p:extLst>
   </p:cSld>
@@ -5651,7 +5647,7 @@
     </p:spTree>
     <p:extLst>
       <p:ext uri="{BB962C8B-B14F-4D97-AF65-F5344CB8AC3E}">
-        <p14:creationId xmlns:p14="http://schemas.microsoft.com/office/powerpoint/2010/main" xmlns="" val="894352273"/>
+        <p14:creationId xmlns="" xmlns:p14="http://schemas.microsoft.com/office/powerpoint/2010/main" val="894352273"/>
       </p:ext>
     </p:extLst>
   </p:cSld>
@@ -5817,7 +5813,7 @@
     </p:spTree>
     <p:extLst>
       <p:ext uri="{BB962C8B-B14F-4D97-AF65-F5344CB8AC3E}">
-        <p14:creationId xmlns:p14="http://schemas.microsoft.com/office/powerpoint/2010/main" xmlns="" val="351067674"/>
+        <p14:creationId xmlns="" xmlns:p14="http://schemas.microsoft.com/office/powerpoint/2010/main" val="351067674"/>
       </p:ext>
     </p:extLst>
   </p:cSld>
@@ -6137,7 +6133,7 @@
     </p:spTree>
     <p:extLst>
       <p:ext uri="{BB962C8B-B14F-4D97-AF65-F5344CB8AC3E}">
-        <p14:creationId xmlns:p14="http://schemas.microsoft.com/office/powerpoint/2010/main" xmlns="" val="3938044995"/>
+        <p14:creationId xmlns="" xmlns:p14="http://schemas.microsoft.com/office/powerpoint/2010/main" val="3938044995"/>
       </p:ext>
     </p:extLst>
   </p:cSld>
@@ -6723,7 +6719,7 @@
     </p:spTree>
     <p:extLst>
       <p:ext uri="{BB962C8B-B14F-4D97-AF65-F5344CB8AC3E}">
-        <p14:creationId xmlns:p14="http://schemas.microsoft.com/office/powerpoint/2010/main" xmlns="" val="3192118728"/>
+        <p14:creationId xmlns="" xmlns:p14="http://schemas.microsoft.com/office/powerpoint/2010/main" val="3192118728"/>
       </p:ext>
     </p:extLst>
   </p:cSld>
@@ -7121,7 +7117,7 @@
     </p:spTree>
     <p:extLst>
       <p:ext uri="{BB962C8B-B14F-4D97-AF65-F5344CB8AC3E}">
-        <p14:creationId xmlns:p14="http://schemas.microsoft.com/office/powerpoint/2010/main" xmlns="" val="2190527855"/>
+        <p14:creationId xmlns="" xmlns:p14="http://schemas.microsoft.com/office/powerpoint/2010/main" val="2190527855"/>
       </p:ext>
     </p:extLst>
   </p:cSld>
@@ -7918,7 +7914,7 @@
     </p:spTree>
     <p:extLst>
       <p:ext uri="{BB962C8B-B14F-4D97-AF65-F5344CB8AC3E}">
-        <p14:creationId xmlns:p14="http://schemas.microsoft.com/office/powerpoint/2010/main" xmlns="" val="69886873"/>
+        <p14:creationId xmlns="" xmlns:p14="http://schemas.microsoft.com/office/powerpoint/2010/main" val="69886873"/>
       </p:ext>
     </p:extLst>
   </p:cSld>
@@ -9009,7 +9005,7 @@
     </p:spTree>
     <p:extLst>
       <p:ext uri="{BB962C8B-B14F-4D97-AF65-F5344CB8AC3E}">
-        <p14:creationId xmlns:p14="http://schemas.microsoft.com/office/powerpoint/2010/main" xmlns="" val="593901232"/>
+        <p14:creationId xmlns="" xmlns:p14="http://schemas.microsoft.com/office/powerpoint/2010/main" val="593901232"/>
       </p:ext>
     </p:extLst>
   </p:cSld>
@@ -9265,7 +9261,7 @@
     </p:spTree>
     <p:extLst>
       <p:ext uri="{BB962C8B-B14F-4D97-AF65-F5344CB8AC3E}">
-        <p14:creationId xmlns:p14="http://schemas.microsoft.com/office/powerpoint/2010/main" xmlns="" val="925662914"/>
+        <p14:creationId xmlns="" xmlns:p14="http://schemas.microsoft.com/office/powerpoint/2010/main" val="925662914"/>
       </p:ext>
     </p:extLst>
   </p:cSld>
@@ -9507,7 +9503,7 @@
     </p:spTree>
     <p:extLst>
       <p:ext uri="{BB962C8B-B14F-4D97-AF65-F5344CB8AC3E}">
-        <p14:creationId xmlns:p14="http://schemas.microsoft.com/office/powerpoint/2010/main" xmlns="" val="2463004899"/>
+        <p14:creationId xmlns="" xmlns:p14="http://schemas.microsoft.com/office/powerpoint/2010/main" val="2463004899"/>
       </p:ext>
     </p:extLst>
   </p:cSld>
@@ -9932,7 +9928,7 @@
     </p:spTree>
     <p:extLst>
       <p:ext uri="{BB962C8B-B14F-4D97-AF65-F5344CB8AC3E}">
-        <p14:creationId xmlns:p14="http://schemas.microsoft.com/office/powerpoint/2010/main" xmlns="" val="1193520387"/>
+        <p14:creationId xmlns="" xmlns:p14="http://schemas.microsoft.com/office/powerpoint/2010/main" val="1193520387"/>
       </p:ext>
     </p:extLst>
   </p:cSld>
@@ -13877,13 +13873,8 @@
             </a:pPr>
             <a:r>
               <a:rPr lang="nb-NO" sz="1400" dirty="0" smtClean="0"/>
-              <a:t> </a:t>
-            </a:r>
-            <a:r>
-              <a:rPr lang="nb-NO" sz="1400" dirty="0" smtClean="0"/>
-              <a:t>Oppgave</a:t>
-            </a:r>
-            <a:endParaRPr lang="nb-NO" sz="1400" dirty="0" smtClean="0"/>
+              <a:t> Oppgave</a:t>
+            </a:r>
           </a:p>
           <a:p>
             <a:pPr>
@@ -13914,13 +13905,8 @@
             </a:pPr>
             <a:r>
               <a:rPr lang="nb-NO" sz="1400" dirty="0" smtClean="0"/>
-              <a:t> </a:t>
-            </a:r>
-            <a:r>
-              <a:rPr lang="nb-NO" sz="1400" dirty="0" smtClean="0"/>
-              <a:t>Oppgave</a:t>
-            </a:r>
-            <a:endParaRPr lang="nb-NO" sz="1400" dirty="0" smtClean="0"/>
+              <a:t> Oppgave</a:t>
+            </a:r>
           </a:p>
           <a:p>
             <a:pPr>
@@ -13951,13 +13937,8 @@
             </a:pPr>
             <a:r>
               <a:rPr lang="nb-NO" sz="1400" dirty="0" smtClean="0"/>
-              <a:t> </a:t>
-            </a:r>
-            <a:r>
-              <a:rPr lang="nb-NO" sz="1400" dirty="0" smtClean="0"/>
-              <a:t>Oppgave</a:t>
-            </a:r>
-            <a:endParaRPr lang="nb-NO" sz="1400" dirty="0" smtClean="0"/>
+              <a:t> Oppgave</a:t>
+            </a:r>
           </a:p>
         </p:txBody>
       </p:sp>
@@ -14493,11 +14474,7 @@
                     <a:p>
                       <a:r>
                         <a:rPr lang="nb-NO" sz="1400" dirty="0" smtClean="0"/>
-                        <a:t>Tilsvarende som </a:t>
-                      </a:r>
-                      <a:r>
-                        <a:rPr lang="nb-NO" sz="1400" dirty="0" smtClean="0"/>
-                        <a:t>GET,</a:t>
+                        <a:t>Tilsvarende som GET,</a:t>
                       </a:r>
                       <a:r>
                         <a:rPr lang="nb-NO" sz="1400" baseline="0" dirty="0" smtClean="0"/>
@@ -14642,6 +14619,13 @@
   <p:transition>
     <p:fade thruBlk="1"/>
   </p:transition>
+  <p:timing>
+    <p:tnLst>
+      <p:par>
+        <p:cTn id="1" dur="indefinite" restart="never" nodeType="tmRoot"/>
+      </p:par>
+    </p:tnLst>
+  </p:timing>
 </p:sld>
 </file>
 
@@ -14764,8 +14748,13 @@
             </a:pPr>
             <a:r>
               <a:rPr lang="nb-NO" sz="1400" dirty="0" smtClean="0"/>
-              <a:t> Del av ASP.NET MVC 4 RC</a:t>
-            </a:r>
+              <a:t> Del av ASP.NET MVC </a:t>
+            </a:r>
+            <a:r>
+              <a:rPr lang="nb-NO" sz="1400" dirty="0" smtClean="0"/>
+              <a:t>4</a:t>
+            </a:r>
+            <a:endParaRPr lang="nb-NO" sz="1400" dirty="0" smtClean="0"/>
           </a:p>
           <a:p>
             <a:pPr>
@@ -19161,23 +19150,7 @@
                   <a:schemeClr val="bg1"/>
                 </a:solidFill>
               </a:rPr>
-              <a:t>I denne oppgaven skal vi starte på å lage et lite web API som skal eksponere blogginnlegg. Et blogginnlegg skal minimum ha tittel, innhold og dato for </a:t>
-            </a:r>
-            <a:r>
-              <a:rPr lang="nb-NO" dirty="0" smtClean="0">
-                <a:solidFill>
-                  <a:schemeClr val="bg1"/>
-                </a:solidFill>
-              </a:rPr>
-              <a:t>publisering. Målet </a:t>
-            </a:r>
-            <a:r>
-              <a:rPr lang="nb-NO" dirty="0" smtClean="0">
-                <a:solidFill>
-                  <a:schemeClr val="bg1"/>
-                </a:solidFill>
-              </a:rPr>
-              <a:t>med denne oppgaven er å få til enkel CRUD for blogginnlegg. Vi trenger ikke lagring  i databasen, kun i minne.</a:t>
+              <a:t>I denne oppgaven skal vi starte på å lage et lite web API som skal eksponere blogginnlegg. Et blogginnlegg skal minimum ha tittel, innhold og dato for publisering. Målet med denne oppgaven er å få til enkel CRUD for blogginnlegg. Vi trenger ikke lagring  i databasen, kun i minne.</a:t>
             </a:r>
           </a:p>
           <a:p>
@@ -19198,11 +19171,6 @@
               </a:rPr>
               <a:t>Implementèr følgende operasjoner i ApiControlleren:</a:t>
             </a:r>
-            <a:endParaRPr lang="nb-NO" dirty="0" smtClean="0">
-              <a:solidFill>
-                <a:schemeClr val="bg1"/>
-              </a:solidFill>
-            </a:endParaRPr>
           </a:p>
           <a:p>
             <a:pPr algn="just"/>
@@ -19220,6 +19188,29 @@
                   <a:schemeClr val="bg1"/>
                 </a:solidFill>
               </a:rPr>
+              <a:t>	1. </a:t>
+            </a:r>
+            <a:r>
+              <a:rPr lang="nb-NO" dirty="0" smtClean="0">
+                <a:solidFill>
+                  <a:schemeClr val="bg1"/>
+                </a:solidFill>
+                <a:latin typeface="Consolas" pitchFamily="49" charset="0"/>
+                <a:cs typeface="Consolas" pitchFamily="49" charset="0"/>
+              </a:rPr>
+              <a:t>IEnumerable&lt;BlogEntry&gt; Get()</a:t>
+            </a:r>
+          </a:p>
+          <a:p>
+            <a:pPr algn="just"/>
+            <a:r>
+              <a:rPr lang="nb-NO" dirty="0" smtClean="0">
+                <a:solidFill>
+                  <a:schemeClr val="bg1"/>
+                </a:solidFill>
+                <a:latin typeface="Consolas" pitchFamily="49" charset="0"/>
+                <a:cs typeface="Consolas" pitchFamily="49" charset="0"/>
+              </a:rPr>
               <a:t>	</a:t>
             </a:r>
             <a:r>
@@ -19228,7 +19219,7 @@
                   <a:schemeClr val="bg1"/>
                 </a:solidFill>
               </a:rPr>
-              <a:t>1. </a:t>
+              <a:t>2. </a:t>
             </a:r>
             <a:r>
               <a:rPr lang="nb-NO" dirty="0" smtClean="0">
@@ -19238,8 +19229,11 @@
                 <a:latin typeface="Consolas" pitchFamily="49" charset="0"/>
                 <a:cs typeface="Consolas" pitchFamily="49" charset="0"/>
               </a:rPr>
-              <a:t>IEnumerable&lt;BlogEntry</a:t>
-            </a:r>
+              <a:t>BlogEntry Get(id);</a:t>
+            </a:r>
+          </a:p>
+          <a:p>
+            <a:pPr algn="just"/>
             <a:r>
               <a:rPr lang="nb-NO" dirty="0" smtClean="0">
                 <a:solidFill>
@@ -19248,7 +19242,25 @@
                 <a:latin typeface="Consolas" pitchFamily="49" charset="0"/>
                 <a:cs typeface="Consolas" pitchFamily="49" charset="0"/>
               </a:rPr>
-              <a:t>&gt; Get()</a:t>
+              <a:t>	</a:t>
+            </a:r>
+            <a:r>
+              <a:rPr lang="nb-NO" dirty="0" smtClean="0">
+                <a:solidFill>
+                  <a:schemeClr val="bg1"/>
+                </a:solidFill>
+              </a:rPr>
+              <a:t>3. </a:t>
+            </a:r>
+            <a:r>
+              <a:rPr lang="nb-NO" dirty="0" smtClean="0">
+                <a:solidFill>
+                  <a:schemeClr val="bg1"/>
+                </a:solidFill>
+                <a:latin typeface="Consolas" pitchFamily="49" charset="0"/>
+                <a:cs typeface="Consolas" pitchFamily="49" charset="0"/>
+              </a:rPr>
+              <a:t>HttpResponseMessage Post(BlogEntry blogEntry)</a:t>
             </a:r>
           </a:p>
           <a:p>
@@ -19269,7 +19281,7 @@
                   <a:schemeClr val="bg1"/>
                 </a:solidFill>
               </a:rPr>
-              <a:t>2. </a:t>
+              <a:t>4. </a:t>
             </a:r>
             <a:r>
               <a:rPr lang="nb-NO" dirty="0" smtClean="0">
@@ -19279,8 +19291,11 @@
                 <a:latin typeface="Consolas" pitchFamily="49" charset="0"/>
                 <a:cs typeface="Consolas" pitchFamily="49" charset="0"/>
               </a:rPr>
-              <a:t>BlogEntry </a:t>
-            </a:r>
+              <a:t>HttpResponseMessage Put(int id, BlogEntry blogEntry)</a:t>
+            </a:r>
+          </a:p>
+          <a:p>
+            <a:pPr algn="just"/>
             <a:r>
               <a:rPr lang="nb-NO" dirty="0" smtClean="0">
                 <a:solidFill>
@@ -19289,154 +19304,25 @@
                 <a:latin typeface="Consolas" pitchFamily="49" charset="0"/>
                 <a:cs typeface="Consolas" pitchFamily="49" charset="0"/>
               </a:rPr>
-              <a:t>Get(id);</a:t>
-            </a:r>
-          </a:p>
-          <a:p>
-            <a:pPr algn="just"/>
+              <a:t>	</a:t>
+            </a:r>
             <a:r>
               <a:rPr lang="nb-NO" dirty="0" smtClean="0">
                 <a:solidFill>
                   <a:schemeClr val="bg1"/>
                 </a:solidFill>
-                <a:latin typeface="Consolas" pitchFamily="49" charset="0"/>
-                <a:cs typeface="Consolas" pitchFamily="49" charset="0"/>
-              </a:rPr>
-              <a:t>	</a:t>
+              </a:rPr>
+              <a:t>5. </a:t>
             </a:r>
             <a:r>
               <a:rPr lang="nb-NO" dirty="0" smtClean="0">
                 <a:solidFill>
                   <a:schemeClr val="bg1"/>
                 </a:solidFill>
-              </a:rPr>
-              <a:t>3</a:t>
-            </a:r>
-            <a:r>
-              <a:rPr lang="nb-NO" dirty="0" smtClean="0">
-                <a:solidFill>
-                  <a:schemeClr val="bg1"/>
-                </a:solidFill>
-              </a:rPr>
-              <a:t>. </a:t>
-            </a:r>
-            <a:r>
-              <a:rPr lang="nb-NO" dirty="0" smtClean="0">
-                <a:solidFill>
-                  <a:schemeClr val="bg1"/>
-                </a:solidFill>
-                <a:latin typeface="Consolas" pitchFamily="49" charset="0"/>
-                <a:cs typeface="Consolas" pitchFamily="49" charset="0"/>
-              </a:rPr>
-              <a:t>HttpResponseMessage </a:t>
-            </a:r>
-            <a:r>
-              <a:rPr lang="nb-NO" dirty="0" smtClean="0">
-                <a:solidFill>
-                  <a:schemeClr val="bg1"/>
-                </a:solidFill>
-                <a:latin typeface="Consolas" pitchFamily="49" charset="0"/>
-                <a:cs typeface="Consolas" pitchFamily="49" charset="0"/>
-              </a:rPr>
-              <a:t>Post(BlogEntry blogEntry)</a:t>
-            </a:r>
-          </a:p>
-          <a:p>
-            <a:pPr algn="just"/>
-            <a:r>
-              <a:rPr lang="nb-NO" dirty="0" smtClean="0">
-                <a:solidFill>
-                  <a:schemeClr val="bg1"/>
-                </a:solidFill>
-                <a:latin typeface="Consolas" pitchFamily="49" charset="0"/>
-                <a:cs typeface="Consolas" pitchFamily="49" charset="0"/>
-              </a:rPr>
-              <a:t>	</a:t>
-            </a:r>
-            <a:r>
-              <a:rPr lang="nb-NO" dirty="0" smtClean="0">
-                <a:solidFill>
-                  <a:schemeClr val="bg1"/>
-                </a:solidFill>
-              </a:rPr>
-              <a:t>4</a:t>
-            </a:r>
-            <a:r>
-              <a:rPr lang="nb-NO" dirty="0" smtClean="0">
-                <a:solidFill>
-                  <a:schemeClr val="bg1"/>
-                </a:solidFill>
-              </a:rPr>
-              <a:t>. </a:t>
-            </a:r>
-            <a:r>
-              <a:rPr lang="nb-NO" dirty="0" smtClean="0">
-                <a:solidFill>
-                  <a:schemeClr val="bg1"/>
-                </a:solidFill>
-                <a:latin typeface="Consolas" pitchFamily="49" charset="0"/>
-                <a:cs typeface="Consolas" pitchFamily="49" charset="0"/>
-              </a:rPr>
-              <a:t>HttpResponseMessage </a:t>
-            </a:r>
-            <a:r>
-              <a:rPr lang="nb-NO" dirty="0" smtClean="0">
-                <a:solidFill>
-                  <a:schemeClr val="bg1"/>
-                </a:solidFill>
-                <a:latin typeface="Consolas" pitchFamily="49" charset="0"/>
-                <a:cs typeface="Consolas" pitchFamily="49" charset="0"/>
-              </a:rPr>
-              <a:t>Put(int id, BlogEntry blogEntry)</a:t>
-            </a:r>
-          </a:p>
-          <a:p>
-            <a:pPr algn="just"/>
-            <a:r>
-              <a:rPr lang="nb-NO" dirty="0" smtClean="0">
-                <a:solidFill>
-                  <a:schemeClr val="bg1"/>
-                </a:solidFill>
-                <a:latin typeface="Consolas" pitchFamily="49" charset="0"/>
-                <a:cs typeface="Consolas" pitchFamily="49" charset="0"/>
-              </a:rPr>
-              <a:t>	</a:t>
-            </a:r>
-            <a:r>
-              <a:rPr lang="nb-NO" dirty="0" smtClean="0">
-                <a:solidFill>
-                  <a:schemeClr val="bg1"/>
-                </a:solidFill>
-              </a:rPr>
-              <a:t>5</a:t>
-            </a:r>
-            <a:r>
-              <a:rPr lang="nb-NO" dirty="0" smtClean="0">
-                <a:solidFill>
-                  <a:schemeClr val="bg1"/>
-                </a:solidFill>
-              </a:rPr>
-              <a:t>. </a:t>
-            </a:r>
-            <a:r>
-              <a:rPr lang="nb-NO" dirty="0" smtClean="0">
-                <a:solidFill>
-                  <a:schemeClr val="bg1"/>
-                </a:solidFill>
-                <a:latin typeface="Consolas" pitchFamily="49" charset="0"/>
-                <a:cs typeface="Consolas" pitchFamily="49" charset="0"/>
-              </a:rPr>
-              <a:t>HttpResponseMessage </a:t>
-            </a:r>
-            <a:r>
-              <a:rPr lang="nb-NO" dirty="0" smtClean="0">
-                <a:solidFill>
-                  <a:schemeClr val="bg1"/>
-                </a:solidFill>
-                <a:latin typeface="Consolas" pitchFamily="49" charset="0"/>
-                <a:cs typeface="Consolas" pitchFamily="49" charset="0"/>
-              </a:rPr>
-              <a:t>Delete(int id)</a:t>
+                <a:latin typeface="Consolas" pitchFamily="49" charset="0"/>
+                <a:cs typeface="Consolas" pitchFamily="49" charset="0"/>
+              </a:rPr>
+              <a:t>HttpResponseMessage Delete(int id)</a:t>
             </a:r>
           </a:p>
           <a:p>
@@ -19512,11 +19398,6 @@
               </a:rPr>
               <a:t> </a:t>
             </a:r>
-            <a:endParaRPr lang="nb-NO" sz="1400" i="1" dirty="0" smtClean="0">
-              <a:solidFill>
-                <a:schemeClr val="bg1"/>
-              </a:solidFill>
-            </a:endParaRPr>
           </a:p>
         </p:txBody>
       </p:sp>

--- a/webapi/WebAPI.pptx
+++ b/webapi/WebAPI.pptx
@@ -5,28 +5,25 @@
     <p:sldMasterId id="2147483648" r:id="rId1"/>
   </p:sldMasterIdLst>
   <p:notesMasterIdLst>
-    <p:notesMasterId r:id="rId18"/>
+    <p:notesMasterId r:id="rId15"/>
   </p:notesMasterIdLst>
   <p:handoutMasterIdLst>
-    <p:handoutMasterId r:id="rId19"/>
+    <p:handoutMasterId r:id="rId16"/>
   </p:handoutMasterIdLst>
   <p:sldIdLst>
     <p:sldId id="256" r:id="rId2"/>
     <p:sldId id="266" r:id="rId3"/>
     <p:sldId id="271" r:id="rId4"/>
     <p:sldId id="273" r:id="rId5"/>
-    <p:sldId id="274" r:id="rId6"/>
-    <p:sldId id="270" r:id="rId7"/>
-    <p:sldId id="275" r:id="rId8"/>
-    <p:sldId id="286" r:id="rId9"/>
-    <p:sldId id="269" r:id="rId10"/>
-    <p:sldId id="283" r:id="rId11"/>
-    <p:sldId id="284" r:id="rId12"/>
-    <p:sldId id="276" r:id="rId13"/>
-    <p:sldId id="277" r:id="rId14"/>
-    <p:sldId id="279" r:id="rId15"/>
-    <p:sldId id="287" r:id="rId16"/>
-    <p:sldId id="285" r:id="rId17"/>
+    <p:sldId id="288" r:id="rId6"/>
+    <p:sldId id="274" r:id="rId7"/>
+    <p:sldId id="270" r:id="rId8"/>
+    <p:sldId id="275" r:id="rId9"/>
+    <p:sldId id="290" r:id="rId10"/>
+    <p:sldId id="286" r:id="rId11"/>
+    <p:sldId id="269" r:id="rId12"/>
+    <p:sldId id="279" r:id="rId13"/>
+    <p:sldId id="289" r:id="rId14"/>
   </p:sldIdLst>
   <p:sldSz cx="9144000" cy="6858000" type="screen4x3"/>
   <p:notesSz cx="6858000" cy="9144000"/>
@@ -125,6 +122,56 @@
       </a:defRPr>
     </a:lvl9pPr>
   </p:defaultTextStyle>
+  <p:extLst>
+    <p:ext uri="{EFAFB233-063F-42B5-8137-9DF3F51BA10A}">
+      <p15:sldGuideLst xmlns:p15="http://schemas.microsoft.com/office/powerpoint/2012/main">
+        <p15:guide id="1" orient="horz" pos="4196">
+          <p15:clr>
+            <a:srgbClr val="A4A3A4"/>
+          </p15:clr>
+        </p15:guide>
+        <p15:guide id="2" orient="horz" pos="2153">
+          <p15:clr>
+            <a:srgbClr val="A4A3A4"/>
+          </p15:clr>
+        </p15:guide>
+        <p15:guide id="3" orient="horz" pos="795">
+          <p15:clr>
+            <a:srgbClr val="A4A3A4"/>
+          </p15:clr>
+        </p15:guide>
+        <p15:guide id="4" pos="254">
+          <p15:clr>
+            <a:srgbClr val="A4A3A4"/>
+          </p15:clr>
+        </p15:guide>
+        <p15:guide id="5" pos="5507">
+          <p15:clr>
+            <a:srgbClr val="A4A3A4"/>
+          </p15:clr>
+        </p15:guide>
+        <p15:guide id="6" pos="2882">
+          <p15:clr>
+            <a:srgbClr val="A4A3A4"/>
+          </p15:clr>
+        </p15:guide>
+      </p15:sldGuideLst>
+    </p:ext>
+    <p:ext uri="{2D200454-40CA-4A62-9FC3-DE9A4176ACB9}">
+      <p15:notesGuideLst xmlns:p15="http://schemas.microsoft.com/office/powerpoint/2012/main">
+        <p15:guide id="1" orient="horz" pos="2880">
+          <p15:clr>
+            <a:srgbClr val="A4A3A4"/>
+          </p15:clr>
+        </p15:guide>
+        <p15:guide id="2" pos="2160">
+          <p15:clr>
+            <a:srgbClr val="A4A3A4"/>
+          </p15:clr>
+        </p15:guide>
+      </p15:notesGuideLst>
+    </p:ext>
+  </p:extLst>
 </p:presentation>
 </file>
 
@@ -153,7 +200,7 @@
     </p:spTree>
     <p:extLst>
       <p:ext uri="{BB962C8B-B14F-4D97-AF65-F5344CB8AC3E}">
-        <p14:creationId xmlns="" xmlns:p14="http://schemas.microsoft.com/office/powerpoint/2010/main" val="2280443481"/>
+        <p14:creationId xmlns:p14="http://schemas.microsoft.com/office/powerpoint/2010/main" val="2280443481"/>
       </p:ext>
     </p:extLst>
   </p:cSld>
@@ -323,7 +370,7 @@
     </p:spTree>
     <p:extLst>
       <p:ext uri="{BB962C8B-B14F-4D97-AF65-F5344CB8AC3E}">
-        <p14:creationId xmlns="" xmlns:p14="http://schemas.microsoft.com/office/powerpoint/2010/main" val="1996866432"/>
+        <p14:creationId xmlns:p14="http://schemas.microsoft.com/office/powerpoint/2010/main" val="1996866432"/>
       </p:ext>
     </p:extLst>
   </p:cSld>
@@ -498,6 +545,11 @@
         </p:txBody>
       </p:sp>
     </p:spTree>
+    <p:extLst>
+      <p:ext uri="{BB962C8B-B14F-4D97-AF65-F5344CB8AC3E}">
+        <p14:creationId xmlns:p14="http://schemas.microsoft.com/office/powerpoint/2010/main" val="4173042921"/>
+      </p:ext>
+    </p:extLst>
   </p:cSld>
   <p:clrMapOvr>
     <a:masterClrMapping/>
@@ -551,32 +603,36 @@
         </p:nvSpPr>
         <p:spPr/>
         <p:txBody>
-          <a:bodyPr>
-            <a:normAutofit/>
-          </a:bodyPr>
+          <a:bodyPr/>
           <a:lstStyle/>
           <a:p>
             <a:r>
               <a:rPr lang="nb-NO" dirty="0" smtClean="0"/>
-              <a:t>Vis demo av hvordan man får</a:t>
+              <a:t>Hvordan</a:t>
             </a:r>
             <a:r>
               <a:rPr lang="nb-NO" baseline="0" dirty="0" smtClean="0"/>
-              <a:t> satt opp Ninject</a:t>
-            </a:r>
-          </a:p>
-          <a:p>
-            <a:r>
-              <a:rPr lang="en-US" sz="1600" dirty="0" smtClean="0">
-                <a:hlinkClick r:id="rId3"/>
-              </a:rPr>
-              <a:t>http://www.strathweb.com/2012/05/using-ninject-with-the-latest-asp-net-web-api-source/</a:t>
-            </a:r>
-            <a:endParaRPr lang="en-US" dirty="0"/>
+              <a:t> det kanskje kunne ha sett ut:</a:t>
+            </a:r>
+          </a:p>
+          <a:p>
+            <a:endParaRPr lang="nb-NO" baseline="0" dirty="0" smtClean="0"/>
+          </a:p>
+          <a:p>
+            <a:r>
+              <a:rPr lang="nb-NO" dirty="0" smtClean="0"/>
+              <a:t>flydata.avinor.no/flyplasser/osl/avganger</a:t>
+            </a:r>
+            <a:endParaRPr lang="nb-NO" dirty="0"/>
           </a:p>
         </p:txBody>
       </p:sp>
     </p:spTree>
+    <p:extLst>
+      <p:ext uri="{BB962C8B-B14F-4D97-AF65-F5344CB8AC3E}">
+        <p14:creationId xmlns:p14="http://schemas.microsoft.com/office/powerpoint/2010/main" val="2090476968"/>
+      </p:ext>
+    </p:extLst>
   </p:cSld>
   <p:clrMapOvr>
     <a:masterClrMapping/>
@@ -611,7 +667,12 @@
             <p:ph type="sldImg"/>
           </p:nvPr>
         </p:nvSpPr>
-        <p:spPr/>
+        <p:spPr>
+          <a:xfrm>
+            <a:off x="827088" y="592138"/>
+            <a:ext cx="5226050" cy="3919537"/>
+          </a:xfrm>
+        </p:spPr>
       </p:sp>
       <p:sp>
         <p:nvSpPr>
@@ -631,16 +692,31 @@
           <a:lstStyle/>
           <a:p>
             <a:r>
-              <a:rPr lang="en-US" dirty="0" smtClean="0">
+              <a:rPr lang="nb-NO" dirty="0" smtClean="0"/>
+              <a:t>Vis demo av hvordan man får</a:t>
+            </a:r>
+            <a:r>
+              <a:rPr lang="nb-NO" baseline="0" dirty="0" smtClean="0"/>
+              <a:t> satt opp Ninject</a:t>
+            </a:r>
+          </a:p>
+          <a:p>
+            <a:r>
+              <a:rPr lang="en-US" sz="1600" dirty="0" smtClean="0">
                 <a:hlinkClick r:id="rId3"/>
               </a:rPr>
-              <a:t>http://www.developer.com/net/asp/consuming-an-asp.net-web-api-using-httpclient.html</a:t>
+              <a:t>http://www.strathweb.com/2012/05/using-ninject-with-the-latest-asp-net-web-api-source/</a:t>
             </a:r>
             <a:endParaRPr lang="en-US" dirty="0"/>
           </a:p>
         </p:txBody>
       </p:sp>
     </p:spTree>
+    <p:extLst>
+      <p:ext uri="{BB962C8B-B14F-4D97-AF65-F5344CB8AC3E}">
+        <p14:creationId xmlns:p14="http://schemas.microsoft.com/office/powerpoint/2010/main" val="598944534"/>
+      </p:ext>
+    </p:extLst>
   </p:cSld>
   <p:clrMapOvr>
     <a:masterClrMapping/>
@@ -700,14 +776,95 @@
           <a:lstStyle/>
           <a:p>
             <a:r>
-              <a:rPr lang="nb-NO" dirty="0" smtClean="0"/>
-              <a:t>Demo på dette hvis tid</a:t>
+              <a:rPr lang="en-US" dirty="0" smtClean="0">
+                <a:hlinkClick r:id="rId3"/>
+              </a:rPr>
+              <a:t>http://www.developer.com/net/asp/consuming-an-asp.net-web-api-using-httpclient.html</a:t>
             </a:r>
             <a:endParaRPr lang="en-US" dirty="0"/>
           </a:p>
         </p:txBody>
       </p:sp>
     </p:spTree>
+    <p:extLst>
+      <p:ext uri="{BB962C8B-B14F-4D97-AF65-F5344CB8AC3E}">
+        <p14:creationId xmlns:p14="http://schemas.microsoft.com/office/powerpoint/2010/main" val="170088884"/>
+      </p:ext>
+    </p:extLst>
+  </p:cSld>
+  <p:clrMapOvr>
+    <a:masterClrMapping/>
+  </p:clrMapOvr>
+</p:notes>
+</file>
+
+<file path=ppt/notesSlides/notesSlide5.xml><?xml version="1.0" encoding="utf-8"?>
+<p:notes xmlns:a="http://schemas.openxmlformats.org/drawingml/2006/main" xmlns:r="http://schemas.openxmlformats.org/officeDocument/2006/relationships" xmlns:p="http://schemas.openxmlformats.org/presentationml/2006/main">
+  <p:cSld>
+    <p:spTree>
+      <p:nvGrpSpPr>
+        <p:cNvPr id="1" name=""/>
+        <p:cNvGrpSpPr/>
+        <p:nvPr/>
+      </p:nvGrpSpPr>
+      <p:grpSpPr>
+        <a:xfrm>
+          <a:off x="0" y="0"/>
+          <a:ext cx="0" cy="0"/>
+          <a:chOff x="0" y="0"/>
+          <a:chExt cx="0" cy="0"/>
+        </a:xfrm>
+      </p:grpSpPr>
+      <p:sp>
+        <p:nvSpPr>
+          <p:cNvPr id="2" name="Slide Image Placeholder 1"/>
+          <p:cNvSpPr>
+            <a:spLocks noGrp="1" noRot="1" noChangeAspect="1"/>
+          </p:cNvSpPr>
+          <p:nvPr>
+            <p:ph type="sldImg"/>
+          </p:nvPr>
+        </p:nvSpPr>
+        <p:spPr>
+          <a:xfrm>
+            <a:off x="827088" y="592138"/>
+            <a:ext cx="5226050" cy="3919537"/>
+          </a:xfrm>
+        </p:spPr>
+      </p:sp>
+      <p:sp>
+        <p:nvSpPr>
+          <p:cNvPr id="3" name="Notes Placeholder 2"/>
+          <p:cNvSpPr>
+            <a:spLocks noGrp="1"/>
+          </p:cNvSpPr>
+          <p:nvPr>
+            <p:ph type="body" idx="1"/>
+          </p:nvPr>
+        </p:nvSpPr>
+        <p:spPr/>
+        <p:txBody>
+          <a:bodyPr>
+            <a:normAutofit/>
+          </a:bodyPr>
+          <a:lstStyle/>
+          <a:p>
+            <a:r>
+              <a:rPr lang="en-US" dirty="0" smtClean="0">
+                <a:hlinkClick r:id="rId3"/>
+              </a:rPr>
+              <a:t>http://www.developer.com/net/asp/consuming-an-asp.net-web-api-using-httpclient.html</a:t>
+            </a:r>
+            <a:endParaRPr lang="en-US" dirty="0"/>
+          </a:p>
+        </p:txBody>
+      </p:sp>
+    </p:spTree>
+    <p:extLst>
+      <p:ext uri="{BB962C8B-B14F-4D97-AF65-F5344CB8AC3E}">
+        <p14:creationId xmlns:p14="http://schemas.microsoft.com/office/powerpoint/2010/main" val="3734554777"/>
+      </p:ext>
+    </p:extLst>
   </p:cSld>
   <p:clrMapOvr>
     <a:masterClrMapping/>
@@ -1141,7 +1298,7 @@
     </p:spTree>
     <p:extLst>
       <p:ext uri="{BB962C8B-B14F-4D97-AF65-F5344CB8AC3E}">
-        <p14:creationId xmlns="" xmlns:p14="http://schemas.microsoft.com/office/powerpoint/2010/main" val="1631701370"/>
+        <p14:creationId xmlns:p14="http://schemas.microsoft.com/office/powerpoint/2010/main" val="1631701370"/>
       </p:ext>
     </p:extLst>
   </p:cSld>
@@ -1462,7 +1619,7 @@
     </p:spTree>
     <p:extLst>
       <p:ext uri="{BB962C8B-B14F-4D97-AF65-F5344CB8AC3E}">
-        <p14:creationId xmlns="" xmlns:p14="http://schemas.microsoft.com/office/powerpoint/2010/main" val="2627694574"/>
+        <p14:creationId xmlns:p14="http://schemas.microsoft.com/office/powerpoint/2010/main" val="2627694574"/>
       </p:ext>
     </p:extLst>
   </p:cSld>
@@ -1781,7 +1938,7 @@
     </p:spTree>
     <p:extLst>
       <p:ext uri="{BB962C8B-B14F-4D97-AF65-F5344CB8AC3E}">
-        <p14:creationId xmlns="" xmlns:p14="http://schemas.microsoft.com/office/powerpoint/2010/main" val="2472564093"/>
+        <p14:creationId xmlns:p14="http://schemas.microsoft.com/office/powerpoint/2010/main" val="2472564093"/>
       </p:ext>
     </p:extLst>
   </p:cSld>
@@ -2266,7 +2423,7 @@
     </p:spTree>
     <p:extLst>
       <p:ext uri="{BB962C8B-B14F-4D97-AF65-F5344CB8AC3E}">
-        <p14:creationId xmlns="" xmlns:p14="http://schemas.microsoft.com/office/powerpoint/2010/main" val="844442129"/>
+        <p14:creationId xmlns:p14="http://schemas.microsoft.com/office/powerpoint/2010/main" val="844442129"/>
       </p:ext>
     </p:extLst>
   </p:cSld>
@@ -2596,7 +2753,7 @@
     </p:spTree>
     <p:extLst>
       <p:ext uri="{BB962C8B-B14F-4D97-AF65-F5344CB8AC3E}">
-        <p14:creationId xmlns="" xmlns:p14="http://schemas.microsoft.com/office/powerpoint/2010/main" val="1607786633"/>
+        <p14:creationId xmlns:p14="http://schemas.microsoft.com/office/powerpoint/2010/main" val="1607786633"/>
       </p:ext>
     </p:extLst>
   </p:cSld>
@@ -2926,7 +3083,7 @@
     </p:spTree>
     <p:extLst>
       <p:ext uri="{BB962C8B-B14F-4D97-AF65-F5344CB8AC3E}">
-        <p14:creationId xmlns="" xmlns:p14="http://schemas.microsoft.com/office/powerpoint/2010/main" val="3400319444"/>
+        <p14:creationId xmlns:p14="http://schemas.microsoft.com/office/powerpoint/2010/main" val="3400319444"/>
       </p:ext>
     </p:extLst>
   </p:cSld>
@@ -4796,7 +4953,7 @@
     </p:spTree>
     <p:extLst>
       <p:ext uri="{BB962C8B-B14F-4D97-AF65-F5344CB8AC3E}">
-        <p14:creationId xmlns="" xmlns:p14="http://schemas.microsoft.com/office/powerpoint/2010/main" val="1273682958"/>
+        <p14:creationId xmlns:p14="http://schemas.microsoft.com/office/powerpoint/2010/main" val="1273682958"/>
       </p:ext>
     </p:extLst>
   </p:cSld>
@@ -4901,7 +5058,7 @@
     </p:spTree>
     <p:extLst>
       <p:ext uri="{BB962C8B-B14F-4D97-AF65-F5344CB8AC3E}">
-        <p14:creationId xmlns="" xmlns:p14="http://schemas.microsoft.com/office/powerpoint/2010/main" val="3654216826"/>
+        <p14:creationId xmlns:p14="http://schemas.microsoft.com/office/powerpoint/2010/main" val="3654216826"/>
       </p:ext>
     </p:extLst>
   </p:cSld>
@@ -5157,7 +5314,7 @@
     </p:spTree>
     <p:extLst>
       <p:ext uri="{BB962C8B-B14F-4D97-AF65-F5344CB8AC3E}">
-        <p14:creationId xmlns="" xmlns:p14="http://schemas.microsoft.com/office/powerpoint/2010/main" val="2837040887"/>
+        <p14:creationId xmlns:p14="http://schemas.microsoft.com/office/powerpoint/2010/main" val="2837040887"/>
       </p:ext>
     </p:extLst>
   </p:cSld>
@@ -5190,7 +5347,7 @@
     </p:spTree>
     <p:extLst>
       <p:ext uri="{BB962C8B-B14F-4D97-AF65-F5344CB8AC3E}">
-        <p14:creationId xmlns="" xmlns:p14="http://schemas.microsoft.com/office/powerpoint/2010/main" val="3283581558"/>
+        <p14:creationId xmlns:p14="http://schemas.microsoft.com/office/powerpoint/2010/main" val="3283581558"/>
       </p:ext>
     </p:extLst>
   </p:cSld>
@@ -5504,7 +5661,7 @@
     </p:spTree>
     <p:extLst>
       <p:ext uri="{BB962C8B-B14F-4D97-AF65-F5344CB8AC3E}">
-        <p14:creationId xmlns="" xmlns:p14="http://schemas.microsoft.com/office/powerpoint/2010/main" val="3151533342"/>
+        <p14:creationId xmlns:p14="http://schemas.microsoft.com/office/powerpoint/2010/main" val="3151533342"/>
       </p:ext>
     </p:extLst>
   </p:cSld>
@@ -5647,7 +5804,7 @@
     </p:spTree>
     <p:extLst>
       <p:ext uri="{BB962C8B-B14F-4D97-AF65-F5344CB8AC3E}">
-        <p14:creationId xmlns="" xmlns:p14="http://schemas.microsoft.com/office/powerpoint/2010/main" val="894352273"/>
+        <p14:creationId xmlns:p14="http://schemas.microsoft.com/office/powerpoint/2010/main" val="894352273"/>
       </p:ext>
     </p:extLst>
   </p:cSld>
@@ -5813,7 +5970,7 @@
     </p:spTree>
     <p:extLst>
       <p:ext uri="{BB962C8B-B14F-4D97-AF65-F5344CB8AC3E}">
-        <p14:creationId xmlns="" xmlns:p14="http://schemas.microsoft.com/office/powerpoint/2010/main" val="351067674"/>
+        <p14:creationId xmlns:p14="http://schemas.microsoft.com/office/powerpoint/2010/main" val="351067674"/>
       </p:ext>
     </p:extLst>
   </p:cSld>
@@ -6133,7 +6290,7 @@
     </p:spTree>
     <p:extLst>
       <p:ext uri="{BB962C8B-B14F-4D97-AF65-F5344CB8AC3E}">
-        <p14:creationId xmlns="" xmlns:p14="http://schemas.microsoft.com/office/powerpoint/2010/main" val="3938044995"/>
+        <p14:creationId xmlns:p14="http://schemas.microsoft.com/office/powerpoint/2010/main" val="3938044995"/>
       </p:ext>
     </p:extLst>
   </p:cSld>
@@ -6719,7 +6876,7 @@
     </p:spTree>
     <p:extLst>
       <p:ext uri="{BB962C8B-B14F-4D97-AF65-F5344CB8AC3E}">
-        <p14:creationId xmlns="" xmlns:p14="http://schemas.microsoft.com/office/powerpoint/2010/main" val="3192118728"/>
+        <p14:creationId xmlns:p14="http://schemas.microsoft.com/office/powerpoint/2010/main" val="3192118728"/>
       </p:ext>
     </p:extLst>
   </p:cSld>
@@ -7117,7 +7274,7 @@
     </p:spTree>
     <p:extLst>
       <p:ext uri="{BB962C8B-B14F-4D97-AF65-F5344CB8AC3E}">
-        <p14:creationId xmlns="" xmlns:p14="http://schemas.microsoft.com/office/powerpoint/2010/main" val="2190527855"/>
+        <p14:creationId xmlns:p14="http://schemas.microsoft.com/office/powerpoint/2010/main" val="2190527855"/>
       </p:ext>
     </p:extLst>
   </p:cSld>
@@ -7914,7 +8071,7 @@
     </p:spTree>
     <p:extLst>
       <p:ext uri="{BB962C8B-B14F-4D97-AF65-F5344CB8AC3E}">
-        <p14:creationId xmlns="" xmlns:p14="http://schemas.microsoft.com/office/powerpoint/2010/main" val="69886873"/>
+        <p14:creationId xmlns:p14="http://schemas.microsoft.com/office/powerpoint/2010/main" val="69886873"/>
       </p:ext>
     </p:extLst>
   </p:cSld>
@@ -9005,7 +9162,7 @@
     </p:spTree>
     <p:extLst>
       <p:ext uri="{BB962C8B-B14F-4D97-AF65-F5344CB8AC3E}">
-        <p14:creationId xmlns="" xmlns:p14="http://schemas.microsoft.com/office/powerpoint/2010/main" val="593901232"/>
+        <p14:creationId xmlns:p14="http://schemas.microsoft.com/office/powerpoint/2010/main" val="593901232"/>
       </p:ext>
     </p:extLst>
   </p:cSld>
@@ -9261,7 +9418,7 @@
     </p:spTree>
     <p:extLst>
       <p:ext uri="{BB962C8B-B14F-4D97-AF65-F5344CB8AC3E}">
-        <p14:creationId xmlns="" xmlns:p14="http://schemas.microsoft.com/office/powerpoint/2010/main" val="925662914"/>
+        <p14:creationId xmlns:p14="http://schemas.microsoft.com/office/powerpoint/2010/main" val="925662914"/>
       </p:ext>
     </p:extLst>
   </p:cSld>
@@ -9503,7 +9660,7 @@
     </p:spTree>
     <p:extLst>
       <p:ext uri="{BB962C8B-B14F-4D97-AF65-F5344CB8AC3E}">
-        <p14:creationId xmlns="" xmlns:p14="http://schemas.microsoft.com/office/powerpoint/2010/main" val="2463004899"/>
+        <p14:creationId xmlns:p14="http://schemas.microsoft.com/office/powerpoint/2010/main" val="2463004899"/>
       </p:ext>
     </p:extLst>
   </p:cSld>
@@ -9928,7 +10085,7 @@
     </p:spTree>
     <p:extLst>
       <p:ext uri="{BB962C8B-B14F-4D97-AF65-F5344CB8AC3E}">
-        <p14:creationId xmlns="" xmlns:p14="http://schemas.microsoft.com/office/powerpoint/2010/main" val="1193520387"/>
+        <p14:creationId xmlns:p14="http://schemas.microsoft.com/office/powerpoint/2010/main" val="1193520387"/>
       </p:ext>
     </p:extLst>
   </p:cSld>
@@ -9949,7 +10106,7 @@
 </file>
 
 <file path=ppt/slides/slide10.xml><?xml version="1.0" encoding="utf-8"?>
-<p:sld xmlns:a="http://schemas.openxmlformats.org/drawingml/2006/main" xmlns:r="http://schemas.openxmlformats.org/officeDocument/2006/relationships" xmlns:p="http://schemas.openxmlformats.org/presentationml/2006/main">
+<p:sld xmlns:a="http://schemas.openxmlformats.org/drawingml/2006/main" xmlns:r="http://schemas.openxmlformats.org/officeDocument/2006/relationships" xmlns:p="http://schemas.openxmlformats.org/presentationml/2006/main" show="0">
   <p:cSld>
     <p:spTree>
       <p:nvGrpSpPr>
@@ -9978,7 +10135,7 @@
         <p:spPr>
           <a:xfrm>
             <a:off x="321623" y="418905"/>
-            <a:ext cx="1830950" cy="307777"/>
+            <a:ext cx="4074513" cy="307777"/>
           </a:xfrm>
         </p:spPr>
         <p:txBody>
@@ -9987,7 +10144,7 @@
           <a:p>
             <a:r>
               <a:rPr lang="nb-NO" dirty="0" smtClean="0"/>
-              <a:t>VAlidering</a:t>
+              <a:t>Ninject og asp.net web api</a:t>
             </a:r>
             <a:endParaRPr lang="en-US" dirty="0"/>
           </a:p>
@@ -10019,7 +10176,284 @@
       </p:sp>
       <p:sp>
         <p:nvSpPr>
-          <p:cNvPr id="33793" name="Rectangle 1"/>
+          <p:cNvPr id="5" name="TextBox 4"/>
+          <p:cNvSpPr txBox="1"/>
+          <p:nvPr/>
+        </p:nvSpPr>
+        <p:spPr>
+          <a:xfrm>
+            <a:off x="321623" y="4251869"/>
+            <a:ext cx="8102827" cy="830997"/>
+          </a:xfrm>
+          <a:prstGeom prst="rect">
+            <a:avLst/>
+          </a:prstGeom>
+          <a:noFill/>
+          <a:effectLst>
+            <a:outerShdw blurRad="50800" dist="38100" dir="2700000" algn="tl" rotWithShape="0">
+              <a:prstClr val="black">
+                <a:alpha val="40000"/>
+              </a:prstClr>
+            </a:outerShdw>
+          </a:effectLst>
+        </p:spPr>
+        <p:txBody>
+          <a:bodyPr wrap="square" rtlCol="0">
+            <a:spAutoFit/>
+          </a:bodyPr>
+          <a:lstStyle/>
+          <a:p>
+            <a:pPr algn="ctr">
+              <a:spcBef>
+                <a:spcPts val="600"/>
+              </a:spcBef>
+              <a:spcAft>
+                <a:spcPts val="400"/>
+              </a:spcAft>
+            </a:pPr>
+            <a:r>
+              <a:rPr lang="nb-NO" sz="4800" dirty="0" smtClean="0"/>
+              <a:t>DEMO</a:t>
+            </a:r>
+          </a:p>
+        </p:txBody>
+      </p:sp>
+      <p:sp>
+        <p:nvSpPr>
+          <p:cNvPr id="6" name="TextBox 5"/>
+          <p:cNvSpPr txBox="1"/>
+          <p:nvPr/>
+        </p:nvSpPr>
+        <p:spPr>
+          <a:xfrm>
+            <a:off x="321623" y="1397000"/>
+            <a:ext cx="8102827" cy="1615827"/>
+          </a:xfrm>
+          <a:prstGeom prst="rect">
+            <a:avLst/>
+          </a:prstGeom>
+          <a:noFill/>
+        </p:spPr>
+        <p:txBody>
+          <a:bodyPr wrap="square" rtlCol="0">
+            <a:spAutoFit/>
+          </a:bodyPr>
+          <a:lstStyle/>
+          <a:p>
+            <a:pPr marL="342900" indent="-342900">
+              <a:spcBef>
+                <a:spcPts val="600"/>
+              </a:spcBef>
+              <a:spcAft>
+                <a:spcPts val="400"/>
+              </a:spcAft>
+              <a:buAutoNum type="arabicPeriod"/>
+            </a:pPr>
+            <a:r>
+              <a:rPr lang="nb-NO" sz="1400" dirty="0" smtClean="0">
+                <a:latin typeface="Consolas" pitchFamily="49" charset="0"/>
+                <a:cs typeface="Consolas" pitchFamily="49" charset="0"/>
+              </a:rPr>
+              <a:t>Install-Package Ninject.MVC3</a:t>
+            </a:r>
+          </a:p>
+          <a:p>
+            <a:pPr marL="342900" indent="-342900">
+              <a:spcBef>
+                <a:spcPts val="600"/>
+              </a:spcBef>
+              <a:spcAft>
+                <a:spcPts val="400"/>
+              </a:spcAft>
+              <a:buFontTx/>
+              <a:buAutoNum type="arabicPeriod"/>
+            </a:pPr>
+            <a:r>
+              <a:rPr lang="nb-NO" sz="1400" dirty="0" smtClean="0"/>
+              <a:t>Opprett </a:t>
+            </a:r>
+            <a:r>
+              <a:rPr lang="en-US" sz="1400" dirty="0" err="1" smtClean="0">
+                <a:solidFill>
+                  <a:srgbClr val="2B91AF"/>
+                </a:solidFill>
+                <a:latin typeface="Consolas" pitchFamily="49" charset="0"/>
+                <a:cs typeface="Consolas" pitchFamily="49" charset="0"/>
+              </a:rPr>
+              <a:t>NinjectScope</a:t>
+            </a:r>
+            <a:r>
+              <a:rPr lang="en-US" sz="1400" dirty="0" smtClean="0"/>
+              <a:t> </a:t>
+            </a:r>
+            <a:r>
+              <a:rPr lang="nb-NO" sz="1400" dirty="0" smtClean="0"/>
+              <a:t>som implementerer </a:t>
+            </a:r>
+            <a:r>
+              <a:rPr lang="en-US" sz="1400" dirty="0" err="1" smtClean="0">
+                <a:solidFill>
+                  <a:srgbClr val="2B91AF"/>
+                </a:solidFill>
+                <a:latin typeface="Consolas" pitchFamily="49" charset="0"/>
+                <a:cs typeface="Consolas" pitchFamily="49" charset="0"/>
+              </a:rPr>
+              <a:t>IDependencyScope</a:t>
+            </a:r>
+            <a:r>
+              <a:rPr lang="en-US" sz="1400" dirty="0" smtClean="0">
+                <a:latin typeface="Consolas" pitchFamily="49" charset="0"/>
+                <a:cs typeface="Consolas" pitchFamily="49" charset="0"/>
+              </a:rPr>
+              <a:t> </a:t>
+            </a:r>
+            <a:endParaRPr lang="nb-NO" sz="1400" dirty="0" smtClean="0">
+              <a:latin typeface="Consolas" pitchFamily="49" charset="0"/>
+              <a:cs typeface="Consolas" pitchFamily="49" charset="0"/>
+            </a:endParaRPr>
+          </a:p>
+          <a:p>
+            <a:pPr marL="342900" indent="-342900">
+              <a:spcBef>
+                <a:spcPts val="600"/>
+              </a:spcBef>
+              <a:spcAft>
+                <a:spcPts val="400"/>
+              </a:spcAft>
+              <a:buFontTx/>
+              <a:buAutoNum type="arabicPeriod"/>
+            </a:pPr>
+            <a:r>
+              <a:rPr lang="nb-NO" sz="1400" dirty="0" smtClean="0"/>
+              <a:t>Opprett </a:t>
+            </a:r>
+            <a:r>
+              <a:rPr lang="en-US" sz="1400" dirty="0" err="1" smtClean="0">
+                <a:solidFill>
+                  <a:srgbClr val="2B91AF"/>
+                </a:solidFill>
+                <a:latin typeface="Consolas" pitchFamily="49" charset="0"/>
+                <a:cs typeface="Consolas" pitchFamily="49" charset="0"/>
+              </a:rPr>
+              <a:t>NinjectResolver</a:t>
+            </a:r>
+            <a:r>
+              <a:rPr lang="en-US" sz="1400" dirty="0" smtClean="0"/>
+              <a:t> </a:t>
+            </a:r>
+            <a:r>
+              <a:rPr lang="nb-NO" sz="1400" dirty="0" smtClean="0"/>
+              <a:t>som implenterer </a:t>
+            </a:r>
+            <a:r>
+              <a:rPr lang="en-US" sz="1400" dirty="0" err="1" smtClean="0">
+                <a:solidFill>
+                  <a:srgbClr val="2B91AF"/>
+                </a:solidFill>
+                <a:latin typeface="Consolas" pitchFamily="49" charset="0"/>
+                <a:cs typeface="Consolas" pitchFamily="49" charset="0"/>
+              </a:rPr>
+              <a:t>IDependencyResolver</a:t>
+            </a:r>
+            <a:r>
+              <a:rPr lang="en-US" sz="1400" dirty="0" smtClean="0"/>
+              <a:t> </a:t>
+            </a:r>
+            <a:r>
+              <a:rPr lang="nb-NO" sz="1400" dirty="0" smtClean="0"/>
+              <a:t>samt arver fra </a:t>
+            </a:r>
+            <a:r>
+              <a:rPr lang="en-US" sz="1400" dirty="0" err="1" smtClean="0">
+                <a:solidFill>
+                  <a:srgbClr val="2B91AF"/>
+                </a:solidFill>
+                <a:latin typeface="Consolas" pitchFamily="49" charset="0"/>
+                <a:cs typeface="Consolas" pitchFamily="49" charset="0"/>
+              </a:rPr>
+              <a:t>NinjectScope</a:t>
+            </a:r>
+            <a:r>
+              <a:rPr lang="en-US" sz="1400" dirty="0" smtClean="0"/>
+              <a:t> </a:t>
+            </a:r>
+            <a:endParaRPr lang="nb-NO" sz="1400" dirty="0" smtClean="0"/>
+          </a:p>
+          <a:p>
+            <a:pPr marL="342900" indent="-342900">
+              <a:spcBef>
+                <a:spcPts val="600"/>
+              </a:spcBef>
+              <a:spcAft>
+                <a:spcPts val="400"/>
+              </a:spcAft>
+              <a:buFontTx/>
+              <a:buAutoNum type="arabicPeriod"/>
+            </a:pPr>
+            <a:r>
+              <a:rPr lang="nb-NO" sz="1400" dirty="0" smtClean="0"/>
+              <a:t>Registrèr resolveren i </a:t>
+            </a:r>
+            <a:r>
+              <a:rPr lang="en-US" sz="1400" dirty="0" err="1" smtClean="0">
+                <a:solidFill>
+                  <a:srgbClr val="2B91AF"/>
+                </a:solidFill>
+                <a:latin typeface="Consolas" pitchFamily="49" charset="0"/>
+                <a:cs typeface="Consolas" pitchFamily="49" charset="0"/>
+              </a:rPr>
+              <a:t>NinjectWebCommon</a:t>
+            </a:r>
+            <a:r>
+              <a:rPr lang="en-US" sz="1400" dirty="0" smtClean="0">
+                <a:latin typeface="Consolas" pitchFamily="49" charset="0"/>
+                <a:cs typeface="Consolas" pitchFamily="49" charset="0"/>
+              </a:rPr>
+              <a:t> </a:t>
+            </a:r>
+            <a:r>
+              <a:rPr lang="en-US" sz="1400" dirty="0" smtClean="0">
+                <a:cs typeface="Consolas" pitchFamily="49" charset="0"/>
+              </a:rPr>
+              <a:t>I </a:t>
+            </a:r>
+            <a:r>
+              <a:rPr lang="en-US" sz="1400" dirty="0" err="1" smtClean="0">
+                <a:cs typeface="Consolas" pitchFamily="49" charset="0"/>
+              </a:rPr>
+              <a:t>metoden</a:t>
+            </a:r>
+            <a:r>
+              <a:rPr lang="en-US" sz="1400" dirty="0" smtClean="0">
+                <a:latin typeface="Consolas" pitchFamily="49" charset="0"/>
+                <a:cs typeface="Consolas" pitchFamily="49" charset="0"/>
+              </a:rPr>
+              <a:t> </a:t>
+            </a:r>
+            <a:r>
+              <a:rPr lang="en-US" sz="1400" dirty="0" err="1" smtClean="0">
+                <a:latin typeface="Consolas" pitchFamily="49" charset="0"/>
+                <a:cs typeface="Consolas" pitchFamily="49" charset="0"/>
+              </a:rPr>
+              <a:t>CreateKernel</a:t>
+            </a:r>
+            <a:r>
+              <a:rPr lang="en-US" sz="1400" dirty="0" smtClean="0">
+                <a:latin typeface="Consolas" pitchFamily="49" charset="0"/>
+                <a:cs typeface="Consolas" pitchFamily="49" charset="0"/>
+              </a:rPr>
+              <a:t>()</a:t>
+            </a:r>
+            <a:endParaRPr lang="nb-NO" sz="1400" dirty="0" smtClean="0">
+              <a:latin typeface="Consolas" pitchFamily="49" charset="0"/>
+              <a:cs typeface="Consolas" pitchFamily="49" charset="0"/>
+            </a:endParaRPr>
+          </a:p>
+        </p:txBody>
+      </p:sp>
+      <p:sp>
+        <p:nvSpPr>
+          <p:cNvPr id="13313" name="Rectangle 1"/>
           <p:cNvSpPr>
             <a:spLocks noChangeArrowheads="1"/>
           </p:cNvSpPr>
@@ -10027,8 +10461,8 @@
         </p:nvSpPr>
         <p:spPr bwMode="auto">
           <a:xfrm>
-            <a:off x="554051" y="2377440"/>
-            <a:ext cx="8177256" cy="2062103"/>
+            <a:off x="778933" y="3054826"/>
+            <a:ext cx="7952374" cy="276999"/>
           </a:xfrm>
           <a:prstGeom prst="rect">
             <a:avLst/>
@@ -10038,7 +10472,7 @@
           </a:solidFill>
           <a:ln w="9525">
             <a:solidFill>
-              <a:schemeClr val="accent2"/>
+              <a:schemeClr val="accent1"/>
             </a:solidFill>
             <a:miter lim="800000"/>
             <a:headEnd/>
@@ -10072,21 +10506,21 @@
               <a:tabLst/>
             </a:pPr>
             <a:r>
-              <a:rPr kumimoji="0" lang="en-US" sz="1600" b="0" i="0" u="none" strike="noStrike" cap="none" normalizeH="0" baseline="0" dirty="0" smtClean="0">
+              <a:rPr kumimoji="0" lang="en-US" sz="1200" b="0" i="0" u="none" strike="noStrike" cap="none" normalizeH="0" baseline="0" dirty="0" err="1" smtClean="0">
                 <a:ln>
                   <a:noFill/>
                 </a:ln>
                 <a:solidFill>
-                  <a:srgbClr val="0000FF"/>
+                  <a:srgbClr val="2B91AF"/>
                 </a:solidFill>
                 <a:effectLst/>
                 <a:latin typeface="Consolas" pitchFamily="49" charset="0"/>
                 <a:cs typeface="Consolas" pitchFamily="49" charset="0"/>
               </a:rPr>
-              <a:t>public</a:t>
-            </a:r>
-            <a:r>
-              <a:rPr kumimoji="0" lang="en-US" sz="1600" b="0" i="0" u="none" strike="noStrike" cap="none" normalizeH="0" baseline="0" dirty="0" smtClean="0">
+              <a:t>GlobalConfiguration</a:t>
+            </a:r>
+            <a:r>
+              <a:rPr kumimoji="0" lang="en-US" sz="1200" b="0" i="0" u="none" strike="noStrike" cap="none" normalizeH="0" baseline="0" dirty="0" err="1" smtClean="0">
                 <a:ln>
                   <a:noFill/>
                 </a:ln>
@@ -10097,84 +10531,66 @@
                 <a:latin typeface="Consolas" pitchFamily="49" charset="0"/>
                 <a:cs typeface="Consolas" pitchFamily="49" charset="0"/>
               </a:rPr>
-              <a:t> </a:t>
-            </a:r>
-            <a:r>
-              <a:rPr kumimoji="0" lang="en-US" sz="1600" b="0" i="0" u="none" strike="noStrike" cap="none" normalizeH="0" baseline="0" dirty="0" smtClean="0">
+              <a:t>.Configuration.DependencyResolver</a:t>
+            </a:r>
+            <a:r>
+              <a:rPr kumimoji="0" lang="en-US" sz="1200" b="0" i="0" u="none" strike="noStrike" cap="none" normalizeH="0" baseline="0" dirty="0" smtClean="0">
                 <a:ln>
                   <a:noFill/>
                 </a:ln>
                 <a:solidFill>
-                  <a:srgbClr val="0000FF"/>
+                  <a:srgbClr val="000000"/>
                 </a:solidFill>
                 <a:effectLst/>
                 <a:latin typeface="Consolas" pitchFamily="49" charset="0"/>
                 <a:cs typeface="Consolas" pitchFamily="49" charset="0"/>
               </a:rPr>
-              <a:t>class</a:t>
-            </a:r>
-            <a:r>
-              <a:rPr kumimoji="0" lang="en-US" sz="1600" b="0" i="0" u="none" strike="noStrike" cap="none" normalizeH="0" baseline="0" dirty="0" smtClean="0">
+              <a:t> = </a:t>
+            </a:r>
+            <a:r>
+              <a:rPr kumimoji="0" lang="en-US" sz="1200" b="0" i="0" u="none" strike="noStrike" cap="none" normalizeH="0" baseline="0" dirty="0" smtClean="0">
                 <a:ln>
                   <a:noFill/>
                 </a:ln>
                 <a:solidFill>
-                  <a:srgbClr val="000000"/>
+                  <a:srgbClr val="0000FF"/>
                 </a:solidFill>
                 <a:effectLst/>
                 <a:latin typeface="Consolas" pitchFamily="49" charset="0"/>
                 <a:cs typeface="Consolas" pitchFamily="49" charset="0"/>
               </a:rPr>
-              <a:t> </a:t>
-            </a:r>
-            <a:r>
-              <a:rPr kumimoji="0" lang="en-US" sz="1600" b="0" i="0" u="none" strike="noStrike" cap="none" normalizeH="0" baseline="0" dirty="0" smtClean="0">
+              <a:t>new</a:t>
+            </a:r>
+            <a:r>
+              <a:rPr kumimoji="0" lang="en-US" sz="1200" b="0" i="0" u="none" strike="noStrike" cap="none" normalizeH="0" baseline="0" dirty="0" smtClean="0">
                 <a:ln>
                   <a:noFill/>
                 </a:ln>
                 <a:solidFill>
-                  <a:srgbClr val="2B91AF"/>
+                  <a:srgbClr val="000000"/>
                 </a:solidFill>
                 <a:effectLst/>
                 <a:latin typeface="Consolas" pitchFamily="49" charset="0"/>
                 <a:cs typeface="Consolas" pitchFamily="49" charset="0"/>
               </a:rPr>
-              <a:t>Person</a:t>
-            </a:r>
-            <a:r>
-              <a:rPr kumimoji="0" lang="en-US" sz="1600" b="0" i="0" u="none" strike="noStrike" cap="none" normalizeH="0" baseline="0" dirty="0" smtClean="0">
+              <a:t> </a:t>
+            </a:r>
+            <a:r>
+              <a:rPr kumimoji="0" lang="en-US" sz="1200" b="0" i="0" u="none" strike="noStrike" cap="none" normalizeH="0" baseline="0" dirty="0" err="1" smtClean="0">
                 <a:ln>
                   <a:noFill/>
                 </a:ln>
                 <a:solidFill>
-                  <a:srgbClr val="000000"/>
+                  <a:srgbClr val="2B91AF"/>
                 </a:solidFill>
                 <a:effectLst/>
                 <a:latin typeface="Consolas" pitchFamily="49" charset="0"/>
                 <a:cs typeface="Consolas" pitchFamily="49" charset="0"/>
               </a:rPr>
-              <a:t>     </a:t>
-            </a:r>
-          </a:p>
-          <a:p>
-            <a:pPr marL="0" marR="0" lvl="0" indent="0" algn="l" defTabSz="914400" rtl="0" eaLnBrk="1" fontAlgn="base" latinLnBrk="0" hangingPunct="1">
-              <a:lnSpc>
-                <a:spcPct val="100000"/>
-              </a:lnSpc>
-              <a:spcBef>
-                <a:spcPct val="0"/>
-              </a:spcBef>
-              <a:spcAft>
-                <a:spcPct val="0"/>
-              </a:spcAft>
-              <a:buClrTx/>
-              <a:buSzTx/>
-              <a:buFontTx/>
-              <a:buNone/>
-              <a:tabLst/>
-            </a:pPr>
-            <a:r>
-              <a:rPr kumimoji="0" lang="en-US" sz="1600" b="0" i="0" u="none" strike="noStrike" cap="none" normalizeH="0" baseline="0" dirty="0" smtClean="0">
+              <a:t>NinjectResolver</a:t>
+            </a:r>
+            <a:r>
+              <a:rPr kumimoji="0" lang="en-US" sz="1200" b="0" i="0" u="none" strike="noStrike" cap="none" normalizeH="0" baseline="0" dirty="0" smtClean="0">
                 <a:ln>
                   <a:noFill/>
                 </a:ln>
@@ -10185,476 +10601,9 @@
                 <a:latin typeface="Consolas" pitchFamily="49" charset="0"/>
                 <a:cs typeface="Consolas" pitchFamily="49" charset="0"/>
               </a:rPr>
-              <a:t>{         </a:t>
-            </a:r>
-          </a:p>
-          <a:p>
-            <a:pPr marL="0" marR="0" lvl="0" indent="0" algn="l" defTabSz="914400" rtl="0" eaLnBrk="1" fontAlgn="base" latinLnBrk="0" hangingPunct="1">
-              <a:lnSpc>
-                <a:spcPct val="100000"/>
-              </a:lnSpc>
-              <a:spcBef>
-                <a:spcPct val="0"/>
-              </a:spcBef>
-              <a:spcAft>
-                <a:spcPct val="0"/>
-              </a:spcAft>
-              <a:buClrTx/>
-              <a:buSzTx/>
-              <a:buFontTx/>
-              <a:buNone/>
-              <a:tabLst/>
-            </a:pPr>
-            <a:r>
-              <a:rPr lang="en-US" sz="1600" dirty="0" smtClean="0">
-                <a:solidFill>
-                  <a:srgbClr val="000000"/>
-                </a:solidFill>
-                <a:latin typeface="Consolas" pitchFamily="49" charset="0"/>
-                <a:cs typeface="Consolas" pitchFamily="49" charset="0"/>
-              </a:rPr>
-              <a:t>	</a:t>
-            </a:r>
-            <a:r>
-              <a:rPr kumimoji="0" lang="en-US" sz="1600" b="0" i="0" u="none" strike="noStrike" cap="none" normalizeH="0" baseline="0" dirty="0" smtClean="0">
-                <a:ln>
-                  <a:noFill/>
-                </a:ln>
-                <a:solidFill>
-                  <a:srgbClr val="000000"/>
-                </a:solidFill>
-                <a:effectLst/>
-                <a:latin typeface="Consolas" pitchFamily="49" charset="0"/>
-                <a:cs typeface="Consolas" pitchFamily="49" charset="0"/>
-              </a:rPr>
-              <a:t>[</a:t>
-            </a:r>
-            <a:r>
-              <a:rPr kumimoji="0" lang="en-US" sz="1600" b="0" i="0" u="none" strike="noStrike" cap="none" normalizeH="0" baseline="0" dirty="0" smtClean="0">
-                <a:ln>
-                  <a:noFill/>
-                </a:ln>
-                <a:solidFill>
-                  <a:srgbClr val="2B91AF"/>
-                </a:solidFill>
-                <a:effectLst/>
-                <a:latin typeface="Consolas" pitchFamily="49" charset="0"/>
-                <a:cs typeface="Consolas" pitchFamily="49" charset="0"/>
-              </a:rPr>
-              <a:t>Required</a:t>
-            </a:r>
-            <a:r>
-              <a:rPr kumimoji="0" lang="en-US" sz="1600" b="0" i="0" u="none" strike="noStrike" cap="none" normalizeH="0" baseline="0" dirty="0" smtClean="0">
-                <a:ln>
-                  <a:noFill/>
-                </a:ln>
-                <a:solidFill>
-                  <a:srgbClr val="000000"/>
-                </a:solidFill>
-                <a:effectLst/>
-                <a:latin typeface="Consolas" pitchFamily="49" charset="0"/>
-                <a:cs typeface="Consolas" pitchFamily="49" charset="0"/>
-              </a:rPr>
-              <a:t>]         </a:t>
-            </a:r>
-          </a:p>
-          <a:p>
-            <a:pPr marL="0" marR="0" lvl="0" indent="0" algn="l" defTabSz="914400" rtl="0" eaLnBrk="1" fontAlgn="base" latinLnBrk="0" hangingPunct="1">
-              <a:lnSpc>
-                <a:spcPct val="100000"/>
-              </a:lnSpc>
-              <a:spcBef>
-                <a:spcPct val="0"/>
-              </a:spcBef>
-              <a:spcAft>
-                <a:spcPct val="0"/>
-              </a:spcAft>
-              <a:buClrTx/>
-              <a:buSzTx/>
-              <a:buFontTx/>
-              <a:buNone/>
-              <a:tabLst/>
-            </a:pPr>
-            <a:r>
-              <a:rPr lang="en-US" sz="1600" dirty="0" smtClean="0">
-                <a:solidFill>
-                  <a:srgbClr val="000000"/>
-                </a:solidFill>
-                <a:latin typeface="Consolas" pitchFamily="49" charset="0"/>
-                <a:cs typeface="Consolas" pitchFamily="49" charset="0"/>
-              </a:rPr>
-              <a:t>	</a:t>
-            </a:r>
-            <a:r>
-              <a:rPr kumimoji="0" lang="en-US" sz="1600" b="0" i="0" u="none" strike="noStrike" cap="none" normalizeH="0" baseline="0" dirty="0" smtClean="0">
-                <a:ln>
-                  <a:noFill/>
-                </a:ln>
-                <a:solidFill>
-                  <a:srgbClr val="0000FF"/>
-                </a:solidFill>
-                <a:effectLst/>
-                <a:latin typeface="Consolas" pitchFamily="49" charset="0"/>
-                <a:cs typeface="Consolas" pitchFamily="49" charset="0"/>
-              </a:rPr>
-              <a:t>public</a:t>
-            </a:r>
-            <a:r>
-              <a:rPr kumimoji="0" lang="en-US" sz="1600" b="0" i="0" u="none" strike="noStrike" cap="none" normalizeH="0" baseline="0" dirty="0" smtClean="0">
-                <a:ln>
-                  <a:noFill/>
-                </a:ln>
-                <a:solidFill>
-                  <a:srgbClr val="000000"/>
-                </a:solidFill>
-                <a:effectLst/>
-                <a:latin typeface="Consolas" pitchFamily="49" charset="0"/>
-                <a:cs typeface="Consolas" pitchFamily="49" charset="0"/>
-              </a:rPr>
-              <a:t> </a:t>
-            </a:r>
-            <a:r>
-              <a:rPr kumimoji="0" lang="en-US" sz="1600" b="0" i="0" u="none" strike="noStrike" cap="none" normalizeH="0" baseline="0" dirty="0" smtClean="0">
-                <a:ln>
-                  <a:noFill/>
-                </a:ln>
-                <a:solidFill>
-                  <a:srgbClr val="0000FF"/>
-                </a:solidFill>
-                <a:effectLst/>
-                <a:latin typeface="Consolas" pitchFamily="49" charset="0"/>
-                <a:cs typeface="Consolas" pitchFamily="49" charset="0"/>
-              </a:rPr>
-              <a:t>string</a:t>
-            </a:r>
-            <a:r>
-              <a:rPr kumimoji="0" lang="en-US" sz="1600" b="0" i="0" u="none" strike="noStrike" cap="none" normalizeH="0" baseline="0" dirty="0" smtClean="0">
-                <a:ln>
-                  <a:noFill/>
-                </a:ln>
-                <a:solidFill>
-                  <a:srgbClr val="000000"/>
-                </a:solidFill>
-                <a:effectLst/>
-                <a:latin typeface="Consolas" pitchFamily="49" charset="0"/>
-                <a:cs typeface="Consolas" pitchFamily="49" charset="0"/>
-              </a:rPr>
-              <a:t> Name { </a:t>
-            </a:r>
-            <a:r>
-              <a:rPr kumimoji="0" lang="en-US" sz="1600" b="0" i="0" u="none" strike="noStrike" cap="none" normalizeH="0" baseline="0" dirty="0" smtClean="0">
-                <a:ln>
-                  <a:noFill/>
-                </a:ln>
-                <a:solidFill>
-                  <a:srgbClr val="0000FF"/>
-                </a:solidFill>
-                <a:effectLst/>
-                <a:latin typeface="Consolas" pitchFamily="49" charset="0"/>
-                <a:cs typeface="Consolas" pitchFamily="49" charset="0"/>
-              </a:rPr>
-              <a:t>get</a:t>
-            </a:r>
-            <a:r>
-              <a:rPr kumimoji="0" lang="en-US" sz="1600" b="0" i="0" u="none" strike="noStrike" cap="none" normalizeH="0" baseline="0" dirty="0" smtClean="0">
-                <a:ln>
-                  <a:noFill/>
-                </a:ln>
-                <a:solidFill>
-                  <a:srgbClr val="000000"/>
-                </a:solidFill>
-                <a:effectLst/>
-                <a:latin typeface="Consolas" pitchFamily="49" charset="0"/>
-                <a:cs typeface="Consolas" pitchFamily="49" charset="0"/>
-              </a:rPr>
-              <a:t>; </a:t>
-            </a:r>
-            <a:r>
-              <a:rPr kumimoji="0" lang="en-US" sz="1600" b="0" i="0" u="none" strike="noStrike" cap="none" normalizeH="0" baseline="0" dirty="0" smtClean="0">
-                <a:ln>
-                  <a:noFill/>
-                </a:ln>
-                <a:solidFill>
-                  <a:srgbClr val="0000FF"/>
-                </a:solidFill>
-                <a:effectLst/>
-                <a:latin typeface="Consolas" pitchFamily="49" charset="0"/>
-                <a:cs typeface="Consolas" pitchFamily="49" charset="0"/>
-              </a:rPr>
-              <a:t>set</a:t>
-            </a:r>
-            <a:r>
-              <a:rPr kumimoji="0" lang="en-US" sz="1600" b="0" i="0" u="none" strike="noStrike" cap="none" normalizeH="0" baseline="0" dirty="0" smtClean="0">
-                <a:ln>
-                  <a:noFill/>
-                </a:ln>
-                <a:solidFill>
-                  <a:srgbClr val="000000"/>
-                </a:solidFill>
-                <a:effectLst/>
-                <a:latin typeface="Consolas" pitchFamily="49" charset="0"/>
-                <a:cs typeface="Consolas" pitchFamily="49" charset="0"/>
-              </a:rPr>
-              <a:t>; }                  </a:t>
-            </a:r>
-          </a:p>
-          <a:p>
-            <a:pPr marL="0" marR="0" lvl="0" indent="0" algn="l" defTabSz="914400" rtl="0" eaLnBrk="1" fontAlgn="base" latinLnBrk="0" hangingPunct="1">
-              <a:lnSpc>
-                <a:spcPct val="100000"/>
-              </a:lnSpc>
-              <a:spcBef>
-                <a:spcPct val="0"/>
-              </a:spcBef>
-              <a:spcAft>
-                <a:spcPct val="0"/>
-              </a:spcAft>
-              <a:buClrTx/>
-              <a:buSzTx/>
-              <a:buFontTx/>
-              <a:buNone/>
-              <a:tabLst/>
-            </a:pPr>
-            <a:endParaRPr lang="en-US" sz="1600" dirty="0" smtClean="0">
-              <a:solidFill>
-                <a:srgbClr val="000000"/>
-              </a:solidFill>
-              <a:latin typeface="Consolas" pitchFamily="49" charset="0"/>
-              <a:cs typeface="Consolas" pitchFamily="49" charset="0"/>
-            </a:endParaRPr>
-          </a:p>
-          <a:p>
-            <a:pPr marL="0" marR="0" lvl="0" indent="0" algn="l" defTabSz="914400" rtl="0" eaLnBrk="1" fontAlgn="base" latinLnBrk="0" hangingPunct="1">
-              <a:lnSpc>
-                <a:spcPct val="100000"/>
-              </a:lnSpc>
-              <a:spcBef>
-                <a:spcPct val="0"/>
-              </a:spcBef>
-              <a:spcAft>
-                <a:spcPct val="0"/>
-              </a:spcAft>
-              <a:buClrTx/>
-              <a:buSzTx/>
-              <a:buFontTx/>
-              <a:buNone/>
-              <a:tabLst/>
-            </a:pPr>
-            <a:r>
-              <a:rPr kumimoji="0" lang="en-US" sz="1600" b="0" i="0" u="none" strike="noStrike" cap="none" normalizeH="0" baseline="0" dirty="0" smtClean="0">
-                <a:ln>
-                  <a:noFill/>
-                </a:ln>
-                <a:solidFill>
-                  <a:srgbClr val="000000"/>
-                </a:solidFill>
-                <a:effectLst/>
-                <a:latin typeface="Consolas" pitchFamily="49" charset="0"/>
-                <a:cs typeface="Consolas" pitchFamily="49" charset="0"/>
-              </a:rPr>
-              <a:t>	[</a:t>
-            </a:r>
-            <a:r>
-              <a:rPr kumimoji="0" lang="en-US" sz="1600" b="0" i="0" u="none" strike="noStrike" cap="none" normalizeH="0" baseline="0" dirty="0" smtClean="0">
-                <a:ln>
-                  <a:noFill/>
-                </a:ln>
-                <a:solidFill>
-                  <a:srgbClr val="2B91AF"/>
-                </a:solidFill>
-                <a:effectLst/>
-                <a:latin typeface="Consolas" pitchFamily="49" charset="0"/>
-                <a:cs typeface="Consolas" pitchFamily="49" charset="0"/>
-              </a:rPr>
-              <a:t>Required</a:t>
-            </a:r>
-            <a:r>
-              <a:rPr kumimoji="0" lang="en-US" sz="1600" b="0" i="0" u="none" strike="noStrike" cap="none" normalizeH="0" baseline="0" dirty="0" smtClean="0">
-                <a:ln>
-                  <a:noFill/>
-                </a:ln>
-                <a:solidFill>
-                  <a:srgbClr val="000000"/>
-                </a:solidFill>
-                <a:effectLst/>
-                <a:latin typeface="Consolas" pitchFamily="49" charset="0"/>
-                <a:cs typeface="Consolas" pitchFamily="49" charset="0"/>
-              </a:rPr>
-              <a:t>]         </a:t>
-            </a:r>
-          </a:p>
-          <a:p>
-            <a:pPr marL="0" marR="0" lvl="0" indent="0" algn="l" defTabSz="914400" rtl="0" eaLnBrk="1" fontAlgn="base" latinLnBrk="0" hangingPunct="1">
-              <a:lnSpc>
-                <a:spcPct val="100000"/>
-              </a:lnSpc>
-              <a:spcBef>
-                <a:spcPct val="0"/>
-              </a:spcBef>
-              <a:spcAft>
-                <a:spcPct val="0"/>
-              </a:spcAft>
-              <a:buClrTx/>
-              <a:buSzTx/>
-              <a:buFontTx/>
-              <a:buNone/>
-              <a:tabLst/>
-            </a:pPr>
-            <a:r>
-              <a:rPr lang="en-US" sz="1600" dirty="0" smtClean="0">
-                <a:solidFill>
-                  <a:srgbClr val="000000"/>
-                </a:solidFill>
-                <a:latin typeface="Consolas" pitchFamily="49" charset="0"/>
-                <a:cs typeface="Consolas" pitchFamily="49" charset="0"/>
-              </a:rPr>
-              <a:t>	</a:t>
-            </a:r>
-            <a:r>
-              <a:rPr kumimoji="0" lang="en-US" sz="1600" b="0" i="0" u="none" strike="noStrike" cap="none" normalizeH="0" baseline="0" dirty="0" smtClean="0">
-                <a:ln>
-                  <a:noFill/>
-                </a:ln>
-                <a:solidFill>
-                  <a:srgbClr val="0000FF"/>
-                </a:solidFill>
-                <a:effectLst/>
-                <a:latin typeface="Consolas" pitchFamily="49" charset="0"/>
-                <a:cs typeface="Consolas" pitchFamily="49" charset="0"/>
-              </a:rPr>
-              <a:t>public</a:t>
-            </a:r>
-            <a:r>
-              <a:rPr kumimoji="0" lang="en-US" sz="1600" b="0" i="0" u="none" strike="noStrike" cap="none" normalizeH="0" baseline="0" dirty="0" smtClean="0">
-                <a:ln>
-                  <a:noFill/>
-                </a:ln>
-                <a:solidFill>
-                  <a:srgbClr val="000000"/>
-                </a:solidFill>
-                <a:effectLst/>
-                <a:latin typeface="Consolas" pitchFamily="49" charset="0"/>
-                <a:cs typeface="Consolas" pitchFamily="49" charset="0"/>
-              </a:rPr>
-              <a:t> </a:t>
-            </a:r>
-            <a:r>
-              <a:rPr kumimoji="0" lang="en-US" sz="1600" b="0" i="0" u="none" strike="noStrike" cap="none" normalizeH="0" baseline="0" dirty="0" err="1" smtClean="0">
-                <a:ln>
-                  <a:noFill/>
-                </a:ln>
-                <a:solidFill>
-                  <a:srgbClr val="0000FF"/>
-                </a:solidFill>
-                <a:effectLst/>
-                <a:latin typeface="Consolas" pitchFamily="49" charset="0"/>
-                <a:cs typeface="Consolas" pitchFamily="49" charset="0"/>
-              </a:rPr>
-              <a:t>int</a:t>
-            </a:r>
-            <a:r>
-              <a:rPr kumimoji="0" lang="en-US" sz="1600" b="0" i="0" u="none" strike="noStrike" cap="none" normalizeH="0" baseline="0" dirty="0" smtClean="0">
-                <a:ln>
-                  <a:noFill/>
-                </a:ln>
-                <a:solidFill>
-                  <a:srgbClr val="000000"/>
-                </a:solidFill>
-                <a:effectLst/>
-                <a:latin typeface="Consolas" pitchFamily="49" charset="0"/>
-                <a:cs typeface="Consolas" pitchFamily="49" charset="0"/>
-              </a:rPr>
-              <a:t> Age { </a:t>
-            </a:r>
-            <a:r>
-              <a:rPr kumimoji="0" lang="en-US" sz="1600" b="0" i="0" u="none" strike="noStrike" cap="none" normalizeH="0" baseline="0" dirty="0" smtClean="0">
-                <a:ln>
-                  <a:noFill/>
-                </a:ln>
-                <a:solidFill>
-                  <a:srgbClr val="0000FF"/>
-                </a:solidFill>
-                <a:effectLst/>
-                <a:latin typeface="Consolas" pitchFamily="49" charset="0"/>
-                <a:cs typeface="Consolas" pitchFamily="49" charset="0"/>
-              </a:rPr>
-              <a:t>get</a:t>
-            </a:r>
-            <a:r>
-              <a:rPr kumimoji="0" lang="en-US" sz="1600" b="0" i="0" u="none" strike="noStrike" cap="none" normalizeH="0" baseline="0" dirty="0" smtClean="0">
-                <a:ln>
-                  <a:noFill/>
-                </a:ln>
-                <a:solidFill>
-                  <a:srgbClr val="000000"/>
-                </a:solidFill>
-                <a:effectLst/>
-                <a:latin typeface="Consolas" pitchFamily="49" charset="0"/>
-                <a:cs typeface="Consolas" pitchFamily="49" charset="0"/>
-              </a:rPr>
-              <a:t>; </a:t>
-            </a:r>
-            <a:r>
-              <a:rPr kumimoji="0" lang="en-US" sz="1600" b="0" i="0" u="none" strike="noStrike" cap="none" normalizeH="0" baseline="0" dirty="0" smtClean="0">
-                <a:ln>
-                  <a:noFill/>
-                </a:ln>
-                <a:solidFill>
-                  <a:srgbClr val="0000FF"/>
-                </a:solidFill>
-                <a:effectLst/>
-                <a:latin typeface="Consolas" pitchFamily="49" charset="0"/>
-                <a:cs typeface="Consolas" pitchFamily="49" charset="0"/>
-              </a:rPr>
-              <a:t>set</a:t>
-            </a:r>
-            <a:r>
-              <a:rPr kumimoji="0" lang="en-US" sz="1600" b="0" i="0" u="none" strike="noStrike" cap="none" normalizeH="0" baseline="0" dirty="0" smtClean="0">
-                <a:ln>
-                  <a:noFill/>
-                </a:ln>
-                <a:solidFill>
-                  <a:srgbClr val="000000"/>
-                </a:solidFill>
-                <a:effectLst/>
-                <a:latin typeface="Consolas" pitchFamily="49" charset="0"/>
-                <a:cs typeface="Consolas" pitchFamily="49" charset="0"/>
-              </a:rPr>
-              <a:t>; }     </a:t>
-            </a:r>
-          </a:p>
-          <a:p>
-            <a:pPr marL="0" marR="0" lvl="0" indent="0" algn="l" defTabSz="914400" rtl="0" eaLnBrk="1" fontAlgn="base" latinLnBrk="0" hangingPunct="1">
-              <a:lnSpc>
-                <a:spcPct val="100000"/>
-              </a:lnSpc>
-              <a:spcBef>
-                <a:spcPct val="0"/>
-              </a:spcBef>
-              <a:spcAft>
-                <a:spcPct val="0"/>
-              </a:spcAft>
-              <a:buClrTx/>
-              <a:buSzTx/>
-              <a:buFontTx/>
-              <a:buNone/>
-              <a:tabLst/>
-            </a:pPr>
-            <a:r>
-              <a:rPr kumimoji="0" lang="en-US" sz="1600" b="0" i="0" u="none" strike="noStrike" cap="none" normalizeH="0" baseline="0" dirty="0" smtClean="0">
-                <a:ln>
-                  <a:noFill/>
-                </a:ln>
-                <a:solidFill>
-                  <a:srgbClr val="000000"/>
-                </a:solidFill>
-                <a:effectLst/>
-                <a:latin typeface="Consolas" pitchFamily="49" charset="0"/>
-                <a:cs typeface="Consolas" pitchFamily="49" charset="0"/>
-              </a:rPr>
-              <a:t>}</a:t>
-            </a:r>
-            <a:endParaRPr kumimoji="0" lang="en-US" sz="1600" b="0" i="0" u="none" strike="noStrike" cap="none" normalizeH="0" baseline="0" dirty="0" smtClean="0">
+              <a:t>(kernel); </a:t>
+            </a:r>
+            <a:endParaRPr kumimoji="0" lang="en-US" sz="1200" b="0" i="0" u="none" strike="noStrike" cap="none" normalizeH="0" baseline="0" dirty="0" smtClean="0">
               <a:ln>
                 <a:noFill/>
               </a:ln>
@@ -10665,45 +10614,6 @@
               <a:latin typeface="Arial" pitchFamily="34" charset="0"/>
               <a:cs typeface="Arial" pitchFamily="34" charset="0"/>
             </a:endParaRPr>
-          </a:p>
-        </p:txBody>
-      </p:sp>
-      <p:sp>
-        <p:nvSpPr>
-          <p:cNvPr id="6" name="TextBox 5"/>
-          <p:cNvSpPr txBox="1"/>
-          <p:nvPr/>
-        </p:nvSpPr>
-        <p:spPr>
-          <a:xfrm>
-            <a:off x="321623" y="982387"/>
-            <a:ext cx="8409684" cy="338554"/>
-          </a:xfrm>
-          <a:prstGeom prst="rect">
-            <a:avLst/>
-          </a:prstGeom>
-          <a:noFill/>
-        </p:spPr>
-        <p:txBody>
-          <a:bodyPr wrap="square" rtlCol="0">
-            <a:spAutoFit/>
-          </a:bodyPr>
-          <a:lstStyle/>
-          <a:p>
-            <a:pPr marL="342900" indent="-342900">
-              <a:spcBef>
-                <a:spcPts val="600"/>
-              </a:spcBef>
-              <a:spcAft>
-                <a:spcPts val="400"/>
-              </a:spcAft>
-              <a:buFont typeface="+mj-lt"/>
-              <a:buAutoNum type="arabicPeriod"/>
-            </a:pPr>
-            <a:r>
-              <a:rPr lang="nb-NO" sz="1600" dirty="0" smtClean="0"/>
-              <a:t>Dekorere egenskaper i Modellen(e) med Data Annotation Validators</a:t>
-            </a:r>
           </a:p>
         </p:txBody>
       </p:sp>
@@ -10728,6 +10638,14 @@
 <file path=ppt/slides/slide11.xml><?xml version="1.0" encoding="utf-8"?>
 <p:sld xmlns:a="http://schemas.openxmlformats.org/drawingml/2006/main" xmlns:r="http://schemas.openxmlformats.org/officeDocument/2006/relationships" xmlns:p="http://schemas.openxmlformats.org/presentationml/2006/main">
   <p:cSld>
+    <p:bg>
+      <p:bgPr>
+        <a:solidFill>
+          <a:schemeClr val="accent1"/>
+        </a:solidFill>
+        <a:effectLst/>
+      </p:bgPr>
+    </p:bg>
     <p:spTree>
       <p:nvGrpSpPr>
         <p:cNvPr id="1" name=""/>
@@ -10755,18 +10673,29 @@
         <p:spPr>
           <a:xfrm>
             <a:off x="321623" y="418905"/>
-            <a:ext cx="2732799" cy="307777"/>
+            <a:ext cx="1583767" cy="307777"/>
           </a:xfrm>
+          <a:solidFill>
+            <a:schemeClr val="accent1"/>
+          </a:solidFill>
         </p:spPr>
         <p:txBody>
           <a:bodyPr/>
           <a:lstStyle/>
           <a:p>
             <a:r>
-              <a:rPr lang="nb-NO" dirty="0" smtClean="0"/>
-              <a:t>Validering forts</a:t>
-            </a:r>
-            <a:endParaRPr lang="en-US" dirty="0"/>
+              <a:rPr lang="nb-NO" dirty="0" smtClean="0">
+                <a:solidFill>
+                  <a:schemeClr val="bg1"/>
+                </a:solidFill>
+              </a:rPr>
+              <a:t>OppgaveR</a:t>
+            </a:r>
+            <a:endParaRPr lang="en-US" dirty="0">
+              <a:solidFill>
+                <a:schemeClr val="bg1"/>
+              </a:solidFill>
+            </a:endParaRPr>
           </a:p>
         </p:txBody>
       </p:sp>
@@ -10780,30 +10709,42 @@
             <p:ph type="sldNum" sz="quarter" idx="10"/>
           </p:nvPr>
         </p:nvSpPr>
-        <p:spPr/>
+        <p:spPr>
+          <a:solidFill>
+            <a:schemeClr val="accent1"/>
+          </a:solidFill>
+        </p:spPr>
         <p:txBody>
           <a:bodyPr/>
           <a:lstStyle/>
           <a:p>
             <a:fld id="{FF67BF5B-7344-D747-A0C2-CBD7B2ACBC85}" type="slidenum">
-              <a:rPr lang="en-US" smtClean="0"/>
+              <a:rPr lang="en-US" smtClean="0">
+                <a:solidFill>
+                  <a:schemeClr val="bg1"/>
+                </a:solidFill>
+              </a:rPr>
               <a:pPr/>
               <a:t>11</a:t>
             </a:fld>
-            <a:endParaRPr lang="en-US" dirty="0"/>
+            <a:endParaRPr lang="en-US" dirty="0">
+              <a:solidFill>
+                <a:schemeClr val="bg1"/>
+              </a:solidFill>
+            </a:endParaRPr>
           </a:p>
         </p:txBody>
       </p:sp>
       <p:sp>
         <p:nvSpPr>
-          <p:cNvPr id="5" name="TextBox 4"/>
+          <p:cNvPr id="7" name="TextBox 6"/>
           <p:cNvSpPr txBox="1"/>
           <p:nvPr/>
         </p:nvSpPr>
         <p:spPr>
           <a:xfrm>
-            <a:off x="321623" y="982387"/>
-            <a:ext cx="8409684" cy="338554"/>
+            <a:off x="321623" y="1397000"/>
+            <a:ext cx="8102827" cy="4493538"/>
           </a:xfrm>
           <a:prstGeom prst="rect">
             <a:avLst/>
@@ -10816,962 +10757,259 @@
           </a:bodyPr>
           <a:lstStyle/>
           <a:p>
-            <a:pPr marL="342900" indent="-342900">
-              <a:spcBef>
-                <a:spcPts val="600"/>
-              </a:spcBef>
-              <a:spcAft>
-                <a:spcPts val="400"/>
-              </a:spcAft>
-            </a:pPr>
-            <a:r>
-              <a:rPr lang="nb-NO" sz="1600" dirty="0" smtClean="0"/>
-              <a:t>2. 	Opprette et ValidationActionFilter</a:t>
-            </a:r>
-          </a:p>
-        </p:txBody>
-      </p:sp>
-      <p:sp>
-        <p:nvSpPr>
-          <p:cNvPr id="43009" name="Rectangle 1"/>
-          <p:cNvSpPr>
-            <a:spLocks noChangeArrowheads="1"/>
-          </p:cNvSpPr>
-          <p:nvPr/>
-        </p:nvSpPr>
-        <p:spPr bwMode="auto">
-          <a:xfrm>
-            <a:off x="408106" y="1808621"/>
-            <a:ext cx="8323201" cy="276999"/>
-          </a:xfrm>
-          <a:prstGeom prst="rect">
-            <a:avLst/>
-          </a:prstGeom>
-          <a:solidFill>
-            <a:srgbClr val="FFFFFF"/>
-          </a:solidFill>
-          <a:ln w="9525">
-            <a:solidFill>
-              <a:schemeClr val="accent2"/>
-            </a:solidFill>
-            <a:miter lim="800000"/>
-            <a:headEnd/>
-            <a:tailEnd/>
-          </a:ln>
-          <a:effectLst/>
-        </p:spPr>
-        <p:txBody>
-          <a:bodyPr vert="horz" wrap="square" lIns="91440" tIns="45720" rIns="91440" bIns="45720" numCol="1" anchor="ctr" anchorCtr="0" compatLnSpc="1">
-            <a:prstTxWarp prst="textNoShape">
-              <a:avLst/>
-            </a:prstTxWarp>
-            <a:spAutoFit/>
-          </a:bodyPr>
-          <a:lstStyle/>
-          <a:p>
-            <a:pPr marL="0" marR="0" lvl="0" indent="0" algn="l" defTabSz="914400" rtl="0" eaLnBrk="1" fontAlgn="base" latinLnBrk="0" hangingPunct="1">
-              <a:lnSpc>
-                <a:spcPct val="100000"/>
-              </a:lnSpc>
-              <a:spcBef>
-                <a:spcPct val="0"/>
-              </a:spcBef>
-              <a:spcAft>
-                <a:spcPct val="0"/>
-              </a:spcAft>
-              <a:buClrTx/>
-              <a:buSzTx/>
-              <a:buFontTx/>
-              <a:buNone/>
-              <a:tabLst/>
-            </a:pPr>
-            <a:r>
-              <a:rPr kumimoji="0" lang="en-US" sz="1200" b="0" i="0" u="none" strike="noStrike" cap="none" normalizeH="0" baseline="0" dirty="0" smtClean="0">
-                <a:ln>
-                  <a:noFill/>
-                </a:ln>
-                <a:solidFill>
-                  <a:srgbClr val="0000FF"/>
-                </a:solidFill>
-                <a:effectLst/>
-                <a:latin typeface="Consolas" pitchFamily="49" charset="0"/>
-                <a:cs typeface="Consolas" pitchFamily="49" charset="0"/>
-              </a:rPr>
-              <a:t>public</a:t>
-            </a:r>
-            <a:r>
-              <a:rPr kumimoji="0" lang="en-US" sz="1200" b="0" i="0" u="none" strike="noStrike" cap="none" normalizeH="0" baseline="0" dirty="0" smtClean="0">
-                <a:ln>
-                  <a:noFill/>
-                </a:ln>
-                <a:solidFill>
-                  <a:srgbClr val="000000"/>
-                </a:solidFill>
-                <a:effectLst/>
-                <a:latin typeface="Consolas" pitchFamily="49" charset="0"/>
-                <a:cs typeface="Consolas" pitchFamily="49" charset="0"/>
-              </a:rPr>
-              <a:t> </a:t>
-            </a:r>
-            <a:r>
-              <a:rPr kumimoji="0" lang="en-US" sz="1200" b="0" i="0" u="none" strike="noStrike" cap="none" normalizeH="0" baseline="0" dirty="0" smtClean="0">
-                <a:ln>
-                  <a:noFill/>
-                </a:ln>
-                <a:solidFill>
-                  <a:srgbClr val="0000FF"/>
-                </a:solidFill>
-                <a:effectLst/>
-                <a:latin typeface="Consolas" pitchFamily="49" charset="0"/>
-                <a:cs typeface="Consolas" pitchFamily="49" charset="0"/>
-              </a:rPr>
-              <a:t>class</a:t>
-            </a:r>
-            <a:r>
-              <a:rPr kumimoji="0" lang="en-US" sz="1200" b="0" i="0" u="none" strike="noStrike" cap="none" normalizeH="0" baseline="0" dirty="0" smtClean="0">
-                <a:ln>
-                  <a:noFill/>
-                </a:ln>
-                <a:solidFill>
-                  <a:srgbClr val="000000"/>
-                </a:solidFill>
-                <a:effectLst/>
-                <a:latin typeface="Consolas" pitchFamily="49" charset="0"/>
-                <a:cs typeface="Consolas" pitchFamily="49" charset="0"/>
-              </a:rPr>
-              <a:t> </a:t>
-            </a:r>
-            <a:r>
-              <a:rPr kumimoji="0" lang="en-US" sz="1200" b="0" i="0" u="none" strike="noStrike" cap="none" normalizeH="0" baseline="0" dirty="0" err="1" smtClean="0">
-                <a:ln>
-                  <a:noFill/>
-                </a:ln>
-                <a:solidFill>
-                  <a:srgbClr val="2B91AF"/>
-                </a:solidFill>
-                <a:effectLst/>
-                <a:latin typeface="Consolas" pitchFamily="49" charset="0"/>
-                <a:cs typeface="Consolas" pitchFamily="49" charset="0"/>
-              </a:rPr>
-              <a:t>ValidationActionFilter</a:t>
-            </a:r>
-            <a:r>
-              <a:rPr kumimoji="0" lang="en-US" sz="1200" b="0" i="0" u="none" strike="noStrike" cap="none" normalizeH="0" baseline="0" dirty="0" smtClean="0">
-                <a:ln>
-                  <a:noFill/>
-                </a:ln>
-                <a:solidFill>
-                  <a:srgbClr val="000000"/>
-                </a:solidFill>
-                <a:effectLst/>
-                <a:latin typeface="Consolas" pitchFamily="49" charset="0"/>
-                <a:cs typeface="Consolas" pitchFamily="49" charset="0"/>
-              </a:rPr>
-              <a:t> : </a:t>
-            </a:r>
-            <a:r>
-              <a:rPr kumimoji="0" lang="en-US" sz="1200" b="0" i="0" u="none" strike="noStrike" cap="none" normalizeH="0" baseline="0" dirty="0" err="1" smtClean="0">
-                <a:ln>
-                  <a:noFill/>
-                </a:ln>
-                <a:solidFill>
-                  <a:srgbClr val="2B91AF"/>
-                </a:solidFill>
-                <a:effectLst/>
-                <a:latin typeface="Consolas" pitchFamily="49" charset="0"/>
-                <a:cs typeface="Consolas" pitchFamily="49" charset="0"/>
-              </a:rPr>
-              <a:t>ActionFilterAttribute</a:t>
-            </a:r>
-            <a:r>
-              <a:rPr kumimoji="0" lang="en-US" sz="1200" b="0" i="0" u="none" strike="noStrike" cap="none" normalizeH="0" baseline="0" dirty="0" smtClean="0">
-                <a:ln>
-                  <a:noFill/>
-                </a:ln>
-                <a:solidFill>
-                  <a:srgbClr val="000000"/>
-                </a:solidFill>
-                <a:effectLst/>
-                <a:latin typeface="Consolas" pitchFamily="49" charset="0"/>
-                <a:cs typeface="Consolas" pitchFamily="49" charset="0"/>
-              </a:rPr>
-              <a:t>  </a:t>
-            </a:r>
-            <a:r>
-              <a:rPr lang="nb-NO" sz="1200" dirty="0" smtClean="0">
-                <a:solidFill>
-                  <a:srgbClr val="000000"/>
-                </a:solidFill>
-                <a:latin typeface="Consolas" pitchFamily="49" charset="0"/>
-                <a:cs typeface="Consolas" pitchFamily="49" charset="0"/>
-              </a:rPr>
-              <a:t>{}</a:t>
-            </a:r>
-            <a:endParaRPr kumimoji="0" lang="en-US" sz="1200" b="0" i="0" u="none" strike="noStrike" cap="none" normalizeH="0" baseline="0" dirty="0" smtClean="0">
-              <a:ln>
-                <a:noFill/>
-              </a:ln>
+            <a:pPr algn="just"/>
+            <a:r>
+              <a:rPr lang="nb-NO" dirty="0" smtClean="0">
+                <a:solidFill>
+                  <a:schemeClr val="bg1"/>
+                </a:solidFill>
+              </a:rPr>
+              <a:t>I denne oppgaven skal vi starte på å lage et lite web API som skal eksponere blogginnlegg. Et blogginnlegg skal minimum ha tittel, innhold og dato for publisering. Målet med denne oppgaven er å få til enkel CRUD for blogginnlegg. Vi trenger ikke lagring  i databasen, kun i minne.</a:t>
+            </a:r>
+          </a:p>
+          <a:p>
+            <a:pPr algn="just"/>
+            <a:endParaRPr lang="nb-NO" dirty="0" smtClean="0">
               <a:solidFill>
-                <a:srgbClr val="000000"/>
+                <a:schemeClr val="bg1"/>
               </a:solidFill>
-              <a:effectLst/>
+            </a:endParaRPr>
+          </a:p>
+          <a:p>
+            <a:pPr algn="just"/>
+            <a:r>
+              <a:rPr lang="nb-NO" dirty="0" smtClean="0">
+                <a:solidFill>
+                  <a:schemeClr val="bg1"/>
+                </a:solidFill>
+              </a:rPr>
+              <a:t>Implementèr følgende operasjoner i ApiControlleren:</a:t>
+            </a:r>
+          </a:p>
+          <a:p>
+            <a:pPr algn="just"/>
+            <a:endParaRPr lang="nb-NO" dirty="0" smtClean="0">
+              <a:solidFill>
+                <a:schemeClr val="bg1"/>
+              </a:solidFill>
+            </a:endParaRPr>
+          </a:p>
+          <a:p>
+            <a:pPr algn="just"/>
+            <a:r>
+              <a:rPr lang="nb-NO" dirty="0" smtClean="0">
+                <a:solidFill>
+                  <a:schemeClr val="bg1"/>
+                </a:solidFill>
+              </a:rPr>
+              <a:t>	1. </a:t>
+            </a:r>
+            <a:r>
+              <a:rPr lang="nb-NO" dirty="0" smtClean="0">
+                <a:solidFill>
+                  <a:schemeClr val="bg1"/>
+                </a:solidFill>
+                <a:latin typeface="Consolas" pitchFamily="49" charset="0"/>
+                <a:cs typeface="Consolas" pitchFamily="49" charset="0"/>
+              </a:rPr>
+              <a:t>IEnumerable&lt;BlogEntry&gt; Get()</a:t>
+            </a:r>
+          </a:p>
+          <a:p>
+            <a:pPr algn="just"/>
+            <a:r>
+              <a:rPr lang="nb-NO" dirty="0" smtClean="0">
+                <a:solidFill>
+                  <a:schemeClr val="bg1"/>
+                </a:solidFill>
+                <a:latin typeface="Consolas" pitchFamily="49" charset="0"/>
+                <a:cs typeface="Consolas" pitchFamily="49" charset="0"/>
+              </a:rPr>
+              <a:t>	</a:t>
+            </a:r>
+            <a:r>
+              <a:rPr lang="nb-NO" dirty="0" smtClean="0">
+                <a:solidFill>
+                  <a:schemeClr val="bg1"/>
+                </a:solidFill>
+              </a:rPr>
+              <a:t>2. </a:t>
+            </a:r>
+            <a:r>
+              <a:rPr lang="nb-NO" dirty="0" smtClean="0">
+                <a:solidFill>
+                  <a:schemeClr val="bg1"/>
+                </a:solidFill>
+                <a:latin typeface="Consolas" pitchFamily="49" charset="0"/>
+                <a:cs typeface="Consolas" pitchFamily="49" charset="0"/>
+              </a:rPr>
+              <a:t>BlogEntry Get(id);</a:t>
+            </a:r>
+          </a:p>
+          <a:p>
+            <a:pPr algn="just"/>
+            <a:r>
+              <a:rPr lang="nb-NO" dirty="0" smtClean="0">
+                <a:solidFill>
+                  <a:schemeClr val="bg1"/>
+                </a:solidFill>
+                <a:latin typeface="Consolas" pitchFamily="49" charset="0"/>
+                <a:cs typeface="Consolas" pitchFamily="49" charset="0"/>
+              </a:rPr>
+              <a:t>	</a:t>
+            </a:r>
+            <a:r>
+              <a:rPr lang="nb-NO" dirty="0" smtClean="0">
+                <a:solidFill>
+                  <a:schemeClr val="bg1"/>
+                </a:solidFill>
+              </a:rPr>
+              <a:t>3. </a:t>
+            </a:r>
+            <a:r>
+              <a:rPr lang="nb-NO" dirty="0" smtClean="0">
+                <a:solidFill>
+                  <a:schemeClr val="bg1"/>
+                </a:solidFill>
+                <a:latin typeface="Consolas" pitchFamily="49" charset="0"/>
+                <a:cs typeface="Consolas" pitchFamily="49" charset="0"/>
+              </a:rPr>
+              <a:t>HttpResponseMessage Post(BlogEntry blogEntry)</a:t>
+            </a:r>
+          </a:p>
+          <a:p>
+            <a:pPr algn="just"/>
+            <a:r>
+              <a:rPr lang="nb-NO" dirty="0" smtClean="0">
+                <a:solidFill>
+                  <a:schemeClr val="bg1"/>
+                </a:solidFill>
+                <a:latin typeface="Consolas" pitchFamily="49" charset="0"/>
+                <a:cs typeface="Consolas" pitchFamily="49" charset="0"/>
+              </a:rPr>
+              <a:t>	</a:t>
+            </a:r>
+            <a:r>
+              <a:rPr lang="nb-NO" dirty="0" smtClean="0">
+                <a:solidFill>
+                  <a:schemeClr val="bg1"/>
+                </a:solidFill>
+              </a:rPr>
+              <a:t>4. </a:t>
+            </a:r>
+            <a:r>
+              <a:rPr lang="nb-NO" dirty="0" smtClean="0">
+                <a:solidFill>
+                  <a:schemeClr val="bg1"/>
+                </a:solidFill>
+                <a:latin typeface="Consolas" pitchFamily="49" charset="0"/>
+                <a:cs typeface="Consolas" pitchFamily="49" charset="0"/>
+              </a:rPr>
+              <a:t>HttpResponseMessage Put(int id, BlogEntry blogEntry)</a:t>
+            </a:r>
+          </a:p>
+          <a:p>
+            <a:pPr algn="just"/>
+            <a:r>
+              <a:rPr lang="nb-NO" dirty="0" smtClean="0">
+                <a:solidFill>
+                  <a:schemeClr val="bg1"/>
+                </a:solidFill>
+                <a:latin typeface="Consolas" pitchFamily="49" charset="0"/>
+                <a:cs typeface="Consolas" pitchFamily="49" charset="0"/>
+              </a:rPr>
+              <a:t>	</a:t>
+            </a:r>
+            <a:r>
+              <a:rPr lang="nb-NO" dirty="0" smtClean="0">
+                <a:solidFill>
+                  <a:schemeClr val="bg1"/>
+                </a:solidFill>
+              </a:rPr>
+              <a:t>5. </a:t>
+            </a:r>
+            <a:r>
+              <a:rPr lang="nb-NO" dirty="0" smtClean="0">
+                <a:solidFill>
+                  <a:schemeClr val="bg1"/>
+                </a:solidFill>
+                <a:latin typeface="Consolas" pitchFamily="49" charset="0"/>
+                <a:cs typeface="Consolas" pitchFamily="49" charset="0"/>
+              </a:rPr>
+              <a:t>HttpResponseMessage Delete(int id</a:t>
+            </a:r>
+            <a:r>
+              <a:rPr lang="nb-NO" dirty="0" smtClean="0">
+                <a:solidFill>
+                  <a:schemeClr val="bg1"/>
+                </a:solidFill>
+                <a:latin typeface="Consolas" pitchFamily="49" charset="0"/>
+                <a:cs typeface="Consolas" pitchFamily="49" charset="0"/>
+              </a:rPr>
+              <a:t>)</a:t>
+            </a:r>
+          </a:p>
+          <a:p>
+            <a:pPr algn="just"/>
+            <a:endParaRPr lang="nb-NO" sz="1400" i="1" dirty="0">
+              <a:solidFill>
+                <a:schemeClr val="bg1"/>
+              </a:solidFill>
               <a:latin typeface="Consolas" pitchFamily="49" charset="0"/>
               <a:cs typeface="Consolas" pitchFamily="49" charset="0"/>
             </a:endParaRPr>
           </a:p>
-        </p:txBody>
-      </p:sp>
-      <p:sp>
-        <p:nvSpPr>
-          <p:cNvPr id="43010" name="Rectangle 2"/>
-          <p:cNvSpPr>
-            <a:spLocks noChangeArrowheads="1"/>
-          </p:cNvSpPr>
-          <p:nvPr/>
-        </p:nvSpPr>
-        <p:spPr bwMode="auto">
-          <a:xfrm>
-            <a:off x="406968" y="3343561"/>
-            <a:ext cx="8324339" cy="2308324"/>
-          </a:xfrm>
-          <a:prstGeom prst="rect">
-            <a:avLst/>
-          </a:prstGeom>
-          <a:solidFill>
-            <a:srgbClr val="FFFFFF"/>
-          </a:solidFill>
-          <a:ln w="9525">
-            <a:solidFill>
-              <a:schemeClr val="accent2"/>
-            </a:solidFill>
-            <a:miter lim="800000"/>
-            <a:headEnd/>
-            <a:tailEnd/>
-          </a:ln>
-          <a:effectLst/>
-        </p:spPr>
-        <p:txBody>
-          <a:bodyPr vert="horz" wrap="square" lIns="91440" tIns="45720" rIns="91440" bIns="45720" numCol="1" anchor="ctr" anchorCtr="0" compatLnSpc="1">
-            <a:prstTxWarp prst="textNoShape">
-              <a:avLst/>
-            </a:prstTxWarp>
-            <a:spAutoFit/>
-          </a:bodyPr>
-          <a:lstStyle/>
-          <a:p>
-            <a:pPr marL="0" marR="0" lvl="0" indent="0" algn="l" defTabSz="914400" rtl="0" eaLnBrk="1" fontAlgn="base" latinLnBrk="0" hangingPunct="1">
-              <a:lnSpc>
-                <a:spcPct val="100000"/>
-              </a:lnSpc>
-              <a:spcBef>
-                <a:spcPct val="0"/>
-              </a:spcBef>
-              <a:spcAft>
-                <a:spcPct val="0"/>
-              </a:spcAft>
-              <a:buClrTx/>
-              <a:buSzTx/>
-              <a:buFontTx/>
-              <a:buNone/>
-              <a:tabLst/>
-            </a:pPr>
-            <a:r>
-              <a:rPr kumimoji="0" lang="en-US" sz="1200" b="0" i="0" u="none" strike="noStrike" cap="none" normalizeH="0" baseline="0" dirty="0" smtClean="0">
-                <a:ln>
-                  <a:noFill/>
-                </a:ln>
-                <a:solidFill>
-                  <a:srgbClr val="0000FF"/>
-                </a:solidFill>
-                <a:effectLst/>
-                <a:latin typeface="Consolas" pitchFamily="49" charset="0"/>
-                <a:cs typeface="Consolas" pitchFamily="49" charset="0"/>
-              </a:rPr>
-              <a:t>public</a:t>
-            </a:r>
-            <a:r>
-              <a:rPr kumimoji="0" lang="en-US" sz="1200" b="0" i="0" u="none" strike="noStrike" cap="none" normalizeH="0" baseline="0" dirty="0" smtClean="0">
-                <a:ln>
-                  <a:noFill/>
-                </a:ln>
-                <a:solidFill>
-                  <a:srgbClr val="000000"/>
-                </a:solidFill>
-                <a:effectLst/>
-                <a:latin typeface="Consolas" pitchFamily="49" charset="0"/>
-                <a:cs typeface="Consolas" pitchFamily="49" charset="0"/>
-              </a:rPr>
-              <a:t> </a:t>
-            </a:r>
-            <a:r>
-              <a:rPr kumimoji="0" lang="en-US" sz="1200" b="0" i="0" u="none" strike="noStrike" cap="none" normalizeH="0" baseline="0" dirty="0" smtClean="0">
-                <a:ln>
-                  <a:noFill/>
-                </a:ln>
-                <a:solidFill>
-                  <a:srgbClr val="0000FF"/>
-                </a:solidFill>
-                <a:effectLst/>
-                <a:latin typeface="Consolas" pitchFamily="49" charset="0"/>
-                <a:cs typeface="Consolas" pitchFamily="49" charset="0"/>
-              </a:rPr>
-              <a:t>override</a:t>
-            </a:r>
-            <a:r>
-              <a:rPr kumimoji="0" lang="en-US" sz="1200" b="0" i="0" u="none" strike="noStrike" cap="none" normalizeH="0" baseline="0" dirty="0" smtClean="0">
-                <a:ln>
-                  <a:noFill/>
-                </a:ln>
-                <a:solidFill>
-                  <a:srgbClr val="000000"/>
-                </a:solidFill>
-                <a:effectLst/>
-                <a:latin typeface="Consolas" pitchFamily="49" charset="0"/>
-                <a:cs typeface="Consolas" pitchFamily="49" charset="0"/>
-              </a:rPr>
-              <a:t> </a:t>
-            </a:r>
-            <a:r>
-              <a:rPr kumimoji="0" lang="en-US" sz="1200" b="0" i="0" u="none" strike="noStrike" cap="none" normalizeH="0" baseline="0" dirty="0" smtClean="0">
-                <a:ln>
-                  <a:noFill/>
-                </a:ln>
-                <a:solidFill>
-                  <a:srgbClr val="0000FF"/>
-                </a:solidFill>
-                <a:effectLst/>
-                <a:latin typeface="Consolas" pitchFamily="49" charset="0"/>
-                <a:cs typeface="Consolas" pitchFamily="49" charset="0"/>
-              </a:rPr>
-              <a:t>void</a:t>
-            </a:r>
-            <a:r>
-              <a:rPr kumimoji="0" lang="en-US" sz="1200" b="0" i="0" u="none" strike="noStrike" cap="none" normalizeH="0" baseline="0" dirty="0" smtClean="0">
-                <a:ln>
-                  <a:noFill/>
-                </a:ln>
-                <a:solidFill>
-                  <a:srgbClr val="000000"/>
-                </a:solidFill>
-                <a:effectLst/>
-                <a:latin typeface="Consolas" pitchFamily="49" charset="0"/>
-                <a:cs typeface="Consolas" pitchFamily="49" charset="0"/>
-              </a:rPr>
-              <a:t> </a:t>
-            </a:r>
-            <a:r>
-              <a:rPr kumimoji="0" lang="en-US" sz="1200" b="0" i="0" u="none" strike="noStrike" cap="none" normalizeH="0" baseline="0" dirty="0" err="1" smtClean="0">
-                <a:ln>
-                  <a:noFill/>
-                </a:ln>
-                <a:solidFill>
-                  <a:srgbClr val="000000"/>
-                </a:solidFill>
-                <a:effectLst/>
-                <a:latin typeface="Consolas" pitchFamily="49" charset="0"/>
-                <a:cs typeface="Consolas" pitchFamily="49" charset="0"/>
-              </a:rPr>
-              <a:t>OnActionExecuting</a:t>
-            </a:r>
-            <a:r>
-              <a:rPr kumimoji="0" lang="en-US" sz="1200" b="0" i="0" u="none" strike="noStrike" cap="none" normalizeH="0" baseline="0" dirty="0" smtClean="0">
-                <a:ln>
-                  <a:noFill/>
-                </a:ln>
-                <a:solidFill>
-                  <a:srgbClr val="000000"/>
-                </a:solidFill>
-                <a:effectLst/>
-                <a:latin typeface="Consolas" pitchFamily="49" charset="0"/>
-                <a:cs typeface="Consolas" pitchFamily="49" charset="0"/>
-              </a:rPr>
-              <a:t>(</a:t>
-            </a:r>
-            <a:r>
-              <a:rPr kumimoji="0" lang="en-US" sz="1200" b="0" i="0" u="none" strike="noStrike" cap="none" normalizeH="0" baseline="0" dirty="0" err="1" smtClean="0">
-                <a:ln>
-                  <a:noFill/>
-                </a:ln>
-                <a:solidFill>
-                  <a:srgbClr val="2B91AF"/>
-                </a:solidFill>
-                <a:effectLst/>
-                <a:latin typeface="Consolas" pitchFamily="49" charset="0"/>
-                <a:cs typeface="Consolas" pitchFamily="49" charset="0"/>
-              </a:rPr>
-              <a:t>HttpActionContext</a:t>
-            </a:r>
-            <a:r>
-              <a:rPr kumimoji="0" lang="en-US" sz="1200" b="0" i="0" u="none" strike="noStrike" cap="none" normalizeH="0" baseline="0" dirty="0" smtClean="0">
-                <a:ln>
-                  <a:noFill/>
-                </a:ln>
-                <a:solidFill>
-                  <a:srgbClr val="000000"/>
-                </a:solidFill>
-                <a:effectLst/>
-                <a:latin typeface="Consolas" pitchFamily="49" charset="0"/>
-                <a:cs typeface="Consolas" pitchFamily="49" charset="0"/>
-              </a:rPr>
-              <a:t> </a:t>
-            </a:r>
-            <a:r>
-              <a:rPr kumimoji="0" lang="en-US" sz="1200" b="0" i="0" u="none" strike="noStrike" cap="none" normalizeH="0" baseline="0" dirty="0" err="1" smtClean="0">
-                <a:ln>
-                  <a:noFill/>
-                </a:ln>
-                <a:solidFill>
-                  <a:srgbClr val="000000"/>
-                </a:solidFill>
-                <a:effectLst/>
-                <a:latin typeface="Consolas" pitchFamily="49" charset="0"/>
-                <a:cs typeface="Consolas" pitchFamily="49" charset="0"/>
-              </a:rPr>
-              <a:t>actionContext</a:t>
-            </a:r>
-            <a:r>
-              <a:rPr kumimoji="0" lang="en-US" sz="1200" b="0" i="0" u="none" strike="noStrike" cap="none" normalizeH="0" baseline="0" dirty="0" smtClean="0">
-                <a:ln>
-                  <a:noFill/>
-                </a:ln>
-                <a:solidFill>
-                  <a:srgbClr val="000000"/>
-                </a:solidFill>
-                <a:effectLst/>
-                <a:latin typeface="Consolas" pitchFamily="49" charset="0"/>
-                <a:cs typeface="Consolas" pitchFamily="49" charset="0"/>
-              </a:rPr>
-              <a:t>)         </a:t>
-            </a:r>
-          </a:p>
-          <a:p>
-            <a:pPr marL="0" marR="0" lvl="0" indent="0" algn="l" defTabSz="914400" rtl="0" eaLnBrk="1" fontAlgn="base" latinLnBrk="0" hangingPunct="1">
-              <a:lnSpc>
-                <a:spcPct val="100000"/>
-              </a:lnSpc>
-              <a:spcBef>
-                <a:spcPct val="0"/>
-              </a:spcBef>
-              <a:spcAft>
-                <a:spcPct val="0"/>
-              </a:spcAft>
-              <a:buClrTx/>
-              <a:buSzTx/>
-              <a:buFontTx/>
-              <a:buNone/>
-              <a:tabLst/>
-            </a:pPr>
-            <a:r>
-              <a:rPr kumimoji="0" lang="en-US" sz="1200" b="0" i="0" u="none" strike="noStrike" cap="none" normalizeH="0" baseline="0" dirty="0" smtClean="0">
-                <a:ln>
-                  <a:noFill/>
-                </a:ln>
-                <a:solidFill>
-                  <a:srgbClr val="000000"/>
-                </a:solidFill>
-                <a:effectLst/>
-                <a:latin typeface="Consolas" pitchFamily="49" charset="0"/>
-                <a:cs typeface="Consolas" pitchFamily="49" charset="0"/>
-              </a:rPr>
-              <a:t>{             </a:t>
-            </a:r>
-          </a:p>
-          <a:p>
-            <a:pPr marL="0" marR="0" lvl="0" indent="0" algn="l" defTabSz="914400" rtl="0" eaLnBrk="1" fontAlgn="base" latinLnBrk="0" hangingPunct="1">
-              <a:lnSpc>
-                <a:spcPct val="100000"/>
-              </a:lnSpc>
-              <a:spcBef>
-                <a:spcPct val="0"/>
-              </a:spcBef>
-              <a:spcAft>
-                <a:spcPct val="0"/>
-              </a:spcAft>
-              <a:buClrTx/>
-              <a:buSzTx/>
-              <a:buFontTx/>
-              <a:buNone/>
-              <a:tabLst/>
-            </a:pPr>
-            <a:r>
-              <a:rPr kumimoji="0" lang="en-US" sz="1200" b="0" i="0" u="none" strike="noStrike" cap="none" normalizeH="0" baseline="0" dirty="0" smtClean="0">
-                <a:ln>
-                  <a:noFill/>
-                </a:ln>
-                <a:solidFill>
-                  <a:srgbClr val="000000"/>
-                </a:solidFill>
-                <a:effectLst/>
-                <a:latin typeface="Consolas" pitchFamily="49" charset="0"/>
-                <a:cs typeface="Consolas" pitchFamily="49" charset="0"/>
-              </a:rPr>
-              <a:t>    </a:t>
-            </a:r>
-            <a:r>
-              <a:rPr lang="en-US" sz="1200" dirty="0" smtClean="0">
-                <a:solidFill>
-                  <a:srgbClr val="0000FF"/>
-                </a:solidFill>
-                <a:latin typeface="Consolas" pitchFamily="49" charset="0"/>
-                <a:cs typeface="Consolas" pitchFamily="49" charset="0"/>
-              </a:rPr>
-              <a:t>if</a:t>
-            </a:r>
-            <a:r>
-              <a:rPr lang="en-US" sz="1200" dirty="0" smtClean="0">
-                <a:solidFill>
-                  <a:srgbClr val="000000"/>
-                </a:solidFill>
-                <a:latin typeface="Consolas" pitchFamily="49" charset="0"/>
-                <a:cs typeface="Consolas" pitchFamily="49" charset="0"/>
-              </a:rPr>
-              <a:t> (!</a:t>
-            </a:r>
-            <a:r>
-              <a:rPr lang="en-US" sz="1200" dirty="0" err="1" smtClean="0">
-                <a:solidFill>
-                  <a:srgbClr val="000000"/>
-                </a:solidFill>
-                <a:latin typeface="Consolas" pitchFamily="49" charset="0"/>
-                <a:cs typeface="Consolas" pitchFamily="49" charset="0"/>
-              </a:rPr>
-              <a:t>actionContext.ModelState.IsValid</a:t>
-            </a:r>
-            <a:r>
-              <a:rPr lang="en-US" sz="1200" dirty="0" smtClean="0">
-                <a:solidFill>
-                  <a:srgbClr val="000000"/>
-                </a:solidFill>
-                <a:latin typeface="Consolas" pitchFamily="49" charset="0"/>
-                <a:cs typeface="Consolas" pitchFamily="49" charset="0"/>
-              </a:rPr>
-              <a:t>)             </a:t>
-            </a:r>
-          </a:p>
-          <a:p>
-            <a:pPr lvl="0" defTabSz="914400" fontAlgn="base">
-              <a:spcBef>
-                <a:spcPct val="0"/>
-              </a:spcBef>
-              <a:spcAft>
-                <a:spcPct val="0"/>
-              </a:spcAft>
-            </a:pPr>
-            <a:r>
-              <a:rPr lang="en-US" sz="1200" dirty="0" smtClean="0">
-                <a:solidFill>
-                  <a:srgbClr val="000000"/>
-                </a:solidFill>
-                <a:latin typeface="Consolas" pitchFamily="49" charset="0"/>
-                <a:cs typeface="Consolas" pitchFamily="49" charset="0"/>
-              </a:rPr>
-              <a:t>    {                 </a:t>
-            </a:r>
-          </a:p>
-          <a:p>
-            <a:pPr lvl="0" defTabSz="914400" fontAlgn="base">
-              <a:spcBef>
-                <a:spcPct val="0"/>
-              </a:spcBef>
-              <a:spcAft>
-                <a:spcPct val="0"/>
-              </a:spcAft>
-            </a:pPr>
-            <a:r>
-              <a:rPr lang="en-US" sz="1200" dirty="0" smtClean="0">
-                <a:solidFill>
-                  <a:srgbClr val="000000"/>
-                </a:solidFill>
-                <a:latin typeface="Consolas" pitchFamily="49" charset="0"/>
-                <a:cs typeface="Consolas" pitchFamily="49" charset="0"/>
-              </a:rPr>
-              <a:t>        </a:t>
-            </a:r>
-            <a:r>
-              <a:rPr lang="en-US" sz="1200" dirty="0" err="1" smtClean="0">
-                <a:solidFill>
-                  <a:srgbClr val="0000FF"/>
-                </a:solidFill>
-                <a:latin typeface="Consolas" pitchFamily="49" charset="0"/>
-                <a:cs typeface="Consolas" pitchFamily="49" charset="0"/>
-              </a:rPr>
-              <a:t>var</a:t>
-            </a:r>
-            <a:r>
-              <a:rPr lang="en-US" sz="1200" dirty="0" smtClean="0">
-                <a:solidFill>
-                  <a:srgbClr val="000000"/>
-                </a:solidFill>
-                <a:latin typeface="Consolas" pitchFamily="49" charset="0"/>
-                <a:cs typeface="Consolas" pitchFamily="49" charset="0"/>
-              </a:rPr>
-              <a:t> errors = </a:t>
-            </a:r>
-            <a:r>
-              <a:rPr lang="en-US" sz="1200" dirty="0" err="1" smtClean="0">
-                <a:solidFill>
-                  <a:srgbClr val="000000"/>
-                </a:solidFill>
-                <a:latin typeface="Consolas" pitchFamily="49" charset="0"/>
-                <a:cs typeface="Consolas" pitchFamily="49" charset="0"/>
-              </a:rPr>
-              <a:t>actionContext.ModelState</a:t>
-            </a:r>
-            <a:r>
-              <a:rPr lang="en-US" sz="1200" dirty="0" smtClean="0">
-                <a:solidFill>
-                  <a:srgbClr val="000000"/>
-                </a:solidFill>
-                <a:latin typeface="Consolas" pitchFamily="49" charset="0"/>
-                <a:cs typeface="Consolas" pitchFamily="49" charset="0"/>
-              </a:rPr>
-              <a:t>                     </a:t>
-            </a:r>
-          </a:p>
-          <a:p>
-            <a:pPr lvl="0" defTabSz="914400" fontAlgn="base">
-              <a:spcBef>
-                <a:spcPct val="0"/>
-              </a:spcBef>
-              <a:spcAft>
-                <a:spcPct val="0"/>
-              </a:spcAft>
-            </a:pPr>
-            <a:r>
-              <a:rPr lang="en-US" sz="1200" dirty="0" smtClean="0">
-                <a:solidFill>
-                  <a:srgbClr val="000000"/>
-                </a:solidFill>
-                <a:latin typeface="Consolas" pitchFamily="49" charset="0"/>
-                <a:cs typeface="Consolas" pitchFamily="49" charset="0"/>
-              </a:rPr>
-              <a:t>			.Where(e =&gt; </a:t>
-            </a:r>
-            <a:r>
-              <a:rPr lang="en-US" sz="1200" dirty="0" err="1" smtClean="0">
-                <a:solidFill>
-                  <a:srgbClr val="000000"/>
-                </a:solidFill>
-                <a:latin typeface="Consolas" pitchFamily="49" charset="0"/>
-                <a:cs typeface="Consolas" pitchFamily="49" charset="0"/>
-              </a:rPr>
-              <a:t>e.Value.Errors.Count</a:t>
-            </a:r>
-            <a:r>
-              <a:rPr lang="en-US" sz="1200" dirty="0" smtClean="0">
-                <a:solidFill>
-                  <a:srgbClr val="000000"/>
-                </a:solidFill>
-                <a:latin typeface="Consolas" pitchFamily="49" charset="0"/>
-                <a:cs typeface="Consolas" pitchFamily="49" charset="0"/>
-              </a:rPr>
-              <a:t> &gt; 0)                     </a:t>
-            </a:r>
-          </a:p>
-          <a:p>
-            <a:pPr lvl="0" defTabSz="914400" fontAlgn="base">
-              <a:spcBef>
-                <a:spcPct val="0"/>
-              </a:spcBef>
-              <a:spcAft>
-                <a:spcPct val="0"/>
-              </a:spcAft>
-            </a:pPr>
-            <a:r>
-              <a:rPr lang="en-US" sz="1200" dirty="0" smtClean="0">
-                <a:solidFill>
-                  <a:srgbClr val="000000"/>
-                </a:solidFill>
-                <a:latin typeface="Consolas" pitchFamily="49" charset="0"/>
-                <a:cs typeface="Consolas" pitchFamily="49" charset="0"/>
-              </a:rPr>
-              <a:t>			.Select(</a:t>
-            </a:r>
-            <a:r>
-              <a:rPr lang="en-US" sz="1200" dirty="0" err="1" smtClean="0">
-                <a:solidFill>
-                  <a:srgbClr val="000000"/>
-                </a:solidFill>
-                <a:latin typeface="Consolas" pitchFamily="49" charset="0"/>
-                <a:cs typeface="Consolas" pitchFamily="49" charset="0"/>
-              </a:rPr>
-              <a:t>BuildError</a:t>
-            </a:r>
-            <a:r>
-              <a:rPr lang="en-US" sz="1200" dirty="0" smtClean="0">
-                <a:solidFill>
-                  <a:srgbClr val="000000"/>
-                </a:solidFill>
-                <a:latin typeface="Consolas" pitchFamily="49" charset="0"/>
-                <a:cs typeface="Consolas" pitchFamily="49" charset="0"/>
-              </a:rPr>
-              <a:t>).</a:t>
-            </a:r>
-            <a:r>
-              <a:rPr lang="en-US" sz="1200" dirty="0" err="1" smtClean="0">
-                <a:solidFill>
-                  <a:srgbClr val="000000"/>
-                </a:solidFill>
-                <a:latin typeface="Consolas" pitchFamily="49" charset="0"/>
-                <a:cs typeface="Consolas" pitchFamily="49" charset="0"/>
-              </a:rPr>
-              <a:t>ToArray</a:t>
-            </a:r>
-            <a:r>
-              <a:rPr lang="en-US" sz="1200" dirty="0" smtClean="0">
-                <a:solidFill>
-                  <a:srgbClr val="000000"/>
-                </a:solidFill>
-                <a:latin typeface="Consolas" pitchFamily="49" charset="0"/>
-                <a:cs typeface="Consolas" pitchFamily="49" charset="0"/>
-              </a:rPr>
-              <a:t>();                 </a:t>
-            </a:r>
-          </a:p>
-          <a:p>
-            <a:pPr lvl="0" defTabSz="914400" fontAlgn="base">
-              <a:spcBef>
-                <a:spcPct val="0"/>
-              </a:spcBef>
-              <a:spcAft>
-                <a:spcPct val="0"/>
-              </a:spcAft>
-            </a:pPr>
-            <a:r>
-              <a:rPr lang="en-US" sz="1200" dirty="0" smtClean="0">
-                <a:solidFill>
-                  <a:srgbClr val="000000"/>
-                </a:solidFill>
-                <a:latin typeface="Consolas" pitchFamily="49" charset="0"/>
-                <a:cs typeface="Consolas" pitchFamily="49" charset="0"/>
-              </a:rPr>
-              <a:t>    </a:t>
-            </a:r>
-          </a:p>
-          <a:p>
-            <a:pPr lvl="0" defTabSz="914400" fontAlgn="base">
-              <a:spcBef>
-                <a:spcPct val="0"/>
-              </a:spcBef>
-              <a:spcAft>
-                <a:spcPct val="0"/>
-              </a:spcAft>
-            </a:pPr>
-            <a:r>
-              <a:rPr lang="en-US" sz="1200" dirty="0" smtClean="0">
-                <a:solidFill>
-                  <a:srgbClr val="000000"/>
-                </a:solidFill>
-                <a:latin typeface="Consolas" pitchFamily="49" charset="0"/>
-                <a:cs typeface="Consolas" pitchFamily="49" charset="0"/>
-              </a:rPr>
-              <a:t>        </a:t>
-            </a:r>
-            <a:r>
-              <a:rPr lang="en-US" sz="1200" dirty="0" err="1" smtClean="0">
-                <a:solidFill>
-                  <a:srgbClr val="000000"/>
-                </a:solidFill>
-                <a:latin typeface="Consolas" pitchFamily="49" charset="0"/>
-                <a:cs typeface="Consolas" pitchFamily="49" charset="0"/>
-              </a:rPr>
-              <a:t>actionContext.Response</a:t>
-            </a:r>
-            <a:r>
-              <a:rPr lang="en-US" sz="1200" dirty="0" smtClean="0">
-                <a:solidFill>
-                  <a:srgbClr val="000000"/>
-                </a:solidFill>
-                <a:latin typeface="Consolas" pitchFamily="49" charset="0"/>
-                <a:cs typeface="Consolas" pitchFamily="49" charset="0"/>
-              </a:rPr>
-              <a:t> = </a:t>
-            </a:r>
-          </a:p>
-          <a:p>
-            <a:pPr lvl="0" defTabSz="914400" fontAlgn="base">
-              <a:spcBef>
-                <a:spcPct val="0"/>
-              </a:spcBef>
-              <a:spcAft>
-                <a:spcPct val="0"/>
-              </a:spcAft>
-            </a:pPr>
-            <a:r>
-              <a:rPr lang="en-US" sz="1200" dirty="0" smtClean="0">
-                <a:solidFill>
-                  <a:srgbClr val="000000"/>
-                </a:solidFill>
-                <a:latin typeface="Consolas" pitchFamily="49" charset="0"/>
-                <a:cs typeface="Consolas" pitchFamily="49" charset="0"/>
-              </a:rPr>
-              <a:t>                  </a:t>
-            </a:r>
-            <a:r>
-              <a:rPr lang="en-US" sz="1200" dirty="0" err="1" smtClean="0">
-                <a:solidFill>
-                  <a:srgbClr val="000000"/>
-                </a:solidFill>
-                <a:latin typeface="Consolas" pitchFamily="49" charset="0"/>
-                <a:cs typeface="Consolas" pitchFamily="49" charset="0"/>
-              </a:rPr>
-              <a:t>actionContext.Request.CreateResponse</a:t>
-            </a:r>
-            <a:r>
-              <a:rPr lang="en-US" sz="1200" dirty="0" smtClean="0">
-                <a:solidFill>
-                  <a:srgbClr val="000000"/>
-                </a:solidFill>
-                <a:latin typeface="Consolas" pitchFamily="49" charset="0"/>
-                <a:cs typeface="Consolas" pitchFamily="49" charset="0"/>
-              </a:rPr>
-              <a:t>(</a:t>
-            </a:r>
-            <a:r>
-              <a:rPr lang="en-US" sz="1200" dirty="0" err="1" smtClean="0">
-                <a:solidFill>
-                  <a:srgbClr val="2B91AF"/>
-                </a:solidFill>
-                <a:latin typeface="Consolas" pitchFamily="49" charset="0"/>
-                <a:cs typeface="Consolas" pitchFamily="49" charset="0"/>
-              </a:rPr>
-              <a:t>HttpStatusCode</a:t>
-            </a:r>
-            <a:r>
-              <a:rPr lang="en-US" sz="1200" dirty="0" err="1" smtClean="0">
-                <a:solidFill>
-                  <a:srgbClr val="000000"/>
-                </a:solidFill>
-                <a:latin typeface="Consolas" pitchFamily="49" charset="0"/>
-                <a:cs typeface="Consolas" pitchFamily="49" charset="0"/>
-              </a:rPr>
-              <a:t>.BadRequest</a:t>
-            </a:r>
-            <a:r>
-              <a:rPr lang="en-US" sz="1200" dirty="0" smtClean="0">
-                <a:solidFill>
-                  <a:srgbClr val="000000"/>
-                </a:solidFill>
-                <a:latin typeface="Consolas" pitchFamily="49" charset="0"/>
-                <a:cs typeface="Consolas" pitchFamily="49" charset="0"/>
-              </a:rPr>
-              <a:t>, errors);</a:t>
-            </a:r>
-          </a:p>
-          <a:p>
-            <a:pPr lvl="0" defTabSz="914400" fontAlgn="base">
-              <a:spcBef>
-                <a:spcPct val="0"/>
-              </a:spcBef>
-              <a:spcAft>
-                <a:spcPct val="0"/>
-              </a:spcAft>
-            </a:pPr>
-            <a:r>
-              <a:rPr lang="en-US" sz="1200" dirty="0" smtClean="0">
-                <a:solidFill>
-                  <a:srgbClr val="000000"/>
-                </a:solidFill>
-                <a:latin typeface="Consolas" pitchFamily="49" charset="0"/>
-                <a:cs typeface="Consolas" pitchFamily="49" charset="0"/>
-              </a:rPr>
-              <a:t>    }   </a:t>
-            </a:r>
-            <a:endParaRPr kumimoji="0" lang="en-US" sz="1200" b="0" i="0" u="none" strike="noStrike" cap="none" normalizeH="0" baseline="0" dirty="0" smtClean="0">
-              <a:ln>
-                <a:noFill/>
-              </a:ln>
+          <a:p>
+            <a:pPr algn="just"/>
+            <a:r>
+              <a:rPr lang="nb-NO" sz="1400" i="1" dirty="0" smtClean="0">
+                <a:solidFill>
+                  <a:schemeClr val="bg1"/>
+                </a:solidFill>
+                <a:latin typeface="Consolas" pitchFamily="49" charset="0"/>
+                <a:cs typeface="Consolas" pitchFamily="49" charset="0"/>
+              </a:rPr>
+              <a:t>Fork solution fra github: github.com/espenekvang/dotnetkurs</a:t>
+            </a:r>
+          </a:p>
+          <a:p>
+            <a:pPr algn="just"/>
+            <a:endParaRPr lang="nb-NO" sz="1400" i="1" dirty="0">
               <a:solidFill>
-                <a:srgbClr val="000000"/>
+                <a:schemeClr val="bg1"/>
               </a:solidFill>
-              <a:effectLst/>
               <a:latin typeface="Consolas" pitchFamily="49" charset="0"/>
               <a:cs typeface="Consolas" pitchFamily="49" charset="0"/>
             </a:endParaRPr>
           </a:p>
           <a:p>
-            <a:pPr marL="0" marR="0" lvl="0" indent="0" algn="l" defTabSz="914400" rtl="0" eaLnBrk="1" fontAlgn="base" latinLnBrk="0" hangingPunct="1">
-              <a:lnSpc>
-                <a:spcPct val="100000"/>
-              </a:lnSpc>
-              <a:spcBef>
-                <a:spcPct val="0"/>
-              </a:spcBef>
-              <a:spcAft>
-                <a:spcPct val="0"/>
-              </a:spcAft>
-              <a:buClrTx/>
-              <a:buSzTx/>
-              <a:buFontTx/>
-              <a:buNone/>
-              <a:tabLst/>
-            </a:pPr>
-            <a:r>
-              <a:rPr kumimoji="0" lang="en-US" sz="1200" b="0" i="0" u="none" strike="noStrike" cap="none" normalizeH="0" baseline="0" dirty="0" smtClean="0">
-                <a:ln>
-                  <a:noFill/>
-                </a:ln>
-                <a:solidFill>
-                  <a:srgbClr val="000000"/>
-                </a:solidFill>
-                <a:effectLst/>
-                <a:latin typeface="Consolas" pitchFamily="49" charset="0"/>
-                <a:cs typeface="Consolas" pitchFamily="49" charset="0"/>
-              </a:rPr>
-              <a:t>}</a:t>
-            </a:r>
-            <a:endParaRPr kumimoji="0" lang="en-US" sz="1200" b="0" i="0" u="none" strike="noStrike" cap="none" normalizeH="0" baseline="0" dirty="0" smtClean="0">
-              <a:ln>
-                <a:noFill/>
-              </a:ln>
+            <a:pPr algn="just"/>
+            <a:r>
+              <a:rPr lang="nb-NO" sz="1400" i="1" dirty="0" smtClean="0">
+                <a:solidFill>
+                  <a:schemeClr val="bg1"/>
+                </a:solidFill>
+                <a:latin typeface="Consolas" pitchFamily="49" charset="0"/>
+                <a:cs typeface="Consolas" pitchFamily="49" charset="0"/>
+              </a:rPr>
+              <a:t>Hint: Benytt en static variabel for lagring av bloggpostene siden vi ikke går mot en database</a:t>
+            </a:r>
+            <a:r>
+              <a:rPr lang="nb-NO" sz="1400" i="1" dirty="0" smtClean="0">
+                <a:solidFill>
+                  <a:schemeClr val="bg1"/>
+                </a:solidFill>
+              </a:rPr>
+              <a:t> </a:t>
+            </a:r>
+            <a:endParaRPr lang="nb-NO" sz="1400" i="1" dirty="0" smtClean="0">
               <a:solidFill>
-                <a:schemeClr val="tx1"/>
+                <a:schemeClr val="bg1"/>
               </a:solidFill>
-              <a:effectLst/>
-              <a:latin typeface="Arial" pitchFamily="34" charset="0"/>
-              <a:cs typeface="Arial" pitchFamily="34" charset="0"/>
             </a:endParaRPr>
           </a:p>
         </p:txBody>
       </p:sp>
-      <p:pic>
-        <p:nvPicPr>
-          <p:cNvPr id="43011" name="Picture 3"/>
-          <p:cNvPicPr>
-            <a:picLocks noChangeAspect="1" noChangeArrowheads="1"/>
-          </p:cNvPicPr>
-          <p:nvPr/>
-        </p:nvPicPr>
-        <p:blipFill>
-          <a:blip r:embed="rId2"/>
-          <a:srcRect/>
-          <a:stretch>
-            <a:fillRect/>
-          </a:stretch>
-        </p:blipFill>
-        <p:spPr bwMode="auto">
-          <a:xfrm>
-            <a:off x="6817544" y="2443258"/>
-            <a:ext cx="2047875" cy="485775"/>
-          </a:xfrm>
-          <a:prstGeom prst="roundRect">
-            <a:avLst>
-              <a:gd name="adj" fmla="val 8594"/>
-            </a:avLst>
-          </a:prstGeom>
-          <a:solidFill>
-            <a:srgbClr val="FFFFFF">
-              <a:shade val="85000"/>
-            </a:srgbClr>
-          </a:solidFill>
-          <a:ln>
-            <a:noFill/>
-          </a:ln>
-          <a:effectLst>
-            <a:reflection blurRad="12700" stA="38000" endPos="28000" dist="5000" dir="5400000" sy="-100000" algn="bl" rotWithShape="0"/>
-          </a:effectLst>
-        </p:spPr>
-      </p:pic>
     </p:spTree>
   </p:cSld>
   <p:clrMapOvr>
@@ -11793,6 +11031,14 @@
 <file path=ppt/slides/slide12.xml><?xml version="1.0" encoding="utf-8"?>
 <p:sld xmlns:a="http://schemas.openxmlformats.org/drawingml/2006/main" xmlns:r="http://schemas.openxmlformats.org/officeDocument/2006/relationships" xmlns:p="http://schemas.openxmlformats.org/presentationml/2006/main">
   <p:cSld>
+    <p:bg>
+      <p:bgPr>
+        <a:solidFill>
+          <a:schemeClr val="accent1"/>
+        </a:solidFill>
+        <a:effectLst/>
+      </p:bgPr>
+    </p:bg>
     <p:spTree>
       <p:nvGrpSpPr>
         <p:cNvPr id="1" name=""/>
@@ -11820,18 +11066,29 @@
         <p:spPr>
           <a:xfrm>
             <a:off x="321623" y="418905"/>
-            <a:ext cx="1830950" cy="307777"/>
+            <a:ext cx="1610377" cy="307777"/>
           </a:xfrm>
+          <a:solidFill>
+            <a:schemeClr val="accent1"/>
+          </a:solidFill>
         </p:spPr>
         <p:txBody>
           <a:bodyPr/>
           <a:lstStyle/>
           <a:p>
             <a:r>
-              <a:rPr lang="nb-NO" dirty="0" smtClean="0"/>
-              <a:t>Validering</a:t>
-            </a:r>
-            <a:endParaRPr lang="en-US" dirty="0"/>
+              <a:rPr lang="nb-NO" dirty="0" smtClean="0">
+                <a:solidFill>
+                  <a:schemeClr val="bg1"/>
+                </a:solidFill>
+              </a:rPr>
+              <a:t>Oppgave 3</a:t>
+            </a:r>
+            <a:endParaRPr lang="en-US" dirty="0">
+              <a:solidFill>
+                <a:schemeClr val="bg1"/>
+              </a:solidFill>
+            </a:endParaRPr>
           </a:p>
         </p:txBody>
       </p:sp>
@@ -11845,30 +11102,42 @@
             <p:ph type="sldNum" sz="quarter" idx="10"/>
           </p:nvPr>
         </p:nvSpPr>
-        <p:spPr/>
+        <p:spPr>
+          <a:solidFill>
+            <a:schemeClr val="accent1"/>
+          </a:solidFill>
+        </p:spPr>
         <p:txBody>
           <a:bodyPr/>
           <a:lstStyle/>
           <a:p>
             <a:fld id="{FF67BF5B-7344-D747-A0C2-CBD7B2ACBC85}" type="slidenum">
-              <a:rPr lang="en-US" smtClean="0"/>
+              <a:rPr lang="en-US" smtClean="0">
+                <a:solidFill>
+                  <a:schemeClr val="bg1"/>
+                </a:solidFill>
+              </a:rPr>
               <a:pPr/>
               <a:t>12</a:t>
             </a:fld>
-            <a:endParaRPr lang="en-US" dirty="0"/>
+            <a:endParaRPr lang="en-US" dirty="0">
+              <a:solidFill>
+                <a:schemeClr val="bg1"/>
+              </a:solidFill>
+            </a:endParaRPr>
           </a:p>
         </p:txBody>
       </p:sp>
       <p:sp>
         <p:nvSpPr>
-          <p:cNvPr id="5" name="TextBox 4"/>
+          <p:cNvPr id="7" name="TextBox 6"/>
           <p:cNvSpPr txBox="1"/>
           <p:nvPr/>
         </p:nvSpPr>
         <p:spPr>
           <a:xfrm>
-            <a:off x="321623" y="982800"/>
-            <a:ext cx="8102827" cy="338554"/>
+            <a:off x="321623" y="1397000"/>
+            <a:ext cx="8102827" cy="1477328"/>
           </a:xfrm>
           <a:prstGeom prst="rect">
             <a:avLst/>
@@ -11881,901 +11150,54 @@
           </a:bodyPr>
           <a:lstStyle/>
           <a:p>
-            <a:pPr marL="342900" indent="-342900">
-              <a:spcBef>
-                <a:spcPts val="600"/>
-              </a:spcBef>
-              <a:spcAft>
-                <a:spcPts val="400"/>
-              </a:spcAft>
-            </a:pPr>
-            <a:r>
-              <a:rPr lang="nb-NO" sz="1600" dirty="0" smtClean="0"/>
-              <a:t>3.	Legg til filteret i oppstarten av applikasjonen</a:t>
-            </a:r>
-          </a:p>
-        </p:txBody>
-      </p:sp>
-      <p:sp>
-        <p:nvSpPr>
-          <p:cNvPr id="8193" name="Rectangle 1"/>
-          <p:cNvSpPr>
-            <a:spLocks noChangeArrowheads="1"/>
-          </p:cNvSpPr>
-          <p:nvPr/>
-        </p:nvSpPr>
-        <p:spPr bwMode="auto">
-          <a:xfrm>
-            <a:off x="504502" y="1769161"/>
-            <a:ext cx="7919947" cy="1384995"/>
-          </a:xfrm>
-          <a:prstGeom prst="rect">
-            <a:avLst/>
-          </a:prstGeom>
-          <a:solidFill>
-            <a:srgbClr val="FFFFFF"/>
-          </a:solidFill>
-          <a:ln w="9525">
-            <a:solidFill>
-              <a:schemeClr val="accent1"/>
-            </a:solidFill>
-            <a:miter lim="800000"/>
-            <a:headEnd/>
-            <a:tailEnd/>
-          </a:ln>
-          <a:effectLst/>
-        </p:spPr>
-        <p:txBody>
-          <a:bodyPr vert="horz" wrap="square" lIns="91440" tIns="45720" rIns="91440" bIns="45720" numCol="1" anchor="ctr" anchorCtr="0" compatLnSpc="1">
-            <a:prstTxWarp prst="textNoShape">
-              <a:avLst/>
-            </a:prstTxWarp>
-            <a:spAutoFit/>
-          </a:bodyPr>
-          <a:lstStyle/>
-          <a:p>
-            <a:pPr marL="0" marR="0" lvl="0" indent="0" algn="l" defTabSz="914400" rtl="0" eaLnBrk="1" fontAlgn="base" latinLnBrk="0" hangingPunct="1">
-              <a:lnSpc>
-                <a:spcPct val="100000"/>
-              </a:lnSpc>
-              <a:spcBef>
-                <a:spcPct val="0"/>
-              </a:spcBef>
-              <a:spcAft>
-                <a:spcPct val="0"/>
-              </a:spcAft>
-              <a:buClrTx/>
-              <a:buSzTx/>
-              <a:buFontTx/>
-              <a:buNone/>
-              <a:tabLst/>
-            </a:pPr>
-            <a:r>
-              <a:rPr kumimoji="0" lang="en-US" sz="1200" b="0" i="0" u="none" strike="noStrike" cap="none" normalizeH="0" baseline="0" dirty="0" smtClean="0">
-                <a:ln>
-                  <a:noFill/>
-                </a:ln>
-                <a:solidFill>
-                  <a:srgbClr val="0000FF"/>
-                </a:solidFill>
-                <a:effectLst/>
-                <a:latin typeface="Consolas" pitchFamily="49" charset="0"/>
-                <a:cs typeface="Consolas" pitchFamily="49" charset="0"/>
-              </a:rPr>
-              <a:t>public</a:t>
-            </a:r>
-            <a:r>
-              <a:rPr kumimoji="0" lang="en-US" sz="1200" b="0" i="0" u="none" strike="noStrike" cap="none" normalizeH="0" baseline="0" dirty="0" smtClean="0">
-                <a:ln>
-                  <a:noFill/>
-                </a:ln>
-                <a:solidFill>
-                  <a:srgbClr val="000000"/>
-                </a:solidFill>
-                <a:effectLst/>
-                <a:latin typeface="Consolas" pitchFamily="49" charset="0"/>
-                <a:cs typeface="Consolas" pitchFamily="49" charset="0"/>
-              </a:rPr>
-              <a:t> </a:t>
-            </a:r>
-            <a:r>
-              <a:rPr kumimoji="0" lang="en-US" sz="1200" b="0" i="0" u="none" strike="noStrike" cap="none" normalizeH="0" baseline="0" dirty="0" smtClean="0">
-                <a:ln>
-                  <a:noFill/>
-                </a:ln>
-                <a:solidFill>
-                  <a:srgbClr val="0000FF"/>
-                </a:solidFill>
-                <a:effectLst/>
-                <a:latin typeface="Consolas" pitchFamily="49" charset="0"/>
-                <a:cs typeface="Consolas" pitchFamily="49" charset="0"/>
-              </a:rPr>
-              <a:t>class</a:t>
-            </a:r>
-            <a:r>
-              <a:rPr kumimoji="0" lang="en-US" sz="1200" b="0" i="0" u="none" strike="noStrike" cap="none" normalizeH="0" baseline="0" dirty="0" smtClean="0">
-                <a:ln>
-                  <a:noFill/>
-                </a:ln>
-                <a:solidFill>
-                  <a:srgbClr val="000000"/>
-                </a:solidFill>
-                <a:effectLst/>
-                <a:latin typeface="Consolas" pitchFamily="49" charset="0"/>
-                <a:cs typeface="Consolas" pitchFamily="49" charset="0"/>
-              </a:rPr>
-              <a:t> </a:t>
-            </a:r>
-            <a:r>
-              <a:rPr kumimoji="0" lang="en-US" sz="1200" b="0" i="0" u="none" strike="noStrike" cap="none" normalizeH="0" baseline="0" dirty="0" err="1" smtClean="0">
-                <a:ln>
-                  <a:noFill/>
-                </a:ln>
-                <a:solidFill>
-                  <a:srgbClr val="2B91AF"/>
-                </a:solidFill>
-                <a:effectLst/>
-                <a:latin typeface="Consolas" pitchFamily="49" charset="0"/>
-                <a:cs typeface="Consolas" pitchFamily="49" charset="0"/>
-              </a:rPr>
-              <a:t>WebApiApplication</a:t>
-            </a:r>
-            <a:r>
-              <a:rPr kumimoji="0" lang="en-US" sz="1200" b="0" i="0" u="none" strike="noStrike" cap="none" normalizeH="0" baseline="0" dirty="0" smtClean="0">
-                <a:ln>
-                  <a:noFill/>
-                </a:ln>
-                <a:solidFill>
-                  <a:srgbClr val="000000"/>
-                </a:solidFill>
-                <a:effectLst/>
-                <a:latin typeface="Consolas" pitchFamily="49" charset="0"/>
-                <a:cs typeface="Consolas" pitchFamily="49" charset="0"/>
-              </a:rPr>
-              <a:t> : </a:t>
-            </a:r>
-            <a:r>
-              <a:rPr kumimoji="0" lang="en-US" sz="1200" b="0" i="0" u="none" strike="noStrike" cap="none" normalizeH="0" baseline="0" dirty="0" err="1" smtClean="0">
-                <a:ln>
-                  <a:noFill/>
-                </a:ln>
-                <a:solidFill>
-                  <a:srgbClr val="000000"/>
-                </a:solidFill>
-                <a:effectLst/>
-                <a:latin typeface="Consolas" pitchFamily="49" charset="0"/>
-                <a:cs typeface="Consolas" pitchFamily="49" charset="0"/>
-              </a:rPr>
-              <a:t>System.Web.</a:t>
-            </a:r>
-            <a:r>
-              <a:rPr kumimoji="0" lang="en-US" sz="1200" b="0" i="0" u="none" strike="noStrike" cap="none" normalizeH="0" baseline="0" dirty="0" err="1" smtClean="0">
-                <a:ln>
-                  <a:noFill/>
-                </a:ln>
-                <a:solidFill>
-                  <a:srgbClr val="2B91AF"/>
-                </a:solidFill>
-                <a:effectLst/>
-                <a:latin typeface="Consolas" pitchFamily="49" charset="0"/>
-                <a:cs typeface="Consolas" pitchFamily="49" charset="0"/>
-              </a:rPr>
-              <a:t>HttpApplication</a:t>
-            </a:r>
-            <a:r>
-              <a:rPr kumimoji="0" lang="en-US" sz="1200" b="0" i="0" u="none" strike="noStrike" cap="none" normalizeH="0" baseline="0" dirty="0" smtClean="0">
-                <a:ln>
-                  <a:noFill/>
-                </a:ln>
-                <a:solidFill>
-                  <a:srgbClr val="000000"/>
-                </a:solidFill>
-                <a:effectLst/>
-                <a:latin typeface="Consolas" pitchFamily="49" charset="0"/>
-                <a:cs typeface="Consolas" pitchFamily="49" charset="0"/>
-              </a:rPr>
-              <a:t>     </a:t>
-            </a:r>
-          </a:p>
-          <a:p>
-            <a:pPr marL="0" marR="0" lvl="0" indent="0" algn="l" defTabSz="914400" rtl="0" eaLnBrk="1" fontAlgn="base" latinLnBrk="0" hangingPunct="1">
-              <a:lnSpc>
-                <a:spcPct val="100000"/>
-              </a:lnSpc>
-              <a:spcBef>
-                <a:spcPct val="0"/>
-              </a:spcBef>
-              <a:spcAft>
-                <a:spcPct val="0"/>
-              </a:spcAft>
-              <a:buClrTx/>
-              <a:buSzTx/>
-              <a:buFontTx/>
-              <a:buNone/>
-              <a:tabLst/>
-            </a:pPr>
-            <a:r>
-              <a:rPr kumimoji="0" lang="en-US" sz="1200" b="0" i="0" u="none" strike="noStrike" cap="none" normalizeH="0" baseline="0" dirty="0" smtClean="0">
-                <a:ln>
-                  <a:noFill/>
-                </a:ln>
-                <a:solidFill>
-                  <a:srgbClr val="000000"/>
-                </a:solidFill>
-                <a:effectLst/>
-                <a:latin typeface="Consolas" pitchFamily="49" charset="0"/>
-                <a:cs typeface="Consolas" pitchFamily="49" charset="0"/>
-              </a:rPr>
-              <a:t>{         </a:t>
-            </a:r>
-          </a:p>
-          <a:p>
-            <a:pPr marL="0" marR="0" lvl="0" indent="0" algn="l" defTabSz="914400" rtl="0" eaLnBrk="1" fontAlgn="base" latinLnBrk="0" hangingPunct="1">
-              <a:lnSpc>
-                <a:spcPct val="100000"/>
-              </a:lnSpc>
-              <a:spcBef>
-                <a:spcPct val="0"/>
-              </a:spcBef>
-              <a:spcAft>
-                <a:spcPct val="0"/>
-              </a:spcAft>
-              <a:buClrTx/>
-              <a:buSzTx/>
-              <a:buFontTx/>
-              <a:buNone/>
-              <a:tabLst/>
-            </a:pPr>
-            <a:r>
-              <a:rPr lang="en-US" sz="1200" dirty="0" smtClean="0">
-                <a:solidFill>
-                  <a:srgbClr val="000000"/>
-                </a:solidFill>
-                <a:latin typeface="Consolas" pitchFamily="49" charset="0"/>
-                <a:cs typeface="Consolas" pitchFamily="49" charset="0"/>
-              </a:rPr>
-              <a:t>    </a:t>
-            </a:r>
-            <a:r>
-              <a:rPr kumimoji="0" lang="en-US" sz="1200" b="0" i="0" u="none" strike="noStrike" cap="none" normalizeH="0" baseline="0" dirty="0" smtClean="0">
-                <a:ln>
-                  <a:noFill/>
-                </a:ln>
-                <a:solidFill>
-                  <a:srgbClr val="0000FF"/>
-                </a:solidFill>
-                <a:effectLst/>
-                <a:latin typeface="Consolas" pitchFamily="49" charset="0"/>
-                <a:cs typeface="Consolas" pitchFamily="49" charset="0"/>
-              </a:rPr>
-              <a:t>protected</a:t>
-            </a:r>
-            <a:r>
-              <a:rPr kumimoji="0" lang="en-US" sz="1200" b="0" i="0" u="none" strike="noStrike" cap="none" normalizeH="0" baseline="0" dirty="0" smtClean="0">
-                <a:ln>
-                  <a:noFill/>
-                </a:ln>
-                <a:solidFill>
-                  <a:srgbClr val="000000"/>
-                </a:solidFill>
-                <a:effectLst/>
-                <a:latin typeface="Consolas" pitchFamily="49" charset="0"/>
-                <a:cs typeface="Consolas" pitchFamily="49" charset="0"/>
-              </a:rPr>
-              <a:t> </a:t>
-            </a:r>
-            <a:r>
-              <a:rPr kumimoji="0" lang="en-US" sz="1200" b="0" i="0" u="none" strike="noStrike" cap="none" normalizeH="0" baseline="0" dirty="0" smtClean="0">
-                <a:ln>
-                  <a:noFill/>
-                </a:ln>
-                <a:solidFill>
-                  <a:srgbClr val="0000FF"/>
-                </a:solidFill>
-                <a:effectLst/>
-                <a:latin typeface="Consolas" pitchFamily="49" charset="0"/>
-                <a:cs typeface="Consolas" pitchFamily="49" charset="0"/>
-              </a:rPr>
-              <a:t>void</a:t>
-            </a:r>
-            <a:r>
-              <a:rPr kumimoji="0" lang="en-US" sz="1200" b="0" i="0" u="none" strike="noStrike" cap="none" normalizeH="0" baseline="0" dirty="0" smtClean="0">
-                <a:ln>
-                  <a:noFill/>
-                </a:ln>
-                <a:solidFill>
-                  <a:srgbClr val="000000"/>
-                </a:solidFill>
-                <a:effectLst/>
-                <a:latin typeface="Consolas" pitchFamily="49" charset="0"/>
-                <a:cs typeface="Consolas" pitchFamily="49" charset="0"/>
-              </a:rPr>
-              <a:t> </a:t>
-            </a:r>
-            <a:r>
-              <a:rPr kumimoji="0" lang="en-US" sz="1200" b="0" i="0" u="none" strike="noStrike" cap="none" normalizeH="0" baseline="0" dirty="0" err="1" smtClean="0">
-                <a:ln>
-                  <a:noFill/>
-                </a:ln>
-                <a:solidFill>
-                  <a:srgbClr val="000000"/>
-                </a:solidFill>
-                <a:effectLst/>
-                <a:latin typeface="Consolas" pitchFamily="49" charset="0"/>
-                <a:cs typeface="Consolas" pitchFamily="49" charset="0"/>
-              </a:rPr>
-              <a:t>Application_Start</a:t>
-            </a:r>
-            <a:r>
-              <a:rPr kumimoji="0" lang="en-US" sz="1200" b="0" i="0" u="none" strike="noStrike" cap="none" normalizeH="0" baseline="0" dirty="0" smtClean="0">
-                <a:ln>
-                  <a:noFill/>
-                </a:ln>
-                <a:solidFill>
-                  <a:srgbClr val="000000"/>
-                </a:solidFill>
-                <a:effectLst/>
-                <a:latin typeface="Consolas" pitchFamily="49" charset="0"/>
-                <a:cs typeface="Consolas" pitchFamily="49" charset="0"/>
-              </a:rPr>
-              <a:t>()         </a:t>
-            </a:r>
-          </a:p>
-          <a:p>
-            <a:pPr marL="0" marR="0" lvl="0" indent="0" algn="l" defTabSz="914400" rtl="0" eaLnBrk="1" fontAlgn="base" latinLnBrk="0" hangingPunct="1">
-              <a:lnSpc>
-                <a:spcPct val="100000"/>
-              </a:lnSpc>
-              <a:spcBef>
-                <a:spcPct val="0"/>
-              </a:spcBef>
-              <a:spcAft>
-                <a:spcPct val="0"/>
-              </a:spcAft>
-              <a:buClrTx/>
-              <a:buSzTx/>
-              <a:buFontTx/>
-              <a:buNone/>
-              <a:tabLst/>
-            </a:pPr>
-            <a:r>
-              <a:rPr kumimoji="0" lang="en-US" sz="1200" b="0" i="0" u="none" strike="noStrike" cap="none" normalizeH="0" baseline="0" dirty="0" smtClean="0">
-                <a:ln>
-                  <a:noFill/>
-                </a:ln>
-                <a:solidFill>
-                  <a:srgbClr val="000000"/>
-                </a:solidFill>
-                <a:effectLst/>
-                <a:latin typeface="Consolas" pitchFamily="49" charset="0"/>
-                <a:cs typeface="Consolas" pitchFamily="49" charset="0"/>
-              </a:rPr>
-              <a:t>    {             </a:t>
-            </a:r>
-          </a:p>
-          <a:p>
-            <a:pPr marL="0" marR="0" lvl="0" indent="0" algn="l" defTabSz="914400" rtl="0" eaLnBrk="1" fontAlgn="base" latinLnBrk="0" hangingPunct="1">
-              <a:lnSpc>
-                <a:spcPct val="100000"/>
-              </a:lnSpc>
-              <a:spcBef>
-                <a:spcPct val="0"/>
-              </a:spcBef>
-              <a:spcAft>
-                <a:spcPct val="0"/>
-              </a:spcAft>
-              <a:buClrTx/>
-              <a:buSzTx/>
-              <a:buFontTx/>
-              <a:buNone/>
-              <a:tabLst/>
-            </a:pPr>
-            <a:r>
-              <a:rPr lang="en-US" sz="1200" dirty="0" smtClean="0">
-                <a:solidFill>
-                  <a:srgbClr val="000000"/>
-                </a:solidFill>
-                <a:latin typeface="Consolas" pitchFamily="49" charset="0"/>
-                <a:cs typeface="Consolas" pitchFamily="49" charset="0"/>
-              </a:rPr>
-              <a:t>        </a:t>
-            </a:r>
-            <a:r>
-              <a:rPr kumimoji="0" lang="en-US" sz="1200" b="0" i="0" u="none" strike="noStrike" cap="none" normalizeH="0" baseline="0" dirty="0" err="1" smtClean="0">
-                <a:ln>
-                  <a:noFill/>
-                </a:ln>
-                <a:solidFill>
-                  <a:srgbClr val="2B91AF"/>
-                </a:solidFill>
-                <a:effectLst/>
-                <a:latin typeface="Consolas" pitchFamily="49" charset="0"/>
-                <a:cs typeface="Consolas" pitchFamily="49" charset="0"/>
-              </a:rPr>
-              <a:t>GlobalConfiguration</a:t>
-            </a:r>
-            <a:r>
-              <a:rPr kumimoji="0" lang="en-US" sz="1200" b="0" i="0" u="none" strike="noStrike" cap="none" normalizeH="0" baseline="0" dirty="0" err="1" smtClean="0">
-                <a:ln>
-                  <a:noFill/>
-                </a:ln>
-                <a:solidFill>
-                  <a:srgbClr val="000000"/>
-                </a:solidFill>
-                <a:effectLst/>
-                <a:latin typeface="Consolas" pitchFamily="49" charset="0"/>
-                <a:cs typeface="Consolas" pitchFamily="49" charset="0"/>
-              </a:rPr>
-              <a:t>.Configuration.Filters.Add</a:t>
-            </a:r>
-            <a:r>
-              <a:rPr kumimoji="0" lang="en-US" sz="1200" b="0" i="0" u="none" strike="noStrike" cap="none" normalizeH="0" baseline="0" dirty="0" smtClean="0">
-                <a:ln>
-                  <a:noFill/>
-                </a:ln>
-                <a:solidFill>
-                  <a:srgbClr val="000000"/>
-                </a:solidFill>
-                <a:effectLst/>
-                <a:latin typeface="Consolas" pitchFamily="49" charset="0"/>
-                <a:cs typeface="Consolas" pitchFamily="49" charset="0"/>
+            <a:pPr algn="just"/>
+            <a:r>
+              <a:rPr lang="nb-NO" dirty="0" smtClean="0">
+                <a:solidFill>
+                  <a:schemeClr val="bg1"/>
+                </a:solidFill>
+              </a:rPr>
+              <a:t>I denne oppgaven skal vi lage en konsument til vårt Web API. Opprett en konsollapplikasjon som kan bruke vårt Web API til å hente ut blogposter, samt opprette nye.</a:t>
+            </a:r>
+          </a:p>
+          <a:p>
+            <a:pPr algn="just"/>
+            <a:endParaRPr lang="nb-NO" dirty="0" smtClean="0">
+              <a:solidFill>
+                <a:schemeClr val="bg1"/>
+              </a:solidFill>
+            </a:endParaRPr>
+          </a:p>
+          <a:p>
+            <a:pPr algn="just"/>
+            <a:r>
+              <a:rPr lang="nb-NO" dirty="0" smtClean="0">
+                <a:solidFill>
+                  <a:schemeClr val="bg1"/>
+                </a:solidFill>
               </a:rPr>
               <a:t>(</a:t>
             </a:r>
             <a:r>
-              <a:rPr kumimoji="0" lang="en-US" sz="1200" b="0" i="0" u="none" strike="noStrike" cap="none" normalizeH="0" baseline="0" dirty="0" smtClean="0">
-                <a:ln>
-                  <a:noFill/>
-                </a:ln>
-                <a:solidFill>
-                  <a:srgbClr val="0000FF"/>
-                </a:solidFill>
-                <a:effectLst/>
-                <a:latin typeface="Consolas" pitchFamily="49" charset="0"/>
-                <a:cs typeface="Consolas" pitchFamily="49" charset="0"/>
-              </a:rPr>
-              <a:t>new</a:t>
-            </a:r>
-            <a:r>
-              <a:rPr kumimoji="0" lang="en-US" sz="1200" b="0" i="0" u="none" strike="noStrike" cap="none" normalizeH="0" baseline="0" dirty="0" smtClean="0">
-                <a:ln>
-                  <a:noFill/>
-                </a:ln>
-                <a:solidFill>
-                  <a:srgbClr val="000000"/>
-                </a:solidFill>
-                <a:effectLst/>
-                <a:latin typeface="Consolas" pitchFamily="49" charset="0"/>
-                <a:cs typeface="Consolas" pitchFamily="49" charset="0"/>
-              </a:rPr>
-              <a:t> </a:t>
-            </a:r>
-            <a:r>
-              <a:rPr kumimoji="0" lang="en-US" sz="1200" b="0" i="0" u="none" strike="noStrike" cap="none" normalizeH="0" baseline="0" dirty="0" err="1" smtClean="0">
-                <a:ln>
-                  <a:noFill/>
-                </a:ln>
-                <a:solidFill>
-                  <a:srgbClr val="2B91AF"/>
-                </a:solidFill>
-                <a:effectLst/>
-                <a:latin typeface="Consolas" pitchFamily="49" charset="0"/>
-                <a:cs typeface="Consolas" pitchFamily="49" charset="0"/>
-              </a:rPr>
-              <a:t>ValidationActionFilter</a:t>
-            </a:r>
-            <a:r>
-              <a:rPr kumimoji="0" lang="en-US" sz="1200" b="0" i="0" u="none" strike="noStrike" cap="none" normalizeH="0" baseline="0" dirty="0" smtClean="0">
-                <a:ln>
-                  <a:noFill/>
-                </a:ln>
-                <a:solidFill>
-                  <a:srgbClr val="000000"/>
-                </a:solidFill>
-                <a:effectLst/>
-                <a:latin typeface="Consolas" pitchFamily="49" charset="0"/>
-                <a:cs typeface="Consolas" pitchFamily="49" charset="0"/>
-              </a:rPr>
-              <a:t>()); </a:t>
-            </a:r>
-          </a:p>
-          <a:p>
-            <a:pPr marL="0" marR="0" lvl="0" indent="0" algn="l" defTabSz="914400" rtl="0" eaLnBrk="1" fontAlgn="base" latinLnBrk="0" hangingPunct="1">
-              <a:lnSpc>
-                <a:spcPct val="100000"/>
-              </a:lnSpc>
-              <a:spcBef>
-                <a:spcPct val="0"/>
-              </a:spcBef>
-              <a:spcAft>
-                <a:spcPct val="0"/>
-              </a:spcAft>
-              <a:buClrTx/>
-              <a:buSzTx/>
-              <a:buFontTx/>
-              <a:buNone/>
-              <a:tabLst/>
-            </a:pPr>
-            <a:r>
-              <a:rPr lang="en-US" sz="1200" dirty="0" smtClean="0">
-                <a:solidFill>
-                  <a:srgbClr val="000000"/>
-                </a:solidFill>
-                <a:latin typeface="Consolas" pitchFamily="49" charset="0"/>
-                <a:cs typeface="Consolas" pitchFamily="49" charset="0"/>
-              </a:rPr>
-              <a:t>    </a:t>
-            </a:r>
-            <a:r>
-              <a:rPr kumimoji="0" lang="en-US" sz="1200" b="0" i="0" u="none" strike="noStrike" cap="none" normalizeH="0" baseline="0" dirty="0" smtClean="0">
-                <a:ln>
-                  <a:noFill/>
-                </a:ln>
-                <a:solidFill>
-                  <a:srgbClr val="000000"/>
-                </a:solidFill>
-                <a:effectLst/>
-                <a:latin typeface="Consolas" pitchFamily="49" charset="0"/>
-                <a:cs typeface="Consolas" pitchFamily="49" charset="0"/>
-              </a:rPr>
-              <a:t>}     </a:t>
-            </a:r>
-          </a:p>
-          <a:p>
-            <a:pPr marL="0" marR="0" lvl="0" indent="0" algn="l" defTabSz="914400" rtl="0" eaLnBrk="1" fontAlgn="base" latinLnBrk="0" hangingPunct="1">
-              <a:lnSpc>
-                <a:spcPct val="100000"/>
-              </a:lnSpc>
-              <a:spcBef>
-                <a:spcPct val="0"/>
-              </a:spcBef>
-              <a:spcAft>
-                <a:spcPct val="0"/>
-              </a:spcAft>
-              <a:buClrTx/>
-              <a:buSzTx/>
-              <a:buFontTx/>
-              <a:buNone/>
-              <a:tabLst/>
-            </a:pPr>
-            <a:r>
-              <a:rPr kumimoji="0" lang="en-US" sz="1200" b="0" i="0" u="none" strike="noStrike" cap="none" normalizeH="0" baseline="0" dirty="0" smtClean="0">
-                <a:ln>
-                  <a:noFill/>
-                </a:ln>
-                <a:solidFill>
-                  <a:srgbClr val="000000"/>
-                </a:solidFill>
-                <a:effectLst/>
-                <a:latin typeface="Consolas" pitchFamily="49" charset="0"/>
-                <a:cs typeface="Consolas" pitchFamily="49" charset="0"/>
-              </a:rPr>
-              <a:t>}</a:t>
-            </a:r>
-            <a:endParaRPr kumimoji="0" lang="en-US" sz="1200" b="0" i="0" u="none" strike="noStrike" cap="none" normalizeH="0" baseline="0" dirty="0" smtClean="0">
-              <a:ln>
-                <a:noFill/>
-              </a:ln>
+              <a:rPr lang="nb-NO" i="1" dirty="0" smtClean="0">
+                <a:solidFill>
+                  <a:schemeClr val="bg1"/>
+                </a:solidFill>
+              </a:rPr>
+              <a:t>Hint: System.Web.Http.HttpClient</a:t>
+            </a:r>
+            <a:r>
+              <a:rPr lang="nb-NO" dirty="0" smtClean="0">
+                <a:solidFill>
+                  <a:schemeClr val="bg1"/>
+                </a:solidFill>
+              </a:rPr>
+              <a:t>)</a:t>
+            </a:r>
+            <a:endParaRPr lang="en-US" dirty="0" smtClean="0">
               <a:solidFill>
-                <a:schemeClr val="tx1"/>
+                <a:schemeClr val="bg1"/>
               </a:solidFill>
-              <a:effectLst/>
-              <a:latin typeface="Arial" pitchFamily="34" charset="0"/>
-              <a:cs typeface="Arial" pitchFamily="34" charset="0"/>
-            </a:endParaRPr>
-          </a:p>
-        </p:txBody>
-      </p:sp>
-      <p:sp>
-        <p:nvSpPr>
-          <p:cNvPr id="7" name="TextBox 6"/>
-          <p:cNvSpPr txBox="1"/>
-          <p:nvPr/>
-        </p:nvSpPr>
-        <p:spPr>
-          <a:xfrm>
-            <a:off x="480118" y="3550694"/>
-            <a:ext cx="8102827" cy="338554"/>
-          </a:xfrm>
-          <a:prstGeom prst="rect">
-            <a:avLst/>
-          </a:prstGeom>
-          <a:noFill/>
-        </p:spPr>
-        <p:txBody>
-          <a:bodyPr wrap="square" rtlCol="0">
-            <a:spAutoFit/>
-          </a:bodyPr>
-          <a:lstStyle/>
-          <a:p>
-            <a:pPr marL="342900" indent="-342900">
-              <a:spcBef>
-                <a:spcPts val="600"/>
-              </a:spcBef>
-              <a:spcAft>
-                <a:spcPts val="400"/>
-              </a:spcAft>
-            </a:pPr>
-            <a:r>
-              <a:rPr lang="nb-NO" sz="1600" dirty="0" smtClean="0"/>
-              <a:t>eller,</a:t>
-            </a:r>
-          </a:p>
-        </p:txBody>
-      </p:sp>
-      <p:sp>
-        <p:nvSpPr>
-          <p:cNvPr id="8" name="Rectangle 1"/>
-          <p:cNvSpPr>
-            <a:spLocks noChangeArrowheads="1"/>
-          </p:cNvSpPr>
-          <p:nvPr/>
-        </p:nvSpPr>
-        <p:spPr bwMode="auto">
-          <a:xfrm>
-            <a:off x="504503" y="4261687"/>
-            <a:ext cx="7919947" cy="1015663"/>
-          </a:xfrm>
-          <a:prstGeom prst="rect">
-            <a:avLst/>
-          </a:prstGeom>
-          <a:solidFill>
-            <a:srgbClr val="FFFFFF"/>
-          </a:solidFill>
-          <a:ln w="9525">
-            <a:solidFill>
-              <a:schemeClr val="accent1"/>
-            </a:solidFill>
-            <a:miter lim="800000"/>
-            <a:headEnd/>
-            <a:tailEnd/>
-          </a:ln>
-          <a:effectLst/>
-        </p:spPr>
-        <p:txBody>
-          <a:bodyPr vert="horz" wrap="square" lIns="91440" tIns="45720" rIns="91440" bIns="45720" numCol="1" anchor="ctr" anchorCtr="0" compatLnSpc="1">
-            <a:prstTxWarp prst="textNoShape">
-              <a:avLst/>
-            </a:prstTxWarp>
-            <a:spAutoFit/>
-          </a:bodyPr>
-          <a:lstStyle/>
-          <a:p>
-            <a:pPr defTabSz="914400" fontAlgn="base">
-              <a:spcBef>
-                <a:spcPct val="0"/>
-              </a:spcBef>
-              <a:spcAft>
-                <a:spcPct val="0"/>
-              </a:spcAft>
-            </a:pPr>
-            <a:r>
-              <a:rPr lang="en-US" sz="1200" dirty="0" smtClean="0">
-                <a:latin typeface="Consolas" pitchFamily="49" charset="0"/>
-                <a:cs typeface="Consolas" pitchFamily="49" charset="0"/>
-              </a:rPr>
-              <a:t>[</a:t>
-            </a:r>
-            <a:r>
-              <a:rPr lang="en-US" sz="1200" dirty="0" err="1" smtClean="0">
-                <a:solidFill>
-                  <a:srgbClr val="2B91AF"/>
-                </a:solidFill>
-                <a:latin typeface="Consolas" pitchFamily="49" charset="0"/>
-                <a:cs typeface="Consolas" pitchFamily="49" charset="0"/>
-              </a:rPr>
-              <a:t>ValidationActionFilter</a:t>
-            </a:r>
-            <a:r>
-              <a:rPr lang="en-US" sz="1200" dirty="0" smtClean="0">
-                <a:latin typeface="Consolas" pitchFamily="49" charset="0"/>
-                <a:cs typeface="Consolas" pitchFamily="49" charset="0"/>
-              </a:rPr>
-              <a:t>] </a:t>
-            </a:r>
-            <a:endParaRPr kumimoji="0" lang="en-US" sz="1200" b="0" i="0" u="none" strike="noStrike" cap="none" normalizeH="0" baseline="0" dirty="0" smtClean="0">
-              <a:ln>
-                <a:noFill/>
-              </a:ln>
-              <a:solidFill>
-                <a:srgbClr val="0000FF"/>
-              </a:solidFill>
-              <a:effectLst/>
-              <a:latin typeface="Consolas" pitchFamily="49" charset="0"/>
-              <a:cs typeface="Consolas" pitchFamily="49" charset="0"/>
-            </a:endParaRPr>
-          </a:p>
-          <a:p>
-            <a:pPr lvl="0" defTabSz="914400" fontAlgn="base">
-              <a:spcBef>
-                <a:spcPct val="0"/>
-              </a:spcBef>
-              <a:spcAft>
-                <a:spcPct val="0"/>
-              </a:spcAft>
-            </a:pPr>
-            <a:r>
-              <a:rPr kumimoji="0" lang="en-US" sz="1200" b="0" i="0" u="none" strike="noStrike" cap="none" normalizeH="0" baseline="0" dirty="0" smtClean="0">
-                <a:ln>
-                  <a:noFill/>
-                </a:ln>
-                <a:solidFill>
-                  <a:srgbClr val="0000FF"/>
-                </a:solidFill>
-                <a:effectLst/>
-                <a:latin typeface="Consolas" pitchFamily="49" charset="0"/>
-                <a:cs typeface="Consolas" pitchFamily="49" charset="0"/>
-              </a:rPr>
-              <a:t>public</a:t>
-            </a:r>
-            <a:r>
-              <a:rPr kumimoji="0" lang="en-US" sz="1200" b="0" i="0" u="none" strike="noStrike" cap="none" normalizeH="0" baseline="0" dirty="0" smtClean="0">
-                <a:ln>
-                  <a:noFill/>
-                </a:ln>
-                <a:solidFill>
-                  <a:srgbClr val="000000"/>
-                </a:solidFill>
-                <a:effectLst/>
-                <a:latin typeface="Consolas" pitchFamily="49" charset="0"/>
-                <a:cs typeface="Consolas" pitchFamily="49" charset="0"/>
-              </a:rPr>
-              <a:t> </a:t>
-            </a:r>
-            <a:r>
-              <a:rPr lang="en-US" sz="1200" dirty="0" smtClean="0">
-                <a:solidFill>
-                  <a:srgbClr val="2B91AF"/>
-                </a:solidFill>
-                <a:latin typeface="Consolas" pitchFamily="49" charset="0"/>
-                <a:cs typeface="Consolas" pitchFamily="49" charset="0"/>
-              </a:rPr>
-              <a:t> </a:t>
-            </a:r>
-            <a:r>
-              <a:rPr lang="en-US" sz="1200" dirty="0" err="1" smtClean="0">
-                <a:solidFill>
-                  <a:srgbClr val="2B91AF"/>
-                </a:solidFill>
-                <a:latin typeface="Consolas" pitchFamily="49" charset="0"/>
-                <a:cs typeface="Consolas" pitchFamily="49" charset="0"/>
-              </a:rPr>
-              <a:t>HttpResponseMessage</a:t>
-            </a:r>
-            <a:r>
-              <a:rPr lang="en-US" sz="1200" dirty="0" smtClean="0">
-                <a:solidFill>
-                  <a:srgbClr val="2B91AF"/>
-                </a:solidFill>
-                <a:latin typeface="Consolas" pitchFamily="49" charset="0"/>
-                <a:cs typeface="Consolas" pitchFamily="49" charset="0"/>
-              </a:rPr>
-              <a:t> </a:t>
-            </a:r>
-            <a:r>
-              <a:rPr kumimoji="0" lang="en-US" sz="1200" b="0" i="0" u="none" strike="noStrike" cap="none" normalizeH="0" baseline="0" dirty="0" smtClean="0">
-                <a:ln>
-                  <a:noFill/>
-                </a:ln>
-                <a:solidFill>
-                  <a:srgbClr val="000000"/>
-                </a:solidFill>
-                <a:effectLst/>
-                <a:latin typeface="Consolas" pitchFamily="49" charset="0"/>
-                <a:cs typeface="Consolas" pitchFamily="49" charset="0"/>
-              </a:rPr>
-              <a:t>Post(</a:t>
-            </a:r>
-            <a:r>
-              <a:rPr lang="en-US" sz="1200" dirty="0" smtClean="0">
-                <a:solidFill>
-                  <a:srgbClr val="2B91AF"/>
-                </a:solidFill>
-                <a:latin typeface="Consolas" pitchFamily="49" charset="0"/>
-                <a:cs typeface="Consolas" pitchFamily="49" charset="0"/>
-              </a:rPr>
-              <a:t>Person </a:t>
-            </a:r>
-            <a:r>
-              <a:rPr lang="en-US" sz="1200" dirty="0" err="1" smtClean="0">
-                <a:solidFill>
-                  <a:srgbClr val="000000"/>
-                </a:solidFill>
-                <a:latin typeface="Consolas" pitchFamily="49" charset="0"/>
-                <a:cs typeface="Consolas" pitchFamily="49" charset="0"/>
-              </a:rPr>
-              <a:t>person</a:t>
-            </a:r>
-            <a:r>
-              <a:rPr kumimoji="0" lang="en-US" sz="1200" b="0" i="0" u="none" strike="noStrike" cap="none" normalizeH="0" baseline="0" dirty="0" smtClean="0">
-                <a:ln>
-                  <a:noFill/>
-                </a:ln>
-                <a:solidFill>
-                  <a:srgbClr val="000000"/>
-                </a:solidFill>
-                <a:effectLst/>
-                <a:latin typeface="Consolas" pitchFamily="49" charset="0"/>
-                <a:cs typeface="Consolas" pitchFamily="49" charset="0"/>
-              </a:rPr>
-              <a:t>)         </a:t>
-            </a:r>
-          </a:p>
-          <a:p>
-            <a:pPr lvl="0" defTabSz="914400" fontAlgn="base">
-              <a:spcBef>
-                <a:spcPct val="0"/>
-              </a:spcBef>
-              <a:spcAft>
-                <a:spcPct val="0"/>
-              </a:spcAft>
-            </a:pPr>
-            <a:r>
-              <a:rPr kumimoji="0" lang="en-US" sz="1200" b="0" i="0" u="none" strike="noStrike" cap="none" normalizeH="0" baseline="0" dirty="0" smtClean="0">
-                <a:ln>
-                  <a:noFill/>
-                </a:ln>
-                <a:solidFill>
-                  <a:srgbClr val="000000"/>
-                </a:solidFill>
-                <a:effectLst/>
-                <a:latin typeface="Consolas" pitchFamily="49" charset="0"/>
-                <a:cs typeface="Consolas" pitchFamily="49" charset="0"/>
-              </a:rPr>
-              <a:t>{             </a:t>
-            </a:r>
-          </a:p>
-          <a:p>
-            <a:pPr lvl="0" defTabSz="914400" fontAlgn="base">
-              <a:spcBef>
-                <a:spcPct val="0"/>
-              </a:spcBef>
-              <a:spcAft>
-                <a:spcPct val="0"/>
-              </a:spcAft>
-            </a:pPr>
-            <a:r>
-              <a:rPr kumimoji="0" lang="en-US" sz="1200" b="0" i="0" u="none" strike="noStrike" cap="none" normalizeH="0" baseline="0" dirty="0" smtClean="0">
-                <a:ln>
-                  <a:noFill/>
-                </a:ln>
-                <a:solidFill>
-                  <a:srgbClr val="000000"/>
-                </a:solidFill>
-                <a:effectLst/>
-                <a:latin typeface="Consolas" pitchFamily="49" charset="0"/>
-                <a:cs typeface="Consolas" pitchFamily="49" charset="0"/>
-              </a:rPr>
-              <a:t>}     </a:t>
-            </a:r>
-          </a:p>
-          <a:p>
-            <a:pPr marL="0" marR="0" lvl="0" indent="0" algn="l" defTabSz="914400" rtl="0" eaLnBrk="1" fontAlgn="base" latinLnBrk="0" hangingPunct="1">
-              <a:lnSpc>
-                <a:spcPct val="100000"/>
-              </a:lnSpc>
-              <a:spcBef>
-                <a:spcPct val="0"/>
-              </a:spcBef>
-              <a:spcAft>
-                <a:spcPct val="0"/>
-              </a:spcAft>
-              <a:buClrTx/>
-              <a:buSzTx/>
-              <a:buFontTx/>
-              <a:buNone/>
-              <a:tabLst/>
-            </a:pPr>
-            <a:endParaRPr kumimoji="0" lang="en-US" sz="1200" b="0" i="0" u="none" strike="noStrike" cap="none" normalizeH="0" baseline="0" dirty="0" smtClean="0">
-              <a:ln>
-                <a:noFill/>
-              </a:ln>
-              <a:solidFill>
-                <a:schemeClr val="tx1"/>
-              </a:solidFill>
-              <a:effectLst/>
-              <a:latin typeface="Arial" pitchFamily="34" charset="0"/>
-              <a:cs typeface="Arial" pitchFamily="34" charset="0"/>
             </a:endParaRPr>
           </a:p>
         </p:txBody>
@@ -12836,7 +11258,7 @@
         <p:spPr>
           <a:xfrm>
             <a:off x="321623" y="418905"/>
-            <a:ext cx="1611980" cy="307777"/>
+            <a:ext cx="1466748" cy="307777"/>
           </a:xfrm>
           <a:solidFill>
             <a:schemeClr val="accent1"/>
@@ -12852,7 +11274,7 @@
                   <a:schemeClr val="bg1"/>
                 </a:solidFill>
               </a:rPr>
-              <a:t>Oppgave 2</a:t>
+              <a:t>Oppgave </a:t>
             </a:r>
             <a:endParaRPr lang="en-US" dirty="0">
               <a:solidFill>
@@ -12906,8 +11328,8 @@
         </p:nvSpPr>
         <p:spPr>
           <a:xfrm>
-            <a:off x="321623" y="1396800"/>
-            <a:ext cx="8102827" cy="2031325"/>
+            <a:off x="321623" y="1397000"/>
+            <a:ext cx="8102827" cy="369332"/>
           </a:xfrm>
           <a:prstGeom prst="rect">
             <a:avLst/>
@@ -12927,88 +11349,22 @@
                   <a:schemeClr val="bg1"/>
                 </a:solidFill>
               </a:rPr>
-              <a:t>Legg på validering av innholdet i blogginnleggene.</a:t>
-            </a:r>
-          </a:p>
-          <a:p>
-            <a:pPr algn="just"/>
-            <a:endParaRPr lang="nb-NO" dirty="0" smtClean="0">
+              <a:t>Vi ønsker at man skal kunne opprette kommentarer på en bloggpost</a:t>
+            </a:r>
+            <a:endParaRPr lang="en-US" dirty="0" smtClean="0">
               <a:solidFill>
                 <a:schemeClr val="bg1"/>
               </a:solidFill>
             </a:endParaRPr>
           </a:p>
-          <a:p>
-            <a:pPr algn="just"/>
-            <a:r>
-              <a:rPr lang="nb-NO" dirty="0" smtClean="0">
-                <a:solidFill>
-                  <a:schemeClr val="bg1"/>
-                </a:solidFill>
-              </a:rPr>
-              <a:t>	a) Tittelen er obligatorisk og kan ikke være lengre enn 20 tegn</a:t>
-            </a:r>
-          </a:p>
-          <a:p>
-            <a:pPr algn="just"/>
-            <a:r>
-              <a:rPr lang="nb-NO" dirty="0" smtClean="0">
-                <a:solidFill>
-                  <a:schemeClr val="bg1"/>
-                </a:solidFill>
-              </a:rPr>
-              <a:t>	b) Innhold er obligatorisk</a:t>
-            </a:r>
-          </a:p>
-          <a:p>
-            <a:pPr algn="just"/>
-            <a:r>
-              <a:rPr lang="nb-NO" dirty="0" smtClean="0">
-                <a:solidFill>
-                  <a:schemeClr val="bg1"/>
-                </a:solidFill>
-              </a:rPr>
-              <a:t>	c) Dato for bloggposten er obligatorisk</a:t>
-            </a:r>
-          </a:p>
-          <a:p>
-            <a:pPr algn="just"/>
-            <a:endParaRPr lang="nb-NO" dirty="0" smtClean="0">
-              <a:solidFill>
-                <a:schemeClr val="bg1"/>
-              </a:solidFill>
-            </a:endParaRPr>
-          </a:p>
-          <a:p>
-            <a:pPr algn="just"/>
-            <a:r>
-              <a:rPr lang="nb-NO" dirty="0" smtClean="0">
-                <a:solidFill>
-                  <a:schemeClr val="bg1"/>
-                </a:solidFill>
-              </a:rPr>
-              <a:t>Verifisèr at valideringen fungerer ved å hjelp av </a:t>
-            </a:r>
-            <a:r>
-              <a:rPr lang="nb-NO" b="1" dirty="0" smtClean="0">
-                <a:solidFill>
-                  <a:schemeClr val="bg1"/>
-                </a:solidFill>
-              </a:rPr>
-              <a:t>Fiddler</a:t>
-            </a:r>
-            <a:r>
-              <a:rPr lang="nb-NO" dirty="0" smtClean="0">
-                <a:solidFill>
-                  <a:schemeClr val="bg1"/>
-                </a:solidFill>
-              </a:rPr>
-              <a:t>.</a:t>
-            </a:r>
-          </a:p>
         </p:txBody>
       </p:sp>
     </p:spTree>
+    <p:extLst>
+      <p:ext uri="{BB962C8B-B14F-4D97-AF65-F5344CB8AC3E}">
+        <p14:creationId xmlns:p14="http://schemas.microsoft.com/office/powerpoint/2010/main" val="3480607137"/>
+      </p:ext>
+    </p:extLst>
   </p:cSld>
   <p:clrMapOvr>
     <a:masterClrMapping/>
@@ -13023,686 +11379,6 @@
       </p:par>
     </p:tnLst>
   </p:timing>
-</p:sld>
-</file>
-
-<file path=ppt/slides/slide14.xml><?xml version="1.0" encoding="utf-8"?>
-<p:sld xmlns:a="http://schemas.openxmlformats.org/drawingml/2006/main" xmlns:r="http://schemas.openxmlformats.org/officeDocument/2006/relationships" xmlns:p="http://schemas.openxmlformats.org/presentationml/2006/main">
-  <p:cSld>
-    <p:bg>
-      <p:bgPr>
-        <a:solidFill>
-          <a:schemeClr val="accent1"/>
-        </a:solidFill>
-        <a:effectLst/>
-      </p:bgPr>
-    </p:bg>
-    <p:spTree>
-      <p:nvGrpSpPr>
-        <p:cNvPr id="1" name=""/>
-        <p:cNvGrpSpPr/>
-        <p:nvPr/>
-      </p:nvGrpSpPr>
-      <p:grpSpPr>
-        <a:xfrm>
-          <a:off x="0" y="0"/>
-          <a:ext cx="0" cy="0"/>
-          <a:chOff x="0" y="0"/>
-          <a:chExt cx="0" cy="0"/>
-        </a:xfrm>
-      </p:grpSpPr>
-      <p:sp>
-        <p:nvSpPr>
-          <p:cNvPr id="2" name="Title 1"/>
-          <p:cNvSpPr>
-            <a:spLocks noGrp="1"/>
-          </p:cNvSpPr>
-          <p:nvPr>
-            <p:ph type="title"/>
-          </p:nvPr>
-        </p:nvSpPr>
-        <p:spPr>
-          <a:xfrm>
-            <a:off x="321623" y="418905"/>
-            <a:ext cx="1610377" cy="307777"/>
-          </a:xfrm>
-          <a:solidFill>
-            <a:schemeClr val="accent1"/>
-          </a:solidFill>
-        </p:spPr>
-        <p:txBody>
-          <a:bodyPr/>
-          <a:lstStyle/>
-          <a:p>
-            <a:r>
-              <a:rPr lang="nb-NO" dirty="0" smtClean="0">
-                <a:solidFill>
-                  <a:schemeClr val="bg1"/>
-                </a:solidFill>
-              </a:rPr>
-              <a:t>Oppgave 3</a:t>
-            </a:r>
-            <a:endParaRPr lang="en-US" dirty="0">
-              <a:solidFill>
-                <a:schemeClr val="bg1"/>
-              </a:solidFill>
-            </a:endParaRPr>
-          </a:p>
-        </p:txBody>
-      </p:sp>
-      <p:sp>
-        <p:nvSpPr>
-          <p:cNvPr id="3" name="Slide Number Placeholder 2"/>
-          <p:cNvSpPr>
-            <a:spLocks noGrp="1"/>
-          </p:cNvSpPr>
-          <p:nvPr>
-            <p:ph type="sldNum" sz="quarter" idx="10"/>
-          </p:nvPr>
-        </p:nvSpPr>
-        <p:spPr>
-          <a:solidFill>
-            <a:schemeClr val="accent1"/>
-          </a:solidFill>
-        </p:spPr>
-        <p:txBody>
-          <a:bodyPr/>
-          <a:lstStyle/>
-          <a:p>
-            <a:fld id="{FF67BF5B-7344-D747-A0C2-CBD7B2ACBC85}" type="slidenum">
-              <a:rPr lang="en-US" smtClean="0">
-                <a:solidFill>
-                  <a:schemeClr val="bg1"/>
-                </a:solidFill>
-              </a:rPr>
-              <a:pPr/>
-              <a:t>14</a:t>
-            </a:fld>
-            <a:endParaRPr lang="en-US" dirty="0">
-              <a:solidFill>
-                <a:schemeClr val="bg1"/>
-              </a:solidFill>
-            </a:endParaRPr>
-          </a:p>
-        </p:txBody>
-      </p:sp>
-      <p:sp>
-        <p:nvSpPr>
-          <p:cNvPr id="7" name="TextBox 6"/>
-          <p:cNvSpPr txBox="1"/>
-          <p:nvPr/>
-        </p:nvSpPr>
-        <p:spPr>
-          <a:xfrm>
-            <a:off x="321623" y="1397000"/>
-            <a:ext cx="8102827" cy="1477328"/>
-          </a:xfrm>
-          <a:prstGeom prst="rect">
-            <a:avLst/>
-          </a:prstGeom>
-          <a:noFill/>
-        </p:spPr>
-        <p:txBody>
-          <a:bodyPr wrap="square" rtlCol="0">
-            <a:spAutoFit/>
-          </a:bodyPr>
-          <a:lstStyle/>
-          <a:p>
-            <a:pPr algn="just"/>
-            <a:r>
-              <a:rPr lang="nb-NO" dirty="0" smtClean="0">
-                <a:solidFill>
-                  <a:schemeClr val="bg1"/>
-                </a:solidFill>
-              </a:rPr>
-              <a:t>I denne oppgaven skal vi lage en konsument til vårt Web API. Opprett en konsollapplikasjon som kan bruke vårt Web API til å hente ut blogposter, samt opprette nye.</a:t>
-            </a:r>
-          </a:p>
-          <a:p>
-            <a:pPr algn="just"/>
-            <a:endParaRPr lang="nb-NO" dirty="0" smtClean="0">
-              <a:solidFill>
-                <a:schemeClr val="bg1"/>
-              </a:solidFill>
-            </a:endParaRPr>
-          </a:p>
-          <a:p>
-            <a:pPr algn="just"/>
-            <a:r>
-              <a:rPr lang="nb-NO" dirty="0" smtClean="0">
-                <a:solidFill>
-                  <a:schemeClr val="bg1"/>
-                </a:solidFill>
-              </a:rPr>
-              <a:t>(</a:t>
-            </a:r>
-            <a:r>
-              <a:rPr lang="nb-NO" i="1" dirty="0" smtClean="0">
-                <a:solidFill>
-                  <a:schemeClr val="bg1"/>
-                </a:solidFill>
-              </a:rPr>
-              <a:t>Hint: System.Web.Http.HttpClient</a:t>
-            </a:r>
-            <a:r>
-              <a:rPr lang="nb-NO" dirty="0" smtClean="0">
-                <a:solidFill>
-                  <a:schemeClr val="bg1"/>
-                </a:solidFill>
-              </a:rPr>
-              <a:t>)</a:t>
-            </a:r>
-            <a:endParaRPr lang="en-US" dirty="0" smtClean="0">
-              <a:solidFill>
-                <a:schemeClr val="bg1"/>
-              </a:solidFill>
-            </a:endParaRPr>
-          </a:p>
-        </p:txBody>
-      </p:sp>
-    </p:spTree>
-  </p:cSld>
-  <p:clrMapOvr>
-    <a:masterClrMapping/>
-  </p:clrMapOvr>
-  <p:transition>
-    <p:fade thruBlk="1"/>
-  </p:transition>
-  <p:timing>
-    <p:tnLst>
-      <p:par>
-        <p:cTn id="1" dur="indefinite" restart="never" nodeType="tmRoot"/>
-      </p:par>
-    </p:tnLst>
-  </p:timing>
-</p:sld>
-</file>
-
-<file path=ppt/slides/slide15.xml><?xml version="1.0" encoding="utf-8"?>
-<p:sld xmlns:a="http://schemas.openxmlformats.org/drawingml/2006/main" xmlns:r="http://schemas.openxmlformats.org/officeDocument/2006/relationships" xmlns:p="http://schemas.openxmlformats.org/presentationml/2006/main" show="0">
-  <p:cSld>
-    <p:spTree>
-      <p:nvGrpSpPr>
-        <p:cNvPr id="1" name=""/>
-        <p:cNvGrpSpPr/>
-        <p:nvPr/>
-      </p:nvGrpSpPr>
-      <p:grpSpPr>
-        <a:xfrm>
-          <a:off x="0" y="0"/>
-          <a:ext cx="0" cy="0"/>
-          <a:chOff x="0" y="0"/>
-          <a:chExt cx="0" cy="0"/>
-        </a:xfrm>
-      </p:grpSpPr>
-      <p:sp>
-        <p:nvSpPr>
-          <p:cNvPr id="2" name="Title 1"/>
-          <p:cNvSpPr>
-            <a:spLocks noGrp="1"/>
-          </p:cNvSpPr>
-          <p:nvPr>
-            <p:ph type="title"/>
-          </p:nvPr>
-        </p:nvSpPr>
-        <p:spPr>
-          <a:xfrm>
-            <a:off x="321623" y="418905"/>
-            <a:ext cx="2183931" cy="307777"/>
-          </a:xfrm>
-        </p:spPr>
-        <p:txBody>
-          <a:bodyPr/>
-          <a:lstStyle/>
-          <a:p>
-            <a:r>
-              <a:rPr lang="nb-NO" dirty="0" smtClean="0"/>
-              <a:t>Autorisasjon</a:t>
-            </a:r>
-            <a:endParaRPr lang="en-US" dirty="0"/>
-          </a:p>
-        </p:txBody>
-      </p:sp>
-      <p:sp>
-        <p:nvSpPr>
-          <p:cNvPr id="3" name="Slide Number Placeholder 2"/>
-          <p:cNvSpPr>
-            <a:spLocks noGrp="1"/>
-          </p:cNvSpPr>
-          <p:nvPr>
-            <p:ph type="sldNum" sz="quarter" idx="10"/>
-          </p:nvPr>
-        </p:nvSpPr>
-        <p:spPr/>
-        <p:txBody>
-          <a:bodyPr/>
-          <a:lstStyle/>
-          <a:p>
-            <a:fld id="{FF67BF5B-7344-D747-A0C2-CBD7B2ACBC85}" type="slidenum">
-              <a:rPr lang="en-US" smtClean="0"/>
-              <a:pPr/>
-              <a:t>15</a:t>
-            </a:fld>
-            <a:endParaRPr lang="en-US" dirty="0"/>
-          </a:p>
-        </p:txBody>
-      </p:sp>
-    </p:spTree>
-  </p:cSld>
-  <p:clrMapOvr>
-    <a:masterClrMapping/>
-  </p:clrMapOvr>
-  <p:transition>
-    <p:fade thruBlk="1"/>
-  </p:transition>
-</p:sld>
-</file>
-
-<file path=ppt/slides/slide16.xml><?xml version="1.0" encoding="utf-8"?>
-<p:sld xmlns:a="http://schemas.openxmlformats.org/drawingml/2006/main" xmlns:r="http://schemas.openxmlformats.org/officeDocument/2006/relationships" xmlns:p="http://schemas.openxmlformats.org/presentationml/2006/main" show="0">
-  <p:cSld>
-    <p:spTree>
-      <p:nvGrpSpPr>
-        <p:cNvPr id="1" name=""/>
-        <p:cNvGrpSpPr/>
-        <p:nvPr/>
-      </p:nvGrpSpPr>
-      <p:grpSpPr>
-        <a:xfrm>
-          <a:off x="0" y="0"/>
-          <a:ext cx="0" cy="0"/>
-          <a:chOff x="0" y="0"/>
-          <a:chExt cx="0" cy="0"/>
-        </a:xfrm>
-      </p:grpSpPr>
-      <p:sp>
-        <p:nvSpPr>
-          <p:cNvPr id="2" name="Title 1"/>
-          <p:cNvSpPr>
-            <a:spLocks noGrp="1"/>
-          </p:cNvSpPr>
-          <p:nvPr>
-            <p:ph type="title"/>
-          </p:nvPr>
-        </p:nvSpPr>
-        <p:spPr>
-          <a:xfrm>
-            <a:off x="321623" y="418905"/>
-            <a:ext cx="4330994" cy="307777"/>
-          </a:xfrm>
-        </p:spPr>
-        <p:txBody>
-          <a:bodyPr/>
-          <a:lstStyle/>
-          <a:p>
-            <a:r>
-              <a:rPr lang="nb-NO" dirty="0" smtClean="0"/>
-              <a:t>ODATA – Open data protocol</a:t>
-            </a:r>
-            <a:endParaRPr lang="en-US" dirty="0"/>
-          </a:p>
-        </p:txBody>
-      </p:sp>
-      <p:sp>
-        <p:nvSpPr>
-          <p:cNvPr id="3" name="Slide Number Placeholder 2"/>
-          <p:cNvSpPr>
-            <a:spLocks noGrp="1"/>
-          </p:cNvSpPr>
-          <p:nvPr>
-            <p:ph type="sldNum" sz="quarter" idx="10"/>
-          </p:nvPr>
-        </p:nvSpPr>
-        <p:spPr/>
-        <p:txBody>
-          <a:bodyPr/>
-          <a:lstStyle/>
-          <a:p>
-            <a:fld id="{FF67BF5B-7344-D747-A0C2-CBD7B2ACBC85}" type="slidenum">
-              <a:rPr lang="en-US" smtClean="0"/>
-              <a:pPr/>
-              <a:t>16</a:t>
-            </a:fld>
-            <a:endParaRPr lang="en-US" dirty="0"/>
-          </a:p>
-        </p:txBody>
-      </p:sp>
-      <p:sp>
-        <p:nvSpPr>
-          <p:cNvPr id="1025" name="Rectangle 1"/>
-          <p:cNvSpPr>
-            <a:spLocks noChangeArrowheads="1"/>
-          </p:cNvSpPr>
-          <p:nvPr/>
-        </p:nvSpPr>
-        <p:spPr bwMode="auto">
-          <a:xfrm>
-            <a:off x="321622" y="1590604"/>
-            <a:ext cx="8409685" cy="1077218"/>
-          </a:xfrm>
-          <a:prstGeom prst="rect">
-            <a:avLst/>
-          </a:prstGeom>
-          <a:solidFill>
-            <a:srgbClr val="FFFFFF"/>
-          </a:solidFill>
-          <a:ln w="9525">
-            <a:solidFill>
-              <a:schemeClr val="accent1"/>
-            </a:solidFill>
-            <a:miter lim="800000"/>
-            <a:headEnd/>
-            <a:tailEnd/>
-          </a:ln>
-          <a:effectLst/>
-        </p:spPr>
-        <p:txBody>
-          <a:bodyPr vert="horz" wrap="square" lIns="91440" tIns="45720" rIns="91440" bIns="45720" numCol="1" anchor="ctr" anchorCtr="0" compatLnSpc="1">
-            <a:prstTxWarp prst="textNoShape">
-              <a:avLst/>
-            </a:prstTxWarp>
-            <a:spAutoFit/>
-          </a:bodyPr>
-          <a:lstStyle/>
-          <a:p>
-            <a:pPr marL="0" marR="0" lvl="0" indent="0" algn="l" defTabSz="914400" rtl="0" eaLnBrk="1" fontAlgn="base" latinLnBrk="0" hangingPunct="1">
-              <a:lnSpc>
-                <a:spcPct val="100000"/>
-              </a:lnSpc>
-              <a:spcBef>
-                <a:spcPct val="0"/>
-              </a:spcBef>
-              <a:spcAft>
-                <a:spcPct val="0"/>
-              </a:spcAft>
-              <a:buClrTx/>
-              <a:buSzTx/>
-              <a:buFontTx/>
-              <a:buNone/>
-              <a:tabLst/>
-            </a:pPr>
-            <a:r>
-              <a:rPr kumimoji="0" lang="en-US" sz="1600" b="0" i="0" u="none" strike="noStrike" cap="none" normalizeH="0" baseline="0" dirty="0" smtClean="0">
-                <a:ln>
-                  <a:noFill/>
-                </a:ln>
-                <a:solidFill>
-                  <a:srgbClr val="0000FF"/>
-                </a:solidFill>
-                <a:effectLst/>
-                <a:latin typeface="Consolas" pitchFamily="49" charset="0"/>
-                <a:cs typeface="Consolas" pitchFamily="49" charset="0"/>
-              </a:rPr>
-              <a:t>public</a:t>
-            </a:r>
-            <a:r>
-              <a:rPr kumimoji="0" lang="en-US" sz="1600" b="0" i="0" u="none" strike="noStrike" cap="none" normalizeH="0" baseline="0" dirty="0" smtClean="0">
-                <a:ln>
-                  <a:noFill/>
-                </a:ln>
-                <a:solidFill>
-                  <a:srgbClr val="000000"/>
-                </a:solidFill>
-                <a:effectLst/>
-                <a:latin typeface="Consolas" pitchFamily="49" charset="0"/>
-                <a:cs typeface="Consolas" pitchFamily="49" charset="0"/>
-              </a:rPr>
-              <a:t> </a:t>
-            </a:r>
-            <a:r>
-              <a:rPr kumimoji="0" lang="en-US" sz="1600" b="0" i="0" u="none" strike="noStrike" cap="none" normalizeH="0" baseline="0" dirty="0" err="1" smtClean="0">
-                <a:ln>
-                  <a:noFill/>
-                </a:ln>
-                <a:solidFill>
-                  <a:srgbClr val="2B91AF"/>
-                </a:solidFill>
-                <a:effectLst/>
-                <a:latin typeface="Consolas" pitchFamily="49" charset="0"/>
-                <a:cs typeface="Consolas" pitchFamily="49" charset="0"/>
-              </a:rPr>
-              <a:t>IQueryable</a:t>
-            </a:r>
-            <a:r>
-              <a:rPr kumimoji="0" lang="en-US" sz="1600" b="0" i="0" u="none" strike="noStrike" cap="none" normalizeH="0" baseline="0" dirty="0" smtClean="0">
-                <a:ln>
-                  <a:noFill/>
-                </a:ln>
-                <a:solidFill>
-                  <a:srgbClr val="000000"/>
-                </a:solidFill>
-                <a:effectLst/>
-                <a:latin typeface="Consolas" pitchFamily="49" charset="0"/>
-                <a:cs typeface="Consolas" pitchFamily="49" charset="0"/>
-              </a:rPr>
-              <a:t>&lt;</a:t>
-            </a:r>
-            <a:r>
-              <a:rPr kumimoji="0" lang="en-US" sz="1600" b="0" i="0" u="none" strike="noStrike" cap="none" normalizeH="0" baseline="0" dirty="0" smtClean="0">
-                <a:ln>
-                  <a:noFill/>
-                </a:ln>
-                <a:solidFill>
-                  <a:srgbClr val="2B91AF"/>
-                </a:solidFill>
-                <a:effectLst/>
-                <a:latin typeface="Consolas" pitchFamily="49" charset="0"/>
-                <a:cs typeface="Consolas" pitchFamily="49" charset="0"/>
-              </a:rPr>
-              <a:t>Person</a:t>
-            </a:r>
-            <a:r>
-              <a:rPr kumimoji="0" lang="en-US" sz="1600" b="0" i="0" u="none" strike="noStrike" cap="none" normalizeH="0" baseline="0" dirty="0" smtClean="0">
-                <a:ln>
-                  <a:noFill/>
-                </a:ln>
-                <a:solidFill>
-                  <a:srgbClr val="000000"/>
-                </a:solidFill>
-                <a:effectLst/>
-                <a:latin typeface="Consolas" pitchFamily="49" charset="0"/>
-                <a:cs typeface="Consolas" pitchFamily="49" charset="0"/>
-              </a:rPr>
-              <a:t>&gt; </a:t>
-            </a:r>
-            <a:r>
-              <a:rPr kumimoji="0" lang="en-US" sz="1600" b="0" i="0" u="none" strike="noStrike" cap="none" normalizeH="0" baseline="0" dirty="0" err="1" smtClean="0">
-                <a:ln>
-                  <a:noFill/>
-                </a:ln>
-                <a:solidFill>
-                  <a:srgbClr val="000000"/>
-                </a:solidFill>
-                <a:effectLst/>
-                <a:latin typeface="Consolas" pitchFamily="49" charset="0"/>
-                <a:cs typeface="Consolas" pitchFamily="49" charset="0"/>
-              </a:rPr>
-              <a:t>GetPeople</a:t>
-            </a:r>
-            <a:r>
-              <a:rPr kumimoji="0" lang="en-US" sz="1600" b="0" i="0" u="none" strike="noStrike" cap="none" normalizeH="0" baseline="0" dirty="0" smtClean="0">
-                <a:ln>
-                  <a:noFill/>
-                </a:ln>
-                <a:solidFill>
-                  <a:srgbClr val="000000"/>
-                </a:solidFill>
-                <a:effectLst/>
-                <a:latin typeface="Consolas" pitchFamily="49" charset="0"/>
-                <a:cs typeface="Consolas" pitchFamily="49" charset="0"/>
-              </a:rPr>
-              <a:t>()         </a:t>
-            </a:r>
-          </a:p>
-          <a:p>
-            <a:pPr marL="0" marR="0" lvl="0" indent="0" algn="l" defTabSz="914400" rtl="0" eaLnBrk="1" fontAlgn="base" latinLnBrk="0" hangingPunct="1">
-              <a:lnSpc>
-                <a:spcPct val="100000"/>
-              </a:lnSpc>
-              <a:spcBef>
-                <a:spcPct val="0"/>
-              </a:spcBef>
-              <a:spcAft>
-                <a:spcPct val="0"/>
-              </a:spcAft>
-              <a:buClrTx/>
-              <a:buSzTx/>
-              <a:buFontTx/>
-              <a:buNone/>
-              <a:tabLst/>
-            </a:pPr>
-            <a:r>
-              <a:rPr kumimoji="0" lang="en-US" sz="1600" b="0" i="0" u="none" strike="noStrike" cap="none" normalizeH="0" baseline="0" dirty="0" smtClean="0">
-                <a:ln>
-                  <a:noFill/>
-                </a:ln>
-                <a:solidFill>
-                  <a:srgbClr val="000000"/>
-                </a:solidFill>
-                <a:effectLst/>
-                <a:latin typeface="Consolas" pitchFamily="49" charset="0"/>
-                <a:cs typeface="Consolas" pitchFamily="49" charset="0"/>
-              </a:rPr>
-              <a:t>{             </a:t>
-            </a:r>
-          </a:p>
-          <a:p>
-            <a:pPr marL="0" marR="0" lvl="0" indent="0" algn="l" defTabSz="914400" rtl="0" eaLnBrk="1" fontAlgn="base" latinLnBrk="0" hangingPunct="1">
-              <a:lnSpc>
-                <a:spcPct val="100000"/>
-              </a:lnSpc>
-              <a:spcBef>
-                <a:spcPct val="0"/>
-              </a:spcBef>
-              <a:spcAft>
-                <a:spcPct val="0"/>
-              </a:spcAft>
-              <a:buClrTx/>
-              <a:buSzTx/>
-              <a:buFontTx/>
-              <a:buNone/>
-              <a:tabLst/>
-            </a:pPr>
-            <a:r>
-              <a:rPr lang="en-US" sz="1600" dirty="0" smtClean="0">
-                <a:solidFill>
-                  <a:srgbClr val="000000"/>
-                </a:solidFill>
-                <a:latin typeface="Consolas" pitchFamily="49" charset="0"/>
-                <a:cs typeface="Consolas" pitchFamily="49" charset="0"/>
-              </a:rPr>
-              <a:t>	</a:t>
-            </a:r>
-            <a:r>
-              <a:rPr kumimoji="0" lang="en-US" sz="1600" b="0" i="0" u="none" strike="noStrike" cap="none" normalizeH="0" baseline="0" dirty="0" smtClean="0">
-                <a:ln>
-                  <a:noFill/>
-                </a:ln>
-                <a:solidFill>
-                  <a:srgbClr val="0000FF"/>
-                </a:solidFill>
-                <a:effectLst/>
-                <a:latin typeface="Consolas" pitchFamily="49" charset="0"/>
-                <a:cs typeface="Consolas" pitchFamily="49" charset="0"/>
-              </a:rPr>
-              <a:t>return</a:t>
-            </a:r>
-            <a:r>
-              <a:rPr kumimoji="0" lang="en-US" sz="1600" b="0" i="0" u="none" strike="noStrike" cap="none" normalizeH="0" baseline="0" dirty="0" smtClean="0">
-                <a:ln>
-                  <a:noFill/>
-                </a:ln>
-                <a:solidFill>
-                  <a:srgbClr val="000000"/>
-                </a:solidFill>
-                <a:effectLst/>
-                <a:latin typeface="Consolas" pitchFamily="49" charset="0"/>
-                <a:cs typeface="Consolas" pitchFamily="49" charset="0"/>
-              </a:rPr>
-              <a:t> </a:t>
-            </a:r>
-            <a:r>
-              <a:rPr kumimoji="0" lang="en-US" sz="1600" b="0" i="0" u="none" strike="noStrike" cap="none" normalizeH="0" baseline="0" dirty="0" err="1" smtClean="0">
-                <a:ln>
-                  <a:noFill/>
-                </a:ln>
-                <a:solidFill>
-                  <a:srgbClr val="000000"/>
-                </a:solidFill>
-                <a:effectLst/>
-                <a:latin typeface="Consolas" pitchFamily="49" charset="0"/>
-                <a:cs typeface="Consolas" pitchFamily="49" charset="0"/>
-              </a:rPr>
-              <a:t>db.People.AsQueryable</a:t>
-            </a:r>
-            <a:r>
-              <a:rPr kumimoji="0" lang="en-US" sz="1600" b="0" i="0" u="none" strike="noStrike" cap="none" normalizeH="0" baseline="0" dirty="0" smtClean="0">
-                <a:ln>
-                  <a:noFill/>
-                </a:ln>
-                <a:solidFill>
-                  <a:srgbClr val="000000"/>
-                </a:solidFill>
-                <a:effectLst/>
-                <a:latin typeface="Consolas" pitchFamily="49" charset="0"/>
-                <a:cs typeface="Consolas" pitchFamily="49" charset="0"/>
-              </a:rPr>
-              <a:t>();         </a:t>
-            </a:r>
-          </a:p>
-          <a:p>
-            <a:pPr marL="0" marR="0" lvl="0" indent="0" algn="l" defTabSz="914400" rtl="0" eaLnBrk="1" fontAlgn="base" latinLnBrk="0" hangingPunct="1">
-              <a:lnSpc>
-                <a:spcPct val="100000"/>
-              </a:lnSpc>
-              <a:spcBef>
-                <a:spcPct val="0"/>
-              </a:spcBef>
-              <a:spcAft>
-                <a:spcPct val="0"/>
-              </a:spcAft>
-              <a:buClrTx/>
-              <a:buSzTx/>
-              <a:buFontTx/>
-              <a:buNone/>
-              <a:tabLst/>
-            </a:pPr>
-            <a:r>
-              <a:rPr kumimoji="0" lang="en-US" sz="1600" b="0" i="0" u="none" strike="noStrike" cap="none" normalizeH="0" baseline="0" dirty="0" smtClean="0">
-                <a:ln>
-                  <a:noFill/>
-                </a:ln>
-                <a:solidFill>
-                  <a:srgbClr val="000000"/>
-                </a:solidFill>
-                <a:effectLst/>
-                <a:latin typeface="Consolas" pitchFamily="49" charset="0"/>
-                <a:cs typeface="Consolas" pitchFamily="49" charset="0"/>
-              </a:rPr>
-              <a:t>}</a:t>
-            </a:r>
-            <a:endParaRPr kumimoji="0" lang="en-US" sz="1600" b="0" i="0" u="none" strike="noStrike" cap="none" normalizeH="0" baseline="0" dirty="0" smtClean="0">
-              <a:ln>
-                <a:noFill/>
-              </a:ln>
-              <a:solidFill>
-                <a:schemeClr val="tx1"/>
-              </a:solidFill>
-              <a:effectLst/>
-              <a:latin typeface="Arial" pitchFamily="34" charset="0"/>
-              <a:cs typeface="Arial" pitchFamily="34" charset="0"/>
-            </a:endParaRPr>
-          </a:p>
-        </p:txBody>
-      </p:sp>
-    </p:spTree>
-  </p:cSld>
-  <p:clrMapOvr>
-    <a:masterClrMapping/>
-  </p:clrMapOvr>
-  <p:transition>
-    <p:fade thruBlk="1"/>
-  </p:transition>
 </p:sld>
 </file>
 
@@ -13857,8 +11533,29 @@
             </a:pPr>
             <a:r>
               <a:rPr lang="nb-NO" sz="1400" dirty="0" smtClean="0"/>
-              <a:t> Routing</a:t>
-            </a:r>
+              <a:t> </a:t>
+            </a:r>
+            <a:r>
+              <a:rPr lang="nb-NO" sz="1400" dirty="0" smtClean="0"/>
+              <a:t>Routing</a:t>
+            </a:r>
+          </a:p>
+          <a:p>
+            <a:pPr lvl="1">
+              <a:spcBef>
+                <a:spcPts val="600"/>
+              </a:spcBef>
+              <a:spcAft>
+                <a:spcPts val="400"/>
+              </a:spcAft>
+              <a:buFont typeface="Wingdings" pitchFamily="2" charset="2"/>
+              <a:buChar char="ü"/>
+            </a:pPr>
+            <a:r>
+              <a:rPr lang="nb-NO" sz="1400" dirty="0" smtClean="0"/>
+              <a:t> Responser</a:t>
+            </a:r>
+            <a:endParaRPr lang="nb-NO" sz="1400" dirty="0" smtClean="0"/>
           </a:p>
           <a:p>
             <a:pPr>
@@ -13889,24 +11586,9 @@
             </a:pPr>
             <a:r>
               <a:rPr lang="nb-NO" sz="1400" dirty="0" smtClean="0"/>
-              <a:t> Validering</a:t>
-            </a:r>
-          </a:p>
-          <a:p>
-            <a:pPr>
-              <a:spcBef>
-                <a:spcPts val="600"/>
-              </a:spcBef>
-              <a:spcAft>
-                <a:spcPts val="400"/>
-              </a:spcAft>
-              <a:buFont typeface="Wingdings" pitchFamily="2" charset="2"/>
-              <a:buChar char="ü"/>
-            </a:pPr>
-            <a:r>
-              <a:rPr lang="nb-NO" sz="1400" dirty="0" smtClean="0"/>
-              <a:t> Oppgave</a:t>
-            </a:r>
+              <a:t>Oppgave</a:t>
+            </a:r>
+            <a:endParaRPr lang="nb-NO" sz="1400" dirty="0" smtClean="0"/>
           </a:p>
           <a:p>
             <a:pPr>
@@ -14140,11 +11822,17 @@
           <p:cNvGraphicFramePr>
             <a:graphicFrameLocks noGrp="1"/>
           </p:cNvGraphicFramePr>
-          <p:nvPr/>
+          <p:nvPr>
+            <p:extLst>
+              <p:ext uri="{D42A27DB-BD31-4B8C-83A1-F6EECF244321}">
+                <p14:modId xmlns:p14="http://schemas.microsoft.com/office/powerpoint/2010/main" val="2080439374"/>
+              </p:ext>
+            </p:extLst>
+          </p:nvPr>
         </p:nvGraphicFramePr>
         <p:xfrm>
           <a:off x="451104" y="3511296"/>
-          <a:ext cx="8271955" cy="2595880"/>
+          <a:ext cx="7973346" cy="2595880"/>
         </p:xfrm>
         <a:graphic>
           <a:graphicData uri="http://schemas.openxmlformats.org/drawingml/2006/table">
@@ -14153,10 +11841,8 @@
                 <a:tableStyleId>{5C22544A-7EE6-4342-B048-85BDC9FD1C3A}</a:tableStyleId>
               </a:tblPr>
               <a:tblGrid>
-                <a:gridCol w="1292352"/>
-                <a:gridCol w="4991452"/>
-                <a:gridCol w="720969"/>
-                <a:gridCol w="1267182"/>
+                <a:gridCol w="1639830"/>
+                <a:gridCol w="6333516"/>
               </a:tblGrid>
               <a:tr h="370840">
                 <a:tc>
@@ -14181,34 +11867,6 @@
                       <a:r>
                         <a:rPr lang="nb-NO" sz="1400" dirty="0" smtClean="0"/>
                         <a:t>Beskrivelse</a:t>
-                      </a:r>
-                      <a:endParaRPr lang="en-US" sz="1400" dirty="0"/>
-                    </a:p>
-                  </a:txBody>
-                  <a:tcPr/>
-                </a:tc>
-                <a:tc>
-                  <a:txBody>
-                    <a:bodyPr/>
-                    <a:lstStyle/>
-                    <a:p>
-                      <a:r>
-                        <a:rPr lang="nb-NO" sz="1400" dirty="0" smtClean="0"/>
-                        <a:t>Trygg</a:t>
-                      </a:r>
-                      <a:endParaRPr lang="en-US" sz="1400" dirty="0"/>
-                    </a:p>
-                  </a:txBody>
-                  <a:tcPr/>
-                </a:tc>
-                <a:tc>
-                  <a:txBody>
-                    <a:bodyPr/>
-                    <a:lstStyle/>
-                    <a:p>
-                      <a:r>
-                        <a:rPr lang="nb-NO" sz="1400" dirty="0" smtClean="0"/>
-                        <a:t>Idempotent</a:t>
                       </a:r>
                       <a:endParaRPr lang="en-US" sz="1400" dirty="0"/>
                     </a:p>
@@ -14245,34 +11903,6 @@
                   </a:txBody>
                   <a:tcPr/>
                 </a:tc>
-                <a:tc>
-                  <a:txBody>
-                    <a:bodyPr/>
-                    <a:lstStyle/>
-                    <a:p>
-                      <a:r>
-                        <a:rPr lang="nb-NO" sz="1400" dirty="0" smtClean="0"/>
-                        <a:t>Ja</a:t>
-                      </a:r>
-                      <a:endParaRPr lang="en-US" sz="1400" dirty="0"/>
-                    </a:p>
-                  </a:txBody>
-                  <a:tcPr/>
-                </a:tc>
-                <a:tc>
-                  <a:txBody>
-                    <a:bodyPr/>
-                    <a:lstStyle/>
-                    <a:p>
-                      <a:r>
-                        <a:rPr lang="nb-NO" sz="1400" dirty="0" smtClean="0"/>
-                        <a:t>Ja</a:t>
-                      </a:r>
-                      <a:endParaRPr lang="en-US" sz="1400" dirty="0"/>
-                    </a:p>
-                  </a:txBody>
-                  <a:tcPr/>
-                </a:tc>
               </a:tr>
               <a:tr h="370840">
                 <a:tc>
@@ -14303,34 +11933,6 @@
                   </a:txBody>
                   <a:tcPr/>
                 </a:tc>
-                <a:tc>
-                  <a:txBody>
-                    <a:bodyPr/>
-                    <a:lstStyle/>
-                    <a:p>
-                      <a:r>
-                        <a:rPr lang="nb-NO" sz="1400" dirty="0" smtClean="0"/>
-                        <a:t>Nei</a:t>
-                      </a:r>
-                      <a:endParaRPr lang="en-US" sz="1400" dirty="0"/>
-                    </a:p>
-                  </a:txBody>
-                  <a:tcPr/>
-                </a:tc>
-                <a:tc>
-                  <a:txBody>
-                    <a:bodyPr/>
-                    <a:lstStyle/>
-                    <a:p>
-                      <a:r>
-                        <a:rPr lang="nb-NO" sz="1400" dirty="0" smtClean="0"/>
-                        <a:t>Ja</a:t>
-                      </a:r>
-                      <a:endParaRPr lang="en-US" sz="1400" dirty="0"/>
-                    </a:p>
-                  </a:txBody>
-                  <a:tcPr/>
-                </a:tc>
               </a:tr>
               <a:tr h="370840">
                 <a:tc>
@@ -14355,34 +11957,6 @@
                       <a:r>
                         <a:rPr lang="nb-NO" sz="1400" dirty="0" smtClean="0"/>
                         <a:t>Slett en gitt ressurs</a:t>
-                      </a:r>
-                      <a:endParaRPr lang="en-US" sz="1400" dirty="0"/>
-                    </a:p>
-                  </a:txBody>
-                  <a:tcPr/>
-                </a:tc>
-                <a:tc>
-                  <a:txBody>
-                    <a:bodyPr/>
-                    <a:lstStyle/>
-                    <a:p>
-                      <a:r>
-                        <a:rPr lang="nb-NO" sz="1400" dirty="0" smtClean="0"/>
-                        <a:t>Nei</a:t>
-                      </a:r>
-                      <a:endParaRPr lang="en-US" sz="1400" dirty="0"/>
-                    </a:p>
-                  </a:txBody>
-                  <a:tcPr/>
-                </a:tc>
-                <a:tc>
-                  <a:txBody>
-                    <a:bodyPr/>
-                    <a:lstStyle/>
-                    <a:p>
-                      <a:r>
-                        <a:rPr lang="nb-NO" sz="1400" dirty="0" smtClean="0"/>
-                        <a:t>Ja</a:t>
                       </a:r>
                       <a:endParaRPr lang="en-US" sz="1400" dirty="0"/>
                     </a:p>
@@ -14423,34 +11997,6 @@
                   </a:txBody>
                   <a:tcPr/>
                 </a:tc>
-                <a:tc>
-                  <a:txBody>
-                    <a:bodyPr/>
-                    <a:lstStyle/>
-                    <a:p>
-                      <a:r>
-                        <a:rPr lang="nb-NO" sz="1400" dirty="0" smtClean="0"/>
-                        <a:t>Nei</a:t>
-                      </a:r>
-                      <a:endParaRPr lang="en-US" sz="1400" dirty="0"/>
-                    </a:p>
-                  </a:txBody>
-                  <a:tcPr/>
-                </a:tc>
-                <a:tc>
-                  <a:txBody>
-                    <a:bodyPr/>
-                    <a:lstStyle/>
-                    <a:p>
-                      <a:r>
-                        <a:rPr lang="nb-NO" sz="1400" dirty="0" smtClean="0"/>
-                        <a:t>Nei</a:t>
-                      </a:r>
-                      <a:endParaRPr lang="en-US" sz="1400" dirty="0"/>
-                    </a:p>
-                  </a:txBody>
-                  <a:tcPr/>
-                </a:tc>
               </a:tr>
               <a:tr h="370840">
                 <a:tc>
@@ -14485,34 +12031,6 @@
                   </a:txBody>
                   <a:tcPr/>
                 </a:tc>
-                <a:tc>
-                  <a:txBody>
-                    <a:bodyPr/>
-                    <a:lstStyle/>
-                    <a:p>
-                      <a:r>
-                        <a:rPr lang="nb-NO" sz="1400" dirty="0" smtClean="0"/>
-                        <a:t>Ja</a:t>
-                      </a:r>
-                      <a:endParaRPr lang="en-US" sz="1400" dirty="0"/>
-                    </a:p>
-                  </a:txBody>
-                  <a:tcPr/>
-                </a:tc>
-                <a:tc>
-                  <a:txBody>
-                    <a:bodyPr/>
-                    <a:lstStyle/>
-                    <a:p>
-                      <a:r>
-                        <a:rPr lang="nb-NO" sz="1400" dirty="0" smtClean="0"/>
-                        <a:t>Ja</a:t>
-                      </a:r>
-                      <a:endParaRPr lang="en-US" sz="1400" dirty="0"/>
-                    </a:p>
-                  </a:txBody>
-                  <a:tcPr/>
-                </a:tc>
               </a:tr>
               <a:tr h="370840">
                 <a:tc>
@@ -14541,34 +12059,6 @@
                       <a:r>
                         <a:rPr lang="nb-NO" sz="1400" baseline="0" dirty="0" smtClean="0"/>
                         <a:t> som støttes av ressursen</a:t>
-                      </a:r>
-                      <a:endParaRPr lang="en-US" sz="1400" dirty="0"/>
-                    </a:p>
-                  </a:txBody>
-                  <a:tcPr/>
-                </a:tc>
-                <a:tc>
-                  <a:txBody>
-                    <a:bodyPr/>
-                    <a:lstStyle/>
-                    <a:p>
-                      <a:r>
-                        <a:rPr lang="nb-NO" sz="1400" dirty="0" smtClean="0"/>
-                        <a:t>Ja</a:t>
-                      </a:r>
-                      <a:endParaRPr lang="en-US" sz="1400" dirty="0"/>
-                    </a:p>
-                  </a:txBody>
-                  <a:tcPr/>
-                </a:tc>
-                <a:tc>
-                  <a:txBody>
-                    <a:bodyPr/>
-                    <a:lstStyle/>
-                    <a:p>
-                      <a:r>
-                        <a:rPr lang="nb-NO" sz="1400" dirty="0" smtClean="0"/>
-                        <a:t>Ja</a:t>
                       </a:r>
                       <a:endParaRPr lang="en-US" sz="1400" dirty="0"/>
                     </a:p>
@@ -14752,9 +12242,21 @@
             </a:r>
             <a:r>
               <a:rPr lang="nb-NO" sz="1400" dirty="0" smtClean="0"/>
-              <a:t>4</a:t>
-            </a:r>
-            <a:endParaRPr lang="nb-NO" sz="1400" dirty="0" smtClean="0"/>
+              <a:t>4 &lt;- </a:t>
+            </a:r>
+            <a:r>
+              <a:rPr lang="nb-NO" sz="1400" dirty="0" smtClean="0">
+                <a:solidFill>
+                  <a:srgbClr val="FF0000"/>
+                </a:solidFill>
+              </a:rPr>
+              <a:t>stemmer ikke lenger MÅ OPPDATERES</a:t>
+            </a:r>
+            <a:endParaRPr lang="nb-NO" sz="1400" dirty="0" smtClean="0">
+              <a:solidFill>
+                <a:srgbClr val="FF0000"/>
+              </a:solidFill>
+            </a:endParaRPr>
           </a:p>
           <a:p>
             <a:pPr>
@@ -14895,7 +12397,7 @@
         <p:spPr>
           <a:xfrm>
             <a:off x="321623" y="418905"/>
-            <a:ext cx="2380460" cy="307777"/>
+            <a:ext cx="2082943" cy="307777"/>
           </a:xfrm>
         </p:spPr>
         <p:txBody>
@@ -14904,9 +12406,9 @@
           <a:p>
             <a:r>
               <a:rPr lang="nb-NO" dirty="0" smtClean="0"/>
-              <a:t>apicontroller</a:t>
-            </a:r>
-            <a:endParaRPr lang="en-US" dirty="0"/>
+              <a:t>Eksempel api</a:t>
+            </a:r>
+            <a:endParaRPr lang="nb-NO" dirty="0"/>
           </a:p>
         </p:txBody>
       </p:sp>
@@ -14929,6 +12431,139 @@
               <a:rPr lang="en-US" smtClean="0"/>
               <a:pPr/>
               <a:t>5</a:t>
+            </a:fld>
+            <a:endParaRPr lang="en-US" dirty="0"/>
+          </a:p>
+        </p:txBody>
+      </p:sp>
+      <p:sp>
+        <p:nvSpPr>
+          <p:cNvPr id="5" name="Rectangle 4"/>
+          <p:cNvSpPr/>
+          <p:nvPr/>
+        </p:nvSpPr>
+        <p:spPr>
+          <a:xfrm>
+            <a:off x="1045778" y="2782669"/>
+            <a:ext cx="7378672" cy="923330"/>
+          </a:xfrm>
+          <a:prstGeom prst="rect">
+            <a:avLst/>
+          </a:prstGeom>
+        </p:spPr>
+        <p:txBody>
+          <a:bodyPr wrap="square">
+            <a:spAutoFit/>
+          </a:bodyPr>
+          <a:lstStyle/>
+          <a:p>
+            <a:r>
+              <a:rPr lang="nb-NO" dirty="0" smtClean="0">
+                <a:hlinkClick r:id="rId3"/>
+              </a:rPr>
+              <a:t>Avinor flyplassdata</a:t>
+            </a:r>
+            <a:endParaRPr lang="nb-NO" dirty="0" smtClean="0"/>
+          </a:p>
+          <a:p>
+            <a:endParaRPr lang="nb-NO" dirty="0"/>
+          </a:p>
+          <a:p>
+            <a:r>
+              <a:rPr lang="nb-NO" dirty="0" smtClean="0"/>
+              <a:t>Samme adresse, men forskjellig verb gir ulik oppførsel</a:t>
+            </a:r>
+            <a:endParaRPr lang="nb-NO" dirty="0"/>
+          </a:p>
+        </p:txBody>
+      </p:sp>
+    </p:spTree>
+    <p:extLst>
+      <p:ext uri="{BB962C8B-B14F-4D97-AF65-F5344CB8AC3E}">
+        <p14:creationId xmlns:p14="http://schemas.microsoft.com/office/powerpoint/2010/main" val="957775253"/>
+      </p:ext>
+    </p:extLst>
+  </p:cSld>
+  <p:clrMapOvr>
+    <a:masterClrMapping/>
+  </p:clrMapOvr>
+  <p:transition>
+    <p:fade thruBlk="1"/>
+  </p:transition>
+  <p:timing>
+    <p:tnLst>
+      <p:par>
+        <p:cTn id="1" dur="indefinite" restart="never" nodeType="tmRoot"/>
+      </p:par>
+    </p:tnLst>
+  </p:timing>
+</p:sld>
+</file>
+
+<file path=ppt/slides/slide6.xml><?xml version="1.0" encoding="utf-8"?>
+<p:sld xmlns:a="http://schemas.openxmlformats.org/drawingml/2006/main" xmlns:r="http://schemas.openxmlformats.org/officeDocument/2006/relationships" xmlns:p="http://schemas.openxmlformats.org/presentationml/2006/main">
+  <p:cSld>
+    <p:spTree>
+      <p:nvGrpSpPr>
+        <p:cNvPr id="1" name=""/>
+        <p:cNvGrpSpPr/>
+        <p:nvPr/>
+      </p:nvGrpSpPr>
+      <p:grpSpPr>
+        <a:xfrm>
+          <a:off x="0" y="0"/>
+          <a:ext cx="0" cy="0"/>
+          <a:chOff x="0" y="0"/>
+          <a:chExt cx="0" cy="0"/>
+        </a:xfrm>
+      </p:grpSpPr>
+      <p:sp>
+        <p:nvSpPr>
+          <p:cNvPr id="2" name="Title 1"/>
+          <p:cNvSpPr>
+            <a:spLocks noGrp="1"/>
+          </p:cNvSpPr>
+          <p:nvPr>
+            <p:ph type="title"/>
+          </p:nvPr>
+        </p:nvSpPr>
+        <p:spPr>
+          <a:xfrm>
+            <a:off x="321623" y="418905"/>
+            <a:ext cx="2380460" cy="307777"/>
+          </a:xfrm>
+        </p:spPr>
+        <p:txBody>
+          <a:bodyPr/>
+          <a:lstStyle/>
+          <a:p>
+            <a:r>
+              <a:rPr lang="nb-NO" dirty="0" smtClean="0"/>
+              <a:t>apicontroller</a:t>
+            </a:r>
+            <a:endParaRPr lang="en-US" dirty="0"/>
+          </a:p>
+        </p:txBody>
+      </p:sp>
+      <p:sp>
+        <p:nvSpPr>
+          <p:cNvPr id="3" name="Slide Number Placeholder 2"/>
+          <p:cNvSpPr>
+            <a:spLocks noGrp="1"/>
+          </p:cNvSpPr>
+          <p:nvPr>
+            <p:ph type="sldNum" sz="quarter" idx="10"/>
+          </p:nvPr>
+        </p:nvSpPr>
+        <p:spPr/>
+        <p:txBody>
+          <a:bodyPr/>
+          <a:lstStyle/>
+          <a:p>
+            <a:fld id="{FF67BF5B-7344-D747-A0C2-CBD7B2ACBC85}" type="slidenum">
+              <a:rPr lang="en-US" smtClean="0"/>
+              <a:pPr/>
+              <a:t>6</a:t>
             </a:fld>
             <a:endParaRPr lang="en-US" dirty="0"/>
           </a:p>
@@ -15676,7 +13311,7 @@
 </p:sld>
 </file>
 
-<file path=ppt/slides/slide6.xml><?xml version="1.0" encoding="utf-8"?>
+<file path=ppt/slides/slide7.xml><?xml version="1.0" encoding="utf-8"?>
 <p:sld xmlns:a="http://schemas.openxmlformats.org/drawingml/2006/main" xmlns:r="http://schemas.openxmlformats.org/officeDocument/2006/relationships" xmlns:p="http://schemas.openxmlformats.org/presentationml/2006/main">
   <p:cSld>
     <p:spTree>
@@ -15811,7 +13446,7 @@
             <a:fld id="{FF67BF5B-7344-D747-A0C2-CBD7B2ACBC85}" type="slidenum">
               <a:rPr lang="en-US" smtClean="0"/>
               <a:pPr/>
-              <a:t>6</a:t>
+              <a:t>7</a:t>
             </a:fld>
             <a:endParaRPr lang="en-US" dirty="0"/>
           </a:p>
@@ -16734,7 +14369,7 @@
         <p:spPr bwMode="auto">
           <a:xfrm>
             <a:off x="6327649" y="3792195"/>
-            <a:ext cx="2096802" cy="276999"/>
+            <a:ext cx="2301344" cy="276999"/>
           </a:xfrm>
           <a:prstGeom prst="rect">
             <a:avLst/>
@@ -16780,1692 +14415,19 @@
                 <a:latin typeface="Consolas" pitchFamily="49" charset="0"/>
                 <a:cs typeface="Consolas" pitchFamily="49" charset="0"/>
               </a:rPr>
-              <a:t>Invoke Controller</a:t>
+              <a:t>Invoke </a:t>
+            </a:r>
+            <a:r>
+              <a:rPr lang="nb-NO" sz="1200" dirty="0" smtClean="0">
+                <a:latin typeface="Consolas" pitchFamily="49" charset="0"/>
+                <a:cs typeface="Consolas" pitchFamily="49" charset="0"/>
+              </a:rPr>
+              <a:t>Controller Action</a:t>
             </a:r>
             <a:endParaRPr kumimoji="0" lang="en-US" sz="1200" b="0" i="0" u="none" strike="noStrike" cap="none" normalizeH="0" baseline="0" dirty="0" smtClean="0">
               <a:ln>
                 <a:noFill/>
               </a:ln>
-              <a:effectLst/>
-              <a:latin typeface="Arial" pitchFamily="34" charset="0"/>
-              <a:cs typeface="Arial" pitchFamily="34" charset="0"/>
-            </a:endParaRPr>
-          </a:p>
-        </p:txBody>
-      </p:sp>
-    </p:spTree>
-  </p:cSld>
-  <p:clrMapOvr>
-    <a:masterClrMapping/>
-  </p:clrMapOvr>
-  <p:transition>
-    <p:fade thruBlk="1"/>
-  </p:transition>
-  <p:timing>
-    <p:tnLst>
-      <p:par>
-        <p:cTn id="1" dur="indefinite" restart="never" nodeType="tmRoot"/>
-      </p:par>
-    </p:tnLst>
-  </p:timing>
-</p:sld>
-</file>
-
-<file path=ppt/slides/slide7.xml><?xml version="1.0" encoding="utf-8"?>
-<p:sld xmlns:a="http://schemas.openxmlformats.org/drawingml/2006/main" xmlns:r="http://schemas.openxmlformats.org/officeDocument/2006/relationships" xmlns:p="http://schemas.openxmlformats.org/presentationml/2006/main">
-  <p:cSld>
-    <p:spTree>
-      <p:nvGrpSpPr>
-        <p:cNvPr id="1" name=""/>
-        <p:cNvGrpSpPr/>
-        <p:nvPr/>
-      </p:nvGrpSpPr>
-      <p:grpSpPr>
-        <a:xfrm>
-          <a:off x="0" y="0"/>
-          <a:ext cx="0" cy="0"/>
-          <a:chOff x="0" y="0"/>
-          <a:chExt cx="0" cy="0"/>
-        </a:xfrm>
-      </p:grpSpPr>
-      <p:sp>
-        <p:nvSpPr>
-          <p:cNvPr id="2" name="Title 1"/>
-          <p:cNvSpPr>
-            <a:spLocks noGrp="1"/>
-          </p:cNvSpPr>
-          <p:nvPr>
-            <p:ph type="title"/>
-          </p:nvPr>
-        </p:nvSpPr>
-        <p:spPr>
-          <a:xfrm>
-            <a:off x="321623" y="418905"/>
-            <a:ext cx="2306722" cy="307777"/>
-          </a:xfrm>
-        </p:spPr>
-        <p:txBody>
-          <a:bodyPr/>
-          <a:lstStyle/>
-          <a:p>
-            <a:r>
-              <a:rPr lang="nb-NO" dirty="0" smtClean="0"/>
-              <a:t>Routing forts</a:t>
-            </a:r>
-            <a:endParaRPr lang="en-US" dirty="0"/>
-          </a:p>
-        </p:txBody>
-      </p:sp>
-      <p:sp>
-        <p:nvSpPr>
-          <p:cNvPr id="3" name="Slide Number Placeholder 2"/>
-          <p:cNvSpPr>
-            <a:spLocks noGrp="1"/>
-          </p:cNvSpPr>
-          <p:nvPr>
-            <p:ph type="sldNum" sz="quarter" idx="10"/>
-          </p:nvPr>
-        </p:nvSpPr>
-        <p:spPr/>
-        <p:txBody>
-          <a:bodyPr/>
-          <a:lstStyle/>
-          <a:p>
-            <a:fld id="{FF67BF5B-7344-D747-A0C2-CBD7B2ACBC85}" type="slidenum">
-              <a:rPr lang="en-US" smtClean="0"/>
-              <a:pPr/>
-              <a:t>7</a:t>
-            </a:fld>
-            <a:endParaRPr lang="en-US" dirty="0"/>
-          </a:p>
-        </p:txBody>
-      </p:sp>
-      <p:sp>
-        <p:nvSpPr>
-          <p:cNvPr id="5" name="Rectangle 1"/>
-          <p:cNvSpPr>
-            <a:spLocks noChangeArrowheads="1"/>
-          </p:cNvSpPr>
-          <p:nvPr/>
-        </p:nvSpPr>
-        <p:spPr bwMode="auto">
-          <a:xfrm>
-            <a:off x="499873" y="1152109"/>
-            <a:ext cx="8231434" cy="1754326"/>
-          </a:xfrm>
-          <a:prstGeom prst="rect">
-            <a:avLst/>
-          </a:prstGeom>
-          <a:solidFill>
-            <a:srgbClr val="FFFFFF"/>
-          </a:solidFill>
-          <a:ln w="9525">
-            <a:solidFill>
-              <a:schemeClr val="accent1"/>
-            </a:solidFill>
-            <a:miter lim="800000"/>
-            <a:headEnd/>
-            <a:tailEnd/>
-          </a:ln>
-          <a:effectLst/>
-        </p:spPr>
-        <p:txBody>
-          <a:bodyPr vert="horz" wrap="square" lIns="91440" tIns="45720" rIns="91440" bIns="45720" numCol="1" anchor="ctr" anchorCtr="0" compatLnSpc="1">
-            <a:prstTxWarp prst="textNoShape">
-              <a:avLst/>
-            </a:prstTxWarp>
-            <a:spAutoFit/>
-          </a:bodyPr>
-          <a:lstStyle/>
-          <a:p>
-            <a:pPr marL="0" marR="0" lvl="0" indent="0" algn="l" defTabSz="914400" rtl="0" eaLnBrk="1" fontAlgn="base" latinLnBrk="0" hangingPunct="1">
-              <a:lnSpc>
-                <a:spcPct val="100000"/>
-              </a:lnSpc>
-              <a:spcBef>
-                <a:spcPct val="0"/>
-              </a:spcBef>
-              <a:spcAft>
-                <a:spcPct val="0"/>
-              </a:spcAft>
-              <a:buClrTx/>
-              <a:buSzTx/>
-              <a:buFontTx/>
-              <a:buNone/>
-              <a:tabLst/>
-            </a:pPr>
-            <a:r>
-              <a:rPr kumimoji="0" lang="en-US" sz="1200" b="0" i="0" u="none" strike="noStrike" cap="none" normalizeH="0" baseline="0" dirty="0" smtClean="0">
-                <a:ln>
-                  <a:noFill/>
-                </a:ln>
-                <a:solidFill>
-                  <a:srgbClr val="0000FF"/>
-                </a:solidFill>
-                <a:effectLst/>
-                <a:latin typeface="Consolas" pitchFamily="49" charset="0"/>
-                <a:cs typeface="Consolas" pitchFamily="49" charset="0"/>
-              </a:rPr>
-              <a:t>public</a:t>
-            </a:r>
-            <a:r>
-              <a:rPr kumimoji="0" lang="en-US" sz="1200" b="0" i="0" u="none" strike="noStrike" cap="none" normalizeH="0" baseline="0" dirty="0" smtClean="0">
-                <a:ln>
-                  <a:noFill/>
-                </a:ln>
-                <a:solidFill>
-                  <a:srgbClr val="000000"/>
-                </a:solidFill>
-                <a:effectLst/>
-                <a:latin typeface="Consolas" pitchFamily="49" charset="0"/>
-                <a:cs typeface="Consolas" pitchFamily="49" charset="0"/>
-              </a:rPr>
-              <a:t> </a:t>
-            </a:r>
-            <a:r>
-              <a:rPr kumimoji="0" lang="en-US" sz="1200" b="0" i="0" u="none" strike="noStrike" cap="none" normalizeH="0" baseline="0" dirty="0" smtClean="0">
-                <a:ln>
-                  <a:noFill/>
-                </a:ln>
-                <a:solidFill>
-                  <a:srgbClr val="0000FF"/>
-                </a:solidFill>
-                <a:effectLst/>
-                <a:latin typeface="Consolas" pitchFamily="49" charset="0"/>
-                <a:cs typeface="Consolas" pitchFamily="49" charset="0"/>
-              </a:rPr>
-              <a:t>class</a:t>
-            </a:r>
-            <a:r>
-              <a:rPr kumimoji="0" lang="en-US" sz="1200" b="0" i="0" u="none" strike="noStrike" cap="none" normalizeH="0" baseline="0" dirty="0" smtClean="0">
-                <a:ln>
-                  <a:noFill/>
-                </a:ln>
-                <a:solidFill>
-                  <a:srgbClr val="000000"/>
-                </a:solidFill>
-                <a:effectLst/>
-                <a:latin typeface="Consolas" pitchFamily="49" charset="0"/>
-                <a:cs typeface="Consolas" pitchFamily="49" charset="0"/>
-              </a:rPr>
-              <a:t> </a:t>
-            </a:r>
-            <a:r>
-              <a:rPr kumimoji="0" lang="en-US" sz="1200" b="0" i="0" u="none" strike="noStrike" cap="none" normalizeH="0" baseline="0" dirty="0" err="1" smtClean="0">
-                <a:ln>
-                  <a:noFill/>
-                </a:ln>
-                <a:solidFill>
-                  <a:srgbClr val="2B91AF"/>
-                </a:solidFill>
-                <a:effectLst/>
-                <a:latin typeface="Consolas" pitchFamily="49" charset="0"/>
-                <a:cs typeface="Consolas" pitchFamily="49" charset="0"/>
-              </a:rPr>
-              <a:t>PersonController</a:t>
-            </a:r>
-            <a:r>
-              <a:rPr kumimoji="0" lang="en-US" sz="1200" b="0" i="0" u="none" strike="noStrike" cap="none" normalizeH="0" baseline="0" dirty="0" smtClean="0">
-                <a:ln>
-                  <a:noFill/>
-                </a:ln>
-                <a:solidFill>
-                  <a:srgbClr val="000000"/>
-                </a:solidFill>
-                <a:effectLst/>
-                <a:latin typeface="Consolas" pitchFamily="49" charset="0"/>
-                <a:cs typeface="Consolas" pitchFamily="49" charset="0"/>
-              </a:rPr>
-              <a:t> : </a:t>
-            </a:r>
-            <a:r>
-              <a:rPr kumimoji="0" lang="en-US" sz="1200" b="0" i="0" u="none" strike="noStrike" cap="none" normalizeH="0" baseline="0" dirty="0" err="1" smtClean="0">
-                <a:ln>
-                  <a:noFill/>
-                </a:ln>
-                <a:solidFill>
-                  <a:srgbClr val="2B91AF"/>
-                </a:solidFill>
-                <a:effectLst/>
-                <a:latin typeface="Consolas" pitchFamily="49" charset="0"/>
-                <a:cs typeface="Consolas" pitchFamily="49" charset="0"/>
-              </a:rPr>
-              <a:t>ApiController</a:t>
-            </a:r>
-            <a:r>
-              <a:rPr kumimoji="0" lang="en-US" sz="1200" b="0" i="0" u="none" strike="noStrike" cap="none" normalizeH="0" baseline="0" dirty="0" smtClean="0">
-                <a:ln>
-                  <a:noFill/>
-                </a:ln>
-                <a:solidFill>
-                  <a:srgbClr val="000000"/>
-                </a:solidFill>
-                <a:effectLst/>
-                <a:latin typeface="Consolas" pitchFamily="49" charset="0"/>
-                <a:cs typeface="Consolas" pitchFamily="49" charset="0"/>
-              </a:rPr>
-              <a:t>     </a:t>
-            </a:r>
-          </a:p>
-          <a:p>
-            <a:pPr marL="0" marR="0" lvl="0" indent="0" algn="l" defTabSz="914400" rtl="0" eaLnBrk="1" fontAlgn="base" latinLnBrk="0" hangingPunct="1">
-              <a:lnSpc>
-                <a:spcPct val="100000"/>
-              </a:lnSpc>
-              <a:spcBef>
-                <a:spcPct val="0"/>
-              </a:spcBef>
-              <a:spcAft>
-                <a:spcPct val="0"/>
-              </a:spcAft>
-              <a:buClrTx/>
-              <a:buSzTx/>
-              <a:buFontTx/>
-              <a:buNone/>
-              <a:tabLst/>
-            </a:pPr>
-            <a:r>
-              <a:rPr kumimoji="0" lang="en-US" sz="1200" b="0" i="0" u="none" strike="noStrike" cap="none" normalizeH="0" baseline="0" dirty="0" smtClean="0">
-                <a:ln>
-                  <a:noFill/>
-                </a:ln>
-                <a:solidFill>
-                  <a:srgbClr val="000000"/>
-                </a:solidFill>
-                <a:effectLst/>
-                <a:latin typeface="Consolas" pitchFamily="49" charset="0"/>
-                <a:cs typeface="Consolas" pitchFamily="49" charset="0"/>
-              </a:rPr>
-              <a:t>{         </a:t>
-            </a:r>
-          </a:p>
-          <a:p>
-            <a:pPr marL="0" marR="0" lvl="0" indent="0" algn="l" defTabSz="914400" rtl="0" eaLnBrk="1" fontAlgn="base" latinLnBrk="0" hangingPunct="1">
-              <a:lnSpc>
-                <a:spcPct val="100000"/>
-              </a:lnSpc>
-              <a:spcBef>
-                <a:spcPct val="0"/>
-              </a:spcBef>
-              <a:spcAft>
-                <a:spcPct val="0"/>
-              </a:spcAft>
-              <a:buClrTx/>
-              <a:buSzTx/>
-              <a:buFontTx/>
-              <a:buNone/>
-              <a:tabLst/>
-            </a:pPr>
-            <a:r>
-              <a:rPr lang="en-US" sz="1200" dirty="0" smtClean="0">
-                <a:solidFill>
-                  <a:srgbClr val="000000"/>
-                </a:solidFill>
-                <a:latin typeface="Consolas" pitchFamily="49" charset="0"/>
-                <a:cs typeface="Consolas" pitchFamily="49" charset="0"/>
-              </a:rPr>
-              <a:t>	</a:t>
-            </a:r>
-            <a:r>
-              <a:rPr kumimoji="0" lang="en-US" sz="1200" b="0" i="0" u="none" strike="noStrike" cap="none" normalizeH="0" baseline="0" dirty="0" smtClean="0">
-                <a:ln>
-                  <a:noFill/>
-                </a:ln>
-                <a:solidFill>
-                  <a:srgbClr val="0000FF"/>
-                </a:solidFill>
-                <a:effectLst/>
-                <a:latin typeface="Consolas" pitchFamily="49" charset="0"/>
-                <a:cs typeface="Consolas" pitchFamily="49" charset="0"/>
-              </a:rPr>
-              <a:t>private</a:t>
-            </a:r>
-            <a:r>
-              <a:rPr kumimoji="0" lang="en-US" sz="1200" b="0" i="0" u="none" strike="noStrike" cap="none" normalizeH="0" baseline="0" dirty="0" smtClean="0">
-                <a:ln>
-                  <a:noFill/>
-                </a:ln>
-                <a:solidFill>
-                  <a:srgbClr val="000000"/>
-                </a:solidFill>
-                <a:effectLst/>
-                <a:latin typeface="Consolas" pitchFamily="49" charset="0"/>
-                <a:cs typeface="Consolas" pitchFamily="49" charset="0"/>
-              </a:rPr>
-              <a:t> </a:t>
-            </a:r>
-            <a:r>
-              <a:rPr kumimoji="0" lang="en-US" sz="1200" b="0" i="0" u="none" strike="noStrike" cap="none" normalizeH="0" baseline="0" dirty="0" err="1" smtClean="0">
-                <a:ln>
-                  <a:noFill/>
-                </a:ln>
-                <a:solidFill>
-                  <a:srgbClr val="2B91AF"/>
-                </a:solidFill>
-                <a:effectLst/>
-                <a:latin typeface="Consolas" pitchFamily="49" charset="0"/>
-                <a:cs typeface="Consolas" pitchFamily="49" charset="0"/>
-              </a:rPr>
-              <a:t>IEnumerable</a:t>
-            </a:r>
-            <a:r>
-              <a:rPr kumimoji="0" lang="en-US" sz="1200" b="0" i="0" u="none" strike="noStrike" cap="none" normalizeH="0" baseline="0" dirty="0" smtClean="0">
-                <a:ln>
-                  <a:noFill/>
-                </a:ln>
-                <a:solidFill>
-                  <a:srgbClr val="000000"/>
-                </a:solidFill>
-                <a:effectLst/>
-                <a:latin typeface="Consolas" pitchFamily="49" charset="0"/>
-                <a:cs typeface="Consolas" pitchFamily="49" charset="0"/>
-              </a:rPr>
-              <a:t>&lt;</a:t>
-            </a:r>
-            <a:r>
-              <a:rPr kumimoji="0" lang="en-US" sz="1200" b="0" i="0" u="none" strike="noStrike" cap="none" normalizeH="0" baseline="0" dirty="0" smtClean="0">
-                <a:ln>
-                  <a:noFill/>
-                </a:ln>
-                <a:solidFill>
-                  <a:srgbClr val="2B91AF"/>
-                </a:solidFill>
-                <a:effectLst/>
-                <a:latin typeface="Consolas" pitchFamily="49" charset="0"/>
-                <a:cs typeface="Consolas" pitchFamily="49" charset="0"/>
-              </a:rPr>
-              <a:t>Person</a:t>
-            </a:r>
-            <a:r>
-              <a:rPr kumimoji="0" lang="en-US" sz="1200" b="0" i="0" u="none" strike="noStrike" cap="none" normalizeH="0" baseline="0" dirty="0" smtClean="0">
-                <a:ln>
-                  <a:noFill/>
-                </a:ln>
-                <a:solidFill>
-                  <a:srgbClr val="000000"/>
-                </a:solidFill>
-                <a:effectLst/>
-                <a:latin typeface="Consolas" pitchFamily="49" charset="0"/>
-                <a:cs typeface="Consolas" pitchFamily="49" charset="0"/>
-              </a:rPr>
-              <a:t>&gt; _persons = </a:t>
-            </a:r>
-            <a:r>
-              <a:rPr kumimoji="0" lang="en-US" sz="1200" b="0" i="0" u="none" strike="noStrike" cap="none" normalizeH="0" baseline="0" dirty="0" smtClean="0">
-                <a:ln>
-                  <a:noFill/>
-                </a:ln>
-                <a:solidFill>
-                  <a:srgbClr val="0000FF"/>
-                </a:solidFill>
-                <a:effectLst/>
-                <a:latin typeface="Consolas" pitchFamily="49" charset="0"/>
-                <a:cs typeface="Consolas" pitchFamily="49" charset="0"/>
-              </a:rPr>
-              <a:t>new</a:t>
-            </a:r>
-            <a:r>
-              <a:rPr kumimoji="0" lang="en-US" sz="1200" b="0" i="0" u="none" strike="noStrike" cap="none" normalizeH="0" baseline="0" dirty="0" smtClean="0">
-                <a:ln>
-                  <a:noFill/>
-                </a:ln>
-                <a:solidFill>
-                  <a:srgbClr val="000000"/>
-                </a:solidFill>
-                <a:effectLst/>
-                <a:latin typeface="Consolas" pitchFamily="49" charset="0"/>
-                <a:cs typeface="Consolas" pitchFamily="49" charset="0"/>
-              </a:rPr>
-              <a:t> </a:t>
-            </a:r>
-            <a:r>
-              <a:rPr kumimoji="0" lang="en-US" sz="1200" b="0" i="0" u="none" strike="noStrike" cap="none" normalizeH="0" baseline="0" dirty="0" smtClean="0">
-                <a:ln>
-                  <a:noFill/>
-                </a:ln>
-                <a:solidFill>
-                  <a:srgbClr val="2B91AF"/>
-                </a:solidFill>
-                <a:effectLst/>
-                <a:latin typeface="Consolas" pitchFamily="49" charset="0"/>
-                <a:cs typeface="Consolas" pitchFamily="49" charset="0"/>
-              </a:rPr>
-              <a:t>List</a:t>
-            </a:r>
-            <a:r>
-              <a:rPr kumimoji="0" lang="en-US" sz="1200" b="0" i="0" u="none" strike="noStrike" cap="none" normalizeH="0" baseline="0" dirty="0" smtClean="0">
-                <a:ln>
-                  <a:noFill/>
-                </a:ln>
-                <a:solidFill>
-                  <a:srgbClr val="000000"/>
-                </a:solidFill>
-                <a:effectLst/>
-                <a:latin typeface="Consolas" pitchFamily="49" charset="0"/>
-                <a:cs typeface="Consolas" pitchFamily="49" charset="0"/>
-              </a:rPr>
-              <a:t>&lt;</a:t>
-            </a:r>
-            <a:r>
-              <a:rPr kumimoji="0" lang="en-US" sz="1200" b="0" i="0" u="none" strike="noStrike" cap="none" normalizeH="0" baseline="0" dirty="0" smtClean="0">
-                <a:ln>
-                  <a:noFill/>
-                </a:ln>
-                <a:solidFill>
-                  <a:srgbClr val="2B91AF"/>
-                </a:solidFill>
-                <a:effectLst/>
-                <a:latin typeface="Consolas" pitchFamily="49" charset="0"/>
-                <a:cs typeface="Consolas" pitchFamily="49" charset="0"/>
-              </a:rPr>
-              <a:t>Person</a:t>
-            </a:r>
-            <a:r>
-              <a:rPr kumimoji="0" lang="en-US" sz="1200" b="0" i="0" u="none" strike="noStrike" cap="none" normalizeH="0" baseline="0" dirty="0" smtClean="0">
-                <a:ln>
-                  <a:noFill/>
-                </a:ln>
-                <a:solidFill>
-                  <a:srgbClr val="000000"/>
-                </a:solidFill>
-                <a:effectLst/>
-                <a:latin typeface="Consolas" pitchFamily="49" charset="0"/>
-                <a:cs typeface="Consolas" pitchFamily="49" charset="0"/>
-              </a:rPr>
-              <a:t>&gt;();         </a:t>
-            </a:r>
-          </a:p>
-          <a:p>
-            <a:pPr marL="0" marR="0" lvl="0" indent="0" algn="l" defTabSz="914400" rtl="0" eaLnBrk="1" fontAlgn="base" latinLnBrk="0" hangingPunct="1">
-              <a:lnSpc>
-                <a:spcPct val="100000"/>
-              </a:lnSpc>
-              <a:spcBef>
-                <a:spcPct val="0"/>
-              </a:spcBef>
-              <a:spcAft>
-                <a:spcPct val="0"/>
-              </a:spcAft>
-              <a:buClrTx/>
-              <a:buSzTx/>
-              <a:buFontTx/>
-              <a:buNone/>
-              <a:tabLst/>
-            </a:pPr>
-            <a:r>
-              <a:rPr kumimoji="0" lang="en-US" sz="1200" b="0" i="0" u="none" strike="noStrike" cap="none" normalizeH="0" baseline="0" dirty="0" smtClean="0">
-                <a:ln>
-                  <a:noFill/>
-                </a:ln>
-                <a:solidFill>
-                  <a:srgbClr val="0000FF"/>
-                </a:solidFill>
-                <a:effectLst/>
-                <a:latin typeface="Consolas" pitchFamily="49" charset="0"/>
-                <a:cs typeface="Consolas" pitchFamily="49" charset="0"/>
-              </a:rPr>
-              <a:t>	</a:t>
-            </a:r>
-          </a:p>
-          <a:p>
-            <a:pPr marL="0" marR="0" lvl="0" indent="0" algn="l" defTabSz="914400" rtl="0" eaLnBrk="1" fontAlgn="base" latinLnBrk="0" hangingPunct="1">
-              <a:lnSpc>
-                <a:spcPct val="100000"/>
-              </a:lnSpc>
-              <a:spcBef>
-                <a:spcPct val="0"/>
-              </a:spcBef>
-              <a:spcAft>
-                <a:spcPct val="0"/>
-              </a:spcAft>
-              <a:buClrTx/>
-              <a:buSzTx/>
-              <a:buFontTx/>
-              <a:buNone/>
-              <a:tabLst/>
-            </a:pPr>
-            <a:r>
-              <a:rPr lang="en-US" sz="1200" dirty="0" smtClean="0">
-                <a:solidFill>
-                  <a:srgbClr val="0000FF"/>
-                </a:solidFill>
-                <a:latin typeface="Consolas" pitchFamily="49" charset="0"/>
-                <a:cs typeface="Consolas" pitchFamily="49" charset="0"/>
-              </a:rPr>
-              <a:t>	</a:t>
-            </a:r>
-            <a:r>
-              <a:rPr kumimoji="0" lang="en-US" sz="1200" b="0" i="0" u="none" strike="noStrike" cap="none" normalizeH="0" baseline="0" dirty="0" smtClean="0">
-                <a:ln>
-                  <a:noFill/>
-                </a:ln>
-                <a:solidFill>
-                  <a:srgbClr val="0000FF"/>
-                </a:solidFill>
-                <a:effectLst/>
-                <a:latin typeface="Consolas" pitchFamily="49" charset="0"/>
-                <a:cs typeface="Consolas" pitchFamily="49" charset="0"/>
-              </a:rPr>
-              <a:t>public</a:t>
-            </a:r>
-            <a:r>
-              <a:rPr kumimoji="0" lang="en-US" sz="1200" b="0" i="0" u="none" strike="noStrike" cap="none" normalizeH="0" baseline="0" dirty="0" smtClean="0">
-                <a:ln>
-                  <a:noFill/>
-                </a:ln>
-                <a:solidFill>
-                  <a:srgbClr val="000000"/>
-                </a:solidFill>
-                <a:effectLst/>
-                <a:latin typeface="Consolas" pitchFamily="49" charset="0"/>
-                <a:cs typeface="Consolas" pitchFamily="49" charset="0"/>
-              </a:rPr>
-              <a:t> </a:t>
-            </a:r>
-            <a:r>
-              <a:rPr kumimoji="0" lang="en-US" sz="1200" b="0" i="0" u="none" strike="noStrike" cap="none" normalizeH="0" baseline="0" dirty="0" err="1" smtClean="0">
-                <a:ln>
-                  <a:noFill/>
-                </a:ln>
-                <a:solidFill>
-                  <a:srgbClr val="2B91AF"/>
-                </a:solidFill>
-                <a:effectLst/>
-                <a:latin typeface="Consolas" pitchFamily="49" charset="0"/>
-                <a:cs typeface="Consolas" pitchFamily="49" charset="0"/>
-              </a:rPr>
-              <a:t>IEnumerable</a:t>
-            </a:r>
-            <a:r>
-              <a:rPr kumimoji="0" lang="en-US" sz="1200" b="0" i="0" u="none" strike="noStrike" cap="none" normalizeH="0" baseline="0" dirty="0" smtClean="0">
-                <a:ln>
-                  <a:noFill/>
-                </a:ln>
-                <a:solidFill>
-                  <a:srgbClr val="000000"/>
-                </a:solidFill>
-                <a:effectLst/>
-                <a:latin typeface="Consolas" pitchFamily="49" charset="0"/>
-                <a:cs typeface="Consolas" pitchFamily="49" charset="0"/>
-              </a:rPr>
-              <a:t>&lt;</a:t>
-            </a:r>
-            <a:r>
-              <a:rPr kumimoji="0" lang="en-US" sz="1200" b="0" i="0" u="none" strike="noStrike" cap="none" normalizeH="0" baseline="0" dirty="0" smtClean="0">
-                <a:ln>
-                  <a:noFill/>
-                </a:ln>
-                <a:solidFill>
-                  <a:srgbClr val="2B91AF"/>
-                </a:solidFill>
-                <a:effectLst/>
-                <a:latin typeface="Consolas" pitchFamily="49" charset="0"/>
-                <a:cs typeface="Consolas" pitchFamily="49" charset="0"/>
-              </a:rPr>
-              <a:t>Person</a:t>
-            </a:r>
-            <a:r>
-              <a:rPr kumimoji="0" lang="en-US" sz="1200" b="0" i="0" u="none" strike="noStrike" cap="none" normalizeH="0" baseline="0" dirty="0" smtClean="0">
-                <a:ln>
-                  <a:noFill/>
-                </a:ln>
-                <a:solidFill>
-                  <a:srgbClr val="000000"/>
-                </a:solidFill>
-                <a:effectLst/>
-                <a:latin typeface="Consolas" pitchFamily="49" charset="0"/>
-                <a:cs typeface="Consolas" pitchFamily="49" charset="0"/>
-              </a:rPr>
-              <a:t>&gt; Get()         </a:t>
-            </a:r>
-          </a:p>
-          <a:p>
-            <a:pPr marL="0" marR="0" lvl="0" indent="0" algn="l" defTabSz="914400" rtl="0" eaLnBrk="1" fontAlgn="base" latinLnBrk="0" hangingPunct="1">
-              <a:lnSpc>
-                <a:spcPct val="100000"/>
-              </a:lnSpc>
-              <a:spcBef>
-                <a:spcPct val="0"/>
-              </a:spcBef>
-              <a:spcAft>
-                <a:spcPct val="0"/>
-              </a:spcAft>
-              <a:buClrTx/>
-              <a:buSzTx/>
-              <a:buFontTx/>
-              <a:buNone/>
-              <a:tabLst/>
-            </a:pPr>
-            <a:r>
-              <a:rPr lang="en-US" sz="1200" dirty="0" smtClean="0">
-                <a:solidFill>
-                  <a:srgbClr val="000000"/>
-                </a:solidFill>
-                <a:latin typeface="Consolas" pitchFamily="49" charset="0"/>
-                <a:cs typeface="Consolas" pitchFamily="49" charset="0"/>
-              </a:rPr>
-              <a:t>	</a:t>
-            </a:r>
-            <a:r>
-              <a:rPr kumimoji="0" lang="en-US" sz="1200" b="0" i="0" u="none" strike="noStrike" cap="none" normalizeH="0" baseline="0" dirty="0" smtClean="0">
-                <a:ln>
-                  <a:noFill/>
-                </a:ln>
-                <a:solidFill>
-                  <a:srgbClr val="000000"/>
-                </a:solidFill>
-                <a:effectLst/>
-                <a:latin typeface="Consolas" pitchFamily="49" charset="0"/>
-                <a:cs typeface="Consolas" pitchFamily="49" charset="0"/>
-              </a:rPr>
-              <a:t>{             </a:t>
-            </a:r>
-          </a:p>
-          <a:p>
-            <a:pPr marL="0" marR="0" lvl="0" indent="0" algn="l" defTabSz="914400" rtl="0" eaLnBrk="1" fontAlgn="base" latinLnBrk="0" hangingPunct="1">
-              <a:lnSpc>
-                <a:spcPct val="100000"/>
-              </a:lnSpc>
-              <a:spcBef>
-                <a:spcPct val="0"/>
-              </a:spcBef>
-              <a:spcAft>
-                <a:spcPct val="0"/>
-              </a:spcAft>
-              <a:buClrTx/>
-              <a:buSzTx/>
-              <a:buFontTx/>
-              <a:buNone/>
-              <a:tabLst/>
-            </a:pPr>
-            <a:r>
-              <a:rPr lang="en-US" sz="1200" dirty="0" smtClean="0">
-                <a:solidFill>
-                  <a:srgbClr val="000000"/>
-                </a:solidFill>
-                <a:latin typeface="Consolas" pitchFamily="49" charset="0"/>
-                <a:cs typeface="Consolas" pitchFamily="49" charset="0"/>
-              </a:rPr>
-              <a:t>		</a:t>
-            </a:r>
-            <a:r>
-              <a:rPr kumimoji="0" lang="en-US" sz="1200" b="0" i="0" u="none" strike="noStrike" cap="none" normalizeH="0" baseline="0" dirty="0" smtClean="0">
-                <a:ln>
-                  <a:noFill/>
-                </a:ln>
-                <a:solidFill>
-                  <a:srgbClr val="0000FF"/>
-                </a:solidFill>
-                <a:effectLst/>
-                <a:latin typeface="Consolas" pitchFamily="49" charset="0"/>
-                <a:cs typeface="Consolas" pitchFamily="49" charset="0"/>
-              </a:rPr>
-              <a:t>return</a:t>
-            </a:r>
-            <a:r>
-              <a:rPr kumimoji="0" lang="en-US" sz="1200" b="0" i="0" u="none" strike="noStrike" cap="none" normalizeH="0" baseline="0" dirty="0" smtClean="0">
-                <a:ln>
-                  <a:noFill/>
-                </a:ln>
-                <a:solidFill>
-                  <a:srgbClr val="000000"/>
-                </a:solidFill>
-                <a:effectLst/>
-                <a:latin typeface="Consolas" pitchFamily="49" charset="0"/>
-                <a:cs typeface="Consolas" pitchFamily="49" charset="0"/>
-              </a:rPr>
-              <a:t> _persons;         </a:t>
-            </a:r>
-          </a:p>
-          <a:p>
-            <a:pPr marL="0" marR="0" lvl="0" indent="0" algn="l" defTabSz="914400" rtl="0" eaLnBrk="1" fontAlgn="base" latinLnBrk="0" hangingPunct="1">
-              <a:lnSpc>
-                <a:spcPct val="100000"/>
-              </a:lnSpc>
-              <a:spcBef>
-                <a:spcPct val="0"/>
-              </a:spcBef>
-              <a:spcAft>
-                <a:spcPct val="0"/>
-              </a:spcAft>
-              <a:buClrTx/>
-              <a:buSzTx/>
-              <a:buFontTx/>
-              <a:buNone/>
-              <a:tabLst/>
-            </a:pPr>
-            <a:r>
-              <a:rPr lang="en-US" sz="1200" dirty="0" smtClean="0">
-                <a:solidFill>
-                  <a:srgbClr val="000000"/>
-                </a:solidFill>
-                <a:latin typeface="Consolas" pitchFamily="49" charset="0"/>
-                <a:cs typeface="Consolas" pitchFamily="49" charset="0"/>
-              </a:rPr>
-              <a:t>	</a:t>
-            </a:r>
-            <a:r>
-              <a:rPr kumimoji="0" lang="en-US" sz="1200" b="0" i="0" u="none" strike="noStrike" cap="none" normalizeH="0" baseline="0" dirty="0" smtClean="0">
-                <a:ln>
-                  <a:noFill/>
-                </a:ln>
-                <a:solidFill>
-                  <a:srgbClr val="000000"/>
-                </a:solidFill>
-                <a:effectLst/>
-                <a:latin typeface="Consolas" pitchFamily="49" charset="0"/>
-                <a:cs typeface="Consolas" pitchFamily="49" charset="0"/>
-              </a:rPr>
-              <a:t>}     </a:t>
-            </a:r>
-          </a:p>
-          <a:p>
-            <a:pPr marL="0" marR="0" lvl="0" indent="0" algn="l" defTabSz="914400" rtl="0" eaLnBrk="1" fontAlgn="base" latinLnBrk="0" hangingPunct="1">
-              <a:lnSpc>
-                <a:spcPct val="100000"/>
-              </a:lnSpc>
-              <a:spcBef>
-                <a:spcPct val="0"/>
-              </a:spcBef>
-              <a:spcAft>
-                <a:spcPct val="0"/>
-              </a:spcAft>
-              <a:buClrTx/>
-              <a:buSzTx/>
-              <a:buFontTx/>
-              <a:buNone/>
-              <a:tabLst/>
-            </a:pPr>
-            <a:r>
-              <a:rPr kumimoji="0" lang="en-US" sz="1200" b="0" i="0" u="none" strike="noStrike" cap="none" normalizeH="0" baseline="0" dirty="0" smtClean="0">
-                <a:ln>
-                  <a:noFill/>
-                </a:ln>
-                <a:solidFill>
-                  <a:srgbClr val="000000"/>
-                </a:solidFill>
-                <a:effectLst/>
-                <a:latin typeface="Consolas" pitchFamily="49" charset="0"/>
-                <a:cs typeface="Consolas" pitchFamily="49" charset="0"/>
-              </a:rPr>
-              <a:t>}</a:t>
-            </a:r>
-            <a:endParaRPr kumimoji="0" lang="en-US" sz="1200" b="0" i="0" u="none" strike="noStrike" cap="none" normalizeH="0" baseline="0" dirty="0" smtClean="0">
-              <a:ln>
-                <a:noFill/>
-              </a:ln>
-              <a:solidFill>
-                <a:schemeClr val="tx1"/>
-              </a:solidFill>
-              <a:effectLst/>
-              <a:latin typeface="Arial" pitchFamily="34" charset="0"/>
-              <a:cs typeface="Arial" pitchFamily="34" charset="0"/>
-            </a:endParaRPr>
-          </a:p>
-        </p:txBody>
-      </p:sp>
-      <p:sp>
-        <p:nvSpPr>
-          <p:cNvPr id="32769" name="Rectangle 1"/>
-          <p:cNvSpPr>
-            <a:spLocks noChangeArrowheads="1"/>
-          </p:cNvSpPr>
-          <p:nvPr/>
-        </p:nvSpPr>
-        <p:spPr bwMode="auto">
-          <a:xfrm>
-            <a:off x="0" y="43934"/>
-            <a:ext cx="184731" cy="369332"/>
-          </a:xfrm>
-          <a:prstGeom prst="rect">
-            <a:avLst/>
-          </a:prstGeom>
-          <a:solidFill>
-            <a:srgbClr val="FFFFFF"/>
-          </a:solidFill>
-          <a:ln w="9525">
-            <a:noFill/>
-            <a:miter lim="800000"/>
-            <a:headEnd/>
-            <a:tailEnd/>
-          </a:ln>
-          <a:effectLst/>
-        </p:spPr>
-        <p:txBody>
-          <a:bodyPr vert="horz" wrap="none" lIns="91440" tIns="45720" rIns="91440" bIns="45720" numCol="1" anchor="ctr" anchorCtr="0" compatLnSpc="1">
-            <a:prstTxWarp prst="textNoShape">
-              <a:avLst/>
-            </a:prstTxWarp>
-            <a:spAutoFit/>
-          </a:bodyPr>
-          <a:lstStyle/>
-          <a:p>
-            <a:pPr marL="0" marR="0" lvl="0" indent="0" algn="l" defTabSz="914400" rtl="0" eaLnBrk="1" fontAlgn="base" latinLnBrk="0" hangingPunct="1">
-              <a:lnSpc>
-                <a:spcPct val="100000"/>
-              </a:lnSpc>
-              <a:spcBef>
-                <a:spcPct val="0"/>
-              </a:spcBef>
-              <a:spcAft>
-                <a:spcPct val="0"/>
-              </a:spcAft>
-              <a:buClrTx/>
-              <a:buSzTx/>
-              <a:buFontTx/>
-              <a:buNone/>
-              <a:tabLst/>
-            </a:pPr>
-            <a:endParaRPr kumimoji="0" lang="en-US" sz="1800" b="0" i="0" u="none" strike="noStrike" cap="none" normalizeH="0" baseline="0" dirty="0" smtClean="0">
-              <a:ln>
-                <a:noFill/>
-              </a:ln>
-              <a:solidFill>
-                <a:schemeClr val="tx1"/>
-              </a:solidFill>
-              <a:effectLst/>
-              <a:latin typeface="Arial" pitchFamily="34" charset="0"/>
-              <a:cs typeface="Arial" pitchFamily="34" charset="0"/>
-            </a:endParaRPr>
-          </a:p>
-        </p:txBody>
-      </p:sp>
-      <p:sp>
-        <p:nvSpPr>
-          <p:cNvPr id="7" name="Rectangle 1"/>
-          <p:cNvSpPr>
-            <a:spLocks noChangeArrowheads="1"/>
-          </p:cNvSpPr>
-          <p:nvPr/>
-        </p:nvSpPr>
-        <p:spPr bwMode="auto">
-          <a:xfrm>
-            <a:off x="499873" y="3322749"/>
-            <a:ext cx="8231434" cy="1938992"/>
-          </a:xfrm>
-          <a:prstGeom prst="rect">
-            <a:avLst/>
-          </a:prstGeom>
-          <a:solidFill>
-            <a:srgbClr val="FFFFFF"/>
-          </a:solidFill>
-          <a:ln w="9525">
-            <a:solidFill>
-              <a:schemeClr val="accent1"/>
-            </a:solidFill>
-            <a:miter lim="800000"/>
-            <a:headEnd/>
-            <a:tailEnd/>
-          </a:ln>
-          <a:effectLst/>
-        </p:spPr>
-        <p:txBody>
-          <a:bodyPr vert="horz" wrap="square" lIns="91440" tIns="45720" rIns="91440" bIns="45720" numCol="1" anchor="ctr" anchorCtr="0" compatLnSpc="1">
-            <a:prstTxWarp prst="textNoShape">
-              <a:avLst/>
-            </a:prstTxWarp>
-            <a:spAutoFit/>
-          </a:bodyPr>
-          <a:lstStyle/>
-          <a:p>
-            <a:pPr marL="0" marR="0" lvl="0" indent="0" algn="l" defTabSz="914400" rtl="0" eaLnBrk="1" fontAlgn="base" latinLnBrk="0" hangingPunct="1">
-              <a:lnSpc>
-                <a:spcPct val="100000"/>
-              </a:lnSpc>
-              <a:spcBef>
-                <a:spcPct val="0"/>
-              </a:spcBef>
-              <a:spcAft>
-                <a:spcPct val="0"/>
-              </a:spcAft>
-              <a:buClrTx/>
-              <a:buSzTx/>
-              <a:buFontTx/>
-              <a:buNone/>
-              <a:tabLst/>
-            </a:pPr>
-            <a:r>
-              <a:rPr kumimoji="0" lang="en-US" sz="1200" b="0" i="0" u="none" strike="noStrike" cap="none" normalizeH="0" baseline="0" dirty="0" smtClean="0">
-                <a:ln>
-                  <a:noFill/>
-                </a:ln>
-                <a:solidFill>
-                  <a:srgbClr val="0000FF"/>
-                </a:solidFill>
-                <a:effectLst/>
-                <a:latin typeface="Consolas" pitchFamily="49" charset="0"/>
-                <a:cs typeface="Consolas" pitchFamily="49" charset="0"/>
-              </a:rPr>
-              <a:t>public</a:t>
-            </a:r>
-            <a:r>
-              <a:rPr kumimoji="0" lang="en-US" sz="1200" b="0" i="0" u="none" strike="noStrike" cap="none" normalizeH="0" baseline="0" dirty="0" smtClean="0">
-                <a:ln>
-                  <a:noFill/>
-                </a:ln>
-                <a:solidFill>
-                  <a:srgbClr val="000000"/>
-                </a:solidFill>
-                <a:effectLst/>
-                <a:latin typeface="Consolas" pitchFamily="49" charset="0"/>
-                <a:cs typeface="Consolas" pitchFamily="49" charset="0"/>
-              </a:rPr>
-              <a:t> </a:t>
-            </a:r>
-            <a:r>
-              <a:rPr kumimoji="0" lang="en-US" sz="1200" b="0" i="0" u="none" strike="noStrike" cap="none" normalizeH="0" baseline="0" dirty="0" smtClean="0">
-                <a:ln>
-                  <a:noFill/>
-                </a:ln>
-                <a:solidFill>
-                  <a:srgbClr val="0000FF"/>
-                </a:solidFill>
-                <a:effectLst/>
-                <a:latin typeface="Consolas" pitchFamily="49" charset="0"/>
-                <a:cs typeface="Consolas" pitchFamily="49" charset="0"/>
-              </a:rPr>
-              <a:t>class</a:t>
-            </a:r>
-            <a:r>
-              <a:rPr kumimoji="0" lang="en-US" sz="1200" b="0" i="0" u="none" strike="noStrike" cap="none" normalizeH="0" baseline="0" dirty="0" smtClean="0">
-                <a:ln>
-                  <a:noFill/>
-                </a:ln>
-                <a:solidFill>
-                  <a:srgbClr val="000000"/>
-                </a:solidFill>
-                <a:effectLst/>
-                <a:latin typeface="Consolas" pitchFamily="49" charset="0"/>
-                <a:cs typeface="Consolas" pitchFamily="49" charset="0"/>
-              </a:rPr>
-              <a:t> </a:t>
-            </a:r>
-            <a:r>
-              <a:rPr kumimoji="0" lang="en-US" sz="1200" b="0" i="0" u="none" strike="noStrike" cap="none" normalizeH="0" baseline="0" dirty="0" err="1" smtClean="0">
-                <a:ln>
-                  <a:noFill/>
-                </a:ln>
-                <a:solidFill>
-                  <a:srgbClr val="2B91AF"/>
-                </a:solidFill>
-                <a:effectLst/>
-                <a:latin typeface="Consolas" pitchFamily="49" charset="0"/>
-                <a:cs typeface="Consolas" pitchFamily="49" charset="0"/>
-              </a:rPr>
-              <a:t>PersonController</a:t>
-            </a:r>
-            <a:r>
-              <a:rPr kumimoji="0" lang="en-US" sz="1200" b="0" i="0" u="none" strike="noStrike" cap="none" normalizeH="0" baseline="0" dirty="0" smtClean="0">
-                <a:ln>
-                  <a:noFill/>
-                </a:ln>
-                <a:solidFill>
-                  <a:srgbClr val="000000"/>
-                </a:solidFill>
-                <a:effectLst/>
-                <a:latin typeface="Consolas" pitchFamily="49" charset="0"/>
-                <a:cs typeface="Consolas" pitchFamily="49" charset="0"/>
-              </a:rPr>
-              <a:t> : </a:t>
-            </a:r>
-            <a:r>
-              <a:rPr kumimoji="0" lang="en-US" sz="1200" b="0" i="0" u="none" strike="noStrike" cap="none" normalizeH="0" baseline="0" dirty="0" err="1" smtClean="0">
-                <a:ln>
-                  <a:noFill/>
-                </a:ln>
-                <a:solidFill>
-                  <a:srgbClr val="2B91AF"/>
-                </a:solidFill>
-                <a:effectLst/>
-                <a:latin typeface="Consolas" pitchFamily="49" charset="0"/>
-                <a:cs typeface="Consolas" pitchFamily="49" charset="0"/>
-              </a:rPr>
-              <a:t>ApiController</a:t>
-            </a:r>
-            <a:r>
-              <a:rPr kumimoji="0" lang="en-US" sz="1200" b="0" i="0" u="none" strike="noStrike" cap="none" normalizeH="0" baseline="0" dirty="0" smtClean="0">
-                <a:ln>
-                  <a:noFill/>
-                </a:ln>
-                <a:solidFill>
-                  <a:srgbClr val="000000"/>
-                </a:solidFill>
-                <a:effectLst/>
-                <a:latin typeface="Consolas" pitchFamily="49" charset="0"/>
-                <a:cs typeface="Consolas" pitchFamily="49" charset="0"/>
-              </a:rPr>
-              <a:t>     </a:t>
-            </a:r>
-          </a:p>
-          <a:p>
-            <a:pPr marL="0" marR="0" lvl="0" indent="0" algn="l" defTabSz="914400" rtl="0" eaLnBrk="1" fontAlgn="base" latinLnBrk="0" hangingPunct="1">
-              <a:lnSpc>
-                <a:spcPct val="100000"/>
-              </a:lnSpc>
-              <a:spcBef>
-                <a:spcPct val="0"/>
-              </a:spcBef>
-              <a:spcAft>
-                <a:spcPct val="0"/>
-              </a:spcAft>
-              <a:buClrTx/>
-              <a:buSzTx/>
-              <a:buFontTx/>
-              <a:buNone/>
-              <a:tabLst/>
-            </a:pPr>
-            <a:r>
-              <a:rPr kumimoji="0" lang="en-US" sz="1200" b="0" i="0" u="none" strike="noStrike" cap="none" normalizeH="0" baseline="0" dirty="0" smtClean="0">
-                <a:ln>
-                  <a:noFill/>
-                </a:ln>
-                <a:solidFill>
-                  <a:srgbClr val="000000"/>
-                </a:solidFill>
-                <a:effectLst/>
-                <a:latin typeface="Consolas" pitchFamily="49" charset="0"/>
-                <a:cs typeface="Consolas" pitchFamily="49" charset="0"/>
-              </a:rPr>
-              <a:t>{         </a:t>
-            </a:r>
-          </a:p>
-          <a:p>
-            <a:pPr marL="0" marR="0" lvl="0" indent="0" algn="l" defTabSz="914400" rtl="0" eaLnBrk="1" fontAlgn="base" latinLnBrk="0" hangingPunct="1">
-              <a:lnSpc>
-                <a:spcPct val="100000"/>
-              </a:lnSpc>
-              <a:spcBef>
-                <a:spcPct val="0"/>
-              </a:spcBef>
-              <a:spcAft>
-                <a:spcPct val="0"/>
-              </a:spcAft>
-              <a:buClrTx/>
-              <a:buSzTx/>
-              <a:buFontTx/>
-              <a:buNone/>
-              <a:tabLst/>
-            </a:pPr>
-            <a:r>
-              <a:rPr lang="en-US" sz="1200" dirty="0" smtClean="0">
-                <a:solidFill>
-                  <a:srgbClr val="000000"/>
-                </a:solidFill>
-                <a:latin typeface="Consolas" pitchFamily="49" charset="0"/>
-                <a:cs typeface="Consolas" pitchFamily="49" charset="0"/>
-              </a:rPr>
-              <a:t>	</a:t>
-            </a:r>
-            <a:r>
-              <a:rPr kumimoji="0" lang="en-US" sz="1200" b="0" i="0" u="none" strike="noStrike" cap="none" normalizeH="0" baseline="0" dirty="0" smtClean="0">
-                <a:ln>
-                  <a:noFill/>
-                </a:ln>
-                <a:solidFill>
-                  <a:srgbClr val="0000FF"/>
-                </a:solidFill>
-                <a:effectLst/>
-                <a:latin typeface="Consolas" pitchFamily="49" charset="0"/>
-                <a:cs typeface="Consolas" pitchFamily="49" charset="0"/>
-              </a:rPr>
-              <a:t>private</a:t>
-            </a:r>
-            <a:r>
-              <a:rPr kumimoji="0" lang="en-US" sz="1200" b="0" i="0" u="none" strike="noStrike" cap="none" normalizeH="0" baseline="0" dirty="0" smtClean="0">
-                <a:ln>
-                  <a:noFill/>
-                </a:ln>
-                <a:solidFill>
-                  <a:srgbClr val="000000"/>
-                </a:solidFill>
-                <a:effectLst/>
-                <a:latin typeface="Consolas" pitchFamily="49" charset="0"/>
-                <a:cs typeface="Consolas" pitchFamily="49" charset="0"/>
-              </a:rPr>
-              <a:t> </a:t>
-            </a:r>
-            <a:r>
-              <a:rPr kumimoji="0" lang="en-US" sz="1200" b="0" i="0" u="none" strike="noStrike" cap="none" normalizeH="0" baseline="0" dirty="0" err="1" smtClean="0">
-                <a:ln>
-                  <a:noFill/>
-                </a:ln>
-                <a:solidFill>
-                  <a:srgbClr val="2B91AF"/>
-                </a:solidFill>
-                <a:effectLst/>
-                <a:latin typeface="Consolas" pitchFamily="49" charset="0"/>
-                <a:cs typeface="Consolas" pitchFamily="49" charset="0"/>
-              </a:rPr>
-              <a:t>IEnumerable</a:t>
-            </a:r>
-            <a:r>
-              <a:rPr kumimoji="0" lang="en-US" sz="1200" b="0" i="0" u="none" strike="noStrike" cap="none" normalizeH="0" baseline="0" dirty="0" smtClean="0">
-                <a:ln>
-                  <a:noFill/>
-                </a:ln>
-                <a:solidFill>
-                  <a:srgbClr val="000000"/>
-                </a:solidFill>
-                <a:effectLst/>
-                <a:latin typeface="Consolas" pitchFamily="49" charset="0"/>
-                <a:cs typeface="Consolas" pitchFamily="49" charset="0"/>
-              </a:rPr>
-              <a:t>&lt;</a:t>
-            </a:r>
-            <a:r>
-              <a:rPr kumimoji="0" lang="en-US" sz="1200" b="0" i="0" u="none" strike="noStrike" cap="none" normalizeH="0" baseline="0" dirty="0" smtClean="0">
-                <a:ln>
-                  <a:noFill/>
-                </a:ln>
-                <a:solidFill>
-                  <a:srgbClr val="2B91AF"/>
-                </a:solidFill>
-                <a:effectLst/>
-                <a:latin typeface="Consolas" pitchFamily="49" charset="0"/>
-                <a:cs typeface="Consolas" pitchFamily="49" charset="0"/>
-              </a:rPr>
-              <a:t>Person</a:t>
-            </a:r>
-            <a:r>
-              <a:rPr kumimoji="0" lang="en-US" sz="1200" b="0" i="0" u="none" strike="noStrike" cap="none" normalizeH="0" baseline="0" dirty="0" smtClean="0">
-                <a:ln>
-                  <a:noFill/>
-                </a:ln>
-                <a:solidFill>
-                  <a:srgbClr val="000000"/>
-                </a:solidFill>
-                <a:effectLst/>
-                <a:latin typeface="Consolas" pitchFamily="49" charset="0"/>
-                <a:cs typeface="Consolas" pitchFamily="49" charset="0"/>
-              </a:rPr>
-              <a:t>&gt; _persons = </a:t>
-            </a:r>
-            <a:r>
-              <a:rPr kumimoji="0" lang="en-US" sz="1200" b="0" i="0" u="none" strike="noStrike" cap="none" normalizeH="0" baseline="0" dirty="0" smtClean="0">
-                <a:ln>
-                  <a:noFill/>
-                </a:ln>
-                <a:solidFill>
-                  <a:srgbClr val="0000FF"/>
-                </a:solidFill>
-                <a:effectLst/>
-                <a:latin typeface="Consolas" pitchFamily="49" charset="0"/>
-                <a:cs typeface="Consolas" pitchFamily="49" charset="0"/>
-              </a:rPr>
-              <a:t>new</a:t>
-            </a:r>
-            <a:r>
-              <a:rPr kumimoji="0" lang="en-US" sz="1200" b="0" i="0" u="none" strike="noStrike" cap="none" normalizeH="0" baseline="0" dirty="0" smtClean="0">
-                <a:ln>
-                  <a:noFill/>
-                </a:ln>
-                <a:solidFill>
-                  <a:srgbClr val="000000"/>
-                </a:solidFill>
-                <a:effectLst/>
-                <a:latin typeface="Consolas" pitchFamily="49" charset="0"/>
-                <a:cs typeface="Consolas" pitchFamily="49" charset="0"/>
-              </a:rPr>
-              <a:t> </a:t>
-            </a:r>
-            <a:r>
-              <a:rPr kumimoji="0" lang="en-US" sz="1200" b="0" i="0" u="none" strike="noStrike" cap="none" normalizeH="0" baseline="0" dirty="0" smtClean="0">
-                <a:ln>
-                  <a:noFill/>
-                </a:ln>
-                <a:solidFill>
-                  <a:srgbClr val="2B91AF"/>
-                </a:solidFill>
-                <a:effectLst/>
-                <a:latin typeface="Consolas" pitchFamily="49" charset="0"/>
-                <a:cs typeface="Consolas" pitchFamily="49" charset="0"/>
-              </a:rPr>
-              <a:t>List</a:t>
-            </a:r>
-            <a:r>
-              <a:rPr kumimoji="0" lang="en-US" sz="1200" b="0" i="0" u="none" strike="noStrike" cap="none" normalizeH="0" baseline="0" dirty="0" smtClean="0">
-                <a:ln>
-                  <a:noFill/>
-                </a:ln>
-                <a:solidFill>
-                  <a:srgbClr val="000000"/>
-                </a:solidFill>
-                <a:effectLst/>
-                <a:latin typeface="Consolas" pitchFamily="49" charset="0"/>
-                <a:cs typeface="Consolas" pitchFamily="49" charset="0"/>
-              </a:rPr>
-              <a:t>&lt;</a:t>
-            </a:r>
-            <a:r>
-              <a:rPr kumimoji="0" lang="en-US" sz="1200" b="0" i="0" u="none" strike="noStrike" cap="none" normalizeH="0" baseline="0" dirty="0" smtClean="0">
-                <a:ln>
-                  <a:noFill/>
-                </a:ln>
-                <a:solidFill>
-                  <a:srgbClr val="2B91AF"/>
-                </a:solidFill>
-                <a:effectLst/>
-                <a:latin typeface="Consolas" pitchFamily="49" charset="0"/>
-                <a:cs typeface="Consolas" pitchFamily="49" charset="0"/>
-              </a:rPr>
-              <a:t>Person</a:t>
-            </a:r>
-            <a:r>
-              <a:rPr kumimoji="0" lang="en-US" sz="1200" b="0" i="0" u="none" strike="noStrike" cap="none" normalizeH="0" baseline="0" dirty="0" smtClean="0">
-                <a:ln>
-                  <a:noFill/>
-                </a:ln>
-                <a:solidFill>
-                  <a:srgbClr val="000000"/>
-                </a:solidFill>
-                <a:effectLst/>
-                <a:latin typeface="Consolas" pitchFamily="49" charset="0"/>
-                <a:cs typeface="Consolas" pitchFamily="49" charset="0"/>
-              </a:rPr>
-              <a:t>&gt;();         </a:t>
-            </a:r>
-          </a:p>
-          <a:p>
-            <a:pPr marL="0" marR="0" lvl="0" indent="0" algn="l" defTabSz="914400" rtl="0" eaLnBrk="1" fontAlgn="base" latinLnBrk="0" hangingPunct="1">
-              <a:lnSpc>
-                <a:spcPct val="100000"/>
-              </a:lnSpc>
-              <a:spcBef>
-                <a:spcPct val="0"/>
-              </a:spcBef>
-              <a:spcAft>
-                <a:spcPct val="0"/>
-              </a:spcAft>
-              <a:buClrTx/>
-              <a:buSzTx/>
-              <a:buFontTx/>
-              <a:buNone/>
-              <a:tabLst/>
-            </a:pPr>
-            <a:r>
-              <a:rPr kumimoji="0" lang="en-US" sz="1200" b="0" i="0" u="none" strike="noStrike" cap="none" normalizeH="0" baseline="0" dirty="0" smtClean="0">
-                <a:ln>
-                  <a:noFill/>
-                </a:ln>
-                <a:solidFill>
-                  <a:srgbClr val="0000FF"/>
-                </a:solidFill>
-                <a:effectLst/>
-                <a:latin typeface="Consolas" pitchFamily="49" charset="0"/>
-                <a:cs typeface="Consolas" pitchFamily="49" charset="0"/>
-              </a:rPr>
-              <a:t>	</a:t>
-            </a:r>
-          </a:p>
-          <a:p>
-            <a:pPr defTabSz="914400" fontAlgn="base">
-              <a:spcBef>
-                <a:spcPct val="0"/>
-              </a:spcBef>
-              <a:spcAft>
-                <a:spcPct val="0"/>
-              </a:spcAft>
-            </a:pPr>
-            <a:r>
-              <a:rPr lang="en-US" sz="1200" dirty="0" smtClean="0">
-                <a:solidFill>
-                  <a:srgbClr val="000000"/>
-                </a:solidFill>
-                <a:latin typeface="Consolas" pitchFamily="49" charset="0"/>
-                <a:cs typeface="Consolas" pitchFamily="49" charset="0"/>
-              </a:rPr>
-              <a:t> 	[</a:t>
-            </a:r>
-            <a:r>
-              <a:rPr lang="en-US" sz="1200" dirty="0" err="1" smtClean="0">
-                <a:solidFill>
-                  <a:srgbClr val="2B91AF"/>
-                </a:solidFill>
-                <a:latin typeface="Consolas" pitchFamily="49" charset="0"/>
-                <a:cs typeface="Consolas" pitchFamily="49" charset="0"/>
-              </a:rPr>
-              <a:t>HttpGet</a:t>
-            </a:r>
-            <a:r>
-              <a:rPr lang="en-US" sz="1200" dirty="0" smtClean="0">
-                <a:solidFill>
-                  <a:srgbClr val="000000"/>
-                </a:solidFill>
-                <a:latin typeface="Consolas" pitchFamily="49" charset="0"/>
-                <a:cs typeface="Consolas" pitchFamily="49" charset="0"/>
-              </a:rPr>
-              <a:t>] </a:t>
-            </a:r>
-            <a:endParaRPr kumimoji="0" lang="en-US" sz="1200" b="0" i="0" u="none" strike="noStrike" cap="none" normalizeH="0" baseline="0" dirty="0" smtClean="0">
-              <a:ln>
-                <a:noFill/>
-              </a:ln>
-              <a:solidFill>
-                <a:srgbClr val="0000FF"/>
-              </a:solidFill>
-              <a:effectLst/>
-              <a:latin typeface="Consolas" pitchFamily="49" charset="0"/>
-              <a:cs typeface="Consolas" pitchFamily="49" charset="0"/>
-            </a:endParaRPr>
-          </a:p>
-          <a:p>
-            <a:pPr marL="0" marR="0" lvl="0" indent="0" algn="l" defTabSz="914400" rtl="0" eaLnBrk="1" fontAlgn="base" latinLnBrk="0" hangingPunct="1">
-              <a:lnSpc>
-                <a:spcPct val="100000"/>
-              </a:lnSpc>
-              <a:spcBef>
-                <a:spcPct val="0"/>
-              </a:spcBef>
-              <a:spcAft>
-                <a:spcPct val="0"/>
-              </a:spcAft>
-              <a:buClrTx/>
-              <a:buSzTx/>
-              <a:buFontTx/>
-              <a:buNone/>
-              <a:tabLst/>
-            </a:pPr>
-            <a:r>
-              <a:rPr lang="en-US" sz="1200" dirty="0" smtClean="0">
-                <a:solidFill>
-                  <a:srgbClr val="0000FF"/>
-                </a:solidFill>
-                <a:latin typeface="Consolas" pitchFamily="49" charset="0"/>
-                <a:cs typeface="Consolas" pitchFamily="49" charset="0"/>
-              </a:rPr>
-              <a:t>	</a:t>
-            </a:r>
-            <a:r>
-              <a:rPr kumimoji="0" lang="en-US" sz="1200" b="0" i="0" u="none" strike="noStrike" cap="none" normalizeH="0" baseline="0" dirty="0" smtClean="0">
-                <a:ln>
-                  <a:noFill/>
-                </a:ln>
-                <a:solidFill>
-                  <a:srgbClr val="0000FF"/>
-                </a:solidFill>
-                <a:effectLst/>
-                <a:latin typeface="Consolas" pitchFamily="49" charset="0"/>
-                <a:cs typeface="Consolas" pitchFamily="49" charset="0"/>
-              </a:rPr>
-              <a:t>public</a:t>
-            </a:r>
-            <a:r>
-              <a:rPr kumimoji="0" lang="en-US" sz="1200" b="0" i="0" u="none" strike="noStrike" cap="none" normalizeH="0" baseline="0" dirty="0" smtClean="0">
-                <a:ln>
-                  <a:noFill/>
-                </a:ln>
-                <a:solidFill>
-                  <a:srgbClr val="000000"/>
-                </a:solidFill>
-                <a:effectLst/>
-                <a:latin typeface="Consolas" pitchFamily="49" charset="0"/>
-                <a:cs typeface="Consolas" pitchFamily="49" charset="0"/>
-              </a:rPr>
-              <a:t> </a:t>
-            </a:r>
-            <a:r>
-              <a:rPr kumimoji="0" lang="en-US" sz="1200" b="0" i="0" u="none" strike="noStrike" cap="none" normalizeH="0" baseline="0" dirty="0" err="1" smtClean="0">
-                <a:ln>
-                  <a:noFill/>
-                </a:ln>
-                <a:solidFill>
-                  <a:srgbClr val="2B91AF"/>
-                </a:solidFill>
-                <a:effectLst/>
-                <a:latin typeface="Consolas" pitchFamily="49" charset="0"/>
-                <a:cs typeface="Consolas" pitchFamily="49" charset="0"/>
-              </a:rPr>
-              <a:t>IEnumerable</a:t>
-            </a:r>
-            <a:r>
-              <a:rPr kumimoji="0" lang="en-US" sz="1200" b="0" i="0" u="none" strike="noStrike" cap="none" normalizeH="0" baseline="0" dirty="0" smtClean="0">
-                <a:ln>
-                  <a:noFill/>
-                </a:ln>
-                <a:solidFill>
-                  <a:srgbClr val="000000"/>
-                </a:solidFill>
-                <a:effectLst/>
-                <a:latin typeface="Consolas" pitchFamily="49" charset="0"/>
-                <a:cs typeface="Consolas" pitchFamily="49" charset="0"/>
-              </a:rPr>
-              <a:t>&lt;</a:t>
-            </a:r>
-            <a:r>
-              <a:rPr kumimoji="0" lang="en-US" sz="1200" b="0" i="0" u="none" strike="noStrike" cap="none" normalizeH="0" baseline="0" dirty="0" smtClean="0">
-                <a:ln>
-                  <a:noFill/>
-                </a:ln>
-                <a:solidFill>
-                  <a:srgbClr val="2B91AF"/>
-                </a:solidFill>
-                <a:effectLst/>
-                <a:latin typeface="Consolas" pitchFamily="49" charset="0"/>
-                <a:cs typeface="Consolas" pitchFamily="49" charset="0"/>
-              </a:rPr>
-              <a:t>Person</a:t>
-            </a:r>
-            <a:r>
-              <a:rPr kumimoji="0" lang="en-US" sz="1200" b="0" i="0" u="none" strike="noStrike" cap="none" normalizeH="0" baseline="0" dirty="0" smtClean="0">
-                <a:ln>
-                  <a:noFill/>
-                </a:ln>
-                <a:solidFill>
-                  <a:srgbClr val="000000"/>
-                </a:solidFill>
-                <a:effectLst/>
-                <a:latin typeface="Consolas" pitchFamily="49" charset="0"/>
-                <a:cs typeface="Consolas" pitchFamily="49" charset="0"/>
-              </a:rPr>
-              <a:t>&gt; </a:t>
-            </a:r>
-            <a:r>
-              <a:rPr kumimoji="0" lang="en-US" sz="1200" b="0" i="0" u="none" strike="noStrike" cap="none" normalizeH="0" baseline="0" dirty="0" err="1" smtClean="0">
-                <a:ln>
-                  <a:noFill/>
-                </a:ln>
-                <a:solidFill>
-                  <a:srgbClr val="000000"/>
-                </a:solidFill>
-                <a:effectLst/>
-                <a:latin typeface="Consolas" pitchFamily="49" charset="0"/>
-                <a:cs typeface="Consolas" pitchFamily="49" charset="0"/>
-              </a:rPr>
-              <a:t>FindAll</a:t>
-            </a:r>
-            <a:r>
-              <a:rPr kumimoji="0" lang="en-US" sz="1200" b="0" i="0" u="none" strike="noStrike" cap="none" normalizeH="0" baseline="0" dirty="0" smtClean="0">
-                <a:ln>
-                  <a:noFill/>
-                </a:ln>
-                <a:solidFill>
-                  <a:srgbClr val="000000"/>
-                </a:solidFill>
-                <a:effectLst/>
-                <a:latin typeface="Consolas" pitchFamily="49" charset="0"/>
-                <a:cs typeface="Consolas" pitchFamily="49" charset="0"/>
-              </a:rPr>
-              <a:t>()         </a:t>
-            </a:r>
-          </a:p>
-          <a:p>
-            <a:pPr marL="0" marR="0" lvl="0" indent="0" algn="l" defTabSz="914400" rtl="0" eaLnBrk="1" fontAlgn="base" latinLnBrk="0" hangingPunct="1">
-              <a:lnSpc>
-                <a:spcPct val="100000"/>
-              </a:lnSpc>
-              <a:spcBef>
-                <a:spcPct val="0"/>
-              </a:spcBef>
-              <a:spcAft>
-                <a:spcPct val="0"/>
-              </a:spcAft>
-              <a:buClrTx/>
-              <a:buSzTx/>
-              <a:buFontTx/>
-              <a:buNone/>
-              <a:tabLst/>
-            </a:pPr>
-            <a:r>
-              <a:rPr lang="en-US" sz="1200" dirty="0" smtClean="0">
-                <a:solidFill>
-                  <a:srgbClr val="000000"/>
-                </a:solidFill>
-                <a:latin typeface="Consolas" pitchFamily="49" charset="0"/>
-                <a:cs typeface="Consolas" pitchFamily="49" charset="0"/>
-              </a:rPr>
-              <a:t>	</a:t>
-            </a:r>
-            <a:r>
-              <a:rPr kumimoji="0" lang="en-US" sz="1200" b="0" i="0" u="none" strike="noStrike" cap="none" normalizeH="0" baseline="0" dirty="0" smtClean="0">
-                <a:ln>
-                  <a:noFill/>
-                </a:ln>
-                <a:solidFill>
-                  <a:srgbClr val="000000"/>
-                </a:solidFill>
-                <a:effectLst/>
-                <a:latin typeface="Consolas" pitchFamily="49" charset="0"/>
-                <a:cs typeface="Consolas" pitchFamily="49" charset="0"/>
-              </a:rPr>
-              <a:t>{             </a:t>
-            </a:r>
-          </a:p>
-          <a:p>
-            <a:pPr marL="0" marR="0" lvl="0" indent="0" algn="l" defTabSz="914400" rtl="0" eaLnBrk="1" fontAlgn="base" latinLnBrk="0" hangingPunct="1">
-              <a:lnSpc>
-                <a:spcPct val="100000"/>
-              </a:lnSpc>
-              <a:spcBef>
-                <a:spcPct val="0"/>
-              </a:spcBef>
-              <a:spcAft>
-                <a:spcPct val="0"/>
-              </a:spcAft>
-              <a:buClrTx/>
-              <a:buSzTx/>
-              <a:buFontTx/>
-              <a:buNone/>
-              <a:tabLst/>
-            </a:pPr>
-            <a:r>
-              <a:rPr lang="en-US" sz="1200" dirty="0" smtClean="0">
-                <a:solidFill>
-                  <a:srgbClr val="000000"/>
-                </a:solidFill>
-                <a:latin typeface="Consolas" pitchFamily="49" charset="0"/>
-                <a:cs typeface="Consolas" pitchFamily="49" charset="0"/>
-              </a:rPr>
-              <a:t>		</a:t>
-            </a:r>
-            <a:r>
-              <a:rPr kumimoji="0" lang="en-US" sz="1200" b="0" i="0" u="none" strike="noStrike" cap="none" normalizeH="0" baseline="0" dirty="0" smtClean="0">
-                <a:ln>
-                  <a:noFill/>
-                </a:ln>
-                <a:solidFill>
-                  <a:srgbClr val="0000FF"/>
-                </a:solidFill>
-                <a:effectLst/>
-                <a:latin typeface="Consolas" pitchFamily="49" charset="0"/>
-                <a:cs typeface="Consolas" pitchFamily="49" charset="0"/>
-              </a:rPr>
-              <a:t>return</a:t>
-            </a:r>
-            <a:r>
-              <a:rPr kumimoji="0" lang="en-US" sz="1200" b="0" i="0" u="none" strike="noStrike" cap="none" normalizeH="0" baseline="0" dirty="0" smtClean="0">
-                <a:ln>
-                  <a:noFill/>
-                </a:ln>
-                <a:solidFill>
-                  <a:srgbClr val="000000"/>
-                </a:solidFill>
-                <a:effectLst/>
-                <a:latin typeface="Consolas" pitchFamily="49" charset="0"/>
-                <a:cs typeface="Consolas" pitchFamily="49" charset="0"/>
-              </a:rPr>
-              <a:t> _persons;         </a:t>
-            </a:r>
-          </a:p>
-          <a:p>
-            <a:pPr marL="0" marR="0" lvl="0" indent="0" algn="l" defTabSz="914400" rtl="0" eaLnBrk="1" fontAlgn="base" latinLnBrk="0" hangingPunct="1">
-              <a:lnSpc>
-                <a:spcPct val="100000"/>
-              </a:lnSpc>
-              <a:spcBef>
-                <a:spcPct val="0"/>
-              </a:spcBef>
-              <a:spcAft>
-                <a:spcPct val="0"/>
-              </a:spcAft>
-              <a:buClrTx/>
-              <a:buSzTx/>
-              <a:buFontTx/>
-              <a:buNone/>
-              <a:tabLst/>
-            </a:pPr>
-            <a:r>
-              <a:rPr lang="en-US" sz="1200" dirty="0" smtClean="0">
-                <a:solidFill>
-                  <a:srgbClr val="000000"/>
-                </a:solidFill>
-                <a:latin typeface="Consolas" pitchFamily="49" charset="0"/>
-                <a:cs typeface="Consolas" pitchFamily="49" charset="0"/>
-              </a:rPr>
-              <a:t>	</a:t>
-            </a:r>
-            <a:r>
-              <a:rPr kumimoji="0" lang="en-US" sz="1200" b="0" i="0" u="none" strike="noStrike" cap="none" normalizeH="0" baseline="0" dirty="0" smtClean="0">
-                <a:ln>
-                  <a:noFill/>
-                </a:ln>
-                <a:solidFill>
-                  <a:srgbClr val="000000"/>
-                </a:solidFill>
-                <a:effectLst/>
-                <a:latin typeface="Consolas" pitchFamily="49" charset="0"/>
-                <a:cs typeface="Consolas" pitchFamily="49" charset="0"/>
-              </a:rPr>
-              <a:t>}     </a:t>
-            </a:r>
-          </a:p>
-          <a:p>
-            <a:pPr marL="0" marR="0" lvl="0" indent="0" algn="l" defTabSz="914400" rtl="0" eaLnBrk="1" fontAlgn="base" latinLnBrk="0" hangingPunct="1">
-              <a:lnSpc>
-                <a:spcPct val="100000"/>
-              </a:lnSpc>
-              <a:spcBef>
-                <a:spcPct val="0"/>
-              </a:spcBef>
-              <a:spcAft>
-                <a:spcPct val="0"/>
-              </a:spcAft>
-              <a:buClrTx/>
-              <a:buSzTx/>
-              <a:buFontTx/>
-              <a:buNone/>
-              <a:tabLst/>
-            </a:pPr>
-            <a:r>
-              <a:rPr kumimoji="0" lang="en-US" sz="1200" b="0" i="0" u="none" strike="noStrike" cap="none" normalizeH="0" baseline="0" dirty="0" smtClean="0">
-                <a:ln>
-                  <a:noFill/>
-                </a:ln>
-                <a:solidFill>
-                  <a:srgbClr val="000000"/>
-                </a:solidFill>
-                <a:effectLst/>
-                <a:latin typeface="Consolas" pitchFamily="49" charset="0"/>
-                <a:cs typeface="Consolas" pitchFamily="49" charset="0"/>
-              </a:rPr>
-              <a:t>}</a:t>
-            </a:r>
-            <a:endParaRPr kumimoji="0" lang="en-US" sz="1200" b="0" i="0" u="none" strike="noStrike" cap="none" normalizeH="0" baseline="0" dirty="0" smtClean="0">
-              <a:ln>
-                <a:noFill/>
-              </a:ln>
-              <a:solidFill>
-                <a:schemeClr val="tx1"/>
-              </a:solidFill>
               <a:effectLst/>
               <a:latin typeface="Arial" pitchFamily="34" charset="0"/>
               <a:cs typeface="Arial" pitchFamily="34" charset="0"/>
@@ -18521,7 +14483,7 @@
         <p:spPr>
           <a:xfrm>
             <a:off x="321623" y="418905"/>
-            <a:ext cx="4074513" cy="307777"/>
+            <a:ext cx="2306722" cy="307777"/>
           </a:xfrm>
         </p:spPr>
         <p:txBody>
@@ -18530,7 +14492,7 @@
           <a:p>
             <a:r>
               <a:rPr lang="nb-NO" dirty="0" smtClean="0"/>
-              <a:t>Ninject og asp.net web api</a:t>
+              <a:t>Routing forts</a:t>
             </a:r>
             <a:endParaRPr lang="en-US" dirty="0"/>
           </a:p>
@@ -18562,284 +14524,7 @@
       </p:sp>
       <p:sp>
         <p:nvSpPr>
-          <p:cNvPr id="5" name="TextBox 4"/>
-          <p:cNvSpPr txBox="1"/>
-          <p:nvPr/>
-        </p:nvSpPr>
-        <p:spPr>
-          <a:xfrm>
-            <a:off x="321623" y="4251869"/>
-            <a:ext cx="8102827" cy="830997"/>
-          </a:xfrm>
-          <a:prstGeom prst="rect">
-            <a:avLst/>
-          </a:prstGeom>
-          <a:noFill/>
-          <a:effectLst>
-            <a:outerShdw blurRad="50800" dist="38100" dir="2700000" algn="tl" rotWithShape="0">
-              <a:prstClr val="black">
-                <a:alpha val="40000"/>
-              </a:prstClr>
-            </a:outerShdw>
-          </a:effectLst>
-        </p:spPr>
-        <p:txBody>
-          <a:bodyPr wrap="square" rtlCol="0">
-            <a:spAutoFit/>
-          </a:bodyPr>
-          <a:lstStyle/>
-          <a:p>
-            <a:pPr algn="ctr">
-              <a:spcBef>
-                <a:spcPts val="600"/>
-              </a:spcBef>
-              <a:spcAft>
-                <a:spcPts val="400"/>
-              </a:spcAft>
-            </a:pPr>
-            <a:r>
-              <a:rPr lang="nb-NO" sz="4800" dirty="0" smtClean="0"/>
-              <a:t>DEMO</a:t>
-            </a:r>
-          </a:p>
-        </p:txBody>
-      </p:sp>
-      <p:sp>
-        <p:nvSpPr>
-          <p:cNvPr id="6" name="TextBox 5"/>
-          <p:cNvSpPr txBox="1"/>
-          <p:nvPr/>
-        </p:nvSpPr>
-        <p:spPr>
-          <a:xfrm>
-            <a:off x="321623" y="1397000"/>
-            <a:ext cx="8102827" cy="1615827"/>
-          </a:xfrm>
-          <a:prstGeom prst="rect">
-            <a:avLst/>
-          </a:prstGeom>
-          <a:noFill/>
-        </p:spPr>
-        <p:txBody>
-          <a:bodyPr wrap="square" rtlCol="0">
-            <a:spAutoFit/>
-          </a:bodyPr>
-          <a:lstStyle/>
-          <a:p>
-            <a:pPr marL="342900" indent="-342900">
-              <a:spcBef>
-                <a:spcPts val="600"/>
-              </a:spcBef>
-              <a:spcAft>
-                <a:spcPts val="400"/>
-              </a:spcAft>
-              <a:buAutoNum type="arabicPeriod"/>
-            </a:pPr>
-            <a:r>
-              <a:rPr lang="nb-NO" sz="1400" dirty="0" smtClean="0">
-                <a:latin typeface="Consolas" pitchFamily="49" charset="0"/>
-                <a:cs typeface="Consolas" pitchFamily="49" charset="0"/>
-              </a:rPr>
-              <a:t>Install-Package Ninject.MVC3</a:t>
-            </a:r>
-          </a:p>
-          <a:p>
-            <a:pPr marL="342900" indent="-342900">
-              <a:spcBef>
-                <a:spcPts val="600"/>
-              </a:spcBef>
-              <a:spcAft>
-                <a:spcPts val="400"/>
-              </a:spcAft>
-              <a:buFontTx/>
-              <a:buAutoNum type="arabicPeriod"/>
-            </a:pPr>
-            <a:r>
-              <a:rPr lang="nb-NO" sz="1400" dirty="0" smtClean="0"/>
-              <a:t>Opprett </a:t>
-            </a:r>
-            <a:r>
-              <a:rPr lang="en-US" sz="1400" dirty="0" err="1" smtClean="0">
-                <a:solidFill>
-                  <a:srgbClr val="2B91AF"/>
-                </a:solidFill>
-                <a:latin typeface="Consolas" pitchFamily="49" charset="0"/>
-                <a:cs typeface="Consolas" pitchFamily="49" charset="0"/>
-              </a:rPr>
-              <a:t>NinjectScope</a:t>
-            </a:r>
-            <a:r>
-              <a:rPr lang="en-US" sz="1400" dirty="0" smtClean="0"/>
-              <a:t> </a:t>
-            </a:r>
-            <a:r>
-              <a:rPr lang="nb-NO" sz="1400" dirty="0" smtClean="0"/>
-              <a:t>som implementerer </a:t>
-            </a:r>
-            <a:r>
-              <a:rPr lang="en-US" sz="1400" dirty="0" err="1" smtClean="0">
-                <a:solidFill>
-                  <a:srgbClr val="2B91AF"/>
-                </a:solidFill>
-                <a:latin typeface="Consolas" pitchFamily="49" charset="0"/>
-                <a:cs typeface="Consolas" pitchFamily="49" charset="0"/>
-              </a:rPr>
-              <a:t>IDependencyScope</a:t>
-            </a:r>
-            <a:r>
-              <a:rPr lang="en-US" sz="1400" dirty="0" smtClean="0">
-                <a:latin typeface="Consolas" pitchFamily="49" charset="0"/>
-                <a:cs typeface="Consolas" pitchFamily="49" charset="0"/>
-              </a:rPr>
-              <a:t> </a:t>
-            </a:r>
-            <a:endParaRPr lang="nb-NO" sz="1400" dirty="0" smtClean="0">
-              <a:latin typeface="Consolas" pitchFamily="49" charset="0"/>
-              <a:cs typeface="Consolas" pitchFamily="49" charset="0"/>
-            </a:endParaRPr>
-          </a:p>
-          <a:p>
-            <a:pPr marL="342900" indent="-342900">
-              <a:spcBef>
-                <a:spcPts val="600"/>
-              </a:spcBef>
-              <a:spcAft>
-                <a:spcPts val="400"/>
-              </a:spcAft>
-              <a:buFontTx/>
-              <a:buAutoNum type="arabicPeriod"/>
-            </a:pPr>
-            <a:r>
-              <a:rPr lang="nb-NO" sz="1400" dirty="0" smtClean="0"/>
-              <a:t>Opprett </a:t>
-            </a:r>
-            <a:r>
-              <a:rPr lang="en-US" sz="1400" dirty="0" err="1" smtClean="0">
-                <a:solidFill>
-                  <a:srgbClr val="2B91AF"/>
-                </a:solidFill>
-                <a:latin typeface="Consolas" pitchFamily="49" charset="0"/>
-                <a:cs typeface="Consolas" pitchFamily="49" charset="0"/>
-              </a:rPr>
-              <a:t>NinjectResolver</a:t>
-            </a:r>
-            <a:r>
-              <a:rPr lang="en-US" sz="1400" dirty="0" smtClean="0"/>
-              <a:t> </a:t>
-            </a:r>
-            <a:r>
-              <a:rPr lang="nb-NO" sz="1400" dirty="0" smtClean="0"/>
-              <a:t>som implenterer </a:t>
-            </a:r>
-            <a:r>
-              <a:rPr lang="en-US" sz="1400" dirty="0" err="1" smtClean="0">
-                <a:solidFill>
-                  <a:srgbClr val="2B91AF"/>
-                </a:solidFill>
-                <a:latin typeface="Consolas" pitchFamily="49" charset="0"/>
-                <a:cs typeface="Consolas" pitchFamily="49" charset="0"/>
-              </a:rPr>
-              <a:t>IDependencyResolver</a:t>
-            </a:r>
-            <a:r>
-              <a:rPr lang="en-US" sz="1400" dirty="0" smtClean="0"/>
-              <a:t> </a:t>
-            </a:r>
-            <a:r>
-              <a:rPr lang="nb-NO" sz="1400" dirty="0" smtClean="0"/>
-              <a:t>samt arver fra </a:t>
-            </a:r>
-            <a:r>
-              <a:rPr lang="en-US" sz="1400" dirty="0" err="1" smtClean="0">
-                <a:solidFill>
-                  <a:srgbClr val="2B91AF"/>
-                </a:solidFill>
-                <a:latin typeface="Consolas" pitchFamily="49" charset="0"/>
-                <a:cs typeface="Consolas" pitchFamily="49" charset="0"/>
-              </a:rPr>
-              <a:t>NinjectScope</a:t>
-            </a:r>
-            <a:r>
-              <a:rPr lang="en-US" sz="1400" dirty="0" smtClean="0"/>
-              <a:t> </a:t>
-            </a:r>
-            <a:endParaRPr lang="nb-NO" sz="1400" dirty="0" smtClean="0"/>
-          </a:p>
-          <a:p>
-            <a:pPr marL="342900" indent="-342900">
-              <a:spcBef>
-                <a:spcPts val="600"/>
-              </a:spcBef>
-              <a:spcAft>
-                <a:spcPts val="400"/>
-              </a:spcAft>
-              <a:buFontTx/>
-              <a:buAutoNum type="arabicPeriod"/>
-            </a:pPr>
-            <a:r>
-              <a:rPr lang="nb-NO" sz="1400" dirty="0" smtClean="0"/>
-              <a:t>Registrèr resolveren i </a:t>
-            </a:r>
-            <a:r>
-              <a:rPr lang="en-US" sz="1400" dirty="0" err="1" smtClean="0">
-                <a:solidFill>
-                  <a:srgbClr val="2B91AF"/>
-                </a:solidFill>
-                <a:latin typeface="Consolas" pitchFamily="49" charset="0"/>
-                <a:cs typeface="Consolas" pitchFamily="49" charset="0"/>
-              </a:rPr>
-              <a:t>NinjectWebCommon</a:t>
-            </a:r>
-            <a:r>
-              <a:rPr lang="en-US" sz="1400" dirty="0" smtClean="0">
-                <a:latin typeface="Consolas" pitchFamily="49" charset="0"/>
-                <a:cs typeface="Consolas" pitchFamily="49" charset="0"/>
-              </a:rPr>
-              <a:t> </a:t>
-            </a:r>
-            <a:r>
-              <a:rPr lang="en-US" sz="1400" dirty="0" smtClean="0">
-                <a:cs typeface="Consolas" pitchFamily="49" charset="0"/>
-              </a:rPr>
-              <a:t>I </a:t>
-            </a:r>
-            <a:r>
-              <a:rPr lang="en-US" sz="1400" dirty="0" err="1" smtClean="0">
-                <a:cs typeface="Consolas" pitchFamily="49" charset="0"/>
-              </a:rPr>
-              <a:t>metoden</a:t>
-            </a:r>
-            <a:r>
-              <a:rPr lang="en-US" sz="1400" dirty="0" smtClean="0">
-                <a:latin typeface="Consolas" pitchFamily="49" charset="0"/>
-                <a:cs typeface="Consolas" pitchFamily="49" charset="0"/>
-              </a:rPr>
-              <a:t> </a:t>
-            </a:r>
-            <a:r>
-              <a:rPr lang="en-US" sz="1400" dirty="0" err="1" smtClean="0">
-                <a:latin typeface="Consolas" pitchFamily="49" charset="0"/>
-                <a:cs typeface="Consolas" pitchFamily="49" charset="0"/>
-              </a:rPr>
-              <a:t>CreateKernel</a:t>
-            </a:r>
-            <a:r>
-              <a:rPr lang="en-US" sz="1400" dirty="0" smtClean="0">
-                <a:latin typeface="Consolas" pitchFamily="49" charset="0"/>
-                <a:cs typeface="Consolas" pitchFamily="49" charset="0"/>
-              </a:rPr>
-              <a:t>()</a:t>
-            </a:r>
-            <a:endParaRPr lang="nb-NO" sz="1400" dirty="0" smtClean="0">
-              <a:latin typeface="Consolas" pitchFamily="49" charset="0"/>
-              <a:cs typeface="Consolas" pitchFamily="49" charset="0"/>
-            </a:endParaRPr>
-          </a:p>
-        </p:txBody>
-      </p:sp>
-      <p:sp>
-        <p:nvSpPr>
-          <p:cNvPr id="13313" name="Rectangle 1"/>
+          <p:cNvPr id="5" name="Rectangle 1"/>
           <p:cNvSpPr>
             <a:spLocks noChangeArrowheads="1"/>
           </p:cNvSpPr>
@@ -18847,8 +14532,8 @@
         </p:nvSpPr>
         <p:spPr bwMode="auto">
           <a:xfrm>
-            <a:off x="778933" y="3054826"/>
-            <a:ext cx="7952374" cy="276999"/>
+            <a:off x="499873" y="1152109"/>
+            <a:ext cx="8231434" cy="1754326"/>
           </a:xfrm>
           <a:prstGeom prst="rect">
             <a:avLst/>
@@ -18892,6 +14577,62 @@
               <a:tabLst/>
             </a:pPr>
             <a:r>
+              <a:rPr kumimoji="0" lang="en-US" sz="1200" b="0" i="0" u="none" strike="noStrike" cap="none" normalizeH="0" baseline="0" dirty="0" smtClean="0">
+                <a:ln>
+                  <a:noFill/>
+                </a:ln>
+                <a:solidFill>
+                  <a:srgbClr val="0000FF"/>
+                </a:solidFill>
+                <a:effectLst/>
+                <a:latin typeface="Consolas" pitchFamily="49" charset="0"/>
+                <a:cs typeface="Consolas" pitchFamily="49" charset="0"/>
+              </a:rPr>
+              <a:t>public</a:t>
+            </a:r>
+            <a:r>
+              <a:rPr kumimoji="0" lang="en-US" sz="1200" b="0" i="0" u="none" strike="noStrike" cap="none" normalizeH="0" baseline="0" dirty="0" smtClean="0">
+                <a:ln>
+                  <a:noFill/>
+                </a:ln>
+                <a:solidFill>
+                  <a:srgbClr val="000000"/>
+                </a:solidFill>
+                <a:effectLst/>
+                <a:latin typeface="Consolas" pitchFamily="49" charset="0"/>
+                <a:cs typeface="Consolas" pitchFamily="49" charset="0"/>
+              </a:rPr>
+              <a:t> </a:t>
+            </a:r>
+            <a:r>
+              <a:rPr kumimoji="0" lang="en-US" sz="1200" b="0" i="0" u="none" strike="noStrike" cap="none" normalizeH="0" baseline="0" dirty="0" smtClean="0">
+                <a:ln>
+                  <a:noFill/>
+                </a:ln>
+                <a:solidFill>
+                  <a:srgbClr val="0000FF"/>
+                </a:solidFill>
+                <a:effectLst/>
+                <a:latin typeface="Consolas" pitchFamily="49" charset="0"/>
+                <a:cs typeface="Consolas" pitchFamily="49" charset="0"/>
+              </a:rPr>
+              <a:t>class</a:t>
+            </a:r>
+            <a:r>
+              <a:rPr kumimoji="0" lang="en-US" sz="1200" b="0" i="0" u="none" strike="noStrike" cap="none" normalizeH="0" baseline="0" dirty="0" smtClean="0">
+                <a:ln>
+                  <a:noFill/>
+                </a:ln>
+                <a:solidFill>
+                  <a:srgbClr val="000000"/>
+                </a:solidFill>
+                <a:effectLst/>
+                <a:latin typeface="Consolas" pitchFamily="49" charset="0"/>
+                <a:cs typeface="Consolas" pitchFamily="49" charset="0"/>
+              </a:rPr>
+              <a:t> </a:t>
+            </a:r>
+            <a:r>
               <a:rPr kumimoji="0" lang="en-US" sz="1200" b="0" i="0" u="none" strike="noStrike" cap="none" normalizeH="0" baseline="0" dirty="0" err="1" smtClean="0">
                 <a:ln>
                   <a:noFill/>
@@ -18903,7 +14644,21 @@
                 <a:latin typeface="Consolas" pitchFamily="49" charset="0"/>
                 <a:cs typeface="Consolas" pitchFamily="49" charset="0"/>
               </a:rPr>
-              <a:t>GlobalConfiguration</a:t>
+              <a:t>PersonController</a:t>
+            </a:r>
+            <a:r>
+              <a:rPr kumimoji="0" lang="en-US" sz="1200" b="0" i="0" u="none" strike="noStrike" cap="none" normalizeH="0" baseline="0" dirty="0" smtClean="0">
+                <a:ln>
+                  <a:noFill/>
+                </a:ln>
+                <a:solidFill>
+                  <a:srgbClr val="000000"/>
+                </a:solidFill>
+                <a:effectLst/>
+                <a:latin typeface="Consolas" pitchFamily="49" charset="0"/>
+                <a:cs typeface="Consolas" pitchFamily="49" charset="0"/>
+              </a:rPr>
+              <a:t> : </a:t>
             </a:r>
             <a:r>
               <a:rPr kumimoji="0" lang="en-US" sz="1200" b="0" i="0" u="none" strike="noStrike" cap="none" normalizeH="0" baseline="0" dirty="0" err="1" smtClean="0">
@@ -18911,13 +14666,13 @@
                   <a:noFill/>
                 </a:ln>
                 <a:solidFill>
-                  <a:srgbClr val="000000"/>
+                  <a:srgbClr val="2B91AF"/>
                 </a:solidFill>
                 <a:effectLst/>
                 <a:latin typeface="Consolas" pitchFamily="49" charset="0"/>
                 <a:cs typeface="Consolas" pitchFamily="49" charset="0"/>
               </a:rPr>
-              <a:t>.Configuration.DependencyResolver</a:t>
+              <a:t>ApiController</a:t>
             </a:r>
             <a:r>
               <a:rPr kumimoji="0" lang="en-US" sz="1200" b="0" i="0" u="none" strike="noStrike" cap="none" normalizeH="0" baseline="0" dirty="0" smtClean="0">
@@ -18931,21 +14686,67 @@
                 <a:latin typeface="Consolas" pitchFamily="49" charset="0"/>
                 <a:cs typeface="Consolas" pitchFamily="49" charset="0"/>
               </a:rPr>
-              <a:t> = </a:t>
-            </a:r>
+              <a:t>     </a:t>
+            </a:r>
+          </a:p>
+          <a:p>
+            <a:pPr marL="0" marR="0" lvl="0" indent="0" algn="l" defTabSz="914400" rtl="0" eaLnBrk="1" fontAlgn="base" latinLnBrk="0" hangingPunct="1">
+              <a:lnSpc>
+                <a:spcPct val="100000"/>
+              </a:lnSpc>
+              <a:spcBef>
+                <a:spcPct val="0"/>
+              </a:spcBef>
+              <a:spcAft>
+                <a:spcPct val="0"/>
+              </a:spcAft>
+              <a:buClrTx/>
+              <a:buSzTx/>
+              <a:buFontTx/>
+              <a:buNone/>
+              <a:tabLst/>
+            </a:pPr>
             <a:r>
               <a:rPr kumimoji="0" lang="en-US" sz="1200" b="0" i="0" u="none" strike="noStrike" cap="none" normalizeH="0" baseline="0" dirty="0" smtClean="0">
                 <a:ln>
                   <a:noFill/>
                 </a:ln>
                 <a:solidFill>
-                  <a:srgbClr val="0000FF"/>
+                  <a:srgbClr val="000000"/>
                 </a:solidFill>
                 <a:effectLst/>
                 <a:latin typeface="Consolas" pitchFamily="49" charset="0"/>
                 <a:cs typeface="Consolas" pitchFamily="49" charset="0"/>
               </a:rPr>
-              <a:t>new</a:t>
+              <a:t>{         </a:t>
+            </a:r>
+          </a:p>
+          <a:p>
+            <a:pPr marL="0" marR="0" lvl="0" indent="0" algn="l" defTabSz="914400" rtl="0" eaLnBrk="1" fontAlgn="base" latinLnBrk="0" hangingPunct="1">
+              <a:lnSpc>
+                <a:spcPct val="100000"/>
+              </a:lnSpc>
+              <a:spcBef>
+                <a:spcPct val="0"/>
+              </a:spcBef>
+              <a:spcAft>
+                <a:spcPct val="0"/>
+              </a:spcAft>
+              <a:buClrTx/>
+              <a:buSzTx/>
+              <a:buFontTx/>
+              <a:buNone/>
+              <a:tabLst/>
+            </a:pPr>
+            <a:r>
+              <a:rPr lang="en-US" sz="1200" dirty="0" smtClean="0">
+                <a:solidFill>
+                  <a:srgbClr val="000000"/>
+                </a:solidFill>
+                <a:latin typeface="Consolas" pitchFamily="49" charset="0"/>
+                <a:cs typeface="Consolas" pitchFamily="49" charset="0"/>
+              </a:rPr>
+              <a:t>	</a:t>
             </a:r>
             <a:r>
               <a:rPr kumimoji="0" lang="en-US" sz="1200" b="0" i="0" u="none" strike="noStrike" cap="none" normalizeH="0" baseline="0" dirty="0" smtClean="0">
@@ -18953,6 +14754,20 @@
                   <a:noFill/>
                 </a:ln>
                 <a:solidFill>
+                  <a:srgbClr val="0000FF"/>
+                </a:solidFill>
+                <a:effectLst/>
+                <a:latin typeface="Consolas" pitchFamily="49" charset="0"/>
+                <a:cs typeface="Consolas" pitchFamily="49" charset="0"/>
+              </a:rPr>
+              <a:t>private</a:t>
+            </a:r>
+            <a:r>
+              <a:rPr kumimoji="0" lang="en-US" sz="1200" b="0" i="0" u="none" strike="noStrike" cap="none" normalizeH="0" baseline="0" dirty="0" smtClean="0">
+                <a:ln>
+                  <a:noFill/>
+                </a:ln>
+                <a:solidFill>
                   <a:srgbClr val="000000"/>
                 </a:solidFill>
                 <a:effectLst/>
@@ -18973,7 +14788,7 @@
                 <a:latin typeface="Consolas" pitchFamily="49" charset="0"/>
                 <a:cs typeface="Consolas" pitchFamily="49" charset="0"/>
               </a:rPr>
-              <a:t>NinjectResolver</a:t>
+              <a:t>IEnumerable</a:t>
             </a:r>
             <a:r>
               <a:rPr kumimoji="0" lang="en-US" sz="1200" b="0" i="0" u="none" strike="noStrike" cap="none" normalizeH="0" baseline="0" dirty="0" smtClean="0">
@@ -18987,7 +14802,1304 @@
                 <a:latin typeface="Consolas" pitchFamily="49" charset="0"/>
                 <a:cs typeface="Consolas" pitchFamily="49" charset="0"/>
               </a:rPr>
-              <a:t>(kernel); </a:t>
+              <a:t>&lt;</a:t>
+            </a:r>
+            <a:r>
+              <a:rPr kumimoji="0" lang="en-US" sz="1200" b="0" i="0" u="none" strike="noStrike" cap="none" normalizeH="0" baseline="0" dirty="0" smtClean="0">
+                <a:ln>
+                  <a:noFill/>
+                </a:ln>
+                <a:solidFill>
+                  <a:srgbClr val="2B91AF"/>
+                </a:solidFill>
+                <a:effectLst/>
+                <a:latin typeface="Consolas" pitchFamily="49" charset="0"/>
+                <a:cs typeface="Consolas" pitchFamily="49" charset="0"/>
+              </a:rPr>
+              <a:t>Person</a:t>
+            </a:r>
+            <a:r>
+              <a:rPr kumimoji="0" lang="en-US" sz="1200" b="0" i="0" u="none" strike="noStrike" cap="none" normalizeH="0" baseline="0" dirty="0" smtClean="0">
+                <a:ln>
+                  <a:noFill/>
+                </a:ln>
+                <a:solidFill>
+                  <a:srgbClr val="000000"/>
+                </a:solidFill>
+                <a:effectLst/>
+                <a:latin typeface="Consolas" pitchFamily="49" charset="0"/>
+                <a:cs typeface="Consolas" pitchFamily="49" charset="0"/>
+              </a:rPr>
+              <a:t>&gt; _persons = </a:t>
+            </a:r>
+            <a:r>
+              <a:rPr kumimoji="0" lang="en-US" sz="1200" b="0" i="0" u="none" strike="noStrike" cap="none" normalizeH="0" baseline="0" dirty="0" smtClean="0">
+                <a:ln>
+                  <a:noFill/>
+                </a:ln>
+                <a:solidFill>
+                  <a:srgbClr val="0000FF"/>
+                </a:solidFill>
+                <a:effectLst/>
+                <a:latin typeface="Consolas" pitchFamily="49" charset="0"/>
+                <a:cs typeface="Consolas" pitchFamily="49" charset="0"/>
+              </a:rPr>
+              <a:t>new</a:t>
+            </a:r>
+            <a:r>
+              <a:rPr kumimoji="0" lang="en-US" sz="1200" b="0" i="0" u="none" strike="noStrike" cap="none" normalizeH="0" baseline="0" dirty="0" smtClean="0">
+                <a:ln>
+                  <a:noFill/>
+                </a:ln>
+                <a:solidFill>
+                  <a:srgbClr val="000000"/>
+                </a:solidFill>
+                <a:effectLst/>
+                <a:latin typeface="Consolas" pitchFamily="49" charset="0"/>
+                <a:cs typeface="Consolas" pitchFamily="49" charset="0"/>
+              </a:rPr>
+              <a:t> </a:t>
+            </a:r>
+            <a:r>
+              <a:rPr kumimoji="0" lang="en-US" sz="1200" b="0" i="0" u="none" strike="noStrike" cap="none" normalizeH="0" baseline="0" dirty="0" smtClean="0">
+                <a:ln>
+                  <a:noFill/>
+                </a:ln>
+                <a:solidFill>
+                  <a:srgbClr val="2B91AF"/>
+                </a:solidFill>
+                <a:effectLst/>
+                <a:latin typeface="Consolas" pitchFamily="49" charset="0"/>
+                <a:cs typeface="Consolas" pitchFamily="49" charset="0"/>
+              </a:rPr>
+              <a:t>List</a:t>
+            </a:r>
+            <a:r>
+              <a:rPr kumimoji="0" lang="en-US" sz="1200" b="0" i="0" u="none" strike="noStrike" cap="none" normalizeH="0" baseline="0" dirty="0" smtClean="0">
+                <a:ln>
+                  <a:noFill/>
+                </a:ln>
+                <a:solidFill>
+                  <a:srgbClr val="000000"/>
+                </a:solidFill>
+                <a:effectLst/>
+                <a:latin typeface="Consolas" pitchFamily="49" charset="0"/>
+                <a:cs typeface="Consolas" pitchFamily="49" charset="0"/>
+              </a:rPr>
+              <a:t>&lt;</a:t>
+            </a:r>
+            <a:r>
+              <a:rPr kumimoji="0" lang="en-US" sz="1200" b="0" i="0" u="none" strike="noStrike" cap="none" normalizeH="0" baseline="0" dirty="0" smtClean="0">
+                <a:ln>
+                  <a:noFill/>
+                </a:ln>
+                <a:solidFill>
+                  <a:srgbClr val="2B91AF"/>
+                </a:solidFill>
+                <a:effectLst/>
+                <a:latin typeface="Consolas" pitchFamily="49" charset="0"/>
+                <a:cs typeface="Consolas" pitchFamily="49" charset="0"/>
+              </a:rPr>
+              <a:t>Person</a:t>
+            </a:r>
+            <a:r>
+              <a:rPr kumimoji="0" lang="en-US" sz="1200" b="0" i="0" u="none" strike="noStrike" cap="none" normalizeH="0" baseline="0" dirty="0" smtClean="0">
+                <a:ln>
+                  <a:noFill/>
+                </a:ln>
+                <a:solidFill>
+                  <a:srgbClr val="000000"/>
+                </a:solidFill>
+                <a:effectLst/>
+                <a:latin typeface="Consolas" pitchFamily="49" charset="0"/>
+                <a:cs typeface="Consolas" pitchFamily="49" charset="0"/>
+              </a:rPr>
+              <a:t>&gt;();         </a:t>
+            </a:r>
+          </a:p>
+          <a:p>
+            <a:pPr marL="0" marR="0" lvl="0" indent="0" algn="l" defTabSz="914400" rtl="0" eaLnBrk="1" fontAlgn="base" latinLnBrk="0" hangingPunct="1">
+              <a:lnSpc>
+                <a:spcPct val="100000"/>
+              </a:lnSpc>
+              <a:spcBef>
+                <a:spcPct val="0"/>
+              </a:spcBef>
+              <a:spcAft>
+                <a:spcPct val="0"/>
+              </a:spcAft>
+              <a:buClrTx/>
+              <a:buSzTx/>
+              <a:buFontTx/>
+              <a:buNone/>
+              <a:tabLst/>
+            </a:pPr>
+            <a:r>
+              <a:rPr kumimoji="0" lang="en-US" sz="1200" b="0" i="0" u="none" strike="noStrike" cap="none" normalizeH="0" baseline="0" dirty="0" smtClean="0">
+                <a:ln>
+                  <a:noFill/>
+                </a:ln>
+                <a:solidFill>
+                  <a:srgbClr val="0000FF"/>
+                </a:solidFill>
+                <a:effectLst/>
+                <a:latin typeface="Consolas" pitchFamily="49" charset="0"/>
+                <a:cs typeface="Consolas" pitchFamily="49" charset="0"/>
+              </a:rPr>
+              <a:t>	</a:t>
+            </a:r>
+          </a:p>
+          <a:p>
+            <a:pPr marL="0" marR="0" lvl="0" indent="0" algn="l" defTabSz="914400" rtl="0" eaLnBrk="1" fontAlgn="base" latinLnBrk="0" hangingPunct="1">
+              <a:lnSpc>
+                <a:spcPct val="100000"/>
+              </a:lnSpc>
+              <a:spcBef>
+                <a:spcPct val="0"/>
+              </a:spcBef>
+              <a:spcAft>
+                <a:spcPct val="0"/>
+              </a:spcAft>
+              <a:buClrTx/>
+              <a:buSzTx/>
+              <a:buFontTx/>
+              <a:buNone/>
+              <a:tabLst/>
+            </a:pPr>
+            <a:r>
+              <a:rPr lang="en-US" sz="1200" dirty="0" smtClean="0">
+                <a:solidFill>
+                  <a:srgbClr val="0000FF"/>
+                </a:solidFill>
+                <a:latin typeface="Consolas" pitchFamily="49" charset="0"/>
+                <a:cs typeface="Consolas" pitchFamily="49" charset="0"/>
+              </a:rPr>
+              <a:t>	</a:t>
+            </a:r>
+            <a:r>
+              <a:rPr kumimoji="0" lang="en-US" sz="1200" b="0" i="0" u="none" strike="noStrike" cap="none" normalizeH="0" baseline="0" dirty="0" smtClean="0">
+                <a:ln>
+                  <a:noFill/>
+                </a:ln>
+                <a:solidFill>
+                  <a:srgbClr val="0000FF"/>
+                </a:solidFill>
+                <a:effectLst/>
+                <a:latin typeface="Consolas" pitchFamily="49" charset="0"/>
+                <a:cs typeface="Consolas" pitchFamily="49" charset="0"/>
+              </a:rPr>
+              <a:t>public</a:t>
+            </a:r>
+            <a:r>
+              <a:rPr kumimoji="0" lang="en-US" sz="1200" b="0" i="0" u="none" strike="noStrike" cap="none" normalizeH="0" baseline="0" dirty="0" smtClean="0">
+                <a:ln>
+                  <a:noFill/>
+                </a:ln>
+                <a:solidFill>
+                  <a:srgbClr val="000000"/>
+                </a:solidFill>
+                <a:effectLst/>
+                <a:latin typeface="Consolas" pitchFamily="49" charset="0"/>
+                <a:cs typeface="Consolas" pitchFamily="49" charset="0"/>
+              </a:rPr>
+              <a:t> </a:t>
+            </a:r>
+            <a:r>
+              <a:rPr kumimoji="0" lang="en-US" sz="1200" b="0" i="0" u="none" strike="noStrike" cap="none" normalizeH="0" baseline="0" dirty="0" err="1" smtClean="0">
+                <a:ln>
+                  <a:noFill/>
+                </a:ln>
+                <a:solidFill>
+                  <a:srgbClr val="2B91AF"/>
+                </a:solidFill>
+                <a:effectLst/>
+                <a:latin typeface="Consolas" pitchFamily="49" charset="0"/>
+                <a:cs typeface="Consolas" pitchFamily="49" charset="0"/>
+              </a:rPr>
+              <a:t>IEnumerable</a:t>
+            </a:r>
+            <a:r>
+              <a:rPr kumimoji="0" lang="en-US" sz="1200" b="0" i="0" u="none" strike="noStrike" cap="none" normalizeH="0" baseline="0" dirty="0" smtClean="0">
+                <a:ln>
+                  <a:noFill/>
+                </a:ln>
+                <a:solidFill>
+                  <a:srgbClr val="000000"/>
+                </a:solidFill>
+                <a:effectLst/>
+                <a:latin typeface="Consolas" pitchFamily="49" charset="0"/>
+                <a:cs typeface="Consolas" pitchFamily="49" charset="0"/>
+              </a:rPr>
+              <a:t>&lt;</a:t>
+            </a:r>
+            <a:r>
+              <a:rPr kumimoji="0" lang="en-US" sz="1200" b="0" i="0" u="none" strike="noStrike" cap="none" normalizeH="0" baseline="0" dirty="0" smtClean="0">
+                <a:ln>
+                  <a:noFill/>
+                </a:ln>
+                <a:solidFill>
+                  <a:srgbClr val="2B91AF"/>
+                </a:solidFill>
+                <a:effectLst/>
+                <a:latin typeface="Consolas" pitchFamily="49" charset="0"/>
+                <a:cs typeface="Consolas" pitchFamily="49" charset="0"/>
+              </a:rPr>
+              <a:t>Person</a:t>
+            </a:r>
+            <a:r>
+              <a:rPr kumimoji="0" lang="en-US" sz="1200" b="0" i="0" u="none" strike="noStrike" cap="none" normalizeH="0" baseline="0" dirty="0" smtClean="0">
+                <a:ln>
+                  <a:noFill/>
+                </a:ln>
+                <a:solidFill>
+                  <a:srgbClr val="000000"/>
+                </a:solidFill>
+                <a:effectLst/>
+                <a:latin typeface="Consolas" pitchFamily="49" charset="0"/>
+                <a:cs typeface="Consolas" pitchFamily="49" charset="0"/>
+              </a:rPr>
+              <a:t>&gt; Get()         </a:t>
+            </a:r>
+          </a:p>
+          <a:p>
+            <a:pPr marL="0" marR="0" lvl="0" indent="0" algn="l" defTabSz="914400" rtl="0" eaLnBrk="1" fontAlgn="base" latinLnBrk="0" hangingPunct="1">
+              <a:lnSpc>
+                <a:spcPct val="100000"/>
+              </a:lnSpc>
+              <a:spcBef>
+                <a:spcPct val="0"/>
+              </a:spcBef>
+              <a:spcAft>
+                <a:spcPct val="0"/>
+              </a:spcAft>
+              <a:buClrTx/>
+              <a:buSzTx/>
+              <a:buFontTx/>
+              <a:buNone/>
+              <a:tabLst/>
+            </a:pPr>
+            <a:r>
+              <a:rPr lang="en-US" sz="1200" dirty="0" smtClean="0">
+                <a:solidFill>
+                  <a:srgbClr val="000000"/>
+                </a:solidFill>
+                <a:latin typeface="Consolas" pitchFamily="49" charset="0"/>
+                <a:cs typeface="Consolas" pitchFamily="49" charset="0"/>
+              </a:rPr>
+              <a:t>	</a:t>
+            </a:r>
+            <a:r>
+              <a:rPr kumimoji="0" lang="en-US" sz="1200" b="0" i="0" u="none" strike="noStrike" cap="none" normalizeH="0" baseline="0" dirty="0" smtClean="0">
+                <a:ln>
+                  <a:noFill/>
+                </a:ln>
+                <a:solidFill>
+                  <a:srgbClr val="000000"/>
+                </a:solidFill>
+                <a:effectLst/>
+                <a:latin typeface="Consolas" pitchFamily="49" charset="0"/>
+                <a:cs typeface="Consolas" pitchFamily="49" charset="0"/>
+              </a:rPr>
+              <a:t>{             </a:t>
+            </a:r>
+          </a:p>
+          <a:p>
+            <a:pPr marL="0" marR="0" lvl="0" indent="0" algn="l" defTabSz="914400" rtl="0" eaLnBrk="1" fontAlgn="base" latinLnBrk="0" hangingPunct="1">
+              <a:lnSpc>
+                <a:spcPct val="100000"/>
+              </a:lnSpc>
+              <a:spcBef>
+                <a:spcPct val="0"/>
+              </a:spcBef>
+              <a:spcAft>
+                <a:spcPct val="0"/>
+              </a:spcAft>
+              <a:buClrTx/>
+              <a:buSzTx/>
+              <a:buFontTx/>
+              <a:buNone/>
+              <a:tabLst/>
+            </a:pPr>
+            <a:r>
+              <a:rPr lang="en-US" sz="1200" dirty="0" smtClean="0">
+                <a:solidFill>
+                  <a:srgbClr val="000000"/>
+                </a:solidFill>
+                <a:latin typeface="Consolas" pitchFamily="49" charset="0"/>
+                <a:cs typeface="Consolas" pitchFamily="49" charset="0"/>
+              </a:rPr>
+              <a:t>		</a:t>
+            </a:r>
+            <a:r>
+              <a:rPr kumimoji="0" lang="en-US" sz="1200" b="0" i="0" u="none" strike="noStrike" cap="none" normalizeH="0" baseline="0" dirty="0" smtClean="0">
+                <a:ln>
+                  <a:noFill/>
+                </a:ln>
+                <a:solidFill>
+                  <a:srgbClr val="0000FF"/>
+                </a:solidFill>
+                <a:effectLst/>
+                <a:latin typeface="Consolas" pitchFamily="49" charset="0"/>
+                <a:cs typeface="Consolas" pitchFamily="49" charset="0"/>
+              </a:rPr>
+              <a:t>return</a:t>
+            </a:r>
+            <a:r>
+              <a:rPr kumimoji="0" lang="en-US" sz="1200" b="0" i="0" u="none" strike="noStrike" cap="none" normalizeH="0" baseline="0" dirty="0" smtClean="0">
+                <a:ln>
+                  <a:noFill/>
+                </a:ln>
+                <a:solidFill>
+                  <a:srgbClr val="000000"/>
+                </a:solidFill>
+                <a:effectLst/>
+                <a:latin typeface="Consolas" pitchFamily="49" charset="0"/>
+                <a:cs typeface="Consolas" pitchFamily="49" charset="0"/>
+              </a:rPr>
+              <a:t> _persons;         </a:t>
+            </a:r>
+          </a:p>
+          <a:p>
+            <a:pPr marL="0" marR="0" lvl="0" indent="0" algn="l" defTabSz="914400" rtl="0" eaLnBrk="1" fontAlgn="base" latinLnBrk="0" hangingPunct="1">
+              <a:lnSpc>
+                <a:spcPct val="100000"/>
+              </a:lnSpc>
+              <a:spcBef>
+                <a:spcPct val="0"/>
+              </a:spcBef>
+              <a:spcAft>
+                <a:spcPct val="0"/>
+              </a:spcAft>
+              <a:buClrTx/>
+              <a:buSzTx/>
+              <a:buFontTx/>
+              <a:buNone/>
+              <a:tabLst/>
+            </a:pPr>
+            <a:r>
+              <a:rPr lang="en-US" sz="1200" dirty="0" smtClean="0">
+                <a:solidFill>
+                  <a:srgbClr val="000000"/>
+                </a:solidFill>
+                <a:latin typeface="Consolas" pitchFamily="49" charset="0"/>
+                <a:cs typeface="Consolas" pitchFamily="49" charset="0"/>
+              </a:rPr>
+              <a:t>	</a:t>
+            </a:r>
+            <a:r>
+              <a:rPr kumimoji="0" lang="en-US" sz="1200" b="0" i="0" u="none" strike="noStrike" cap="none" normalizeH="0" baseline="0" dirty="0" smtClean="0">
+                <a:ln>
+                  <a:noFill/>
+                </a:ln>
+                <a:solidFill>
+                  <a:srgbClr val="000000"/>
+                </a:solidFill>
+                <a:effectLst/>
+                <a:latin typeface="Consolas" pitchFamily="49" charset="0"/>
+                <a:cs typeface="Consolas" pitchFamily="49" charset="0"/>
+              </a:rPr>
+              <a:t>}     </a:t>
+            </a:r>
+          </a:p>
+          <a:p>
+            <a:pPr marL="0" marR="0" lvl="0" indent="0" algn="l" defTabSz="914400" rtl="0" eaLnBrk="1" fontAlgn="base" latinLnBrk="0" hangingPunct="1">
+              <a:lnSpc>
+                <a:spcPct val="100000"/>
+              </a:lnSpc>
+              <a:spcBef>
+                <a:spcPct val="0"/>
+              </a:spcBef>
+              <a:spcAft>
+                <a:spcPct val="0"/>
+              </a:spcAft>
+              <a:buClrTx/>
+              <a:buSzTx/>
+              <a:buFontTx/>
+              <a:buNone/>
+              <a:tabLst/>
+            </a:pPr>
+            <a:r>
+              <a:rPr kumimoji="0" lang="en-US" sz="1200" b="0" i="0" u="none" strike="noStrike" cap="none" normalizeH="0" baseline="0" dirty="0" smtClean="0">
+                <a:ln>
+                  <a:noFill/>
+                </a:ln>
+                <a:solidFill>
+                  <a:srgbClr val="000000"/>
+                </a:solidFill>
+                <a:effectLst/>
+                <a:latin typeface="Consolas" pitchFamily="49" charset="0"/>
+                <a:cs typeface="Consolas" pitchFamily="49" charset="0"/>
+              </a:rPr>
+              <a:t>}</a:t>
+            </a:r>
+            <a:endParaRPr kumimoji="0" lang="en-US" sz="1200" b="0" i="0" u="none" strike="noStrike" cap="none" normalizeH="0" baseline="0" dirty="0" smtClean="0">
+              <a:ln>
+                <a:noFill/>
+              </a:ln>
+              <a:solidFill>
+                <a:schemeClr val="tx1"/>
+              </a:solidFill>
+              <a:effectLst/>
+              <a:latin typeface="Arial" pitchFamily="34" charset="0"/>
+              <a:cs typeface="Arial" pitchFamily="34" charset="0"/>
+            </a:endParaRPr>
+          </a:p>
+        </p:txBody>
+      </p:sp>
+      <p:sp>
+        <p:nvSpPr>
+          <p:cNvPr id="32769" name="Rectangle 1"/>
+          <p:cNvSpPr>
+            <a:spLocks noChangeArrowheads="1"/>
+          </p:cNvSpPr>
+          <p:nvPr/>
+        </p:nvSpPr>
+        <p:spPr bwMode="auto">
+          <a:xfrm>
+            <a:off x="0" y="43934"/>
+            <a:ext cx="184731" cy="369332"/>
+          </a:xfrm>
+          <a:prstGeom prst="rect">
+            <a:avLst/>
+          </a:prstGeom>
+          <a:solidFill>
+            <a:srgbClr val="FFFFFF"/>
+          </a:solidFill>
+          <a:ln w="9525">
+            <a:noFill/>
+            <a:miter lim="800000"/>
+            <a:headEnd/>
+            <a:tailEnd/>
+          </a:ln>
+          <a:effectLst/>
+        </p:spPr>
+        <p:txBody>
+          <a:bodyPr vert="horz" wrap="none" lIns="91440" tIns="45720" rIns="91440" bIns="45720" numCol="1" anchor="ctr" anchorCtr="0" compatLnSpc="1">
+            <a:prstTxWarp prst="textNoShape">
+              <a:avLst/>
+            </a:prstTxWarp>
+            <a:spAutoFit/>
+          </a:bodyPr>
+          <a:lstStyle/>
+          <a:p>
+            <a:pPr marL="0" marR="0" lvl="0" indent="0" algn="l" defTabSz="914400" rtl="0" eaLnBrk="1" fontAlgn="base" latinLnBrk="0" hangingPunct="1">
+              <a:lnSpc>
+                <a:spcPct val="100000"/>
+              </a:lnSpc>
+              <a:spcBef>
+                <a:spcPct val="0"/>
+              </a:spcBef>
+              <a:spcAft>
+                <a:spcPct val="0"/>
+              </a:spcAft>
+              <a:buClrTx/>
+              <a:buSzTx/>
+              <a:buFontTx/>
+              <a:buNone/>
+              <a:tabLst/>
+            </a:pPr>
+            <a:endParaRPr kumimoji="0" lang="en-US" sz="1800" b="0" i="0" u="none" strike="noStrike" cap="none" normalizeH="0" baseline="0" dirty="0" smtClean="0">
+              <a:ln>
+                <a:noFill/>
+              </a:ln>
+              <a:solidFill>
+                <a:schemeClr val="tx1"/>
+              </a:solidFill>
+              <a:effectLst/>
+              <a:latin typeface="Arial" pitchFamily="34" charset="0"/>
+              <a:cs typeface="Arial" pitchFamily="34" charset="0"/>
+            </a:endParaRPr>
+          </a:p>
+        </p:txBody>
+      </p:sp>
+      <p:sp>
+        <p:nvSpPr>
+          <p:cNvPr id="7" name="Rectangle 1"/>
+          <p:cNvSpPr>
+            <a:spLocks noChangeArrowheads="1"/>
+          </p:cNvSpPr>
+          <p:nvPr/>
+        </p:nvSpPr>
+        <p:spPr bwMode="auto">
+          <a:xfrm>
+            <a:off x="499873" y="3322749"/>
+            <a:ext cx="8231434" cy="1938992"/>
+          </a:xfrm>
+          <a:prstGeom prst="rect">
+            <a:avLst/>
+          </a:prstGeom>
+          <a:solidFill>
+            <a:srgbClr val="FFFFFF"/>
+          </a:solidFill>
+          <a:ln w="9525">
+            <a:solidFill>
+              <a:schemeClr val="accent1"/>
+            </a:solidFill>
+            <a:miter lim="800000"/>
+            <a:headEnd/>
+            <a:tailEnd/>
+          </a:ln>
+          <a:effectLst/>
+        </p:spPr>
+        <p:txBody>
+          <a:bodyPr vert="horz" wrap="square" lIns="91440" tIns="45720" rIns="91440" bIns="45720" numCol="1" anchor="ctr" anchorCtr="0" compatLnSpc="1">
+            <a:prstTxWarp prst="textNoShape">
+              <a:avLst/>
+            </a:prstTxWarp>
+            <a:spAutoFit/>
+          </a:bodyPr>
+          <a:lstStyle/>
+          <a:p>
+            <a:pPr marL="0" marR="0" lvl="0" indent="0" algn="l" defTabSz="914400" rtl="0" eaLnBrk="1" fontAlgn="base" latinLnBrk="0" hangingPunct="1">
+              <a:lnSpc>
+                <a:spcPct val="100000"/>
+              </a:lnSpc>
+              <a:spcBef>
+                <a:spcPct val="0"/>
+              </a:spcBef>
+              <a:spcAft>
+                <a:spcPct val="0"/>
+              </a:spcAft>
+              <a:buClrTx/>
+              <a:buSzTx/>
+              <a:buFontTx/>
+              <a:buNone/>
+              <a:tabLst/>
+            </a:pPr>
+            <a:r>
+              <a:rPr kumimoji="0" lang="en-US" sz="1200" b="0" i="0" u="none" strike="noStrike" cap="none" normalizeH="0" baseline="0" dirty="0" smtClean="0">
+                <a:ln>
+                  <a:noFill/>
+                </a:ln>
+                <a:solidFill>
+                  <a:srgbClr val="0000FF"/>
+                </a:solidFill>
+                <a:effectLst/>
+                <a:latin typeface="Consolas" pitchFamily="49" charset="0"/>
+                <a:cs typeface="Consolas" pitchFamily="49" charset="0"/>
+              </a:rPr>
+              <a:t>public</a:t>
+            </a:r>
+            <a:r>
+              <a:rPr kumimoji="0" lang="en-US" sz="1200" b="0" i="0" u="none" strike="noStrike" cap="none" normalizeH="0" baseline="0" dirty="0" smtClean="0">
+                <a:ln>
+                  <a:noFill/>
+                </a:ln>
+                <a:solidFill>
+                  <a:srgbClr val="000000"/>
+                </a:solidFill>
+                <a:effectLst/>
+                <a:latin typeface="Consolas" pitchFamily="49" charset="0"/>
+                <a:cs typeface="Consolas" pitchFamily="49" charset="0"/>
+              </a:rPr>
+              <a:t> </a:t>
+            </a:r>
+            <a:r>
+              <a:rPr kumimoji="0" lang="en-US" sz="1200" b="0" i="0" u="none" strike="noStrike" cap="none" normalizeH="0" baseline="0" dirty="0" smtClean="0">
+                <a:ln>
+                  <a:noFill/>
+                </a:ln>
+                <a:solidFill>
+                  <a:srgbClr val="0000FF"/>
+                </a:solidFill>
+                <a:effectLst/>
+                <a:latin typeface="Consolas" pitchFamily="49" charset="0"/>
+                <a:cs typeface="Consolas" pitchFamily="49" charset="0"/>
+              </a:rPr>
+              <a:t>class</a:t>
+            </a:r>
+            <a:r>
+              <a:rPr kumimoji="0" lang="en-US" sz="1200" b="0" i="0" u="none" strike="noStrike" cap="none" normalizeH="0" baseline="0" dirty="0" smtClean="0">
+                <a:ln>
+                  <a:noFill/>
+                </a:ln>
+                <a:solidFill>
+                  <a:srgbClr val="000000"/>
+                </a:solidFill>
+                <a:effectLst/>
+                <a:latin typeface="Consolas" pitchFamily="49" charset="0"/>
+                <a:cs typeface="Consolas" pitchFamily="49" charset="0"/>
+              </a:rPr>
+              <a:t> </a:t>
+            </a:r>
+            <a:r>
+              <a:rPr kumimoji="0" lang="en-US" sz="1200" b="0" i="0" u="none" strike="noStrike" cap="none" normalizeH="0" baseline="0" dirty="0" err="1" smtClean="0">
+                <a:ln>
+                  <a:noFill/>
+                </a:ln>
+                <a:solidFill>
+                  <a:srgbClr val="2B91AF"/>
+                </a:solidFill>
+                <a:effectLst/>
+                <a:latin typeface="Consolas" pitchFamily="49" charset="0"/>
+                <a:cs typeface="Consolas" pitchFamily="49" charset="0"/>
+              </a:rPr>
+              <a:t>PersonController</a:t>
+            </a:r>
+            <a:r>
+              <a:rPr kumimoji="0" lang="en-US" sz="1200" b="0" i="0" u="none" strike="noStrike" cap="none" normalizeH="0" baseline="0" dirty="0" smtClean="0">
+                <a:ln>
+                  <a:noFill/>
+                </a:ln>
+                <a:solidFill>
+                  <a:srgbClr val="000000"/>
+                </a:solidFill>
+                <a:effectLst/>
+                <a:latin typeface="Consolas" pitchFamily="49" charset="0"/>
+                <a:cs typeface="Consolas" pitchFamily="49" charset="0"/>
+              </a:rPr>
+              <a:t> : </a:t>
+            </a:r>
+            <a:r>
+              <a:rPr kumimoji="0" lang="en-US" sz="1200" b="0" i="0" u="none" strike="noStrike" cap="none" normalizeH="0" baseline="0" dirty="0" err="1" smtClean="0">
+                <a:ln>
+                  <a:noFill/>
+                </a:ln>
+                <a:solidFill>
+                  <a:srgbClr val="2B91AF"/>
+                </a:solidFill>
+                <a:effectLst/>
+                <a:latin typeface="Consolas" pitchFamily="49" charset="0"/>
+                <a:cs typeface="Consolas" pitchFamily="49" charset="0"/>
+              </a:rPr>
+              <a:t>ApiController</a:t>
+            </a:r>
+            <a:r>
+              <a:rPr kumimoji="0" lang="en-US" sz="1200" b="0" i="0" u="none" strike="noStrike" cap="none" normalizeH="0" baseline="0" dirty="0" smtClean="0">
+                <a:ln>
+                  <a:noFill/>
+                </a:ln>
+                <a:solidFill>
+                  <a:srgbClr val="000000"/>
+                </a:solidFill>
+                <a:effectLst/>
+                <a:latin typeface="Consolas" pitchFamily="49" charset="0"/>
+                <a:cs typeface="Consolas" pitchFamily="49" charset="0"/>
+              </a:rPr>
+              <a:t>     </a:t>
+            </a:r>
+          </a:p>
+          <a:p>
+            <a:pPr marL="0" marR="0" lvl="0" indent="0" algn="l" defTabSz="914400" rtl="0" eaLnBrk="1" fontAlgn="base" latinLnBrk="0" hangingPunct="1">
+              <a:lnSpc>
+                <a:spcPct val="100000"/>
+              </a:lnSpc>
+              <a:spcBef>
+                <a:spcPct val="0"/>
+              </a:spcBef>
+              <a:spcAft>
+                <a:spcPct val="0"/>
+              </a:spcAft>
+              <a:buClrTx/>
+              <a:buSzTx/>
+              <a:buFontTx/>
+              <a:buNone/>
+              <a:tabLst/>
+            </a:pPr>
+            <a:r>
+              <a:rPr kumimoji="0" lang="en-US" sz="1200" b="0" i="0" u="none" strike="noStrike" cap="none" normalizeH="0" baseline="0" dirty="0" smtClean="0">
+                <a:ln>
+                  <a:noFill/>
+                </a:ln>
+                <a:solidFill>
+                  <a:srgbClr val="000000"/>
+                </a:solidFill>
+                <a:effectLst/>
+                <a:latin typeface="Consolas" pitchFamily="49" charset="0"/>
+                <a:cs typeface="Consolas" pitchFamily="49" charset="0"/>
+              </a:rPr>
+              <a:t>{         </a:t>
+            </a:r>
+          </a:p>
+          <a:p>
+            <a:pPr marL="0" marR="0" lvl="0" indent="0" algn="l" defTabSz="914400" rtl="0" eaLnBrk="1" fontAlgn="base" latinLnBrk="0" hangingPunct="1">
+              <a:lnSpc>
+                <a:spcPct val="100000"/>
+              </a:lnSpc>
+              <a:spcBef>
+                <a:spcPct val="0"/>
+              </a:spcBef>
+              <a:spcAft>
+                <a:spcPct val="0"/>
+              </a:spcAft>
+              <a:buClrTx/>
+              <a:buSzTx/>
+              <a:buFontTx/>
+              <a:buNone/>
+              <a:tabLst/>
+            </a:pPr>
+            <a:r>
+              <a:rPr lang="en-US" sz="1200" dirty="0" smtClean="0">
+                <a:solidFill>
+                  <a:srgbClr val="000000"/>
+                </a:solidFill>
+                <a:latin typeface="Consolas" pitchFamily="49" charset="0"/>
+                <a:cs typeface="Consolas" pitchFamily="49" charset="0"/>
+              </a:rPr>
+              <a:t>	</a:t>
+            </a:r>
+            <a:r>
+              <a:rPr kumimoji="0" lang="en-US" sz="1200" b="0" i="0" u="none" strike="noStrike" cap="none" normalizeH="0" baseline="0" dirty="0" smtClean="0">
+                <a:ln>
+                  <a:noFill/>
+                </a:ln>
+                <a:solidFill>
+                  <a:srgbClr val="0000FF"/>
+                </a:solidFill>
+                <a:effectLst/>
+                <a:latin typeface="Consolas" pitchFamily="49" charset="0"/>
+                <a:cs typeface="Consolas" pitchFamily="49" charset="0"/>
+              </a:rPr>
+              <a:t>private</a:t>
+            </a:r>
+            <a:r>
+              <a:rPr kumimoji="0" lang="en-US" sz="1200" b="0" i="0" u="none" strike="noStrike" cap="none" normalizeH="0" baseline="0" dirty="0" smtClean="0">
+                <a:ln>
+                  <a:noFill/>
+                </a:ln>
+                <a:solidFill>
+                  <a:srgbClr val="000000"/>
+                </a:solidFill>
+                <a:effectLst/>
+                <a:latin typeface="Consolas" pitchFamily="49" charset="0"/>
+                <a:cs typeface="Consolas" pitchFamily="49" charset="0"/>
+              </a:rPr>
+              <a:t> </a:t>
+            </a:r>
+            <a:r>
+              <a:rPr kumimoji="0" lang="en-US" sz="1200" b="0" i="0" u="none" strike="noStrike" cap="none" normalizeH="0" baseline="0" dirty="0" err="1" smtClean="0">
+                <a:ln>
+                  <a:noFill/>
+                </a:ln>
+                <a:solidFill>
+                  <a:srgbClr val="2B91AF"/>
+                </a:solidFill>
+                <a:effectLst/>
+                <a:latin typeface="Consolas" pitchFamily="49" charset="0"/>
+                <a:cs typeface="Consolas" pitchFamily="49" charset="0"/>
+              </a:rPr>
+              <a:t>IEnumerable</a:t>
+            </a:r>
+            <a:r>
+              <a:rPr kumimoji="0" lang="en-US" sz="1200" b="0" i="0" u="none" strike="noStrike" cap="none" normalizeH="0" baseline="0" dirty="0" smtClean="0">
+                <a:ln>
+                  <a:noFill/>
+                </a:ln>
+                <a:solidFill>
+                  <a:srgbClr val="000000"/>
+                </a:solidFill>
+                <a:effectLst/>
+                <a:latin typeface="Consolas" pitchFamily="49" charset="0"/>
+                <a:cs typeface="Consolas" pitchFamily="49" charset="0"/>
+              </a:rPr>
+              <a:t>&lt;</a:t>
+            </a:r>
+            <a:r>
+              <a:rPr kumimoji="0" lang="en-US" sz="1200" b="0" i="0" u="none" strike="noStrike" cap="none" normalizeH="0" baseline="0" dirty="0" smtClean="0">
+                <a:ln>
+                  <a:noFill/>
+                </a:ln>
+                <a:solidFill>
+                  <a:srgbClr val="2B91AF"/>
+                </a:solidFill>
+                <a:effectLst/>
+                <a:latin typeface="Consolas" pitchFamily="49" charset="0"/>
+                <a:cs typeface="Consolas" pitchFamily="49" charset="0"/>
+              </a:rPr>
+              <a:t>Person</a:t>
+            </a:r>
+            <a:r>
+              <a:rPr kumimoji="0" lang="en-US" sz="1200" b="0" i="0" u="none" strike="noStrike" cap="none" normalizeH="0" baseline="0" dirty="0" smtClean="0">
+                <a:ln>
+                  <a:noFill/>
+                </a:ln>
+                <a:solidFill>
+                  <a:srgbClr val="000000"/>
+                </a:solidFill>
+                <a:effectLst/>
+                <a:latin typeface="Consolas" pitchFamily="49" charset="0"/>
+                <a:cs typeface="Consolas" pitchFamily="49" charset="0"/>
+              </a:rPr>
+              <a:t>&gt; _persons = </a:t>
+            </a:r>
+            <a:r>
+              <a:rPr kumimoji="0" lang="en-US" sz="1200" b="0" i="0" u="none" strike="noStrike" cap="none" normalizeH="0" baseline="0" dirty="0" smtClean="0">
+                <a:ln>
+                  <a:noFill/>
+                </a:ln>
+                <a:solidFill>
+                  <a:srgbClr val="0000FF"/>
+                </a:solidFill>
+                <a:effectLst/>
+                <a:latin typeface="Consolas" pitchFamily="49" charset="0"/>
+                <a:cs typeface="Consolas" pitchFamily="49" charset="0"/>
+              </a:rPr>
+              <a:t>new</a:t>
+            </a:r>
+            <a:r>
+              <a:rPr kumimoji="0" lang="en-US" sz="1200" b="0" i="0" u="none" strike="noStrike" cap="none" normalizeH="0" baseline="0" dirty="0" smtClean="0">
+                <a:ln>
+                  <a:noFill/>
+                </a:ln>
+                <a:solidFill>
+                  <a:srgbClr val="000000"/>
+                </a:solidFill>
+                <a:effectLst/>
+                <a:latin typeface="Consolas" pitchFamily="49" charset="0"/>
+                <a:cs typeface="Consolas" pitchFamily="49" charset="0"/>
+              </a:rPr>
+              <a:t> </a:t>
+            </a:r>
+            <a:r>
+              <a:rPr kumimoji="0" lang="en-US" sz="1200" b="0" i="0" u="none" strike="noStrike" cap="none" normalizeH="0" baseline="0" dirty="0" smtClean="0">
+                <a:ln>
+                  <a:noFill/>
+                </a:ln>
+                <a:solidFill>
+                  <a:srgbClr val="2B91AF"/>
+                </a:solidFill>
+                <a:effectLst/>
+                <a:latin typeface="Consolas" pitchFamily="49" charset="0"/>
+                <a:cs typeface="Consolas" pitchFamily="49" charset="0"/>
+              </a:rPr>
+              <a:t>List</a:t>
+            </a:r>
+            <a:r>
+              <a:rPr kumimoji="0" lang="en-US" sz="1200" b="0" i="0" u="none" strike="noStrike" cap="none" normalizeH="0" baseline="0" dirty="0" smtClean="0">
+                <a:ln>
+                  <a:noFill/>
+                </a:ln>
+                <a:solidFill>
+                  <a:srgbClr val="000000"/>
+                </a:solidFill>
+                <a:effectLst/>
+                <a:latin typeface="Consolas" pitchFamily="49" charset="0"/>
+                <a:cs typeface="Consolas" pitchFamily="49" charset="0"/>
+              </a:rPr>
+              <a:t>&lt;</a:t>
+            </a:r>
+            <a:r>
+              <a:rPr kumimoji="0" lang="en-US" sz="1200" b="0" i="0" u="none" strike="noStrike" cap="none" normalizeH="0" baseline="0" dirty="0" smtClean="0">
+                <a:ln>
+                  <a:noFill/>
+                </a:ln>
+                <a:solidFill>
+                  <a:srgbClr val="2B91AF"/>
+                </a:solidFill>
+                <a:effectLst/>
+                <a:latin typeface="Consolas" pitchFamily="49" charset="0"/>
+                <a:cs typeface="Consolas" pitchFamily="49" charset="0"/>
+              </a:rPr>
+              <a:t>Person</a:t>
+            </a:r>
+            <a:r>
+              <a:rPr kumimoji="0" lang="en-US" sz="1200" b="0" i="0" u="none" strike="noStrike" cap="none" normalizeH="0" baseline="0" dirty="0" smtClean="0">
+                <a:ln>
+                  <a:noFill/>
+                </a:ln>
+                <a:solidFill>
+                  <a:srgbClr val="000000"/>
+                </a:solidFill>
+                <a:effectLst/>
+                <a:latin typeface="Consolas" pitchFamily="49" charset="0"/>
+                <a:cs typeface="Consolas" pitchFamily="49" charset="0"/>
+              </a:rPr>
+              <a:t>&gt;();         </a:t>
+            </a:r>
+          </a:p>
+          <a:p>
+            <a:pPr marL="0" marR="0" lvl="0" indent="0" algn="l" defTabSz="914400" rtl="0" eaLnBrk="1" fontAlgn="base" latinLnBrk="0" hangingPunct="1">
+              <a:lnSpc>
+                <a:spcPct val="100000"/>
+              </a:lnSpc>
+              <a:spcBef>
+                <a:spcPct val="0"/>
+              </a:spcBef>
+              <a:spcAft>
+                <a:spcPct val="0"/>
+              </a:spcAft>
+              <a:buClrTx/>
+              <a:buSzTx/>
+              <a:buFontTx/>
+              <a:buNone/>
+              <a:tabLst/>
+            </a:pPr>
+            <a:r>
+              <a:rPr kumimoji="0" lang="en-US" sz="1200" b="0" i="0" u="none" strike="noStrike" cap="none" normalizeH="0" baseline="0" dirty="0" smtClean="0">
+                <a:ln>
+                  <a:noFill/>
+                </a:ln>
+                <a:solidFill>
+                  <a:srgbClr val="0000FF"/>
+                </a:solidFill>
+                <a:effectLst/>
+                <a:latin typeface="Consolas" pitchFamily="49" charset="0"/>
+                <a:cs typeface="Consolas" pitchFamily="49" charset="0"/>
+              </a:rPr>
+              <a:t>	</a:t>
+            </a:r>
+          </a:p>
+          <a:p>
+            <a:pPr defTabSz="914400" fontAlgn="base">
+              <a:spcBef>
+                <a:spcPct val="0"/>
+              </a:spcBef>
+              <a:spcAft>
+                <a:spcPct val="0"/>
+              </a:spcAft>
+            </a:pPr>
+            <a:r>
+              <a:rPr lang="en-US" sz="1200" dirty="0" smtClean="0">
+                <a:solidFill>
+                  <a:srgbClr val="000000"/>
+                </a:solidFill>
+                <a:latin typeface="Consolas" pitchFamily="49" charset="0"/>
+                <a:cs typeface="Consolas" pitchFamily="49" charset="0"/>
+              </a:rPr>
+              <a:t> 	[</a:t>
+            </a:r>
+            <a:r>
+              <a:rPr lang="en-US" sz="1200" dirty="0" err="1" smtClean="0">
+                <a:solidFill>
+                  <a:srgbClr val="2B91AF"/>
+                </a:solidFill>
+                <a:latin typeface="Consolas" pitchFamily="49" charset="0"/>
+                <a:cs typeface="Consolas" pitchFamily="49" charset="0"/>
+              </a:rPr>
+              <a:t>HttpGet</a:t>
+            </a:r>
+            <a:r>
+              <a:rPr lang="en-US" sz="1200" dirty="0" smtClean="0">
+                <a:solidFill>
+                  <a:srgbClr val="000000"/>
+                </a:solidFill>
+                <a:latin typeface="Consolas" pitchFamily="49" charset="0"/>
+                <a:cs typeface="Consolas" pitchFamily="49" charset="0"/>
+              </a:rPr>
+              <a:t>] </a:t>
+            </a:r>
+            <a:endParaRPr kumimoji="0" lang="en-US" sz="1200" b="0" i="0" u="none" strike="noStrike" cap="none" normalizeH="0" baseline="0" dirty="0" smtClean="0">
+              <a:ln>
+                <a:noFill/>
+              </a:ln>
+              <a:solidFill>
+                <a:srgbClr val="0000FF"/>
+              </a:solidFill>
+              <a:effectLst/>
+              <a:latin typeface="Consolas" pitchFamily="49" charset="0"/>
+              <a:cs typeface="Consolas" pitchFamily="49" charset="0"/>
+            </a:endParaRPr>
+          </a:p>
+          <a:p>
+            <a:pPr marL="0" marR="0" lvl="0" indent="0" algn="l" defTabSz="914400" rtl="0" eaLnBrk="1" fontAlgn="base" latinLnBrk="0" hangingPunct="1">
+              <a:lnSpc>
+                <a:spcPct val="100000"/>
+              </a:lnSpc>
+              <a:spcBef>
+                <a:spcPct val="0"/>
+              </a:spcBef>
+              <a:spcAft>
+                <a:spcPct val="0"/>
+              </a:spcAft>
+              <a:buClrTx/>
+              <a:buSzTx/>
+              <a:buFontTx/>
+              <a:buNone/>
+              <a:tabLst/>
+            </a:pPr>
+            <a:r>
+              <a:rPr lang="en-US" sz="1200" dirty="0" smtClean="0">
+                <a:solidFill>
+                  <a:srgbClr val="0000FF"/>
+                </a:solidFill>
+                <a:latin typeface="Consolas" pitchFamily="49" charset="0"/>
+                <a:cs typeface="Consolas" pitchFamily="49" charset="0"/>
+              </a:rPr>
+              <a:t>	</a:t>
+            </a:r>
+            <a:r>
+              <a:rPr kumimoji="0" lang="en-US" sz="1200" b="0" i="0" u="none" strike="noStrike" cap="none" normalizeH="0" baseline="0" dirty="0" smtClean="0">
+                <a:ln>
+                  <a:noFill/>
+                </a:ln>
+                <a:solidFill>
+                  <a:srgbClr val="0000FF"/>
+                </a:solidFill>
+                <a:effectLst/>
+                <a:latin typeface="Consolas" pitchFamily="49" charset="0"/>
+                <a:cs typeface="Consolas" pitchFamily="49" charset="0"/>
+              </a:rPr>
+              <a:t>public</a:t>
+            </a:r>
+            <a:r>
+              <a:rPr kumimoji="0" lang="en-US" sz="1200" b="0" i="0" u="none" strike="noStrike" cap="none" normalizeH="0" baseline="0" dirty="0" smtClean="0">
+                <a:ln>
+                  <a:noFill/>
+                </a:ln>
+                <a:solidFill>
+                  <a:srgbClr val="000000"/>
+                </a:solidFill>
+                <a:effectLst/>
+                <a:latin typeface="Consolas" pitchFamily="49" charset="0"/>
+                <a:cs typeface="Consolas" pitchFamily="49" charset="0"/>
+              </a:rPr>
+              <a:t> </a:t>
+            </a:r>
+            <a:r>
+              <a:rPr kumimoji="0" lang="en-US" sz="1200" b="0" i="0" u="none" strike="noStrike" cap="none" normalizeH="0" baseline="0" dirty="0" err="1" smtClean="0">
+                <a:ln>
+                  <a:noFill/>
+                </a:ln>
+                <a:solidFill>
+                  <a:srgbClr val="2B91AF"/>
+                </a:solidFill>
+                <a:effectLst/>
+                <a:latin typeface="Consolas" pitchFamily="49" charset="0"/>
+                <a:cs typeface="Consolas" pitchFamily="49" charset="0"/>
+              </a:rPr>
+              <a:t>IEnumerable</a:t>
+            </a:r>
+            <a:r>
+              <a:rPr kumimoji="0" lang="en-US" sz="1200" b="0" i="0" u="none" strike="noStrike" cap="none" normalizeH="0" baseline="0" dirty="0" smtClean="0">
+                <a:ln>
+                  <a:noFill/>
+                </a:ln>
+                <a:solidFill>
+                  <a:srgbClr val="000000"/>
+                </a:solidFill>
+                <a:effectLst/>
+                <a:latin typeface="Consolas" pitchFamily="49" charset="0"/>
+                <a:cs typeface="Consolas" pitchFamily="49" charset="0"/>
+              </a:rPr>
+              <a:t>&lt;</a:t>
+            </a:r>
+            <a:r>
+              <a:rPr kumimoji="0" lang="en-US" sz="1200" b="0" i="0" u="none" strike="noStrike" cap="none" normalizeH="0" baseline="0" dirty="0" smtClean="0">
+                <a:ln>
+                  <a:noFill/>
+                </a:ln>
+                <a:solidFill>
+                  <a:srgbClr val="2B91AF"/>
+                </a:solidFill>
+                <a:effectLst/>
+                <a:latin typeface="Consolas" pitchFamily="49" charset="0"/>
+                <a:cs typeface="Consolas" pitchFamily="49" charset="0"/>
+              </a:rPr>
+              <a:t>Person</a:t>
+            </a:r>
+            <a:r>
+              <a:rPr kumimoji="0" lang="en-US" sz="1200" b="0" i="0" u="none" strike="noStrike" cap="none" normalizeH="0" baseline="0" dirty="0" smtClean="0">
+                <a:ln>
+                  <a:noFill/>
+                </a:ln>
+                <a:solidFill>
+                  <a:srgbClr val="000000"/>
+                </a:solidFill>
+                <a:effectLst/>
+                <a:latin typeface="Consolas" pitchFamily="49" charset="0"/>
+                <a:cs typeface="Consolas" pitchFamily="49" charset="0"/>
+              </a:rPr>
+              <a:t>&gt; </a:t>
+            </a:r>
+            <a:r>
+              <a:rPr kumimoji="0" lang="en-US" sz="1200" b="0" i="0" u="none" strike="noStrike" cap="none" normalizeH="0" baseline="0" dirty="0" err="1" smtClean="0">
+                <a:ln>
+                  <a:noFill/>
+                </a:ln>
+                <a:solidFill>
+                  <a:srgbClr val="000000"/>
+                </a:solidFill>
+                <a:effectLst/>
+                <a:latin typeface="Consolas" pitchFamily="49" charset="0"/>
+                <a:cs typeface="Consolas" pitchFamily="49" charset="0"/>
+              </a:rPr>
+              <a:t>FindAll</a:t>
+            </a:r>
+            <a:r>
+              <a:rPr kumimoji="0" lang="en-US" sz="1200" b="0" i="0" u="none" strike="noStrike" cap="none" normalizeH="0" baseline="0" dirty="0" smtClean="0">
+                <a:ln>
+                  <a:noFill/>
+                </a:ln>
+                <a:solidFill>
+                  <a:srgbClr val="000000"/>
+                </a:solidFill>
+                <a:effectLst/>
+                <a:latin typeface="Consolas" pitchFamily="49" charset="0"/>
+                <a:cs typeface="Consolas" pitchFamily="49" charset="0"/>
+              </a:rPr>
+              <a:t>()         </a:t>
+            </a:r>
+          </a:p>
+          <a:p>
+            <a:pPr marL="0" marR="0" lvl="0" indent="0" algn="l" defTabSz="914400" rtl="0" eaLnBrk="1" fontAlgn="base" latinLnBrk="0" hangingPunct="1">
+              <a:lnSpc>
+                <a:spcPct val="100000"/>
+              </a:lnSpc>
+              <a:spcBef>
+                <a:spcPct val="0"/>
+              </a:spcBef>
+              <a:spcAft>
+                <a:spcPct val="0"/>
+              </a:spcAft>
+              <a:buClrTx/>
+              <a:buSzTx/>
+              <a:buFontTx/>
+              <a:buNone/>
+              <a:tabLst/>
+            </a:pPr>
+            <a:r>
+              <a:rPr lang="en-US" sz="1200" dirty="0" smtClean="0">
+                <a:solidFill>
+                  <a:srgbClr val="000000"/>
+                </a:solidFill>
+                <a:latin typeface="Consolas" pitchFamily="49" charset="0"/>
+                <a:cs typeface="Consolas" pitchFamily="49" charset="0"/>
+              </a:rPr>
+              <a:t>	</a:t>
+            </a:r>
+            <a:r>
+              <a:rPr kumimoji="0" lang="en-US" sz="1200" b="0" i="0" u="none" strike="noStrike" cap="none" normalizeH="0" baseline="0" dirty="0" smtClean="0">
+                <a:ln>
+                  <a:noFill/>
+                </a:ln>
+                <a:solidFill>
+                  <a:srgbClr val="000000"/>
+                </a:solidFill>
+                <a:effectLst/>
+                <a:latin typeface="Consolas" pitchFamily="49" charset="0"/>
+                <a:cs typeface="Consolas" pitchFamily="49" charset="0"/>
+              </a:rPr>
+              <a:t>{             </a:t>
+            </a:r>
+          </a:p>
+          <a:p>
+            <a:pPr marL="0" marR="0" lvl="0" indent="0" algn="l" defTabSz="914400" rtl="0" eaLnBrk="1" fontAlgn="base" latinLnBrk="0" hangingPunct="1">
+              <a:lnSpc>
+                <a:spcPct val="100000"/>
+              </a:lnSpc>
+              <a:spcBef>
+                <a:spcPct val="0"/>
+              </a:spcBef>
+              <a:spcAft>
+                <a:spcPct val="0"/>
+              </a:spcAft>
+              <a:buClrTx/>
+              <a:buSzTx/>
+              <a:buFontTx/>
+              <a:buNone/>
+              <a:tabLst/>
+            </a:pPr>
+            <a:r>
+              <a:rPr lang="en-US" sz="1200" dirty="0" smtClean="0">
+                <a:solidFill>
+                  <a:srgbClr val="000000"/>
+                </a:solidFill>
+                <a:latin typeface="Consolas" pitchFamily="49" charset="0"/>
+                <a:cs typeface="Consolas" pitchFamily="49" charset="0"/>
+              </a:rPr>
+              <a:t>		</a:t>
+            </a:r>
+            <a:r>
+              <a:rPr kumimoji="0" lang="en-US" sz="1200" b="0" i="0" u="none" strike="noStrike" cap="none" normalizeH="0" baseline="0" dirty="0" smtClean="0">
+                <a:ln>
+                  <a:noFill/>
+                </a:ln>
+                <a:solidFill>
+                  <a:srgbClr val="0000FF"/>
+                </a:solidFill>
+                <a:effectLst/>
+                <a:latin typeface="Consolas" pitchFamily="49" charset="0"/>
+                <a:cs typeface="Consolas" pitchFamily="49" charset="0"/>
+              </a:rPr>
+              <a:t>return</a:t>
+            </a:r>
+            <a:r>
+              <a:rPr kumimoji="0" lang="en-US" sz="1200" b="0" i="0" u="none" strike="noStrike" cap="none" normalizeH="0" baseline="0" dirty="0" smtClean="0">
+                <a:ln>
+                  <a:noFill/>
+                </a:ln>
+                <a:solidFill>
+                  <a:srgbClr val="000000"/>
+                </a:solidFill>
+                <a:effectLst/>
+                <a:latin typeface="Consolas" pitchFamily="49" charset="0"/>
+                <a:cs typeface="Consolas" pitchFamily="49" charset="0"/>
+              </a:rPr>
+              <a:t> _persons;         </a:t>
+            </a:r>
+          </a:p>
+          <a:p>
+            <a:pPr marL="0" marR="0" lvl="0" indent="0" algn="l" defTabSz="914400" rtl="0" eaLnBrk="1" fontAlgn="base" latinLnBrk="0" hangingPunct="1">
+              <a:lnSpc>
+                <a:spcPct val="100000"/>
+              </a:lnSpc>
+              <a:spcBef>
+                <a:spcPct val="0"/>
+              </a:spcBef>
+              <a:spcAft>
+                <a:spcPct val="0"/>
+              </a:spcAft>
+              <a:buClrTx/>
+              <a:buSzTx/>
+              <a:buFontTx/>
+              <a:buNone/>
+              <a:tabLst/>
+            </a:pPr>
+            <a:r>
+              <a:rPr lang="en-US" sz="1200" dirty="0" smtClean="0">
+                <a:solidFill>
+                  <a:srgbClr val="000000"/>
+                </a:solidFill>
+                <a:latin typeface="Consolas" pitchFamily="49" charset="0"/>
+                <a:cs typeface="Consolas" pitchFamily="49" charset="0"/>
+              </a:rPr>
+              <a:t>	</a:t>
+            </a:r>
+            <a:r>
+              <a:rPr kumimoji="0" lang="en-US" sz="1200" b="0" i="0" u="none" strike="noStrike" cap="none" normalizeH="0" baseline="0" dirty="0" smtClean="0">
+                <a:ln>
+                  <a:noFill/>
+                </a:ln>
+                <a:solidFill>
+                  <a:srgbClr val="000000"/>
+                </a:solidFill>
+                <a:effectLst/>
+                <a:latin typeface="Consolas" pitchFamily="49" charset="0"/>
+                <a:cs typeface="Consolas" pitchFamily="49" charset="0"/>
+              </a:rPr>
+              <a:t>}     </a:t>
+            </a:r>
+          </a:p>
+          <a:p>
+            <a:pPr marL="0" marR="0" lvl="0" indent="0" algn="l" defTabSz="914400" rtl="0" eaLnBrk="1" fontAlgn="base" latinLnBrk="0" hangingPunct="1">
+              <a:lnSpc>
+                <a:spcPct val="100000"/>
+              </a:lnSpc>
+              <a:spcBef>
+                <a:spcPct val="0"/>
+              </a:spcBef>
+              <a:spcAft>
+                <a:spcPct val="0"/>
+              </a:spcAft>
+              <a:buClrTx/>
+              <a:buSzTx/>
+              <a:buFontTx/>
+              <a:buNone/>
+              <a:tabLst/>
+            </a:pPr>
+            <a:r>
+              <a:rPr kumimoji="0" lang="en-US" sz="1200" b="0" i="0" u="none" strike="noStrike" cap="none" normalizeH="0" baseline="0" dirty="0" smtClean="0">
+                <a:ln>
+                  <a:noFill/>
+                </a:ln>
+                <a:solidFill>
+                  <a:srgbClr val="000000"/>
+                </a:solidFill>
+                <a:effectLst/>
+                <a:latin typeface="Consolas" pitchFamily="49" charset="0"/>
+                <a:cs typeface="Consolas" pitchFamily="49" charset="0"/>
+              </a:rPr>
+              <a:t>}</a:t>
             </a:r>
             <a:endParaRPr kumimoji="0" lang="en-US" sz="1200" b="0" i="0" u="none" strike="noStrike" cap="none" normalizeH="0" baseline="0" dirty="0" smtClean="0">
               <a:ln>
@@ -19024,14 +16136,6 @@
 <file path=ppt/slides/slide9.xml><?xml version="1.0" encoding="utf-8"?>
 <p:sld xmlns:a="http://schemas.openxmlformats.org/drawingml/2006/main" xmlns:r="http://schemas.openxmlformats.org/officeDocument/2006/relationships" xmlns:p="http://schemas.openxmlformats.org/presentationml/2006/main">
   <p:cSld>
-    <p:bg>
-      <p:bgPr>
-        <a:solidFill>
-          <a:schemeClr val="accent1"/>
-        </a:solidFill>
-        <a:effectLst/>
-      </p:bgPr>
-    </p:bg>
     <p:spTree>
       <p:nvGrpSpPr>
         <p:cNvPr id="1" name=""/>
@@ -19059,29 +16163,18 @@
         <p:spPr>
           <a:xfrm>
             <a:off x="321623" y="418905"/>
-            <a:ext cx="1583767" cy="307777"/>
+            <a:ext cx="1551707" cy="307777"/>
           </a:xfrm>
-          <a:solidFill>
-            <a:schemeClr val="accent1"/>
-          </a:solidFill>
         </p:spPr>
         <p:txBody>
           <a:bodyPr/>
           <a:lstStyle/>
           <a:p>
             <a:r>
-              <a:rPr lang="nb-NO" dirty="0" smtClean="0">
-                <a:solidFill>
-                  <a:schemeClr val="bg1"/>
-                </a:solidFill>
-              </a:rPr>
-              <a:t>OppgaveR</a:t>
-            </a:r>
-            <a:endParaRPr lang="en-US" dirty="0">
-              <a:solidFill>
-                <a:schemeClr val="bg1"/>
-              </a:solidFill>
-            </a:endParaRPr>
+              <a:rPr lang="nb-NO" dirty="0" smtClean="0"/>
+              <a:t>Response</a:t>
+            </a:r>
+            <a:endParaRPr lang="nb-NO" dirty="0"/>
           </a:p>
         </p:txBody>
       </p:sp>
@@ -19095,313 +16188,55 @@
             <p:ph type="sldNum" sz="quarter" idx="10"/>
           </p:nvPr>
         </p:nvSpPr>
-        <p:spPr>
-          <a:solidFill>
-            <a:schemeClr val="accent1"/>
-          </a:solidFill>
-        </p:spPr>
+        <p:spPr/>
         <p:txBody>
           <a:bodyPr/>
           <a:lstStyle/>
           <a:p>
             <a:fld id="{FF67BF5B-7344-D747-A0C2-CBD7B2ACBC85}" type="slidenum">
-              <a:rPr lang="en-US" smtClean="0">
-                <a:solidFill>
-                  <a:schemeClr val="bg1"/>
-                </a:solidFill>
-              </a:rPr>
+              <a:rPr lang="en-US" smtClean="0"/>
               <a:pPr/>
               <a:t>9</a:t>
             </a:fld>
-            <a:endParaRPr lang="en-US" dirty="0">
-              <a:solidFill>
-                <a:schemeClr val="bg1"/>
-              </a:solidFill>
-            </a:endParaRPr>
+            <a:endParaRPr lang="en-US" dirty="0"/>
           </a:p>
         </p:txBody>
       </p:sp>
       <p:sp>
         <p:nvSpPr>
-          <p:cNvPr id="7" name="TextBox 6"/>
-          <p:cNvSpPr txBox="1"/>
+          <p:cNvPr id="5" name="Rectangle 4"/>
+          <p:cNvSpPr/>
           <p:nvPr/>
         </p:nvSpPr>
         <p:spPr>
           <a:xfrm>
-            <a:off x="321623" y="1397000"/>
-            <a:ext cx="8102827" cy="4893647"/>
+            <a:off x="1045778" y="2782669"/>
+            <a:ext cx="7378672" cy="369332"/>
           </a:xfrm>
           <a:prstGeom prst="rect">
             <a:avLst/>
           </a:prstGeom>
-          <a:noFill/>
         </p:spPr>
         <p:txBody>
-          <a:bodyPr wrap="square" rtlCol="0">
+          <a:bodyPr wrap="square">
             <a:spAutoFit/>
           </a:bodyPr>
           <a:lstStyle/>
           <a:p>
-            <a:pPr algn="just"/>
-            <a:r>
-              <a:rPr lang="nb-NO" dirty="0" smtClean="0">
-                <a:solidFill>
-                  <a:schemeClr val="bg1"/>
-                </a:solidFill>
-              </a:rPr>
-              <a:t>I denne oppgaven skal vi starte på å lage et lite web API som skal eksponere blogginnlegg. Et blogginnlegg skal minimum ha tittel, innhold og dato for publisering. Målet med denne oppgaven er å få til enkel CRUD for blogginnlegg. Vi trenger ikke lagring  i databasen, kun i minne.</a:t>
-            </a:r>
-          </a:p>
-          <a:p>
-            <a:pPr algn="just"/>
-            <a:endParaRPr lang="nb-NO" dirty="0" smtClean="0">
-              <a:solidFill>
-                <a:schemeClr val="bg1"/>
-              </a:solidFill>
-            </a:endParaRPr>
-          </a:p>
-          <a:p>
-            <a:pPr algn="just"/>
-            <a:r>
-              <a:rPr lang="nb-NO" dirty="0" smtClean="0">
-                <a:solidFill>
-                  <a:schemeClr val="bg1"/>
-                </a:solidFill>
-              </a:rPr>
-              <a:t>Implementèr følgende operasjoner i ApiControlleren:</a:t>
-            </a:r>
-          </a:p>
-          <a:p>
-            <a:pPr algn="just"/>
-            <a:endParaRPr lang="nb-NO" dirty="0" smtClean="0">
-              <a:solidFill>
-                <a:schemeClr val="bg1"/>
-              </a:solidFill>
-            </a:endParaRPr>
-          </a:p>
-          <a:p>
-            <a:pPr algn="just"/>
-            <a:r>
-              <a:rPr lang="nb-NO" dirty="0" smtClean="0">
-                <a:solidFill>
-                  <a:schemeClr val="bg1"/>
-                </a:solidFill>
-              </a:rPr>
-              <a:t>	1. </a:t>
-            </a:r>
-            <a:r>
-              <a:rPr lang="nb-NO" dirty="0" smtClean="0">
-                <a:solidFill>
-                  <a:schemeClr val="bg1"/>
-                </a:solidFill>
-                <a:latin typeface="Consolas" pitchFamily="49" charset="0"/>
-                <a:cs typeface="Consolas" pitchFamily="49" charset="0"/>
-              </a:rPr>
-              <a:t>IEnumerable&lt;BlogEntry&gt; Get()</a:t>
-            </a:r>
-          </a:p>
-          <a:p>
-            <a:pPr algn="just"/>
-            <a:r>
-              <a:rPr lang="nb-NO" dirty="0" smtClean="0">
-                <a:solidFill>
-                  <a:schemeClr val="bg1"/>
-                </a:solidFill>
-                <a:latin typeface="Consolas" pitchFamily="49" charset="0"/>
-                <a:cs typeface="Consolas" pitchFamily="49" charset="0"/>
-              </a:rPr>
-              <a:t>	</a:t>
-            </a:r>
-            <a:r>
-              <a:rPr lang="nb-NO" dirty="0" smtClean="0">
-                <a:solidFill>
-                  <a:schemeClr val="bg1"/>
-                </a:solidFill>
-              </a:rPr>
-              <a:t>2. </a:t>
-            </a:r>
-            <a:r>
-              <a:rPr lang="nb-NO" dirty="0" smtClean="0">
-                <a:solidFill>
-                  <a:schemeClr val="bg1"/>
-                </a:solidFill>
-                <a:latin typeface="Consolas" pitchFamily="49" charset="0"/>
-                <a:cs typeface="Consolas" pitchFamily="49" charset="0"/>
-              </a:rPr>
-              <a:t>BlogEntry Get(id);</a:t>
-            </a:r>
-          </a:p>
-          <a:p>
-            <a:pPr algn="just"/>
-            <a:r>
-              <a:rPr lang="nb-NO" dirty="0" smtClean="0">
-                <a:solidFill>
-                  <a:schemeClr val="bg1"/>
-                </a:solidFill>
-                <a:latin typeface="Consolas" pitchFamily="49" charset="0"/>
-                <a:cs typeface="Consolas" pitchFamily="49" charset="0"/>
-              </a:rPr>
-              <a:t>	</a:t>
-            </a:r>
-            <a:r>
-              <a:rPr lang="nb-NO" dirty="0" smtClean="0">
-                <a:solidFill>
-                  <a:schemeClr val="bg1"/>
-                </a:solidFill>
-              </a:rPr>
-              <a:t>3. </a:t>
-            </a:r>
-            <a:r>
-              <a:rPr lang="nb-NO" dirty="0" smtClean="0">
-                <a:solidFill>
-                  <a:schemeClr val="bg1"/>
-                </a:solidFill>
-                <a:latin typeface="Consolas" pitchFamily="49" charset="0"/>
-                <a:cs typeface="Consolas" pitchFamily="49" charset="0"/>
-              </a:rPr>
-              <a:t>HttpResponseMessage Post(BlogEntry blogEntry)</a:t>
-            </a:r>
-          </a:p>
-          <a:p>
-            <a:pPr algn="just"/>
-            <a:r>
-              <a:rPr lang="nb-NO" dirty="0" smtClean="0">
-                <a:solidFill>
-                  <a:schemeClr val="bg1"/>
-                </a:solidFill>
-                <a:latin typeface="Consolas" pitchFamily="49" charset="0"/>
-                <a:cs typeface="Consolas" pitchFamily="49" charset="0"/>
-              </a:rPr>
-              <a:t>	</a:t>
-            </a:r>
-            <a:r>
-              <a:rPr lang="nb-NO" dirty="0" smtClean="0">
-                <a:solidFill>
-                  <a:schemeClr val="bg1"/>
-                </a:solidFill>
-              </a:rPr>
-              <a:t>4. </a:t>
-            </a:r>
-            <a:r>
-              <a:rPr lang="nb-NO" dirty="0" smtClean="0">
-                <a:solidFill>
-                  <a:schemeClr val="bg1"/>
-                </a:solidFill>
-                <a:latin typeface="Consolas" pitchFamily="49" charset="0"/>
-                <a:cs typeface="Consolas" pitchFamily="49" charset="0"/>
-              </a:rPr>
-              <a:t>HttpResponseMessage Put(int id, BlogEntry blogEntry)</a:t>
-            </a:r>
-          </a:p>
-          <a:p>
-            <a:pPr algn="just"/>
-            <a:r>
-              <a:rPr lang="nb-NO" dirty="0" smtClean="0">
-                <a:solidFill>
-                  <a:schemeClr val="bg1"/>
-                </a:solidFill>
-                <a:latin typeface="Consolas" pitchFamily="49" charset="0"/>
-                <a:cs typeface="Consolas" pitchFamily="49" charset="0"/>
-              </a:rPr>
-              <a:t>	</a:t>
-            </a:r>
-            <a:r>
-              <a:rPr lang="nb-NO" dirty="0" smtClean="0">
-                <a:solidFill>
-                  <a:schemeClr val="bg1"/>
-                </a:solidFill>
-              </a:rPr>
-              <a:t>5. </a:t>
-            </a:r>
-            <a:r>
-              <a:rPr lang="nb-NO" dirty="0" smtClean="0">
-                <a:solidFill>
-                  <a:schemeClr val="bg1"/>
-                </a:solidFill>
-                <a:latin typeface="Consolas" pitchFamily="49" charset="0"/>
-                <a:cs typeface="Consolas" pitchFamily="49" charset="0"/>
-              </a:rPr>
-              <a:t>HttpResponseMessage Delete(int id)</a:t>
-            </a:r>
-          </a:p>
-          <a:p>
-            <a:pPr algn="just"/>
-            <a:endParaRPr lang="nb-NO" dirty="0" smtClean="0">
-              <a:solidFill>
-                <a:schemeClr val="bg1"/>
-              </a:solidFill>
-              <a:latin typeface="Consolas" pitchFamily="49" charset="0"/>
-              <a:cs typeface="Consolas" pitchFamily="49" charset="0"/>
-            </a:endParaRPr>
-          </a:p>
-          <a:p>
-            <a:pPr algn="just"/>
-            <a:r>
-              <a:rPr lang="nb-NO" dirty="0" smtClean="0">
-                <a:solidFill>
-                  <a:schemeClr val="bg1"/>
-                </a:solidFill>
-              </a:rPr>
-              <a:t>Prøv å gjennomfør oppgaven </a:t>
-            </a:r>
-            <a:r>
-              <a:rPr lang="nb-NO" b="1" dirty="0" smtClean="0">
-                <a:solidFill>
-                  <a:schemeClr val="bg1"/>
-                </a:solidFill>
-              </a:rPr>
-              <a:t>test-først</a:t>
-            </a:r>
-          </a:p>
-          <a:p>
-            <a:pPr algn="just"/>
-            <a:endParaRPr lang="nb-NO" b="1" dirty="0" smtClean="0">
-              <a:solidFill>
-                <a:schemeClr val="bg1"/>
-              </a:solidFill>
-            </a:endParaRPr>
-          </a:p>
-          <a:p>
-            <a:pPr algn="just"/>
-            <a:r>
-              <a:rPr lang="nb-NO" sz="1400" i="1" dirty="0" smtClean="0">
-                <a:solidFill>
-                  <a:schemeClr val="bg1"/>
-                </a:solidFill>
-              </a:rPr>
-              <a:t>Hint #1: Se Ninject_ASP_NET_WEB_API.pdf på http://github.com/bekk/dotnetkurs/webapi</a:t>
-            </a:r>
-            <a:br>
-              <a:rPr lang="nb-NO" sz="1400" i="1" dirty="0" smtClean="0">
-                <a:solidFill>
-                  <a:schemeClr val="bg1"/>
-                </a:solidFill>
-              </a:rPr>
-            </a:br>
-            <a:r>
-              <a:rPr lang="nb-NO" sz="1400" i="1" dirty="0" smtClean="0">
-                <a:solidFill>
-                  <a:schemeClr val="bg1"/>
-                </a:solidFill>
-              </a:rPr>
-              <a:t>Hint   #2:  Bruk Request.CreateResponse for å lage HttpResponseMessage i en ApiController</a:t>
-            </a:r>
-          </a:p>
-          <a:p>
-            <a:pPr algn="just"/>
-            <a:r>
-              <a:rPr lang="nb-NO" sz="1400" i="1" dirty="0" smtClean="0">
-                <a:solidFill>
-                  <a:schemeClr val="bg1"/>
-                </a:solidFill>
-              </a:rPr>
-              <a:t> </a:t>
-            </a:r>
+            <a:r>
+              <a:rPr lang="nb-NO" dirty="0" smtClean="0"/>
+              <a:t>Hvordan du håndtere responsene? HttpCodes etc?</a:t>
+            </a:r>
+            <a:endParaRPr lang="nb-NO" dirty="0"/>
           </a:p>
         </p:txBody>
       </p:sp>
     </p:spTree>
+    <p:extLst>
+      <p:ext uri="{BB962C8B-B14F-4D97-AF65-F5344CB8AC3E}">
+        <p14:creationId xmlns:p14="http://schemas.microsoft.com/office/powerpoint/2010/main" val="3331253112"/>
+      </p:ext>
+    </p:extLst>
   </p:cSld>
   <p:clrMapOvr>
     <a:masterClrMapping/>

--- a/webapi/WebAPI.pptx
+++ b/webapi/WebAPI.pptx
@@ -124,7 +124,7 @@
   </p:defaultTextStyle>
   <p:extLst>
     <p:ext uri="{EFAFB233-063F-42B5-8137-9DF3F51BA10A}">
-      <p15:sldGuideLst xmlns:p15="http://schemas.microsoft.com/office/powerpoint/2012/main">
+      <p15:sldGuideLst xmlns:p15="http://schemas.microsoft.com/office/powerpoint/2012/main" xmlns="">
         <p15:guide id="1" orient="horz" pos="4196">
           <p15:clr>
             <a:srgbClr val="A4A3A4"/>
@@ -158,7 +158,7 @@
       </p15:sldGuideLst>
     </p:ext>
     <p:ext uri="{2D200454-40CA-4A62-9FC3-DE9A4176ACB9}">
-      <p15:notesGuideLst xmlns:p15="http://schemas.microsoft.com/office/powerpoint/2012/main">
+      <p15:notesGuideLst xmlns:p15="http://schemas.microsoft.com/office/powerpoint/2012/main" xmlns="">
         <p15:guide id="1" orient="horz" pos="2880">
           <p15:clr>
             <a:srgbClr val="A4A3A4"/>
@@ -10936,17 +10936,7 @@
                 <a:latin typeface="Consolas" pitchFamily="49" charset="0"/>
                 <a:cs typeface="Consolas" pitchFamily="49" charset="0"/>
               </a:rPr>
-              <a:t>HttpResponseMessage Delete(int id</a:t>
-            </a:r>
-            <a:r>
-              <a:rPr lang="nb-NO" dirty="0" smtClean="0">
-                <a:solidFill>
-                  <a:schemeClr val="bg1"/>
-                </a:solidFill>
-                <a:latin typeface="Consolas" pitchFamily="49" charset="0"/>
-                <a:cs typeface="Consolas" pitchFamily="49" charset="0"/>
-              </a:rPr>
-              <a:t>)</a:t>
+              <a:t>HttpResponseMessage Delete(int id)</a:t>
             </a:r>
           </a:p>
           <a:p>
@@ -11002,11 +10992,6 @@
               </a:rPr>
               <a:t> </a:t>
             </a:r>
-            <a:endParaRPr lang="nb-NO" sz="1400" i="1" dirty="0" smtClean="0">
-              <a:solidFill>
-                <a:schemeClr val="bg1"/>
-              </a:solidFill>
-            </a:endParaRPr>
           </a:p>
         </p:txBody>
       </p:sp>
@@ -11533,11 +11518,7 @@
             </a:pPr>
             <a:r>
               <a:rPr lang="nb-NO" sz="1400" dirty="0" smtClean="0"/>
-              <a:t> </a:t>
-            </a:r>
-            <a:r>
-              <a:rPr lang="nb-NO" sz="1400" dirty="0" smtClean="0"/>
-              <a:t>Routing</a:t>
+              <a:t> Routing</a:t>
             </a:r>
           </a:p>
           <a:p>
@@ -11555,7 +11536,6 @@
               <a:rPr lang="nb-NO" sz="1400" dirty="0" smtClean="0"/>
               <a:t> Responser</a:t>
             </a:r>
-            <a:endParaRPr lang="nb-NO" sz="1400" dirty="0" smtClean="0"/>
           </a:p>
           <a:p>
             <a:pPr>
@@ -11585,8 +11565,8 @@
               <a:buChar char="ü"/>
             </a:pPr>
             <a:r>
-              <a:rPr lang="nb-NO" sz="1400" dirty="0" smtClean="0"/>
-              <a:t>Oppgave</a:t>
+              <a:rPr lang="nb-NO" sz="1400" smtClean="0"/>
+              <a:t>Oppgave 2</a:t>
             </a:r>
             <a:endParaRPr lang="nb-NO" sz="1400" dirty="0" smtClean="0"/>
           </a:p>
@@ -12238,11 +12218,7 @@
             </a:pPr>
             <a:r>
               <a:rPr lang="nb-NO" sz="1400" dirty="0" smtClean="0"/>
-              <a:t> Del av ASP.NET MVC </a:t>
-            </a:r>
-            <a:r>
-              <a:rPr lang="nb-NO" sz="1400" dirty="0" smtClean="0"/>
-              <a:t>4 &lt;- </a:t>
+              <a:t> Del av ASP.NET MVC 4 &lt;- </a:t>
             </a:r>
             <a:r>
               <a:rPr lang="nb-NO" sz="1400" dirty="0" smtClean="0">
@@ -12252,11 +12228,6 @@
               </a:rPr>
               <a:t>stemmer ikke lenger MÅ OPPDATERES</a:t>
             </a:r>
-            <a:endParaRPr lang="nb-NO" sz="1400" dirty="0" smtClean="0">
-              <a:solidFill>
-                <a:srgbClr val="FF0000"/>
-              </a:solidFill>
-            </a:endParaRPr>
           </a:p>
           <a:p>
             <a:pPr>
@@ -14415,14 +14386,7 @@
                 <a:latin typeface="Consolas" pitchFamily="49" charset="0"/>
                 <a:cs typeface="Consolas" pitchFamily="49" charset="0"/>
               </a:rPr>
-              <a:t>Invoke </a:t>
-            </a:r>
-            <a:r>
-              <a:rPr lang="nb-NO" sz="1200" dirty="0" smtClean="0">
-                <a:latin typeface="Consolas" pitchFamily="49" charset="0"/>
-                <a:cs typeface="Consolas" pitchFamily="49" charset="0"/>
-              </a:rPr>
-              <a:t>Controller Action</a:t>
+              <a:t>Invoke Controller Action</a:t>
             </a:r>
             <a:endParaRPr kumimoji="0" lang="en-US" sz="1200" b="0" i="0" u="none" strike="noStrike" cap="none" normalizeH="0" baseline="0" dirty="0" smtClean="0">
               <a:ln>

--- a/webapi/WebAPI.pptx
+++ b/webapi/WebAPI.pptx
@@ -498,12 +498,7 @@
             <p:ph type="sldImg"/>
           </p:nvPr>
         </p:nvSpPr>
-        <p:spPr>
-          <a:xfrm>
-            <a:off x="827088" y="592138"/>
-            <a:ext cx="5226050" cy="3919537"/>
-          </a:xfrm>
-        </p:spPr>
+        <p:spPr/>
       </p:sp>
       <p:sp>
         <p:nvSpPr>
@@ -517,37 +512,17 @@
         </p:nvSpPr>
         <p:spPr/>
         <p:txBody>
-          <a:bodyPr>
-            <a:normAutofit/>
-          </a:bodyPr>
+          <a:bodyPr/>
           <a:lstStyle/>
           <a:p>
-            <a:pPr>
-              <a:buFontTx/>
-              <a:buChar char="-"/>
-            </a:pPr>
-            <a:r>
-              <a:rPr lang="nb-NO" sz="1600" dirty="0" smtClean="0"/>
-              <a:t>i stedet for formelle kontrakter som SOAP eller WS*</a:t>
-            </a:r>
-          </a:p>
-          <a:p>
-            <a:pPr>
-              <a:buFontTx/>
-              <a:buChar char="-"/>
-            </a:pPr>
-            <a:r>
-              <a:rPr lang="nb-NO" sz="1600" dirty="0" smtClean="0"/>
-              <a:t>Muliggjør tilgjengeligjøring av funksjonalitet for en rekke forskjellige enheter og klient platformer</a:t>
-            </a:r>
-            <a:endParaRPr lang="en-US" dirty="0"/>
+            <a:endParaRPr lang="nb-NO" dirty="0"/>
           </a:p>
         </p:txBody>
       </p:sp>
     </p:spTree>
     <p:extLst>
       <p:ext uri="{BB962C8B-B14F-4D97-AF65-F5344CB8AC3E}">
-        <p14:creationId xmlns:p14="http://schemas.microsoft.com/office/powerpoint/2010/main" val="4173042921"/>
+        <p14:creationId xmlns:p14="http://schemas.microsoft.com/office/powerpoint/2010/main" val="946004330"/>
       </p:ext>
     </p:extLst>
   </p:cSld>
@@ -603,34 +578,37 @@
         </p:nvSpPr>
         <p:spPr/>
         <p:txBody>
-          <a:bodyPr/>
+          <a:bodyPr>
+            <a:normAutofit/>
+          </a:bodyPr>
           <a:lstStyle/>
           <a:p>
-            <a:r>
-              <a:rPr lang="nb-NO" dirty="0" smtClean="0"/>
-              <a:t>Hvordan</a:t>
-            </a:r>
-            <a:r>
-              <a:rPr lang="nb-NO" baseline="0" dirty="0" smtClean="0"/>
-              <a:t> det kanskje kunne ha sett ut:</a:t>
-            </a:r>
-          </a:p>
-          <a:p>
-            <a:endParaRPr lang="nb-NO" baseline="0" dirty="0" smtClean="0"/>
-          </a:p>
-          <a:p>
-            <a:r>
-              <a:rPr lang="nb-NO" dirty="0" smtClean="0"/>
-              <a:t>flydata.avinor.no/flyplasser/osl/avganger</a:t>
-            </a:r>
-            <a:endParaRPr lang="nb-NO" dirty="0"/>
+            <a:pPr>
+              <a:buFontTx/>
+              <a:buChar char="-"/>
+            </a:pPr>
+            <a:r>
+              <a:rPr lang="nb-NO" sz="1600" dirty="0" smtClean="0"/>
+              <a:t>i stedet for formelle kontrakter som SOAP eller WS*</a:t>
+            </a:r>
+          </a:p>
+          <a:p>
+            <a:pPr>
+              <a:buFontTx/>
+              <a:buChar char="-"/>
+            </a:pPr>
+            <a:r>
+              <a:rPr lang="nb-NO" sz="1600" dirty="0" smtClean="0"/>
+              <a:t>Muliggjør tilgjengeligjøring av funksjonalitet for en rekke forskjellige enheter og klient platformer</a:t>
+            </a:r>
+            <a:endParaRPr lang="en-US" dirty="0"/>
           </a:p>
         </p:txBody>
       </p:sp>
     </p:spTree>
     <p:extLst>
       <p:ext uri="{BB962C8B-B14F-4D97-AF65-F5344CB8AC3E}">
-        <p14:creationId xmlns:p14="http://schemas.microsoft.com/office/powerpoint/2010/main" val="2090476968"/>
+        <p14:creationId xmlns:p14="http://schemas.microsoft.com/office/powerpoint/2010/main" val="4173042921"/>
       </p:ext>
     </p:extLst>
   </p:cSld>
@@ -686,35 +664,44 @@
         </p:nvSpPr>
         <p:spPr/>
         <p:txBody>
-          <a:bodyPr>
-            <a:normAutofit/>
-          </a:bodyPr>
+          <a:bodyPr/>
           <a:lstStyle/>
           <a:p>
             <a:r>
               <a:rPr lang="nb-NO" dirty="0" smtClean="0"/>
-              <a:t>Vis demo av hvordan man får</a:t>
+              <a:t>Hvordan</a:t>
             </a:r>
             <a:r>
               <a:rPr lang="nb-NO" baseline="0" dirty="0" smtClean="0"/>
-              <a:t> satt opp Ninject</a:t>
-            </a:r>
-          </a:p>
-          <a:p>
-            <a:r>
-              <a:rPr lang="en-US" sz="1600" dirty="0" smtClean="0">
-                <a:hlinkClick r:id="rId3"/>
-              </a:rPr>
-              <a:t>http://www.strathweb.com/2012/05/using-ninject-with-the-latest-asp-net-web-api-source/</a:t>
-            </a:r>
-            <a:endParaRPr lang="en-US" dirty="0"/>
+              <a:t> det kanskje kunne ha sett ut</a:t>
+            </a:r>
+            <a:r>
+              <a:rPr lang="nb-NO" baseline="0" dirty="0" smtClean="0"/>
+              <a:t>:</a:t>
+            </a:r>
+          </a:p>
+          <a:p>
+            <a:endParaRPr lang="nb-NO" baseline="0" dirty="0" smtClean="0"/>
+          </a:p>
+          <a:p>
+            <a:r>
+              <a:rPr lang="nb-NO" baseline="0" dirty="0" smtClean="0"/>
+              <a:t>Hver enkelt url kalles en RESSURS</a:t>
+            </a:r>
+          </a:p>
+          <a:p>
+            <a:r>
+              <a:rPr lang="nb-NO" baseline="0" dirty="0" smtClean="0"/>
+              <a:t>Man kan utføre operasjoner på en ressurs ved å bruke de ulike HTTP verbene</a:t>
+            </a:r>
+            <a:endParaRPr lang="nb-NO" baseline="0" dirty="0" smtClean="0"/>
           </a:p>
         </p:txBody>
       </p:sp>
     </p:spTree>
     <p:extLst>
       <p:ext uri="{BB962C8B-B14F-4D97-AF65-F5344CB8AC3E}">
-        <p14:creationId xmlns:p14="http://schemas.microsoft.com/office/powerpoint/2010/main" val="598944534"/>
+        <p14:creationId xmlns:p14="http://schemas.microsoft.com/office/powerpoint/2010/main" val="2090476968"/>
       </p:ext>
     </p:extLst>
   </p:cSld>
@@ -776,6 +763,90 @@
           <a:lstStyle/>
           <a:p>
             <a:r>
+              <a:rPr lang="nb-NO" dirty="0" smtClean="0"/>
+              <a:t>Vis demo av hvordan man får</a:t>
+            </a:r>
+            <a:r>
+              <a:rPr lang="nb-NO" baseline="0" dirty="0" smtClean="0"/>
+              <a:t> satt opp Ninject</a:t>
+            </a:r>
+          </a:p>
+          <a:p>
+            <a:r>
+              <a:rPr lang="en-US" sz="1600" dirty="0" smtClean="0">
+                <a:hlinkClick r:id="rId3"/>
+              </a:rPr>
+              <a:t>http://www.strathweb.com/2012/05/using-ninject-with-the-latest-asp-net-web-api-source/</a:t>
+            </a:r>
+            <a:endParaRPr lang="en-US" dirty="0"/>
+          </a:p>
+        </p:txBody>
+      </p:sp>
+    </p:spTree>
+    <p:extLst>
+      <p:ext uri="{BB962C8B-B14F-4D97-AF65-F5344CB8AC3E}">
+        <p14:creationId xmlns:p14="http://schemas.microsoft.com/office/powerpoint/2010/main" val="598944534"/>
+      </p:ext>
+    </p:extLst>
+  </p:cSld>
+  <p:clrMapOvr>
+    <a:masterClrMapping/>
+  </p:clrMapOvr>
+</p:notes>
+</file>
+
+<file path=ppt/notesSlides/notesSlide5.xml><?xml version="1.0" encoding="utf-8"?>
+<p:notes xmlns:a="http://schemas.openxmlformats.org/drawingml/2006/main" xmlns:r="http://schemas.openxmlformats.org/officeDocument/2006/relationships" xmlns:p="http://schemas.openxmlformats.org/presentationml/2006/main">
+  <p:cSld>
+    <p:spTree>
+      <p:nvGrpSpPr>
+        <p:cNvPr id="1" name=""/>
+        <p:cNvGrpSpPr/>
+        <p:nvPr/>
+      </p:nvGrpSpPr>
+      <p:grpSpPr>
+        <a:xfrm>
+          <a:off x="0" y="0"/>
+          <a:ext cx="0" cy="0"/>
+          <a:chOff x="0" y="0"/>
+          <a:chExt cx="0" cy="0"/>
+        </a:xfrm>
+      </p:grpSpPr>
+      <p:sp>
+        <p:nvSpPr>
+          <p:cNvPr id="2" name="Slide Image Placeholder 1"/>
+          <p:cNvSpPr>
+            <a:spLocks noGrp="1" noRot="1" noChangeAspect="1"/>
+          </p:cNvSpPr>
+          <p:nvPr>
+            <p:ph type="sldImg"/>
+          </p:nvPr>
+        </p:nvSpPr>
+        <p:spPr>
+          <a:xfrm>
+            <a:off x="827088" y="592138"/>
+            <a:ext cx="5226050" cy="3919537"/>
+          </a:xfrm>
+        </p:spPr>
+      </p:sp>
+      <p:sp>
+        <p:nvSpPr>
+          <p:cNvPr id="3" name="Notes Placeholder 2"/>
+          <p:cNvSpPr>
+            <a:spLocks noGrp="1"/>
+          </p:cNvSpPr>
+          <p:nvPr>
+            <p:ph type="body" idx="1"/>
+          </p:nvPr>
+        </p:nvSpPr>
+        <p:spPr/>
+        <p:txBody>
+          <a:bodyPr>
+            <a:normAutofit/>
+          </a:bodyPr>
+          <a:lstStyle/>
+          <a:p>
+            <a:r>
               <a:rPr lang="en-US" dirty="0" smtClean="0">
                 <a:hlinkClick r:id="rId3"/>
               </a:rPr>
@@ -798,7 +869,7 @@
 </p:notes>
 </file>
 
-<file path=ppt/notesSlides/notesSlide5.xml><?xml version="1.0" encoding="utf-8"?>
+<file path=ppt/notesSlides/notesSlide6.xml><?xml version="1.0" encoding="utf-8"?>
 <p:notes xmlns:a="http://schemas.openxmlformats.org/drawingml/2006/main" xmlns:r="http://schemas.openxmlformats.org/officeDocument/2006/relationships" xmlns:p="http://schemas.openxmlformats.org/presentationml/2006/main">
   <p:cSld>
     <p:spTree>
@@ -11565,7 +11636,7 @@
               <a:buChar char="ü"/>
             </a:pPr>
             <a:r>
-              <a:rPr lang="nb-NO" sz="1400" smtClean="0"/>
+              <a:rPr lang="nb-NO" sz="1400" dirty="0" smtClean="0"/>
               <a:t>Oppgave 2</a:t>
             </a:r>
             <a:endParaRPr lang="nb-NO" sz="1400" dirty="0" smtClean="0"/>
@@ -12415,8 +12486,8 @@
         </p:nvSpPr>
         <p:spPr>
           <a:xfrm>
-            <a:off x="1045778" y="2782669"/>
-            <a:ext cx="7378672" cy="923330"/>
+            <a:off x="588578" y="1019183"/>
+            <a:ext cx="7378672" cy="4247317"/>
           </a:xfrm>
           <a:prstGeom prst="rect">
             <a:avLst/>
@@ -12429,21 +12500,82 @@
           <a:lstStyle/>
           <a:p>
             <a:r>
-              <a:rPr lang="nb-NO" dirty="0" smtClean="0">
-                <a:hlinkClick r:id="rId3"/>
-              </a:rPr>
-              <a:t>Avinor flyplassdata</a:t>
-            </a:r>
+              <a:rPr lang="nb-NO" b="1" dirty="0" smtClean="0"/>
+              <a:t>Hent alle bloggposter på blogg</a:t>
+            </a:r>
+            <a:endParaRPr lang="nb-NO" b="1" dirty="0"/>
+          </a:p>
+          <a:p>
+            <a:r>
+              <a:rPr lang="nb-NO" dirty="0" smtClean="0"/>
+              <a:t>GET – minblogg.no/api/bloggposter</a:t>
+            </a:r>
+            <a:endParaRPr lang="nb-NO" dirty="0"/>
+          </a:p>
+          <a:p>
             <a:endParaRPr lang="nb-NO" dirty="0" smtClean="0"/>
           </a:p>
           <a:p>
+            <a:r>
+              <a:rPr lang="nb-NO" b="1" dirty="0" smtClean="0"/>
+              <a:t>Lag ny bloggpost</a:t>
+            </a:r>
+          </a:p>
+          <a:p>
+            <a:r>
+              <a:rPr lang="nb-NO" dirty="0" smtClean="0"/>
+              <a:t>POST {Id: 1, Tittel: Lær deg WebApi} – minblogg.no/api/bloggposter</a:t>
+            </a:r>
+          </a:p>
+          <a:p>
+            <a:endParaRPr lang="nb-NO" dirty="0" smtClean="0"/>
+          </a:p>
+          <a:p>
+            <a:r>
+              <a:rPr lang="nb-NO" b="1" dirty="0" smtClean="0"/>
+              <a:t>Hent alle kommentarer for bloggpost</a:t>
+            </a:r>
+            <a:endParaRPr lang="nb-NO" b="1" dirty="0"/>
+          </a:p>
+          <a:p>
+            <a:r>
+              <a:rPr lang="nb-NO" dirty="0" smtClean="0"/>
+              <a:t>GET – minblogg.no/api/bloggposter/1/kommentarer</a:t>
+            </a:r>
+          </a:p>
+          <a:p>
             <a:endParaRPr lang="nb-NO" dirty="0"/>
           </a:p>
           <a:p>
             <a:r>
-              <a:rPr lang="nb-NO" dirty="0" smtClean="0"/>
-              <a:t>Samme adresse, men forskjellig verb gir ulik oppførsel</a:t>
-            </a:r>
+              <a:rPr lang="nb-NO" b="1" dirty="0" smtClean="0"/>
+              <a:t>Endre tittel på bloggpost</a:t>
+            </a:r>
+          </a:p>
+          <a:p>
+            <a:r>
+              <a:rPr lang="nb-NO" dirty="0" smtClean="0"/>
+              <a:t>PUT {Tittel: WebApi er gøy} – minblogg.no/api/bloggposter/1</a:t>
+            </a:r>
+          </a:p>
+          <a:p>
+            <a:endParaRPr lang="nb-NO" dirty="0" smtClean="0"/>
+          </a:p>
+          <a:p>
+            <a:r>
+              <a:rPr lang="nb-NO" b="1" dirty="0" smtClean="0"/>
+              <a:t>Slett bloggpost</a:t>
+            </a:r>
+            <a:endParaRPr lang="nb-NO" b="1" dirty="0"/>
+          </a:p>
+          <a:p>
+            <a:r>
+              <a:rPr lang="nb-NO" dirty="0" smtClean="0"/>
+              <a:t>DELETE – minblogg.no/api/bloggposter/1</a:t>
+            </a:r>
+            <a:endParaRPr lang="nb-NO" dirty="0" smtClean="0"/>
+          </a:p>
+          <a:p>
             <a:endParaRPr lang="nb-NO" dirty="0"/>
           </a:p>
         </p:txBody>

--- a/webapi/WebAPI.pptx
+++ b/webapi/WebAPI.pptx
@@ -13,7 +13,7 @@
   <p:sldIdLst>
     <p:sldId id="256" r:id="rId2"/>
     <p:sldId id="266" r:id="rId3"/>
-    <p:sldId id="291" r:id="rId4"/>
+    <p:sldId id="295" r:id="rId4"/>
     <p:sldId id="292" r:id="rId5"/>
     <p:sldId id="293" r:id="rId6"/>
     <p:sldId id="288" r:id="rId7"/>
@@ -523,7 +523,30 @@
           <a:bodyPr/>
           <a:lstStyle/>
           <a:p>
-            <a:endParaRPr lang="nb-NO" dirty="0"/>
+            <a:r>
+              <a:rPr lang="nb-NO" dirty="0" smtClean="0"/>
+              <a:t>REST –</a:t>
+            </a:r>
+            <a:r>
+              <a:rPr lang="nb-NO" baseline="0" dirty="0" smtClean="0"/>
+              <a:t> arkitekturstil eller rettningslinjer for hvordan lage HTTP-baserte tjenester</a:t>
+            </a:r>
+          </a:p>
+          <a:p>
+            <a:r>
+              <a:rPr lang="nb-NO" baseline="0" dirty="0" smtClean="0"/>
+              <a:t>REST og Web API’et deler mange av de samme begrepene</a:t>
+            </a:r>
+          </a:p>
+          <a:p>
+            <a:r>
+              <a:rPr lang="nb-NO" baseline="0" dirty="0" smtClean="0"/>
+              <a:t>Når man lager en api ønsker man ofte å følge REST-prinsippene</a:t>
+            </a:r>
+            <a:endParaRPr lang="nb-NO" dirty="0" smtClean="0"/>
+          </a:p>
+          <a:p>
+            <a:endParaRPr lang="nb-NO" baseline="0" dirty="0" smtClean="0"/>
           </a:p>
         </p:txBody>
       </p:sp>
@@ -586,25 +609,31 @@
         </p:nvSpPr>
         <p:spPr/>
         <p:txBody>
-          <a:bodyPr>
-            <a:normAutofit/>
-          </a:bodyPr>
+          <a:bodyPr/>
           <a:lstStyle/>
           <a:p>
             <a:r>
-              <a:rPr lang="en-US" dirty="0" smtClean="0">
-                <a:hlinkClick r:id="rId3"/>
-              </a:rPr>
-              <a:t>http://www.developer.com/net/asp/consuming-an-asp.net-web-api-using-httpclient.html</a:t>
-            </a:r>
-            <a:endParaRPr lang="en-US" dirty="0"/>
+              <a:rPr lang="nb-NO" dirty="0" smtClean="0"/>
+              <a:t>Et alternativ til konvensjonsbasert routing, men man kan bruke begge deler</a:t>
+            </a:r>
+          </a:p>
+          <a:p>
+            <a:r>
+              <a:rPr lang="nb-NO" dirty="0" smtClean="0"/>
+              <a:t>Spesielt</a:t>
+            </a:r>
+            <a:r>
+              <a:rPr lang="nb-NO" baseline="0" dirty="0" smtClean="0"/>
+              <a:t> kjekt å bruke for å lage ruter for sub-ressurser som f.eks. Kommentarer i dette eksemplet</a:t>
+            </a:r>
+            <a:endParaRPr lang="nb-NO" dirty="0"/>
           </a:p>
         </p:txBody>
       </p:sp>
     </p:spTree>
     <p:extLst>
       <p:ext uri="{BB962C8B-B14F-4D97-AF65-F5344CB8AC3E}">
-        <p14:creationId xmlns:p14="http://schemas.microsoft.com/office/powerpoint/2010/main" val="3734554777"/>
+        <p14:creationId xmlns:p14="http://schemas.microsoft.com/office/powerpoint/2010/main" val="473714596"/>
       </p:ext>
     </p:extLst>
   </p:cSld>
@@ -614,7 +643,7 @@
 </p:notes>
 </file>
 
-<file path=ppt/notesSlides/notesSlide2.xml><?xml version="1.0" encoding="utf-8"?>
+<file path=ppt/notesSlides/notesSlide11.xml><?xml version="1.0" encoding="utf-8"?>
 <p:notes xmlns:a="http://schemas.openxmlformats.org/drawingml/2006/main" xmlns:r="http://schemas.openxmlformats.org/officeDocument/2006/relationships" xmlns:p="http://schemas.openxmlformats.org/presentationml/2006/main">
   <p:cSld>
     <p:spTree>
@@ -665,39 +694,31 @@
           <a:p>
             <a:r>
               <a:rPr lang="nb-NO" dirty="0" smtClean="0"/>
-              <a:t>Hvordan</a:t>
+              <a:t>Hvis man bare returnerer noe fra en metode vil man gi HTTP</a:t>
             </a:r>
             <a:r>
               <a:rPr lang="nb-NO" baseline="0" dirty="0" smtClean="0"/>
-              <a:t> det kanskje kunne ha sett ut</a:t>
+              <a:t> statuskode 200 tilbake til klienten.</a:t>
+            </a:r>
+            <a:endParaRPr lang="nb-NO" dirty="0" smtClean="0"/>
+          </a:p>
+          <a:p>
+            <a:r>
+              <a:rPr lang="nb-NO" dirty="0" smtClean="0"/>
+              <a:t>For</a:t>
             </a:r>
             <a:r>
               <a:rPr lang="nb-NO" baseline="0" dirty="0" smtClean="0"/>
-              <a:t>:</a:t>
-            </a:r>
-          </a:p>
-          <a:p>
-            <a:endParaRPr lang="nb-NO" baseline="0" dirty="0" smtClean="0"/>
-          </a:p>
-          <a:p>
-            <a:r>
-              <a:rPr lang="nb-NO" baseline="0" dirty="0" smtClean="0"/>
-              <a:t>Hver enkelt url kalles en RESSURS</a:t>
-            </a:r>
-          </a:p>
-          <a:p>
-            <a:r>
-              <a:rPr lang="nb-NO" baseline="0" dirty="0" smtClean="0"/>
-              <a:t>Man kan utføre operasjoner på en ressurs ved å bruke de ulike HTTP verbene</a:t>
-            </a:r>
-            <a:endParaRPr lang="nb-NO" baseline="0" dirty="0" smtClean="0"/>
+              <a:t> å si fra til klienten at noe galt skjedde bruker man typisk en HttpResponseException og angir en passende HTTP-statuskode</a:t>
+            </a:r>
+            <a:endParaRPr lang="nb-NO" dirty="0"/>
           </a:p>
         </p:txBody>
       </p:sp>
     </p:spTree>
     <p:extLst>
       <p:ext uri="{BB962C8B-B14F-4D97-AF65-F5344CB8AC3E}">
-        <p14:creationId xmlns:p14="http://schemas.microsoft.com/office/powerpoint/2010/main" val="2090476968"/>
+        <p14:creationId xmlns:p14="http://schemas.microsoft.com/office/powerpoint/2010/main" val="503856267"/>
       </p:ext>
     </p:extLst>
   </p:cSld>
@@ -707,7 +728,7 @@
 </p:notes>
 </file>
 
-<file path=ppt/notesSlides/notesSlide3.xml><?xml version="1.0" encoding="utf-8"?>
+<file path=ppt/notesSlides/notesSlide12.xml><?xml version="1.0" encoding="utf-8"?>
 <p:notes xmlns:a="http://schemas.openxmlformats.org/drawingml/2006/main" xmlns:r="http://schemas.openxmlformats.org/officeDocument/2006/relationships" xmlns:p="http://schemas.openxmlformats.org/presentationml/2006/main">
   <p:cSld>
     <p:spTree>
@@ -758,23 +779,11 @@
           </a:bodyPr>
           <a:lstStyle/>
           <a:p>
-            <a:pPr>
-              <a:buFontTx/>
-              <a:buChar char="-"/>
-            </a:pPr>
-            <a:r>
-              <a:rPr lang="nb-NO" sz="1600" dirty="0" smtClean="0"/>
-              <a:t>i stedet for formelle kontrakter som SOAP eller WS*</a:t>
-            </a:r>
-          </a:p>
-          <a:p>
-            <a:pPr>
-              <a:buFontTx/>
-              <a:buChar char="-"/>
-            </a:pPr>
-            <a:r>
-              <a:rPr lang="nb-NO" sz="1600" dirty="0" smtClean="0"/>
-              <a:t>Muliggjør tilgjengeligjøring av funksjonalitet for en rekke forskjellige enheter og klient platformer</a:t>
+            <a:r>
+              <a:rPr lang="en-US" dirty="0" smtClean="0">
+                <a:hlinkClick r:id="rId3"/>
+              </a:rPr>
+              <a:t>http://www.developer.com/net/asp/consuming-an-asp.net-web-api-using-httpclient.html</a:t>
             </a:r>
             <a:endParaRPr lang="en-US" dirty="0"/>
           </a:p>
@@ -783,7 +792,225 @@
     </p:spTree>
     <p:extLst>
       <p:ext uri="{BB962C8B-B14F-4D97-AF65-F5344CB8AC3E}">
-        <p14:creationId xmlns:p14="http://schemas.microsoft.com/office/powerpoint/2010/main" val="4173042921"/>
+        <p14:creationId xmlns:p14="http://schemas.microsoft.com/office/powerpoint/2010/main" val="170088884"/>
+      </p:ext>
+    </p:extLst>
+  </p:cSld>
+  <p:clrMapOvr>
+    <a:masterClrMapping/>
+  </p:clrMapOvr>
+</p:notes>
+</file>
+
+<file path=ppt/notesSlides/notesSlide13.xml><?xml version="1.0" encoding="utf-8"?>
+<p:notes xmlns:a="http://schemas.openxmlformats.org/drawingml/2006/main" xmlns:r="http://schemas.openxmlformats.org/officeDocument/2006/relationships" xmlns:p="http://schemas.openxmlformats.org/presentationml/2006/main">
+  <p:cSld>
+    <p:spTree>
+      <p:nvGrpSpPr>
+        <p:cNvPr id="1" name=""/>
+        <p:cNvGrpSpPr/>
+        <p:nvPr/>
+      </p:nvGrpSpPr>
+      <p:grpSpPr>
+        <a:xfrm>
+          <a:off x="0" y="0"/>
+          <a:ext cx="0" cy="0"/>
+          <a:chOff x="0" y="0"/>
+          <a:chExt cx="0" cy="0"/>
+        </a:xfrm>
+      </p:grpSpPr>
+      <p:sp>
+        <p:nvSpPr>
+          <p:cNvPr id="2" name="Slide Image Placeholder 1"/>
+          <p:cNvSpPr>
+            <a:spLocks noGrp="1" noRot="1" noChangeAspect="1"/>
+          </p:cNvSpPr>
+          <p:nvPr>
+            <p:ph type="sldImg"/>
+          </p:nvPr>
+        </p:nvSpPr>
+        <p:spPr>
+          <a:xfrm>
+            <a:off x="827088" y="592138"/>
+            <a:ext cx="5226050" cy="3919537"/>
+          </a:xfrm>
+        </p:spPr>
+      </p:sp>
+      <p:sp>
+        <p:nvSpPr>
+          <p:cNvPr id="3" name="Notes Placeholder 2"/>
+          <p:cNvSpPr>
+            <a:spLocks noGrp="1"/>
+          </p:cNvSpPr>
+          <p:nvPr>
+            <p:ph type="body" idx="1"/>
+          </p:nvPr>
+        </p:nvSpPr>
+        <p:spPr/>
+        <p:txBody>
+          <a:bodyPr>
+            <a:normAutofit/>
+          </a:bodyPr>
+          <a:lstStyle/>
+          <a:p>
+            <a:r>
+              <a:rPr lang="en-US" dirty="0" smtClean="0">
+                <a:hlinkClick r:id="rId3"/>
+              </a:rPr>
+              <a:t>http://www.developer.com/net/asp/consuming-an-asp.net-web-api-using-httpclient.html</a:t>
+            </a:r>
+            <a:endParaRPr lang="en-US" dirty="0"/>
+          </a:p>
+        </p:txBody>
+      </p:sp>
+    </p:spTree>
+    <p:extLst>
+      <p:ext uri="{BB962C8B-B14F-4D97-AF65-F5344CB8AC3E}">
+        <p14:creationId xmlns:p14="http://schemas.microsoft.com/office/powerpoint/2010/main" val="3734554777"/>
+      </p:ext>
+    </p:extLst>
+  </p:cSld>
+  <p:clrMapOvr>
+    <a:masterClrMapping/>
+  </p:clrMapOvr>
+</p:notes>
+</file>
+
+<file path=ppt/notesSlides/notesSlide2.xml><?xml version="1.0" encoding="utf-8"?>
+<p:notes xmlns:a="http://schemas.openxmlformats.org/drawingml/2006/main" xmlns:r="http://schemas.openxmlformats.org/officeDocument/2006/relationships" xmlns:p="http://schemas.openxmlformats.org/presentationml/2006/main">
+  <p:cSld>
+    <p:spTree>
+      <p:nvGrpSpPr>
+        <p:cNvPr id="1" name=""/>
+        <p:cNvGrpSpPr/>
+        <p:nvPr/>
+      </p:nvGrpSpPr>
+      <p:grpSpPr>
+        <a:xfrm>
+          <a:off x="0" y="0"/>
+          <a:ext cx="0" cy="0"/>
+          <a:chOff x="0" y="0"/>
+          <a:chExt cx="0" cy="0"/>
+        </a:xfrm>
+      </p:grpSpPr>
+      <p:sp>
+        <p:nvSpPr>
+          <p:cNvPr id="2" name="Slide Image Placeholder 1"/>
+          <p:cNvSpPr>
+            <a:spLocks noGrp="1" noRot="1" noChangeAspect="1"/>
+          </p:cNvSpPr>
+          <p:nvPr>
+            <p:ph type="sldImg"/>
+          </p:nvPr>
+        </p:nvSpPr>
+        <p:spPr/>
+      </p:sp>
+      <p:sp>
+        <p:nvSpPr>
+          <p:cNvPr id="3" name="Notes Placeholder 2"/>
+          <p:cNvSpPr>
+            <a:spLocks noGrp="1"/>
+          </p:cNvSpPr>
+          <p:nvPr>
+            <p:ph type="body" idx="1"/>
+          </p:nvPr>
+        </p:nvSpPr>
+        <p:spPr/>
+        <p:txBody>
+          <a:bodyPr/>
+          <a:lstStyle/>
+          <a:p>
+            <a:r>
+              <a:rPr lang="nb-NO" dirty="0" smtClean="0"/>
+              <a:t>En fiktiv HTTP-tjeneste</a:t>
+            </a:r>
+            <a:r>
+              <a:rPr lang="nb-NO" baseline="0" dirty="0" smtClean="0"/>
+              <a:t> som lister ut alle bloggpostene fra min blogg.</a:t>
+            </a:r>
+          </a:p>
+          <a:p>
+            <a:r>
+              <a:rPr lang="nb-NO" baseline="0" dirty="0" smtClean="0"/>
+              <a:t>I REST (og også Web Api) så kalles en slik url for en ressurs</a:t>
+            </a:r>
+            <a:endParaRPr lang="nb-NO" dirty="0"/>
+          </a:p>
+        </p:txBody>
+      </p:sp>
+    </p:spTree>
+    <p:extLst>
+      <p:ext uri="{BB962C8B-B14F-4D97-AF65-F5344CB8AC3E}">
+        <p14:creationId xmlns:p14="http://schemas.microsoft.com/office/powerpoint/2010/main" val="1082643603"/>
+      </p:ext>
+    </p:extLst>
+  </p:cSld>
+  <p:clrMapOvr>
+    <a:masterClrMapping/>
+  </p:clrMapOvr>
+</p:notes>
+</file>
+
+<file path=ppt/notesSlides/notesSlide3.xml><?xml version="1.0" encoding="utf-8"?>
+<p:notes xmlns:a="http://schemas.openxmlformats.org/drawingml/2006/main" xmlns:r="http://schemas.openxmlformats.org/officeDocument/2006/relationships" xmlns:p="http://schemas.openxmlformats.org/presentationml/2006/main">
+  <p:cSld>
+    <p:spTree>
+      <p:nvGrpSpPr>
+        <p:cNvPr id="1" name=""/>
+        <p:cNvGrpSpPr/>
+        <p:nvPr/>
+      </p:nvGrpSpPr>
+      <p:grpSpPr>
+        <a:xfrm>
+          <a:off x="0" y="0"/>
+          <a:ext cx="0" cy="0"/>
+          <a:chOff x="0" y="0"/>
+          <a:chExt cx="0" cy="0"/>
+        </a:xfrm>
+      </p:grpSpPr>
+      <p:sp>
+        <p:nvSpPr>
+          <p:cNvPr id="2" name="Slide Image Placeholder 1"/>
+          <p:cNvSpPr>
+            <a:spLocks noGrp="1" noRot="1" noChangeAspect="1"/>
+          </p:cNvSpPr>
+          <p:nvPr>
+            <p:ph type="sldImg"/>
+          </p:nvPr>
+        </p:nvSpPr>
+        <p:spPr/>
+      </p:sp>
+      <p:sp>
+        <p:nvSpPr>
+          <p:cNvPr id="3" name="Notes Placeholder 2"/>
+          <p:cNvSpPr>
+            <a:spLocks noGrp="1"/>
+          </p:cNvSpPr>
+          <p:nvPr>
+            <p:ph type="body" idx="1"/>
+          </p:nvPr>
+        </p:nvSpPr>
+        <p:spPr/>
+        <p:txBody>
+          <a:bodyPr/>
+          <a:lstStyle/>
+          <a:p>
+            <a:r>
+              <a:rPr lang="nb-NO" dirty="0" smtClean="0"/>
+              <a:t>I dette</a:t>
+            </a:r>
+            <a:r>
+              <a:rPr lang="nb-NO" baseline="0" dirty="0" smtClean="0"/>
+              <a:t> tilfellet er ressursen en liste av bloggposter.</a:t>
+            </a:r>
+            <a:endParaRPr lang="nb-NO" dirty="0"/>
+          </a:p>
+        </p:txBody>
+      </p:sp>
+    </p:spTree>
+    <p:extLst>
+      <p:ext uri="{BB962C8B-B14F-4D97-AF65-F5344CB8AC3E}">
+        <p14:creationId xmlns:p14="http://schemas.microsoft.com/office/powerpoint/2010/main" val="3472803244"/>
       </p:ext>
     </p:extLst>
   </p:cSld>
@@ -837,27 +1064,76 @@
           <a:bodyPr/>
           <a:lstStyle/>
           <a:p>
-            <a:r>
-              <a:rPr lang="nb-NO" dirty="0" smtClean="0"/>
-              <a:t>Må</a:t>
-            </a:r>
-            <a:r>
-              <a:rPr lang="nb-NO" baseline="0" dirty="0" smtClean="0"/>
-              <a:t> arve ApiController</a:t>
-            </a:r>
-          </a:p>
-          <a:p>
-            <a:r>
-              <a:rPr lang="nb-NO" baseline="0" dirty="0" smtClean="0"/>
-              <a:t>En konvensjon gjør at man kan prefikse metoder med Get, Post, Put eller Delete. Web Api’et vil da ordne det slik at f.eks. en POST operasjon blir utført av en metode som er prefikset med Post. </a:t>
-            </a:r>
+            <a:pPr marL="0" marR="0" indent="0" algn="l" defTabSz="457200" rtl="0" eaLnBrk="1" fontAlgn="auto" latinLnBrk="0" hangingPunct="1">
+              <a:lnSpc>
+                <a:spcPct val="100000"/>
+              </a:lnSpc>
+              <a:spcBef>
+                <a:spcPts val="0"/>
+              </a:spcBef>
+              <a:spcAft>
+                <a:spcPts val="0"/>
+              </a:spcAft>
+              <a:buClrTx/>
+              <a:buSzTx/>
+              <a:buFontTx/>
+              <a:buNone/>
+              <a:tabLst/>
+              <a:defRPr/>
+            </a:pPr>
+            <a:r>
+              <a:rPr lang="nb-NO" sz="1500" kern="1200" dirty="0" smtClean="0">
+                <a:solidFill>
+                  <a:schemeClr val="tx1"/>
+                </a:solidFill>
+                <a:effectLst/>
+                <a:latin typeface="Georgia"/>
+                <a:ea typeface="+mn-ea"/>
+                <a:cs typeface="Georgia"/>
+              </a:rPr>
+              <a:t>I REST (og også Web APIet) så kan man bare endre eller utføre operasjonerpå en ressurs ved å bruke en av de fire HTTP-verbene. Altså GET, PUT, POST og DELETE. </a:t>
+            </a:r>
+          </a:p>
+          <a:p>
+            <a:pPr marL="0" marR="0" indent="0" algn="l" defTabSz="457200" rtl="0" eaLnBrk="1" fontAlgn="auto" latinLnBrk="0" hangingPunct="1">
+              <a:lnSpc>
+                <a:spcPct val="100000"/>
+              </a:lnSpc>
+              <a:spcBef>
+                <a:spcPts val="0"/>
+              </a:spcBef>
+              <a:spcAft>
+                <a:spcPts val="0"/>
+              </a:spcAft>
+              <a:buClrTx/>
+              <a:buSzTx/>
+              <a:buFontTx/>
+              <a:buNone/>
+              <a:tabLst/>
+              <a:defRPr/>
+            </a:pPr>
+            <a:r>
+              <a:rPr lang="nb-NO" sz="1500" kern="1200" dirty="0" smtClean="0">
+                <a:solidFill>
+                  <a:schemeClr val="tx1"/>
+                </a:solidFill>
+                <a:effectLst/>
+                <a:latin typeface="Georgia"/>
+                <a:ea typeface="+mn-ea"/>
+                <a:cs typeface="Georgia"/>
+              </a:rPr>
+              <a:t>En ressurs trenger ikke nødvendigvis å støtte alle verbene.</a:t>
+            </a:r>
+          </a:p>
+          <a:p>
+            <a:endParaRPr lang="nb-NO" dirty="0"/>
           </a:p>
         </p:txBody>
       </p:sp>
     </p:spTree>
     <p:extLst>
       <p:ext uri="{BB962C8B-B14F-4D97-AF65-F5344CB8AC3E}">
-        <p14:creationId xmlns:p14="http://schemas.microsoft.com/office/powerpoint/2010/main" val="3750770557"/>
+        <p14:creationId xmlns:p14="http://schemas.microsoft.com/office/powerpoint/2010/main" val="2079354690"/>
       </p:ext>
     </p:extLst>
   </p:cSld>
@@ -894,7 +1170,12 @@
             <p:ph type="sldImg"/>
           </p:nvPr>
         </p:nvSpPr>
-        <p:spPr/>
+        <p:spPr>
+          <a:xfrm>
+            <a:off x="827088" y="592138"/>
+            <a:ext cx="5226050" cy="3919537"/>
+          </a:xfrm>
+        </p:spPr>
       </p:sp>
       <p:sp>
         <p:nvSpPr>
@@ -911,14 +1192,41 @@
           <a:bodyPr/>
           <a:lstStyle/>
           <a:p>
-            <a:endParaRPr lang="nb-NO" dirty="0"/>
+            <a:r>
+              <a:rPr lang="nb-NO" dirty="0" smtClean="0"/>
+              <a:t>Hvordan</a:t>
+            </a:r>
+            <a:r>
+              <a:rPr lang="nb-NO" baseline="0" dirty="0" smtClean="0"/>
+              <a:t> det kanskje kunne ha sett ut</a:t>
+            </a:r>
+            <a:r>
+              <a:rPr lang="nb-NO" baseline="0" dirty="0" smtClean="0"/>
+              <a:t>:</a:t>
+            </a:r>
+          </a:p>
+          <a:p>
+            <a:endParaRPr lang="nb-NO" baseline="0" dirty="0" smtClean="0"/>
+          </a:p>
+          <a:p>
+            <a:r>
+              <a:rPr lang="nb-NO" baseline="0" dirty="0" smtClean="0"/>
+              <a:t>Hver enkelt url kalles en RESSURS</a:t>
+            </a:r>
+          </a:p>
+          <a:p>
+            <a:r>
+              <a:rPr lang="nb-NO" baseline="0" dirty="0" smtClean="0"/>
+              <a:t>Man kan utføre operasjoner på en ressurs ved å bruke de ulike HTTP verbene</a:t>
+            </a:r>
+            <a:endParaRPr lang="nb-NO" baseline="0" dirty="0" smtClean="0"/>
           </a:p>
         </p:txBody>
       </p:sp>
     </p:spTree>
     <p:extLst>
       <p:ext uri="{BB962C8B-B14F-4D97-AF65-F5344CB8AC3E}">
-        <p14:creationId xmlns:p14="http://schemas.microsoft.com/office/powerpoint/2010/main" val="4166449398"/>
+        <p14:creationId xmlns:p14="http://schemas.microsoft.com/office/powerpoint/2010/main" val="2090476968"/>
       </p:ext>
     </p:extLst>
   </p:cSld>
@@ -955,7 +1263,12 @@
             <p:ph type="sldImg"/>
           </p:nvPr>
         </p:nvSpPr>
-        <p:spPr/>
+        <p:spPr>
+          <a:xfrm>
+            <a:off x="827088" y="592138"/>
+            <a:ext cx="5226050" cy="3919537"/>
+          </a:xfrm>
+        </p:spPr>
       </p:sp>
       <p:sp>
         <p:nvSpPr>
@@ -969,25 +1282,37 @@
         </p:nvSpPr>
         <p:spPr/>
         <p:txBody>
-          <a:bodyPr/>
+          <a:bodyPr>
+            <a:normAutofit/>
+          </a:bodyPr>
           <a:lstStyle/>
           <a:p>
-            <a:r>
-              <a:rPr lang="nb-NO" dirty="0" smtClean="0"/>
-              <a:t>Mulig</a:t>
-            </a:r>
-            <a:r>
-              <a:rPr lang="nb-NO" baseline="0" dirty="0" smtClean="0"/>
-              <a:t> å bruke attributter for angi hva slags HTTP verb en metode støtter</a:t>
-            </a:r>
-            <a:endParaRPr lang="nb-NO" dirty="0"/>
+            <a:pPr>
+              <a:buFontTx/>
+              <a:buChar char="-"/>
+            </a:pPr>
+            <a:r>
+              <a:rPr lang="nb-NO" sz="1600" dirty="0" smtClean="0"/>
+              <a:t>i stedet for formelle kontrakter som SOAP eller WS*</a:t>
+            </a:r>
+          </a:p>
+          <a:p>
+            <a:pPr>
+              <a:buFontTx/>
+              <a:buChar char="-"/>
+            </a:pPr>
+            <a:r>
+              <a:rPr lang="nb-NO" sz="1600" dirty="0" smtClean="0"/>
+              <a:t>Muliggjør tilgjengeligjøring av funksjonalitet for en rekke forskjellige enheter og klient platformer</a:t>
+            </a:r>
+            <a:endParaRPr lang="en-US" dirty="0"/>
           </a:p>
         </p:txBody>
       </p:sp>
     </p:spTree>
     <p:extLst>
       <p:ext uri="{BB962C8B-B14F-4D97-AF65-F5344CB8AC3E}">
-        <p14:creationId xmlns:p14="http://schemas.microsoft.com/office/powerpoint/2010/main" val="2447937869"/>
+        <p14:creationId xmlns:p14="http://schemas.microsoft.com/office/powerpoint/2010/main" val="4173042921"/>
       </p:ext>
     </p:extLst>
   </p:cSld>
@@ -1024,7 +1349,12 @@
             <p:ph type="sldImg"/>
           </p:nvPr>
         </p:nvSpPr>
-        <p:spPr/>
+        <p:spPr>
+          <a:xfrm>
+            <a:off x="827088" y="592138"/>
+            <a:ext cx="5226050" cy="3919537"/>
+          </a:xfrm>
+        </p:spPr>
       </p:sp>
       <p:sp>
         <p:nvSpPr>
@@ -1043,26 +1373,25 @@
           <a:p>
             <a:r>
               <a:rPr lang="nb-NO" dirty="0" smtClean="0"/>
-              <a:t>Et alternativ til konvensjonsbasert routing, men man kan bruke begge deler</a:t>
-            </a:r>
-          </a:p>
-          <a:p>
-            <a:r>
-              <a:rPr lang="nb-NO" dirty="0" smtClean="0"/>
-              <a:t>Spesielt</a:t>
+              <a:t>Må</a:t>
             </a:r>
             <a:r>
               <a:rPr lang="nb-NO" baseline="0" dirty="0" smtClean="0"/>
-              <a:t> kjekt å bruke for å lage ruter for sub-ressurser som f.eks. Kommentarer i dette eksemplet</a:t>
-            </a:r>
-            <a:endParaRPr lang="nb-NO" dirty="0"/>
+              <a:t> arve ApiController</a:t>
+            </a:r>
+          </a:p>
+          <a:p>
+            <a:r>
+              <a:rPr lang="nb-NO" baseline="0" dirty="0" smtClean="0"/>
+              <a:t>En konvensjon gjør at man kan prefikse metoder med Get, Post, Put eller Delete. Web Api’et vil da ordne det slik at f.eks. en POST operasjon blir utført av en metode som er prefikset med Post. </a:t>
+            </a:r>
           </a:p>
         </p:txBody>
       </p:sp>
     </p:spTree>
     <p:extLst>
       <p:ext uri="{BB962C8B-B14F-4D97-AF65-F5344CB8AC3E}">
-        <p14:creationId xmlns:p14="http://schemas.microsoft.com/office/powerpoint/2010/main" val="473714596"/>
+        <p14:creationId xmlns:p14="http://schemas.microsoft.com/office/powerpoint/2010/main" val="3750770557"/>
       </p:ext>
     </p:extLst>
   </p:cSld>
@@ -1121,14 +1450,6 @@
           <a:bodyPr/>
           <a:lstStyle/>
           <a:p>
-            <a:r>
-              <a:rPr lang="nb-NO" dirty="0" smtClean="0"/>
-              <a:t>For</a:t>
-            </a:r>
-            <a:r>
-              <a:rPr lang="nb-NO" baseline="0" dirty="0" smtClean="0"/>
-              <a:t> å gi tilbake en feilmelding bruker man typisk en HttpResponseException og angir en passende HTTP-statuskode</a:t>
-            </a:r>
             <a:endParaRPr lang="nb-NO" dirty="0"/>
           </a:p>
         </p:txBody>
@@ -1136,7 +1457,7 @@
     </p:spTree>
     <p:extLst>
       <p:ext uri="{BB962C8B-B14F-4D97-AF65-F5344CB8AC3E}">
-        <p14:creationId xmlns:p14="http://schemas.microsoft.com/office/powerpoint/2010/main" val="503856267"/>
+        <p14:creationId xmlns:p14="http://schemas.microsoft.com/office/powerpoint/2010/main" val="4166449398"/>
       </p:ext>
     </p:extLst>
   </p:cSld>
@@ -1192,25 +1513,25 @@
         </p:nvSpPr>
         <p:spPr/>
         <p:txBody>
-          <a:bodyPr>
-            <a:normAutofit/>
-          </a:bodyPr>
+          <a:bodyPr/>
           <a:lstStyle/>
           <a:p>
             <a:r>
-              <a:rPr lang="en-US" dirty="0" smtClean="0">
-                <a:hlinkClick r:id="rId3"/>
-              </a:rPr>
-              <a:t>http://www.developer.com/net/asp/consuming-an-asp.net-web-api-using-httpclient.html</a:t>
-            </a:r>
-            <a:endParaRPr lang="en-US" dirty="0"/>
+              <a:rPr lang="nb-NO" dirty="0" smtClean="0"/>
+              <a:t>Mulig</a:t>
+            </a:r>
+            <a:r>
+              <a:rPr lang="nb-NO" baseline="0" dirty="0" smtClean="0"/>
+              <a:t> å bruke attributter for angi hva slags HTTP verb en metode støtter</a:t>
+            </a:r>
+            <a:endParaRPr lang="nb-NO" dirty="0"/>
           </a:p>
         </p:txBody>
       </p:sp>
     </p:spTree>
     <p:extLst>
       <p:ext uri="{BB962C8B-B14F-4D97-AF65-F5344CB8AC3E}">
-        <p14:creationId xmlns:p14="http://schemas.microsoft.com/office/powerpoint/2010/main" val="170088884"/>
+        <p14:creationId xmlns:p14="http://schemas.microsoft.com/office/powerpoint/2010/main" val="2447937869"/>
       </p:ext>
     </p:extLst>
   </p:cSld>
@@ -10564,13 +10885,17 @@
         <p:spPr>
           <a:xfrm>
             <a:off x="321623" y="418905"/>
-            <a:ext cx="1404872" cy="307777"/>
+            <a:ext cx="4147930" cy="307777"/>
           </a:xfrm>
         </p:spPr>
         <p:txBody>
           <a:bodyPr/>
           <a:lstStyle/>
           <a:p>
+            <a:r>
+              <a:rPr lang="nb-NO" dirty="0" smtClean="0"/>
+              <a:t>Convention based </a:t>
+            </a:r>
             <a:r>
               <a:rPr lang="nb-NO" dirty="0" smtClean="0"/>
               <a:t>Routing</a:t>
@@ -14426,6 +14751,20 @@
             </a:endParaRPr>
           </a:p>
           <a:p>
+            <a:r>
+              <a:rPr kumimoji="0" lang="nb-NO" sz="1200" b="0" i="0" u="none" strike="noStrike" cap="none" normalizeH="0" baseline="0" dirty="0" smtClean="0">
+                <a:ln>
+                  <a:noFill/>
+                </a:ln>
+                <a:solidFill>
+                  <a:schemeClr val="tx1"/>
+                </a:solidFill>
+                <a:effectLst/>
+                <a:latin typeface="Arial" pitchFamily="34" charset="0"/>
+                <a:cs typeface="Arial" pitchFamily="34" charset="0"/>
+              </a:rPr>
+              <a:t>}</a:t>
+            </a:r>
             <a:endParaRPr kumimoji="0" lang="en-US" sz="1200" b="0" i="0" u="none" strike="noStrike" cap="none" normalizeH="0" baseline="0" dirty="0" smtClean="0">
               <a:ln>
                 <a:noFill/>
@@ -15503,8 +15842,8 @@
         </p:nvSpPr>
         <p:spPr>
           <a:xfrm>
-            <a:off x="321623" y="1397000"/>
-            <a:ext cx="8102827" cy="4493538"/>
+            <a:off x="321623" y="771823"/>
+            <a:ext cx="8102827" cy="5601533"/>
           </a:xfrm>
           <a:prstGeom prst="rect">
             <a:avLst/>
@@ -15572,11 +15911,8 @@
                 <a:latin typeface="Consolas" pitchFamily="49" charset="0"/>
                 <a:cs typeface="Consolas" pitchFamily="49" charset="0"/>
               </a:rPr>
-              <a:t>IEnumerable&lt;BlogEntry&gt; Get()</a:t>
-            </a:r>
-          </a:p>
-          <a:p>
-            <a:pPr algn="just"/>
+              <a:t>IEnumerable&lt;Bloggpost&gt; </a:t>
+            </a:r>
             <a:r>
               <a:rPr lang="nb-NO" dirty="0" smtClean="0">
                 <a:solidFill>
@@ -15585,15 +15921,7 @@
                 <a:latin typeface="Consolas" pitchFamily="49" charset="0"/>
                 <a:cs typeface="Consolas" pitchFamily="49" charset="0"/>
               </a:rPr>
-              <a:t>	</a:t>
-            </a:r>
-            <a:r>
-              <a:rPr lang="nb-NO" dirty="0" smtClean="0">
-                <a:solidFill>
-                  <a:schemeClr val="bg1"/>
-                </a:solidFill>
-              </a:rPr>
-              <a:t>2. </a:t>
+              <a:t>Get</a:t>
             </a:r>
             <a:r>
               <a:rPr lang="nb-NO" dirty="0" smtClean="0">
@@ -15603,8 +15931,15 @@
                 <a:latin typeface="Consolas" pitchFamily="49" charset="0"/>
                 <a:cs typeface="Consolas" pitchFamily="49" charset="0"/>
               </a:rPr>
-              <a:t>BlogEntry Get(id);</a:t>
-            </a:r>
+              <a:t>()</a:t>
+            </a:r>
+            <a:endParaRPr lang="nb-NO" dirty="0" smtClean="0">
+              <a:solidFill>
+                <a:schemeClr val="bg1"/>
+              </a:solidFill>
+              <a:latin typeface="Consolas" pitchFamily="49" charset="0"/>
+              <a:cs typeface="Consolas" pitchFamily="49" charset="0"/>
+            </a:endParaRPr>
           </a:p>
           <a:p>
             <a:pPr algn="just"/>
@@ -15624,7 +15959,7 @@
                   <a:schemeClr val="bg1"/>
                 </a:solidFill>
               </a:rPr>
-              <a:t>3. </a:t>
+              <a:t>2. </a:t>
             </a:r>
             <a:r>
               <a:rPr lang="nb-NO" dirty="0" smtClean="0">
@@ -15634,11 +15969,8 @@
                 <a:latin typeface="Consolas" pitchFamily="49" charset="0"/>
                 <a:cs typeface="Consolas" pitchFamily="49" charset="0"/>
               </a:rPr>
-              <a:t>HttpResponseMessage Post(BlogEntry blogEntry)</a:t>
-            </a:r>
-          </a:p>
-          <a:p>
-            <a:pPr algn="just"/>
+              <a:t>Bloggpost </a:t>
+            </a:r>
             <a:r>
               <a:rPr lang="nb-NO" dirty="0" smtClean="0">
                 <a:solidFill>
@@ -15647,15 +15979,7 @@
                 <a:latin typeface="Consolas" pitchFamily="49" charset="0"/>
                 <a:cs typeface="Consolas" pitchFamily="49" charset="0"/>
               </a:rPr>
-              <a:t>	</a:t>
-            </a:r>
-            <a:r>
-              <a:rPr lang="nb-NO" dirty="0" smtClean="0">
-                <a:solidFill>
-                  <a:schemeClr val="bg1"/>
-                </a:solidFill>
-              </a:rPr>
-              <a:t>4. </a:t>
+              <a:t>Get(id</a:t>
             </a:r>
             <a:r>
               <a:rPr lang="nb-NO" dirty="0" smtClean="0">
@@ -15665,8 +15989,15 @@
                 <a:latin typeface="Consolas" pitchFamily="49" charset="0"/>
                 <a:cs typeface="Consolas" pitchFamily="49" charset="0"/>
               </a:rPr>
-              <a:t>HttpResponseMessage Put(int id, BlogEntry blogEntry)</a:t>
-            </a:r>
+              <a:t>)</a:t>
+            </a:r>
+            <a:endParaRPr lang="nb-NO" dirty="0" smtClean="0">
+              <a:solidFill>
+                <a:schemeClr val="bg1"/>
+              </a:solidFill>
+              <a:latin typeface="Consolas" pitchFamily="49" charset="0"/>
+              <a:cs typeface="Consolas" pitchFamily="49" charset="0"/>
+            </a:endParaRPr>
           </a:p>
           <a:p>
             <a:pPr algn="just"/>
@@ -15686,7 +16017,7 @@
                   <a:schemeClr val="bg1"/>
                 </a:solidFill>
               </a:rPr>
-              <a:t>5. </a:t>
+              <a:t>3. </a:t>
             </a:r>
             <a:r>
               <a:rPr lang="nb-NO" dirty="0" smtClean="0">
@@ -15696,8 +16027,170 @@
                 <a:latin typeface="Consolas" pitchFamily="49" charset="0"/>
                 <a:cs typeface="Consolas" pitchFamily="49" charset="0"/>
               </a:rPr>
-              <a:t>HttpResponseMessage Delete(int id)</a:t>
-            </a:r>
+              <a:t>HttpResponseMessage </a:t>
+            </a:r>
+            <a:r>
+              <a:rPr lang="nb-NO" dirty="0" smtClean="0">
+                <a:solidFill>
+                  <a:schemeClr val="bg1"/>
+                </a:solidFill>
+                <a:latin typeface="Consolas" pitchFamily="49" charset="0"/>
+                <a:cs typeface="Consolas" pitchFamily="49" charset="0"/>
+              </a:rPr>
+              <a:t>Post(Bloggpost post)</a:t>
+            </a:r>
+            <a:endParaRPr lang="nb-NO" dirty="0" smtClean="0">
+              <a:solidFill>
+                <a:schemeClr val="bg1"/>
+              </a:solidFill>
+              <a:latin typeface="Consolas" pitchFamily="49" charset="0"/>
+              <a:cs typeface="Consolas" pitchFamily="49" charset="0"/>
+            </a:endParaRPr>
+          </a:p>
+          <a:p>
+            <a:pPr algn="just"/>
+            <a:r>
+              <a:rPr lang="nb-NO" dirty="0" smtClean="0">
+                <a:solidFill>
+                  <a:schemeClr val="bg1"/>
+                </a:solidFill>
+                <a:latin typeface="Consolas" pitchFamily="49" charset="0"/>
+                <a:cs typeface="Consolas" pitchFamily="49" charset="0"/>
+              </a:rPr>
+              <a:t>	</a:t>
+            </a:r>
+            <a:r>
+              <a:rPr lang="nb-NO" dirty="0" smtClean="0">
+                <a:solidFill>
+                  <a:schemeClr val="bg1"/>
+                </a:solidFill>
+              </a:rPr>
+              <a:t>4. </a:t>
+            </a:r>
+            <a:r>
+              <a:rPr lang="nb-NO" dirty="0" smtClean="0">
+                <a:solidFill>
+                  <a:schemeClr val="bg1"/>
+                </a:solidFill>
+                <a:latin typeface="Consolas" pitchFamily="49" charset="0"/>
+                <a:cs typeface="Consolas" pitchFamily="49" charset="0"/>
+              </a:rPr>
+              <a:t>HttpResponseMessage Put(int id, </a:t>
+            </a:r>
+            <a:r>
+              <a:rPr lang="nb-NO" dirty="0" smtClean="0">
+                <a:solidFill>
+                  <a:schemeClr val="bg1"/>
+                </a:solidFill>
+                <a:latin typeface="Consolas" pitchFamily="49" charset="0"/>
+                <a:cs typeface="Consolas" pitchFamily="49" charset="0"/>
+              </a:rPr>
+              <a:t>Bloggpost post)</a:t>
+            </a:r>
+            <a:endParaRPr lang="nb-NO" dirty="0" smtClean="0">
+              <a:solidFill>
+                <a:schemeClr val="bg1"/>
+              </a:solidFill>
+              <a:latin typeface="Consolas" pitchFamily="49" charset="0"/>
+              <a:cs typeface="Consolas" pitchFamily="49" charset="0"/>
+            </a:endParaRPr>
+          </a:p>
+          <a:p>
+            <a:pPr algn="just"/>
+            <a:r>
+              <a:rPr lang="nb-NO" dirty="0" smtClean="0">
+                <a:solidFill>
+                  <a:schemeClr val="bg1"/>
+                </a:solidFill>
+                <a:latin typeface="Consolas" pitchFamily="49" charset="0"/>
+                <a:cs typeface="Consolas" pitchFamily="49" charset="0"/>
+              </a:rPr>
+              <a:t>	</a:t>
+            </a:r>
+            <a:r>
+              <a:rPr lang="nb-NO" dirty="0" smtClean="0">
+                <a:solidFill>
+                  <a:schemeClr val="bg1"/>
+                </a:solidFill>
+              </a:rPr>
+              <a:t>5. </a:t>
+            </a:r>
+            <a:r>
+              <a:rPr lang="nb-NO" dirty="0" smtClean="0">
+                <a:solidFill>
+                  <a:schemeClr val="bg1"/>
+                </a:solidFill>
+                <a:latin typeface="Consolas" pitchFamily="49" charset="0"/>
+                <a:cs typeface="Consolas" pitchFamily="49" charset="0"/>
+              </a:rPr>
+              <a:t>HttpResponseMessage Delete(int id</a:t>
+            </a:r>
+            <a:r>
+              <a:rPr lang="nb-NO" dirty="0" smtClean="0">
+                <a:solidFill>
+                  <a:schemeClr val="bg1"/>
+                </a:solidFill>
+                <a:latin typeface="Consolas" pitchFamily="49" charset="0"/>
+                <a:cs typeface="Consolas" pitchFamily="49" charset="0"/>
+              </a:rPr>
+              <a:t>)</a:t>
+            </a:r>
+          </a:p>
+          <a:p>
+            <a:pPr algn="just"/>
+            <a:endParaRPr lang="nb-NO" dirty="0">
+              <a:solidFill>
+                <a:schemeClr val="bg1"/>
+              </a:solidFill>
+              <a:latin typeface="Consolas" pitchFamily="49" charset="0"/>
+              <a:cs typeface="Consolas" pitchFamily="49" charset="0"/>
+            </a:endParaRPr>
+          </a:p>
+          <a:p>
+            <a:pPr algn="just"/>
+            <a:r>
+              <a:rPr lang="nb-NO" dirty="0" smtClean="0">
+                <a:solidFill>
+                  <a:schemeClr val="bg1"/>
+                </a:solidFill>
+                <a:latin typeface="Consolas" pitchFamily="49" charset="0"/>
+                <a:cs typeface="Consolas" pitchFamily="49" charset="0"/>
+              </a:rPr>
+              <a:t>Svar/Response ved suksess:</a:t>
+            </a:r>
+          </a:p>
+          <a:p>
+            <a:pPr algn="just"/>
+            <a:r>
+              <a:rPr lang="nb-NO" dirty="0" smtClean="0">
+                <a:solidFill>
+                  <a:schemeClr val="bg1"/>
+                </a:solidFill>
+                <a:latin typeface="Consolas" pitchFamily="49" charset="0"/>
+                <a:cs typeface="Consolas" pitchFamily="49" charset="0"/>
+              </a:rPr>
+              <a:t>GET,PUT,DELETE – HTTP status kode ‘200 OK’</a:t>
+            </a:r>
+          </a:p>
+          <a:p>
+            <a:pPr algn="just"/>
+            <a:r>
+              <a:rPr lang="nb-NO" dirty="0" smtClean="0">
+                <a:solidFill>
+                  <a:schemeClr val="bg1"/>
+                </a:solidFill>
+                <a:latin typeface="Consolas" pitchFamily="49" charset="0"/>
+                <a:cs typeface="Consolas" pitchFamily="49" charset="0"/>
+              </a:rPr>
+              <a:t>POST – HTTP status kode ‘201 Created’</a:t>
+            </a:r>
+            <a:endParaRPr lang="nb-NO" dirty="0" smtClean="0">
+              <a:solidFill>
+                <a:schemeClr val="bg1"/>
+              </a:solidFill>
+              <a:latin typeface="Consolas" pitchFamily="49" charset="0"/>
+              <a:cs typeface="Consolas" pitchFamily="49" charset="0"/>
+            </a:endParaRPr>
           </a:p>
           <a:p>
             <a:pPr algn="just"/>
@@ -16426,7 +16919,7 @@
         <p:spPr>
           <a:xfrm>
             <a:off x="321623" y="418905"/>
-            <a:ext cx="6165149" cy="307777"/>
+            <a:ext cx="5068375" cy="307777"/>
           </a:xfrm>
         </p:spPr>
         <p:txBody>
@@ -16435,7 +16928,7 @@
           <a:p>
             <a:r>
               <a:rPr lang="nb-NO" dirty="0" smtClean="0"/>
-              <a:t>REST – Representational state transfer</a:t>
+              <a:t>Eksempel på enkel rest-tjeneste</a:t>
             </a:r>
             <a:endParaRPr lang="nb-NO" dirty="0"/>
           </a:p>
@@ -16495,7 +16988,7 @@
           <a:p>
             <a:r>
               <a:rPr lang="nb-NO" sz="2800" dirty="0" smtClean="0">
-                <a:hlinkClick r:id="rId2"/>
+                <a:hlinkClick r:id="rId3"/>
               </a:rPr>
               <a:t>http://minblogg.no/api/bloggposter</a:t>
             </a:r>
@@ -16506,7 +16999,7 @@
     </p:spTree>
     <p:extLst>
       <p:ext uri="{BB962C8B-B14F-4D97-AF65-F5344CB8AC3E}">
-        <p14:creationId xmlns:p14="http://schemas.microsoft.com/office/powerpoint/2010/main" val="2480578205"/>
+        <p14:creationId xmlns:p14="http://schemas.microsoft.com/office/powerpoint/2010/main" val="1281424378"/>
       </p:ext>
     </p:extLst>
   </p:cSld>
@@ -16642,7 +17135,7 @@
             </a:r>
             <a:r>
               <a:rPr lang="nb-NO" sz="2800" dirty="0" smtClean="0">
-                <a:hlinkClick r:id="rId2"/>
+                <a:hlinkClick r:id="rId3"/>
               </a:rPr>
               <a:t>http://minblogg.no/api/bloggposter</a:t>
             </a:r>
@@ -16791,7 +17284,7 @@
             </a:r>
             <a:r>
               <a:rPr lang="nb-NO" sz="2800" dirty="0" smtClean="0">
-                <a:hlinkClick r:id="rId2"/>
+                <a:hlinkClick r:id="rId3"/>
               </a:rPr>
               <a:t>http://minblogg.no/api/bloggposter</a:t>
             </a:r>

--- a/webapi/WebAPI.pptx
+++ b/webapi/WebAPI.pptx
@@ -5,10 +5,10 @@
     <p:sldMasterId id="2147483648" r:id="rId1"/>
   </p:sldMasterIdLst>
   <p:notesMasterIdLst>
-    <p:notesMasterId r:id="rId18"/>
+    <p:notesMasterId r:id="rId19"/>
   </p:notesMasterIdLst>
   <p:handoutMasterIdLst>
-    <p:handoutMasterId r:id="rId19"/>
+    <p:handoutMasterId r:id="rId20"/>
   </p:handoutMasterIdLst>
   <p:sldIdLst>
     <p:sldId id="256" r:id="rId2"/>
@@ -27,6 +27,7 @@
     <p:sldId id="269" r:id="rId15"/>
     <p:sldId id="279" r:id="rId16"/>
     <p:sldId id="289" r:id="rId17"/>
+    <p:sldId id="296" r:id="rId18"/>
   </p:sldIdLst>
   <p:sldSz cx="9144000" cy="6858000" type="screen4x3"/>
   <p:notesSz cx="6858000" cy="9144000"/>
@@ -127,7 +128,7 @@
   </p:defaultTextStyle>
   <p:extLst>
     <p:ext uri="{EFAFB233-063F-42B5-8137-9DF3F51BA10A}">
-      <p15:sldGuideLst xmlns:p15="http://schemas.microsoft.com/office/powerpoint/2012/main" xmlns="">
+      <p15:sldGuideLst xmlns="" xmlns:p15="http://schemas.microsoft.com/office/powerpoint/2012/main">
         <p15:guide id="1" orient="horz" pos="4196">
           <p15:clr>
             <a:srgbClr val="A4A3A4"/>
@@ -161,7 +162,7 @@
       </p15:sldGuideLst>
     </p:ext>
     <p:ext uri="{2D200454-40CA-4A62-9FC3-DE9A4176ACB9}">
-      <p15:notesGuideLst xmlns:p15="http://schemas.microsoft.com/office/powerpoint/2012/main" xmlns="">
+      <p15:notesGuideLst xmlns="" xmlns:p15="http://schemas.microsoft.com/office/powerpoint/2012/main">
         <p15:guide id="1" orient="horz" pos="2880">
           <p15:clr>
             <a:srgbClr val="A4A3A4"/>
@@ -1198,11 +1199,7 @@
             </a:r>
             <a:r>
               <a:rPr lang="nb-NO" baseline="0" dirty="0" smtClean="0"/>
-              <a:t> det kanskje kunne ha sett ut</a:t>
-            </a:r>
-            <a:r>
-              <a:rPr lang="nb-NO" baseline="0" dirty="0" smtClean="0"/>
-              <a:t>:</a:t>
+              <a:t> det kanskje kunne ha sett ut:</a:t>
             </a:r>
           </a:p>
           <a:p>
@@ -1219,7 +1216,6 @@
               <a:rPr lang="nb-NO" baseline="0" dirty="0" smtClean="0"/>
               <a:t>Man kan utføre operasjoner på en ressurs ved å bruke de ulike HTTP verbene</a:t>
             </a:r>
-            <a:endParaRPr lang="nb-NO" baseline="0" dirty="0" smtClean="0"/>
           </a:p>
         </p:txBody>
       </p:sp>
@@ -10715,16 +10711,39 @@
             <p:ph type="body" sz="quarter" idx="11"/>
           </p:nvPr>
         </p:nvSpPr>
-        <p:spPr/>
+        <p:spPr>
+          <a:xfrm>
+            <a:off x="1731271" y="5992577"/>
+            <a:ext cx="4396995" cy="251795"/>
+          </a:xfrm>
+        </p:spPr>
         <p:txBody>
           <a:bodyPr/>
           <a:lstStyle/>
           <a:p>
-            <a:r>
-              <a:rPr lang="nb-NO" dirty="0" smtClean="0"/>
+            <a:pPr algn="ctr"/>
+            <a:r>
+              <a:rPr lang="nb-NO" dirty="0"/>
+              <a:t>Thor Ånderbakk Olsen</a:t>
+            </a:r>
+            <a:br>
+              <a:rPr lang="nb-NO" dirty="0"/>
+            </a:br>
+            <a:r>
+              <a:rPr lang="nb-NO" dirty="0"/>
+              <a:t>Mats Mortensen</a:t>
+            </a:r>
+            <a:br>
+              <a:rPr lang="nb-NO" dirty="0"/>
+            </a:br>
+            <a:r>
+              <a:rPr lang="nb-NO" dirty="0"/>
               <a:t>Espen Ekvang</a:t>
             </a:r>
             <a:endParaRPr lang="en-US" dirty="0"/>
+          </a:p>
+          <a:p>
+            <a:endParaRPr lang="nb-NO" dirty="0" smtClean="0"/>
           </a:p>
         </p:txBody>
       </p:sp>
@@ -10745,7 +10764,11 @@
           <a:p>
             <a:r>
               <a:rPr lang="nb-NO" dirty="0" smtClean="0"/>
-              <a:t>August 2012</a:t>
+              <a:t>November</a:t>
+            </a:r>
+            <a:r>
+              <a:rPr lang="nb-NO" dirty="0" smtClean="0"/>
+              <a:t> 2013</a:t>
             </a:r>
             <a:endParaRPr lang="en-US" dirty="0"/>
           </a:p>
@@ -10761,13 +10784,13 @@
   <p:clrMapOvr>
     <a:masterClrMapping/>
   </p:clrMapOvr>
-  <mc:AlternateContent xmlns:mc="http://schemas.openxmlformats.org/markup-compatibility/2006">
-    <mc:Choice xmlns:p14="http://schemas.microsoft.com/office/powerpoint/2010/main" Requires="p14">
+  <mc:AlternateContent xmlns:mc="http://schemas.openxmlformats.org/markup-compatibility/2006" xmlns:p14="http://schemas.microsoft.com/office/powerpoint/2010/main">
+    <mc:Choice Requires="p14">
       <p:transition spd="med" p14:dur="700">
         <p:fade/>
       </p:transition>
     </mc:Choice>
-    <mc:Fallback>
+    <mc:Fallback xmlns="">
       <p:transition spd="med">
         <p:fade/>
       </p:transition>
@@ -10894,11 +10917,7 @@
           <a:p>
             <a:r>
               <a:rPr lang="nb-NO" dirty="0" smtClean="0"/>
-              <a:t>Convention based </a:t>
-            </a:r>
-            <a:r>
-              <a:rPr lang="nb-NO" dirty="0" smtClean="0"/>
-              <a:t>Routing</a:t>
+              <a:t>Convention based Routing</a:t>
             </a:r>
             <a:endParaRPr lang="en-US" dirty="0"/>
           </a:p>
@@ -15911,8 +15930,11 @@
                 <a:latin typeface="Consolas" pitchFamily="49" charset="0"/>
                 <a:cs typeface="Consolas" pitchFamily="49" charset="0"/>
               </a:rPr>
-              <a:t>IEnumerable&lt;Bloggpost&gt; </a:t>
-            </a:r>
+              <a:t>IEnumerable&lt;Bloggpost&gt; Get()</a:t>
+            </a:r>
+          </a:p>
+          <a:p>
+            <a:pPr algn="just"/>
             <a:r>
               <a:rPr lang="nb-NO" dirty="0" smtClean="0">
                 <a:solidFill>
@@ -15921,7 +15943,15 @@
                 <a:latin typeface="Consolas" pitchFamily="49" charset="0"/>
                 <a:cs typeface="Consolas" pitchFamily="49" charset="0"/>
               </a:rPr>
-              <a:t>Get</a:t>
+              <a:t>	</a:t>
+            </a:r>
+            <a:r>
+              <a:rPr lang="nb-NO" dirty="0" smtClean="0">
+                <a:solidFill>
+                  <a:schemeClr val="bg1"/>
+                </a:solidFill>
+              </a:rPr>
+              <a:t>2. </a:t>
             </a:r>
             <a:r>
               <a:rPr lang="nb-NO" dirty="0" smtClean="0">
@@ -15931,15 +15961,8 @@
                 <a:latin typeface="Consolas" pitchFamily="49" charset="0"/>
                 <a:cs typeface="Consolas" pitchFamily="49" charset="0"/>
               </a:rPr>
-              <a:t>()</a:t>
-            </a:r>
-            <a:endParaRPr lang="nb-NO" dirty="0" smtClean="0">
-              <a:solidFill>
-                <a:schemeClr val="bg1"/>
-              </a:solidFill>
-              <a:latin typeface="Consolas" pitchFamily="49" charset="0"/>
-              <a:cs typeface="Consolas" pitchFamily="49" charset="0"/>
-            </a:endParaRPr>
+              <a:t>Bloggpost Get(id)</a:t>
+            </a:r>
           </a:p>
           <a:p>
             <a:pPr algn="just"/>
@@ -15959,7 +15982,7 @@
                   <a:schemeClr val="bg1"/>
                 </a:solidFill>
               </a:rPr>
-              <a:t>2. </a:t>
+              <a:t>3. </a:t>
             </a:r>
             <a:r>
               <a:rPr lang="nb-NO" dirty="0" smtClean="0">
@@ -15969,8 +15992,11 @@
                 <a:latin typeface="Consolas" pitchFamily="49" charset="0"/>
                 <a:cs typeface="Consolas" pitchFamily="49" charset="0"/>
               </a:rPr>
-              <a:t>Bloggpost </a:t>
-            </a:r>
+              <a:t>HttpResponseMessage Post(Bloggpost post)</a:t>
+            </a:r>
+          </a:p>
+          <a:p>
+            <a:pPr algn="just"/>
             <a:r>
               <a:rPr lang="nb-NO" dirty="0" smtClean="0">
                 <a:solidFill>
@@ -15979,7 +16005,15 @@
                 <a:latin typeface="Consolas" pitchFamily="49" charset="0"/>
                 <a:cs typeface="Consolas" pitchFamily="49" charset="0"/>
               </a:rPr>
-              <a:t>Get(id</a:t>
+              <a:t>	</a:t>
+            </a:r>
+            <a:r>
+              <a:rPr lang="nb-NO" dirty="0" smtClean="0">
+                <a:solidFill>
+                  <a:schemeClr val="bg1"/>
+                </a:solidFill>
+              </a:rPr>
+              <a:t>4. </a:t>
             </a:r>
             <a:r>
               <a:rPr lang="nb-NO" dirty="0" smtClean="0">
@@ -15989,15 +16023,8 @@
                 <a:latin typeface="Consolas" pitchFamily="49" charset="0"/>
                 <a:cs typeface="Consolas" pitchFamily="49" charset="0"/>
               </a:rPr>
-              <a:t>)</a:t>
-            </a:r>
-            <a:endParaRPr lang="nb-NO" dirty="0" smtClean="0">
-              <a:solidFill>
-                <a:schemeClr val="bg1"/>
-              </a:solidFill>
-              <a:latin typeface="Consolas" pitchFamily="49" charset="0"/>
-              <a:cs typeface="Consolas" pitchFamily="49" charset="0"/>
-            </a:endParaRPr>
+              <a:t>HttpResponseMessage Put(int id, Bloggpost post)</a:t>
+            </a:r>
           </a:p>
           <a:p>
             <a:pPr algn="just"/>
@@ -16017,7 +16044,7 @@
                   <a:schemeClr val="bg1"/>
                 </a:solidFill>
               </a:rPr>
-              <a:t>3. </a:t>
+              <a:t>5. </a:t>
             </a:r>
             <a:r>
               <a:rPr lang="nb-NO" dirty="0" smtClean="0">
@@ -16027,113 +16054,7 @@
                 <a:latin typeface="Consolas" pitchFamily="49" charset="0"/>
                 <a:cs typeface="Consolas" pitchFamily="49" charset="0"/>
               </a:rPr>
-              <a:t>HttpResponseMessage </a:t>
-            </a:r>
-            <a:r>
-              <a:rPr lang="nb-NO" dirty="0" smtClean="0">
-                <a:solidFill>
-                  <a:schemeClr val="bg1"/>
-                </a:solidFill>
-                <a:latin typeface="Consolas" pitchFamily="49" charset="0"/>
-                <a:cs typeface="Consolas" pitchFamily="49" charset="0"/>
-              </a:rPr>
-              <a:t>Post(Bloggpost post)</a:t>
-            </a:r>
-            <a:endParaRPr lang="nb-NO" dirty="0" smtClean="0">
-              <a:solidFill>
-                <a:schemeClr val="bg1"/>
-              </a:solidFill>
-              <a:latin typeface="Consolas" pitchFamily="49" charset="0"/>
-              <a:cs typeface="Consolas" pitchFamily="49" charset="0"/>
-            </a:endParaRPr>
-          </a:p>
-          <a:p>
-            <a:pPr algn="just"/>
-            <a:r>
-              <a:rPr lang="nb-NO" dirty="0" smtClean="0">
-                <a:solidFill>
-                  <a:schemeClr val="bg1"/>
-                </a:solidFill>
-                <a:latin typeface="Consolas" pitchFamily="49" charset="0"/>
-                <a:cs typeface="Consolas" pitchFamily="49" charset="0"/>
-              </a:rPr>
-              <a:t>	</a:t>
-            </a:r>
-            <a:r>
-              <a:rPr lang="nb-NO" dirty="0" smtClean="0">
-                <a:solidFill>
-                  <a:schemeClr val="bg1"/>
-                </a:solidFill>
-              </a:rPr>
-              <a:t>4. </a:t>
-            </a:r>
-            <a:r>
-              <a:rPr lang="nb-NO" dirty="0" smtClean="0">
-                <a:solidFill>
-                  <a:schemeClr val="bg1"/>
-                </a:solidFill>
-                <a:latin typeface="Consolas" pitchFamily="49" charset="0"/>
-                <a:cs typeface="Consolas" pitchFamily="49" charset="0"/>
-              </a:rPr>
-              <a:t>HttpResponseMessage Put(int id, </a:t>
-            </a:r>
-            <a:r>
-              <a:rPr lang="nb-NO" dirty="0" smtClean="0">
-                <a:solidFill>
-                  <a:schemeClr val="bg1"/>
-                </a:solidFill>
-                <a:latin typeface="Consolas" pitchFamily="49" charset="0"/>
-                <a:cs typeface="Consolas" pitchFamily="49" charset="0"/>
-              </a:rPr>
-              <a:t>Bloggpost post)</a:t>
-            </a:r>
-            <a:endParaRPr lang="nb-NO" dirty="0" smtClean="0">
-              <a:solidFill>
-                <a:schemeClr val="bg1"/>
-              </a:solidFill>
-              <a:latin typeface="Consolas" pitchFamily="49" charset="0"/>
-              <a:cs typeface="Consolas" pitchFamily="49" charset="0"/>
-            </a:endParaRPr>
-          </a:p>
-          <a:p>
-            <a:pPr algn="just"/>
-            <a:r>
-              <a:rPr lang="nb-NO" dirty="0" smtClean="0">
-                <a:solidFill>
-                  <a:schemeClr val="bg1"/>
-                </a:solidFill>
-                <a:latin typeface="Consolas" pitchFamily="49" charset="0"/>
-                <a:cs typeface="Consolas" pitchFamily="49" charset="0"/>
-              </a:rPr>
-              <a:t>	</a:t>
-            </a:r>
-            <a:r>
-              <a:rPr lang="nb-NO" dirty="0" smtClean="0">
-                <a:solidFill>
-                  <a:schemeClr val="bg1"/>
-                </a:solidFill>
-              </a:rPr>
-              <a:t>5. </a:t>
-            </a:r>
-            <a:r>
-              <a:rPr lang="nb-NO" dirty="0" smtClean="0">
-                <a:solidFill>
-                  <a:schemeClr val="bg1"/>
-                </a:solidFill>
-                <a:latin typeface="Consolas" pitchFamily="49" charset="0"/>
-                <a:cs typeface="Consolas" pitchFamily="49" charset="0"/>
-              </a:rPr>
-              <a:t>HttpResponseMessage Delete(int id</a:t>
-            </a:r>
-            <a:r>
-              <a:rPr lang="nb-NO" dirty="0" smtClean="0">
-                <a:solidFill>
-                  <a:schemeClr val="bg1"/>
-                </a:solidFill>
-                <a:latin typeface="Consolas" pitchFamily="49" charset="0"/>
-                <a:cs typeface="Consolas" pitchFamily="49" charset="0"/>
-              </a:rPr>
-              <a:t>)</a:t>
+              <a:t>HttpResponseMessage Delete(int id)</a:t>
             </a:r>
           </a:p>
           <a:p>
@@ -16184,13 +16105,6 @@
               </a:rPr>
               <a:t>POST – HTTP status kode ‘201 Created’</a:t>
             </a:r>
-            <a:endParaRPr lang="nb-NO" dirty="0" smtClean="0">
-              <a:solidFill>
-                <a:schemeClr val="bg1"/>
-              </a:solidFill>
-              <a:latin typeface="Consolas" pitchFamily="49" charset="0"/>
-              <a:cs typeface="Consolas" pitchFamily="49" charset="0"/>
-            </a:endParaRPr>
           </a:p>
           <a:p>
             <a:pPr algn="just"/>
@@ -16620,6 +16534,185 @@
 </p:sld>
 </file>
 
+<file path=ppt/slides/slide17.xml><?xml version="1.0" encoding="utf-8"?>
+<p:sld xmlns:a="http://schemas.openxmlformats.org/drawingml/2006/main" xmlns:r="http://schemas.openxmlformats.org/officeDocument/2006/relationships" xmlns:p="http://schemas.openxmlformats.org/presentationml/2006/main" show="0">
+  <p:cSld>
+    <p:spTree>
+      <p:nvGrpSpPr>
+        <p:cNvPr id="1" name=""/>
+        <p:cNvGrpSpPr/>
+        <p:nvPr/>
+      </p:nvGrpSpPr>
+      <p:grpSpPr>
+        <a:xfrm>
+          <a:off x="0" y="0"/>
+          <a:ext cx="0" cy="0"/>
+          <a:chOff x="0" y="0"/>
+          <a:chExt cx="0" cy="0"/>
+        </a:xfrm>
+      </p:grpSpPr>
+      <p:sp>
+        <p:nvSpPr>
+          <p:cNvPr id="5" name="Title 4"/>
+          <p:cNvSpPr>
+            <a:spLocks noGrp="1"/>
+          </p:cNvSpPr>
+          <p:nvPr>
+            <p:ph type="ctrTitle"/>
+          </p:nvPr>
+        </p:nvSpPr>
+        <p:spPr>
+          <a:xfrm>
+            <a:off x="2375091" y="3304566"/>
+            <a:ext cx="4396995" cy="312906"/>
+          </a:xfrm>
+        </p:spPr>
+        <p:txBody>
+          <a:bodyPr/>
+          <a:lstStyle/>
+          <a:p>
+            <a:r>
+              <a:rPr lang="en-US" dirty="0" err="1" smtClean="0"/>
+              <a:t>Takk</a:t>
+            </a:r>
+            <a:r>
+              <a:rPr lang="en-US" dirty="0" smtClean="0"/>
+              <a:t> </a:t>
+            </a:r>
+            <a:r>
+              <a:rPr lang="en-US" dirty="0" smtClean="0"/>
+              <a:t>for OSS</a:t>
+            </a:r>
+            <a:endParaRPr lang="en-US" dirty="0"/>
+          </a:p>
+        </p:txBody>
+      </p:sp>
+      <p:sp>
+        <p:nvSpPr>
+          <p:cNvPr id="6" name="Text Placeholder 5"/>
+          <p:cNvSpPr>
+            <a:spLocks noGrp="1"/>
+          </p:cNvSpPr>
+          <p:nvPr>
+            <p:ph type="body" sz="quarter" idx="10"/>
+          </p:nvPr>
+        </p:nvSpPr>
+        <p:spPr>
+          <a:xfrm>
+            <a:off x="1731278" y="4269698"/>
+            <a:ext cx="4396995" cy="364067"/>
+          </a:xfrm>
+        </p:spPr>
+        <p:txBody>
+          <a:bodyPr/>
+          <a:lstStyle/>
+          <a:p>
+            <a:pPr algn="ctr"/>
+            <a:r>
+              <a:rPr lang="nb-NO" dirty="0"/>
+              <a:t>Thor Ånderbakk Olsen</a:t>
+            </a:r>
+            <a:br>
+              <a:rPr lang="nb-NO" dirty="0"/>
+            </a:br>
+            <a:r>
+              <a:rPr lang="nb-NO" dirty="0"/>
+              <a:t>Mats Mortensen</a:t>
+            </a:r>
+            <a:br>
+              <a:rPr lang="nb-NO" dirty="0"/>
+            </a:br>
+            <a:r>
+              <a:rPr lang="nb-NO" dirty="0"/>
+              <a:t>Espen Ekvang</a:t>
+            </a:r>
+            <a:endParaRPr lang="en-US" dirty="0"/>
+          </a:p>
+          <a:p>
+            <a:endParaRPr lang="en-US" dirty="0"/>
+          </a:p>
+        </p:txBody>
+      </p:sp>
+      <p:sp>
+        <p:nvSpPr>
+          <p:cNvPr id="8" name="Text Placeholder 7"/>
+          <p:cNvSpPr>
+            <a:spLocks noGrp="1"/>
+          </p:cNvSpPr>
+          <p:nvPr>
+            <p:ph type="body" sz="quarter" idx="12"/>
+          </p:nvPr>
+        </p:nvSpPr>
+        <p:spPr>
+          <a:xfrm>
+            <a:off x="2375091" y="4752193"/>
+            <a:ext cx="4396995" cy="251795"/>
+          </a:xfrm>
+        </p:spPr>
+        <p:txBody>
+          <a:bodyPr/>
+          <a:lstStyle/>
+          <a:p>
+            <a:r>
+              <a:rPr lang="nb-NO" dirty="0" smtClean="0"/>
+              <a:t>http://github.com/bekk/dotnetkurs</a:t>
+            </a:r>
+            <a:endParaRPr lang="en-US" dirty="0"/>
+          </a:p>
+        </p:txBody>
+      </p:sp>
+      <p:sp>
+        <p:nvSpPr>
+          <p:cNvPr id="3" name="Slide Number Placeholder 2"/>
+          <p:cNvSpPr>
+            <a:spLocks noGrp="1"/>
+          </p:cNvSpPr>
+          <p:nvPr>
+            <p:ph type="sldNum" sz="quarter" idx="4294967295"/>
+          </p:nvPr>
+        </p:nvSpPr>
+        <p:spPr>
+          <a:xfrm>
+            <a:off x="8837613" y="431800"/>
+            <a:ext cx="306387" cy="276225"/>
+          </a:xfrm>
+        </p:spPr>
+        <p:txBody>
+          <a:bodyPr/>
+          <a:lstStyle/>
+          <a:p>
+            <a:fld id="{FF67BF5B-7344-D747-A0C2-CBD7B2ACBC85}" type="slidenum">
+              <a:rPr lang="en-US" smtClean="0"/>
+              <a:pPr/>
+              <a:t>17</a:t>
+            </a:fld>
+            <a:endParaRPr lang="en-US" dirty="0"/>
+          </a:p>
+        </p:txBody>
+      </p:sp>
+    </p:spTree>
+    <p:extLst>
+      <p:ext uri="{BB962C8B-B14F-4D97-AF65-F5344CB8AC3E}">
+        <p14:creationId xmlns:p14="http://schemas.microsoft.com/office/powerpoint/2010/main" val="3283073304"/>
+      </p:ext>
+    </p:extLst>
+  </p:cSld>
+  <p:clrMapOvr>
+    <a:masterClrMapping/>
+  </p:clrMapOvr>
+  <p:transition>
+    <p:fade thruBlk="1"/>
+  </p:transition>
+  <p:timing>
+    <p:tnLst>
+      <p:par>
+        <p:cTn id="1" dur="indefinite" restart="never" nodeType="tmRoot"/>
+      </p:par>
+    </p:tnLst>
+  </p:timing>
+</p:sld>
+</file>
+
 <file path=ppt/slides/slide2.xml><?xml version="1.0" encoding="utf-8"?>
 <p:sld xmlns:a="http://schemas.openxmlformats.org/drawingml/2006/main" xmlns:r="http://schemas.openxmlformats.org/officeDocument/2006/relationships" xmlns:p="http://schemas.openxmlformats.org/presentationml/2006/main">
   <p:cSld>
@@ -16723,13 +16816,8 @@
             </a:pPr>
             <a:r>
               <a:rPr lang="nb-NO" sz="1400" dirty="0" smtClean="0"/>
-              <a:t> </a:t>
-            </a:r>
-            <a:r>
-              <a:rPr lang="nb-NO" sz="1400" dirty="0" smtClean="0"/>
-              <a:t>HTTP-baserte tjenester (REST)</a:t>
-            </a:r>
-            <a:endParaRPr lang="nb-NO" sz="1400" dirty="0" smtClean="0"/>
+              <a:t> HTTP-baserte tjenester (REST)</a:t>
+            </a:r>
           </a:p>
           <a:p>
             <a:pPr>
@@ -16826,7 +16914,6 @@
               <a:rPr lang="nb-NO" sz="1400" dirty="0" smtClean="0"/>
               <a:t>Oppgave 2</a:t>
             </a:r>
-            <a:endParaRPr lang="nb-NO" sz="1400" dirty="0" smtClean="0"/>
           </a:p>
           <a:p>
             <a:pPr>
@@ -16867,13 +16954,13 @@
   <p:clrMapOvr>
     <a:masterClrMapping/>
   </p:clrMapOvr>
-  <mc:AlternateContent xmlns:mc="http://schemas.openxmlformats.org/markup-compatibility/2006">
-    <mc:Choice xmlns:p14="http://schemas.microsoft.com/office/powerpoint/2010/main" Requires="p14">
+  <mc:AlternateContent xmlns:mc="http://schemas.openxmlformats.org/markup-compatibility/2006" xmlns:p14="http://schemas.microsoft.com/office/powerpoint/2010/main">
+    <mc:Choice Requires="p14">
       <p:transition spd="med" p14:dur="700">
         <p:fade/>
       </p:transition>
     </mc:Choice>
-    <mc:Fallback>
+    <mc:Fallback xmlns="">
       <p:transition spd="med">
         <p:fade/>
       </p:transition>
@@ -17006,13 +17093,13 @@
   <p:clrMapOvr>
     <a:masterClrMapping/>
   </p:clrMapOvr>
-  <mc:AlternateContent xmlns:mc="http://schemas.openxmlformats.org/markup-compatibility/2006">
-    <mc:Choice xmlns:p14="http://schemas.microsoft.com/office/powerpoint/2010/main" Requires="p14">
+  <mc:AlternateContent xmlns:mc="http://schemas.openxmlformats.org/markup-compatibility/2006" xmlns:p14="http://schemas.microsoft.com/office/powerpoint/2010/main">
+    <mc:Choice Requires="p14">
       <p:transition spd="med" p14:dur="700">
         <p:fade/>
       </p:transition>
     </mc:Choice>
-    <mc:Fallback>
+    <mc:Fallback xmlns="">
       <p:transition spd="med">
         <p:fade/>
       </p:transition>
@@ -17159,11 +17246,11 @@
   <p:clrMapOvr>
     <a:masterClrMapping/>
   </p:clrMapOvr>
-  <mc:AlternateContent xmlns:mc="http://schemas.openxmlformats.org/markup-compatibility/2006">
-    <mc:Choice xmlns:p14="http://schemas.microsoft.com/office/powerpoint/2010/main" Requires="p14">
+  <mc:AlternateContent xmlns:mc="http://schemas.openxmlformats.org/markup-compatibility/2006" xmlns:p14="http://schemas.microsoft.com/office/powerpoint/2010/main">
+    <mc:Choice Requires="p14">
       <p:transition p14:dur="0"/>
     </mc:Choice>
-    <mc:Fallback>
+    <mc:Fallback xmlns="">
       <p:transition/>
     </mc:Fallback>
   </mc:AlternateContent>
@@ -17494,11 +17581,11 @@
   <p:clrMapOvr>
     <a:masterClrMapping/>
   </p:clrMapOvr>
-  <mc:AlternateContent xmlns:mc="http://schemas.openxmlformats.org/markup-compatibility/2006">
-    <mc:Choice xmlns:p14="http://schemas.microsoft.com/office/powerpoint/2010/main" Requires="p14">
+  <mc:AlternateContent xmlns:mc="http://schemas.openxmlformats.org/markup-compatibility/2006" xmlns:p14="http://schemas.microsoft.com/office/powerpoint/2010/main">
+    <mc:Choice Requires="p14">
       <p:transition p14:dur="0"/>
     </mc:Choice>
-    <mc:Fallback>
+    <mc:Fallback xmlns="">
       <p:transition/>
     </mc:Fallback>
   </mc:AlternateContent>
@@ -17679,7 +17766,6 @@
               <a:rPr lang="nb-NO" dirty="0" smtClean="0"/>
               <a:t>minblogg.no/api/bloggposter/1/kommentarer</a:t>
             </a:r>
-            <a:endParaRPr lang="nb-NO" dirty="0" smtClean="0"/>
           </a:p>
           <a:p>
             <a:endParaRPr lang="nb-NO" dirty="0"/>
@@ -17844,11 +17930,7 @@
             </a:pPr>
             <a:r>
               <a:rPr lang="nb-NO" sz="1400" dirty="0" smtClean="0"/>
-              <a:t>Tilgjengeliggjøring </a:t>
-            </a:r>
-            <a:r>
-              <a:rPr lang="nb-NO" sz="1400" dirty="0" smtClean="0"/>
-              <a:t>for flere enheter og klientplatformer</a:t>
+              <a:t>Tilgjengeliggjøring for flere enheter og klientplatformer</a:t>
             </a:r>
           </a:p>
           <a:p>
@@ -18050,11 +18132,7 @@
             </a:pPr>
             <a:r>
               <a:rPr lang="nb-NO" sz="1400" dirty="0" smtClean="0"/>
-              <a:t> Rammeverk for å bygge Web API på toppen av .NET </a:t>
-            </a:r>
-            <a:r>
-              <a:rPr lang="nb-NO" sz="1400" dirty="0" smtClean="0"/>
-              <a:t>rammeverket</a:t>
+              <a:t> Rammeverk for å bygge Web API på toppen av .NET rammeverket</a:t>
             </a:r>
           </a:p>
           <a:p>

--- a/webapi/WebAPI.pptx
+++ b/webapi/WebAPI.pptx
@@ -20,8 +20,8 @@
     <p:sldId id="271" r:id="rId8"/>
     <p:sldId id="273" r:id="rId9"/>
     <p:sldId id="274" r:id="rId10"/>
-    <p:sldId id="270" r:id="rId11"/>
-    <p:sldId id="275" r:id="rId12"/>
+    <p:sldId id="275" r:id="rId11"/>
+    <p:sldId id="270" r:id="rId12"/>
     <p:sldId id="294" r:id="rId13"/>
     <p:sldId id="290" r:id="rId14"/>
     <p:sldId id="269" r:id="rId15"/>
@@ -128,7 +128,7 @@
   </p:defaultTextStyle>
   <p:extLst>
     <p:ext uri="{EFAFB233-063F-42B5-8137-9DF3F51BA10A}">
-      <p15:sldGuideLst xmlns="" xmlns:p15="http://schemas.microsoft.com/office/powerpoint/2012/main">
+      <p15:sldGuideLst xmlns:p15="http://schemas.microsoft.com/office/powerpoint/2012/main" xmlns="">
         <p15:guide id="1" orient="horz" pos="4196">
           <p15:clr>
             <a:srgbClr val="A4A3A4"/>
@@ -162,7 +162,7 @@
       </p15:sldGuideLst>
     </p:ext>
     <p:ext uri="{2D200454-40CA-4A62-9FC3-DE9A4176ACB9}">
-      <p15:notesGuideLst xmlns="" xmlns:p15="http://schemas.microsoft.com/office/powerpoint/2012/main">
+      <p15:notesGuideLst xmlns:p15="http://schemas.microsoft.com/office/powerpoint/2012/main" xmlns="">
         <p15:guide id="1" orient="horz" pos="2880">
           <p15:clr>
             <a:srgbClr val="A4A3A4"/>
@@ -530,7 +530,15 @@
             </a:r>
             <a:r>
               <a:rPr lang="nb-NO" baseline="0" dirty="0" smtClean="0"/>
-              <a:t> arkitekturstil eller rettningslinjer for hvordan lage HTTP-baserte tjenester</a:t>
+              <a:t> </a:t>
+            </a:r>
+            <a:r>
+              <a:rPr lang="nb-NO" baseline="0" dirty="0" smtClean="0"/>
+              <a:t>en arkitekturstil </a:t>
+            </a:r>
+            <a:r>
+              <a:rPr lang="nb-NO" baseline="0" dirty="0" smtClean="0"/>
+              <a:t>eller rettningslinjer for hvordan lage HTTP-baserte tjenester</a:t>
             </a:r>
           </a:p>
           <a:p>
@@ -613,19 +621,47 @@
           <a:bodyPr/>
           <a:lstStyle/>
           <a:p>
-            <a:r>
-              <a:rPr lang="nb-NO" dirty="0" smtClean="0"/>
-              <a:t>Et alternativ til konvensjonsbasert routing, men man kan bruke begge deler</a:t>
-            </a:r>
-          </a:p>
-          <a:p>
-            <a:r>
-              <a:rPr lang="nb-NO" dirty="0" smtClean="0"/>
-              <a:t>Spesielt</a:t>
+            <a:pPr marL="285750" indent="-285750">
+              <a:buFontTx/>
+              <a:buChar char="-"/>
+            </a:pPr>
+            <a:r>
+              <a:rPr lang="nb-NO" dirty="0" smtClean="0"/>
+              <a:t>Web API har to måter å gjøre ruting på. Den ene er konvensjonsbasert og den andre er attributtbasert</a:t>
+            </a:r>
+          </a:p>
+          <a:p>
+            <a:pPr marL="285750" indent="-285750">
+              <a:buFontTx/>
+              <a:buChar char="-"/>
+            </a:pPr>
+            <a:r>
+              <a:rPr lang="nb-NO" dirty="0" smtClean="0"/>
+              <a:t>Konvensjonsbasert</a:t>
             </a:r>
             <a:r>
               <a:rPr lang="nb-NO" baseline="0" dirty="0" smtClean="0"/>
-              <a:t> kjekt å bruke for å lage ruter for sub-ressurser som f.eks. Kommentarer i dette eksemplet</a:t>
+              <a:t> fungerer på samme måte som i ASP .NET MVC</a:t>
+            </a:r>
+          </a:p>
+          <a:p>
+            <a:pPr marL="285750" indent="-285750">
+              <a:buFontTx/>
+              <a:buChar char="-"/>
+            </a:pPr>
+            <a:r>
+              <a:rPr lang="nb-NO" baseline="0" dirty="0" smtClean="0"/>
+              <a:t>Man lager en route-template som med variabler som kan variere. I eksemplet er det en variabel for «controller» og for «id».</a:t>
+            </a:r>
+          </a:p>
+          <a:p>
+            <a:pPr marL="285750" indent="-285750">
+              <a:buFontTx/>
+              <a:buChar char="-"/>
+            </a:pPr>
+            <a:r>
+              <a:rPr lang="nb-NO" baseline="0" dirty="0" smtClean="0"/>
+              <a:t>Hvis det finnes en controller med et navn som matcher ruten (PersonsController) så vil systemet prøve å finne en metode i kontrolleren som støtter HTTP-verbet som benyttes og som tar inn en integer. Hvis ikke returneres en 404.</a:t>
             </a:r>
             <a:endParaRPr lang="nb-NO" dirty="0"/>
           </a:p>
@@ -634,7 +670,7 @@
     </p:spTree>
     <p:extLst>
       <p:ext uri="{BB962C8B-B14F-4D97-AF65-F5344CB8AC3E}">
-        <p14:creationId xmlns:p14="http://schemas.microsoft.com/office/powerpoint/2010/main" val="473714596"/>
+        <p14:creationId xmlns:p14="http://schemas.microsoft.com/office/powerpoint/2010/main" val="4166449398"/>
       </p:ext>
     </p:extLst>
   </p:cSld>
@@ -695,22 +731,17 @@
           <a:p>
             <a:r>
               <a:rPr lang="nb-NO" dirty="0" smtClean="0"/>
-              <a:t>Hvis man bare returnerer noe fra en metode vil man gi HTTP</a:t>
+              <a:t>Et alternativ til konvensjonsbasert routing, men man kan bruke begge deler</a:t>
+            </a:r>
+          </a:p>
+          <a:p>
+            <a:r>
+              <a:rPr lang="nb-NO" dirty="0" smtClean="0"/>
+              <a:t>Spesielt</a:t>
             </a:r>
             <a:r>
               <a:rPr lang="nb-NO" baseline="0" dirty="0" smtClean="0"/>
-              <a:t> statuskode 200 tilbake til klienten.</a:t>
-            </a:r>
-            <a:endParaRPr lang="nb-NO" dirty="0" smtClean="0"/>
-          </a:p>
-          <a:p>
-            <a:r>
-              <a:rPr lang="nb-NO" dirty="0" smtClean="0"/>
-              <a:t>For</a:t>
-            </a:r>
-            <a:r>
-              <a:rPr lang="nb-NO" baseline="0" dirty="0" smtClean="0"/>
-              <a:t> å si fra til klienten at noe galt skjedde bruker man typisk en HttpResponseException og angir en passende HTTP-statuskode</a:t>
+              <a:t> kjekt å bruke for å lage ruter for sub-ressurser som f.eks. Kommentarer i dette eksemplet</a:t>
             </a:r>
             <a:endParaRPr lang="nb-NO" dirty="0"/>
           </a:p>
@@ -719,7 +750,7 @@
     </p:spTree>
     <p:extLst>
       <p:ext uri="{BB962C8B-B14F-4D97-AF65-F5344CB8AC3E}">
-        <p14:creationId xmlns:p14="http://schemas.microsoft.com/office/powerpoint/2010/main" val="503856267"/>
+        <p14:creationId xmlns:p14="http://schemas.microsoft.com/office/powerpoint/2010/main" val="473714596"/>
       </p:ext>
     </p:extLst>
   </p:cSld>
@@ -775,6 +806,91 @@
         </p:nvSpPr>
         <p:spPr/>
         <p:txBody>
+          <a:bodyPr/>
+          <a:lstStyle/>
+          <a:p>
+            <a:r>
+              <a:rPr lang="nb-NO" dirty="0" smtClean="0"/>
+              <a:t>Hvis man bare returnerer noe fra en metode vil man gi HTTP</a:t>
+            </a:r>
+            <a:r>
+              <a:rPr lang="nb-NO" baseline="0" dirty="0" smtClean="0"/>
+              <a:t> statuskode 200 tilbake til klienten.</a:t>
+            </a:r>
+            <a:endParaRPr lang="nb-NO" dirty="0" smtClean="0"/>
+          </a:p>
+          <a:p>
+            <a:r>
+              <a:rPr lang="nb-NO" dirty="0" smtClean="0"/>
+              <a:t>For</a:t>
+            </a:r>
+            <a:r>
+              <a:rPr lang="nb-NO" baseline="0" dirty="0" smtClean="0"/>
+              <a:t> å si fra til klienten at noe galt skjedde bruker man typisk en HttpResponseException og angir en passende HTTP-statuskode</a:t>
+            </a:r>
+            <a:endParaRPr lang="nb-NO" dirty="0"/>
+          </a:p>
+        </p:txBody>
+      </p:sp>
+    </p:spTree>
+    <p:extLst>
+      <p:ext uri="{BB962C8B-B14F-4D97-AF65-F5344CB8AC3E}">
+        <p14:creationId xmlns:p14="http://schemas.microsoft.com/office/powerpoint/2010/main" val="503856267"/>
+      </p:ext>
+    </p:extLst>
+  </p:cSld>
+  <p:clrMapOvr>
+    <a:masterClrMapping/>
+  </p:clrMapOvr>
+</p:notes>
+</file>
+
+<file path=ppt/notesSlides/notesSlide13.xml><?xml version="1.0" encoding="utf-8"?>
+<p:notes xmlns:a="http://schemas.openxmlformats.org/drawingml/2006/main" xmlns:r="http://schemas.openxmlformats.org/officeDocument/2006/relationships" xmlns:p="http://schemas.openxmlformats.org/presentationml/2006/main">
+  <p:cSld>
+    <p:spTree>
+      <p:nvGrpSpPr>
+        <p:cNvPr id="1" name=""/>
+        <p:cNvGrpSpPr/>
+        <p:nvPr/>
+      </p:nvGrpSpPr>
+      <p:grpSpPr>
+        <a:xfrm>
+          <a:off x="0" y="0"/>
+          <a:ext cx="0" cy="0"/>
+          <a:chOff x="0" y="0"/>
+          <a:chExt cx="0" cy="0"/>
+        </a:xfrm>
+      </p:grpSpPr>
+      <p:sp>
+        <p:nvSpPr>
+          <p:cNvPr id="2" name="Slide Image Placeholder 1"/>
+          <p:cNvSpPr>
+            <a:spLocks noGrp="1" noRot="1" noChangeAspect="1"/>
+          </p:cNvSpPr>
+          <p:nvPr>
+            <p:ph type="sldImg"/>
+          </p:nvPr>
+        </p:nvSpPr>
+        <p:spPr>
+          <a:xfrm>
+            <a:off x="827088" y="592138"/>
+            <a:ext cx="5226050" cy="3919537"/>
+          </a:xfrm>
+        </p:spPr>
+      </p:sp>
+      <p:sp>
+        <p:nvSpPr>
+          <p:cNvPr id="3" name="Notes Placeholder 2"/>
+          <p:cNvSpPr>
+            <a:spLocks noGrp="1"/>
+          </p:cNvSpPr>
+          <p:nvPr>
+            <p:ph type="body" idx="1"/>
+          </p:nvPr>
+        </p:nvSpPr>
+        <p:spPr/>
+        <p:txBody>
           <a:bodyPr>
             <a:normAutofit/>
           </a:bodyPr>
@@ -803,7 +919,7 @@
 </p:notes>
 </file>
 
-<file path=ppt/notesSlides/notesSlide13.xml><?xml version="1.0" encoding="utf-8"?>
+<file path=ppt/notesSlides/notesSlide14.xml><?xml version="1.0" encoding="utf-8"?>
 <p:notes xmlns:a="http://schemas.openxmlformats.org/drawingml/2006/main" xmlns:r="http://schemas.openxmlformats.org/officeDocument/2006/relationships" xmlns:p="http://schemas.openxmlformats.org/presentationml/2006/main">
   <p:cSld>
     <p:spTree>
@@ -1193,28 +1309,53 @@
           <a:bodyPr/>
           <a:lstStyle/>
           <a:p>
-            <a:r>
-              <a:rPr lang="nb-NO" dirty="0" smtClean="0"/>
-              <a:t>Hvordan</a:t>
-            </a:r>
+            <a:pPr marL="285750" indent="-285750">
+              <a:buFontTx/>
+              <a:buChar char="-"/>
+            </a:pPr>
             <a:r>
               <a:rPr lang="nb-NO" baseline="0" dirty="0" smtClean="0"/>
-              <a:t> det kanskje kunne ha sett ut:</a:t>
-            </a:r>
-          </a:p>
-          <a:p>
-            <a:endParaRPr lang="nb-NO" baseline="0" dirty="0" smtClean="0"/>
-          </a:p>
-          <a:p>
+              <a:t>Slik kan f.eks. et REST-api se ut</a:t>
+            </a:r>
+          </a:p>
+          <a:p>
+            <a:pPr marL="285750" indent="-285750">
+              <a:buFontTx/>
+              <a:buChar char="-"/>
+            </a:pPr>
             <a:r>
               <a:rPr lang="nb-NO" baseline="0" dirty="0" smtClean="0"/>
-              <a:t>Hver enkelt url kalles en RESSURS</a:t>
-            </a:r>
-          </a:p>
-          <a:p>
+              <a:t>Kan lage ny bloggpost ved å gjøre en POST til bloggposter-ressursen</a:t>
+            </a:r>
+          </a:p>
+          <a:p>
+            <a:pPr marL="285750" indent="-285750">
+              <a:buFontTx/>
+              <a:buChar char="-"/>
+            </a:pPr>
             <a:r>
               <a:rPr lang="nb-NO" baseline="0" dirty="0" smtClean="0"/>
-              <a:t>Man kan utføre operasjoner på en ressurs ved å bruke de ulike HTTP verbene</a:t>
+              <a:t>Kan endre tittel på bloggposten ved å gjøre en PUT til bloggpost-ressursen vi lagde</a:t>
+            </a:r>
+          </a:p>
+          <a:p>
+            <a:pPr marL="285750" indent="-285750">
+              <a:buFontTx/>
+              <a:buChar char="-"/>
+            </a:pPr>
+            <a:r>
+              <a:rPr lang="nb-NO" baseline="0" dirty="0" smtClean="0"/>
+              <a:t>Kan slette bloggposten ved å gjøre en DELETE mot bloggpost-ressursen</a:t>
+            </a:r>
+          </a:p>
+          <a:p>
+            <a:pPr marL="285750" indent="-285750">
+              <a:buFontTx/>
+              <a:buChar char="-"/>
+            </a:pPr>
+            <a:r>
+              <a:rPr lang="nb-NO" baseline="0" dirty="0" smtClean="0"/>
+              <a:t>Kan hente alle kommentarer som tilhører en bloggpost ved å gjøre en GET mot subressursen «kommentarer».</a:t>
             </a:r>
           </a:p>
         </p:txBody>
@@ -1289,7 +1430,19 @@
             </a:pPr>
             <a:r>
               <a:rPr lang="nb-NO" sz="1600" dirty="0" smtClean="0"/>
-              <a:t>i stedet for formelle kontrakter som SOAP eller WS*</a:t>
+              <a:t> I</a:t>
+            </a:r>
+            <a:r>
+              <a:rPr lang="nb-NO" sz="1600" baseline="0" dirty="0" smtClean="0"/>
+              <a:t> </a:t>
+            </a:r>
+            <a:r>
+              <a:rPr lang="nb-NO" sz="1600" dirty="0" smtClean="0"/>
+              <a:t>stedet </a:t>
+            </a:r>
+            <a:r>
+              <a:rPr lang="nb-NO" sz="1600" dirty="0" smtClean="0"/>
+              <a:t>for formelle kontrakter som SOAP eller WS*</a:t>
             </a:r>
           </a:p>
           <a:p>
@@ -1299,7 +1452,11 @@
             </a:pPr>
             <a:r>
               <a:rPr lang="nb-NO" sz="1600" dirty="0" smtClean="0"/>
-              <a:t>Muliggjør tilgjengeligjøring av funksjonalitet for en rekke forskjellige enheter og klient platformer</a:t>
+              <a:t> Muliggjør </a:t>
+            </a:r>
+            <a:r>
+              <a:rPr lang="nb-NO" sz="1600" dirty="0" smtClean="0"/>
+              <a:t>tilgjengeligjøring av funksjonalitet for en rekke forskjellige enheter og klient platformer</a:t>
             </a:r>
             <a:endParaRPr lang="en-US" dirty="0"/>
           </a:p>
@@ -1367,27 +1524,46 @@
           <a:bodyPr/>
           <a:lstStyle/>
           <a:p>
-            <a:r>
-              <a:rPr lang="nb-NO" dirty="0" smtClean="0"/>
-              <a:t>Må</a:t>
+            <a:pPr marL="285750" indent="-285750">
+              <a:buFontTx/>
+              <a:buChar char="-"/>
+            </a:pPr>
+            <a:r>
+              <a:rPr lang="nb-NO" dirty="0" smtClean="0"/>
+              <a:t>Man</a:t>
             </a:r>
             <a:r>
               <a:rPr lang="nb-NO" baseline="0" dirty="0" smtClean="0"/>
-              <a:t> arve ApiController</a:t>
-            </a:r>
-          </a:p>
-          <a:p>
+              <a:t> kan bruke Web API direkte i et ASP .NET MVC 4 prosjekt</a:t>
+            </a:r>
+          </a:p>
+          <a:p>
+            <a:pPr marL="285750" indent="-285750">
+              <a:buFontTx/>
+              <a:buChar char="-"/>
+            </a:pPr>
             <a:r>
               <a:rPr lang="nb-NO" baseline="0" dirty="0" smtClean="0"/>
-              <a:t>En konvensjon gjør at man kan prefikse metoder med Get, Post, Put eller Delete. Web Api’et vil da ordne det slik at f.eks. en POST operasjon blir utført av en metode som er prefikset med Post. </a:t>
-            </a:r>
+              <a:t>MEN, web apiet kan også installeres helt separat igjennom Nuget</a:t>
+            </a:r>
+          </a:p>
+          <a:p>
+            <a:pPr marL="285750" indent="-285750">
+              <a:buFontTx/>
+              <a:buChar char="-"/>
+            </a:pPr>
+            <a:r>
+              <a:rPr lang="nb-NO" baseline="0" dirty="0" smtClean="0"/>
+              <a:t>Web APIet er ikke avhengig av MVC</a:t>
+            </a:r>
+            <a:endParaRPr lang="nb-NO" dirty="0"/>
           </a:p>
         </p:txBody>
       </p:sp>
     </p:spTree>
     <p:extLst>
       <p:ext uri="{BB962C8B-B14F-4D97-AF65-F5344CB8AC3E}">
-        <p14:creationId xmlns:p14="http://schemas.microsoft.com/office/powerpoint/2010/main" val="3750770557"/>
+        <p14:creationId xmlns:p14="http://schemas.microsoft.com/office/powerpoint/2010/main" val="3577680738"/>
       </p:ext>
     </p:extLst>
   </p:cSld>
@@ -1446,14 +1622,47 @@
           <a:bodyPr/>
           <a:lstStyle/>
           <a:p>
-            <a:endParaRPr lang="nb-NO" dirty="0"/>
+            <a:r>
+              <a:rPr lang="nb-NO" dirty="0" smtClean="0"/>
+              <a:t>- Må</a:t>
+            </a:r>
+            <a:r>
+              <a:rPr lang="nb-NO" baseline="0" dirty="0" smtClean="0"/>
+              <a:t> </a:t>
+            </a:r>
+            <a:r>
+              <a:rPr lang="nb-NO" baseline="0" dirty="0" smtClean="0"/>
+              <a:t>arve ApiController</a:t>
+            </a:r>
+          </a:p>
+          <a:p>
+            <a:r>
+              <a:rPr lang="nb-NO" baseline="0" dirty="0" smtClean="0"/>
+              <a:t>- Konvensjon for metoder prefikset med Get, Post, Put eller Delete</a:t>
+            </a:r>
+          </a:p>
+          <a:p>
+            <a:r>
+              <a:rPr lang="nb-NO" baseline="0" dirty="0" smtClean="0"/>
+              <a:t> </a:t>
+            </a:r>
+          </a:p>
+          <a:p>
+            <a:r>
+              <a:rPr lang="nb-NO" baseline="0" dirty="0" smtClean="0"/>
+              <a:t>En </a:t>
+            </a:r>
+            <a:r>
+              <a:rPr lang="nb-NO" baseline="0" dirty="0" smtClean="0"/>
+              <a:t>konvensjon gjør at man kan prefikse metoder med Get, Post, Put eller Delete. Web Api’et vil da ordne det slik at f.eks. en POST operasjon blir utført av en metode som er prefikset med Post. </a:t>
+            </a:r>
           </a:p>
         </p:txBody>
       </p:sp>
     </p:spTree>
     <p:extLst>
       <p:ext uri="{BB962C8B-B14F-4D97-AF65-F5344CB8AC3E}">
-        <p14:creationId xmlns:p14="http://schemas.microsoft.com/office/powerpoint/2010/main" val="4166449398"/>
+        <p14:creationId xmlns:p14="http://schemas.microsoft.com/office/powerpoint/2010/main" val="3750770557"/>
       </p:ext>
     </p:extLst>
   </p:cSld>
@@ -1512,13 +1721,39 @@
           <a:bodyPr/>
           <a:lstStyle/>
           <a:p>
-            <a:r>
-              <a:rPr lang="nb-NO" dirty="0" smtClean="0"/>
-              <a:t>Mulig</a:t>
-            </a:r>
+            <a:pPr marL="285750" indent="-285750">
+              <a:buFontTx/>
+              <a:buChar char="-"/>
+            </a:pPr>
             <a:r>
               <a:rPr lang="nb-NO" baseline="0" dirty="0" smtClean="0"/>
-              <a:t> å bruke attributter for angi hva slags HTTP verb en metode støtter</a:t>
+              <a:t>Er m</a:t>
+            </a:r>
+            <a:r>
+              <a:rPr lang="nb-NO" dirty="0" smtClean="0"/>
+              <a:t>ulig</a:t>
+            </a:r>
+            <a:r>
+              <a:rPr lang="nb-NO" baseline="0" dirty="0" smtClean="0"/>
+              <a:t> </a:t>
+            </a:r>
+            <a:r>
+              <a:rPr lang="nb-NO" baseline="0" dirty="0" smtClean="0"/>
+              <a:t>å bruke attributter for angi hva slags HTTP verb en metode </a:t>
+            </a:r>
+            <a:r>
+              <a:rPr lang="nb-NO" baseline="0" dirty="0" smtClean="0"/>
+              <a:t>støtter</a:t>
+            </a:r>
+          </a:p>
+          <a:p>
+            <a:pPr marL="285750" indent="-285750">
+              <a:buFontTx/>
+              <a:buChar char="-"/>
+            </a:pPr>
+            <a:r>
+              <a:rPr lang="nb-NO" baseline="0" dirty="0" smtClean="0"/>
+              <a:t>Istedet for metodenavn-konvensjonen</a:t>
             </a:r>
             <a:endParaRPr lang="nb-NO" dirty="0"/>
           </a:p>
@@ -10764,11 +10999,7 @@
           <a:p>
             <a:r>
               <a:rPr lang="nb-NO" dirty="0" smtClean="0"/>
-              <a:t>November</a:t>
-            </a:r>
-            <a:r>
-              <a:rPr lang="nb-NO" dirty="0" smtClean="0"/>
-              <a:t> 2013</a:t>
+              <a:t>November 2013</a:t>
             </a:r>
             <a:endParaRPr lang="en-US" dirty="0"/>
           </a:p>
@@ -10807,6 +11038,1686 @@
 </file>
 
 <file path=ppt/slides/slide10.xml><?xml version="1.0" encoding="utf-8"?>
+<p:sld xmlns:a="http://schemas.openxmlformats.org/drawingml/2006/main" xmlns:r="http://schemas.openxmlformats.org/officeDocument/2006/relationships" xmlns:p="http://schemas.openxmlformats.org/presentationml/2006/main">
+  <p:cSld>
+    <p:spTree>
+      <p:nvGrpSpPr>
+        <p:cNvPr id="1" name=""/>
+        <p:cNvGrpSpPr/>
+        <p:nvPr/>
+      </p:nvGrpSpPr>
+      <p:grpSpPr>
+        <a:xfrm>
+          <a:off x="0" y="0"/>
+          <a:ext cx="0" cy="0"/>
+          <a:chOff x="0" y="0"/>
+          <a:chExt cx="0" cy="0"/>
+        </a:xfrm>
+      </p:grpSpPr>
+      <p:sp>
+        <p:nvSpPr>
+          <p:cNvPr id="2" name="Title 1"/>
+          <p:cNvSpPr>
+            <a:spLocks noGrp="1"/>
+          </p:cNvSpPr>
+          <p:nvPr>
+            <p:ph type="title"/>
+          </p:nvPr>
+        </p:nvSpPr>
+        <p:spPr>
+          <a:xfrm>
+            <a:off x="321623" y="418905"/>
+            <a:ext cx="2306722" cy="307777"/>
+          </a:xfrm>
+        </p:spPr>
+        <p:txBody>
+          <a:bodyPr/>
+          <a:lstStyle/>
+          <a:p>
+            <a:r>
+              <a:rPr lang="nb-NO" dirty="0" smtClean="0"/>
+              <a:t>Routing forts</a:t>
+            </a:r>
+            <a:endParaRPr lang="en-US" dirty="0"/>
+          </a:p>
+        </p:txBody>
+      </p:sp>
+      <p:sp>
+        <p:nvSpPr>
+          <p:cNvPr id="3" name="Slide Number Placeholder 2"/>
+          <p:cNvSpPr>
+            <a:spLocks noGrp="1"/>
+          </p:cNvSpPr>
+          <p:nvPr>
+            <p:ph type="sldNum" sz="quarter" idx="10"/>
+          </p:nvPr>
+        </p:nvSpPr>
+        <p:spPr/>
+        <p:txBody>
+          <a:bodyPr/>
+          <a:lstStyle/>
+          <a:p>
+            <a:fld id="{FF67BF5B-7344-D747-A0C2-CBD7B2ACBC85}" type="slidenum">
+              <a:rPr lang="en-US" smtClean="0"/>
+              <a:pPr/>
+              <a:t>10</a:t>
+            </a:fld>
+            <a:endParaRPr lang="en-US" dirty="0"/>
+          </a:p>
+        </p:txBody>
+      </p:sp>
+      <p:sp>
+        <p:nvSpPr>
+          <p:cNvPr id="5" name="Rectangle 1"/>
+          <p:cNvSpPr>
+            <a:spLocks noChangeArrowheads="1"/>
+          </p:cNvSpPr>
+          <p:nvPr/>
+        </p:nvSpPr>
+        <p:spPr bwMode="auto">
+          <a:xfrm>
+            <a:off x="499873" y="1152109"/>
+            <a:ext cx="8231434" cy="1754326"/>
+          </a:xfrm>
+          <a:prstGeom prst="rect">
+            <a:avLst/>
+          </a:prstGeom>
+          <a:solidFill>
+            <a:srgbClr val="FFFFFF"/>
+          </a:solidFill>
+          <a:ln w="9525">
+            <a:solidFill>
+              <a:schemeClr val="accent1"/>
+            </a:solidFill>
+            <a:miter lim="800000"/>
+            <a:headEnd/>
+            <a:tailEnd/>
+          </a:ln>
+          <a:effectLst/>
+        </p:spPr>
+        <p:txBody>
+          <a:bodyPr vert="horz" wrap="square" lIns="91440" tIns="45720" rIns="91440" bIns="45720" numCol="1" anchor="ctr" anchorCtr="0" compatLnSpc="1">
+            <a:prstTxWarp prst="textNoShape">
+              <a:avLst/>
+            </a:prstTxWarp>
+            <a:spAutoFit/>
+          </a:bodyPr>
+          <a:lstStyle/>
+          <a:p>
+            <a:pPr marL="0" marR="0" lvl="0" indent="0" algn="l" defTabSz="914400" rtl="0" eaLnBrk="1" fontAlgn="base" latinLnBrk="0" hangingPunct="1">
+              <a:lnSpc>
+                <a:spcPct val="100000"/>
+              </a:lnSpc>
+              <a:spcBef>
+                <a:spcPct val="0"/>
+              </a:spcBef>
+              <a:spcAft>
+                <a:spcPct val="0"/>
+              </a:spcAft>
+              <a:buClrTx/>
+              <a:buSzTx/>
+              <a:buFontTx/>
+              <a:buNone/>
+              <a:tabLst/>
+            </a:pPr>
+            <a:r>
+              <a:rPr kumimoji="0" lang="en-US" sz="1200" b="0" i="0" u="none" strike="noStrike" cap="none" normalizeH="0" baseline="0" dirty="0" smtClean="0">
+                <a:ln>
+                  <a:noFill/>
+                </a:ln>
+                <a:solidFill>
+                  <a:srgbClr val="0000FF"/>
+                </a:solidFill>
+                <a:effectLst/>
+                <a:latin typeface="Consolas" pitchFamily="49" charset="0"/>
+                <a:cs typeface="Consolas" pitchFamily="49" charset="0"/>
+              </a:rPr>
+              <a:t>public</a:t>
+            </a:r>
+            <a:r>
+              <a:rPr kumimoji="0" lang="en-US" sz="1200" b="0" i="0" u="none" strike="noStrike" cap="none" normalizeH="0" baseline="0" dirty="0" smtClean="0">
+                <a:ln>
+                  <a:noFill/>
+                </a:ln>
+                <a:solidFill>
+                  <a:srgbClr val="000000"/>
+                </a:solidFill>
+                <a:effectLst/>
+                <a:latin typeface="Consolas" pitchFamily="49" charset="0"/>
+                <a:cs typeface="Consolas" pitchFamily="49" charset="0"/>
+              </a:rPr>
+              <a:t> </a:t>
+            </a:r>
+            <a:r>
+              <a:rPr kumimoji="0" lang="en-US" sz="1200" b="0" i="0" u="none" strike="noStrike" cap="none" normalizeH="0" baseline="0" dirty="0" smtClean="0">
+                <a:ln>
+                  <a:noFill/>
+                </a:ln>
+                <a:solidFill>
+                  <a:srgbClr val="0000FF"/>
+                </a:solidFill>
+                <a:effectLst/>
+                <a:latin typeface="Consolas" pitchFamily="49" charset="0"/>
+                <a:cs typeface="Consolas" pitchFamily="49" charset="0"/>
+              </a:rPr>
+              <a:t>class</a:t>
+            </a:r>
+            <a:r>
+              <a:rPr kumimoji="0" lang="en-US" sz="1200" b="0" i="0" u="none" strike="noStrike" cap="none" normalizeH="0" baseline="0" dirty="0" smtClean="0">
+                <a:ln>
+                  <a:noFill/>
+                </a:ln>
+                <a:solidFill>
+                  <a:srgbClr val="000000"/>
+                </a:solidFill>
+                <a:effectLst/>
+                <a:latin typeface="Consolas" pitchFamily="49" charset="0"/>
+                <a:cs typeface="Consolas" pitchFamily="49" charset="0"/>
+              </a:rPr>
+              <a:t> </a:t>
+            </a:r>
+            <a:r>
+              <a:rPr kumimoji="0" lang="en-US" sz="1200" b="0" i="0" u="none" strike="noStrike" cap="none" normalizeH="0" baseline="0" dirty="0" err="1" smtClean="0">
+                <a:ln>
+                  <a:noFill/>
+                </a:ln>
+                <a:solidFill>
+                  <a:srgbClr val="2B91AF"/>
+                </a:solidFill>
+                <a:effectLst/>
+                <a:latin typeface="Consolas" pitchFamily="49" charset="0"/>
+                <a:cs typeface="Consolas" pitchFamily="49" charset="0"/>
+              </a:rPr>
+              <a:t>PersonController</a:t>
+            </a:r>
+            <a:r>
+              <a:rPr kumimoji="0" lang="en-US" sz="1200" b="0" i="0" u="none" strike="noStrike" cap="none" normalizeH="0" baseline="0" dirty="0" smtClean="0">
+                <a:ln>
+                  <a:noFill/>
+                </a:ln>
+                <a:solidFill>
+                  <a:srgbClr val="000000"/>
+                </a:solidFill>
+                <a:effectLst/>
+                <a:latin typeface="Consolas" pitchFamily="49" charset="0"/>
+                <a:cs typeface="Consolas" pitchFamily="49" charset="0"/>
+              </a:rPr>
+              <a:t> : </a:t>
+            </a:r>
+            <a:r>
+              <a:rPr kumimoji="0" lang="en-US" sz="1200" b="0" i="0" u="none" strike="noStrike" cap="none" normalizeH="0" baseline="0" dirty="0" smtClean="0">
+                <a:ln>
+                  <a:noFill/>
+                </a:ln>
+                <a:solidFill>
+                  <a:srgbClr val="2B91AF"/>
+                </a:solidFill>
+                <a:effectLst/>
+                <a:latin typeface="Consolas" pitchFamily="49" charset="0"/>
+                <a:cs typeface="Consolas" pitchFamily="49" charset="0"/>
+              </a:rPr>
+              <a:t>ApiController</a:t>
+            </a:r>
+            <a:r>
+              <a:rPr kumimoji="0" lang="en-US" sz="1200" b="0" i="0" u="none" strike="noStrike" cap="none" normalizeH="0" baseline="0" dirty="0" smtClean="0">
+                <a:ln>
+                  <a:noFill/>
+                </a:ln>
+                <a:solidFill>
+                  <a:srgbClr val="000000"/>
+                </a:solidFill>
+                <a:effectLst/>
+                <a:latin typeface="Consolas" pitchFamily="49" charset="0"/>
+                <a:cs typeface="Consolas" pitchFamily="49" charset="0"/>
+              </a:rPr>
+              <a:t>     </a:t>
+            </a:r>
+          </a:p>
+          <a:p>
+            <a:pPr marL="0" marR="0" lvl="0" indent="0" algn="l" defTabSz="914400" rtl="0" eaLnBrk="1" fontAlgn="base" latinLnBrk="0" hangingPunct="1">
+              <a:lnSpc>
+                <a:spcPct val="100000"/>
+              </a:lnSpc>
+              <a:spcBef>
+                <a:spcPct val="0"/>
+              </a:spcBef>
+              <a:spcAft>
+                <a:spcPct val="0"/>
+              </a:spcAft>
+              <a:buClrTx/>
+              <a:buSzTx/>
+              <a:buFontTx/>
+              <a:buNone/>
+              <a:tabLst/>
+            </a:pPr>
+            <a:r>
+              <a:rPr kumimoji="0" lang="en-US" sz="1200" b="0" i="0" u="none" strike="noStrike" cap="none" normalizeH="0" baseline="0" dirty="0" smtClean="0">
+                <a:ln>
+                  <a:noFill/>
+                </a:ln>
+                <a:solidFill>
+                  <a:srgbClr val="000000"/>
+                </a:solidFill>
+                <a:effectLst/>
+                <a:latin typeface="Consolas" pitchFamily="49" charset="0"/>
+                <a:cs typeface="Consolas" pitchFamily="49" charset="0"/>
+              </a:rPr>
+              <a:t>{         </a:t>
+            </a:r>
+          </a:p>
+          <a:p>
+            <a:pPr marL="0" marR="0" lvl="0" indent="0" algn="l" defTabSz="914400" rtl="0" eaLnBrk="1" fontAlgn="base" latinLnBrk="0" hangingPunct="1">
+              <a:lnSpc>
+                <a:spcPct val="100000"/>
+              </a:lnSpc>
+              <a:spcBef>
+                <a:spcPct val="0"/>
+              </a:spcBef>
+              <a:spcAft>
+                <a:spcPct val="0"/>
+              </a:spcAft>
+              <a:buClrTx/>
+              <a:buSzTx/>
+              <a:buFontTx/>
+              <a:buNone/>
+              <a:tabLst/>
+            </a:pPr>
+            <a:r>
+              <a:rPr lang="en-US" sz="1200" dirty="0" smtClean="0">
+                <a:solidFill>
+                  <a:srgbClr val="000000"/>
+                </a:solidFill>
+                <a:latin typeface="Consolas" pitchFamily="49" charset="0"/>
+                <a:cs typeface="Consolas" pitchFamily="49" charset="0"/>
+              </a:rPr>
+              <a:t>	</a:t>
+            </a:r>
+            <a:r>
+              <a:rPr kumimoji="0" lang="en-US" sz="1200" b="0" i="0" u="none" strike="noStrike" cap="none" normalizeH="0" baseline="0" dirty="0" smtClean="0">
+                <a:ln>
+                  <a:noFill/>
+                </a:ln>
+                <a:solidFill>
+                  <a:srgbClr val="0000FF"/>
+                </a:solidFill>
+                <a:effectLst/>
+                <a:latin typeface="Consolas" pitchFamily="49" charset="0"/>
+                <a:cs typeface="Consolas" pitchFamily="49" charset="0"/>
+              </a:rPr>
+              <a:t>private</a:t>
+            </a:r>
+            <a:r>
+              <a:rPr kumimoji="0" lang="en-US" sz="1200" b="0" i="0" u="none" strike="noStrike" cap="none" normalizeH="0" baseline="0" dirty="0" smtClean="0">
+                <a:ln>
+                  <a:noFill/>
+                </a:ln>
+                <a:solidFill>
+                  <a:srgbClr val="000000"/>
+                </a:solidFill>
+                <a:effectLst/>
+                <a:latin typeface="Consolas" pitchFamily="49" charset="0"/>
+                <a:cs typeface="Consolas" pitchFamily="49" charset="0"/>
+              </a:rPr>
+              <a:t> </a:t>
+            </a:r>
+            <a:r>
+              <a:rPr kumimoji="0" lang="en-US" sz="1200" b="0" i="0" u="none" strike="noStrike" cap="none" normalizeH="0" baseline="0" dirty="0" err="1" smtClean="0">
+                <a:ln>
+                  <a:noFill/>
+                </a:ln>
+                <a:solidFill>
+                  <a:srgbClr val="2B91AF"/>
+                </a:solidFill>
+                <a:effectLst/>
+                <a:latin typeface="Consolas" pitchFamily="49" charset="0"/>
+                <a:cs typeface="Consolas" pitchFamily="49" charset="0"/>
+              </a:rPr>
+              <a:t>IEnumerable</a:t>
+            </a:r>
+            <a:r>
+              <a:rPr kumimoji="0" lang="en-US" sz="1200" b="0" i="0" u="none" strike="noStrike" cap="none" normalizeH="0" baseline="0" dirty="0" smtClean="0">
+                <a:ln>
+                  <a:noFill/>
+                </a:ln>
+                <a:solidFill>
+                  <a:srgbClr val="000000"/>
+                </a:solidFill>
+                <a:effectLst/>
+                <a:latin typeface="Consolas" pitchFamily="49" charset="0"/>
+                <a:cs typeface="Consolas" pitchFamily="49" charset="0"/>
+              </a:rPr>
+              <a:t>&lt;</a:t>
+            </a:r>
+            <a:r>
+              <a:rPr kumimoji="0" lang="en-US" sz="1200" b="0" i="0" u="none" strike="noStrike" cap="none" normalizeH="0" baseline="0" dirty="0" smtClean="0">
+                <a:ln>
+                  <a:noFill/>
+                </a:ln>
+                <a:solidFill>
+                  <a:srgbClr val="2B91AF"/>
+                </a:solidFill>
+                <a:effectLst/>
+                <a:latin typeface="Consolas" pitchFamily="49" charset="0"/>
+                <a:cs typeface="Consolas" pitchFamily="49" charset="0"/>
+              </a:rPr>
+              <a:t>Person</a:t>
+            </a:r>
+            <a:r>
+              <a:rPr kumimoji="0" lang="en-US" sz="1200" b="0" i="0" u="none" strike="noStrike" cap="none" normalizeH="0" baseline="0" dirty="0" smtClean="0">
+                <a:ln>
+                  <a:noFill/>
+                </a:ln>
+                <a:solidFill>
+                  <a:srgbClr val="000000"/>
+                </a:solidFill>
+                <a:effectLst/>
+                <a:latin typeface="Consolas" pitchFamily="49" charset="0"/>
+                <a:cs typeface="Consolas" pitchFamily="49" charset="0"/>
+              </a:rPr>
+              <a:t>&gt; _persons = </a:t>
+            </a:r>
+            <a:r>
+              <a:rPr kumimoji="0" lang="en-US" sz="1200" b="0" i="0" u="none" strike="noStrike" cap="none" normalizeH="0" baseline="0" dirty="0" smtClean="0">
+                <a:ln>
+                  <a:noFill/>
+                </a:ln>
+                <a:solidFill>
+                  <a:srgbClr val="0000FF"/>
+                </a:solidFill>
+                <a:effectLst/>
+                <a:latin typeface="Consolas" pitchFamily="49" charset="0"/>
+                <a:cs typeface="Consolas" pitchFamily="49" charset="0"/>
+              </a:rPr>
+              <a:t>new</a:t>
+            </a:r>
+            <a:r>
+              <a:rPr kumimoji="0" lang="en-US" sz="1200" b="0" i="0" u="none" strike="noStrike" cap="none" normalizeH="0" baseline="0" dirty="0" smtClean="0">
+                <a:ln>
+                  <a:noFill/>
+                </a:ln>
+                <a:solidFill>
+                  <a:srgbClr val="000000"/>
+                </a:solidFill>
+                <a:effectLst/>
+                <a:latin typeface="Consolas" pitchFamily="49" charset="0"/>
+                <a:cs typeface="Consolas" pitchFamily="49" charset="0"/>
+              </a:rPr>
+              <a:t> </a:t>
+            </a:r>
+            <a:r>
+              <a:rPr kumimoji="0" lang="en-US" sz="1200" b="0" i="0" u="none" strike="noStrike" cap="none" normalizeH="0" baseline="0" dirty="0" smtClean="0">
+                <a:ln>
+                  <a:noFill/>
+                </a:ln>
+                <a:solidFill>
+                  <a:srgbClr val="2B91AF"/>
+                </a:solidFill>
+                <a:effectLst/>
+                <a:latin typeface="Consolas" pitchFamily="49" charset="0"/>
+                <a:cs typeface="Consolas" pitchFamily="49" charset="0"/>
+              </a:rPr>
+              <a:t>List</a:t>
+            </a:r>
+            <a:r>
+              <a:rPr kumimoji="0" lang="en-US" sz="1200" b="0" i="0" u="none" strike="noStrike" cap="none" normalizeH="0" baseline="0" dirty="0" smtClean="0">
+                <a:ln>
+                  <a:noFill/>
+                </a:ln>
+                <a:solidFill>
+                  <a:srgbClr val="000000"/>
+                </a:solidFill>
+                <a:effectLst/>
+                <a:latin typeface="Consolas" pitchFamily="49" charset="0"/>
+                <a:cs typeface="Consolas" pitchFamily="49" charset="0"/>
+              </a:rPr>
+              <a:t>&lt;</a:t>
+            </a:r>
+            <a:r>
+              <a:rPr kumimoji="0" lang="en-US" sz="1200" b="0" i="0" u="none" strike="noStrike" cap="none" normalizeH="0" baseline="0" dirty="0" smtClean="0">
+                <a:ln>
+                  <a:noFill/>
+                </a:ln>
+                <a:solidFill>
+                  <a:srgbClr val="2B91AF"/>
+                </a:solidFill>
+                <a:effectLst/>
+                <a:latin typeface="Consolas" pitchFamily="49" charset="0"/>
+                <a:cs typeface="Consolas" pitchFamily="49" charset="0"/>
+              </a:rPr>
+              <a:t>Person</a:t>
+            </a:r>
+            <a:r>
+              <a:rPr kumimoji="0" lang="en-US" sz="1200" b="0" i="0" u="none" strike="noStrike" cap="none" normalizeH="0" baseline="0" dirty="0" smtClean="0">
+                <a:ln>
+                  <a:noFill/>
+                </a:ln>
+                <a:solidFill>
+                  <a:srgbClr val="000000"/>
+                </a:solidFill>
+                <a:effectLst/>
+                <a:latin typeface="Consolas" pitchFamily="49" charset="0"/>
+                <a:cs typeface="Consolas" pitchFamily="49" charset="0"/>
+              </a:rPr>
+              <a:t>&gt;();         </a:t>
+            </a:r>
+          </a:p>
+          <a:p>
+            <a:pPr marL="0" marR="0" lvl="0" indent="0" algn="l" defTabSz="914400" rtl="0" eaLnBrk="1" fontAlgn="base" latinLnBrk="0" hangingPunct="1">
+              <a:lnSpc>
+                <a:spcPct val="100000"/>
+              </a:lnSpc>
+              <a:spcBef>
+                <a:spcPct val="0"/>
+              </a:spcBef>
+              <a:spcAft>
+                <a:spcPct val="0"/>
+              </a:spcAft>
+              <a:buClrTx/>
+              <a:buSzTx/>
+              <a:buFontTx/>
+              <a:buNone/>
+              <a:tabLst/>
+            </a:pPr>
+            <a:r>
+              <a:rPr kumimoji="0" lang="en-US" sz="1200" b="0" i="0" u="none" strike="noStrike" cap="none" normalizeH="0" baseline="0" dirty="0" smtClean="0">
+                <a:ln>
+                  <a:noFill/>
+                </a:ln>
+                <a:solidFill>
+                  <a:srgbClr val="0000FF"/>
+                </a:solidFill>
+                <a:effectLst/>
+                <a:latin typeface="Consolas" pitchFamily="49" charset="0"/>
+                <a:cs typeface="Consolas" pitchFamily="49" charset="0"/>
+              </a:rPr>
+              <a:t>	</a:t>
+            </a:r>
+          </a:p>
+          <a:p>
+            <a:pPr marL="0" marR="0" lvl="0" indent="0" algn="l" defTabSz="914400" rtl="0" eaLnBrk="1" fontAlgn="base" latinLnBrk="0" hangingPunct="1">
+              <a:lnSpc>
+                <a:spcPct val="100000"/>
+              </a:lnSpc>
+              <a:spcBef>
+                <a:spcPct val="0"/>
+              </a:spcBef>
+              <a:spcAft>
+                <a:spcPct val="0"/>
+              </a:spcAft>
+              <a:buClrTx/>
+              <a:buSzTx/>
+              <a:buFontTx/>
+              <a:buNone/>
+              <a:tabLst/>
+            </a:pPr>
+            <a:r>
+              <a:rPr lang="en-US" sz="1200" dirty="0" smtClean="0">
+                <a:solidFill>
+                  <a:srgbClr val="0000FF"/>
+                </a:solidFill>
+                <a:latin typeface="Consolas" pitchFamily="49" charset="0"/>
+                <a:cs typeface="Consolas" pitchFamily="49" charset="0"/>
+              </a:rPr>
+              <a:t>	</a:t>
+            </a:r>
+            <a:r>
+              <a:rPr kumimoji="0" lang="en-US" sz="1200" b="0" i="0" u="none" strike="noStrike" cap="none" normalizeH="0" baseline="0" dirty="0" smtClean="0">
+                <a:ln>
+                  <a:noFill/>
+                </a:ln>
+                <a:solidFill>
+                  <a:srgbClr val="0000FF"/>
+                </a:solidFill>
+                <a:effectLst/>
+                <a:latin typeface="Consolas" pitchFamily="49" charset="0"/>
+                <a:cs typeface="Consolas" pitchFamily="49" charset="0"/>
+              </a:rPr>
+              <a:t>public</a:t>
+            </a:r>
+            <a:r>
+              <a:rPr kumimoji="0" lang="en-US" sz="1200" b="0" i="0" u="none" strike="noStrike" cap="none" normalizeH="0" baseline="0" dirty="0" smtClean="0">
+                <a:ln>
+                  <a:noFill/>
+                </a:ln>
+                <a:solidFill>
+                  <a:srgbClr val="000000"/>
+                </a:solidFill>
+                <a:effectLst/>
+                <a:latin typeface="Consolas" pitchFamily="49" charset="0"/>
+                <a:cs typeface="Consolas" pitchFamily="49" charset="0"/>
+              </a:rPr>
+              <a:t> </a:t>
+            </a:r>
+            <a:r>
+              <a:rPr kumimoji="0" lang="en-US" sz="1200" b="0" i="0" u="none" strike="noStrike" cap="none" normalizeH="0" baseline="0" dirty="0" err="1" smtClean="0">
+                <a:ln>
+                  <a:noFill/>
+                </a:ln>
+                <a:solidFill>
+                  <a:srgbClr val="2B91AF"/>
+                </a:solidFill>
+                <a:effectLst/>
+                <a:latin typeface="Consolas" pitchFamily="49" charset="0"/>
+                <a:cs typeface="Consolas" pitchFamily="49" charset="0"/>
+              </a:rPr>
+              <a:t>IEnumerable</a:t>
+            </a:r>
+            <a:r>
+              <a:rPr kumimoji="0" lang="en-US" sz="1200" b="0" i="0" u="none" strike="noStrike" cap="none" normalizeH="0" baseline="0" dirty="0" smtClean="0">
+                <a:ln>
+                  <a:noFill/>
+                </a:ln>
+                <a:solidFill>
+                  <a:srgbClr val="000000"/>
+                </a:solidFill>
+                <a:effectLst/>
+                <a:latin typeface="Consolas" pitchFamily="49" charset="0"/>
+                <a:cs typeface="Consolas" pitchFamily="49" charset="0"/>
+              </a:rPr>
+              <a:t>&lt;</a:t>
+            </a:r>
+            <a:r>
+              <a:rPr kumimoji="0" lang="en-US" sz="1200" b="0" i="0" u="none" strike="noStrike" cap="none" normalizeH="0" baseline="0" dirty="0" smtClean="0">
+                <a:ln>
+                  <a:noFill/>
+                </a:ln>
+                <a:solidFill>
+                  <a:srgbClr val="2B91AF"/>
+                </a:solidFill>
+                <a:effectLst/>
+                <a:latin typeface="Consolas" pitchFamily="49" charset="0"/>
+                <a:cs typeface="Consolas" pitchFamily="49" charset="0"/>
+              </a:rPr>
+              <a:t>Person</a:t>
+            </a:r>
+            <a:r>
+              <a:rPr kumimoji="0" lang="en-US" sz="1200" b="0" i="0" u="none" strike="noStrike" cap="none" normalizeH="0" baseline="0" dirty="0" smtClean="0">
+                <a:ln>
+                  <a:noFill/>
+                </a:ln>
+                <a:solidFill>
+                  <a:srgbClr val="000000"/>
+                </a:solidFill>
+                <a:effectLst/>
+                <a:latin typeface="Consolas" pitchFamily="49" charset="0"/>
+                <a:cs typeface="Consolas" pitchFamily="49" charset="0"/>
+              </a:rPr>
+              <a:t>&gt; Get()         </a:t>
+            </a:r>
+          </a:p>
+          <a:p>
+            <a:pPr marL="0" marR="0" lvl="0" indent="0" algn="l" defTabSz="914400" rtl="0" eaLnBrk="1" fontAlgn="base" latinLnBrk="0" hangingPunct="1">
+              <a:lnSpc>
+                <a:spcPct val="100000"/>
+              </a:lnSpc>
+              <a:spcBef>
+                <a:spcPct val="0"/>
+              </a:spcBef>
+              <a:spcAft>
+                <a:spcPct val="0"/>
+              </a:spcAft>
+              <a:buClrTx/>
+              <a:buSzTx/>
+              <a:buFontTx/>
+              <a:buNone/>
+              <a:tabLst/>
+            </a:pPr>
+            <a:r>
+              <a:rPr lang="en-US" sz="1200" dirty="0" smtClean="0">
+                <a:solidFill>
+                  <a:srgbClr val="000000"/>
+                </a:solidFill>
+                <a:latin typeface="Consolas" pitchFamily="49" charset="0"/>
+                <a:cs typeface="Consolas" pitchFamily="49" charset="0"/>
+              </a:rPr>
+              <a:t>	</a:t>
+            </a:r>
+            <a:r>
+              <a:rPr kumimoji="0" lang="en-US" sz="1200" b="0" i="0" u="none" strike="noStrike" cap="none" normalizeH="0" baseline="0" dirty="0" smtClean="0">
+                <a:ln>
+                  <a:noFill/>
+                </a:ln>
+                <a:solidFill>
+                  <a:srgbClr val="000000"/>
+                </a:solidFill>
+                <a:effectLst/>
+                <a:latin typeface="Consolas" pitchFamily="49" charset="0"/>
+                <a:cs typeface="Consolas" pitchFamily="49" charset="0"/>
+              </a:rPr>
+              <a:t>{             </a:t>
+            </a:r>
+          </a:p>
+          <a:p>
+            <a:pPr marL="0" marR="0" lvl="0" indent="0" algn="l" defTabSz="914400" rtl="0" eaLnBrk="1" fontAlgn="base" latinLnBrk="0" hangingPunct="1">
+              <a:lnSpc>
+                <a:spcPct val="100000"/>
+              </a:lnSpc>
+              <a:spcBef>
+                <a:spcPct val="0"/>
+              </a:spcBef>
+              <a:spcAft>
+                <a:spcPct val="0"/>
+              </a:spcAft>
+              <a:buClrTx/>
+              <a:buSzTx/>
+              <a:buFontTx/>
+              <a:buNone/>
+              <a:tabLst/>
+            </a:pPr>
+            <a:r>
+              <a:rPr lang="en-US" sz="1200" dirty="0" smtClean="0">
+                <a:solidFill>
+                  <a:srgbClr val="000000"/>
+                </a:solidFill>
+                <a:latin typeface="Consolas" pitchFamily="49" charset="0"/>
+                <a:cs typeface="Consolas" pitchFamily="49" charset="0"/>
+              </a:rPr>
+              <a:t>		</a:t>
+            </a:r>
+            <a:r>
+              <a:rPr kumimoji="0" lang="en-US" sz="1200" b="0" i="0" u="none" strike="noStrike" cap="none" normalizeH="0" baseline="0" dirty="0" smtClean="0">
+                <a:ln>
+                  <a:noFill/>
+                </a:ln>
+                <a:solidFill>
+                  <a:srgbClr val="0000FF"/>
+                </a:solidFill>
+                <a:effectLst/>
+                <a:latin typeface="Consolas" pitchFamily="49" charset="0"/>
+                <a:cs typeface="Consolas" pitchFamily="49" charset="0"/>
+              </a:rPr>
+              <a:t>return</a:t>
+            </a:r>
+            <a:r>
+              <a:rPr kumimoji="0" lang="en-US" sz="1200" b="0" i="0" u="none" strike="noStrike" cap="none" normalizeH="0" baseline="0" dirty="0" smtClean="0">
+                <a:ln>
+                  <a:noFill/>
+                </a:ln>
+                <a:solidFill>
+                  <a:srgbClr val="000000"/>
+                </a:solidFill>
+                <a:effectLst/>
+                <a:latin typeface="Consolas" pitchFamily="49" charset="0"/>
+                <a:cs typeface="Consolas" pitchFamily="49" charset="0"/>
+              </a:rPr>
+              <a:t> _persons;         </a:t>
+            </a:r>
+          </a:p>
+          <a:p>
+            <a:pPr marL="0" marR="0" lvl="0" indent="0" algn="l" defTabSz="914400" rtl="0" eaLnBrk="1" fontAlgn="base" latinLnBrk="0" hangingPunct="1">
+              <a:lnSpc>
+                <a:spcPct val="100000"/>
+              </a:lnSpc>
+              <a:spcBef>
+                <a:spcPct val="0"/>
+              </a:spcBef>
+              <a:spcAft>
+                <a:spcPct val="0"/>
+              </a:spcAft>
+              <a:buClrTx/>
+              <a:buSzTx/>
+              <a:buFontTx/>
+              <a:buNone/>
+              <a:tabLst/>
+            </a:pPr>
+            <a:r>
+              <a:rPr lang="en-US" sz="1200" dirty="0" smtClean="0">
+                <a:solidFill>
+                  <a:srgbClr val="000000"/>
+                </a:solidFill>
+                <a:latin typeface="Consolas" pitchFamily="49" charset="0"/>
+                <a:cs typeface="Consolas" pitchFamily="49" charset="0"/>
+              </a:rPr>
+              <a:t>	</a:t>
+            </a:r>
+            <a:r>
+              <a:rPr kumimoji="0" lang="en-US" sz="1200" b="0" i="0" u="none" strike="noStrike" cap="none" normalizeH="0" baseline="0" dirty="0" smtClean="0">
+                <a:ln>
+                  <a:noFill/>
+                </a:ln>
+                <a:solidFill>
+                  <a:srgbClr val="000000"/>
+                </a:solidFill>
+                <a:effectLst/>
+                <a:latin typeface="Consolas" pitchFamily="49" charset="0"/>
+                <a:cs typeface="Consolas" pitchFamily="49" charset="0"/>
+              </a:rPr>
+              <a:t>}     </a:t>
+            </a:r>
+          </a:p>
+          <a:p>
+            <a:pPr marL="0" marR="0" lvl="0" indent="0" algn="l" defTabSz="914400" rtl="0" eaLnBrk="1" fontAlgn="base" latinLnBrk="0" hangingPunct="1">
+              <a:lnSpc>
+                <a:spcPct val="100000"/>
+              </a:lnSpc>
+              <a:spcBef>
+                <a:spcPct val="0"/>
+              </a:spcBef>
+              <a:spcAft>
+                <a:spcPct val="0"/>
+              </a:spcAft>
+              <a:buClrTx/>
+              <a:buSzTx/>
+              <a:buFontTx/>
+              <a:buNone/>
+              <a:tabLst/>
+            </a:pPr>
+            <a:r>
+              <a:rPr kumimoji="0" lang="en-US" sz="1200" b="0" i="0" u="none" strike="noStrike" cap="none" normalizeH="0" baseline="0" dirty="0" smtClean="0">
+                <a:ln>
+                  <a:noFill/>
+                </a:ln>
+                <a:solidFill>
+                  <a:srgbClr val="000000"/>
+                </a:solidFill>
+                <a:effectLst/>
+                <a:latin typeface="Consolas" pitchFamily="49" charset="0"/>
+                <a:cs typeface="Consolas" pitchFamily="49" charset="0"/>
+              </a:rPr>
+              <a:t>}</a:t>
+            </a:r>
+            <a:endParaRPr kumimoji="0" lang="en-US" sz="1200" b="0" i="0" u="none" strike="noStrike" cap="none" normalizeH="0" baseline="0" dirty="0" smtClean="0">
+              <a:ln>
+                <a:noFill/>
+              </a:ln>
+              <a:solidFill>
+                <a:schemeClr val="tx1"/>
+              </a:solidFill>
+              <a:effectLst/>
+              <a:latin typeface="Arial" pitchFamily="34" charset="0"/>
+              <a:cs typeface="Arial" pitchFamily="34" charset="0"/>
+            </a:endParaRPr>
+          </a:p>
+        </p:txBody>
+      </p:sp>
+      <p:sp>
+        <p:nvSpPr>
+          <p:cNvPr id="32769" name="Rectangle 1"/>
+          <p:cNvSpPr>
+            <a:spLocks noChangeArrowheads="1"/>
+          </p:cNvSpPr>
+          <p:nvPr/>
+        </p:nvSpPr>
+        <p:spPr bwMode="auto">
+          <a:xfrm>
+            <a:off x="0" y="43934"/>
+            <a:ext cx="184731" cy="369332"/>
+          </a:xfrm>
+          <a:prstGeom prst="rect">
+            <a:avLst/>
+          </a:prstGeom>
+          <a:solidFill>
+            <a:srgbClr val="FFFFFF"/>
+          </a:solidFill>
+          <a:ln w="9525">
+            <a:noFill/>
+            <a:miter lim="800000"/>
+            <a:headEnd/>
+            <a:tailEnd/>
+          </a:ln>
+          <a:effectLst/>
+        </p:spPr>
+        <p:txBody>
+          <a:bodyPr vert="horz" wrap="none" lIns="91440" tIns="45720" rIns="91440" bIns="45720" numCol="1" anchor="ctr" anchorCtr="0" compatLnSpc="1">
+            <a:prstTxWarp prst="textNoShape">
+              <a:avLst/>
+            </a:prstTxWarp>
+            <a:spAutoFit/>
+          </a:bodyPr>
+          <a:lstStyle/>
+          <a:p>
+            <a:pPr marL="0" marR="0" lvl="0" indent="0" algn="l" defTabSz="914400" rtl="0" eaLnBrk="1" fontAlgn="base" latinLnBrk="0" hangingPunct="1">
+              <a:lnSpc>
+                <a:spcPct val="100000"/>
+              </a:lnSpc>
+              <a:spcBef>
+                <a:spcPct val="0"/>
+              </a:spcBef>
+              <a:spcAft>
+                <a:spcPct val="0"/>
+              </a:spcAft>
+              <a:buClrTx/>
+              <a:buSzTx/>
+              <a:buFontTx/>
+              <a:buNone/>
+              <a:tabLst/>
+            </a:pPr>
+            <a:endParaRPr kumimoji="0" lang="en-US" sz="1800" b="0" i="0" u="none" strike="noStrike" cap="none" normalizeH="0" baseline="0" dirty="0" smtClean="0">
+              <a:ln>
+                <a:noFill/>
+              </a:ln>
+              <a:solidFill>
+                <a:schemeClr val="tx1"/>
+              </a:solidFill>
+              <a:effectLst/>
+              <a:latin typeface="Arial" pitchFamily="34" charset="0"/>
+              <a:cs typeface="Arial" pitchFamily="34" charset="0"/>
+            </a:endParaRPr>
+          </a:p>
+        </p:txBody>
+      </p:sp>
+      <p:sp>
+        <p:nvSpPr>
+          <p:cNvPr id="7" name="Rectangle 1"/>
+          <p:cNvSpPr>
+            <a:spLocks noChangeArrowheads="1"/>
+          </p:cNvSpPr>
+          <p:nvPr/>
+        </p:nvSpPr>
+        <p:spPr bwMode="auto">
+          <a:xfrm>
+            <a:off x="499873" y="3322749"/>
+            <a:ext cx="8231434" cy="1938992"/>
+          </a:xfrm>
+          <a:prstGeom prst="rect">
+            <a:avLst/>
+          </a:prstGeom>
+          <a:solidFill>
+            <a:srgbClr val="FFFFFF"/>
+          </a:solidFill>
+          <a:ln w="9525">
+            <a:solidFill>
+              <a:schemeClr val="accent1"/>
+            </a:solidFill>
+            <a:miter lim="800000"/>
+            <a:headEnd/>
+            <a:tailEnd/>
+          </a:ln>
+          <a:effectLst/>
+        </p:spPr>
+        <p:txBody>
+          <a:bodyPr vert="horz" wrap="square" lIns="91440" tIns="45720" rIns="91440" bIns="45720" numCol="1" anchor="ctr" anchorCtr="0" compatLnSpc="1">
+            <a:prstTxWarp prst="textNoShape">
+              <a:avLst/>
+            </a:prstTxWarp>
+            <a:spAutoFit/>
+          </a:bodyPr>
+          <a:lstStyle/>
+          <a:p>
+            <a:pPr marL="0" marR="0" lvl="0" indent="0" algn="l" defTabSz="914400" rtl="0" eaLnBrk="1" fontAlgn="base" latinLnBrk="0" hangingPunct="1">
+              <a:lnSpc>
+                <a:spcPct val="100000"/>
+              </a:lnSpc>
+              <a:spcBef>
+                <a:spcPct val="0"/>
+              </a:spcBef>
+              <a:spcAft>
+                <a:spcPct val="0"/>
+              </a:spcAft>
+              <a:buClrTx/>
+              <a:buSzTx/>
+              <a:buFontTx/>
+              <a:buNone/>
+              <a:tabLst/>
+            </a:pPr>
+            <a:r>
+              <a:rPr kumimoji="0" lang="en-US" sz="1200" b="0" i="0" u="none" strike="noStrike" cap="none" normalizeH="0" baseline="0" dirty="0" smtClean="0">
+                <a:ln>
+                  <a:noFill/>
+                </a:ln>
+                <a:solidFill>
+                  <a:srgbClr val="0000FF"/>
+                </a:solidFill>
+                <a:effectLst/>
+                <a:latin typeface="Consolas" pitchFamily="49" charset="0"/>
+                <a:cs typeface="Consolas" pitchFamily="49" charset="0"/>
+              </a:rPr>
+              <a:t>public</a:t>
+            </a:r>
+            <a:r>
+              <a:rPr kumimoji="0" lang="en-US" sz="1200" b="0" i="0" u="none" strike="noStrike" cap="none" normalizeH="0" baseline="0" dirty="0" smtClean="0">
+                <a:ln>
+                  <a:noFill/>
+                </a:ln>
+                <a:solidFill>
+                  <a:srgbClr val="000000"/>
+                </a:solidFill>
+                <a:effectLst/>
+                <a:latin typeface="Consolas" pitchFamily="49" charset="0"/>
+                <a:cs typeface="Consolas" pitchFamily="49" charset="0"/>
+              </a:rPr>
+              <a:t> </a:t>
+            </a:r>
+            <a:r>
+              <a:rPr kumimoji="0" lang="en-US" sz="1200" b="0" i="0" u="none" strike="noStrike" cap="none" normalizeH="0" baseline="0" dirty="0" smtClean="0">
+                <a:ln>
+                  <a:noFill/>
+                </a:ln>
+                <a:solidFill>
+                  <a:srgbClr val="0000FF"/>
+                </a:solidFill>
+                <a:effectLst/>
+                <a:latin typeface="Consolas" pitchFamily="49" charset="0"/>
+                <a:cs typeface="Consolas" pitchFamily="49" charset="0"/>
+              </a:rPr>
+              <a:t>class</a:t>
+            </a:r>
+            <a:r>
+              <a:rPr kumimoji="0" lang="en-US" sz="1200" b="0" i="0" u="none" strike="noStrike" cap="none" normalizeH="0" baseline="0" dirty="0" smtClean="0">
+                <a:ln>
+                  <a:noFill/>
+                </a:ln>
+                <a:solidFill>
+                  <a:srgbClr val="000000"/>
+                </a:solidFill>
+                <a:effectLst/>
+                <a:latin typeface="Consolas" pitchFamily="49" charset="0"/>
+                <a:cs typeface="Consolas" pitchFamily="49" charset="0"/>
+              </a:rPr>
+              <a:t> </a:t>
+            </a:r>
+            <a:r>
+              <a:rPr kumimoji="0" lang="en-US" sz="1200" b="0" i="0" u="none" strike="noStrike" cap="none" normalizeH="0" baseline="0" dirty="0" err="1" smtClean="0">
+                <a:ln>
+                  <a:noFill/>
+                </a:ln>
+                <a:solidFill>
+                  <a:srgbClr val="2B91AF"/>
+                </a:solidFill>
+                <a:effectLst/>
+                <a:latin typeface="Consolas" pitchFamily="49" charset="0"/>
+                <a:cs typeface="Consolas" pitchFamily="49" charset="0"/>
+              </a:rPr>
+              <a:t>PersonController</a:t>
+            </a:r>
+            <a:r>
+              <a:rPr kumimoji="0" lang="en-US" sz="1200" b="0" i="0" u="none" strike="noStrike" cap="none" normalizeH="0" baseline="0" dirty="0" smtClean="0">
+                <a:ln>
+                  <a:noFill/>
+                </a:ln>
+                <a:solidFill>
+                  <a:srgbClr val="000000"/>
+                </a:solidFill>
+                <a:effectLst/>
+                <a:latin typeface="Consolas" pitchFamily="49" charset="0"/>
+                <a:cs typeface="Consolas" pitchFamily="49" charset="0"/>
+              </a:rPr>
+              <a:t> : </a:t>
+            </a:r>
+            <a:r>
+              <a:rPr kumimoji="0" lang="en-US" sz="1200" b="0" i="0" u="none" strike="noStrike" cap="none" normalizeH="0" baseline="0" dirty="0" smtClean="0">
+                <a:ln>
+                  <a:noFill/>
+                </a:ln>
+                <a:solidFill>
+                  <a:srgbClr val="2B91AF"/>
+                </a:solidFill>
+                <a:effectLst/>
+                <a:latin typeface="Consolas" pitchFamily="49" charset="0"/>
+                <a:cs typeface="Consolas" pitchFamily="49" charset="0"/>
+              </a:rPr>
+              <a:t>ApiController</a:t>
+            </a:r>
+            <a:r>
+              <a:rPr kumimoji="0" lang="en-US" sz="1200" b="0" i="0" u="none" strike="noStrike" cap="none" normalizeH="0" baseline="0" dirty="0" smtClean="0">
+                <a:ln>
+                  <a:noFill/>
+                </a:ln>
+                <a:solidFill>
+                  <a:srgbClr val="000000"/>
+                </a:solidFill>
+                <a:effectLst/>
+                <a:latin typeface="Consolas" pitchFamily="49" charset="0"/>
+                <a:cs typeface="Consolas" pitchFamily="49" charset="0"/>
+              </a:rPr>
+              <a:t>     </a:t>
+            </a:r>
+          </a:p>
+          <a:p>
+            <a:pPr marL="0" marR="0" lvl="0" indent="0" algn="l" defTabSz="914400" rtl="0" eaLnBrk="1" fontAlgn="base" latinLnBrk="0" hangingPunct="1">
+              <a:lnSpc>
+                <a:spcPct val="100000"/>
+              </a:lnSpc>
+              <a:spcBef>
+                <a:spcPct val="0"/>
+              </a:spcBef>
+              <a:spcAft>
+                <a:spcPct val="0"/>
+              </a:spcAft>
+              <a:buClrTx/>
+              <a:buSzTx/>
+              <a:buFontTx/>
+              <a:buNone/>
+              <a:tabLst/>
+            </a:pPr>
+            <a:r>
+              <a:rPr kumimoji="0" lang="en-US" sz="1200" b="0" i="0" u="none" strike="noStrike" cap="none" normalizeH="0" baseline="0" dirty="0" smtClean="0">
+                <a:ln>
+                  <a:noFill/>
+                </a:ln>
+                <a:solidFill>
+                  <a:srgbClr val="000000"/>
+                </a:solidFill>
+                <a:effectLst/>
+                <a:latin typeface="Consolas" pitchFamily="49" charset="0"/>
+                <a:cs typeface="Consolas" pitchFamily="49" charset="0"/>
+              </a:rPr>
+              <a:t>{         </a:t>
+            </a:r>
+          </a:p>
+          <a:p>
+            <a:pPr marL="0" marR="0" lvl="0" indent="0" algn="l" defTabSz="914400" rtl="0" eaLnBrk="1" fontAlgn="base" latinLnBrk="0" hangingPunct="1">
+              <a:lnSpc>
+                <a:spcPct val="100000"/>
+              </a:lnSpc>
+              <a:spcBef>
+                <a:spcPct val="0"/>
+              </a:spcBef>
+              <a:spcAft>
+                <a:spcPct val="0"/>
+              </a:spcAft>
+              <a:buClrTx/>
+              <a:buSzTx/>
+              <a:buFontTx/>
+              <a:buNone/>
+              <a:tabLst/>
+            </a:pPr>
+            <a:r>
+              <a:rPr lang="en-US" sz="1200" dirty="0" smtClean="0">
+                <a:solidFill>
+                  <a:srgbClr val="000000"/>
+                </a:solidFill>
+                <a:latin typeface="Consolas" pitchFamily="49" charset="0"/>
+                <a:cs typeface="Consolas" pitchFamily="49" charset="0"/>
+              </a:rPr>
+              <a:t>	</a:t>
+            </a:r>
+            <a:r>
+              <a:rPr kumimoji="0" lang="en-US" sz="1200" b="0" i="0" u="none" strike="noStrike" cap="none" normalizeH="0" baseline="0" dirty="0" smtClean="0">
+                <a:ln>
+                  <a:noFill/>
+                </a:ln>
+                <a:solidFill>
+                  <a:srgbClr val="0000FF"/>
+                </a:solidFill>
+                <a:effectLst/>
+                <a:latin typeface="Consolas" pitchFamily="49" charset="0"/>
+                <a:cs typeface="Consolas" pitchFamily="49" charset="0"/>
+              </a:rPr>
+              <a:t>private</a:t>
+            </a:r>
+            <a:r>
+              <a:rPr kumimoji="0" lang="en-US" sz="1200" b="0" i="0" u="none" strike="noStrike" cap="none" normalizeH="0" baseline="0" dirty="0" smtClean="0">
+                <a:ln>
+                  <a:noFill/>
+                </a:ln>
+                <a:solidFill>
+                  <a:srgbClr val="000000"/>
+                </a:solidFill>
+                <a:effectLst/>
+                <a:latin typeface="Consolas" pitchFamily="49" charset="0"/>
+                <a:cs typeface="Consolas" pitchFamily="49" charset="0"/>
+              </a:rPr>
+              <a:t> </a:t>
+            </a:r>
+            <a:r>
+              <a:rPr kumimoji="0" lang="en-US" sz="1200" b="0" i="0" u="none" strike="noStrike" cap="none" normalizeH="0" baseline="0" dirty="0" err="1" smtClean="0">
+                <a:ln>
+                  <a:noFill/>
+                </a:ln>
+                <a:solidFill>
+                  <a:srgbClr val="2B91AF"/>
+                </a:solidFill>
+                <a:effectLst/>
+                <a:latin typeface="Consolas" pitchFamily="49" charset="0"/>
+                <a:cs typeface="Consolas" pitchFamily="49" charset="0"/>
+              </a:rPr>
+              <a:t>IEnumerable</a:t>
+            </a:r>
+            <a:r>
+              <a:rPr kumimoji="0" lang="en-US" sz="1200" b="0" i="0" u="none" strike="noStrike" cap="none" normalizeH="0" baseline="0" dirty="0" smtClean="0">
+                <a:ln>
+                  <a:noFill/>
+                </a:ln>
+                <a:solidFill>
+                  <a:srgbClr val="000000"/>
+                </a:solidFill>
+                <a:effectLst/>
+                <a:latin typeface="Consolas" pitchFamily="49" charset="0"/>
+                <a:cs typeface="Consolas" pitchFamily="49" charset="0"/>
+              </a:rPr>
+              <a:t>&lt;</a:t>
+            </a:r>
+            <a:r>
+              <a:rPr kumimoji="0" lang="en-US" sz="1200" b="0" i="0" u="none" strike="noStrike" cap="none" normalizeH="0" baseline="0" dirty="0" smtClean="0">
+                <a:ln>
+                  <a:noFill/>
+                </a:ln>
+                <a:solidFill>
+                  <a:srgbClr val="2B91AF"/>
+                </a:solidFill>
+                <a:effectLst/>
+                <a:latin typeface="Consolas" pitchFamily="49" charset="0"/>
+                <a:cs typeface="Consolas" pitchFamily="49" charset="0"/>
+              </a:rPr>
+              <a:t>Person</a:t>
+            </a:r>
+            <a:r>
+              <a:rPr kumimoji="0" lang="en-US" sz="1200" b="0" i="0" u="none" strike="noStrike" cap="none" normalizeH="0" baseline="0" dirty="0" smtClean="0">
+                <a:ln>
+                  <a:noFill/>
+                </a:ln>
+                <a:solidFill>
+                  <a:srgbClr val="000000"/>
+                </a:solidFill>
+                <a:effectLst/>
+                <a:latin typeface="Consolas" pitchFamily="49" charset="0"/>
+                <a:cs typeface="Consolas" pitchFamily="49" charset="0"/>
+              </a:rPr>
+              <a:t>&gt; _persons = </a:t>
+            </a:r>
+            <a:r>
+              <a:rPr kumimoji="0" lang="en-US" sz="1200" b="0" i="0" u="none" strike="noStrike" cap="none" normalizeH="0" baseline="0" dirty="0" smtClean="0">
+                <a:ln>
+                  <a:noFill/>
+                </a:ln>
+                <a:solidFill>
+                  <a:srgbClr val="0000FF"/>
+                </a:solidFill>
+                <a:effectLst/>
+                <a:latin typeface="Consolas" pitchFamily="49" charset="0"/>
+                <a:cs typeface="Consolas" pitchFamily="49" charset="0"/>
+              </a:rPr>
+              <a:t>new</a:t>
+            </a:r>
+            <a:r>
+              <a:rPr kumimoji="0" lang="en-US" sz="1200" b="0" i="0" u="none" strike="noStrike" cap="none" normalizeH="0" baseline="0" dirty="0" smtClean="0">
+                <a:ln>
+                  <a:noFill/>
+                </a:ln>
+                <a:solidFill>
+                  <a:srgbClr val="000000"/>
+                </a:solidFill>
+                <a:effectLst/>
+                <a:latin typeface="Consolas" pitchFamily="49" charset="0"/>
+                <a:cs typeface="Consolas" pitchFamily="49" charset="0"/>
+              </a:rPr>
+              <a:t> </a:t>
+            </a:r>
+            <a:r>
+              <a:rPr kumimoji="0" lang="en-US" sz="1200" b="0" i="0" u="none" strike="noStrike" cap="none" normalizeH="0" baseline="0" dirty="0" smtClean="0">
+                <a:ln>
+                  <a:noFill/>
+                </a:ln>
+                <a:solidFill>
+                  <a:srgbClr val="2B91AF"/>
+                </a:solidFill>
+                <a:effectLst/>
+                <a:latin typeface="Consolas" pitchFamily="49" charset="0"/>
+                <a:cs typeface="Consolas" pitchFamily="49" charset="0"/>
+              </a:rPr>
+              <a:t>List</a:t>
+            </a:r>
+            <a:r>
+              <a:rPr kumimoji="0" lang="en-US" sz="1200" b="0" i="0" u="none" strike="noStrike" cap="none" normalizeH="0" baseline="0" dirty="0" smtClean="0">
+                <a:ln>
+                  <a:noFill/>
+                </a:ln>
+                <a:solidFill>
+                  <a:srgbClr val="000000"/>
+                </a:solidFill>
+                <a:effectLst/>
+                <a:latin typeface="Consolas" pitchFamily="49" charset="0"/>
+                <a:cs typeface="Consolas" pitchFamily="49" charset="0"/>
+              </a:rPr>
+              <a:t>&lt;</a:t>
+            </a:r>
+            <a:r>
+              <a:rPr kumimoji="0" lang="en-US" sz="1200" b="0" i="0" u="none" strike="noStrike" cap="none" normalizeH="0" baseline="0" dirty="0" smtClean="0">
+                <a:ln>
+                  <a:noFill/>
+                </a:ln>
+                <a:solidFill>
+                  <a:srgbClr val="2B91AF"/>
+                </a:solidFill>
+                <a:effectLst/>
+                <a:latin typeface="Consolas" pitchFamily="49" charset="0"/>
+                <a:cs typeface="Consolas" pitchFamily="49" charset="0"/>
+              </a:rPr>
+              <a:t>Person</a:t>
+            </a:r>
+            <a:r>
+              <a:rPr kumimoji="0" lang="en-US" sz="1200" b="0" i="0" u="none" strike="noStrike" cap="none" normalizeH="0" baseline="0" dirty="0" smtClean="0">
+                <a:ln>
+                  <a:noFill/>
+                </a:ln>
+                <a:solidFill>
+                  <a:srgbClr val="000000"/>
+                </a:solidFill>
+                <a:effectLst/>
+                <a:latin typeface="Consolas" pitchFamily="49" charset="0"/>
+                <a:cs typeface="Consolas" pitchFamily="49" charset="0"/>
+              </a:rPr>
+              <a:t>&gt;();         </a:t>
+            </a:r>
+          </a:p>
+          <a:p>
+            <a:pPr marL="0" marR="0" lvl="0" indent="0" algn="l" defTabSz="914400" rtl="0" eaLnBrk="1" fontAlgn="base" latinLnBrk="0" hangingPunct="1">
+              <a:lnSpc>
+                <a:spcPct val="100000"/>
+              </a:lnSpc>
+              <a:spcBef>
+                <a:spcPct val="0"/>
+              </a:spcBef>
+              <a:spcAft>
+                <a:spcPct val="0"/>
+              </a:spcAft>
+              <a:buClrTx/>
+              <a:buSzTx/>
+              <a:buFontTx/>
+              <a:buNone/>
+              <a:tabLst/>
+            </a:pPr>
+            <a:r>
+              <a:rPr kumimoji="0" lang="en-US" sz="1200" b="0" i="0" u="none" strike="noStrike" cap="none" normalizeH="0" baseline="0" dirty="0" smtClean="0">
+                <a:ln>
+                  <a:noFill/>
+                </a:ln>
+                <a:solidFill>
+                  <a:srgbClr val="0000FF"/>
+                </a:solidFill>
+                <a:effectLst/>
+                <a:latin typeface="Consolas" pitchFamily="49" charset="0"/>
+                <a:cs typeface="Consolas" pitchFamily="49" charset="0"/>
+              </a:rPr>
+              <a:t>	</a:t>
+            </a:r>
+          </a:p>
+          <a:p>
+            <a:pPr defTabSz="914400" fontAlgn="base">
+              <a:spcBef>
+                <a:spcPct val="0"/>
+              </a:spcBef>
+              <a:spcAft>
+                <a:spcPct val="0"/>
+              </a:spcAft>
+            </a:pPr>
+            <a:r>
+              <a:rPr lang="en-US" sz="1200" dirty="0" smtClean="0">
+                <a:solidFill>
+                  <a:srgbClr val="000000"/>
+                </a:solidFill>
+                <a:latin typeface="Consolas" pitchFamily="49" charset="0"/>
+                <a:cs typeface="Consolas" pitchFamily="49" charset="0"/>
+              </a:rPr>
+              <a:t> 	[</a:t>
+            </a:r>
+            <a:r>
+              <a:rPr lang="en-US" sz="1200" dirty="0" err="1" smtClean="0">
+                <a:solidFill>
+                  <a:srgbClr val="2B91AF"/>
+                </a:solidFill>
+                <a:latin typeface="Consolas" pitchFamily="49" charset="0"/>
+                <a:cs typeface="Consolas" pitchFamily="49" charset="0"/>
+              </a:rPr>
+              <a:t>HttpGet</a:t>
+            </a:r>
+            <a:r>
+              <a:rPr lang="en-US" sz="1200" dirty="0" smtClean="0">
+                <a:solidFill>
+                  <a:srgbClr val="000000"/>
+                </a:solidFill>
+                <a:latin typeface="Consolas" pitchFamily="49" charset="0"/>
+                <a:cs typeface="Consolas" pitchFamily="49" charset="0"/>
+              </a:rPr>
+              <a:t>] </a:t>
+            </a:r>
+            <a:endParaRPr kumimoji="0" lang="en-US" sz="1200" b="0" i="0" u="none" strike="noStrike" cap="none" normalizeH="0" baseline="0" dirty="0" smtClean="0">
+              <a:ln>
+                <a:noFill/>
+              </a:ln>
+              <a:solidFill>
+                <a:srgbClr val="0000FF"/>
+              </a:solidFill>
+              <a:effectLst/>
+              <a:latin typeface="Consolas" pitchFamily="49" charset="0"/>
+              <a:cs typeface="Consolas" pitchFamily="49" charset="0"/>
+            </a:endParaRPr>
+          </a:p>
+          <a:p>
+            <a:pPr marL="0" marR="0" lvl="0" indent="0" algn="l" defTabSz="914400" rtl="0" eaLnBrk="1" fontAlgn="base" latinLnBrk="0" hangingPunct="1">
+              <a:lnSpc>
+                <a:spcPct val="100000"/>
+              </a:lnSpc>
+              <a:spcBef>
+                <a:spcPct val="0"/>
+              </a:spcBef>
+              <a:spcAft>
+                <a:spcPct val="0"/>
+              </a:spcAft>
+              <a:buClrTx/>
+              <a:buSzTx/>
+              <a:buFontTx/>
+              <a:buNone/>
+              <a:tabLst/>
+            </a:pPr>
+            <a:r>
+              <a:rPr lang="en-US" sz="1200" dirty="0" smtClean="0">
+                <a:solidFill>
+                  <a:srgbClr val="0000FF"/>
+                </a:solidFill>
+                <a:latin typeface="Consolas" pitchFamily="49" charset="0"/>
+                <a:cs typeface="Consolas" pitchFamily="49" charset="0"/>
+              </a:rPr>
+              <a:t>	</a:t>
+            </a:r>
+            <a:r>
+              <a:rPr kumimoji="0" lang="en-US" sz="1200" b="0" i="0" u="none" strike="noStrike" cap="none" normalizeH="0" baseline="0" dirty="0" smtClean="0">
+                <a:ln>
+                  <a:noFill/>
+                </a:ln>
+                <a:solidFill>
+                  <a:srgbClr val="0000FF"/>
+                </a:solidFill>
+                <a:effectLst/>
+                <a:latin typeface="Consolas" pitchFamily="49" charset="0"/>
+                <a:cs typeface="Consolas" pitchFamily="49" charset="0"/>
+              </a:rPr>
+              <a:t>public</a:t>
+            </a:r>
+            <a:r>
+              <a:rPr kumimoji="0" lang="en-US" sz="1200" b="0" i="0" u="none" strike="noStrike" cap="none" normalizeH="0" baseline="0" dirty="0" smtClean="0">
+                <a:ln>
+                  <a:noFill/>
+                </a:ln>
+                <a:solidFill>
+                  <a:srgbClr val="000000"/>
+                </a:solidFill>
+                <a:effectLst/>
+                <a:latin typeface="Consolas" pitchFamily="49" charset="0"/>
+                <a:cs typeface="Consolas" pitchFamily="49" charset="0"/>
+              </a:rPr>
+              <a:t> </a:t>
+            </a:r>
+            <a:r>
+              <a:rPr kumimoji="0" lang="en-US" sz="1200" b="0" i="0" u="none" strike="noStrike" cap="none" normalizeH="0" baseline="0" dirty="0" err="1" smtClean="0">
+                <a:ln>
+                  <a:noFill/>
+                </a:ln>
+                <a:solidFill>
+                  <a:srgbClr val="2B91AF"/>
+                </a:solidFill>
+                <a:effectLst/>
+                <a:latin typeface="Consolas" pitchFamily="49" charset="0"/>
+                <a:cs typeface="Consolas" pitchFamily="49" charset="0"/>
+              </a:rPr>
+              <a:t>IEnumerable</a:t>
+            </a:r>
+            <a:r>
+              <a:rPr kumimoji="0" lang="en-US" sz="1200" b="0" i="0" u="none" strike="noStrike" cap="none" normalizeH="0" baseline="0" dirty="0" smtClean="0">
+                <a:ln>
+                  <a:noFill/>
+                </a:ln>
+                <a:solidFill>
+                  <a:srgbClr val="000000"/>
+                </a:solidFill>
+                <a:effectLst/>
+                <a:latin typeface="Consolas" pitchFamily="49" charset="0"/>
+                <a:cs typeface="Consolas" pitchFamily="49" charset="0"/>
+              </a:rPr>
+              <a:t>&lt;</a:t>
+            </a:r>
+            <a:r>
+              <a:rPr kumimoji="0" lang="en-US" sz="1200" b="0" i="0" u="none" strike="noStrike" cap="none" normalizeH="0" baseline="0" dirty="0" smtClean="0">
+                <a:ln>
+                  <a:noFill/>
+                </a:ln>
+                <a:solidFill>
+                  <a:srgbClr val="2B91AF"/>
+                </a:solidFill>
+                <a:effectLst/>
+                <a:latin typeface="Consolas" pitchFamily="49" charset="0"/>
+                <a:cs typeface="Consolas" pitchFamily="49" charset="0"/>
+              </a:rPr>
+              <a:t>Person</a:t>
+            </a:r>
+            <a:r>
+              <a:rPr kumimoji="0" lang="en-US" sz="1200" b="0" i="0" u="none" strike="noStrike" cap="none" normalizeH="0" baseline="0" dirty="0" smtClean="0">
+                <a:ln>
+                  <a:noFill/>
+                </a:ln>
+                <a:solidFill>
+                  <a:srgbClr val="000000"/>
+                </a:solidFill>
+                <a:effectLst/>
+                <a:latin typeface="Consolas" pitchFamily="49" charset="0"/>
+                <a:cs typeface="Consolas" pitchFamily="49" charset="0"/>
+              </a:rPr>
+              <a:t>&gt; </a:t>
+            </a:r>
+            <a:r>
+              <a:rPr kumimoji="0" lang="en-US" sz="1200" b="0" i="0" u="none" strike="noStrike" cap="none" normalizeH="0" baseline="0" dirty="0" err="1" smtClean="0">
+                <a:ln>
+                  <a:noFill/>
+                </a:ln>
+                <a:solidFill>
+                  <a:srgbClr val="000000"/>
+                </a:solidFill>
+                <a:effectLst/>
+                <a:latin typeface="Consolas" pitchFamily="49" charset="0"/>
+                <a:cs typeface="Consolas" pitchFamily="49" charset="0"/>
+              </a:rPr>
+              <a:t>FindAll</a:t>
+            </a:r>
+            <a:r>
+              <a:rPr kumimoji="0" lang="en-US" sz="1200" b="0" i="0" u="none" strike="noStrike" cap="none" normalizeH="0" baseline="0" dirty="0" smtClean="0">
+                <a:ln>
+                  <a:noFill/>
+                </a:ln>
+                <a:solidFill>
+                  <a:srgbClr val="000000"/>
+                </a:solidFill>
+                <a:effectLst/>
+                <a:latin typeface="Consolas" pitchFamily="49" charset="0"/>
+                <a:cs typeface="Consolas" pitchFamily="49" charset="0"/>
+              </a:rPr>
+              <a:t>()         </a:t>
+            </a:r>
+          </a:p>
+          <a:p>
+            <a:pPr marL="0" marR="0" lvl="0" indent="0" algn="l" defTabSz="914400" rtl="0" eaLnBrk="1" fontAlgn="base" latinLnBrk="0" hangingPunct="1">
+              <a:lnSpc>
+                <a:spcPct val="100000"/>
+              </a:lnSpc>
+              <a:spcBef>
+                <a:spcPct val="0"/>
+              </a:spcBef>
+              <a:spcAft>
+                <a:spcPct val="0"/>
+              </a:spcAft>
+              <a:buClrTx/>
+              <a:buSzTx/>
+              <a:buFontTx/>
+              <a:buNone/>
+              <a:tabLst/>
+            </a:pPr>
+            <a:r>
+              <a:rPr lang="en-US" sz="1200" dirty="0" smtClean="0">
+                <a:solidFill>
+                  <a:srgbClr val="000000"/>
+                </a:solidFill>
+                <a:latin typeface="Consolas" pitchFamily="49" charset="0"/>
+                <a:cs typeface="Consolas" pitchFamily="49" charset="0"/>
+              </a:rPr>
+              <a:t>	</a:t>
+            </a:r>
+            <a:r>
+              <a:rPr kumimoji="0" lang="en-US" sz="1200" b="0" i="0" u="none" strike="noStrike" cap="none" normalizeH="0" baseline="0" dirty="0" smtClean="0">
+                <a:ln>
+                  <a:noFill/>
+                </a:ln>
+                <a:solidFill>
+                  <a:srgbClr val="000000"/>
+                </a:solidFill>
+                <a:effectLst/>
+                <a:latin typeface="Consolas" pitchFamily="49" charset="0"/>
+                <a:cs typeface="Consolas" pitchFamily="49" charset="0"/>
+              </a:rPr>
+              <a:t>{             </a:t>
+            </a:r>
+          </a:p>
+          <a:p>
+            <a:pPr marL="0" marR="0" lvl="0" indent="0" algn="l" defTabSz="914400" rtl="0" eaLnBrk="1" fontAlgn="base" latinLnBrk="0" hangingPunct="1">
+              <a:lnSpc>
+                <a:spcPct val="100000"/>
+              </a:lnSpc>
+              <a:spcBef>
+                <a:spcPct val="0"/>
+              </a:spcBef>
+              <a:spcAft>
+                <a:spcPct val="0"/>
+              </a:spcAft>
+              <a:buClrTx/>
+              <a:buSzTx/>
+              <a:buFontTx/>
+              <a:buNone/>
+              <a:tabLst/>
+            </a:pPr>
+            <a:r>
+              <a:rPr lang="en-US" sz="1200" dirty="0" smtClean="0">
+                <a:solidFill>
+                  <a:srgbClr val="000000"/>
+                </a:solidFill>
+                <a:latin typeface="Consolas" pitchFamily="49" charset="0"/>
+                <a:cs typeface="Consolas" pitchFamily="49" charset="0"/>
+              </a:rPr>
+              <a:t>		</a:t>
+            </a:r>
+            <a:r>
+              <a:rPr kumimoji="0" lang="en-US" sz="1200" b="0" i="0" u="none" strike="noStrike" cap="none" normalizeH="0" baseline="0" dirty="0" smtClean="0">
+                <a:ln>
+                  <a:noFill/>
+                </a:ln>
+                <a:solidFill>
+                  <a:srgbClr val="0000FF"/>
+                </a:solidFill>
+                <a:effectLst/>
+                <a:latin typeface="Consolas" pitchFamily="49" charset="0"/>
+                <a:cs typeface="Consolas" pitchFamily="49" charset="0"/>
+              </a:rPr>
+              <a:t>return</a:t>
+            </a:r>
+            <a:r>
+              <a:rPr kumimoji="0" lang="en-US" sz="1200" b="0" i="0" u="none" strike="noStrike" cap="none" normalizeH="0" baseline="0" dirty="0" smtClean="0">
+                <a:ln>
+                  <a:noFill/>
+                </a:ln>
+                <a:solidFill>
+                  <a:srgbClr val="000000"/>
+                </a:solidFill>
+                <a:effectLst/>
+                <a:latin typeface="Consolas" pitchFamily="49" charset="0"/>
+                <a:cs typeface="Consolas" pitchFamily="49" charset="0"/>
+              </a:rPr>
+              <a:t> _persons;         </a:t>
+            </a:r>
+          </a:p>
+          <a:p>
+            <a:pPr marL="0" marR="0" lvl="0" indent="0" algn="l" defTabSz="914400" rtl="0" eaLnBrk="1" fontAlgn="base" latinLnBrk="0" hangingPunct="1">
+              <a:lnSpc>
+                <a:spcPct val="100000"/>
+              </a:lnSpc>
+              <a:spcBef>
+                <a:spcPct val="0"/>
+              </a:spcBef>
+              <a:spcAft>
+                <a:spcPct val="0"/>
+              </a:spcAft>
+              <a:buClrTx/>
+              <a:buSzTx/>
+              <a:buFontTx/>
+              <a:buNone/>
+              <a:tabLst/>
+            </a:pPr>
+            <a:r>
+              <a:rPr lang="en-US" sz="1200" dirty="0" smtClean="0">
+                <a:solidFill>
+                  <a:srgbClr val="000000"/>
+                </a:solidFill>
+                <a:latin typeface="Consolas" pitchFamily="49" charset="0"/>
+                <a:cs typeface="Consolas" pitchFamily="49" charset="0"/>
+              </a:rPr>
+              <a:t>	</a:t>
+            </a:r>
+            <a:r>
+              <a:rPr kumimoji="0" lang="en-US" sz="1200" b="0" i="0" u="none" strike="noStrike" cap="none" normalizeH="0" baseline="0" dirty="0" smtClean="0">
+                <a:ln>
+                  <a:noFill/>
+                </a:ln>
+                <a:solidFill>
+                  <a:srgbClr val="000000"/>
+                </a:solidFill>
+                <a:effectLst/>
+                <a:latin typeface="Consolas" pitchFamily="49" charset="0"/>
+                <a:cs typeface="Consolas" pitchFamily="49" charset="0"/>
+              </a:rPr>
+              <a:t>}     </a:t>
+            </a:r>
+          </a:p>
+          <a:p>
+            <a:pPr marL="0" marR="0" lvl="0" indent="0" algn="l" defTabSz="914400" rtl="0" eaLnBrk="1" fontAlgn="base" latinLnBrk="0" hangingPunct="1">
+              <a:lnSpc>
+                <a:spcPct val="100000"/>
+              </a:lnSpc>
+              <a:spcBef>
+                <a:spcPct val="0"/>
+              </a:spcBef>
+              <a:spcAft>
+                <a:spcPct val="0"/>
+              </a:spcAft>
+              <a:buClrTx/>
+              <a:buSzTx/>
+              <a:buFontTx/>
+              <a:buNone/>
+              <a:tabLst/>
+            </a:pPr>
+            <a:r>
+              <a:rPr kumimoji="0" lang="en-US" sz="1200" b="0" i="0" u="none" strike="noStrike" cap="none" normalizeH="0" baseline="0" dirty="0" smtClean="0">
+                <a:ln>
+                  <a:noFill/>
+                </a:ln>
+                <a:solidFill>
+                  <a:srgbClr val="000000"/>
+                </a:solidFill>
+                <a:effectLst/>
+                <a:latin typeface="Consolas" pitchFamily="49" charset="0"/>
+                <a:cs typeface="Consolas" pitchFamily="49" charset="0"/>
+              </a:rPr>
+              <a:t>}</a:t>
+            </a:r>
+            <a:endParaRPr kumimoji="0" lang="en-US" sz="1200" b="0" i="0" u="none" strike="noStrike" cap="none" normalizeH="0" baseline="0" dirty="0" smtClean="0">
+              <a:ln>
+                <a:noFill/>
+              </a:ln>
+              <a:solidFill>
+                <a:schemeClr val="tx1"/>
+              </a:solidFill>
+              <a:effectLst/>
+              <a:latin typeface="Arial" pitchFamily="34" charset="0"/>
+              <a:cs typeface="Arial" pitchFamily="34" charset="0"/>
+            </a:endParaRPr>
+          </a:p>
+        </p:txBody>
+      </p:sp>
+    </p:spTree>
+  </p:cSld>
+  <p:clrMapOvr>
+    <a:masterClrMapping/>
+  </p:clrMapOvr>
+  <p:transition>
+    <p:fade thruBlk="1"/>
+  </p:transition>
+  <p:timing>
+    <p:tnLst>
+      <p:par>
+        <p:cTn id="1" dur="indefinite" restart="never" nodeType="tmRoot"/>
+      </p:par>
+    </p:tnLst>
+  </p:timing>
+</p:sld>
+</file>
+
+<file path=ppt/slides/slide11.xml><?xml version="1.0" encoding="utf-8"?>
 <p:sld xmlns:a="http://schemas.openxmlformats.org/drawingml/2006/main" xmlns:r="http://schemas.openxmlformats.org/officeDocument/2006/relationships" xmlns:p="http://schemas.openxmlformats.org/presentationml/2006/main">
   <p:cSld>
     <p:spTree>
@@ -10941,7 +12852,7 @@
             <a:fld id="{FF67BF5B-7344-D747-A0C2-CBD7B2ACBC85}" type="slidenum">
               <a:rPr lang="en-US" smtClean="0"/>
               <a:pPr/>
-              <a:t>10</a:t>
+              <a:t>11</a:t>
             </a:fld>
             <a:endParaRPr lang="en-US" dirty="0"/>
           </a:p>
@@ -11941,1686 +13852,6 @@
 </p:sld>
 </file>
 
-<file path=ppt/slides/slide11.xml><?xml version="1.0" encoding="utf-8"?>
-<p:sld xmlns:a="http://schemas.openxmlformats.org/drawingml/2006/main" xmlns:r="http://schemas.openxmlformats.org/officeDocument/2006/relationships" xmlns:p="http://schemas.openxmlformats.org/presentationml/2006/main">
-  <p:cSld>
-    <p:spTree>
-      <p:nvGrpSpPr>
-        <p:cNvPr id="1" name=""/>
-        <p:cNvGrpSpPr/>
-        <p:nvPr/>
-      </p:nvGrpSpPr>
-      <p:grpSpPr>
-        <a:xfrm>
-          <a:off x="0" y="0"/>
-          <a:ext cx="0" cy="0"/>
-          <a:chOff x="0" y="0"/>
-          <a:chExt cx="0" cy="0"/>
-        </a:xfrm>
-      </p:grpSpPr>
-      <p:sp>
-        <p:nvSpPr>
-          <p:cNvPr id="2" name="Title 1"/>
-          <p:cNvSpPr>
-            <a:spLocks noGrp="1"/>
-          </p:cNvSpPr>
-          <p:nvPr>
-            <p:ph type="title"/>
-          </p:nvPr>
-        </p:nvSpPr>
-        <p:spPr>
-          <a:xfrm>
-            <a:off x="321623" y="418905"/>
-            <a:ext cx="2306722" cy="307777"/>
-          </a:xfrm>
-        </p:spPr>
-        <p:txBody>
-          <a:bodyPr/>
-          <a:lstStyle/>
-          <a:p>
-            <a:r>
-              <a:rPr lang="nb-NO" dirty="0" smtClean="0"/>
-              <a:t>Routing forts</a:t>
-            </a:r>
-            <a:endParaRPr lang="en-US" dirty="0"/>
-          </a:p>
-        </p:txBody>
-      </p:sp>
-      <p:sp>
-        <p:nvSpPr>
-          <p:cNvPr id="3" name="Slide Number Placeholder 2"/>
-          <p:cNvSpPr>
-            <a:spLocks noGrp="1"/>
-          </p:cNvSpPr>
-          <p:nvPr>
-            <p:ph type="sldNum" sz="quarter" idx="10"/>
-          </p:nvPr>
-        </p:nvSpPr>
-        <p:spPr/>
-        <p:txBody>
-          <a:bodyPr/>
-          <a:lstStyle/>
-          <a:p>
-            <a:fld id="{FF67BF5B-7344-D747-A0C2-CBD7B2ACBC85}" type="slidenum">
-              <a:rPr lang="en-US" smtClean="0"/>
-              <a:pPr/>
-              <a:t>11</a:t>
-            </a:fld>
-            <a:endParaRPr lang="en-US" dirty="0"/>
-          </a:p>
-        </p:txBody>
-      </p:sp>
-      <p:sp>
-        <p:nvSpPr>
-          <p:cNvPr id="5" name="Rectangle 1"/>
-          <p:cNvSpPr>
-            <a:spLocks noChangeArrowheads="1"/>
-          </p:cNvSpPr>
-          <p:nvPr/>
-        </p:nvSpPr>
-        <p:spPr bwMode="auto">
-          <a:xfrm>
-            <a:off x="499873" y="1152109"/>
-            <a:ext cx="8231434" cy="1754326"/>
-          </a:xfrm>
-          <a:prstGeom prst="rect">
-            <a:avLst/>
-          </a:prstGeom>
-          <a:solidFill>
-            <a:srgbClr val="FFFFFF"/>
-          </a:solidFill>
-          <a:ln w="9525">
-            <a:solidFill>
-              <a:schemeClr val="accent1"/>
-            </a:solidFill>
-            <a:miter lim="800000"/>
-            <a:headEnd/>
-            <a:tailEnd/>
-          </a:ln>
-          <a:effectLst/>
-        </p:spPr>
-        <p:txBody>
-          <a:bodyPr vert="horz" wrap="square" lIns="91440" tIns="45720" rIns="91440" bIns="45720" numCol="1" anchor="ctr" anchorCtr="0" compatLnSpc="1">
-            <a:prstTxWarp prst="textNoShape">
-              <a:avLst/>
-            </a:prstTxWarp>
-            <a:spAutoFit/>
-          </a:bodyPr>
-          <a:lstStyle/>
-          <a:p>
-            <a:pPr marL="0" marR="0" lvl="0" indent="0" algn="l" defTabSz="914400" rtl="0" eaLnBrk="1" fontAlgn="base" latinLnBrk="0" hangingPunct="1">
-              <a:lnSpc>
-                <a:spcPct val="100000"/>
-              </a:lnSpc>
-              <a:spcBef>
-                <a:spcPct val="0"/>
-              </a:spcBef>
-              <a:spcAft>
-                <a:spcPct val="0"/>
-              </a:spcAft>
-              <a:buClrTx/>
-              <a:buSzTx/>
-              <a:buFontTx/>
-              <a:buNone/>
-              <a:tabLst/>
-            </a:pPr>
-            <a:r>
-              <a:rPr kumimoji="0" lang="en-US" sz="1200" b="0" i="0" u="none" strike="noStrike" cap="none" normalizeH="0" baseline="0" dirty="0" smtClean="0">
-                <a:ln>
-                  <a:noFill/>
-                </a:ln>
-                <a:solidFill>
-                  <a:srgbClr val="0000FF"/>
-                </a:solidFill>
-                <a:effectLst/>
-                <a:latin typeface="Consolas" pitchFamily="49" charset="0"/>
-                <a:cs typeface="Consolas" pitchFamily="49" charset="0"/>
-              </a:rPr>
-              <a:t>public</a:t>
-            </a:r>
-            <a:r>
-              <a:rPr kumimoji="0" lang="en-US" sz="1200" b="0" i="0" u="none" strike="noStrike" cap="none" normalizeH="0" baseline="0" dirty="0" smtClean="0">
-                <a:ln>
-                  <a:noFill/>
-                </a:ln>
-                <a:solidFill>
-                  <a:srgbClr val="000000"/>
-                </a:solidFill>
-                <a:effectLst/>
-                <a:latin typeface="Consolas" pitchFamily="49" charset="0"/>
-                <a:cs typeface="Consolas" pitchFamily="49" charset="0"/>
-              </a:rPr>
-              <a:t> </a:t>
-            </a:r>
-            <a:r>
-              <a:rPr kumimoji="0" lang="en-US" sz="1200" b="0" i="0" u="none" strike="noStrike" cap="none" normalizeH="0" baseline="0" dirty="0" smtClean="0">
-                <a:ln>
-                  <a:noFill/>
-                </a:ln>
-                <a:solidFill>
-                  <a:srgbClr val="0000FF"/>
-                </a:solidFill>
-                <a:effectLst/>
-                <a:latin typeface="Consolas" pitchFamily="49" charset="0"/>
-                <a:cs typeface="Consolas" pitchFamily="49" charset="0"/>
-              </a:rPr>
-              <a:t>class</a:t>
-            </a:r>
-            <a:r>
-              <a:rPr kumimoji="0" lang="en-US" sz="1200" b="0" i="0" u="none" strike="noStrike" cap="none" normalizeH="0" baseline="0" dirty="0" smtClean="0">
-                <a:ln>
-                  <a:noFill/>
-                </a:ln>
-                <a:solidFill>
-                  <a:srgbClr val="000000"/>
-                </a:solidFill>
-                <a:effectLst/>
-                <a:latin typeface="Consolas" pitchFamily="49" charset="0"/>
-                <a:cs typeface="Consolas" pitchFamily="49" charset="0"/>
-              </a:rPr>
-              <a:t> </a:t>
-            </a:r>
-            <a:r>
-              <a:rPr kumimoji="0" lang="en-US" sz="1200" b="0" i="0" u="none" strike="noStrike" cap="none" normalizeH="0" baseline="0" dirty="0" err="1" smtClean="0">
-                <a:ln>
-                  <a:noFill/>
-                </a:ln>
-                <a:solidFill>
-                  <a:srgbClr val="2B91AF"/>
-                </a:solidFill>
-                <a:effectLst/>
-                <a:latin typeface="Consolas" pitchFamily="49" charset="0"/>
-                <a:cs typeface="Consolas" pitchFamily="49" charset="0"/>
-              </a:rPr>
-              <a:t>PersonController</a:t>
-            </a:r>
-            <a:r>
-              <a:rPr kumimoji="0" lang="en-US" sz="1200" b="0" i="0" u="none" strike="noStrike" cap="none" normalizeH="0" baseline="0" dirty="0" smtClean="0">
-                <a:ln>
-                  <a:noFill/>
-                </a:ln>
-                <a:solidFill>
-                  <a:srgbClr val="000000"/>
-                </a:solidFill>
-                <a:effectLst/>
-                <a:latin typeface="Consolas" pitchFamily="49" charset="0"/>
-                <a:cs typeface="Consolas" pitchFamily="49" charset="0"/>
-              </a:rPr>
-              <a:t> : </a:t>
-            </a:r>
-            <a:r>
-              <a:rPr kumimoji="0" lang="en-US" sz="1200" b="0" i="0" u="none" strike="noStrike" cap="none" normalizeH="0" baseline="0" dirty="0" smtClean="0">
-                <a:ln>
-                  <a:noFill/>
-                </a:ln>
-                <a:solidFill>
-                  <a:srgbClr val="2B91AF"/>
-                </a:solidFill>
-                <a:effectLst/>
-                <a:latin typeface="Consolas" pitchFamily="49" charset="0"/>
-                <a:cs typeface="Consolas" pitchFamily="49" charset="0"/>
-              </a:rPr>
-              <a:t>ApiController</a:t>
-            </a:r>
-            <a:r>
-              <a:rPr kumimoji="0" lang="en-US" sz="1200" b="0" i="0" u="none" strike="noStrike" cap="none" normalizeH="0" baseline="0" dirty="0" smtClean="0">
-                <a:ln>
-                  <a:noFill/>
-                </a:ln>
-                <a:solidFill>
-                  <a:srgbClr val="000000"/>
-                </a:solidFill>
-                <a:effectLst/>
-                <a:latin typeface="Consolas" pitchFamily="49" charset="0"/>
-                <a:cs typeface="Consolas" pitchFamily="49" charset="0"/>
-              </a:rPr>
-              <a:t>     </a:t>
-            </a:r>
-          </a:p>
-          <a:p>
-            <a:pPr marL="0" marR="0" lvl="0" indent="0" algn="l" defTabSz="914400" rtl="0" eaLnBrk="1" fontAlgn="base" latinLnBrk="0" hangingPunct="1">
-              <a:lnSpc>
-                <a:spcPct val="100000"/>
-              </a:lnSpc>
-              <a:spcBef>
-                <a:spcPct val="0"/>
-              </a:spcBef>
-              <a:spcAft>
-                <a:spcPct val="0"/>
-              </a:spcAft>
-              <a:buClrTx/>
-              <a:buSzTx/>
-              <a:buFontTx/>
-              <a:buNone/>
-              <a:tabLst/>
-            </a:pPr>
-            <a:r>
-              <a:rPr kumimoji="0" lang="en-US" sz="1200" b="0" i="0" u="none" strike="noStrike" cap="none" normalizeH="0" baseline="0" dirty="0" smtClean="0">
-                <a:ln>
-                  <a:noFill/>
-                </a:ln>
-                <a:solidFill>
-                  <a:srgbClr val="000000"/>
-                </a:solidFill>
-                <a:effectLst/>
-                <a:latin typeface="Consolas" pitchFamily="49" charset="0"/>
-                <a:cs typeface="Consolas" pitchFamily="49" charset="0"/>
-              </a:rPr>
-              <a:t>{         </a:t>
-            </a:r>
-          </a:p>
-          <a:p>
-            <a:pPr marL="0" marR="0" lvl="0" indent="0" algn="l" defTabSz="914400" rtl="0" eaLnBrk="1" fontAlgn="base" latinLnBrk="0" hangingPunct="1">
-              <a:lnSpc>
-                <a:spcPct val="100000"/>
-              </a:lnSpc>
-              <a:spcBef>
-                <a:spcPct val="0"/>
-              </a:spcBef>
-              <a:spcAft>
-                <a:spcPct val="0"/>
-              </a:spcAft>
-              <a:buClrTx/>
-              <a:buSzTx/>
-              <a:buFontTx/>
-              <a:buNone/>
-              <a:tabLst/>
-            </a:pPr>
-            <a:r>
-              <a:rPr lang="en-US" sz="1200" dirty="0" smtClean="0">
-                <a:solidFill>
-                  <a:srgbClr val="000000"/>
-                </a:solidFill>
-                <a:latin typeface="Consolas" pitchFamily="49" charset="0"/>
-                <a:cs typeface="Consolas" pitchFamily="49" charset="0"/>
-              </a:rPr>
-              <a:t>	</a:t>
-            </a:r>
-            <a:r>
-              <a:rPr kumimoji="0" lang="en-US" sz="1200" b="0" i="0" u="none" strike="noStrike" cap="none" normalizeH="0" baseline="0" dirty="0" smtClean="0">
-                <a:ln>
-                  <a:noFill/>
-                </a:ln>
-                <a:solidFill>
-                  <a:srgbClr val="0000FF"/>
-                </a:solidFill>
-                <a:effectLst/>
-                <a:latin typeface="Consolas" pitchFamily="49" charset="0"/>
-                <a:cs typeface="Consolas" pitchFamily="49" charset="0"/>
-              </a:rPr>
-              <a:t>private</a:t>
-            </a:r>
-            <a:r>
-              <a:rPr kumimoji="0" lang="en-US" sz="1200" b="0" i="0" u="none" strike="noStrike" cap="none" normalizeH="0" baseline="0" dirty="0" smtClean="0">
-                <a:ln>
-                  <a:noFill/>
-                </a:ln>
-                <a:solidFill>
-                  <a:srgbClr val="000000"/>
-                </a:solidFill>
-                <a:effectLst/>
-                <a:latin typeface="Consolas" pitchFamily="49" charset="0"/>
-                <a:cs typeface="Consolas" pitchFamily="49" charset="0"/>
-              </a:rPr>
-              <a:t> </a:t>
-            </a:r>
-            <a:r>
-              <a:rPr kumimoji="0" lang="en-US" sz="1200" b="0" i="0" u="none" strike="noStrike" cap="none" normalizeH="0" baseline="0" dirty="0" err="1" smtClean="0">
-                <a:ln>
-                  <a:noFill/>
-                </a:ln>
-                <a:solidFill>
-                  <a:srgbClr val="2B91AF"/>
-                </a:solidFill>
-                <a:effectLst/>
-                <a:latin typeface="Consolas" pitchFamily="49" charset="0"/>
-                <a:cs typeface="Consolas" pitchFamily="49" charset="0"/>
-              </a:rPr>
-              <a:t>IEnumerable</a:t>
-            </a:r>
-            <a:r>
-              <a:rPr kumimoji="0" lang="en-US" sz="1200" b="0" i="0" u="none" strike="noStrike" cap="none" normalizeH="0" baseline="0" dirty="0" smtClean="0">
-                <a:ln>
-                  <a:noFill/>
-                </a:ln>
-                <a:solidFill>
-                  <a:srgbClr val="000000"/>
-                </a:solidFill>
-                <a:effectLst/>
-                <a:latin typeface="Consolas" pitchFamily="49" charset="0"/>
-                <a:cs typeface="Consolas" pitchFamily="49" charset="0"/>
-              </a:rPr>
-              <a:t>&lt;</a:t>
-            </a:r>
-            <a:r>
-              <a:rPr kumimoji="0" lang="en-US" sz="1200" b="0" i="0" u="none" strike="noStrike" cap="none" normalizeH="0" baseline="0" dirty="0" smtClean="0">
-                <a:ln>
-                  <a:noFill/>
-                </a:ln>
-                <a:solidFill>
-                  <a:srgbClr val="2B91AF"/>
-                </a:solidFill>
-                <a:effectLst/>
-                <a:latin typeface="Consolas" pitchFamily="49" charset="0"/>
-                <a:cs typeface="Consolas" pitchFamily="49" charset="0"/>
-              </a:rPr>
-              <a:t>Person</a:t>
-            </a:r>
-            <a:r>
-              <a:rPr kumimoji="0" lang="en-US" sz="1200" b="0" i="0" u="none" strike="noStrike" cap="none" normalizeH="0" baseline="0" dirty="0" smtClean="0">
-                <a:ln>
-                  <a:noFill/>
-                </a:ln>
-                <a:solidFill>
-                  <a:srgbClr val="000000"/>
-                </a:solidFill>
-                <a:effectLst/>
-                <a:latin typeface="Consolas" pitchFamily="49" charset="0"/>
-                <a:cs typeface="Consolas" pitchFamily="49" charset="0"/>
-              </a:rPr>
-              <a:t>&gt; _persons = </a:t>
-            </a:r>
-            <a:r>
-              <a:rPr kumimoji="0" lang="en-US" sz="1200" b="0" i="0" u="none" strike="noStrike" cap="none" normalizeH="0" baseline="0" dirty="0" smtClean="0">
-                <a:ln>
-                  <a:noFill/>
-                </a:ln>
-                <a:solidFill>
-                  <a:srgbClr val="0000FF"/>
-                </a:solidFill>
-                <a:effectLst/>
-                <a:latin typeface="Consolas" pitchFamily="49" charset="0"/>
-                <a:cs typeface="Consolas" pitchFamily="49" charset="0"/>
-              </a:rPr>
-              <a:t>new</a:t>
-            </a:r>
-            <a:r>
-              <a:rPr kumimoji="0" lang="en-US" sz="1200" b="0" i="0" u="none" strike="noStrike" cap="none" normalizeH="0" baseline="0" dirty="0" smtClean="0">
-                <a:ln>
-                  <a:noFill/>
-                </a:ln>
-                <a:solidFill>
-                  <a:srgbClr val="000000"/>
-                </a:solidFill>
-                <a:effectLst/>
-                <a:latin typeface="Consolas" pitchFamily="49" charset="0"/>
-                <a:cs typeface="Consolas" pitchFamily="49" charset="0"/>
-              </a:rPr>
-              <a:t> </a:t>
-            </a:r>
-            <a:r>
-              <a:rPr kumimoji="0" lang="en-US" sz="1200" b="0" i="0" u="none" strike="noStrike" cap="none" normalizeH="0" baseline="0" dirty="0" smtClean="0">
-                <a:ln>
-                  <a:noFill/>
-                </a:ln>
-                <a:solidFill>
-                  <a:srgbClr val="2B91AF"/>
-                </a:solidFill>
-                <a:effectLst/>
-                <a:latin typeface="Consolas" pitchFamily="49" charset="0"/>
-                <a:cs typeface="Consolas" pitchFamily="49" charset="0"/>
-              </a:rPr>
-              <a:t>List</a:t>
-            </a:r>
-            <a:r>
-              <a:rPr kumimoji="0" lang="en-US" sz="1200" b="0" i="0" u="none" strike="noStrike" cap="none" normalizeH="0" baseline="0" dirty="0" smtClean="0">
-                <a:ln>
-                  <a:noFill/>
-                </a:ln>
-                <a:solidFill>
-                  <a:srgbClr val="000000"/>
-                </a:solidFill>
-                <a:effectLst/>
-                <a:latin typeface="Consolas" pitchFamily="49" charset="0"/>
-                <a:cs typeface="Consolas" pitchFamily="49" charset="0"/>
-              </a:rPr>
-              <a:t>&lt;</a:t>
-            </a:r>
-            <a:r>
-              <a:rPr kumimoji="0" lang="en-US" sz="1200" b="0" i="0" u="none" strike="noStrike" cap="none" normalizeH="0" baseline="0" dirty="0" smtClean="0">
-                <a:ln>
-                  <a:noFill/>
-                </a:ln>
-                <a:solidFill>
-                  <a:srgbClr val="2B91AF"/>
-                </a:solidFill>
-                <a:effectLst/>
-                <a:latin typeface="Consolas" pitchFamily="49" charset="0"/>
-                <a:cs typeface="Consolas" pitchFamily="49" charset="0"/>
-              </a:rPr>
-              <a:t>Person</a:t>
-            </a:r>
-            <a:r>
-              <a:rPr kumimoji="0" lang="en-US" sz="1200" b="0" i="0" u="none" strike="noStrike" cap="none" normalizeH="0" baseline="0" dirty="0" smtClean="0">
-                <a:ln>
-                  <a:noFill/>
-                </a:ln>
-                <a:solidFill>
-                  <a:srgbClr val="000000"/>
-                </a:solidFill>
-                <a:effectLst/>
-                <a:latin typeface="Consolas" pitchFamily="49" charset="0"/>
-                <a:cs typeface="Consolas" pitchFamily="49" charset="0"/>
-              </a:rPr>
-              <a:t>&gt;();         </a:t>
-            </a:r>
-          </a:p>
-          <a:p>
-            <a:pPr marL="0" marR="0" lvl="0" indent="0" algn="l" defTabSz="914400" rtl="0" eaLnBrk="1" fontAlgn="base" latinLnBrk="0" hangingPunct="1">
-              <a:lnSpc>
-                <a:spcPct val="100000"/>
-              </a:lnSpc>
-              <a:spcBef>
-                <a:spcPct val="0"/>
-              </a:spcBef>
-              <a:spcAft>
-                <a:spcPct val="0"/>
-              </a:spcAft>
-              <a:buClrTx/>
-              <a:buSzTx/>
-              <a:buFontTx/>
-              <a:buNone/>
-              <a:tabLst/>
-            </a:pPr>
-            <a:r>
-              <a:rPr kumimoji="0" lang="en-US" sz="1200" b="0" i="0" u="none" strike="noStrike" cap="none" normalizeH="0" baseline="0" dirty="0" smtClean="0">
-                <a:ln>
-                  <a:noFill/>
-                </a:ln>
-                <a:solidFill>
-                  <a:srgbClr val="0000FF"/>
-                </a:solidFill>
-                <a:effectLst/>
-                <a:latin typeface="Consolas" pitchFamily="49" charset="0"/>
-                <a:cs typeface="Consolas" pitchFamily="49" charset="0"/>
-              </a:rPr>
-              <a:t>	</a:t>
-            </a:r>
-          </a:p>
-          <a:p>
-            <a:pPr marL="0" marR="0" lvl="0" indent="0" algn="l" defTabSz="914400" rtl="0" eaLnBrk="1" fontAlgn="base" latinLnBrk="0" hangingPunct="1">
-              <a:lnSpc>
-                <a:spcPct val="100000"/>
-              </a:lnSpc>
-              <a:spcBef>
-                <a:spcPct val="0"/>
-              </a:spcBef>
-              <a:spcAft>
-                <a:spcPct val="0"/>
-              </a:spcAft>
-              <a:buClrTx/>
-              <a:buSzTx/>
-              <a:buFontTx/>
-              <a:buNone/>
-              <a:tabLst/>
-            </a:pPr>
-            <a:r>
-              <a:rPr lang="en-US" sz="1200" dirty="0" smtClean="0">
-                <a:solidFill>
-                  <a:srgbClr val="0000FF"/>
-                </a:solidFill>
-                <a:latin typeface="Consolas" pitchFamily="49" charset="0"/>
-                <a:cs typeface="Consolas" pitchFamily="49" charset="0"/>
-              </a:rPr>
-              <a:t>	</a:t>
-            </a:r>
-            <a:r>
-              <a:rPr kumimoji="0" lang="en-US" sz="1200" b="0" i="0" u="none" strike="noStrike" cap="none" normalizeH="0" baseline="0" dirty="0" smtClean="0">
-                <a:ln>
-                  <a:noFill/>
-                </a:ln>
-                <a:solidFill>
-                  <a:srgbClr val="0000FF"/>
-                </a:solidFill>
-                <a:effectLst/>
-                <a:latin typeface="Consolas" pitchFamily="49" charset="0"/>
-                <a:cs typeface="Consolas" pitchFamily="49" charset="0"/>
-              </a:rPr>
-              <a:t>public</a:t>
-            </a:r>
-            <a:r>
-              <a:rPr kumimoji="0" lang="en-US" sz="1200" b="0" i="0" u="none" strike="noStrike" cap="none" normalizeH="0" baseline="0" dirty="0" smtClean="0">
-                <a:ln>
-                  <a:noFill/>
-                </a:ln>
-                <a:solidFill>
-                  <a:srgbClr val="000000"/>
-                </a:solidFill>
-                <a:effectLst/>
-                <a:latin typeface="Consolas" pitchFamily="49" charset="0"/>
-                <a:cs typeface="Consolas" pitchFamily="49" charset="0"/>
-              </a:rPr>
-              <a:t> </a:t>
-            </a:r>
-            <a:r>
-              <a:rPr kumimoji="0" lang="en-US" sz="1200" b="0" i="0" u="none" strike="noStrike" cap="none" normalizeH="0" baseline="0" dirty="0" err="1" smtClean="0">
-                <a:ln>
-                  <a:noFill/>
-                </a:ln>
-                <a:solidFill>
-                  <a:srgbClr val="2B91AF"/>
-                </a:solidFill>
-                <a:effectLst/>
-                <a:latin typeface="Consolas" pitchFamily="49" charset="0"/>
-                <a:cs typeface="Consolas" pitchFamily="49" charset="0"/>
-              </a:rPr>
-              <a:t>IEnumerable</a:t>
-            </a:r>
-            <a:r>
-              <a:rPr kumimoji="0" lang="en-US" sz="1200" b="0" i="0" u="none" strike="noStrike" cap="none" normalizeH="0" baseline="0" dirty="0" smtClean="0">
-                <a:ln>
-                  <a:noFill/>
-                </a:ln>
-                <a:solidFill>
-                  <a:srgbClr val="000000"/>
-                </a:solidFill>
-                <a:effectLst/>
-                <a:latin typeface="Consolas" pitchFamily="49" charset="0"/>
-                <a:cs typeface="Consolas" pitchFamily="49" charset="0"/>
-              </a:rPr>
-              <a:t>&lt;</a:t>
-            </a:r>
-            <a:r>
-              <a:rPr kumimoji="0" lang="en-US" sz="1200" b="0" i="0" u="none" strike="noStrike" cap="none" normalizeH="0" baseline="0" dirty="0" smtClean="0">
-                <a:ln>
-                  <a:noFill/>
-                </a:ln>
-                <a:solidFill>
-                  <a:srgbClr val="2B91AF"/>
-                </a:solidFill>
-                <a:effectLst/>
-                <a:latin typeface="Consolas" pitchFamily="49" charset="0"/>
-                <a:cs typeface="Consolas" pitchFamily="49" charset="0"/>
-              </a:rPr>
-              <a:t>Person</a:t>
-            </a:r>
-            <a:r>
-              <a:rPr kumimoji="0" lang="en-US" sz="1200" b="0" i="0" u="none" strike="noStrike" cap="none" normalizeH="0" baseline="0" dirty="0" smtClean="0">
-                <a:ln>
-                  <a:noFill/>
-                </a:ln>
-                <a:solidFill>
-                  <a:srgbClr val="000000"/>
-                </a:solidFill>
-                <a:effectLst/>
-                <a:latin typeface="Consolas" pitchFamily="49" charset="0"/>
-                <a:cs typeface="Consolas" pitchFamily="49" charset="0"/>
-              </a:rPr>
-              <a:t>&gt; Get()         </a:t>
-            </a:r>
-          </a:p>
-          <a:p>
-            <a:pPr marL="0" marR="0" lvl="0" indent="0" algn="l" defTabSz="914400" rtl="0" eaLnBrk="1" fontAlgn="base" latinLnBrk="0" hangingPunct="1">
-              <a:lnSpc>
-                <a:spcPct val="100000"/>
-              </a:lnSpc>
-              <a:spcBef>
-                <a:spcPct val="0"/>
-              </a:spcBef>
-              <a:spcAft>
-                <a:spcPct val="0"/>
-              </a:spcAft>
-              <a:buClrTx/>
-              <a:buSzTx/>
-              <a:buFontTx/>
-              <a:buNone/>
-              <a:tabLst/>
-            </a:pPr>
-            <a:r>
-              <a:rPr lang="en-US" sz="1200" dirty="0" smtClean="0">
-                <a:solidFill>
-                  <a:srgbClr val="000000"/>
-                </a:solidFill>
-                <a:latin typeface="Consolas" pitchFamily="49" charset="0"/>
-                <a:cs typeface="Consolas" pitchFamily="49" charset="0"/>
-              </a:rPr>
-              <a:t>	</a:t>
-            </a:r>
-            <a:r>
-              <a:rPr kumimoji="0" lang="en-US" sz="1200" b="0" i="0" u="none" strike="noStrike" cap="none" normalizeH="0" baseline="0" dirty="0" smtClean="0">
-                <a:ln>
-                  <a:noFill/>
-                </a:ln>
-                <a:solidFill>
-                  <a:srgbClr val="000000"/>
-                </a:solidFill>
-                <a:effectLst/>
-                <a:latin typeface="Consolas" pitchFamily="49" charset="0"/>
-                <a:cs typeface="Consolas" pitchFamily="49" charset="0"/>
-              </a:rPr>
-              <a:t>{             </a:t>
-            </a:r>
-          </a:p>
-          <a:p>
-            <a:pPr marL="0" marR="0" lvl="0" indent="0" algn="l" defTabSz="914400" rtl="0" eaLnBrk="1" fontAlgn="base" latinLnBrk="0" hangingPunct="1">
-              <a:lnSpc>
-                <a:spcPct val="100000"/>
-              </a:lnSpc>
-              <a:spcBef>
-                <a:spcPct val="0"/>
-              </a:spcBef>
-              <a:spcAft>
-                <a:spcPct val="0"/>
-              </a:spcAft>
-              <a:buClrTx/>
-              <a:buSzTx/>
-              <a:buFontTx/>
-              <a:buNone/>
-              <a:tabLst/>
-            </a:pPr>
-            <a:r>
-              <a:rPr lang="en-US" sz="1200" dirty="0" smtClean="0">
-                <a:solidFill>
-                  <a:srgbClr val="000000"/>
-                </a:solidFill>
-                <a:latin typeface="Consolas" pitchFamily="49" charset="0"/>
-                <a:cs typeface="Consolas" pitchFamily="49" charset="0"/>
-              </a:rPr>
-              <a:t>		</a:t>
-            </a:r>
-            <a:r>
-              <a:rPr kumimoji="0" lang="en-US" sz="1200" b="0" i="0" u="none" strike="noStrike" cap="none" normalizeH="0" baseline="0" dirty="0" smtClean="0">
-                <a:ln>
-                  <a:noFill/>
-                </a:ln>
-                <a:solidFill>
-                  <a:srgbClr val="0000FF"/>
-                </a:solidFill>
-                <a:effectLst/>
-                <a:latin typeface="Consolas" pitchFamily="49" charset="0"/>
-                <a:cs typeface="Consolas" pitchFamily="49" charset="0"/>
-              </a:rPr>
-              <a:t>return</a:t>
-            </a:r>
-            <a:r>
-              <a:rPr kumimoji="0" lang="en-US" sz="1200" b="0" i="0" u="none" strike="noStrike" cap="none" normalizeH="0" baseline="0" dirty="0" smtClean="0">
-                <a:ln>
-                  <a:noFill/>
-                </a:ln>
-                <a:solidFill>
-                  <a:srgbClr val="000000"/>
-                </a:solidFill>
-                <a:effectLst/>
-                <a:latin typeface="Consolas" pitchFamily="49" charset="0"/>
-                <a:cs typeface="Consolas" pitchFamily="49" charset="0"/>
-              </a:rPr>
-              <a:t> _persons;         </a:t>
-            </a:r>
-          </a:p>
-          <a:p>
-            <a:pPr marL="0" marR="0" lvl="0" indent="0" algn="l" defTabSz="914400" rtl="0" eaLnBrk="1" fontAlgn="base" latinLnBrk="0" hangingPunct="1">
-              <a:lnSpc>
-                <a:spcPct val="100000"/>
-              </a:lnSpc>
-              <a:spcBef>
-                <a:spcPct val="0"/>
-              </a:spcBef>
-              <a:spcAft>
-                <a:spcPct val="0"/>
-              </a:spcAft>
-              <a:buClrTx/>
-              <a:buSzTx/>
-              <a:buFontTx/>
-              <a:buNone/>
-              <a:tabLst/>
-            </a:pPr>
-            <a:r>
-              <a:rPr lang="en-US" sz="1200" dirty="0" smtClean="0">
-                <a:solidFill>
-                  <a:srgbClr val="000000"/>
-                </a:solidFill>
-                <a:latin typeface="Consolas" pitchFamily="49" charset="0"/>
-                <a:cs typeface="Consolas" pitchFamily="49" charset="0"/>
-              </a:rPr>
-              <a:t>	</a:t>
-            </a:r>
-            <a:r>
-              <a:rPr kumimoji="0" lang="en-US" sz="1200" b="0" i="0" u="none" strike="noStrike" cap="none" normalizeH="0" baseline="0" dirty="0" smtClean="0">
-                <a:ln>
-                  <a:noFill/>
-                </a:ln>
-                <a:solidFill>
-                  <a:srgbClr val="000000"/>
-                </a:solidFill>
-                <a:effectLst/>
-                <a:latin typeface="Consolas" pitchFamily="49" charset="0"/>
-                <a:cs typeface="Consolas" pitchFamily="49" charset="0"/>
-              </a:rPr>
-              <a:t>}     </a:t>
-            </a:r>
-          </a:p>
-          <a:p>
-            <a:pPr marL="0" marR="0" lvl="0" indent="0" algn="l" defTabSz="914400" rtl="0" eaLnBrk="1" fontAlgn="base" latinLnBrk="0" hangingPunct="1">
-              <a:lnSpc>
-                <a:spcPct val="100000"/>
-              </a:lnSpc>
-              <a:spcBef>
-                <a:spcPct val="0"/>
-              </a:spcBef>
-              <a:spcAft>
-                <a:spcPct val="0"/>
-              </a:spcAft>
-              <a:buClrTx/>
-              <a:buSzTx/>
-              <a:buFontTx/>
-              <a:buNone/>
-              <a:tabLst/>
-            </a:pPr>
-            <a:r>
-              <a:rPr kumimoji="0" lang="en-US" sz="1200" b="0" i="0" u="none" strike="noStrike" cap="none" normalizeH="0" baseline="0" dirty="0" smtClean="0">
-                <a:ln>
-                  <a:noFill/>
-                </a:ln>
-                <a:solidFill>
-                  <a:srgbClr val="000000"/>
-                </a:solidFill>
-                <a:effectLst/>
-                <a:latin typeface="Consolas" pitchFamily="49" charset="0"/>
-                <a:cs typeface="Consolas" pitchFamily="49" charset="0"/>
-              </a:rPr>
-              <a:t>}</a:t>
-            </a:r>
-            <a:endParaRPr kumimoji="0" lang="en-US" sz="1200" b="0" i="0" u="none" strike="noStrike" cap="none" normalizeH="0" baseline="0" dirty="0" smtClean="0">
-              <a:ln>
-                <a:noFill/>
-              </a:ln>
-              <a:solidFill>
-                <a:schemeClr val="tx1"/>
-              </a:solidFill>
-              <a:effectLst/>
-              <a:latin typeface="Arial" pitchFamily="34" charset="0"/>
-              <a:cs typeface="Arial" pitchFamily="34" charset="0"/>
-            </a:endParaRPr>
-          </a:p>
-        </p:txBody>
-      </p:sp>
-      <p:sp>
-        <p:nvSpPr>
-          <p:cNvPr id="32769" name="Rectangle 1"/>
-          <p:cNvSpPr>
-            <a:spLocks noChangeArrowheads="1"/>
-          </p:cNvSpPr>
-          <p:nvPr/>
-        </p:nvSpPr>
-        <p:spPr bwMode="auto">
-          <a:xfrm>
-            <a:off x="0" y="43934"/>
-            <a:ext cx="184731" cy="369332"/>
-          </a:xfrm>
-          <a:prstGeom prst="rect">
-            <a:avLst/>
-          </a:prstGeom>
-          <a:solidFill>
-            <a:srgbClr val="FFFFFF"/>
-          </a:solidFill>
-          <a:ln w="9525">
-            <a:noFill/>
-            <a:miter lim="800000"/>
-            <a:headEnd/>
-            <a:tailEnd/>
-          </a:ln>
-          <a:effectLst/>
-        </p:spPr>
-        <p:txBody>
-          <a:bodyPr vert="horz" wrap="none" lIns="91440" tIns="45720" rIns="91440" bIns="45720" numCol="1" anchor="ctr" anchorCtr="0" compatLnSpc="1">
-            <a:prstTxWarp prst="textNoShape">
-              <a:avLst/>
-            </a:prstTxWarp>
-            <a:spAutoFit/>
-          </a:bodyPr>
-          <a:lstStyle/>
-          <a:p>
-            <a:pPr marL="0" marR="0" lvl="0" indent="0" algn="l" defTabSz="914400" rtl="0" eaLnBrk="1" fontAlgn="base" latinLnBrk="0" hangingPunct="1">
-              <a:lnSpc>
-                <a:spcPct val="100000"/>
-              </a:lnSpc>
-              <a:spcBef>
-                <a:spcPct val="0"/>
-              </a:spcBef>
-              <a:spcAft>
-                <a:spcPct val="0"/>
-              </a:spcAft>
-              <a:buClrTx/>
-              <a:buSzTx/>
-              <a:buFontTx/>
-              <a:buNone/>
-              <a:tabLst/>
-            </a:pPr>
-            <a:endParaRPr kumimoji="0" lang="en-US" sz="1800" b="0" i="0" u="none" strike="noStrike" cap="none" normalizeH="0" baseline="0" dirty="0" smtClean="0">
-              <a:ln>
-                <a:noFill/>
-              </a:ln>
-              <a:solidFill>
-                <a:schemeClr val="tx1"/>
-              </a:solidFill>
-              <a:effectLst/>
-              <a:latin typeface="Arial" pitchFamily="34" charset="0"/>
-              <a:cs typeface="Arial" pitchFamily="34" charset="0"/>
-            </a:endParaRPr>
-          </a:p>
-        </p:txBody>
-      </p:sp>
-      <p:sp>
-        <p:nvSpPr>
-          <p:cNvPr id="7" name="Rectangle 1"/>
-          <p:cNvSpPr>
-            <a:spLocks noChangeArrowheads="1"/>
-          </p:cNvSpPr>
-          <p:nvPr/>
-        </p:nvSpPr>
-        <p:spPr bwMode="auto">
-          <a:xfrm>
-            <a:off x="499873" y="3322749"/>
-            <a:ext cx="8231434" cy="1938992"/>
-          </a:xfrm>
-          <a:prstGeom prst="rect">
-            <a:avLst/>
-          </a:prstGeom>
-          <a:solidFill>
-            <a:srgbClr val="FFFFFF"/>
-          </a:solidFill>
-          <a:ln w="9525">
-            <a:solidFill>
-              <a:schemeClr val="accent1"/>
-            </a:solidFill>
-            <a:miter lim="800000"/>
-            <a:headEnd/>
-            <a:tailEnd/>
-          </a:ln>
-          <a:effectLst/>
-        </p:spPr>
-        <p:txBody>
-          <a:bodyPr vert="horz" wrap="square" lIns="91440" tIns="45720" rIns="91440" bIns="45720" numCol="1" anchor="ctr" anchorCtr="0" compatLnSpc="1">
-            <a:prstTxWarp prst="textNoShape">
-              <a:avLst/>
-            </a:prstTxWarp>
-            <a:spAutoFit/>
-          </a:bodyPr>
-          <a:lstStyle/>
-          <a:p>
-            <a:pPr marL="0" marR="0" lvl="0" indent="0" algn="l" defTabSz="914400" rtl="0" eaLnBrk="1" fontAlgn="base" latinLnBrk="0" hangingPunct="1">
-              <a:lnSpc>
-                <a:spcPct val="100000"/>
-              </a:lnSpc>
-              <a:spcBef>
-                <a:spcPct val="0"/>
-              </a:spcBef>
-              <a:spcAft>
-                <a:spcPct val="0"/>
-              </a:spcAft>
-              <a:buClrTx/>
-              <a:buSzTx/>
-              <a:buFontTx/>
-              <a:buNone/>
-              <a:tabLst/>
-            </a:pPr>
-            <a:r>
-              <a:rPr kumimoji="0" lang="en-US" sz="1200" b="0" i="0" u="none" strike="noStrike" cap="none" normalizeH="0" baseline="0" dirty="0" smtClean="0">
-                <a:ln>
-                  <a:noFill/>
-                </a:ln>
-                <a:solidFill>
-                  <a:srgbClr val="0000FF"/>
-                </a:solidFill>
-                <a:effectLst/>
-                <a:latin typeface="Consolas" pitchFamily="49" charset="0"/>
-                <a:cs typeface="Consolas" pitchFamily="49" charset="0"/>
-              </a:rPr>
-              <a:t>public</a:t>
-            </a:r>
-            <a:r>
-              <a:rPr kumimoji="0" lang="en-US" sz="1200" b="0" i="0" u="none" strike="noStrike" cap="none" normalizeH="0" baseline="0" dirty="0" smtClean="0">
-                <a:ln>
-                  <a:noFill/>
-                </a:ln>
-                <a:solidFill>
-                  <a:srgbClr val="000000"/>
-                </a:solidFill>
-                <a:effectLst/>
-                <a:latin typeface="Consolas" pitchFamily="49" charset="0"/>
-                <a:cs typeface="Consolas" pitchFamily="49" charset="0"/>
-              </a:rPr>
-              <a:t> </a:t>
-            </a:r>
-            <a:r>
-              <a:rPr kumimoji="0" lang="en-US" sz="1200" b="0" i="0" u="none" strike="noStrike" cap="none" normalizeH="0" baseline="0" dirty="0" smtClean="0">
-                <a:ln>
-                  <a:noFill/>
-                </a:ln>
-                <a:solidFill>
-                  <a:srgbClr val="0000FF"/>
-                </a:solidFill>
-                <a:effectLst/>
-                <a:latin typeface="Consolas" pitchFamily="49" charset="0"/>
-                <a:cs typeface="Consolas" pitchFamily="49" charset="0"/>
-              </a:rPr>
-              <a:t>class</a:t>
-            </a:r>
-            <a:r>
-              <a:rPr kumimoji="0" lang="en-US" sz="1200" b="0" i="0" u="none" strike="noStrike" cap="none" normalizeH="0" baseline="0" dirty="0" smtClean="0">
-                <a:ln>
-                  <a:noFill/>
-                </a:ln>
-                <a:solidFill>
-                  <a:srgbClr val="000000"/>
-                </a:solidFill>
-                <a:effectLst/>
-                <a:latin typeface="Consolas" pitchFamily="49" charset="0"/>
-                <a:cs typeface="Consolas" pitchFamily="49" charset="0"/>
-              </a:rPr>
-              <a:t> </a:t>
-            </a:r>
-            <a:r>
-              <a:rPr kumimoji="0" lang="en-US" sz="1200" b="0" i="0" u="none" strike="noStrike" cap="none" normalizeH="0" baseline="0" dirty="0" err="1" smtClean="0">
-                <a:ln>
-                  <a:noFill/>
-                </a:ln>
-                <a:solidFill>
-                  <a:srgbClr val="2B91AF"/>
-                </a:solidFill>
-                <a:effectLst/>
-                <a:latin typeface="Consolas" pitchFamily="49" charset="0"/>
-                <a:cs typeface="Consolas" pitchFamily="49" charset="0"/>
-              </a:rPr>
-              <a:t>PersonController</a:t>
-            </a:r>
-            <a:r>
-              <a:rPr kumimoji="0" lang="en-US" sz="1200" b="0" i="0" u="none" strike="noStrike" cap="none" normalizeH="0" baseline="0" dirty="0" smtClean="0">
-                <a:ln>
-                  <a:noFill/>
-                </a:ln>
-                <a:solidFill>
-                  <a:srgbClr val="000000"/>
-                </a:solidFill>
-                <a:effectLst/>
-                <a:latin typeface="Consolas" pitchFamily="49" charset="0"/>
-                <a:cs typeface="Consolas" pitchFamily="49" charset="0"/>
-              </a:rPr>
-              <a:t> : </a:t>
-            </a:r>
-            <a:r>
-              <a:rPr kumimoji="0" lang="en-US" sz="1200" b="0" i="0" u="none" strike="noStrike" cap="none" normalizeH="0" baseline="0" dirty="0" smtClean="0">
-                <a:ln>
-                  <a:noFill/>
-                </a:ln>
-                <a:solidFill>
-                  <a:srgbClr val="2B91AF"/>
-                </a:solidFill>
-                <a:effectLst/>
-                <a:latin typeface="Consolas" pitchFamily="49" charset="0"/>
-                <a:cs typeface="Consolas" pitchFamily="49" charset="0"/>
-              </a:rPr>
-              <a:t>ApiController</a:t>
-            </a:r>
-            <a:r>
-              <a:rPr kumimoji="0" lang="en-US" sz="1200" b="0" i="0" u="none" strike="noStrike" cap="none" normalizeH="0" baseline="0" dirty="0" smtClean="0">
-                <a:ln>
-                  <a:noFill/>
-                </a:ln>
-                <a:solidFill>
-                  <a:srgbClr val="000000"/>
-                </a:solidFill>
-                <a:effectLst/>
-                <a:latin typeface="Consolas" pitchFamily="49" charset="0"/>
-                <a:cs typeface="Consolas" pitchFamily="49" charset="0"/>
-              </a:rPr>
-              <a:t>     </a:t>
-            </a:r>
-          </a:p>
-          <a:p>
-            <a:pPr marL="0" marR="0" lvl="0" indent="0" algn="l" defTabSz="914400" rtl="0" eaLnBrk="1" fontAlgn="base" latinLnBrk="0" hangingPunct="1">
-              <a:lnSpc>
-                <a:spcPct val="100000"/>
-              </a:lnSpc>
-              <a:spcBef>
-                <a:spcPct val="0"/>
-              </a:spcBef>
-              <a:spcAft>
-                <a:spcPct val="0"/>
-              </a:spcAft>
-              <a:buClrTx/>
-              <a:buSzTx/>
-              <a:buFontTx/>
-              <a:buNone/>
-              <a:tabLst/>
-            </a:pPr>
-            <a:r>
-              <a:rPr kumimoji="0" lang="en-US" sz="1200" b="0" i="0" u="none" strike="noStrike" cap="none" normalizeH="0" baseline="0" dirty="0" smtClean="0">
-                <a:ln>
-                  <a:noFill/>
-                </a:ln>
-                <a:solidFill>
-                  <a:srgbClr val="000000"/>
-                </a:solidFill>
-                <a:effectLst/>
-                <a:latin typeface="Consolas" pitchFamily="49" charset="0"/>
-                <a:cs typeface="Consolas" pitchFamily="49" charset="0"/>
-              </a:rPr>
-              <a:t>{         </a:t>
-            </a:r>
-          </a:p>
-          <a:p>
-            <a:pPr marL="0" marR="0" lvl="0" indent="0" algn="l" defTabSz="914400" rtl="0" eaLnBrk="1" fontAlgn="base" latinLnBrk="0" hangingPunct="1">
-              <a:lnSpc>
-                <a:spcPct val="100000"/>
-              </a:lnSpc>
-              <a:spcBef>
-                <a:spcPct val="0"/>
-              </a:spcBef>
-              <a:spcAft>
-                <a:spcPct val="0"/>
-              </a:spcAft>
-              <a:buClrTx/>
-              <a:buSzTx/>
-              <a:buFontTx/>
-              <a:buNone/>
-              <a:tabLst/>
-            </a:pPr>
-            <a:r>
-              <a:rPr lang="en-US" sz="1200" dirty="0" smtClean="0">
-                <a:solidFill>
-                  <a:srgbClr val="000000"/>
-                </a:solidFill>
-                <a:latin typeface="Consolas" pitchFamily="49" charset="0"/>
-                <a:cs typeface="Consolas" pitchFamily="49" charset="0"/>
-              </a:rPr>
-              <a:t>	</a:t>
-            </a:r>
-            <a:r>
-              <a:rPr kumimoji="0" lang="en-US" sz="1200" b="0" i="0" u="none" strike="noStrike" cap="none" normalizeH="0" baseline="0" dirty="0" smtClean="0">
-                <a:ln>
-                  <a:noFill/>
-                </a:ln>
-                <a:solidFill>
-                  <a:srgbClr val="0000FF"/>
-                </a:solidFill>
-                <a:effectLst/>
-                <a:latin typeface="Consolas" pitchFamily="49" charset="0"/>
-                <a:cs typeface="Consolas" pitchFamily="49" charset="0"/>
-              </a:rPr>
-              <a:t>private</a:t>
-            </a:r>
-            <a:r>
-              <a:rPr kumimoji="0" lang="en-US" sz="1200" b="0" i="0" u="none" strike="noStrike" cap="none" normalizeH="0" baseline="0" dirty="0" smtClean="0">
-                <a:ln>
-                  <a:noFill/>
-                </a:ln>
-                <a:solidFill>
-                  <a:srgbClr val="000000"/>
-                </a:solidFill>
-                <a:effectLst/>
-                <a:latin typeface="Consolas" pitchFamily="49" charset="0"/>
-                <a:cs typeface="Consolas" pitchFamily="49" charset="0"/>
-              </a:rPr>
-              <a:t> </a:t>
-            </a:r>
-            <a:r>
-              <a:rPr kumimoji="0" lang="en-US" sz="1200" b="0" i="0" u="none" strike="noStrike" cap="none" normalizeH="0" baseline="0" dirty="0" err="1" smtClean="0">
-                <a:ln>
-                  <a:noFill/>
-                </a:ln>
-                <a:solidFill>
-                  <a:srgbClr val="2B91AF"/>
-                </a:solidFill>
-                <a:effectLst/>
-                <a:latin typeface="Consolas" pitchFamily="49" charset="0"/>
-                <a:cs typeface="Consolas" pitchFamily="49" charset="0"/>
-              </a:rPr>
-              <a:t>IEnumerable</a:t>
-            </a:r>
-            <a:r>
-              <a:rPr kumimoji="0" lang="en-US" sz="1200" b="0" i="0" u="none" strike="noStrike" cap="none" normalizeH="0" baseline="0" dirty="0" smtClean="0">
-                <a:ln>
-                  <a:noFill/>
-                </a:ln>
-                <a:solidFill>
-                  <a:srgbClr val="000000"/>
-                </a:solidFill>
-                <a:effectLst/>
-                <a:latin typeface="Consolas" pitchFamily="49" charset="0"/>
-                <a:cs typeface="Consolas" pitchFamily="49" charset="0"/>
-              </a:rPr>
-              <a:t>&lt;</a:t>
-            </a:r>
-            <a:r>
-              <a:rPr kumimoji="0" lang="en-US" sz="1200" b="0" i="0" u="none" strike="noStrike" cap="none" normalizeH="0" baseline="0" dirty="0" smtClean="0">
-                <a:ln>
-                  <a:noFill/>
-                </a:ln>
-                <a:solidFill>
-                  <a:srgbClr val="2B91AF"/>
-                </a:solidFill>
-                <a:effectLst/>
-                <a:latin typeface="Consolas" pitchFamily="49" charset="0"/>
-                <a:cs typeface="Consolas" pitchFamily="49" charset="0"/>
-              </a:rPr>
-              <a:t>Person</a:t>
-            </a:r>
-            <a:r>
-              <a:rPr kumimoji="0" lang="en-US" sz="1200" b="0" i="0" u="none" strike="noStrike" cap="none" normalizeH="0" baseline="0" dirty="0" smtClean="0">
-                <a:ln>
-                  <a:noFill/>
-                </a:ln>
-                <a:solidFill>
-                  <a:srgbClr val="000000"/>
-                </a:solidFill>
-                <a:effectLst/>
-                <a:latin typeface="Consolas" pitchFamily="49" charset="0"/>
-                <a:cs typeface="Consolas" pitchFamily="49" charset="0"/>
-              </a:rPr>
-              <a:t>&gt; _persons = </a:t>
-            </a:r>
-            <a:r>
-              <a:rPr kumimoji="0" lang="en-US" sz="1200" b="0" i="0" u="none" strike="noStrike" cap="none" normalizeH="0" baseline="0" dirty="0" smtClean="0">
-                <a:ln>
-                  <a:noFill/>
-                </a:ln>
-                <a:solidFill>
-                  <a:srgbClr val="0000FF"/>
-                </a:solidFill>
-                <a:effectLst/>
-                <a:latin typeface="Consolas" pitchFamily="49" charset="0"/>
-                <a:cs typeface="Consolas" pitchFamily="49" charset="0"/>
-              </a:rPr>
-              <a:t>new</a:t>
-            </a:r>
-            <a:r>
-              <a:rPr kumimoji="0" lang="en-US" sz="1200" b="0" i="0" u="none" strike="noStrike" cap="none" normalizeH="0" baseline="0" dirty="0" smtClean="0">
-                <a:ln>
-                  <a:noFill/>
-                </a:ln>
-                <a:solidFill>
-                  <a:srgbClr val="000000"/>
-                </a:solidFill>
-                <a:effectLst/>
-                <a:latin typeface="Consolas" pitchFamily="49" charset="0"/>
-                <a:cs typeface="Consolas" pitchFamily="49" charset="0"/>
-              </a:rPr>
-              <a:t> </a:t>
-            </a:r>
-            <a:r>
-              <a:rPr kumimoji="0" lang="en-US" sz="1200" b="0" i="0" u="none" strike="noStrike" cap="none" normalizeH="0" baseline="0" dirty="0" smtClean="0">
-                <a:ln>
-                  <a:noFill/>
-                </a:ln>
-                <a:solidFill>
-                  <a:srgbClr val="2B91AF"/>
-                </a:solidFill>
-                <a:effectLst/>
-                <a:latin typeface="Consolas" pitchFamily="49" charset="0"/>
-                <a:cs typeface="Consolas" pitchFamily="49" charset="0"/>
-              </a:rPr>
-              <a:t>List</a:t>
-            </a:r>
-            <a:r>
-              <a:rPr kumimoji="0" lang="en-US" sz="1200" b="0" i="0" u="none" strike="noStrike" cap="none" normalizeH="0" baseline="0" dirty="0" smtClean="0">
-                <a:ln>
-                  <a:noFill/>
-                </a:ln>
-                <a:solidFill>
-                  <a:srgbClr val="000000"/>
-                </a:solidFill>
-                <a:effectLst/>
-                <a:latin typeface="Consolas" pitchFamily="49" charset="0"/>
-                <a:cs typeface="Consolas" pitchFamily="49" charset="0"/>
-              </a:rPr>
-              <a:t>&lt;</a:t>
-            </a:r>
-            <a:r>
-              <a:rPr kumimoji="0" lang="en-US" sz="1200" b="0" i="0" u="none" strike="noStrike" cap="none" normalizeH="0" baseline="0" dirty="0" smtClean="0">
-                <a:ln>
-                  <a:noFill/>
-                </a:ln>
-                <a:solidFill>
-                  <a:srgbClr val="2B91AF"/>
-                </a:solidFill>
-                <a:effectLst/>
-                <a:latin typeface="Consolas" pitchFamily="49" charset="0"/>
-                <a:cs typeface="Consolas" pitchFamily="49" charset="0"/>
-              </a:rPr>
-              <a:t>Person</a:t>
-            </a:r>
-            <a:r>
-              <a:rPr kumimoji="0" lang="en-US" sz="1200" b="0" i="0" u="none" strike="noStrike" cap="none" normalizeH="0" baseline="0" dirty="0" smtClean="0">
-                <a:ln>
-                  <a:noFill/>
-                </a:ln>
-                <a:solidFill>
-                  <a:srgbClr val="000000"/>
-                </a:solidFill>
-                <a:effectLst/>
-                <a:latin typeface="Consolas" pitchFamily="49" charset="0"/>
-                <a:cs typeface="Consolas" pitchFamily="49" charset="0"/>
-              </a:rPr>
-              <a:t>&gt;();         </a:t>
-            </a:r>
-          </a:p>
-          <a:p>
-            <a:pPr marL="0" marR="0" lvl="0" indent="0" algn="l" defTabSz="914400" rtl="0" eaLnBrk="1" fontAlgn="base" latinLnBrk="0" hangingPunct="1">
-              <a:lnSpc>
-                <a:spcPct val="100000"/>
-              </a:lnSpc>
-              <a:spcBef>
-                <a:spcPct val="0"/>
-              </a:spcBef>
-              <a:spcAft>
-                <a:spcPct val="0"/>
-              </a:spcAft>
-              <a:buClrTx/>
-              <a:buSzTx/>
-              <a:buFontTx/>
-              <a:buNone/>
-              <a:tabLst/>
-            </a:pPr>
-            <a:r>
-              <a:rPr kumimoji="0" lang="en-US" sz="1200" b="0" i="0" u="none" strike="noStrike" cap="none" normalizeH="0" baseline="0" dirty="0" smtClean="0">
-                <a:ln>
-                  <a:noFill/>
-                </a:ln>
-                <a:solidFill>
-                  <a:srgbClr val="0000FF"/>
-                </a:solidFill>
-                <a:effectLst/>
-                <a:latin typeface="Consolas" pitchFamily="49" charset="0"/>
-                <a:cs typeface="Consolas" pitchFamily="49" charset="0"/>
-              </a:rPr>
-              <a:t>	</a:t>
-            </a:r>
-          </a:p>
-          <a:p>
-            <a:pPr defTabSz="914400" fontAlgn="base">
-              <a:spcBef>
-                <a:spcPct val="0"/>
-              </a:spcBef>
-              <a:spcAft>
-                <a:spcPct val="0"/>
-              </a:spcAft>
-            </a:pPr>
-            <a:r>
-              <a:rPr lang="en-US" sz="1200" dirty="0" smtClean="0">
-                <a:solidFill>
-                  <a:srgbClr val="000000"/>
-                </a:solidFill>
-                <a:latin typeface="Consolas" pitchFamily="49" charset="0"/>
-                <a:cs typeface="Consolas" pitchFamily="49" charset="0"/>
-              </a:rPr>
-              <a:t> 	[</a:t>
-            </a:r>
-            <a:r>
-              <a:rPr lang="en-US" sz="1200" dirty="0" err="1" smtClean="0">
-                <a:solidFill>
-                  <a:srgbClr val="2B91AF"/>
-                </a:solidFill>
-                <a:latin typeface="Consolas" pitchFamily="49" charset="0"/>
-                <a:cs typeface="Consolas" pitchFamily="49" charset="0"/>
-              </a:rPr>
-              <a:t>HttpGet</a:t>
-            </a:r>
-            <a:r>
-              <a:rPr lang="en-US" sz="1200" dirty="0" smtClean="0">
-                <a:solidFill>
-                  <a:srgbClr val="000000"/>
-                </a:solidFill>
-                <a:latin typeface="Consolas" pitchFamily="49" charset="0"/>
-                <a:cs typeface="Consolas" pitchFamily="49" charset="0"/>
-              </a:rPr>
-              <a:t>] </a:t>
-            </a:r>
-            <a:endParaRPr kumimoji="0" lang="en-US" sz="1200" b="0" i="0" u="none" strike="noStrike" cap="none" normalizeH="0" baseline="0" dirty="0" smtClean="0">
-              <a:ln>
-                <a:noFill/>
-              </a:ln>
-              <a:solidFill>
-                <a:srgbClr val="0000FF"/>
-              </a:solidFill>
-              <a:effectLst/>
-              <a:latin typeface="Consolas" pitchFamily="49" charset="0"/>
-              <a:cs typeface="Consolas" pitchFamily="49" charset="0"/>
-            </a:endParaRPr>
-          </a:p>
-          <a:p>
-            <a:pPr marL="0" marR="0" lvl="0" indent="0" algn="l" defTabSz="914400" rtl="0" eaLnBrk="1" fontAlgn="base" latinLnBrk="0" hangingPunct="1">
-              <a:lnSpc>
-                <a:spcPct val="100000"/>
-              </a:lnSpc>
-              <a:spcBef>
-                <a:spcPct val="0"/>
-              </a:spcBef>
-              <a:spcAft>
-                <a:spcPct val="0"/>
-              </a:spcAft>
-              <a:buClrTx/>
-              <a:buSzTx/>
-              <a:buFontTx/>
-              <a:buNone/>
-              <a:tabLst/>
-            </a:pPr>
-            <a:r>
-              <a:rPr lang="en-US" sz="1200" dirty="0" smtClean="0">
-                <a:solidFill>
-                  <a:srgbClr val="0000FF"/>
-                </a:solidFill>
-                <a:latin typeface="Consolas" pitchFamily="49" charset="0"/>
-                <a:cs typeface="Consolas" pitchFamily="49" charset="0"/>
-              </a:rPr>
-              <a:t>	</a:t>
-            </a:r>
-            <a:r>
-              <a:rPr kumimoji="0" lang="en-US" sz="1200" b="0" i="0" u="none" strike="noStrike" cap="none" normalizeH="0" baseline="0" dirty="0" smtClean="0">
-                <a:ln>
-                  <a:noFill/>
-                </a:ln>
-                <a:solidFill>
-                  <a:srgbClr val="0000FF"/>
-                </a:solidFill>
-                <a:effectLst/>
-                <a:latin typeface="Consolas" pitchFamily="49" charset="0"/>
-                <a:cs typeface="Consolas" pitchFamily="49" charset="0"/>
-              </a:rPr>
-              <a:t>public</a:t>
-            </a:r>
-            <a:r>
-              <a:rPr kumimoji="0" lang="en-US" sz="1200" b="0" i="0" u="none" strike="noStrike" cap="none" normalizeH="0" baseline="0" dirty="0" smtClean="0">
-                <a:ln>
-                  <a:noFill/>
-                </a:ln>
-                <a:solidFill>
-                  <a:srgbClr val="000000"/>
-                </a:solidFill>
-                <a:effectLst/>
-                <a:latin typeface="Consolas" pitchFamily="49" charset="0"/>
-                <a:cs typeface="Consolas" pitchFamily="49" charset="0"/>
-              </a:rPr>
-              <a:t> </a:t>
-            </a:r>
-            <a:r>
-              <a:rPr kumimoji="0" lang="en-US" sz="1200" b="0" i="0" u="none" strike="noStrike" cap="none" normalizeH="0" baseline="0" dirty="0" err="1" smtClean="0">
-                <a:ln>
-                  <a:noFill/>
-                </a:ln>
-                <a:solidFill>
-                  <a:srgbClr val="2B91AF"/>
-                </a:solidFill>
-                <a:effectLst/>
-                <a:latin typeface="Consolas" pitchFamily="49" charset="0"/>
-                <a:cs typeface="Consolas" pitchFamily="49" charset="0"/>
-              </a:rPr>
-              <a:t>IEnumerable</a:t>
-            </a:r>
-            <a:r>
-              <a:rPr kumimoji="0" lang="en-US" sz="1200" b="0" i="0" u="none" strike="noStrike" cap="none" normalizeH="0" baseline="0" dirty="0" smtClean="0">
-                <a:ln>
-                  <a:noFill/>
-                </a:ln>
-                <a:solidFill>
-                  <a:srgbClr val="000000"/>
-                </a:solidFill>
-                <a:effectLst/>
-                <a:latin typeface="Consolas" pitchFamily="49" charset="0"/>
-                <a:cs typeface="Consolas" pitchFamily="49" charset="0"/>
-              </a:rPr>
-              <a:t>&lt;</a:t>
-            </a:r>
-            <a:r>
-              <a:rPr kumimoji="0" lang="en-US" sz="1200" b="0" i="0" u="none" strike="noStrike" cap="none" normalizeH="0" baseline="0" dirty="0" smtClean="0">
-                <a:ln>
-                  <a:noFill/>
-                </a:ln>
-                <a:solidFill>
-                  <a:srgbClr val="2B91AF"/>
-                </a:solidFill>
-                <a:effectLst/>
-                <a:latin typeface="Consolas" pitchFamily="49" charset="0"/>
-                <a:cs typeface="Consolas" pitchFamily="49" charset="0"/>
-              </a:rPr>
-              <a:t>Person</a:t>
-            </a:r>
-            <a:r>
-              <a:rPr kumimoji="0" lang="en-US" sz="1200" b="0" i="0" u="none" strike="noStrike" cap="none" normalizeH="0" baseline="0" dirty="0" smtClean="0">
-                <a:ln>
-                  <a:noFill/>
-                </a:ln>
-                <a:solidFill>
-                  <a:srgbClr val="000000"/>
-                </a:solidFill>
-                <a:effectLst/>
-                <a:latin typeface="Consolas" pitchFamily="49" charset="0"/>
-                <a:cs typeface="Consolas" pitchFamily="49" charset="0"/>
-              </a:rPr>
-              <a:t>&gt; </a:t>
-            </a:r>
-            <a:r>
-              <a:rPr kumimoji="0" lang="en-US" sz="1200" b="0" i="0" u="none" strike="noStrike" cap="none" normalizeH="0" baseline="0" dirty="0" err="1" smtClean="0">
-                <a:ln>
-                  <a:noFill/>
-                </a:ln>
-                <a:solidFill>
-                  <a:srgbClr val="000000"/>
-                </a:solidFill>
-                <a:effectLst/>
-                <a:latin typeface="Consolas" pitchFamily="49" charset="0"/>
-                <a:cs typeface="Consolas" pitchFamily="49" charset="0"/>
-              </a:rPr>
-              <a:t>FindAll</a:t>
-            </a:r>
-            <a:r>
-              <a:rPr kumimoji="0" lang="en-US" sz="1200" b="0" i="0" u="none" strike="noStrike" cap="none" normalizeH="0" baseline="0" dirty="0" smtClean="0">
-                <a:ln>
-                  <a:noFill/>
-                </a:ln>
-                <a:solidFill>
-                  <a:srgbClr val="000000"/>
-                </a:solidFill>
-                <a:effectLst/>
-                <a:latin typeface="Consolas" pitchFamily="49" charset="0"/>
-                <a:cs typeface="Consolas" pitchFamily="49" charset="0"/>
-              </a:rPr>
-              <a:t>()         </a:t>
-            </a:r>
-          </a:p>
-          <a:p>
-            <a:pPr marL="0" marR="0" lvl="0" indent="0" algn="l" defTabSz="914400" rtl="0" eaLnBrk="1" fontAlgn="base" latinLnBrk="0" hangingPunct="1">
-              <a:lnSpc>
-                <a:spcPct val="100000"/>
-              </a:lnSpc>
-              <a:spcBef>
-                <a:spcPct val="0"/>
-              </a:spcBef>
-              <a:spcAft>
-                <a:spcPct val="0"/>
-              </a:spcAft>
-              <a:buClrTx/>
-              <a:buSzTx/>
-              <a:buFontTx/>
-              <a:buNone/>
-              <a:tabLst/>
-            </a:pPr>
-            <a:r>
-              <a:rPr lang="en-US" sz="1200" dirty="0" smtClean="0">
-                <a:solidFill>
-                  <a:srgbClr val="000000"/>
-                </a:solidFill>
-                <a:latin typeface="Consolas" pitchFamily="49" charset="0"/>
-                <a:cs typeface="Consolas" pitchFamily="49" charset="0"/>
-              </a:rPr>
-              <a:t>	</a:t>
-            </a:r>
-            <a:r>
-              <a:rPr kumimoji="0" lang="en-US" sz="1200" b="0" i="0" u="none" strike="noStrike" cap="none" normalizeH="0" baseline="0" dirty="0" smtClean="0">
-                <a:ln>
-                  <a:noFill/>
-                </a:ln>
-                <a:solidFill>
-                  <a:srgbClr val="000000"/>
-                </a:solidFill>
-                <a:effectLst/>
-                <a:latin typeface="Consolas" pitchFamily="49" charset="0"/>
-                <a:cs typeface="Consolas" pitchFamily="49" charset="0"/>
-              </a:rPr>
-              <a:t>{             </a:t>
-            </a:r>
-          </a:p>
-          <a:p>
-            <a:pPr marL="0" marR="0" lvl="0" indent="0" algn="l" defTabSz="914400" rtl="0" eaLnBrk="1" fontAlgn="base" latinLnBrk="0" hangingPunct="1">
-              <a:lnSpc>
-                <a:spcPct val="100000"/>
-              </a:lnSpc>
-              <a:spcBef>
-                <a:spcPct val="0"/>
-              </a:spcBef>
-              <a:spcAft>
-                <a:spcPct val="0"/>
-              </a:spcAft>
-              <a:buClrTx/>
-              <a:buSzTx/>
-              <a:buFontTx/>
-              <a:buNone/>
-              <a:tabLst/>
-            </a:pPr>
-            <a:r>
-              <a:rPr lang="en-US" sz="1200" dirty="0" smtClean="0">
-                <a:solidFill>
-                  <a:srgbClr val="000000"/>
-                </a:solidFill>
-                <a:latin typeface="Consolas" pitchFamily="49" charset="0"/>
-                <a:cs typeface="Consolas" pitchFamily="49" charset="0"/>
-              </a:rPr>
-              <a:t>		</a:t>
-            </a:r>
-            <a:r>
-              <a:rPr kumimoji="0" lang="en-US" sz="1200" b="0" i="0" u="none" strike="noStrike" cap="none" normalizeH="0" baseline="0" dirty="0" smtClean="0">
-                <a:ln>
-                  <a:noFill/>
-                </a:ln>
-                <a:solidFill>
-                  <a:srgbClr val="0000FF"/>
-                </a:solidFill>
-                <a:effectLst/>
-                <a:latin typeface="Consolas" pitchFamily="49" charset="0"/>
-                <a:cs typeface="Consolas" pitchFamily="49" charset="0"/>
-              </a:rPr>
-              <a:t>return</a:t>
-            </a:r>
-            <a:r>
-              <a:rPr kumimoji="0" lang="en-US" sz="1200" b="0" i="0" u="none" strike="noStrike" cap="none" normalizeH="0" baseline="0" dirty="0" smtClean="0">
-                <a:ln>
-                  <a:noFill/>
-                </a:ln>
-                <a:solidFill>
-                  <a:srgbClr val="000000"/>
-                </a:solidFill>
-                <a:effectLst/>
-                <a:latin typeface="Consolas" pitchFamily="49" charset="0"/>
-                <a:cs typeface="Consolas" pitchFamily="49" charset="0"/>
-              </a:rPr>
-              <a:t> _persons;         </a:t>
-            </a:r>
-          </a:p>
-          <a:p>
-            <a:pPr marL="0" marR="0" lvl="0" indent="0" algn="l" defTabSz="914400" rtl="0" eaLnBrk="1" fontAlgn="base" latinLnBrk="0" hangingPunct="1">
-              <a:lnSpc>
-                <a:spcPct val="100000"/>
-              </a:lnSpc>
-              <a:spcBef>
-                <a:spcPct val="0"/>
-              </a:spcBef>
-              <a:spcAft>
-                <a:spcPct val="0"/>
-              </a:spcAft>
-              <a:buClrTx/>
-              <a:buSzTx/>
-              <a:buFontTx/>
-              <a:buNone/>
-              <a:tabLst/>
-            </a:pPr>
-            <a:r>
-              <a:rPr lang="en-US" sz="1200" dirty="0" smtClean="0">
-                <a:solidFill>
-                  <a:srgbClr val="000000"/>
-                </a:solidFill>
-                <a:latin typeface="Consolas" pitchFamily="49" charset="0"/>
-                <a:cs typeface="Consolas" pitchFamily="49" charset="0"/>
-              </a:rPr>
-              <a:t>	</a:t>
-            </a:r>
-            <a:r>
-              <a:rPr kumimoji="0" lang="en-US" sz="1200" b="0" i="0" u="none" strike="noStrike" cap="none" normalizeH="0" baseline="0" dirty="0" smtClean="0">
-                <a:ln>
-                  <a:noFill/>
-                </a:ln>
-                <a:solidFill>
-                  <a:srgbClr val="000000"/>
-                </a:solidFill>
-                <a:effectLst/>
-                <a:latin typeface="Consolas" pitchFamily="49" charset="0"/>
-                <a:cs typeface="Consolas" pitchFamily="49" charset="0"/>
-              </a:rPr>
-              <a:t>}     </a:t>
-            </a:r>
-          </a:p>
-          <a:p>
-            <a:pPr marL="0" marR="0" lvl="0" indent="0" algn="l" defTabSz="914400" rtl="0" eaLnBrk="1" fontAlgn="base" latinLnBrk="0" hangingPunct="1">
-              <a:lnSpc>
-                <a:spcPct val="100000"/>
-              </a:lnSpc>
-              <a:spcBef>
-                <a:spcPct val="0"/>
-              </a:spcBef>
-              <a:spcAft>
-                <a:spcPct val="0"/>
-              </a:spcAft>
-              <a:buClrTx/>
-              <a:buSzTx/>
-              <a:buFontTx/>
-              <a:buNone/>
-              <a:tabLst/>
-            </a:pPr>
-            <a:r>
-              <a:rPr kumimoji="0" lang="en-US" sz="1200" b="0" i="0" u="none" strike="noStrike" cap="none" normalizeH="0" baseline="0" dirty="0" smtClean="0">
-                <a:ln>
-                  <a:noFill/>
-                </a:ln>
-                <a:solidFill>
-                  <a:srgbClr val="000000"/>
-                </a:solidFill>
-                <a:effectLst/>
-                <a:latin typeface="Consolas" pitchFamily="49" charset="0"/>
-                <a:cs typeface="Consolas" pitchFamily="49" charset="0"/>
-              </a:rPr>
-              <a:t>}</a:t>
-            </a:r>
-            <a:endParaRPr kumimoji="0" lang="en-US" sz="1200" b="0" i="0" u="none" strike="noStrike" cap="none" normalizeH="0" baseline="0" dirty="0" smtClean="0">
-              <a:ln>
-                <a:noFill/>
-              </a:ln>
-              <a:solidFill>
-                <a:schemeClr val="tx1"/>
-              </a:solidFill>
-              <a:effectLst/>
-              <a:latin typeface="Arial" pitchFamily="34" charset="0"/>
-              <a:cs typeface="Arial" pitchFamily="34" charset="0"/>
-            </a:endParaRPr>
-          </a:p>
-        </p:txBody>
-      </p:sp>
-    </p:spTree>
-  </p:cSld>
-  <p:clrMapOvr>
-    <a:masterClrMapping/>
-  </p:clrMapOvr>
-  <p:transition>
-    <p:fade thruBlk="1"/>
-  </p:transition>
-  <p:timing>
-    <p:tnLst>
-      <p:par>
-        <p:cTn id="1" dur="indefinite" restart="never" nodeType="tmRoot"/>
-      </p:par>
-    </p:tnLst>
-  </p:timing>
-</p:sld>
-</file>
-
 <file path=ppt/slides/slide12.xml><?xml version="1.0" encoding="utf-8"?>
 <p:sld xmlns:a="http://schemas.openxmlformats.org/drawingml/2006/main" xmlns:r="http://schemas.openxmlformats.org/officeDocument/2006/relationships" xmlns:p="http://schemas.openxmlformats.org/presentationml/2006/main">
   <p:cSld>
@@ -16577,11 +16808,7 @@
             </a:r>
             <a:r>
               <a:rPr lang="en-US" dirty="0" smtClean="0"/>
-              <a:t> </a:t>
-            </a:r>
-            <a:r>
-              <a:rPr lang="en-US" dirty="0" smtClean="0"/>
-              <a:t>for OSS</a:t>
+              <a:t> for OSS</a:t>
             </a:r>
             <a:endParaRPr lang="en-US" dirty="0"/>
           </a:p>
@@ -18107,7 +18334,7 @@
         <p:spPr>
           <a:xfrm>
             <a:off x="321623" y="1397000"/>
-            <a:ext cx="8102827" cy="995144"/>
+            <a:ext cx="8102827" cy="1338828"/>
           </a:xfrm>
           <a:prstGeom prst="rect">
             <a:avLst/>
@@ -18148,13 +18375,38 @@
             </a:pPr>
             <a:r>
               <a:rPr lang="nb-NO" sz="1400" dirty="0" smtClean="0"/>
-              <a:t> Kan brukes direkte i et ASP .NET MVC 4 prosjekt, men kan også brukes uavhengig av MVC</a:t>
-            </a:r>
-            <a:endParaRPr lang="nb-NO" sz="1400" dirty="0" smtClean="0">
-              <a:solidFill>
-                <a:srgbClr val="FF0000"/>
-              </a:solidFill>
-            </a:endParaRPr>
+              <a:t> Kan brukes direkte i et ASP .NET MVC 4 </a:t>
+            </a:r>
+            <a:r>
+              <a:rPr lang="nb-NO" sz="1400" dirty="0" smtClean="0"/>
+              <a:t>prosjekt</a:t>
+            </a:r>
+            <a:endParaRPr lang="nb-NO" sz="1400" dirty="0"/>
+          </a:p>
+          <a:p>
+            <a:pPr>
+              <a:spcBef>
+                <a:spcPts val="600"/>
+              </a:spcBef>
+              <a:spcAft>
+                <a:spcPts val="400"/>
+              </a:spcAft>
+              <a:buFont typeface="Wingdings" pitchFamily="2" charset="2"/>
+              <a:buChar char="ü"/>
+            </a:pPr>
+            <a:r>
+              <a:rPr lang="nb-NO" sz="1400" dirty="0" smtClean="0"/>
+              <a:t> Eller </a:t>
+            </a:r>
+            <a:r>
+              <a:rPr lang="nb-NO" sz="1400" dirty="0" smtClean="0"/>
+              <a:t>installeres separat med nuget: Install-Package </a:t>
+            </a:r>
+            <a:r>
+              <a:rPr lang="nb-NO" sz="1400" dirty="0"/>
+              <a:t>Microsoft.AspNet.WebApi</a:t>
+            </a:r>
+            <a:endParaRPr lang="nb-NO" sz="1400" dirty="0" smtClean="0"/>
           </a:p>
           <a:p>
             <a:pPr>
@@ -18180,7 +18432,7 @@
           <p:nvPr/>
         </p:nvPicPr>
         <p:blipFill>
-          <a:blip r:embed="rId2"/>
+          <a:blip r:embed="rId3"/>
           <a:srcRect/>
           <a:stretch>
             <a:fillRect/>
@@ -18218,7 +18470,7 @@
           <p:nvPr/>
         </p:nvPicPr>
         <p:blipFill>
-          <a:blip r:embed="rId3"/>
+          <a:blip r:embed="rId4"/>
           <a:srcRect/>
           <a:stretch>
             <a:fillRect/>

--- a/webapi/WebAPI.pptx
+++ b/webapi/WebAPI.pptx
@@ -20,8 +20,8 @@
     <p:sldId id="271" r:id="rId8"/>
     <p:sldId id="273" r:id="rId9"/>
     <p:sldId id="274" r:id="rId10"/>
-    <p:sldId id="275" r:id="rId11"/>
-    <p:sldId id="270" r:id="rId12"/>
+    <p:sldId id="270" r:id="rId11"/>
+    <p:sldId id="275" r:id="rId12"/>
     <p:sldId id="294" r:id="rId13"/>
     <p:sldId id="290" r:id="rId14"/>
     <p:sldId id="269" r:id="rId15"/>
@@ -128,7 +128,7 @@
   </p:defaultTextStyle>
   <p:extLst>
     <p:ext uri="{EFAFB233-063F-42B5-8137-9DF3F51BA10A}">
-      <p15:sldGuideLst xmlns:p15="http://schemas.microsoft.com/office/powerpoint/2012/main" xmlns="">
+      <p15:sldGuideLst xmlns:p15="http://schemas.microsoft.com/office/powerpoint/2012/main">
         <p15:guide id="1" orient="horz" pos="4196">
           <p15:clr>
             <a:srgbClr val="A4A3A4"/>
@@ -162,7 +162,7 @@
       </p15:sldGuideLst>
     </p:ext>
     <p:ext uri="{2D200454-40CA-4A62-9FC3-DE9A4176ACB9}">
-      <p15:notesGuideLst xmlns:p15="http://schemas.microsoft.com/office/powerpoint/2012/main" xmlns="">
+      <p15:notesGuideLst xmlns:p15="http://schemas.microsoft.com/office/powerpoint/2012/main">
         <p15:guide id="1" orient="horz" pos="2880">
           <p15:clr>
             <a:srgbClr val="A4A3A4"/>
@@ -530,15 +530,7 @@
             </a:r>
             <a:r>
               <a:rPr lang="nb-NO" baseline="0" dirty="0" smtClean="0"/>
-              <a:t> </a:t>
-            </a:r>
-            <a:r>
-              <a:rPr lang="nb-NO" baseline="0" dirty="0" smtClean="0"/>
-              <a:t>en arkitekturstil </a:t>
-            </a:r>
-            <a:r>
-              <a:rPr lang="nb-NO" baseline="0" dirty="0" smtClean="0"/>
-              <a:t>eller rettningslinjer for hvordan lage HTTP-baserte tjenester</a:t>
+              <a:t> en arkitekturstil eller rettningslinjer for hvordan lage HTTP-baserte tjenester</a:t>
             </a:r>
           </a:p>
           <a:p>
@@ -626,8 +618,16 @@
               <a:buChar char="-"/>
             </a:pPr>
             <a:r>
-              <a:rPr lang="nb-NO" dirty="0" smtClean="0"/>
-              <a:t>Web API har to måter å gjøre ruting på. Den ene er konvensjonsbasert og den andre er attributtbasert</a:t>
+              <a:rPr lang="nb-NO" baseline="0" dirty="0" smtClean="0"/>
+              <a:t>Er m</a:t>
+            </a:r>
+            <a:r>
+              <a:rPr lang="nb-NO" dirty="0" smtClean="0"/>
+              <a:t>ulig</a:t>
+            </a:r>
+            <a:r>
+              <a:rPr lang="nb-NO" baseline="0" dirty="0" smtClean="0"/>
+              <a:t> å bruke attributter for angi hva slags HTTP verb en metode støtter</a:t>
             </a:r>
           </a:p>
           <a:p>
@@ -636,32 +636,8 @@
               <a:buChar char="-"/>
             </a:pPr>
             <a:r>
-              <a:rPr lang="nb-NO" dirty="0" smtClean="0"/>
-              <a:t>Konvensjonsbasert</a:t>
-            </a:r>
-            <a:r>
               <a:rPr lang="nb-NO" baseline="0" dirty="0" smtClean="0"/>
-              <a:t> fungerer på samme måte som i ASP .NET MVC</a:t>
-            </a:r>
-          </a:p>
-          <a:p>
-            <a:pPr marL="285750" indent="-285750">
-              <a:buFontTx/>
-              <a:buChar char="-"/>
-            </a:pPr>
-            <a:r>
-              <a:rPr lang="nb-NO" baseline="0" dirty="0" smtClean="0"/>
-              <a:t>Man lager en route-template som med variabler som kan variere. I eksemplet er det en variabel for «controller» og for «id».</a:t>
-            </a:r>
-          </a:p>
-          <a:p>
-            <a:pPr marL="285750" indent="-285750">
-              <a:buFontTx/>
-              <a:buChar char="-"/>
-            </a:pPr>
-            <a:r>
-              <a:rPr lang="nb-NO" baseline="0" dirty="0" smtClean="0"/>
-              <a:t>Hvis det finnes en controller med et navn som matcher ruten (PersonsController) så vil systemet prøve å finne en metode i kontrolleren som støtter HTTP-verbet som benyttes og som tar inn en integer. Hvis ikke returneres en 404.</a:t>
+              <a:t>Istedet for metodenavn-konvensjonen</a:t>
             </a:r>
             <a:endParaRPr lang="nb-NO" dirty="0"/>
           </a:p>
@@ -670,7 +646,7 @@
     </p:spTree>
     <p:extLst>
       <p:ext uri="{BB962C8B-B14F-4D97-AF65-F5344CB8AC3E}">
-        <p14:creationId xmlns:p14="http://schemas.microsoft.com/office/powerpoint/2010/main" val="4166449398"/>
+        <p14:creationId xmlns:p14="http://schemas.microsoft.com/office/powerpoint/2010/main" val="2447937869"/>
       </p:ext>
     </p:extLst>
   </p:cSld>
@@ -970,12 +946,6 @@
           </a:bodyPr>
           <a:lstStyle/>
           <a:p>
-            <a:r>
-              <a:rPr lang="en-US" dirty="0" smtClean="0">
-                <a:hlinkClick r:id="rId3"/>
-              </a:rPr>
-              <a:t>http://www.developer.com/net/asp/consuming-an-asp.net-web-api-using-httpclient.html</a:t>
-            </a:r>
             <a:endParaRPr lang="en-US" dirty="0"/>
           </a:p>
         </p:txBody>
@@ -1020,7 +990,12 @@
             <p:ph type="sldImg"/>
           </p:nvPr>
         </p:nvSpPr>
-        <p:spPr/>
+        <p:spPr>
+          <a:xfrm>
+            <a:off x="827088" y="592138"/>
+            <a:ext cx="5226050" cy="3919537"/>
+          </a:xfrm>
+        </p:spPr>
       </p:sp>
       <p:sp>
         <p:nvSpPr>
@@ -1095,7 +1070,12 @@
             <p:ph type="sldImg"/>
           </p:nvPr>
         </p:nvSpPr>
-        <p:spPr/>
+        <p:spPr>
+          <a:xfrm>
+            <a:off x="827088" y="592138"/>
+            <a:ext cx="5226050" cy="3919537"/>
+          </a:xfrm>
+        </p:spPr>
       </p:sp>
       <p:sp>
         <p:nvSpPr>
@@ -1438,11 +1418,7 @@
             </a:r>
             <a:r>
               <a:rPr lang="nb-NO" sz="1600" dirty="0" smtClean="0"/>
-              <a:t>stedet </a:t>
-            </a:r>
-            <a:r>
-              <a:rPr lang="nb-NO" sz="1600" dirty="0" smtClean="0"/>
-              <a:t>for formelle kontrakter som SOAP eller WS*</a:t>
+              <a:t>stedet for formelle kontrakter som SOAP eller WS*</a:t>
             </a:r>
           </a:p>
           <a:p>
@@ -1452,11 +1428,7 @@
             </a:pPr>
             <a:r>
               <a:rPr lang="nb-NO" sz="1600" dirty="0" smtClean="0"/>
-              <a:t> Muliggjør </a:t>
-            </a:r>
-            <a:r>
-              <a:rPr lang="nb-NO" sz="1600" dirty="0" smtClean="0"/>
-              <a:t>tilgjengeligjøring av funksjonalitet for en rekke forskjellige enheter og klient platformer</a:t>
+              <a:t> Muliggjør tilgjengeligjøring av funksjonalitet for en rekke forskjellige enheter og klient platformer</a:t>
             </a:r>
             <a:endParaRPr lang="en-US" dirty="0"/>
           </a:p>
@@ -1628,11 +1600,7 @@
             </a:r>
             <a:r>
               <a:rPr lang="nb-NO" baseline="0" dirty="0" smtClean="0"/>
-              <a:t> </a:t>
-            </a:r>
-            <a:r>
-              <a:rPr lang="nb-NO" baseline="0" dirty="0" smtClean="0"/>
-              <a:t>arve ApiController</a:t>
+              <a:t> arve ApiController</a:t>
             </a:r>
           </a:p>
           <a:p>
@@ -1650,11 +1618,7 @@
           <a:p>
             <a:r>
               <a:rPr lang="nb-NO" baseline="0" dirty="0" smtClean="0"/>
-              <a:t>En </a:t>
-            </a:r>
-            <a:r>
-              <a:rPr lang="nb-NO" baseline="0" dirty="0" smtClean="0"/>
-              <a:t>konvensjon gjør at man kan prefikse metoder med Get, Post, Put eller Delete. Web Api’et vil da ordne det slik at f.eks. en POST operasjon blir utført av en metode som er prefikset med Post. </a:t>
+              <a:t>En konvensjon gjør at man kan prefikse metoder med Get, Post, Put eller Delete. Web Api’et vil da ordne det slik at f.eks. en POST operasjon blir utført av en metode som er prefikset med Post. </a:t>
             </a:r>
           </a:p>
         </p:txBody>
@@ -1726,24 +1690,8 @@
               <a:buChar char="-"/>
             </a:pPr>
             <a:r>
-              <a:rPr lang="nb-NO" baseline="0" dirty="0" smtClean="0"/>
-              <a:t>Er m</a:t>
-            </a:r>
-            <a:r>
-              <a:rPr lang="nb-NO" dirty="0" smtClean="0"/>
-              <a:t>ulig</a:t>
-            </a:r>
-            <a:r>
-              <a:rPr lang="nb-NO" baseline="0" dirty="0" smtClean="0"/>
-              <a:t> </a:t>
-            </a:r>
-            <a:r>
-              <a:rPr lang="nb-NO" baseline="0" dirty="0" smtClean="0"/>
-              <a:t>å bruke attributter for angi hva slags HTTP verb en metode </a:t>
-            </a:r>
-            <a:r>
-              <a:rPr lang="nb-NO" baseline="0" dirty="0" smtClean="0"/>
-              <a:t>støtter</a:t>
+              <a:rPr lang="nb-NO" dirty="0" smtClean="0"/>
+              <a:t>Web API har to måter å gjøre ruting på. Den ene er konvensjonsbasert og den andre er attributtbasert</a:t>
             </a:r>
           </a:p>
           <a:p>
@@ -1752,8 +1700,32 @@
               <a:buChar char="-"/>
             </a:pPr>
             <a:r>
+              <a:rPr lang="nb-NO" dirty="0" smtClean="0"/>
+              <a:t>Konvensjonsbasert</a:t>
+            </a:r>
+            <a:r>
               <a:rPr lang="nb-NO" baseline="0" dirty="0" smtClean="0"/>
-              <a:t>Istedet for metodenavn-konvensjonen</a:t>
+              <a:t> fungerer på samme måte som i ASP .NET MVC</a:t>
+            </a:r>
+          </a:p>
+          <a:p>
+            <a:pPr marL="285750" indent="-285750">
+              <a:buFontTx/>
+              <a:buChar char="-"/>
+            </a:pPr>
+            <a:r>
+              <a:rPr lang="nb-NO" baseline="0" dirty="0" smtClean="0"/>
+              <a:t>Man lager en route-template som med variabler som kan variere. I eksemplet er det en variabel for «controller» og for «id».</a:t>
+            </a:r>
+          </a:p>
+          <a:p>
+            <a:pPr marL="285750" indent="-285750">
+              <a:buFontTx/>
+              <a:buChar char="-"/>
+            </a:pPr>
+            <a:r>
+              <a:rPr lang="nb-NO" baseline="0" dirty="0" smtClean="0"/>
+              <a:t>Hvis det finnes en controller med et navn som matcher ruten (PersonsController) så vil systemet prøve å finne en metode i kontrolleren som støtter HTTP-verbet som benyttes og som tar inn en integer. Hvis ikke returneres en 404.</a:t>
             </a:r>
             <a:endParaRPr lang="nb-NO" dirty="0"/>
           </a:p>
@@ -1762,7 +1734,7 @@
     </p:spTree>
     <p:extLst>
       <p:ext uri="{BB962C8B-B14F-4D97-AF65-F5344CB8AC3E}">
-        <p14:creationId xmlns:p14="http://schemas.microsoft.com/office/powerpoint/2010/main" val="2447937869"/>
+        <p14:creationId xmlns:p14="http://schemas.microsoft.com/office/powerpoint/2010/main" val="4166449398"/>
       </p:ext>
     </p:extLst>
   </p:cSld>
@@ -11054,1686 +11026,6 @@
           <a:chExt cx="0" cy="0"/>
         </a:xfrm>
       </p:grpSpPr>
-      <p:sp>
-        <p:nvSpPr>
-          <p:cNvPr id="2" name="Title 1"/>
-          <p:cNvSpPr>
-            <a:spLocks noGrp="1"/>
-          </p:cNvSpPr>
-          <p:nvPr>
-            <p:ph type="title"/>
-          </p:nvPr>
-        </p:nvSpPr>
-        <p:spPr>
-          <a:xfrm>
-            <a:off x="321623" y="418905"/>
-            <a:ext cx="2306722" cy="307777"/>
-          </a:xfrm>
-        </p:spPr>
-        <p:txBody>
-          <a:bodyPr/>
-          <a:lstStyle/>
-          <a:p>
-            <a:r>
-              <a:rPr lang="nb-NO" dirty="0" smtClean="0"/>
-              <a:t>Routing forts</a:t>
-            </a:r>
-            <a:endParaRPr lang="en-US" dirty="0"/>
-          </a:p>
-        </p:txBody>
-      </p:sp>
-      <p:sp>
-        <p:nvSpPr>
-          <p:cNvPr id="3" name="Slide Number Placeholder 2"/>
-          <p:cNvSpPr>
-            <a:spLocks noGrp="1"/>
-          </p:cNvSpPr>
-          <p:nvPr>
-            <p:ph type="sldNum" sz="quarter" idx="10"/>
-          </p:nvPr>
-        </p:nvSpPr>
-        <p:spPr/>
-        <p:txBody>
-          <a:bodyPr/>
-          <a:lstStyle/>
-          <a:p>
-            <a:fld id="{FF67BF5B-7344-D747-A0C2-CBD7B2ACBC85}" type="slidenum">
-              <a:rPr lang="en-US" smtClean="0"/>
-              <a:pPr/>
-              <a:t>10</a:t>
-            </a:fld>
-            <a:endParaRPr lang="en-US" dirty="0"/>
-          </a:p>
-        </p:txBody>
-      </p:sp>
-      <p:sp>
-        <p:nvSpPr>
-          <p:cNvPr id="5" name="Rectangle 1"/>
-          <p:cNvSpPr>
-            <a:spLocks noChangeArrowheads="1"/>
-          </p:cNvSpPr>
-          <p:nvPr/>
-        </p:nvSpPr>
-        <p:spPr bwMode="auto">
-          <a:xfrm>
-            <a:off x="499873" y="1152109"/>
-            <a:ext cx="8231434" cy="1754326"/>
-          </a:xfrm>
-          <a:prstGeom prst="rect">
-            <a:avLst/>
-          </a:prstGeom>
-          <a:solidFill>
-            <a:srgbClr val="FFFFFF"/>
-          </a:solidFill>
-          <a:ln w="9525">
-            <a:solidFill>
-              <a:schemeClr val="accent1"/>
-            </a:solidFill>
-            <a:miter lim="800000"/>
-            <a:headEnd/>
-            <a:tailEnd/>
-          </a:ln>
-          <a:effectLst/>
-        </p:spPr>
-        <p:txBody>
-          <a:bodyPr vert="horz" wrap="square" lIns="91440" tIns="45720" rIns="91440" bIns="45720" numCol="1" anchor="ctr" anchorCtr="0" compatLnSpc="1">
-            <a:prstTxWarp prst="textNoShape">
-              <a:avLst/>
-            </a:prstTxWarp>
-            <a:spAutoFit/>
-          </a:bodyPr>
-          <a:lstStyle/>
-          <a:p>
-            <a:pPr marL="0" marR="0" lvl="0" indent="0" algn="l" defTabSz="914400" rtl="0" eaLnBrk="1" fontAlgn="base" latinLnBrk="0" hangingPunct="1">
-              <a:lnSpc>
-                <a:spcPct val="100000"/>
-              </a:lnSpc>
-              <a:spcBef>
-                <a:spcPct val="0"/>
-              </a:spcBef>
-              <a:spcAft>
-                <a:spcPct val="0"/>
-              </a:spcAft>
-              <a:buClrTx/>
-              <a:buSzTx/>
-              <a:buFontTx/>
-              <a:buNone/>
-              <a:tabLst/>
-            </a:pPr>
-            <a:r>
-              <a:rPr kumimoji="0" lang="en-US" sz="1200" b="0" i="0" u="none" strike="noStrike" cap="none" normalizeH="0" baseline="0" dirty="0" smtClean="0">
-                <a:ln>
-                  <a:noFill/>
-                </a:ln>
-                <a:solidFill>
-                  <a:srgbClr val="0000FF"/>
-                </a:solidFill>
-                <a:effectLst/>
-                <a:latin typeface="Consolas" pitchFamily="49" charset="0"/>
-                <a:cs typeface="Consolas" pitchFamily="49" charset="0"/>
-              </a:rPr>
-              <a:t>public</a:t>
-            </a:r>
-            <a:r>
-              <a:rPr kumimoji="0" lang="en-US" sz="1200" b="0" i="0" u="none" strike="noStrike" cap="none" normalizeH="0" baseline="0" dirty="0" smtClean="0">
-                <a:ln>
-                  <a:noFill/>
-                </a:ln>
-                <a:solidFill>
-                  <a:srgbClr val="000000"/>
-                </a:solidFill>
-                <a:effectLst/>
-                <a:latin typeface="Consolas" pitchFamily="49" charset="0"/>
-                <a:cs typeface="Consolas" pitchFamily="49" charset="0"/>
-              </a:rPr>
-              <a:t> </a:t>
-            </a:r>
-            <a:r>
-              <a:rPr kumimoji="0" lang="en-US" sz="1200" b="0" i="0" u="none" strike="noStrike" cap="none" normalizeH="0" baseline="0" dirty="0" smtClean="0">
-                <a:ln>
-                  <a:noFill/>
-                </a:ln>
-                <a:solidFill>
-                  <a:srgbClr val="0000FF"/>
-                </a:solidFill>
-                <a:effectLst/>
-                <a:latin typeface="Consolas" pitchFamily="49" charset="0"/>
-                <a:cs typeface="Consolas" pitchFamily="49" charset="0"/>
-              </a:rPr>
-              <a:t>class</a:t>
-            </a:r>
-            <a:r>
-              <a:rPr kumimoji="0" lang="en-US" sz="1200" b="0" i="0" u="none" strike="noStrike" cap="none" normalizeH="0" baseline="0" dirty="0" smtClean="0">
-                <a:ln>
-                  <a:noFill/>
-                </a:ln>
-                <a:solidFill>
-                  <a:srgbClr val="000000"/>
-                </a:solidFill>
-                <a:effectLst/>
-                <a:latin typeface="Consolas" pitchFamily="49" charset="0"/>
-                <a:cs typeface="Consolas" pitchFamily="49" charset="0"/>
-              </a:rPr>
-              <a:t> </a:t>
-            </a:r>
-            <a:r>
-              <a:rPr kumimoji="0" lang="en-US" sz="1200" b="0" i="0" u="none" strike="noStrike" cap="none" normalizeH="0" baseline="0" dirty="0" err="1" smtClean="0">
-                <a:ln>
-                  <a:noFill/>
-                </a:ln>
-                <a:solidFill>
-                  <a:srgbClr val="2B91AF"/>
-                </a:solidFill>
-                <a:effectLst/>
-                <a:latin typeface="Consolas" pitchFamily="49" charset="0"/>
-                <a:cs typeface="Consolas" pitchFamily="49" charset="0"/>
-              </a:rPr>
-              <a:t>PersonController</a:t>
-            </a:r>
-            <a:r>
-              <a:rPr kumimoji="0" lang="en-US" sz="1200" b="0" i="0" u="none" strike="noStrike" cap="none" normalizeH="0" baseline="0" dirty="0" smtClean="0">
-                <a:ln>
-                  <a:noFill/>
-                </a:ln>
-                <a:solidFill>
-                  <a:srgbClr val="000000"/>
-                </a:solidFill>
-                <a:effectLst/>
-                <a:latin typeface="Consolas" pitchFamily="49" charset="0"/>
-                <a:cs typeface="Consolas" pitchFamily="49" charset="0"/>
-              </a:rPr>
-              <a:t> : </a:t>
-            </a:r>
-            <a:r>
-              <a:rPr kumimoji="0" lang="en-US" sz="1200" b="0" i="0" u="none" strike="noStrike" cap="none" normalizeH="0" baseline="0" dirty="0" smtClean="0">
-                <a:ln>
-                  <a:noFill/>
-                </a:ln>
-                <a:solidFill>
-                  <a:srgbClr val="2B91AF"/>
-                </a:solidFill>
-                <a:effectLst/>
-                <a:latin typeface="Consolas" pitchFamily="49" charset="0"/>
-                <a:cs typeface="Consolas" pitchFamily="49" charset="0"/>
-              </a:rPr>
-              <a:t>ApiController</a:t>
-            </a:r>
-            <a:r>
-              <a:rPr kumimoji="0" lang="en-US" sz="1200" b="0" i="0" u="none" strike="noStrike" cap="none" normalizeH="0" baseline="0" dirty="0" smtClean="0">
-                <a:ln>
-                  <a:noFill/>
-                </a:ln>
-                <a:solidFill>
-                  <a:srgbClr val="000000"/>
-                </a:solidFill>
-                <a:effectLst/>
-                <a:latin typeface="Consolas" pitchFamily="49" charset="0"/>
-                <a:cs typeface="Consolas" pitchFamily="49" charset="0"/>
-              </a:rPr>
-              <a:t>     </a:t>
-            </a:r>
-          </a:p>
-          <a:p>
-            <a:pPr marL="0" marR="0" lvl="0" indent="0" algn="l" defTabSz="914400" rtl="0" eaLnBrk="1" fontAlgn="base" latinLnBrk="0" hangingPunct="1">
-              <a:lnSpc>
-                <a:spcPct val="100000"/>
-              </a:lnSpc>
-              <a:spcBef>
-                <a:spcPct val="0"/>
-              </a:spcBef>
-              <a:spcAft>
-                <a:spcPct val="0"/>
-              </a:spcAft>
-              <a:buClrTx/>
-              <a:buSzTx/>
-              <a:buFontTx/>
-              <a:buNone/>
-              <a:tabLst/>
-            </a:pPr>
-            <a:r>
-              <a:rPr kumimoji="0" lang="en-US" sz="1200" b="0" i="0" u="none" strike="noStrike" cap="none" normalizeH="0" baseline="0" dirty="0" smtClean="0">
-                <a:ln>
-                  <a:noFill/>
-                </a:ln>
-                <a:solidFill>
-                  <a:srgbClr val="000000"/>
-                </a:solidFill>
-                <a:effectLst/>
-                <a:latin typeface="Consolas" pitchFamily="49" charset="0"/>
-                <a:cs typeface="Consolas" pitchFamily="49" charset="0"/>
-              </a:rPr>
-              <a:t>{         </a:t>
-            </a:r>
-          </a:p>
-          <a:p>
-            <a:pPr marL="0" marR="0" lvl="0" indent="0" algn="l" defTabSz="914400" rtl="0" eaLnBrk="1" fontAlgn="base" latinLnBrk="0" hangingPunct="1">
-              <a:lnSpc>
-                <a:spcPct val="100000"/>
-              </a:lnSpc>
-              <a:spcBef>
-                <a:spcPct val="0"/>
-              </a:spcBef>
-              <a:spcAft>
-                <a:spcPct val="0"/>
-              </a:spcAft>
-              <a:buClrTx/>
-              <a:buSzTx/>
-              <a:buFontTx/>
-              <a:buNone/>
-              <a:tabLst/>
-            </a:pPr>
-            <a:r>
-              <a:rPr lang="en-US" sz="1200" dirty="0" smtClean="0">
-                <a:solidFill>
-                  <a:srgbClr val="000000"/>
-                </a:solidFill>
-                <a:latin typeface="Consolas" pitchFamily="49" charset="0"/>
-                <a:cs typeface="Consolas" pitchFamily="49" charset="0"/>
-              </a:rPr>
-              <a:t>	</a:t>
-            </a:r>
-            <a:r>
-              <a:rPr kumimoji="0" lang="en-US" sz="1200" b="0" i="0" u="none" strike="noStrike" cap="none" normalizeH="0" baseline="0" dirty="0" smtClean="0">
-                <a:ln>
-                  <a:noFill/>
-                </a:ln>
-                <a:solidFill>
-                  <a:srgbClr val="0000FF"/>
-                </a:solidFill>
-                <a:effectLst/>
-                <a:latin typeface="Consolas" pitchFamily="49" charset="0"/>
-                <a:cs typeface="Consolas" pitchFamily="49" charset="0"/>
-              </a:rPr>
-              <a:t>private</a:t>
-            </a:r>
-            <a:r>
-              <a:rPr kumimoji="0" lang="en-US" sz="1200" b="0" i="0" u="none" strike="noStrike" cap="none" normalizeH="0" baseline="0" dirty="0" smtClean="0">
-                <a:ln>
-                  <a:noFill/>
-                </a:ln>
-                <a:solidFill>
-                  <a:srgbClr val="000000"/>
-                </a:solidFill>
-                <a:effectLst/>
-                <a:latin typeface="Consolas" pitchFamily="49" charset="0"/>
-                <a:cs typeface="Consolas" pitchFamily="49" charset="0"/>
-              </a:rPr>
-              <a:t> </a:t>
-            </a:r>
-            <a:r>
-              <a:rPr kumimoji="0" lang="en-US" sz="1200" b="0" i="0" u="none" strike="noStrike" cap="none" normalizeH="0" baseline="0" dirty="0" err="1" smtClean="0">
-                <a:ln>
-                  <a:noFill/>
-                </a:ln>
-                <a:solidFill>
-                  <a:srgbClr val="2B91AF"/>
-                </a:solidFill>
-                <a:effectLst/>
-                <a:latin typeface="Consolas" pitchFamily="49" charset="0"/>
-                <a:cs typeface="Consolas" pitchFamily="49" charset="0"/>
-              </a:rPr>
-              <a:t>IEnumerable</a:t>
-            </a:r>
-            <a:r>
-              <a:rPr kumimoji="0" lang="en-US" sz="1200" b="0" i="0" u="none" strike="noStrike" cap="none" normalizeH="0" baseline="0" dirty="0" smtClean="0">
-                <a:ln>
-                  <a:noFill/>
-                </a:ln>
-                <a:solidFill>
-                  <a:srgbClr val="000000"/>
-                </a:solidFill>
-                <a:effectLst/>
-                <a:latin typeface="Consolas" pitchFamily="49" charset="0"/>
-                <a:cs typeface="Consolas" pitchFamily="49" charset="0"/>
-              </a:rPr>
-              <a:t>&lt;</a:t>
-            </a:r>
-            <a:r>
-              <a:rPr kumimoji="0" lang="en-US" sz="1200" b="0" i="0" u="none" strike="noStrike" cap="none" normalizeH="0" baseline="0" dirty="0" smtClean="0">
-                <a:ln>
-                  <a:noFill/>
-                </a:ln>
-                <a:solidFill>
-                  <a:srgbClr val="2B91AF"/>
-                </a:solidFill>
-                <a:effectLst/>
-                <a:latin typeface="Consolas" pitchFamily="49" charset="0"/>
-                <a:cs typeface="Consolas" pitchFamily="49" charset="0"/>
-              </a:rPr>
-              <a:t>Person</a:t>
-            </a:r>
-            <a:r>
-              <a:rPr kumimoji="0" lang="en-US" sz="1200" b="0" i="0" u="none" strike="noStrike" cap="none" normalizeH="0" baseline="0" dirty="0" smtClean="0">
-                <a:ln>
-                  <a:noFill/>
-                </a:ln>
-                <a:solidFill>
-                  <a:srgbClr val="000000"/>
-                </a:solidFill>
-                <a:effectLst/>
-                <a:latin typeface="Consolas" pitchFamily="49" charset="0"/>
-                <a:cs typeface="Consolas" pitchFamily="49" charset="0"/>
-              </a:rPr>
-              <a:t>&gt; _persons = </a:t>
-            </a:r>
-            <a:r>
-              <a:rPr kumimoji="0" lang="en-US" sz="1200" b="0" i="0" u="none" strike="noStrike" cap="none" normalizeH="0" baseline="0" dirty="0" smtClean="0">
-                <a:ln>
-                  <a:noFill/>
-                </a:ln>
-                <a:solidFill>
-                  <a:srgbClr val="0000FF"/>
-                </a:solidFill>
-                <a:effectLst/>
-                <a:latin typeface="Consolas" pitchFamily="49" charset="0"/>
-                <a:cs typeface="Consolas" pitchFamily="49" charset="0"/>
-              </a:rPr>
-              <a:t>new</a:t>
-            </a:r>
-            <a:r>
-              <a:rPr kumimoji="0" lang="en-US" sz="1200" b="0" i="0" u="none" strike="noStrike" cap="none" normalizeH="0" baseline="0" dirty="0" smtClean="0">
-                <a:ln>
-                  <a:noFill/>
-                </a:ln>
-                <a:solidFill>
-                  <a:srgbClr val="000000"/>
-                </a:solidFill>
-                <a:effectLst/>
-                <a:latin typeface="Consolas" pitchFamily="49" charset="0"/>
-                <a:cs typeface="Consolas" pitchFamily="49" charset="0"/>
-              </a:rPr>
-              <a:t> </a:t>
-            </a:r>
-            <a:r>
-              <a:rPr kumimoji="0" lang="en-US" sz="1200" b="0" i="0" u="none" strike="noStrike" cap="none" normalizeH="0" baseline="0" dirty="0" smtClean="0">
-                <a:ln>
-                  <a:noFill/>
-                </a:ln>
-                <a:solidFill>
-                  <a:srgbClr val="2B91AF"/>
-                </a:solidFill>
-                <a:effectLst/>
-                <a:latin typeface="Consolas" pitchFamily="49" charset="0"/>
-                <a:cs typeface="Consolas" pitchFamily="49" charset="0"/>
-              </a:rPr>
-              <a:t>List</a:t>
-            </a:r>
-            <a:r>
-              <a:rPr kumimoji="0" lang="en-US" sz="1200" b="0" i="0" u="none" strike="noStrike" cap="none" normalizeH="0" baseline="0" dirty="0" smtClean="0">
-                <a:ln>
-                  <a:noFill/>
-                </a:ln>
-                <a:solidFill>
-                  <a:srgbClr val="000000"/>
-                </a:solidFill>
-                <a:effectLst/>
-                <a:latin typeface="Consolas" pitchFamily="49" charset="0"/>
-                <a:cs typeface="Consolas" pitchFamily="49" charset="0"/>
-              </a:rPr>
-              <a:t>&lt;</a:t>
-            </a:r>
-            <a:r>
-              <a:rPr kumimoji="0" lang="en-US" sz="1200" b="0" i="0" u="none" strike="noStrike" cap="none" normalizeH="0" baseline="0" dirty="0" smtClean="0">
-                <a:ln>
-                  <a:noFill/>
-                </a:ln>
-                <a:solidFill>
-                  <a:srgbClr val="2B91AF"/>
-                </a:solidFill>
-                <a:effectLst/>
-                <a:latin typeface="Consolas" pitchFamily="49" charset="0"/>
-                <a:cs typeface="Consolas" pitchFamily="49" charset="0"/>
-              </a:rPr>
-              <a:t>Person</a:t>
-            </a:r>
-            <a:r>
-              <a:rPr kumimoji="0" lang="en-US" sz="1200" b="0" i="0" u="none" strike="noStrike" cap="none" normalizeH="0" baseline="0" dirty="0" smtClean="0">
-                <a:ln>
-                  <a:noFill/>
-                </a:ln>
-                <a:solidFill>
-                  <a:srgbClr val="000000"/>
-                </a:solidFill>
-                <a:effectLst/>
-                <a:latin typeface="Consolas" pitchFamily="49" charset="0"/>
-                <a:cs typeface="Consolas" pitchFamily="49" charset="0"/>
-              </a:rPr>
-              <a:t>&gt;();         </a:t>
-            </a:r>
-          </a:p>
-          <a:p>
-            <a:pPr marL="0" marR="0" lvl="0" indent="0" algn="l" defTabSz="914400" rtl="0" eaLnBrk="1" fontAlgn="base" latinLnBrk="0" hangingPunct="1">
-              <a:lnSpc>
-                <a:spcPct val="100000"/>
-              </a:lnSpc>
-              <a:spcBef>
-                <a:spcPct val="0"/>
-              </a:spcBef>
-              <a:spcAft>
-                <a:spcPct val="0"/>
-              </a:spcAft>
-              <a:buClrTx/>
-              <a:buSzTx/>
-              <a:buFontTx/>
-              <a:buNone/>
-              <a:tabLst/>
-            </a:pPr>
-            <a:r>
-              <a:rPr kumimoji="0" lang="en-US" sz="1200" b="0" i="0" u="none" strike="noStrike" cap="none" normalizeH="0" baseline="0" dirty="0" smtClean="0">
-                <a:ln>
-                  <a:noFill/>
-                </a:ln>
-                <a:solidFill>
-                  <a:srgbClr val="0000FF"/>
-                </a:solidFill>
-                <a:effectLst/>
-                <a:latin typeface="Consolas" pitchFamily="49" charset="0"/>
-                <a:cs typeface="Consolas" pitchFamily="49" charset="0"/>
-              </a:rPr>
-              <a:t>	</a:t>
-            </a:r>
-          </a:p>
-          <a:p>
-            <a:pPr marL="0" marR="0" lvl="0" indent="0" algn="l" defTabSz="914400" rtl="0" eaLnBrk="1" fontAlgn="base" latinLnBrk="0" hangingPunct="1">
-              <a:lnSpc>
-                <a:spcPct val="100000"/>
-              </a:lnSpc>
-              <a:spcBef>
-                <a:spcPct val="0"/>
-              </a:spcBef>
-              <a:spcAft>
-                <a:spcPct val="0"/>
-              </a:spcAft>
-              <a:buClrTx/>
-              <a:buSzTx/>
-              <a:buFontTx/>
-              <a:buNone/>
-              <a:tabLst/>
-            </a:pPr>
-            <a:r>
-              <a:rPr lang="en-US" sz="1200" dirty="0" smtClean="0">
-                <a:solidFill>
-                  <a:srgbClr val="0000FF"/>
-                </a:solidFill>
-                <a:latin typeface="Consolas" pitchFamily="49" charset="0"/>
-                <a:cs typeface="Consolas" pitchFamily="49" charset="0"/>
-              </a:rPr>
-              <a:t>	</a:t>
-            </a:r>
-            <a:r>
-              <a:rPr kumimoji="0" lang="en-US" sz="1200" b="0" i="0" u="none" strike="noStrike" cap="none" normalizeH="0" baseline="0" dirty="0" smtClean="0">
-                <a:ln>
-                  <a:noFill/>
-                </a:ln>
-                <a:solidFill>
-                  <a:srgbClr val="0000FF"/>
-                </a:solidFill>
-                <a:effectLst/>
-                <a:latin typeface="Consolas" pitchFamily="49" charset="0"/>
-                <a:cs typeface="Consolas" pitchFamily="49" charset="0"/>
-              </a:rPr>
-              <a:t>public</a:t>
-            </a:r>
-            <a:r>
-              <a:rPr kumimoji="0" lang="en-US" sz="1200" b="0" i="0" u="none" strike="noStrike" cap="none" normalizeH="0" baseline="0" dirty="0" smtClean="0">
-                <a:ln>
-                  <a:noFill/>
-                </a:ln>
-                <a:solidFill>
-                  <a:srgbClr val="000000"/>
-                </a:solidFill>
-                <a:effectLst/>
-                <a:latin typeface="Consolas" pitchFamily="49" charset="0"/>
-                <a:cs typeface="Consolas" pitchFamily="49" charset="0"/>
-              </a:rPr>
-              <a:t> </a:t>
-            </a:r>
-            <a:r>
-              <a:rPr kumimoji="0" lang="en-US" sz="1200" b="0" i="0" u="none" strike="noStrike" cap="none" normalizeH="0" baseline="0" dirty="0" err="1" smtClean="0">
-                <a:ln>
-                  <a:noFill/>
-                </a:ln>
-                <a:solidFill>
-                  <a:srgbClr val="2B91AF"/>
-                </a:solidFill>
-                <a:effectLst/>
-                <a:latin typeface="Consolas" pitchFamily="49" charset="0"/>
-                <a:cs typeface="Consolas" pitchFamily="49" charset="0"/>
-              </a:rPr>
-              <a:t>IEnumerable</a:t>
-            </a:r>
-            <a:r>
-              <a:rPr kumimoji="0" lang="en-US" sz="1200" b="0" i="0" u="none" strike="noStrike" cap="none" normalizeH="0" baseline="0" dirty="0" smtClean="0">
-                <a:ln>
-                  <a:noFill/>
-                </a:ln>
-                <a:solidFill>
-                  <a:srgbClr val="000000"/>
-                </a:solidFill>
-                <a:effectLst/>
-                <a:latin typeface="Consolas" pitchFamily="49" charset="0"/>
-                <a:cs typeface="Consolas" pitchFamily="49" charset="0"/>
-              </a:rPr>
-              <a:t>&lt;</a:t>
-            </a:r>
-            <a:r>
-              <a:rPr kumimoji="0" lang="en-US" sz="1200" b="0" i="0" u="none" strike="noStrike" cap="none" normalizeH="0" baseline="0" dirty="0" smtClean="0">
-                <a:ln>
-                  <a:noFill/>
-                </a:ln>
-                <a:solidFill>
-                  <a:srgbClr val="2B91AF"/>
-                </a:solidFill>
-                <a:effectLst/>
-                <a:latin typeface="Consolas" pitchFamily="49" charset="0"/>
-                <a:cs typeface="Consolas" pitchFamily="49" charset="0"/>
-              </a:rPr>
-              <a:t>Person</a:t>
-            </a:r>
-            <a:r>
-              <a:rPr kumimoji="0" lang="en-US" sz="1200" b="0" i="0" u="none" strike="noStrike" cap="none" normalizeH="0" baseline="0" dirty="0" smtClean="0">
-                <a:ln>
-                  <a:noFill/>
-                </a:ln>
-                <a:solidFill>
-                  <a:srgbClr val="000000"/>
-                </a:solidFill>
-                <a:effectLst/>
-                <a:latin typeface="Consolas" pitchFamily="49" charset="0"/>
-                <a:cs typeface="Consolas" pitchFamily="49" charset="0"/>
-              </a:rPr>
-              <a:t>&gt; Get()         </a:t>
-            </a:r>
-          </a:p>
-          <a:p>
-            <a:pPr marL="0" marR="0" lvl="0" indent="0" algn="l" defTabSz="914400" rtl="0" eaLnBrk="1" fontAlgn="base" latinLnBrk="0" hangingPunct="1">
-              <a:lnSpc>
-                <a:spcPct val="100000"/>
-              </a:lnSpc>
-              <a:spcBef>
-                <a:spcPct val="0"/>
-              </a:spcBef>
-              <a:spcAft>
-                <a:spcPct val="0"/>
-              </a:spcAft>
-              <a:buClrTx/>
-              <a:buSzTx/>
-              <a:buFontTx/>
-              <a:buNone/>
-              <a:tabLst/>
-            </a:pPr>
-            <a:r>
-              <a:rPr lang="en-US" sz="1200" dirty="0" smtClean="0">
-                <a:solidFill>
-                  <a:srgbClr val="000000"/>
-                </a:solidFill>
-                <a:latin typeface="Consolas" pitchFamily="49" charset="0"/>
-                <a:cs typeface="Consolas" pitchFamily="49" charset="0"/>
-              </a:rPr>
-              <a:t>	</a:t>
-            </a:r>
-            <a:r>
-              <a:rPr kumimoji="0" lang="en-US" sz="1200" b="0" i="0" u="none" strike="noStrike" cap="none" normalizeH="0" baseline="0" dirty="0" smtClean="0">
-                <a:ln>
-                  <a:noFill/>
-                </a:ln>
-                <a:solidFill>
-                  <a:srgbClr val="000000"/>
-                </a:solidFill>
-                <a:effectLst/>
-                <a:latin typeface="Consolas" pitchFamily="49" charset="0"/>
-                <a:cs typeface="Consolas" pitchFamily="49" charset="0"/>
-              </a:rPr>
-              <a:t>{             </a:t>
-            </a:r>
-          </a:p>
-          <a:p>
-            <a:pPr marL="0" marR="0" lvl="0" indent="0" algn="l" defTabSz="914400" rtl="0" eaLnBrk="1" fontAlgn="base" latinLnBrk="0" hangingPunct="1">
-              <a:lnSpc>
-                <a:spcPct val="100000"/>
-              </a:lnSpc>
-              <a:spcBef>
-                <a:spcPct val="0"/>
-              </a:spcBef>
-              <a:spcAft>
-                <a:spcPct val="0"/>
-              </a:spcAft>
-              <a:buClrTx/>
-              <a:buSzTx/>
-              <a:buFontTx/>
-              <a:buNone/>
-              <a:tabLst/>
-            </a:pPr>
-            <a:r>
-              <a:rPr lang="en-US" sz="1200" dirty="0" smtClean="0">
-                <a:solidFill>
-                  <a:srgbClr val="000000"/>
-                </a:solidFill>
-                <a:latin typeface="Consolas" pitchFamily="49" charset="0"/>
-                <a:cs typeface="Consolas" pitchFamily="49" charset="0"/>
-              </a:rPr>
-              <a:t>		</a:t>
-            </a:r>
-            <a:r>
-              <a:rPr kumimoji="0" lang="en-US" sz="1200" b="0" i="0" u="none" strike="noStrike" cap="none" normalizeH="0" baseline="0" dirty="0" smtClean="0">
-                <a:ln>
-                  <a:noFill/>
-                </a:ln>
-                <a:solidFill>
-                  <a:srgbClr val="0000FF"/>
-                </a:solidFill>
-                <a:effectLst/>
-                <a:latin typeface="Consolas" pitchFamily="49" charset="0"/>
-                <a:cs typeface="Consolas" pitchFamily="49" charset="0"/>
-              </a:rPr>
-              <a:t>return</a:t>
-            </a:r>
-            <a:r>
-              <a:rPr kumimoji="0" lang="en-US" sz="1200" b="0" i="0" u="none" strike="noStrike" cap="none" normalizeH="0" baseline="0" dirty="0" smtClean="0">
-                <a:ln>
-                  <a:noFill/>
-                </a:ln>
-                <a:solidFill>
-                  <a:srgbClr val="000000"/>
-                </a:solidFill>
-                <a:effectLst/>
-                <a:latin typeface="Consolas" pitchFamily="49" charset="0"/>
-                <a:cs typeface="Consolas" pitchFamily="49" charset="0"/>
-              </a:rPr>
-              <a:t> _persons;         </a:t>
-            </a:r>
-          </a:p>
-          <a:p>
-            <a:pPr marL="0" marR="0" lvl="0" indent="0" algn="l" defTabSz="914400" rtl="0" eaLnBrk="1" fontAlgn="base" latinLnBrk="0" hangingPunct="1">
-              <a:lnSpc>
-                <a:spcPct val="100000"/>
-              </a:lnSpc>
-              <a:spcBef>
-                <a:spcPct val="0"/>
-              </a:spcBef>
-              <a:spcAft>
-                <a:spcPct val="0"/>
-              </a:spcAft>
-              <a:buClrTx/>
-              <a:buSzTx/>
-              <a:buFontTx/>
-              <a:buNone/>
-              <a:tabLst/>
-            </a:pPr>
-            <a:r>
-              <a:rPr lang="en-US" sz="1200" dirty="0" smtClean="0">
-                <a:solidFill>
-                  <a:srgbClr val="000000"/>
-                </a:solidFill>
-                <a:latin typeface="Consolas" pitchFamily="49" charset="0"/>
-                <a:cs typeface="Consolas" pitchFamily="49" charset="0"/>
-              </a:rPr>
-              <a:t>	</a:t>
-            </a:r>
-            <a:r>
-              <a:rPr kumimoji="0" lang="en-US" sz="1200" b="0" i="0" u="none" strike="noStrike" cap="none" normalizeH="0" baseline="0" dirty="0" smtClean="0">
-                <a:ln>
-                  <a:noFill/>
-                </a:ln>
-                <a:solidFill>
-                  <a:srgbClr val="000000"/>
-                </a:solidFill>
-                <a:effectLst/>
-                <a:latin typeface="Consolas" pitchFamily="49" charset="0"/>
-                <a:cs typeface="Consolas" pitchFamily="49" charset="0"/>
-              </a:rPr>
-              <a:t>}     </a:t>
-            </a:r>
-          </a:p>
-          <a:p>
-            <a:pPr marL="0" marR="0" lvl="0" indent="0" algn="l" defTabSz="914400" rtl="0" eaLnBrk="1" fontAlgn="base" latinLnBrk="0" hangingPunct="1">
-              <a:lnSpc>
-                <a:spcPct val="100000"/>
-              </a:lnSpc>
-              <a:spcBef>
-                <a:spcPct val="0"/>
-              </a:spcBef>
-              <a:spcAft>
-                <a:spcPct val="0"/>
-              </a:spcAft>
-              <a:buClrTx/>
-              <a:buSzTx/>
-              <a:buFontTx/>
-              <a:buNone/>
-              <a:tabLst/>
-            </a:pPr>
-            <a:r>
-              <a:rPr kumimoji="0" lang="en-US" sz="1200" b="0" i="0" u="none" strike="noStrike" cap="none" normalizeH="0" baseline="0" dirty="0" smtClean="0">
-                <a:ln>
-                  <a:noFill/>
-                </a:ln>
-                <a:solidFill>
-                  <a:srgbClr val="000000"/>
-                </a:solidFill>
-                <a:effectLst/>
-                <a:latin typeface="Consolas" pitchFamily="49" charset="0"/>
-                <a:cs typeface="Consolas" pitchFamily="49" charset="0"/>
-              </a:rPr>
-              <a:t>}</a:t>
-            </a:r>
-            <a:endParaRPr kumimoji="0" lang="en-US" sz="1200" b="0" i="0" u="none" strike="noStrike" cap="none" normalizeH="0" baseline="0" dirty="0" smtClean="0">
-              <a:ln>
-                <a:noFill/>
-              </a:ln>
-              <a:solidFill>
-                <a:schemeClr val="tx1"/>
-              </a:solidFill>
-              <a:effectLst/>
-              <a:latin typeface="Arial" pitchFamily="34" charset="0"/>
-              <a:cs typeface="Arial" pitchFamily="34" charset="0"/>
-            </a:endParaRPr>
-          </a:p>
-        </p:txBody>
-      </p:sp>
-      <p:sp>
-        <p:nvSpPr>
-          <p:cNvPr id="32769" name="Rectangle 1"/>
-          <p:cNvSpPr>
-            <a:spLocks noChangeArrowheads="1"/>
-          </p:cNvSpPr>
-          <p:nvPr/>
-        </p:nvSpPr>
-        <p:spPr bwMode="auto">
-          <a:xfrm>
-            <a:off x="0" y="43934"/>
-            <a:ext cx="184731" cy="369332"/>
-          </a:xfrm>
-          <a:prstGeom prst="rect">
-            <a:avLst/>
-          </a:prstGeom>
-          <a:solidFill>
-            <a:srgbClr val="FFFFFF"/>
-          </a:solidFill>
-          <a:ln w="9525">
-            <a:noFill/>
-            <a:miter lim="800000"/>
-            <a:headEnd/>
-            <a:tailEnd/>
-          </a:ln>
-          <a:effectLst/>
-        </p:spPr>
-        <p:txBody>
-          <a:bodyPr vert="horz" wrap="none" lIns="91440" tIns="45720" rIns="91440" bIns="45720" numCol="1" anchor="ctr" anchorCtr="0" compatLnSpc="1">
-            <a:prstTxWarp prst="textNoShape">
-              <a:avLst/>
-            </a:prstTxWarp>
-            <a:spAutoFit/>
-          </a:bodyPr>
-          <a:lstStyle/>
-          <a:p>
-            <a:pPr marL="0" marR="0" lvl="0" indent="0" algn="l" defTabSz="914400" rtl="0" eaLnBrk="1" fontAlgn="base" latinLnBrk="0" hangingPunct="1">
-              <a:lnSpc>
-                <a:spcPct val="100000"/>
-              </a:lnSpc>
-              <a:spcBef>
-                <a:spcPct val="0"/>
-              </a:spcBef>
-              <a:spcAft>
-                <a:spcPct val="0"/>
-              </a:spcAft>
-              <a:buClrTx/>
-              <a:buSzTx/>
-              <a:buFontTx/>
-              <a:buNone/>
-              <a:tabLst/>
-            </a:pPr>
-            <a:endParaRPr kumimoji="0" lang="en-US" sz="1800" b="0" i="0" u="none" strike="noStrike" cap="none" normalizeH="0" baseline="0" dirty="0" smtClean="0">
-              <a:ln>
-                <a:noFill/>
-              </a:ln>
-              <a:solidFill>
-                <a:schemeClr val="tx1"/>
-              </a:solidFill>
-              <a:effectLst/>
-              <a:latin typeface="Arial" pitchFamily="34" charset="0"/>
-              <a:cs typeface="Arial" pitchFamily="34" charset="0"/>
-            </a:endParaRPr>
-          </a:p>
-        </p:txBody>
-      </p:sp>
-      <p:sp>
-        <p:nvSpPr>
-          <p:cNvPr id="7" name="Rectangle 1"/>
-          <p:cNvSpPr>
-            <a:spLocks noChangeArrowheads="1"/>
-          </p:cNvSpPr>
-          <p:nvPr/>
-        </p:nvSpPr>
-        <p:spPr bwMode="auto">
-          <a:xfrm>
-            <a:off x="499873" y="3322749"/>
-            <a:ext cx="8231434" cy="1938992"/>
-          </a:xfrm>
-          <a:prstGeom prst="rect">
-            <a:avLst/>
-          </a:prstGeom>
-          <a:solidFill>
-            <a:srgbClr val="FFFFFF"/>
-          </a:solidFill>
-          <a:ln w="9525">
-            <a:solidFill>
-              <a:schemeClr val="accent1"/>
-            </a:solidFill>
-            <a:miter lim="800000"/>
-            <a:headEnd/>
-            <a:tailEnd/>
-          </a:ln>
-          <a:effectLst/>
-        </p:spPr>
-        <p:txBody>
-          <a:bodyPr vert="horz" wrap="square" lIns="91440" tIns="45720" rIns="91440" bIns="45720" numCol="1" anchor="ctr" anchorCtr="0" compatLnSpc="1">
-            <a:prstTxWarp prst="textNoShape">
-              <a:avLst/>
-            </a:prstTxWarp>
-            <a:spAutoFit/>
-          </a:bodyPr>
-          <a:lstStyle/>
-          <a:p>
-            <a:pPr marL="0" marR="0" lvl="0" indent="0" algn="l" defTabSz="914400" rtl="0" eaLnBrk="1" fontAlgn="base" latinLnBrk="0" hangingPunct="1">
-              <a:lnSpc>
-                <a:spcPct val="100000"/>
-              </a:lnSpc>
-              <a:spcBef>
-                <a:spcPct val="0"/>
-              </a:spcBef>
-              <a:spcAft>
-                <a:spcPct val="0"/>
-              </a:spcAft>
-              <a:buClrTx/>
-              <a:buSzTx/>
-              <a:buFontTx/>
-              <a:buNone/>
-              <a:tabLst/>
-            </a:pPr>
-            <a:r>
-              <a:rPr kumimoji="0" lang="en-US" sz="1200" b="0" i="0" u="none" strike="noStrike" cap="none" normalizeH="0" baseline="0" dirty="0" smtClean="0">
-                <a:ln>
-                  <a:noFill/>
-                </a:ln>
-                <a:solidFill>
-                  <a:srgbClr val="0000FF"/>
-                </a:solidFill>
-                <a:effectLst/>
-                <a:latin typeface="Consolas" pitchFamily="49" charset="0"/>
-                <a:cs typeface="Consolas" pitchFamily="49" charset="0"/>
-              </a:rPr>
-              <a:t>public</a:t>
-            </a:r>
-            <a:r>
-              <a:rPr kumimoji="0" lang="en-US" sz="1200" b="0" i="0" u="none" strike="noStrike" cap="none" normalizeH="0" baseline="0" dirty="0" smtClean="0">
-                <a:ln>
-                  <a:noFill/>
-                </a:ln>
-                <a:solidFill>
-                  <a:srgbClr val="000000"/>
-                </a:solidFill>
-                <a:effectLst/>
-                <a:latin typeface="Consolas" pitchFamily="49" charset="0"/>
-                <a:cs typeface="Consolas" pitchFamily="49" charset="0"/>
-              </a:rPr>
-              <a:t> </a:t>
-            </a:r>
-            <a:r>
-              <a:rPr kumimoji="0" lang="en-US" sz="1200" b="0" i="0" u="none" strike="noStrike" cap="none" normalizeH="0" baseline="0" dirty="0" smtClean="0">
-                <a:ln>
-                  <a:noFill/>
-                </a:ln>
-                <a:solidFill>
-                  <a:srgbClr val="0000FF"/>
-                </a:solidFill>
-                <a:effectLst/>
-                <a:latin typeface="Consolas" pitchFamily="49" charset="0"/>
-                <a:cs typeface="Consolas" pitchFamily="49" charset="0"/>
-              </a:rPr>
-              <a:t>class</a:t>
-            </a:r>
-            <a:r>
-              <a:rPr kumimoji="0" lang="en-US" sz="1200" b="0" i="0" u="none" strike="noStrike" cap="none" normalizeH="0" baseline="0" dirty="0" smtClean="0">
-                <a:ln>
-                  <a:noFill/>
-                </a:ln>
-                <a:solidFill>
-                  <a:srgbClr val="000000"/>
-                </a:solidFill>
-                <a:effectLst/>
-                <a:latin typeface="Consolas" pitchFamily="49" charset="0"/>
-                <a:cs typeface="Consolas" pitchFamily="49" charset="0"/>
-              </a:rPr>
-              <a:t> </a:t>
-            </a:r>
-            <a:r>
-              <a:rPr kumimoji="0" lang="en-US" sz="1200" b="0" i="0" u="none" strike="noStrike" cap="none" normalizeH="0" baseline="0" dirty="0" err="1" smtClean="0">
-                <a:ln>
-                  <a:noFill/>
-                </a:ln>
-                <a:solidFill>
-                  <a:srgbClr val="2B91AF"/>
-                </a:solidFill>
-                <a:effectLst/>
-                <a:latin typeface="Consolas" pitchFamily="49" charset="0"/>
-                <a:cs typeface="Consolas" pitchFamily="49" charset="0"/>
-              </a:rPr>
-              <a:t>PersonController</a:t>
-            </a:r>
-            <a:r>
-              <a:rPr kumimoji="0" lang="en-US" sz="1200" b="0" i="0" u="none" strike="noStrike" cap="none" normalizeH="0" baseline="0" dirty="0" smtClean="0">
-                <a:ln>
-                  <a:noFill/>
-                </a:ln>
-                <a:solidFill>
-                  <a:srgbClr val="000000"/>
-                </a:solidFill>
-                <a:effectLst/>
-                <a:latin typeface="Consolas" pitchFamily="49" charset="0"/>
-                <a:cs typeface="Consolas" pitchFamily="49" charset="0"/>
-              </a:rPr>
-              <a:t> : </a:t>
-            </a:r>
-            <a:r>
-              <a:rPr kumimoji="0" lang="en-US" sz="1200" b="0" i="0" u="none" strike="noStrike" cap="none" normalizeH="0" baseline="0" dirty="0" smtClean="0">
-                <a:ln>
-                  <a:noFill/>
-                </a:ln>
-                <a:solidFill>
-                  <a:srgbClr val="2B91AF"/>
-                </a:solidFill>
-                <a:effectLst/>
-                <a:latin typeface="Consolas" pitchFamily="49" charset="0"/>
-                <a:cs typeface="Consolas" pitchFamily="49" charset="0"/>
-              </a:rPr>
-              <a:t>ApiController</a:t>
-            </a:r>
-            <a:r>
-              <a:rPr kumimoji="0" lang="en-US" sz="1200" b="0" i="0" u="none" strike="noStrike" cap="none" normalizeH="0" baseline="0" dirty="0" smtClean="0">
-                <a:ln>
-                  <a:noFill/>
-                </a:ln>
-                <a:solidFill>
-                  <a:srgbClr val="000000"/>
-                </a:solidFill>
-                <a:effectLst/>
-                <a:latin typeface="Consolas" pitchFamily="49" charset="0"/>
-                <a:cs typeface="Consolas" pitchFamily="49" charset="0"/>
-              </a:rPr>
-              <a:t>     </a:t>
-            </a:r>
-          </a:p>
-          <a:p>
-            <a:pPr marL="0" marR="0" lvl="0" indent="0" algn="l" defTabSz="914400" rtl="0" eaLnBrk="1" fontAlgn="base" latinLnBrk="0" hangingPunct="1">
-              <a:lnSpc>
-                <a:spcPct val="100000"/>
-              </a:lnSpc>
-              <a:spcBef>
-                <a:spcPct val="0"/>
-              </a:spcBef>
-              <a:spcAft>
-                <a:spcPct val="0"/>
-              </a:spcAft>
-              <a:buClrTx/>
-              <a:buSzTx/>
-              <a:buFontTx/>
-              <a:buNone/>
-              <a:tabLst/>
-            </a:pPr>
-            <a:r>
-              <a:rPr kumimoji="0" lang="en-US" sz="1200" b="0" i="0" u="none" strike="noStrike" cap="none" normalizeH="0" baseline="0" dirty="0" smtClean="0">
-                <a:ln>
-                  <a:noFill/>
-                </a:ln>
-                <a:solidFill>
-                  <a:srgbClr val="000000"/>
-                </a:solidFill>
-                <a:effectLst/>
-                <a:latin typeface="Consolas" pitchFamily="49" charset="0"/>
-                <a:cs typeface="Consolas" pitchFamily="49" charset="0"/>
-              </a:rPr>
-              <a:t>{         </a:t>
-            </a:r>
-          </a:p>
-          <a:p>
-            <a:pPr marL="0" marR="0" lvl="0" indent="0" algn="l" defTabSz="914400" rtl="0" eaLnBrk="1" fontAlgn="base" latinLnBrk="0" hangingPunct="1">
-              <a:lnSpc>
-                <a:spcPct val="100000"/>
-              </a:lnSpc>
-              <a:spcBef>
-                <a:spcPct val="0"/>
-              </a:spcBef>
-              <a:spcAft>
-                <a:spcPct val="0"/>
-              </a:spcAft>
-              <a:buClrTx/>
-              <a:buSzTx/>
-              <a:buFontTx/>
-              <a:buNone/>
-              <a:tabLst/>
-            </a:pPr>
-            <a:r>
-              <a:rPr lang="en-US" sz="1200" dirty="0" smtClean="0">
-                <a:solidFill>
-                  <a:srgbClr val="000000"/>
-                </a:solidFill>
-                <a:latin typeface="Consolas" pitchFamily="49" charset="0"/>
-                <a:cs typeface="Consolas" pitchFamily="49" charset="0"/>
-              </a:rPr>
-              <a:t>	</a:t>
-            </a:r>
-            <a:r>
-              <a:rPr kumimoji="0" lang="en-US" sz="1200" b="0" i="0" u="none" strike="noStrike" cap="none" normalizeH="0" baseline="0" dirty="0" smtClean="0">
-                <a:ln>
-                  <a:noFill/>
-                </a:ln>
-                <a:solidFill>
-                  <a:srgbClr val="0000FF"/>
-                </a:solidFill>
-                <a:effectLst/>
-                <a:latin typeface="Consolas" pitchFamily="49" charset="0"/>
-                <a:cs typeface="Consolas" pitchFamily="49" charset="0"/>
-              </a:rPr>
-              <a:t>private</a:t>
-            </a:r>
-            <a:r>
-              <a:rPr kumimoji="0" lang="en-US" sz="1200" b="0" i="0" u="none" strike="noStrike" cap="none" normalizeH="0" baseline="0" dirty="0" smtClean="0">
-                <a:ln>
-                  <a:noFill/>
-                </a:ln>
-                <a:solidFill>
-                  <a:srgbClr val="000000"/>
-                </a:solidFill>
-                <a:effectLst/>
-                <a:latin typeface="Consolas" pitchFamily="49" charset="0"/>
-                <a:cs typeface="Consolas" pitchFamily="49" charset="0"/>
-              </a:rPr>
-              <a:t> </a:t>
-            </a:r>
-            <a:r>
-              <a:rPr kumimoji="0" lang="en-US" sz="1200" b="0" i="0" u="none" strike="noStrike" cap="none" normalizeH="0" baseline="0" dirty="0" err="1" smtClean="0">
-                <a:ln>
-                  <a:noFill/>
-                </a:ln>
-                <a:solidFill>
-                  <a:srgbClr val="2B91AF"/>
-                </a:solidFill>
-                <a:effectLst/>
-                <a:latin typeface="Consolas" pitchFamily="49" charset="0"/>
-                <a:cs typeface="Consolas" pitchFamily="49" charset="0"/>
-              </a:rPr>
-              <a:t>IEnumerable</a:t>
-            </a:r>
-            <a:r>
-              <a:rPr kumimoji="0" lang="en-US" sz="1200" b="0" i="0" u="none" strike="noStrike" cap="none" normalizeH="0" baseline="0" dirty="0" smtClean="0">
-                <a:ln>
-                  <a:noFill/>
-                </a:ln>
-                <a:solidFill>
-                  <a:srgbClr val="000000"/>
-                </a:solidFill>
-                <a:effectLst/>
-                <a:latin typeface="Consolas" pitchFamily="49" charset="0"/>
-                <a:cs typeface="Consolas" pitchFamily="49" charset="0"/>
-              </a:rPr>
-              <a:t>&lt;</a:t>
-            </a:r>
-            <a:r>
-              <a:rPr kumimoji="0" lang="en-US" sz="1200" b="0" i="0" u="none" strike="noStrike" cap="none" normalizeH="0" baseline="0" dirty="0" smtClean="0">
-                <a:ln>
-                  <a:noFill/>
-                </a:ln>
-                <a:solidFill>
-                  <a:srgbClr val="2B91AF"/>
-                </a:solidFill>
-                <a:effectLst/>
-                <a:latin typeface="Consolas" pitchFamily="49" charset="0"/>
-                <a:cs typeface="Consolas" pitchFamily="49" charset="0"/>
-              </a:rPr>
-              <a:t>Person</a:t>
-            </a:r>
-            <a:r>
-              <a:rPr kumimoji="0" lang="en-US" sz="1200" b="0" i="0" u="none" strike="noStrike" cap="none" normalizeH="0" baseline="0" dirty="0" smtClean="0">
-                <a:ln>
-                  <a:noFill/>
-                </a:ln>
-                <a:solidFill>
-                  <a:srgbClr val="000000"/>
-                </a:solidFill>
-                <a:effectLst/>
-                <a:latin typeface="Consolas" pitchFamily="49" charset="0"/>
-                <a:cs typeface="Consolas" pitchFamily="49" charset="0"/>
-              </a:rPr>
-              <a:t>&gt; _persons = </a:t>
-            </a:r>
-            <a:r>
-              <a:rPr kumimoji="0" lang="en-US" sz="1200" b="0" i="0" u="none" strike="noStrike" cap="none" normalizeH="0" baseline="0" dirty="0" smtClean="0">
-                <a:ln>
-                  <a:noFill/>
-                </a:ln>
-                <a:solidFill>
-                  <a:srgbClr val="0000FF"/>
-                </a:solidFill>
-                <a:effectLst/>
-                <a:latin typeface="Consolas" pitchFamily="49" charset="0"/>
-                <a:cs typeface="Consolas" pitchFamily="49" charset="0"/>
-              </a:rPr>
-              <a:t>new</a:t>
-            </a:r>
-            <a:r>
-              <a:rPr kumimoji="0" lang="en-US" sz="1200" b="0" i="0" u="none" strike="noStrike" cap="none" normalizeH="0" baseline="0" dirty="0" smtClean="0">
-                <a:ln>
-                  <a:noFill/>
-                </a:ln>
-                <a:solidFill>
-                  <a:srgbClr val="000000"/>
-                </a:solidFill>
-                <a:effectLst/>
-                <a:latin typeface="Consolas" pitchFamily="49" charset="0"/>
-                <a:cs typeface="Consolas" pitchFamily="49" charset="0"/>
-              </a:rPr>
-              <a:t> </a:t>
-            </a:r>
-            <a:r>
-              <a:rPr kumimoji="0" lang="en-US" sz="1200" b="0" i="0" u="none" strike="noStrike" cap="none" normalizeH="0" baseline="0" dirty="0" smtClean="0">
-                <a:ln>
-                  <a:noFill/>
-                </a:ln>
-                <a:solidFill>
-                  <a:srgbClr val="2B91AF"/>
-                </a:solidFill>
-                <a:effectLst/>
-                <a:latin typeface="Consolas" pitchFamily="49" charset="0"/>
-                <a:cs typeface="Consolas" pitchFamily="49" charset="0"/>
-              </a:rPr>
-              <a:t>List</a:t>
-            </a:r>
-            <a:r>
-              <a:rPr kumimoji="0" lang="en-US" sz="1200" b="0" i="0" u="none" strike="noStrike" cap="none" normalizeH="0" baseline="0" dirty="0" smtClean="0">
-                <a:ln>
-                  <a:noFill/>
-                </a:ln>
-                <a:solidFill>
-                  <a:srgbClr val="000000"/>
-                </a:solidFill>
-                <a:effectLst/>
-                <a:latin typeface="Consolas" pitchFamily="49" charset="0"/>
-                <a:cs typeface="Consolas" pitchFamily="49" charset="0"/>
-              </a:rPr>
-              <a:t>&lt;</a:t>
-            </a:r>
-            <a:r>
-              <a:rPr kumimoji="0" lang="en-US" sz="1200" b="0" i="0" u="none" strike="noStrike" cap="none" normalizeH="0" baseline="0" dirty="0" smtClean="0">
-                <a:ln>
-                  <a:noFill/>
-                </a:ln>
-                <a:solidFill>
-                  <a:srgbClr val="2B91AF"/>
-                </a:solidFill>
-                <a:effectLst/>
-                <a:latin typeface="Consolas" pitchFamily="49" charset="0"/>
-                <a:cs typeface="Consolas" pitchFamily="49" charset="0"/>
-              </a:rPr>
-              <a:t>Person</a:t>
-            </a:r>
-            <a:r>
-              <a:rPr kumimoji="0" lang="en-US" sz="1200" b="0" i="0" u="none" strike="noStrike" cap="none" normalizeH="0" baseline="0" dirty="0" smtClean="0">
-                <a:ln>
-                  <a:noFill/>
-                </a:ln>
-                <a:solidFill>
-                  <a:srgbClr val="000000"/>
-                </a:solidFill>
-                <a:effectLst/>
-                <a:latin typeface="Consolas" pitchFamily="49" charset="0"/>
-                <a:cs typeface="Consolas" pitchFamily="49" charset="0"/>
-              </a:rPr>
-              <a:t>&gt;();         </a:t>
-            </a:r>
-          </a:p>
-          <a:p>
-            <a:pPr marL="0" marR="0" lvl="0" indent="0" algn="l" defTabSz="914400" rtl="0" eaLnBrk="1" fontAlgn="base" latinLnBrk="0" hangingPunct="1">
-              <a:lnSpc>
-                <a:spcPct val="100000"/>
-              </a:lnSpc>
-              <a:spcBef>
-                <a:spcPct val="0"/>
-              </a:spcBef>
-              <a:spcAft>
-                <a:spcPct val="0"/>
-              </a:spcAft>
-              <a:buClrTx/>
-              <a:buSzTx/>
-              <a:buFontTx/>
-              <a:buNone/>
-              <a:tabLst/>
-            </a:pPr>
-            <a:r>
-              <a:rPr kumimoji="0" lang="en-US" sz="1200" b="0" i="0" u="none" strike="noStrike" cap="none" normalizeH="0" baseline="0" dirty="0" smtClean="0">
-                <a:ln>
-                  <a:noFill/>
-                </a:ln>
-                <a:solidFill>
-                  <a:srgbClr val="0000FF"/>
-                </a:solidFill>
-                <a:effectLst/>
-                <a:latin typeface="Consolas" pitchFamily="49" charset="0"/>
-                <a:cs typeface="Consolas" pitchFamily="49" charset="0"/>
-              </a:rPr>
-              <a:t>	</a:t>
-            </a:r>
-          </a:p>
-          <a:p>
-            <a:pPr defTabSz="914400" fontAlgn="base">
-              <a:spcBef>
-                <a:spcPct val="0"/>
-              </a:spcBef>
-              <a:spcAft>
-                <a:spcPct val="0"/>
-              </a:spcAft>
-            </a:pPr>
-            <a:r>
-              <a:rPr lang="en-US" sz="1200" dirty="0" smtClean="0">
-                <a:solidFill>
-                  <a:srgbClr val="000000"/>
-                </a:solidFill>
-                <a:latin typeface="Consolas" pitchFamily="49" charset="0"/>
-                <a:cs typeface="Consolas" pitchFamily="49" charset="0"/>
-              </a:rPr>
-              <a:t> 	[</a:t>
-            </a:r>
-            <a:r>
-              <a:rPr lang="en-US" sz="1200" dirty="0" err="1" smtClean="0">
-                <a:solidFill>
-                  <a:srgbClr val="2B91AF"/>
-                </a:solidFill>
-                <a:latin typeface="Consolas" pitchFamily="49" charset="0"/>
-                <a:cs typeface="Consolas" pitchFamily="49" charset="0"/>
-              </a:rPr>
-              <a:t>HttpGet</a:t>
-            </a:r>
-            <a:r>
-              <a:rPr lang="en-US" sz="1200" dirty="0" smtClean="0">
-                <a:solidFill>
-                  <a:srgbClr val="000000"/>
-                </a:solidFill>
-                <a:latin typeface="Consolas" pitchFamily="49" charset="0"/>
-                <a:cs typeface="Consolas" pitchFamily="49" charset="0"/>
-              </a:rPr>
-              <a:t>] </a:t>
-            </a:r>
-            <a:endParaRPr kumimoji="0" lang="en-US" sz="1200" b="0" i="0" u="none" strike="noStrike" cap="none" normalizeH="0" baseline="0" dirty="0" smtClean="0">
-              <a:ln>
-                <a:noFill/>
-              </a:ln>
-              <a:solidFill>
-                <a:srgbClr val="0000FF"/>
-              </a:solidFill>
-              <a:effectLst/>
-              <a:latin typeface="Consolas" pitchFamily="49" charset="0"/>
-              <a:cs typeface="Consolas" pitchFamily="49" charset="0"/>
-            </a:endParaRPr>
-          </a:p>
-          <a:p>
-            <a:pPr marL="0" marR="0" lvl="0" indent="0" algn="l" defTabSz="914400" rtl="0" eaLnBrk="1" fontAlgn="base" latinLnBrk="0" hangingPunct="1">
-              <a:lnSpc>
-                <a:spcPct val="100000"/>
-              </a:lnSpc>
-              <a:spcBef>
-                <a:spcPct val="0"/>
-              </a:spcBef>
-              <a:spcAft>
-                <a:spcPct val="0"/>
-              </a:spcAft>
-              <a:buClrTx/>
-              <a:buSzTx/>
-              <a:buFontTx/>
-              <a:buNone/>
-              <a:tabLst/>
-            </a:pPr>
-            <a:r>
-              <a:rPr lang="en-US" sz="1200" dirty="0" smtClean="0">
-                <a:solidFill>
-                  <a:srgbClr val="0000FF"/>
-                </a:solidFill>
-                <a:latin typeface="Consolas" pitchFamily="49" charset="0"/>
-                <a:cs typeface="Consolas" pitchFamily="49" charset="0"/>
-              </a:rPr>
-              <a:t>	</a:t>
-            </a:r>
-            <a:r>
-              <a:rPr kumimoji="0" lang="en-US" sz="1200" b="0" i="0" u="none" strike="noStrike" cap="none" normalizeH="0" baseline="0" dirty="0" smtClean="0">
-                <a:ln>
-                  <a:noFill/>
-                </a:ln>
-                <a:solidFill>
-                  <a:srgbClr val="0000FF"/>
-                </a:solidFill>
-                <a:effectLst/>
-                <a:latin typeface="Consolas" pitchFamily="49" charset="0"/>
-                <a:cs typeface="Consolas" pitchFamily="49" charset="0"/>
-              </a:rPr>
-              <a:t>public</a:t>
-            </a:r>
-            <a:r>
-              <a:rPr kumimoji="0" lang="en-US" sz="1200" b="0" i="0" u="none" strike="noStrike" cap="none" normalizeH="0" baseline="0" dirty="0" smtClean="0">
-                <a:ln>
-                  <a:noFill/>
-                </a:ln>
-                <a:solidFill>
-                  <a:srgbClr val="000000"/>
-                </a:solidFill>
-                <a:effectLst/>
-                <a:latin typeface="Consolas" pitchFamily="49" charset="0"/>
-                <a:cs typeface="Consolas" pitchFamily="49" charset="0"/>
-              </a:rPr>
-              <a:t> </a:t>
-            </a:r>
-            <a:r>
-              <a:rPr kumimoji="0" lang="en-US" sz="1200" b="0" i="0" u="none" strike="noStrike" cap="none" normalizeH="0" baseline="0" dirty="0" err="1" smtClean="0">
-                <a:ln>
-                  <a:noFill/>
-                </a:ln>
-                <a:solidFill>
-                  <a:srgbClr val="2B91AF"/>
-                </a:solidFill>
-                <a:effectLst/>
-                <a:latin typeface="Consolas" pitchFamily="49" charset="0"/>
-                <a:cs typeface="Consolas" pitchFamily="49" charset="0"/>
-              </a:rPr>
-              <a:t>IEnumerable</a:t>
-            </a:r>
-            <a:r>
-              <a:rPr kumimoji="0" lang="en-US" sz="1200" b="0" i="0" u="none" strike="noStrike" cap="none" normalizeH="0" baseline="0" dirty="0" smtClean="0">
-                <a:ln>
-                  <a:noFill/>
-                </a:ln>
-                <a:solidFill>
-                  <a:srgbClr val="000000"/>
-                </a:solidFill>
-                <a:effectLst/>
-                <a:latin typeface="Consolas" pitchFamily="49" charset="0"/>
-                <a:cs typeface="Consolas" pitchFamily="49" charset="0"/>
-              </a:rPr>
-              <a:t>&lt;</a:t>
-            </a:r>
-            <a:r>
-              <a:rPr kumimoji="0" lang="en-US" sz="1200" b="0" i="0" u="none" strike="noStrike" cap="none" normalizeH="0" baseline="0" dirty="0" smtClean="0">
-                <a:ln>
-                  <a:noFill/>
-                </a:ln>
-                <a:solidFill>
-                  <a:srgbClr val="2B91AF"/>
-                </a:solidFill>
-                <a:effectLst/>
-                <a:latin typeface="Consolas" pitchFamily="49" charset="0"/>
-                <a:cs typeface="Consolas" pitchFamily="49" charset="0"/>
-              </a:rPr>
-              <a:t>Person</a:t>
-            </a:r>
-            <a:r>
-              <a:rPr kumimoji="0" lang="en-US" sz="1200" b="0" i="0" u="none" strike="noStrike" cap="none" normalizeH="0" baseline="0" dirty="0" smtClean="0">
-                <a:ln>
-                  <a:noFill/>
-                </a:ln>
-                <a:solidFill>
-                  <a:srgbClr val="000000"/>
-                </a:solidFill>
-                <a:effectLst/>
-                <a:latin typeface="Consolas" pitchFamily="49" charset="0"/>
-                <a:cs typeface="Consolas" pitchFamily="49" charset="0"/>
-              </a:rPr>
-              <a:t>&gt; </a:t>
-            </a:r>
-            <a:r>
-              <a:rPr kumimoji="0" lang="en-US" sz="1200" b="0" i="0" u="none" strike="noStrike" cap="none" normalizeH="0" baseline="0" dirty="0" err="1" smtClean="0">
-                <a:ln>
-                  <a:noFill/>
-                </a:ln>
-                <a:solidFill>
-                  <a:srgbClr val="000000"/>
-                </a:solidFill>
-                <a:effectLst/>
-                <a:latin typeface="Consolas" pitchFamily="49" charset="0"/>
-                <a:cs typeface="Consolas" pitchFamily="49" charset="0"/>
-              </a:rPr>
-              <a:t>FindAll</a:t>
-            </a:r>
-            <a:r>
-              <a:rPr kumimoji="0" lang="en-US" sz="1200" b="0" i="0" u="none" strike="noStrike" cap="none" normalizeH="0" baseline="0" dirty="0" smtClean="0">
-                <a:ln>
-                  <a:noFill/>
-                </a:ln>
-                <a:solidFill>
-                  <a:srgbClr val="000000"/>
-                </a:solidFill>
-                <a:effectLst/>
-                <a:latin typeface="Consolas" pitchFamily="49" charset="0"/>
-                <a:cs typeface="Consolas" pitchFamily="49" charset="0"/>
-              </a:rPr>
-              <a:t>()         </a:t>
-            </a:r>
-          </a:p>
-          <a:p>
-            <a:pPr marL="0" marR="0" lvl="0" indent="0" algn="l" defTabSz="914400" rtl="0" eaLnBrk="1" fontAlgn="base" latinLnBrk="0" hangingPunct="1">
-              <a:lnSpc>
-                <a:spcPct val="100000"/>
-              </a:lnSpc>
-              <a:spcBef>
-                <a:spcPct val="0"/>
-              </a:spcBef>
-              <a:spcAft>
-                <a:spcPct val="0"/>
-              </a:spcAft>
-              <a:buClrTx/>
-              <a:buSzTx/>
-              <a:buFontTx/>
-              <a:buNone/>
-              <a:tabLst/>
-            </a:pPr>
-            <a:r>
-              <a:rPr lang="en-US" sz="1200" dirty="0" smtClean="0">
-                <a:solidFill>
-                  <a:srgbClr val="000000"/>
-                </a:solidFill>
-                <a:latin typeface="Consolas" pitchFamily="49" charset="0"/>
-                <a:cs typeface="Consolas" pitchFamily="49" charset="0"/>
-              </a:rPr>
-              <a:t>	</a:t>
-            </a:r>
-            <a:r>
-              <a:rPr kumimoji="0" lang="en-US" sz="1200" b="0" i="0" u="none" strike="noStrike" cap="none" normalizeH="0" baseline="0" dirty="0" smtClean="0">
-                <a:ln>
-                  <a:noFill/>
-                </a:ln>
-                <a:solidFill>
-                  <a:srgbClr val="000000"/>
-                </a:solidFill>
-                <a:effectLst/>
-                <a:latin typeface="Consolas" pitchFamily="49" charset="0"/>
-                <a:cs typeface="Consolas" pitchFamily="49" charset="0"/>
-              </a:rPr>
-              <a:t>{             </a:t>
-            </a:r>
-          </a:p>
-          <a:p>
-            <a:pPr marL="0" marR="0" lvl="0" indent="0" algn="l" defTabSz="914400" rtl="0" eaLnBrk="1" fontAlgn="base" latinLnBrk="0" hangingPunct="1">
-              <a:lnSpc>
-                <a:spcPct val="100000"/>
-              </a:lnSpc>
-              <a:spcBef>
-                <a:spcPct val="0"/>
-              </a:spcBef>
-              <a:spcAft>
-                <a:spcPct val="0"/>
-              </a:spcAft>
-              <a:buClrTx/>
-              <a:buSzTx/>
-              <a:buFontTx/>
-              <a:buNone/>
-              <a:tabLst/>
-            </a:pPr>
-            <a:r>
-              <a:rPr lang="en-US" sz="1200" dirty="0" smtClean="0">
-                <a:solidFill>
-                  <a:srgbClr val="000000"/>
-                </a:solidFill>
-                <a:latin typeface="Consolas" pitchFamily="49" charset="0"/>
-                <a:cs typeface="Consolas" pitchFamily="49" charset="0"/>
-              </a:rPr>
-              <a:t>		</a:t>
-            </a:r>
-            <a:r>
-              <a:rPr kumimoji="0" lang="en-US" sz="1200" b="0" i="0" u="none" strike="noStrike" cap="none" normalizeH="0" baseline="0" dirty="0" smtClean="0">
-                <a:ln>
-                  <a:noFill/>
-                </a:ln>
-                <a:solidFill>
-                  <a:srgbClr val="0000FF"/>
-                </a:solidFill>
-                <a:effectLst/>
-                <a:latin typeface="Consolas" pitchFamily="49" charset="0"/>
-                <a:cs typeface="Consolas" pitchFamily="49" charset="0"/>
-              </a:rPr>
-              <a:t>return</a:t>
-            </a:r>
-            <a:r>
-              <a:rPr kumimoji="0" lang="en-US" sz="1200" b="0" i="0" u="none" strike="noStrike" cap="none" normalizeH="0" baseline="0" dirty="0" smtClean="0">
-                <a:ln>
-                  <a:noFill/>
-                </a:ln>
-                <a:solidFill>
-                  <a:srgbClr val="000000"/>
-                </a:solidFill>
-                <a:effectLst/>
-                <a:latin typeface="Consolas" pitchFamily="49" charset="0"/>
-                <a:cs typeface="Consolas" pitchFamily="49" charset="0"/>
-              </a:rPr>
-              <a:t> _persons;         </a:t>
-            </a:r>
-          </a:p>
-          <a:p>
-            <a:pPr marL="0" marR="0" lvl="0" indent="0" algn="l" defTabSz="914400" rtl="0" eaLnBrk="1" fontAlgn="base" latinLnBrk="0" hangingPunct="1">
-              <a:lnSpc>
-                <a:spcPct val="100000"/>
-              </a:lnSpc>
-              <a:spcBef>
-                <a:spcPct val="0"/>
-              </a:spcBef>
-              <a:spcAft>
-                <a:spcPct val="0"/>
-              </a:spcAft>
-              <a:buClrTx/>
-              <a:buSzTx/>
-              <a:buFontTx/>
-              <a:buNone/>
-              <a:tabLst/>
-            </a:pPr>
-            <a:r>
-              <a:rPr lang="en-US" sz="1200" dirty="0" smtClean="0">
-                <a:solidFill>
-                  <a:srgbClr val="000000"/>
-                </a:solidFill>
-                <a:latin typeface="Consolas" pitchFamily="49" charset="0"/>
-                <a:cs typeface="Consolas" pitchFamily="49" charset="0"/>
-              </a:rPr>
-              <a:t>	</a:t>
-            </a:r>
-            <a:r>
-              <a:rPr kumimoji="0" lang="en-US" sz="1200" b="0" i="0" u="none" strike="noStrike" cap="none" normalizeH="0" baseline="0" dirty="0" smtClean="0">
-                <a:ln>
-                  <a:noFill/>
-                </a:ln>
-                <a:solidFill>
-                  <a:srgbClr val="000000"/>
-                </a:solidFill>
-                <a:effectLst/>
-                <a:latin typeface="Consolas" pitchFamily="49" charset="0"/>
-                <a:cs typeface="Consolas" pitchFamily="49" charset="0"/>
-              </a:rPr>
-              <a:t>}     </a:t>
-            </a:r>
-          </a:p>
-          <a:p>
-            <a:pPr marL="0" marR="0" lvl="0" indent="0" algn="l" defTabSz="914400" rtl="0" eaLnBrk="1" fontAlgn="base" latinLnBrk="0" hangingPunct="1">
-              <a:lnSpc>
-                <a:spcPct val="100000"/>
-              </a:lnSpc>
-              <a:spcBef>
-                <a:spcPct val="0"/>
-              </a:spcBef>
-              <a:spcAft>
-                <a:spcPct val="0"/>
-              </a:spcAft>
-              <a:buClrTx/>
-              <a:buSzTx/>
-              <a:buFontTx/>
-              <a:buNone/>
-              <a:tabLst/>
-            </a:pPr>
-            <a:r>
-              <a:rPr kumimoji="0" lang="en-US" sz="1200" b="0" i="0" u="none" strike="noStrike" cap="none" normalizeH="0" baseline="0" dirty="0" smtClean="0">
-                <a:ln>
-                  <a:noFill/>
-                </a:ln>
-                <a:solidFill>
-                  <a:srgbClr val="000000"/>
-                </a:solidFill>
-                <a:effectLst/>
-                <a:latin typeface="Consolas" pitchFamily="49" charset="0"/>
-                <a:cs typeface="Consolas" pitchFamily="49" charset="0"/>
-              </a:rPr>
-              <a:t>}</a:t>
-            </a:r>
-            <a:endParaRPr kumimoji="0" lang="en-US" sz="1200" b="0" i="0" u="none" strike="noStrike" cap="none" normalizeH="0" baseline="0" dirty="0" smtClean="0">
-              <a:ln>
-                <a:noFill/>
-              </a:ln>
-              <a:solidFill>
-                <a:schemeClr val="tx1"/>
-              </a:solidFill>
-              <a:effectLst/>
-              <a:latin typeface="Arial" pitchFamily="34" charset="0"/>
-              <a:cs typeface="Arial" pitchFamily="34" charset="0"/>
-            </a:endParaRPr>
-          </a:p>
-        </p:txBody>
-      </p:sp>
-    </p:spTree>
-  </p:cSld>
-  <p:clrMapOvr>
-    <a:masterClrMapping/>
-  </p:clrMapOvr>
-  <p:transition>
-    <p:fade thruBlk="1"/>
-  </p:transition>
-  <p:timing>
-    <p:tnLst>
-      <p:par>
-        <p:cTn id="1" dur="indefinite" restart="never" nodeType="tmRoot"/>
-      </p:par>
-    </p:tnLst>
-  </p:timing>
-</p:sld>
-</file>
-
-<file path=ppt/slides/slide11.xml><?xml version="1.0" encoding="utf-8"?>
-<p:sld xmlns:a="http://schemas.openxmlformats.org/drawingml/2006/main" xmlns:r="http://schemas.openxmlformats.org/officeDocument/2006/relationships" xmlns:p="http://schemas.openxmlformats.org/presentationml/2006/main">
-  <p:cSld>
-    <p:spTree>
-      <p:nvGrpSpPr>
-        <p:cNvPr id="1" name=""/>
-        <p:cNvGrpSpPr/>
-        <p:nvPr/>
-      </p:nvGrpSpPr>
-      <p:grpSpPr>
-        <a:xfrm>
-          <a:off x="0" y="0"/>
-          <a:ext cx="0" cy="0"/>
-          <a:chOff x="0" y="0"/>
-          <a:chExt cx="0" cy="0"/>
-        </a:xfrm>
-      </p:grpSpPr>
       <p:cxnSp>
         <p:nvCxnSpPr>
           <p:cNvPr id="28" name="Straight Connector 27"/>
@@ -12852,7 +11144,7 @@
             <a:fld id="{FF67BF5B-7344-D747-A0C2-CBD7B2ACBC85}" type="slidenum">
               <a:rPr lang="en-US" smtClean="0"/>
               <a:pPr/>
-              <a:t>11</a:t>
+              <a:t>10</a:t>
             </a:fld>
             <a:endParaRPr lang="en-US" dirty="0"/>
           </a:p>
@@ -13852,6 +12144,1686 @@
 </p:sld>
 </file>
 
+<file path=ppt/slides/slide11.xml><?xml version="1.0" encoding="utf-8"?>
+<p:sld xmlns:a="http://schemas.openxmlformats.org/drawingml/2006/main" xmlns:r="http://schemas.openxmlformats.org/officeDocument/2006/relationships" xmlns:p="http://schemas.openxmlformats.org/presentationml/2006/main">
+  <p:cSld>
+    <p:spTree>
+      <p:nvGrpSpPr>
+        <p:cNvPr id="1" name=""/>
+        <p:cNvGrpSpPr/>
+        <p:nvPr/>
+      </p:nvGrpSpPr>
+      <p:grpSpPr>
+        <a:xfrm>
+          <a:off x="0" y="0"/>
+          <a:ext cx="0" cy="0"/>
+          <a:chOff x="0" y="0"/>
+          <a:chExt cx="0" cy="0"/>
+        </a:xfrm>
+      </p:grpSpPr>
+      <p:sp>
+        <p:nvSpPr>
+          <p:cNvPr id="2" name="Title 1"/>
+          <p:cNvSpPr>
+            <a:spLocks noGrp="1"/>
+          </p:cNvSpPr>
+          <p:nvPr>
+            <p:ph type="title"/>
+          </p:nvPr>
+        </p:nvSpPr>
+        <p:spPr>
+          <a:xfrm>
+            <a:off x="321623" y="418905"/>
+            <a:ext cx="2306722" cy="307777"/>
+          </a:xfrm>
+        </p:spPr>
+        <p:txBody>
+          <a:bodyPr/>
+          <a:lstStyle/>
+          <a:p>
+            <a:r>
+              <a:rPr lang="nb-NO" dirty="0" smtClean="0"/>
+              <a:t>Routing forts</a:t>
+            </a:r>
+            <a:endParaRPr lang="en-US" dirty="0"/>
+          </a:p>
+        </p:txBody>
+      </p:sp>
+      <p:sp>
+        <p:nvSpPr>
+          <p:cNvPr id="3" name="Slide Number Placeholder 2"/>
+          <p:cNvSpPr>
+            <a:spLocks noGrp="1"/>
+          </p:cNvSpPr>
+          <p:nvPr>
+            <p:ph type="sldNum" sz="quarter" idx="10"/>
+          </p:nvPr>
+        </p:nvSpPr>
+        <p:spPr/>
+        <p:txBody>
+          <a:bodyPr/>
+          <a:lstStyle/>
+          <a:p>
+            <a:fld id="{FF67BF5B-7344-D747-A0C2-CBD7B2ACBC85}" type="slidenum">
+              <a:rPr lang="en-US" smtClean="0"/>
+              <a:pPr/>
+              <a:t>11</a:t>
+            </a:fld>
+            <a:endParaRPr lang="en-US" dirty="0"/>
+          </a:p>
+        </p:txBody>
+      </p:sp>
+      <p:sp>
+        <p:nvSpPr>
+          <p:cNvPr id="5" name="Rectangle 1"/>
+          <p:cNvSpPr>
+            <a:spLocks noChangeArrowheads="1"/>
+          </p:cNvSpPr>
+          <p:nvPr/>
+        </p:nvSpPr>
+        <p:spPr bwMode="auto">
+          <a:xfrm>
+            <a:off x="499873" y="752000"/>
+            <a:ext cx="8231434" cy="2554545"/>
+          </a:xfrm>
+          <a:prstGeom prst="rect">
+            <a:avLst/>
+          </a:prstGeom>
+          <a:solidFill>
+            <a:srgbClr val="FFFFFF"/>
+          </a:solidFill>
+          <a:ln w="9525">
+            <a:solidFill>
+              <a:schemeClr val="accent1"/>
+            </a:solidFill>
+            <a:miter lim="800000"/>
+            <a:headEnd/>
+            <a:tailEnd/>
+          </a:ln>
+          <a:effectLst/>
+        </p:spPr>
+        <p:txBody>
+          <a:bodyPr vert="horz" wrap="square" lIns="91440" tIns="45720" rIns="91440" bIns="45720" numCol="1" anchor="ctr" anchorCtr="0" compatLnSpc="1">
+            <a:prstTxWarp prst="textNoShape">
+              <a:avLst/>
+            </a:prstTxWarp>
+            <a:spAutoFit/>
+          </a:bodyPr>
+          <a:lstStyle/>
+          <a:p>
+            <a:pPr marL="0" marR="0" lvl="0" indent="0" algn="l" defTabSz="914400" rtl="0" eaLnBrk="1" fontAlgn="base" latinLnBrk="0" hangingPunct="1">
+              <a:lnSpc>
+                <a:spcPct val="100000"/>
+              </a:lnSpc>
+              <a:spcBef>
+                <a:spcPct val="0"/>
+              </a:spcBef>
+              <a:spcAft>
+                <a:spcPct val="0"/>
+              </a:spcAft>
+              <a:buClrTx/>
+              <a:buSzTx/>
+              <a:buFontTx/>
+              <a:buNone/>
+              <a:tabLst/>
+            </a:pPr>
+            <a:r>
+              <a:rPr kumimoji="0" lang="en-US" sz="1600" b="0" i="0" u="none" strike="noStrike" cap="none" normalizeH="0" baseline="0" dirty="0" smtClean="0">
+                <a:ln>
+                  <a:noFill/>
+                </a:ln>
+                <a:solidFill>
+                  <a:srgbClr val="0000FF"/>
+                </a:solidFill>
+                <a:effectLst/>
+                <a:latin typeface="Consolas" pitchFamily="49" charset="0"/>
+                <a:cs typeface="Consolas" pitchFamily="49" charset="0"/>
+              </a:rPr>
+              <a:t>public</a:t>
+            </a:r>
+            <a:r>
+              <a:rPr kumimoji="0" lang="en-US" sz="1600" b="0" i="0" u="none" strike="noStrike" cap="none" normalizeH="0" baseline="0" dirty="0" smtClean="0">
+                <a:ln>
+                  <a:noFill/>
+                </a:ln>
+                <a:solidFill>
+                  <a:srgbClr val="000000"/>
+                </a:solidFill>
+                <a:effectLst/>
+                <a:latin typeface="Consolas" pitchFamily="49" charset="0"/>
+                <a:cs typeface="Consolas" pitchFamily="49" charset="0"/>
+              </a:rPr>
+              <a:t> </a:t>
+            </a:r>
+            <a:r>
+              <a:rPr kumimoji="0" lang="en-US" sz="1600" b="0" i="0" u="none" strike="noStrike" cap="none" normalizeH="0" baseline="0" dirty="0" smtClean="0">
+                <a:ln>
+                  <a:noFill/>
+                </a:ln>
+                <a:solidFill>
+                  <a:srgbClr val="0000FF"/>
+                </a:solidFill>
+                <a:effectLst/>
+                <a:latin typeface="Consolas" pitchFamily="49" charset="0"/>
+                <a:cs typeface="Consolas" pitchFamily="49" charset="0"/>
+              </a:rPr>
+              <a:t>class</a:t>
+            </a:r>
+            <a:r>
+              <a:rPr kumimoji="0" lang="en-US" sz="1600" b="0" i="0" u="none" strike="noStrike" cap="none" normalizeH="0" baseline="0" dirty="0" smtClean="0">
+                <a:ln>
+                  <a:noFill/>
+                </a:ln>
+                <a:solidFill>
+                  <a:srgbClr val="000000"/>
+                </a:solidFill>
+                <a:effectLst/>
+                <a:latin typeface="Consolas" pitchFamily="49" charset="0"/>
+                <a:cs typeface="Consolas" pitchFamily="49" charset="0"/>
+              </a:rPr>
+              <a:t> </a:t>
+            </a:r>
+            <a:r>
+              <a:rPr kumimoji="0" lang="en-US" sz="1600" b="0" i="0" u="none" strike="noStrike" cap="none" normalizeH="0" baseline="0" dirty="0" err="1" smtClean="0">
+                <a:ln>
+                  <a:noFill/>
+                </a:ln>
+                <a:solidFill>
+                  <a:srgbClr val="2B91AF"/>
+                </a:solidFill>
+                <a:effectLst/>
+                <a:latin typeface="Consolas" pitchFamily="49" charset="0"/>
+                <a:cs typeface="Consolas" pitchFamily="49" charset="0"/>
+              </a:rPr>
+              <a:t>PersonController</a:t>
+            </a:r>
+            <a:r>
+              <a:rPr kumimoji="0" lang="en-US" sz="1600" b="0" i="0" u="none" strike="noStrike" cap="none" normalizeH="0" baseline="0" dirty="0" smtClean="0">
+                <a:ln>
+                  <a:noFill/>
+                </a:ln>
+                <a:solidFill>
+                  <a:srgbClr val="000000"/>
+                </a:solidFill>
+                <a:effectLst/>
+                <a:latin typeface="Consolas" pitchFamily="49" charset="0"/>
+                <a:cs typeface="Consolas" pitchFamily="49" charset="0"/>
+              </a:rPr>
+              <a:t> : </a:t>
+            </a:r>
+            <a:r>
+              <a:rPr kumimoji="0" lang="en-US" sz="1600" b="0" i="0" u="none" strike="noStrike" cap="none" normalizeH="0" baseline="0" dirty="0" smtClean="0">
+                <a:ln>
+                  <a:noFill/>
+                </a:ln>
+                <a:solidFill>
+                  <a:srgbClr val="2B91AF"/>
+                </a:solidFill>
+                <a:effectLst/>
+                <a:latin typeface="Consolas" pitchFamily="49" charset="0"/>
+                <a:cs typeface="Consolas" pitchFamily="49" charset="0"/>
+              </a:rPr>
+              <a:t>ApiController</a:t>
+            </a:r>
+            <a:r>
+              <a:rPr kumimoji="0" lang="en-US" sz="1600" b="0" i="0" u="none" strike="noStrike" cap="none" normalizeH="0" baseline="0" dirty="0" smtClean="0">
+                <a:ln>
+                  <a:noFill/>
+                </a:ln>
+                <a:solidFill>
+                  <a:srgbClr val="000000"/>
+                </a:solidFill>
+                <a:effectLst/>
+                <a:latin typeface="Consolas" pitchFamily="49" charset="0"/>
+                <a:cs typeface="Consolas" pitchFamily="49" charset="0"/>
+              </a:rPr>
+              <a:t>     </a:t>
+            </a:r>
+          </a:p>
+          <a:p>
+            <a:pPr marL="0" marR="0" lvl="0" indent="0" algn="l" defTabSz="914400" rtl="0" eaLnBrk="1" fontAlgn="base" latinLnBrk="0" hangingPunct="1">
+              <a:lnSpc>
+                <a:spcPct val="100000"/>
+              </a:lnSpc>
+              <a:spcBef>
+                <a:spcPct val="0"/>
+              </a:spcBef>
+              <a:spcAft>
+                <a:spcPct val="0"/>
+              </a:spcAft>
+              <a:buClrTx/>
+              <a:buSzTx/>
+              <a:buFontTx/>
+              <a:buNone/>
+              <a:tabLst/>
+            </a:pPr>
+            <a:r>
+              <a:rPr kumimoji="0" lang="en-US" sz="1600" b="0" i="0" u="none" strike="noStrike" cap="none" normalizeH="0" baseline="0" dirty="0" smtClean="0">
+                <a:ln>
+                  <a:noFill/>
+                </a:ln>
+                <a:solidFill>
+                  <a:srgbClr val="000000"/>
+                </a:solidFill>
+                <a:effectLst/>
+                <a:latin typeface="Consolas" pitchFamily="49" charset="0"/>
+                <a:cs typeface="Consolas" pitchFamily="49" charset="0"/>
+              </a:rPr>
+              <a:t>{         </a:t>
+            </a:r>
+          </a:p>
+          <a:p>
+            <a:pPr marL="0" marR="0" lvl="0" indent="0" algn="l" defTabSz="914400" rtl="0" eaLnBrk="1" fontAlgn="base" latinLnBrk="0" hangingPunct="1">
+              <a:lnSpc>
+                <a:spcPct val="100000"/>
+              </a:lnSpc>
+              <a:spcBef>
+                <a:spcPct val="0"/>
+              </a:spcBef>
+              <a:spcAft>
+                <a:spcPct val="0"/>
+              </a:spcAft>
+              <a:buClrTx/>
+              <a:buSzTx/>
+              <a:buFontTx/>
+              <a:buNone/>
+              <a:tabLst/>
+            </a:pPr>
+            <a:r>
+              <a:rPr lang="en-US" sz="1600" dirty="0" smtClean="0">
+                <a:solidFill>
+                  <a:srgbClr val="000000"/>
+                </a:solidFill>
+                <a:latin typeface="Consolas" pitchFamily="49" charset="0"/>
+                <a:cs typeface="Consolas" pitchFamily="49" charset="0"/>
+              </a:rPr>
+              <a:t>	</a:t>
+            </a:r>
+            <a:r>
+              <a:rPr kumimoji="0" lang="en-US" sz="1600" b="0" i="0" u="none" strike="noStrike" cap="none" normalizeH="0" baseline="0" dirty="0" smtClean="0">
+                <a:ln>
+                  <a:noFill/>
+                </a:ln>
+                <a:solidFill>
+                  <a:srgbClr val="0000FF"/>
+                </a:solidFill>
+                <a:effectLst/>
+                <a:latin typeface="Consolas" pitchFamily="49" charset="0"/>
+                <a:cs typeface="Consolas" pitchFamily="49" charset="0"/>
+              </a:rPr>
+              <a:t>private</a:t>
+            </a:r>
+            <a:r>
+              <a:rPr kumimoji="0" lang="en-US" sz="1600" b="0" i="0" u="none" strike="noStrike" cap="none" normalizeH="0" baseline="0" dirty="0" smtClean="0">
+                <a:ln>
+                  <a:noFill/>
+                </a:ln>
+                <a:solidFill>
+                  <a:srgbClr val="000000"/>
+                </a:solidFill>
+                <a:effectLst/>
+                <a:latin typeface="Consolas" pitchFamily="49" charset="0"/>
+                <a:cs typeface="Consolas" pitchFamily="49" charset="0"/>
+              </a:rPr>
+              <a:t> </a:t>
+            </a:r>
+            <a:r>
+              <a:rPr kumimoji="0" lang="en-US" sz="1600" b="0" i="0" u="none" strike="noStrike" cap="none" normalizeH="0" baseline="0" dirty="0" err="1" smtClean="0">
+                <a:ln>
+                  <a:noFill/>
+                </a:ln>
+                <a:solidFill>
+                  <a:srgbClr val="2B91AF"/>
+                </a:solidFill>
+                <a:effectLst/>
+                <a:latin typeface="Consolas" pitchFamily="49" charset="0"/>
+                <a:cs typeface="Consolas" pitchFamily="49" charset="0"/>
+              </a:rPr>
+              <a:t>IEnumerable</a:t>
+            </a:r>
+            <a:r>
+              <a:rPr kumimoji="0" lang="en-US" sz="1600" b="0" i="0" u="none" strike="noStrike" cap="none" normalizeH="0" baseline="0" dirty="0" smtClean="0">
+                <a:ln>
+                  <a:noFill/>
+                </a:ln>
+                <a:solidFill>
+                  <a:srgbClr val="000000"/>
+                </a:solidFill>
+                <a:effectLst/>
+                <a:latin typeface="Consolas" pitchFamily="49" charset="0"/>
+                <a:cs typeface="Consolas" pitchFamily="49" charset="0"/>
+              </a:rPr>
+              <a:t>&lt;</a:t>
+            </a:r>
+            <a:r>
+              <a:rPr kumimoji="0" lang="en-US" sz="1600" b="0" i="0" u="none" strike="noStrike" cap="none" normalizeH="0" baseline="0" dirty="0" smtClean="0">
+                <a:ln>
+                  <a:noFill/>
+                </a:ln>
+                <a:solidFill>
+                  <a:srgbClr val="2B91AF"/>
+                </a:solidFill>
+                <a:effectLst/>
+                <a:latin typeface="Consolas" pitchFamily="49" charset="0"/>
+                <a:cs typeface="Consolas" pitchFamily="49" charset="0"/>
+              </a:rPr>
+              <a:t>Person</a:t>
+            </a:r>
+            <a:r>
+              <a:rPr kumimoji="0" lang="en-US" sz="1600" b="0" i="0" u="none" strike="noStrike" cap="none" normalizeH="0" baseline="0" dirty="0" smtClean="0">
+                <a:ln>
+                  <a:noFill/>
+                </a:ln>
+                <a:solidFill>
+                  <a:srgbClr val="000000"/>
+                </a:solidFill>
+                <a:effectLst/>
+                <a:latin typeface="Consolas" pitchFamily="49" charset="0"/>
+                <a:cs typeface="Consolas" pitchFamily="49" charset="0"/>
+              </a:rPr>
+              <a:t>&gt; _persons = </a:t>
+            </a:r>
+            <a:r>
+              <a:rPr kumimoji="0" lang="en-US" sz="1600" b="0" i="0" u="none" strike="noStrike" cap="none" normalizeH="0" baseline="0" dirty="0" smtClean="0">
+                <a:ln>
+                  <a:noFill/>
+                </a:ln>
+                <a:solidFill>
+                  <a:srgbClr val="0000FF"/>
+                </a:solidFill>
+                <a:effectLst/>
+                <a:latin typeface="Consolas" pitchFamily="49" charset="0"/>
+                <a:cs typeface="Consolas" pitchFamily="49" charset="0"/>
+              </a:rPr>
+              <a:t>new</a:t>
+            </a:r>
+            <a:r>
+              <a:rPr kumimoji="0" lang="en-US" sz="1600" b="0" i="0" u="none" strike="noStrike" cap="none" normalizeH="0" baseline="0" dirty="0" smtClean="0">
+                <a:ln>
+                  <a:noFill/>
+                </a:ln>
+                <a:solidFill>
+                  <a:srgbClr val="000000"/>
+                </a:solidFill>
+                <a:effectLst/>
+                <a:latin typeface="Consolas" pitchFamily="49" charset="0"/>
+                <a:cs typeface="Consolas" pitchFamily="49" charset="0"/>
+              </a:rPr>
+              <a:t> </a:t>
+            </a:r>
+            <a:r>
+              <a:rPr kumimoji="0" lang="en-US" sz="1600" b="0" i="0" u="none" strike="noStrike" cap="none" normalizeH="0" baseline="0" dirty="0" smtClean="0">
+                <a:ln>
+                  <a:noFill/>
+                </a:ln>
+                <a:solidFill>
+                  <a:srgbClr val="2B91AF"/>
+                </a:solidFill>
+                <a:effectLst/>
+                <a:latin typeface="Consolas" pitchFamily="49" charset="0"/>
+                <a:cs typeface="Consolas" pitchFamily="49" charset="0"/>
+              </a:rPr>
+              <a:t>List</a:t>
+            </a:r>
+            <a:r>
+              <a:rPr kumimoji="0" lang="en-US" sz="1600" b="0" i="0" u="none" strike="noStrike" cap="none" normalizeH="0" baseline="0" dirty="0" smtClean="0">
+                <a:ln>
+                  <a:noFill/>
+                </a:ln>
+                <a:solidFill>
+                  <a:srgbClr val="000000"/>
+                </a:solidFill>
+                <a:effectLst/>
+                <a:latin typeface="Consolas" pitchFamily="49" charset="0"/>
+                <a:cs typeface="Consolas" pitchFamily="49" charset="0"/>
+              </a:rPr>
+              <a:t>&lt;</a:t>
+            </a:r>
+            <a:r>
+              <a:rPr kumimoji="0" lang="en-US" sz="1600" b="0" i="0" u="none" strike="noStrike" cap="none" normalizeH="0" baseline="0" dirty="0" smtClean="0">
+                <a:ln>
+                  <a:noFill/>
+                </a:ln>
+                <a:solidFill>
+                  <a:srgbClr val="2B91AF"/>
+                </a:solidFill>
+                <a:effectLst/>
+                <a:latin typeface="Consolas" pitchFamily="49" charset="0"/>
+                <a:cs typeface="Consolas" pitchFamily="49" charset="0"/>
+              </a:rPr>
+              <a:t>Person</a:t>
+            </a:r>
+            <a:r>
+              <a:rPr kumimoji="0" lang="en-US" sz="1600" b="0" i="0" u="none" strike="noStrike" cap="none" normalizeH="0" baseline="0" dirty="0" smtClean="0">
+                <a:ln>
+                  <a:noFill/>
+                </a:ln>
+                <a:solidFill>
+                  <a:srgbClr val="000000"/>
+                </a:solidFill>
+                <a:effectLst/>
+                <a:latin typeface="Consolas" pitchFamily="49" charset="0"/>
+                <a:cs typeface="Consolas" pitchFamily="49" charset="0"/>
+              </a:rPr>
+              <a:t>&gt;();         </a:t>
+            </a:r>
+          </a:p>
+          <a:p>
+            <a:pPr marL="0" marR="0" lvl="0" indent="0" algn="l" defTabSz="914400" rtl="0" eaLnBrk="1" fontAlgn="base" latinLnBrk="0" hangingPunct="1">
+              <a:lnSpc>
+                <a:spcPct val="100000"/>
+              </a:lnSpc>
+              <a:spcBef>
+                <a:spcPct val="0"/>
+              </a:spcBef>
+              <a:spcAft>
+                <a:spcPct val="0"/>
+              </a:spcAft>
+              <a:buClrTx/>
+              <a:buSzTx/>
+              <a:buFontTx/>
+              <a:buNone/>
+              <a:tabLst/>
+            </a:pPr>
+            <a:r>
+              <a:rPr kumimoji="0" lang="en-US" sz="1600" b="0" i="0" u="none" strike="noStrike" cap="none" normalizeH="0" baseline="0" dirty="0" smtClean="0">
+                <a:ln>
+                  <a:noFill/>
+                </a:ln>
+                <a:solidFill>
+                  <a:srgbClr val="0000FF"/>
+                </a:solidFill>
+                <a:effectLst/>
+                <a:latin typeface="Consolas" pitchFamily="49" charset="0"/>
+                <a:cs typeface="Consolas" pitchFamily="49" charset="0"/>
+              </a:rPr>
+              <a:t>	</a:t>
+            </a:r>
+          </a:p>
+          <a:p>
+            <a:pPr marL="0" marR="0" lvl="0" indent="0" algn="l" defTabSz="914400" rtl="0" eaLnBrk="1" fontAlgn="base" latinLnBrk="0" hangingPunct="1">
+              <a:lnSpc>
+                <a:spcPct val="100000"/>
+              </a:lnSpc>
+              <a:spcBef>
+                <a:spcPct val="0"/>
+              </a:spcBef>
+              <a:spcAft>
+                <a:spcPct val="0"/>
+              </a:spcAft>
+              <a:buClrTx/>
+              <a:buSzTx/>
+              <a:buFontTx/>
+              <a:buNone/>
+              <a:tabLst/>
+            </a:pPr>
+            <a:r>
+              <a:rPr lang="en-US" sz="1600" dirty="0" smtClean="0">
+                <a:solidFill>
+                  <a:srgbClr val="0000FF"/>
+                </a:solidFill>
+                <a:latin typeface="Consolas" pitchFamily="49" charset="0"/>
+                <a:cs typeface="Consolas" pitchFamily="49" charset="0"/>
+              </a:rPr>
+              <a:t>	</a:t>
+            </a:r>
+            <a:r>
+              <a:rPr kumimoji="0" lang="en-US" sz="1600" b="0" i="0" u="none" strike="noStrike" cap="none" normalizeH="0" baseline="0" dirty="0" smtClean="0">
+                <a:ln>
+                  <a:noFill/>
+                </a:ln>
+                <a:solidFill>
+                  <a:srgbClr val="0000FF"/>
+                </a:solidFill>
+                <a:effectLst/>
+                <a:latin typeface="Consolas" pitchFamily="49" charset="0"/>
+                <a:cs typeface="Consolas" pitchFamily="49" charset="0"/>
+              </a:rPr>
+              <a:t>public</a:t>
+            </a:r>
+            <a:r>
+              <a:rPr kumimoji="0" lang="en-US" sz="1600" b="0" i="0" u="none" strike="noStrike" cap="none" normalizeH="0" baseline="0" dirty="0" smtClean="0">
+                <a:ln>
+                  <a:noFill/>
+                </a:ln>
+                <a:solidFill>
+                  <a:srgbClr val="000000"/>
+                </a:solidFill>
+                <a:effectLst/>
+                <a:latin typeface="Consolas" pitchFamily="49" charset="0"/>
+                <a:cs typeface="Consolas" pitchFamily="49" charset="0"/>
+              </a:rPr>
+              <a:t> </a:t>
+            </a:r>
+            <a:r>
+              <a:rPr kumimoji="0" lang="en-US" sz="1600" b="0" i="0" u="none" strike="noStrike" cap="none" normalizeH="0" baseline="0" dirty="0" err="1" smtClean="0">
+                <a:ln>
+                  <a:noFill/>
+                </a:ln>
+                <a:solidFill>
+                  <a:srgbClr val="2B91AF"/>
+                </a:solidFill>
+                <a:effectLst/>
+                <a:latin typeface="Consolas" pitchFamily="49" charset="0"/>
+                <a:cs typeface="Consolas" pitchFamily="49" charset="0"/>
+              </a:rPr>
+              <a:t>IEnumerable</a:t>
+            </a:r>
+            <a:r>
+              <a:rPr kumimoji="0" lang="en-US" sz="1600" b="0" i="0" u="none" strike="noStrike" cap="none" normalizeH="0" baseline="0" dirty="0" smtClean="0">
+                <a:ln>
+                  <a:noFill/>
+                </a:ln>
+                <a:solidFill>
+                  <a:srgbClr val="000000"/>
+                </a:solidFill>
+                <a:effectLst/>
+                <a:latin typeface="Consolas" pitchFamily="49" charset="0"/>
+                <a:cs typeface="Consolas" pitchFamily="49" charset="0"/>
+              </a:rPr>
+              <a:t>&lt;</a:t>
+            </a:r>
+            <a:r>
+              <a:rPr kumimoji="0" lang="en-US" sz="1600" b="0" i="0" u="none" strike="noStrike" cap="none" normalizeH="0" baseline="0" dirty="0" smtClean="0">
+                <a:ln>
+                  <a:noFill/>
+                </a:ln>
+                <a:solidFill>
+                  <a:srgbClr val="2B91AF"/>
+                </a:solidFill>
+                <a:effectLst/>
+                <a:latin typeface="Consolas" pitchFamily="49" charset="0"/>
+                <a:cs typeface="Consolas" pitchFamily="49" charset="0"/>
+              </a:rPr>
+              <a:t>Person</a:t>
+            </a:r>
+            <a:r>
+              <a:rPr kumimoji="0" lang="en-US" sz="1600" b="0" i="0" u="none" strike="noStrike" cap="none" normalizeH="0" baseline="0" dirty="0" smtClean="0">
+                <a:ln>
+                  <a:noFill/>
+                </a:ln>
+                <a:solidFill>
+                  <a:srgbClr val="000000"/>
+                </a:solidFill>
+                <a:effectLst/>
+                <a:latin typeface="Consolas" pitchFamily="49" charset="0"/>
+                <a:cs typeface="Consolas" pitchFamily="49" charset="0"/>
+              </a:rPr>
+              <a:t>&gt; Get()         </a:t>
+            </a:r>
+          </a:p>
+          <a:p>
+            <a:pPr marL="0" marR="0" lvl="0" indent="0" algn="l" defTabSz="914400" rtl="0" eaLnBrk="1" fontAlgn="base" latinLnBrk="0" hangingPunct="1">
+              <a:lnSpc>
+                <a:spcPct val="100000"/>
+              </a:lnSpc>
+              <a:spcBef>
+                <a:spcPct val="0"/>
+              </a:spcBef>
+              <a:spcAft>
+                <a:spcPct val="0"/>
+              </a:spcAft>
+              <a:buClrTx/>
+              <a:buSzTx/>
+              <a:buFontTx/>
+              <a:buNone/>
+              <a:tabLst/>
+            </a:pPr>
+            <a:r>
+              <a:rPr lang="en-US" sz="1600" dirty="0" smtClean="0">
+                <a:solidFill>
+                  <a:srgbClr val="000000"/>
+                </a:solidFill>
+                <a:latin typeface="Consolas" pitchFamily="49" charset="0"/>
+                <a:cs typeface="Consolas" pitchFamily="49" charset="0"/>
+              </a:rPr>
+              <a:t>	</a:t>
+            </a:r>
+            <a:r>
+              <a:rPr kumimoji="0" lang="en-US" sz="1600" b="0" i="0" u="none" strike="noStrike" cap="none" normalizeH="0" baseline="0" dirty="0" smtClean="0">
+                <a:ln>
+                  <a:noFill/>
+                </a:ln>
+                <a:solidFill>
+                  <a:srgbClr val="000000"/>
+                </a:solidFill>
+                <a:effectLst/>
+                <a:latin typeface="Consolas" pitchFamily="49" charset="0"/>
+                <a:cs typeface="Consolas" pitchFamily="49" charset="0"/>
+              </a:rPr>
+              <a:t>{             </a:t>
+            </a:r>
+          </a:p>
+          <a:p>
+            <a:pPr marL="0" marR="0" lvl="0" indent="0" algn="l" defTabSz="914400" rtl="0" eaLnBrk="1" fontAlgn="base" latinLnBrk="0" hangingPunct="1">
+              <a:lnSpc>
+                <a:spcPct val="100000"/>
+              </a:lnSpc>
+              <a:spcBef>
+                <a:spcPct val="0"/>
+              </a:spcBef>
+              <a:spcAft>
+                <a:spcPct val="0"/>
+              </a:spcAft>
+              <a:buClrTx/>
+              <a:buSzTx/>
+              <a:buFontTx/>
+              <a:buNone/>
+              <a:tabLst/>
+            </a:pPr>
+            <a:r>
+              <a:rPr lang="en-US" sz="1600" dirty="0" smtClean="0">
+                <a:solidFill>
+                  <a:srgbClr val="000000"/>
+                </a:solidFill>
+                <a:latin typeface="Consolas" pitchFamily="49" charset="0"/>
+                <a:cs typeface="Consolas" pitchFamily="49" charset="0"/>
+              </a:rPr>
+              <a:t>		</a:t>
+            </a:r>
+            <a:r>
+              <a:rPr kumimoji="0" lang="en-US" sz="1600" b="0" i="0" u="none" strike="noStrike" cap="none" normalizeH="0" baseline="0" dirty="0" smtClean="0">
+                <a:ln>
+                  <a:noFill/>
+                </a:ln>
+                <a:solidFill>
+                  <a:srgbClr val="0000FF"/>
+                </a:solidFill>
+                <a:effectLst/>
+                <a:latin typeface="Consolas" pitchFamily="49" charset="0"/>
+                <a:cs typeface="Consolas" pitchFamily="49" charset="0"/>
+              </a:rPr>
+              <a:t>return</a:t>
+            </a:r>
+            <a:r>
+              <a:rPr kumimoji="0" lang="en-US" sz="1600" b="0" i="0" u="none" strike="noStrike" cap="none" normalizeH="0" baseline="0" dirty="0" smtClean="0">
+                <a:ln>
+                  <a:noFill/>
+                </a:ln>
+                <a:solidFill>
+                  <a:srgbClr val="000000"/>
+                </a:solidFill>
+                <a:effectLst/>
+                <a:latin typeface="Consolas" pitchFamily="49" charset="0"/>
+                <a:cs typeface="Consolas" pitchFamily="49" charset="0"/>
+              </a:rPr>
+              <a:t> _persons;         </a:t>
+            </a:r>
+          </a:p>
+          <a:p>
+            <a:pPr marL="0" marR="0" lvl="0" indent="0" algn="l" defTabSz="914400" rtl="0" eaLnBrk="1" fontAlgn="base" latinLnBrk="0" hangingPunct="1">
+              <a:lnSpc>
+                <a:spcPct val="100000"/>
+              </a:lnSpc>
+              <a:spcBef>
+                <a:spcPct val="0"/>
+              </a:spcBef>
+              <a:spcAft>
+                <a:spcPct val="0"/>
+              </a:spcAft>
+              <a:buClrTx/>
+              <a:buSzTx/>
+              <a:buFontTx/>
+              <a:buNone/>
+              <a:tabLst/>
+            </a:pPr>
+            <a:r>
+              <a:rPr lang="en-US" sz="1600" dirty="0" smtClean="0">
+                <a:solidFill>
+                  <a:srgbClr val="000000"/>
+                </a:solidFill>
+                <a:latin typeface="Consolas" pitchFamily="49" charset="0"/>
+                <a:cs typeface="Consolas" pitchFamily="49" charset="0"/>
+              </a:rPr>
+              <a:t>	</a:t>
+            </a:r>
+            <a:r>
+              <a:rPr kumimoji="0" lang="en-US" sz="1600" b="0" i="0" u="none" strike="noStrike" cap="none" normalizeH="0" baseline="0" dirty="0" smtClean="0">
+                <a:ln>
+                  <a:noFill/>
+                </a:ln>
+                <a:solidFill>
+                  <a:srgbClr val="000000"/>
+                </a:solidFill>
+                <a:effectLst/>
+                <a:latin typeface="Consolas" pitchFamily="49" charset="0"/>
+                <a:cs typeface="Consolas" pitchFamily="49" charset="0"/>
+              </a:rPr>
+              <a:t>}     </a:t>
+            </a:r>
+          </a:p>
+          <a:p>
+            <a:pPr marL="0" marR="0" lvl="0" indent="0" algn="l" defTabSz="914400" rtl="0" eaLnBrk="1" fontAlgn="base" latinLnBrk="0" hangingPunct="1">
+              <a:lnSpc>
+                <a:spcPct val="100000"/>
+              </a:lnSpc>
+              <a:spcBef>
+                <a:spcPct val="0"/>
+              </a:spcBef>
+              <a:spcAft>
+                <a:spcPct val="0"/>
+              </a:spcAft>
+              <a:buClrTx/>
+              <a:buSzTx/>
+              <a:buFontTx/>
+              <a:buNone/>
+              <a:tabLst/>
+            </a:pPr>
+            <a:r>
+              <a:rPr kumimoji="0" lang="en-US" sz="1600" b="0" i="0" u="none" strike="noStrike" cap="none" normalizeH="0" baseline="0" dirty="0" smtClean="0">
+                <a:ln>
+                  <a:noFill/>
+                </a:ln>
+                <a:solidFill>
+                  <a:srgbClr val="000000"/>
+                </a:solidFill>
+                <a:effectLst/>
+                <a:latin typeface="Consolas" pitchFamily="49" charset="0"/>
+                <a:cs typeface="Consolas" pitchFamily="49" charset="0"/>
+              </a:rPr>
+              <a:t>}</a:t>
+            </a:r>
+            <a:endParaRPr kumimoji="0" lang="en-US" sz="1600" b="0" i="0" u="none" strike="noStrike" cap="none" normalizeH="0" baseline="0" dirty="0" smtClean="0">
+              <a:ln>
+                <a:noFill/>
+              </a:ln>
+              <a:solidFill>
+                <a:schemeClr val="tx1"/>
+              </a:solidFill>
+              <a:effectLst/>
+              <a:latin typeface="Arial" pitchFamily="34" charset="0"/>
+              <a:cs typeface="Arial" pitchFamily="34" charset="0"/>
+            </a:endParaRPr>
+          </a:p>
+        </p:txBody>
+      </p:sp>
+      <p:sp>
+        <p:nvSpPr>
+          <p:cNvPr id="32769" name="Rectangle 1"/>
+          <p:cNvSpPr>
+            <a:spLocks noChangeArrowheads="1"/>
+          </p:cNvSpPr>
+          <p:nvPr/>
+        </p:nvSpPr>
+        <p:spPr bwMode="auto">
+          <a:xfrm>
+            <a:off x="0" y="43934"/>
+            <a:ext cx="184731" cy="369332"/>
+          </a:xfrm>
+          <a:prstGeom prst="rect">
+            <a:avLst/>
+          </a:prstGeom>
+          <a:solidFill>
+            <a:srgbClr val="FFFFFF"/>
+          </a:solidFill>
+          <a:ln w="9525">
+            <a:noFill/>
+            <a:miter lim="800000"/>
+            <a:headEnd/>
+            <a:tailEnd/>
+          </a:ln>
+          <a:effectLst/>
+        </p:spPr>
+        <p:txBody>
+          <a:bodyPr vert="horz" wrap="none" lIns="91440" tIns="45720" rIns="91440" bIns="45720" numCol="1" anchor="ctr" anchorCtr="0" compatLnSpc="1">
+            <a:prstTxWarp prst="textNoShape">
+              <a:avLst/>
+            </a:prstTxWarp>
+            <a:spAutoFit/>
+          </a:bodyPr>
+          <a:lstStyle/>
+          <a:p>
+            <a:pPr marL="0" marR="0" lvl="0" indent="0" algn="l" defTabSz="914400" rtl="0" eaLnBrk="1" fontAlgn="base" latinLnBrk="0" hangingPunct="1">
+              <a:lnSpc>
+                <a:spcPct val="100000"/>
+              </a:lnSpc>
+              <a:spcBef>
+                <a:spcPct val="0"/>
+              </a:spcBef>
+              <a:spcAft>
+                <a:spcPct val="0"/>
+              </a:spcAft>
+              <a:buClrTx/>
+              <a:buSzTx/>
+              <a:buFontTx/>
+              <a:buNone/>
+              <a:tabLst/>
+            </a:pPr>
+            <a:endParaRPr kumimoji="0" lang="en-US" sz="1800" b="0" i="0" u="none" strike="noStrike" cap="none" normalizeH="0" baseline="0" dirty="0" smtClean="0">
+              <a:ln>
+                <a:noFill/>
+              </a:ln>
+              <a:solidFill>
+                <a:schemeClr val="tx1"/>
+              </a:solidFill>
+              <a:effectLst/>
+              <a:latin typeface="Arial" pitchFamily="34" charset="0"/>
+              <a:cs typeface="Arial" pitchFamily="34" charset="0"/>
+            </a:endParaRPr>
+          </a:p>
+        </p:txBody>
+      </p:sp>
+      <p:sp>
+        <p:nvSpPr>
+          <p:cNvPr id="7" name="Rectangle 1"/>
+          <p:cNvSpPr>
+            <a:spLocks noChangeArrowheads="1"/>
+          </p:cNvSpPr>
+          <p:nvPr/>
+        </p:nvSpPr>
+        <p:spPr bwMode="auto">
+          <a:xfrm>
+            <a:off x="499873" y="3476062"/>
+            <a:ext cx="8231434" cy="2800767"/>
+          </a:xfrm>
+          <a:prstGeom prst="rect">
+            <a:avLst/>
+          </a:prstGeom>
+          <a:solidFill>
+            <a:srgbClr val="FFFFFF"/>
+          </a:solidFill>
+          <a:ln w="9525">
+            <a:solidFill>
+              <a:schemeClr val="accent1"/>
+            </a:solidFill>
+            <a:miter lim="800000"/>
+            <a:headEnd/>
+            <a:tailEnd/>
+          </a:ln>
+          <a:effectLst/>
+        </p:spPr>
+        <p:txBody>
+          <a:bodyPr vert="horz" wrap="square" lIns="91440" tIns="45720" rIns="91440" bIns="45720" numCol="1" anchor="ctr" anchorCtr="0" compatLnSpc="1">
+            <a:prstTxWarp prst="textNoShape">
+              <a:avLst/>
+            </a:prstTxWarp>
+            <a:spAutoFit/>
+          </a:bodyPr>
+          <a:lstStyle/>
+          <a:p>
+            <a:pPr marL="0" marR="0" lvl="0" indent="0" algn="l" defTabSz="914400" rtl="0" eaLnBrk="1" fontAlgn="base" latinLnBrk="0" hangingPunct="1">
+              <a:lnSpc>
+                <a:spcPct val="100000"/>
+              </a:lnSpc>
+              <a:spcBef>
+                <a:spcPct val="0"/>
+              </a:spcBef>
+              <a:spcAft>
+                <a:spcPct val="0"/>
+              </a:spcAft>
+              <a:buClrTx/>
+              <a:buSzTx/>
+              <a:buFontTx/>
+              <a:buNone/>
+              <a:tabLst/>
+            </a:pPr>
+            <a:r>
+              <a:rPr kumimoji="0" lang="en-US" sz="1600" b="0" i="0" u="none" strike="noStrike" cap="none" normalizeH="0" baseline="0" dirty="0" smtClean="0">
+                <a:ln>
+                  <a:noFill/>
+                </a:ln>
+                <a:solidFill>
+                  <a:srgbClr val="0000FF"/>
+                </a:solidFill>
+                <a:effectLst/>
+                <a:latin typeface="Consolas" pitchFamily="49" charset="0"/>
+                <a:cs typeface="Consolas" pitchFamily="49" charset="0"/>
+              </a:rPr>
+              <a:t>public</a:t>
+            </a:r>
+            <a:r>
+              <a:rPr kumimoji="0" lang="en-US" sz="1600" b="0" i="0" u="none" strike="noStrike" cap="none" normalizeH="0" baseline="0" dirty="0" smtClean="0">
+                <a:ln>
+                  <a:noFill/>
+                </a:ln>
+                <a:solidFill>
+                  <a:srgbClr val="000000"/>
+                </a:solidFill>
+                <a:effectLst/>
+                <a:latin typeface="Consolas" pitchFamily="49" charset="0"/>
+                <a:cs typeface="Consolas" pitchFamily="49" charset="0"/>
+              </a:rPr>
+              <a:t> </a:t>
+            </a:r>
+            <a:r>
+              <a:rPr kumimoji="0" lang="en-US" sz="1600" b="0" i="0" u="none" strike="noStrike" cap="none" normalizeH="0" baseline="0" dirty="0" smtClean="0">
+                <a:ln>
+                  <a:noFill/>
+                </a:ln>
+                <a:solidFill>
+                  <a:srgbClr val="0000FF"/>
+                </a:solidFill>
+                <a:effectLst/>
+                <a:latin typeface="Consolas" pitchFamily="49" charset="0"/>
+                <a:cs typeface="Consolas" pitchFamily="49" charset="0"/>
+              </a:rPr>
+              <a:t>class</a:t>
+            </a:r>
+            <a:r>
+              <a:rPr kumimoji="0" lang="en-US" sz="1600" b="0" i="0" u="none" strike="noStrike" cap="none" normalizeH="0" baseline="0" dirty="0" smtClean="0">
+                <a:ln>
+                  <a:noFill/>
+                </a:ln>
+                <a:solidFill>
+                  <a:srgbClr val="000000"/>
+                </a:solidFill>
+                <a:effectLst/>
+                <a:latin typeface="Consolas" pitchFamily="49" charset="0"/>
+                <a:cs typeface="Consolas" pitchFamily="49" charset="0"/>
+              </a:rPr>
+              <a:t> </a:t>
+            </a:r>
+            <a:r>
+              <a:rPr kumimoji="0" lang="en-US" sz="1600" b="0" i="0" u="none" strike="noStrike" cap="none" normalizeH="0" baseline="0" dirty="0" err="1" smtClean="0">
+                <a:ln>
+                  <a:noFill/>
+                </a:ln>
+                <a:solidFill>
+                  <a:srgbClr val="2B91AF"/>
+                </a:solidFill>
+                <a:effectLst/>
+                <a:latin typeface="Consolas" pitchFamily="49" charset="0"/>
+                <a:cs typeface="Consolas" pitchFamily="49" charset="0"/>
+              </a:rPr>
+              <a:t>PersonController</a:t>
+            </a:r>
+            <a:r>
+              <a:rPr kumimoji="0" lang="en-US" sz="1600" b="0" i="0" u="none" strike="noStrike" cap="none" normalizeH="0" baseline="0" dirty="0" smtClean="0">
+                <a:ln>
+                  <a:noFill/>
+                </a:ln>
+                <a:solidFill>
+                  <a:srgbClr val="000000"/>
+                </a:solidFill>
+                <a:effectLst/>
+                <a:latin typeface="Consolas" pitchFamily="49" charset="0"/>
+                <a:cs typeface="Consolas" pitchFamily="49" charset="0"/>
+              </a:rPr>
+              <a:t> : </a:t>
+            </a:r>
+            <a:r>
+              <a:rPr kumimoji="0" lang="en-US" sz="1600" b="0" i="0" u="none" strike="noStrike" cap="none" normalizeH="0" baseline="0" dirty="0" smtClean="0">
+                <a:ln>
+                  <a:noFill/>
+                </a:ln>
+                <a:solidFill>
+                  <a:srgbClr val="2B91AF"/>
+                </a:solidFill>
+                <a:effectLst/>
+                <a:latin typeface="Consolas" pitchFamily="49" charset="0"/>
+                <a:cs typeface="Consolas" pitchFamily="49" charset="0"/>
+              </a:rPr>
+              <a:t>ApiController</a:t>
+            </a:r>
+            <a:r>
+              <a:rPr kumimoji="0" lang="en-US" sz="1600" b="0" i="0" u="none" strike="noStrike" cap="none" normalizeH="0" baseline="0" dirty="0" smtClean="0">
+                <a:ln>
+                  <a:noFill/>
+                </a:ln>
+                <a:solidFill>
+                  <a:srgbClr val="000000"/>
+                </a:solidFill>
+                <a:effectLst/>
+                <a:latin typeface="Consolas" pitchFamily="49" charset="0"/>
+                <a:cs typeface="Consolas" pitchFamily="49" charset="0"/>
+              </a:rPr>
+              <a:t>     </a:t>
+            </a:r>
+          </a:p>
+          <a:p>
+            <a:pPr marL="0" marR="0" lvl="0" indent="0" algn="l" defTabSz="914400" rtl="0" eaLnBrk="1" fontAlgn="base" latinLnBrk="0" hangingPunct="1">
+              <a:lnSpc>
+                <a:spcPct val="100000"/>
+              </a:lnSpc>
+              <a:spcBef>
+                <a:spcPct val="0"/>
+              </a:spcBef>
+              <a:spcAft>
+                <a:spcPct val="0"/>
+              </a:spcAft>
+              <a:buClrTx/>
+              <a:buSzTx/>
+              <a:buFontTx/>
+              <a:buNone/>
+              <a:tabLst/>
+            </a:pPr>
+            <a:r>
+              <a:rPr kumimoji="0" lang="en-US" sz="1600" b="0" i="0" u="none" strike="noStrike" cap="none" normalizeH="0" baseline="0" dirty="0" smtClean="0">
+                <a:ln>
+                  <a:noFill/>
+                </a:ln>
+                <a:solidFill>
+                  <a:srgbClr val="000000"/>
+                </a:solidFill>
+                <a:effectLst/>
+                <a:latin typeface="Consolas" pitchFamily="49" charset="0"/>
+                <a:cs typeface="Consolas" pitchFamily="49" charset="0"/>
+              </a:rPr>
+              <a:t>{         </a:t>
+            </a:r>
+          </a:p>
+          <a:p>
+            <a:pPr marL="0" marR="0" lvl="0" indent="0" algn="l" defTabSz="914400" rtl="0" eaLnBrk="1" fontAlgn="base" latinLnBrk="0" hangingPunct="1">
+              <a:lnSpc>
+                <a:spcPct val="100000"/>
+              </a:lnSpc>
+              <a:spcBef>
+                <a:spcPct val="0"/>
+              </a:spcBef>
+              <a:spcAft>
+                <a:spcPct val="0"/>
+              </a:spcAft>
+              <a:buClrTx/>
+              <a:buSzTx/>
+              <a:buFontTx/>
+              <a:buNone/>
+              <a:tabLst/>
+            </a:pPr>
+            <a:r>
+              <a:rPr lang="en-US" sz="1600" dirty="0" smtClean="0">
+                <a:solidFill>
+                  <a:srgbClr val="000000"/>
+                </a:solidFill>
+                <a:latin typeface="Consolas" pitchFamily="49" charset="0"/>
+                <a:cs typeface="Consolas" pitchFamily="49" charset="0"/>
+              </a:rPr>
+              <a:t>	</a:t>
+            </a:r>
+            <a:r>
+              <a:rPr kumimoji="0" lang="en-US" sz="1600" b="0" i="0" u="none" strike="noStrike" cap="none" normalizeH="0" baseline="0" dirty="0" smtClean="0">
+                <a:ln>
+                  <a:noFill/>
+                </a:ln>
+                <a:solidFill>
+                  <a:srgbClr val="0000FF"/>
+                </a:solidFill>
+                <a:effectLst/>
+                <a:latin typeface="Consolas" pitchFamily="49" charset="0"/>
+                <a:cs typeface="Consolas" pitchFamily="49" charset="0"/>
+              </a:rPr>
+              <a:t>private</a:t>
+            </a:r>
+            <a:r>
+              <a:rPr kumimoji="0" lang="en-US" sz="1600" b="0" i="0" u="none" strike="noStrike" cap="none" normalizeH="0" baseline="0" dirty="0" smtClean="0">
+                <a:ln>
+                  <a:noFill/>
+                </a:ln>
+                <a:solidFill>
+                  <a:srgbClr val="000000"/>
+                </a:solidFill>
+                <a:effectLst/>
+                <a:latin typeface="Consolas" pitchFamily="49" charset="0"/>
+                <a:cs typeface="Consolas" pitchFamily="49" charset="0"/>
+              </a:rPr>
+              <a:t> </a:t>
+            </a:r>
+            <a:r>
+              <a:rPr kumimoji="0" lang="en-US" sz="1600" b="0" i="0" u="none" strike="noStrike" cap="none" normalizeH="0" baseline="0" dirty="0" err="1" smtClean="0">
+                <a:ln>
+                  <a:noFill/>
+                </a:ln>
+                <a:solidFill>
+                  <a:srgbClr val="2B91AF"/>
+                </a:solidFill>
+                <a:effectLst/>
+                <a:latin typeface="Consolas" pitchFamily="49" charset="0"/>
+                <a:cs typeface="Consolas" pitchFamily="49" charset="0"/>
+              </a:rPr>
+              <a:t>IEnumerable</a:t>
+            </a:r>
+            <a:r>
+              <a:rPr kumimoji="0" lang="en-US" sz="1600" b="0" i="0" u="none" strike="noStrike" cap="none" normalizeH="0" baseline="0" dirty="0" smtClean="0">
+                <a:ln>
+                  <a:noFill/>
+                </a:ln>
+                <a:solidFill>
+                  <a:srgbClr val="000000"/>
+                </a:solidFill>
+                <a:effectLst/>
+                <a:latin typeface="Consolas" pitchFamily="49" charset="0"/>
+                <a:cs typeface="Consolas" pitchFamily="49" charset="0"/>
+              </a:rPr>
+              <a:t>&lt;</a:t>
+            </a:r>
+            <a:r>
+              <a:rPr kumimoji="0" lang="en-US" sz="1600" b="0" i="0" u="none" strike="noStrike" cap="none" normalizeH="0" baseline="0" dirty="0" smtClean="0">
+                <a:ln>
+                  <a:noFill/>
+                </a:ln>
+                <a:solidFill>
+                  <a:srgbClr val="2B91AF"/>
+                </a:solidFill>
+                <a:effectLst/>
+                <a:latin typeface="Consolas" pitchFamily="49" charset="0"/>
+                <a:cs typeface="Consolas" pitchFamily="49" charset="0"/>
+              </a:rPr>
+              <a:t>Person</a:t>
+            </a:r>
+            <a:r>
+              <a:rPr kumimoji="0" lang="en-US" sz="1600" b="0" i="0" u="none" strike="noStrike" cap="none" normalizeH="0" baseline="0" dirty="0" smtClean="0">
+                <a:ln>
+                  <a:noFill/>
+                </a:ln>
+                <a:solidFill>
+                  <a:srgbClr val="000000"/>
+                </a:solidFill>
+                <a:effectLst/>
+                <a:latin typeface="Consolas" pitchFamily="49" charset="0"/>
+                <a:cs typeface="Consolas" pitchFamily="49" charset="0"/>
+              </a:rPr>
+              <a:t>&gt; _persons = </a:t>
+            </a:r>
+            <a:r>
+              <a:rPr kumimoji="0" lang="en-US" sz="1600" b="0" i="0" u="none" strike="noStrike" cap="none" normalizeH="0" baseline="0" dirty="0" smtClean="0">
+                <a:ln>
+                  <a:noFill/>
+                </a:ln>
+                <a:solidFill>
+                  <a:srgbClr val="0000FF"/>
+                </a:solidFill>
+                <a:effectLst/>
+                <a:latin typeface="Consolas" pitchFamily="49" charset="0"/>
+                <a:cs typeface="Consolas" pitchFamily="49" charset="0"/>
+              </a:rPr>
+              <a:t>new</a:t>
+            </a:r>
+            <a:r>
+              <a:rPr kumimoji="0" lang="en-US" sz="1600" b="0" i="0" u="none" strike="noStrike" cap="none" normalizeH="0" baseline="0" dirty="0" smtClean="0">
+                <a:ln>
+                  <a:noFill/>
+                </a:ln>
+                <a:solidFill>
+                  <a:srgbClr val="000000"/>
+                </a:solidFill>
+                <a:effectLst/>
+                <a:latin typeface="Consolas" pitchFamily="49" charset="0"/>
+                <a:cs typeface="Consolas" pitchFamily="49" charset="0"/>
+              </a:rPr>
+              <a:t> </a:t>
+            </a:r>
+            <a:r>
+              <a:rPr kumimoji="0" lang="en-US" sz="1600" b="0" i="0" u="none" strike="noStrike" cap="none" normalizeH="0" baseline="0" dirty="0" smtClean="0">
+                <a:ln>
+                  <a:noFill/>
+                </a:ln>
+                <a:solidFill>
+                  <a:srgbClr val="2B91AF"/>
+                </a:solidFill>
+                <a:effectLst/>
+                <a:latin typeface="Consolas" pitchFamily="49" charset="0"/>
+                <a:cs typeface="Consolas" pitchFamily="49" charset="0"/>
+              </a:rPr>
+              <a:t>List</a:t>
+            </a:r>
+            <a:r>
+              <a:rPr kumimoji="0" lang="en-US" sz="1600" b="0" i="0" u="none" strike="noStrike" cap="none" normalizeH="0" baseline="0" dirty="0" smtClean="0">
+                <a:ln>
+                  <a:noFill/>
+                </a:ln>
+                <a:solidFill>
+                  <a:srgbClr val="000000"/>
+                </a:solidFill>
+                <a:effectLst/>
+                <a:latin typeface="Consolas" pitchFamily="49" charset="0"/>
+                <a:cs typeface="Consolas" pitchFamily="49" charset="0"/>
+              </a:rPr>
+              <a:t>&lt;</a:t>
+            </a:r>
+            <a:r>
+              <a:rPr kumimoji="0" lang="en-US" sz="1600" b="0" i="0" u="none" strike="noStrike" cap="none" normalizeH="0" baseline="0" dirty="0" smtClean="0">
+                <a:ln>
+                  <a:noFill/>
+                </a:ln>
+                <a:solidFill>
+                  <a:srgbClr val="2B91AF"/>
+                </a:solidFill>
+                <a:effectLst/>
+                <a:latin typeface="Consolas" pitchFamily="49" charset="0"/>
+                <a:cs typeface="Consolas" pitchFamily="49" charset="0"/>
+              </a:rPr>
+              <a:t>Person</a:t>
+            </a:r>
+            <a:r>
+              <a:rPr kumimoji="0" lang="en-US" sz="1600" b="0" i="0" u="none" strike="noStrike" cap="none" normalizeH="0" baseline="0" dirty="0" smtClean="0">
+                <a:ln>
+                  <a:noFill/>
+                </a:ln>
+                <a:solidFill>
+                  <a:srgbClr val="000000"/>
+                </a:solidFill>
+                <a:effectLst/>
+                <a:latin typeface="Consolas" pitchFamily="49" charset="0"/>
+                <a:cs typeface="Consolas" pitchFamily="49" charset="0"/>
+              </a:rPr>
+              <a:t>&gt;();         </a:t>
+            </a:r>
+          </a:p>
+          <a:p>
+            <a:pPr marL="0" marR="0" lvl="0" indent="0" algn="l" defTabSz="914400" rtl="0" eaLnBrk="1" fontAlgn="base" latinLnBrk="0" hangingPunct="1">
+              <a:lnSpc>
+                <a:spcPct val="100000"/>
+              </a:lnSpc>
+              <a:spcBef>
+                <a:spcPct val="0"/>
+              </a:spcBef>
+              <a:spcAft>
+                <a:spcPct val="0"/>
+              </a:spcAft>
+              <a:buClrTx/>
+              <a:buSzTx/>
+              <a:buFontTx/>
+              <a:buNone/>
+              <a:tabLst/>
+            </a:pPr>
+            <a:r>
+              <a:rPr kumimoji="0" lang="en-US" sz="1600" b="0" i="0" u="none" strike="noStrike" cap="none" normalizeH="0" baseline="0" dirty="0" smtClean="0">
+                <a:ln>
+                  <a:noFill/>
+                </a:ln>
+                <a:solidFill>
+                  <a:srgbClr val="0000FF"/>
+                </a:solidFill>
+                <a:effectLst/>
+                <a:latin typeface="Consolas" pitchFamily="49" charset="0"/>
+                <a:cs typeface="Consolas" pitchFamily="49" charset="0"/>
+              </a:rPr>
+              <a:t>	</a:t>
+            </a:r>
+          </a:p>
+          <a:p>
+            <a:pPr defTabSz="914400" fontAlgn="base">
+              <a:spcBef>
+                <a:spcPct val="0"/>
+              </a:spcBef>
+              <a:spcAft>
+                <a:spcPct val="0"/>
+              </a:spcAft>
+            </a:pPr>
+            <a:r>
+              <a:rPr lang="en-US" sz="1600" dirty="0" smtClean="0">
+                <a:solidFill>
+                  <a:srgbClr val="000000"/>
+                </a:solidFill>
+                <a:latin typeface="Consolas" pitchFamily="49" charset="0"/>
+                <a:cs typeface="Consolas" pitchFamily="49" charset="0"/>
+              </a:rPr>
+              <a:t> 	[</a:t>
+            </a:r>
+            <a:r>
+              <a:rPr lang="en-US" sz="1600" dirty="0" err="1" smtClean="0">
+                <a:solidFill>
+                  <a:srgbClr val="2B91AF"/>
+                </a:solidFill>
+                <a:latin typeface="Consolas" pitchFamily="49" charset="0"/>
+                <a:cs typeface="Consolas" pitchFamily="49" charset="0"/>
+              </a:rPr>
+              <a:t>HttpGet</a:t>
+            </a:r>
+            <a:r>
+              <a:rPr lang="en-US" sz="1600" dirty="0" smtClean="0">
+                <a:solidFill>
+                  <a:srgbClr val="000000"/>
+                </a:solidFill>
+                <a:latin typeface="Consolas" pitchFamily="49" charset="0"/>
+                <a:cs typeface="Consolas" pitchFamily="49" charset="0"/>
+              </a:rPr>
+              <a:t>] </a:t>
+            </a:r>
+            <a:endParaRPr kumimoji="0" lang="en-US" sz="1600" b="0" i="0" u="none" strike="noStrike" cap="none" normalizeH="0" baseline="0" dirty="0" smtClean="0">
+              <a:ln>
+                <a:noFill/>
+              </a:ln>
+              <a:solidFill>
+                <a:srgbClr val="0000FF"/>
+              </a:solidFill>
+              <a:effectLst/>
+              <a:latin typeface="Consolas" pitchFamily="49" charset="0"/>
+              <a:cs typeface="Consolas" pitchFamily="49" charset="0"/>
+            </a:endParaRPr>
+          </a:p>
+          <a:p>
+            <a:pPr marL="0" marR="0" lvl="0" indent="0" algn="l" defTabSz="914400" rtl="0" eaLnBrk="1" fontAlgn="base" latinLnBrk="0" hangingPunct="1">
+              <a:lnSpc>
+                <a:spcPct val="100000"/>
+              </a:lnSpc>
+              <a:spcBef>
+                <a:spcPct val="0"/>
+              </a:spcBef>
+              <a:spcAft>
+                <a:spcPct val="0"/>
+              </a:spcAft>
+              <a:buClrTx/>
+              <a:buSzTx/>
+              <a:buFontTx/>
+              <a:buNone/>
+              <a:tabLst/>
+            </a:pPr>
+            <a:r>
+              <a:rPr lang="en-US" sz="1600" dirty="0" smtClean="0">
+                <a:solidFill>
+                  <a:srgbClr val="0000FF"/>
+                </a:solidFill>
+                <a:latin typeface="Consolas" pitchFamily="49" charset="0"/>
+                <a:cs typeface="Consolas" pitchFamily="49" charset="0"/>
+              </a:rPr>
+              <a:t>	</a:t>
+            </a:r>
+            <a:r>
+              <a:rPr kumimoji="0" lang="en-US" sz="1600" b="0" i="0" u="none" strike="noStrike" cap="none" normalizeH="0" baseline="0" dirty="0" smtClean="0">
+                <a:ln>
+                  <a:noFill/>
+                </a:ln>
+                <a:solidFill>
+                  <a:srgbClr val="0000FF"/>
+                </a:solidFill>
+                <a:effectLst/>
+                <a:latin typeface="Consolas" pitchFamily="49" charset="0"/>
+                <a:cs typeface="Consolas" pitchFamily="49" charset="0"/>
+              </a:rPr>
+              <a:t>public</a:t>
+            </a:r>
+            <a:r>
+              <a:rPr kumimoji="0" lang="en-US" sz="1600" b="0" i="0" u="none" strike="noStrike" cap="none" normalizeH="0" baseline="0" dirty="0" smtClean="0">
+                <a:ln>
+                  <a:noFill/>
+                </a:ln>
+                <a:solidFill>
+                  <a:srgbClr val="000000"/>
+                </a:solidFill>
+                <a:effectLst/>
+                <a:latin typeface="Consolas" pitchFamily="49" charset="0"/>
+                <a:cs typeface="Consolas" pitchFamily="49" charset="0"/>
+              </a:rPr>
+              <a:t> </a:t>
+            </a:r>
+            <a:r>
+              <a:rPr kumimoji="0" lang="en-US" sz="1600" b="0" i="0" u="none" strike="noStrike" cap="none" normalizeH="0" baseline="0" dirty="0" err="1" smtClean="0">
+                <a:ln>
+                  <a:noFill/>
+                </a:ln>
+                <a:solidFill>
+                  <a:srgbClr val="2B91AF"/>
+                </a:solidFill>
+                <a:effectLst/>
+                <a:latin typeface="Consolas" pitchFamily="49" charset="0"/>
+                <a:cs typeface="Consolas" pitchFamily="49" charset="0"/>
+              </a:rPr>
+              <a:t>IEnumerable</a:t>
+            </a:r>
+            <a:r>
+              <a:rPr kumimoji="0" lang="en-US" sz="1600" b="0" i="0" u="none" strike="noStrike" cap="none" normalizeH="0" baseline="0" dirty="0" smtClean="0">
+                <a:ln>
+                  <a:noFill/>
+                </a:ln>
+                <a:solidFill>
+                  <a:srgbClr val="000000"/>
+                </a:solidFill>
+                <a:effectLst/>
+                <a:latin typeface="Consolas" pitchFamily="49" charset="0"/>
+                <a:cs typeface="Consolas" pitchFamily="49" charset="0"/>
+              </a:rPr>
+              <a:t>&lt;</a:t>
+            </a:r>
+            <a:r>
+              <a:rPr kumimoji="0" lang="en-US" sz="1600" b="0" i="0" u="none" strike="noStrike" cap="none" normalizeH="0" baseline="0" dirty="0" smtClean="0">
+                <a:ln>
+                  <a:noFill/>
+                </a:ln>
+                <a:solidFill>
+                  <a:srgbClr val="2B91AF"/>
+                </a:solidFill>
+                <a:effectLst/>
+                <a:latin typeface="Consolas" pitchFamily="49" charset="0"/>
+                <a:cs typeface="Consolas" pitchFamily="49" charset="0"/>
+              </a:rPr>
+              <a:t>Person</a:t>
+            </a:r>
+            <a:r>
+              <a:rPr kumimoji="0" lang="en-US" sz="1600" b="0" i="0" u="none" strike="noStrike" cap="none" normalizeH="0" baseline="0" dirty="0" smtClean="0">
+                <a:ln>
+                  <a:noFill/>
+                </a:ln>
+                <a:solidFill>
+                  <a:srgbClr val="000000"/>
+                </a:solidFill>
+                <a:effectLst/>
+                <a:latin typeface="Consolas" pitchFamily="49" charset="0"/>
+                <a:cs typeface="Consolas" pitchFamily="49" charset="0"/>
+              </a:rPr>
+              <a:t>&gt; </a:t>
+            </a:r>
+            <a:r>
+              <a:rPr kumimoji="0" lang="en-US" sz="1600" b="0" i="0" u="none" strike="noStrike" cap="none" normalizeH="0" baseline="0" dirty="0" err="1" smtClean="0">
+                <a:ln>
+                  <a:noFill/>
+                </a:ln>
+                <a:solidFill>
+                  <a:srgbClr val="000000"/>
+                </a:solidFill>
+                <a:effectLst/>
+                <a:latin typeface="Consolas" pitchFamily="49" charset="0"/>
+                <a:cs typeface="Consolas" pitchFamily="49" charset="0"/>
+              </a:rPr>
+              <a:t>FindAll</a:t>
+            </a:r>
+            <a:r>
+              <a:rPr kumimoji="0" lang="en-US" sz="1600" b="0" i="0" u="none" strike="noStrike" cap="none" normalizeH="0" baseline="0" dirty="0" smtClean="0">
+                <a:ln>
+                  <a:noFill/>
+                </a:ln>
+                <a:solidFill>
+                  <a:srgbClr val="000000"/>
+                </a:solidFill>
+                <a:effectLst/>
+                <a:latin typeface="Consolas" pitchFamily="49" charset="0"/>
+                <a:cs typeface="Consolas" pitchFamily="49" charset="0"/>
+              </a:rPr>
+              <a:t>()         </a:t>
+            </a:r>
+          </a:p>
+          <a:p>
+            <a:pPr marL="0" marR="0" lvl="0" indent="0" algn="l" defTabSz="914400" rtl="0" eaLnBrk="1" fontAlgn="base" latinLnBrk="0" hangingPunct="1">
+              <a:lnSpc>
+                <a:spcPct val="100000"/>
+              </a:lnSpc>
+              <a:spcBef>
+                <a:spcPct val="0"/>
+              </a:spcBef>
+              <a:spcAft>
+                <a:spcPct val="0"/>
+              </a:spcAft>
+              <a:buClrTx/>
+              <a:buSzTx/>
+              <a:buFontTx/>
+              <a:buNone/>
+              <a:tabLst/>
+            </a:pPr>
+            <a:r>
+              <a:rPr lang="en-US" sz="1600" dirty="0" smtClean="0">
+                <a:solidFill>
+                  <a:srgbClr val="000000"/>
+                </a:solidFill>
+                <a:latin typeface="Consolas" pitchFamily="49" charset="0"/>
+                <a:cs typeface="Consolas" pitchFamily="49" charset="0"/>
+              </a:rPr>
+              <a:t>	</a:t>
+            </a:r>
+            <a:r>
+              <a:rPr kumimoji="0" lang="en-US" sz="1600" b="0" i="0" u="none" strike="noStrike" cap="none" normalizeH="0" baseline="0" dirty="0" smtClean="0">
+                <a:ln>
+                  <a:noFill/>
+                </a:ln>
+                <a:solidFill>
+                  <a:srgbClr val="000000"/>
+                </a:solidFill>
+                <a:effectLst/>
+                <a:latin typeface="Consolas" pitchFamily="49" charset="0"/>
+                <a:cs typeface="Consolas" pitchFamily="49" charset="0"/>
+              </a:rPr>
+              <a:t>{             </a:t>
+            </a:r>
+          </a:p>
+          <a:p>
+            <a:pPr marL="0" marR="0" lvl="0" indent="0" algn="l" defTabSz="914400" rtl="0" eaLnBrk="1" fontAlgn="base" latinLnBrk="0" hangingPunct="1">
+              <a:lnSpc>
+                <a:spcPct val="100000"/>
+              </a:lnSpc>
+              <a:spcBef>
+                <a:spcPct val="0"/>
+              </a:spcBef>
+              <a:spcAft>
+                <a:spcPct val="0"/>
+              </a:spcAft>
+              <a:buClrTx/>
+              <a:buSzTx/>
+              <a:buFontTx/>
+              <a:buNone/>
+              <a:tabLst/>
+            </a:pPr>
+            <a:r>
+              <a:rPr lang="en-US" sz="1600" dirty="0" smtClean="0">
+                <a:solidFill>
+                  <a:srgbClr val="000000"/>
+                </a:solidFill>
+                <a:latin typeface="Consolas" pitchFamily="49" charset="0"/>
+                <a:cs typeface="Consolas" pitchFamily="49" charset="0"/>
+              </a:rPr>
+              <a:t>		</a:t>
+            </a:r>
+            <a:r>
+              <a:rPr kumimoji="0" lang="en-US" sz="1600" b="0" i="0" u="none" strike="noStrike" cap="none" normalizeH="0" baseline="0" dirty="0" smtClean="0">
+                <a:ln>
+                  <a:noFill/>
+                </a:ln>
+                <a:solidFill>
+                  <a:srgbClr val="0000FF"/>
+                </a:solidFill>
+                <a:effectLst/>
+                <a:latin typeface="Consolas" pitchFamily="49" charset="0"/>
+                <a:cs typeface="Consolas" pitchFamily="49" charset="0"/>
+              </a:rPr>
+              <a:t>return</a:t>
+            </a:r>
+            <a:r>
+              <a:rPr kumimoji="0" lang="en-US" sz="1600" b="0" i="0" u="none" strike="noStrike" cap="none" normalizeH="0" baseline="0" dirty="0" smtClean="0">
+                <a:ln>
+                  <a:noFill/>
+                </a:ln>
+                <a:solidFill>
+                  <a:srgbClr val="000000"/>
+                </a:solidFill>
+                <a:effectLst/>
+                <a:latin typeface="Consolas" pitchFamily="49" charset="0"/>
+                <a:cs typeface="Consolas" pitchFamily="49" charset="0"/>
+              </a:rPr>
+              <a:t> _persons;         </a:t>
+            </a:r>
+          </a:p>
+          <a:p>
+            <a:pPr marL="0" marR="0" lvl="0" indent="0" algn="l" defTabSz="914400" rtl="0" eaLnBrk="1" fontAlgn="base" latinLnBrk="0" hangingPunct="1">
+              <a:lnSpc>
+                <a:spcPct val="100000"/>
+              </a:lnSpc>
+              <a:spcBef>
+                <a:spcPct val="0"/>
+              </a:spcBef>
+              <a:spcAft>
+                <a:spcPct val="0"/>
+              </a:spcAft>
+              <a:buClrTx/>
+              <a:buSzTx/>
+              <a:buFontTx/>
+              <a:buNone/>
+              <a:tabLst/>
+            </a:pPr>
+            <a:r>
+              <a:rPr lang="en-US" sz="1600" dirty="0" smtClean="0">
+                <a:solidFill>
+                  <a:srgbClr val="000000"/>
+                </a:solidFill>
+                <a:latin typeface="Consolas" pitchFamily="49" charset="0"/>
+                <a:cs typeface="Consolas" pitchFamily="49" charset="0"/>
+              </a:rPr>
+              <a:t>	</a:t>
+            </a:r>
+            <a:r>
+              <a:rPr kumimoji="0" lang="en-US" sz="1600" b="0" i="0" u="none" strike="noStrike" cap="none" normalizeH="0" baseline="0" dirty="0" smtClean="0">
+                <a:ln>
+                  <a:noFill/>
+                </a:ln>
+                <a:solidFill>
+                  <a:srgbClr val="000000"/>
+                </a:solidFill>
+                <a:effectLst/>
+                <a:latin typeface="Consolas" pitchFamily="49" charset="0"/>
+                <a:cs typeface="Consolas" pitchFamily="49" charset="0"/>
+              </a:rPr>
+              <a:t>}     </a:t>
+            </a:r>
+          </a:p>
+          <a:p>
+            <a:pPr marL="0" marR="0" lvl="0" indent="0" algn="l" defTabSz="914400" rtl="0" eaLnBrk="1" fontAlgn="base" latinLnBrk="0" hangingPunct="1">
+              <a:lnSpc>
+                <a:spcPct val="100000"/>
+              </a:lnSpc>
+              <a:spcBef>
+                <a:spcPct val="0"/>
+              </a:spcBef>
+              <a:spcAft>
+                <a:spcPct val="0"/>
+              </a:spcAft>
+              <a:buClrTx/>
+              <a:buSzTx/>
+              <a:buFontTx/>
+              <a:buNone/>
+              <a:tabLst/>
+            </a:pPr>
+            <a:r>
+              <a:rPr kumimoji="0" lang="en-US" sz="1600" b="0" i="0" u="none" strike="noStrike" cap="none" normalizeH="0" baseline="0" dirty="0" smtClean="0">
+                <a:ln>
+                  <a:noFill/>
+                </a:ln>
+                <a:solidFill>
+                  <a:srgbClr val="000000"/>
+                </a:solidFill>
+                <a:effectLst/>
+                <a:latin typeface="Consolas" pitchFamily="49" charset="0"/>
+                <a:cs typeface="Consolas" pitchFamily="49" charset="0"/>
+              </a:rPr>
+              <a:t>}</a:t>
+            </a:r>
+            <a:endParaRPr kumimoji="0" lang="en-US" sz="1600" b="0" i="0" u="none" strike="noStrike" cap="none" normalizeH="0" baseline="0" dirty="0" smtClean="0">
+              <a:ln>
+                <a:noFill/>
+              </a:ln>
+              <a:solidFill>
+                <a:schemeClr val="tx1"/>
+              </a:solidFill>
+              <a:effectLst/>
+              <a:latin typeface="Arial" pitchFamily="34" charset="0"/>
+              <a:cs typeface="Arial" pitchFamily="34" charset="0"/>
+            </a:endParaRPr>
+          </a:p>
+        </p:txBody>
+      </p:sp>
+    </p:spTree>
+  </p:cSld>
+  <p:clrMapOvr>
+    <a:masterClrMapping/>
+  </p:clrMapOvr>
+  <p:transition>
+    <p:fade thruBlk="1"/>
+  </p:transition>
+  <p:timing>
+    <p:tnLst>
+      <p:par>
+        <p:cTn id="1" dur="indefinite" restart="never" nodeType="tmRoot"/>
+      </p:par>
+    </p:tnLst>
+  </p:timing>
+</p:sld>
+</file>
+
 <file path=ppt/slides/slide12.xml><?xml version="1.0" encoding="utf-8"?>
 <p:sld xmlns:a="http://schemas.openxmlformats.org/drawingml/2006/main" xmlns:r="http://schemas.openxmlformats.org/officeDocument/2006/relationships" xmlns:p="http://schemas.openxmlformats.org/presentationml/2006/main">
   <p:cSld>
@@ -13931,8 +13903,8 @@
         </p:nvSpPr>
         <p:spPr bwMode="auto">
           <a:xfrm>
-            <a:off x="499873" y="1288606"/>
-            <a:ext cx="8231434" cy="2862322"/>
+            <a:off x="499873" y="1296841"/>
+            <a:ext cx="8231434" cy="3785652"/>
           </a:xfrm>
           <a:prstGeom prst="rect">
             <a:avLst/>
@@ -13968,7 +13940,7 @@
               </a:spcAft>
             </a:pPr>
             <a:r>
-              <a:rPr lang="nb-NO" sz="1200" dirty="0">
+              <a:rPr lang="nb-NO" sz="1600" dirty="0">
                 <a:solidFill>
                   <a:srgbClr val="000000"/>
                 </a:solidFill>
@@ -13980,7 +13952,7 @@
               <a:t>[</a:t>
             </a:r>
             <a:r>
-              <a:rPr lang="nb-NO" sz="1200" dirty="0">
+              <a:rPr lang="nb-NO" sz="1600" dirty="0">
                 <a:solidFill>
                   <a:srgbClr val="2B91AF"/>
                 </a:solidFill>
@@ -13992,7 +13964,7 @@
               <a:t>RoutePrefix</a:t>
             </a:r>
             <a:r>
-              <a:rPr lang="nb-NO" sz="1200" dirty="0">
+              <a:rPr lang="nb-NO" sz="1600" dirty="0">
                 <a:solidFill>
                   <a:srgbClr val="000000"/>
                 </a:solidFill>
@@ -14004,7 +13976,7 @@
               <a:t>(</a:t>
             </a:r>
             <a:r>
-              <a:rPr lang="nb-NO" sz="1200" dirty="0">
+              <a:rPr lang="nb-NO" sz="1600" dirty="0">
                 <a:solidFill>
                   <a:srgbClr val="A31515"/>
                 </a:solidFill>
@@ -14016,7 +13988,7 @@
               <a:t>"api/bloggposter"</a:t>
             </a:r>
             <a:r>
-              <a:rPr lang="nb-NO" sz="1200" dirty="0">
+              <a:rPr lang="nb-NO" sz="1600" dirty="0">
                 <a:solidFill>
                   <a:srgbClr val="000000"/>
                 </a:solidFill>
@@ -14027,7 +13999,7 @@
               </a:rPr>
               <a:t>)]</a:t>
             </a:r>
-            <a:endParaRPr kumimoji="0" lang="en-US" sz="1200" b="0" i="0" u="none" strike="noStrike" cap="none" normalizeH="0" baseline="0" dirty="0" smtClean="0">
+            <a:endParaRPr kumimoji="0" lang="en-US" sz="1600" b="0" i="0" u="none" strike="noStrike" cap="none" normalizeH="0" baseline="0" dirty="0" smtClean="0">
               <a:ln>
                 <a:noFill/>
               </a:ln>
@@ -14057,7 +14029,7 @@
               <a:tabLst/>
             </a:pPr>
             <a:r>
-              <a:rPr kumimoji="0" lang="en-US" sz="1200" b="0" i="0" u="none" strike="noStrike" cap="none" normalizeH="0" baseline="0" dirty="0" smtClean="0">
+              <a:rPr kumimoji="0" lang="en-US" sz="1600" b="0" i="0" u="none" strike="noStrike" cap="none" normalizeH="0" baseline="0" dirty="0" smtClean="0">
                 <a:ln>
                   <a:noFill/>
                 </a:ln>
@@ -14071,7 +14043,7 @@
               <a:t>public</a:t>
             </a:r>
             <a:r>
-              <a:rPr kumimoji="0" lang="en-US" sz="1200" b="0" i="0" u="none" strike="noStrike" cap="none" normalizeH="0" baseline="0" dirty="0" smtClean="0">
+              <a:rPr kumimoji="0" lang="en-US" sz="1600" b="0" i="0" u="none" strike="noStrike" cap="none" normalizeH="0" baseline="0" dirty="0" smtClean="0">
                 <a:ln>
                   <a:noFill/>
                 </a:ln>
@@ -14085,7 +14057,7 @@
               <a:t> </a:t>
             </a:r>
             <a:r>
-              <a:rPr kumimoji="0" lang="en-US" sz="1200" b="0" i="0" u="none" strike="noStrike" cap="none" normalizeH="0" baseline="0" dirty="0" smtClean="0">
+              <a:rPr kumimoji="0" lang="en-US" sz="1600" b="0" i="0" u="none" strike="noStrike" cap="none" normalizeH="0" baseline="0" dirty="0" smtClean="0">
                 <a:ln>
                   <a:noFill/>
                 </a:ln>
@@ -14099,7 +14071,7 @@
               <a:t>class</a:t>
             </a:r>
             <a:r>
-              <a:rPr kumimoji="0" lang="en-US" sz="1200" b="0" i="0" u="none" strike="noStrike" cap="none" normalizeH="0" baseline="0" dirty="0" smtClean="0">
+              <a:rPr kumimoji="0" lang="en-US" sz="1600" b="0" i="0" u="none" strike="noStrike" cap="none" normalizeH="0" baseline="0" dirty="0" smtClean="0">
                 <a:ln>
                   <a:noFill/>
                 </a:ln>
@@ -14113,7 +14085,7 @@
               <a:t> </a:t>
             </a:r>
             <a:r>
-              <a:rPr lang="en-US" sz="1200" dirty="0" smtClean="0">
+              <a:rPr lang="en-US" sz="1600" dirty="0" smtClean="0">
                 <a:solidFill>
                   <a:srgbClr val="2B91AF"/>
                 </a:solidFill>
@@ -14123,7 +14095,7 @@
               <a:t>Bloggposter</a:t>
             </a:r>
             <a:r>
-              <a:rPr kumimoji="0" lang="en-US" sz="1200" b="0" i="0" u="none" strike="noStrike" cap="none" normalizeH="0" baseline="0" dirty="0" smtClean="0">
+              <a:rPr kumimoji="0" lang="en-US" sz="1600" b="0" i="0" u="none" strike="noStrike" cap="none" normalizeH="0" baseline="0" dirty="0" smtClean="0">
                 <a:ln>
                   <a:noFill/>
                 </a:ln>
@@ -14137,7 +14109,7 @@
               <a:t>Controller</a:t>
             </a:r>
             <a:r>
-              <a:rPr kumimoji="0" lang="en-US" sz="1200" b="0" i="0" u="none" strike="noStrike" cap="none" normalizeH="0" baseline="0" dirty="0" smtClean="0">
+              <a:rPr kumimoji="0" lang="en-US" sz="1600" b="0" i="0" u="none" strike="noStrike" cap="none" normalizeH="0" baseline="0" dirty="0" smtClean="0">
                 <a:ln>
                   <a:noFill/>
                 </a:ln>
@@ -14151,7 +14123,7 @@
               <a:t> : </a:t>
             </a:r>
             <a:r>
-              <a:rPr kumimoji="0" lang="en-US" sz="1200" b="0" i="0" u="none" strike="noStrike" cap="none" normalizeH="0" baseline="0" dirty="0" smtClean="0">
+              <a:rPr kumimoji="0" lang="en-US" sz="1600" b="0" i="0" u="none" strike="noStrike" cap="none" normalizeH="0" baseline="0" dirty="0" smtClean="0">
                 <a:ln>
                   <a:noFill/>
                 </a:ln>
@@ -14165,7 +14137,7 @@
               <a:t>ApiController</a:t>
             </a:r>
             <a:r>
-              <a:rPr kumimoji="0" lang="en-US" sz="1200" b="0" i="0" u="none" strike="noStrike" cap="none" normalizeH="0" baseline="0" dirty="0" smtClean="0">
+              <a:rPr kumimoji="0" lang="en-US" sz="1600" b="0" i="0" u="none" strike="noStrike" cap="none" normalizeH="0" baseline="0" dirty="0" smtClean="0">
                 <a:ln>
                   <a:noFill/>
                 </a:ln>
@@ -14197,7 +14169,7 @@
               <a:tabLst/>
             </a:pPr>
             <a:r>
-              <a:rPr kumimoji="0" lang="en-US" sz="1200" b="0" i="0" u="none" strike="noStrike" cap="none" normalizeH="0" baseline="0" dirty="0" smtClean="0">
+              <a:rPr kumimoji="0" lang="en-US" sz="1600" b="0" i="0" u="none" strike="noStrike" cap="none" normalizeH="0" baseline="0" dirty="0" smtClean="0">
                 <a:ln>
                   <a:noFill/>
                 </a:ln>
@@ -14213,7 +14185,7 @@
           </a:p>
           <a:p>
             <a:r>
-              <a:rPr lang="nb-NO" sz="1200" dirty="0">
+              <a:rPr lang="nb-NO" sz="1600" dirty="0">
                 <a:solidFill>
                   <a:srgbClr val="000000"/>
                 </a:solidFill>
@@ -14225,7 +14197,7 @@
               <a:t> </a:t>
             </a:r>
             <a:r>
-              <a:rPr lang="nb-NO" sz="1200" dirty="0" smtClean="0">
+              <a:rPr lang="nb-NO" sz="1600" dirty="0" smtClean="0">
                 <a:solidFill>
                   <a:srgbClr val="000000"/>
                 </a:solidFill>
@@ -14237,7 +14209,7 @@
               <a:t>	</a:t>
             </a:r>
             <a:r>
-              <a:rPr lang="nb-NO" sz="1200" dirty="0" smtClean="0">
+              <a:rPr lang="nb-NO" sz="1600" dirty="0" smtClean="0">
                 <a:solidFill>
                   <a:srgbClr val="008000"/>
                 </a:solidFill>
@@ -14249,7 +14221,7 @@
               <a:t>// </a:t>
             </a:r>
             <a:r>
-              <a:rPr lang="nb-NO" sz="1200" dirty="0">
+              <a:rPr lang="nb-NO" sz="1600" dirty="0">
                 <a:solidFill>
                   <a:srgbClr val="008000"/>
                 </a:solidFill>
@@ -14260,7 +14232,7 @@
               </a:rPr>
               <a:t>GET api/bloggposter</a:t>
             </a:r>
-            <a:endParaRPr lang="nb-NO" sz="1200" dirty="0">
+            <a:endParaRPr lang="nb-NO" sz="1600" dirty="0">
               <a:solidFill>
                 <a:srgbClr val="000000"/>
               </a:solidFill>
@@ -14272,7 +14244,7 @@
           </a:p>
           <a:p>
             <a:r>
-              <a:rPr lang="nb-NO" sz="1200" dirty="0">
+              <a:rPr lang="nb-NO" sz="1600" dirty="0">
                 <a:solidFill>
                   <a:srgbClr val="000000"/>
                 </a:solidFill>
@@ -14284,7 +14256,7 @@
               <a:t>     </a:t>
             </a:r>
             <a:r>
-              <a:rPr lang="nb-NO" sz="1200" dirty="0" smtClean="0">
+              <a:rPr lang="nb-NO" sz="1600" dirty="0" smtClean="0">
                 <a:solidFill>
                   <a:srgbClr val="000000"/>
                 </a:solidFill>
@@ -14296,7 +14268,7 @@
               <a:t>[</a:t>
             </a:r>
             <a:r>
-              <a:rPr lang="nb-NO" sz="1200" dirty="0">
+              <a:rPr lang="nb-NO" sz="1600" dirty="0">
                 <a:solidFill>
                   <a:srgbClr val="2B91AF"/>
                 </a:solidFill>
@@ -14308,7 +14280,7 @@
               <a:t>Route</a:t>
             </a:r>
             <a:r>
-              <a:rPr lang="nb-NO" sz="1200" dirty="0">
+              <a:rPr lang="nb-NO" sz="1600" dirty="0">
                 <a:solidFill>
                   <a:srgbClr val="000000"/>
                 </a:solidFill>
@@ -14320,7 +14292,7 @@
               <a:t>(</a:t>
             </a:r>
             <a:r>
-              <a:rPr lang="nb-NO" sz="1200" dirty="0">
+              <a:rPr lang="nb-NO" sz="1600" dirty="0">
                 <a:solidFill>
                   <a:srgbClr val="A31515"/>
                 </a:solidFill>
@@ -14332,7 +14304,7 @@
               <a:t>""</a:t>
             </a:r>
             <a:r>
-              <a:rPr lang="nb-NO" sz="1200" dirty="0">
+              <a:rPr lang="nb-NO" sz="1600" dirty="0">
                 <a:solidFill>
                   <a:srgbClr val="000000"/>
                 </a:solidFill>
@@ -14346,7 +14318,7 @@
           </a:p>
           <a:p>
             <a:r>
-              <a:rPr lang="nb-NO" sz="1200" dirty="0">
+              <a:rPr lang="nb-NO" sz="1600" dirty="0">
                 <a:solidFill>
                   <a:srgbClr val="000000"/>
                 </a:solidFill>
@@ -14358,7 +14330,7 @@
               <a:t>     </a:t>
             </a:r>
             <a:r>
-              <a:rPr lang="nb-NO" sz="1200" dirty="0" smtClean="0">
+              <a:rPr lang="nb-NO" sz="1600" dirty="0" smtClean="0">
                 <a:solidFill>
                   <a:srgbClr val="0000FF"/>
                 </a:solidFill>
@@ -14370,7 +14342,7 @@
               <a:t>public</a:t>
             </a:r>
             <a:r>
-              <a:rPr lang="nb-NO" sz="1200" dirty="0" smtClean="0">
+              <a:rPr lang="nb-NO" sz="1600" dirty="0" smtClean="0">
                 <a:solidFill>
                   <a:srgbClr val="000000"/>
                 </a:solidFill>
@@ -14382,7 +14354,7 @@
               <a:t> </a:t>
             </a:r>
             <a:r>
-              <a:rPr lang="nb-NO" sz="1200" dirty="0">
+              <a:rPr lang="nb-NO" sz="1600" dirty="0">
                 <a:solidFill>
                   <a:srgbClr val="2B91AF"/>
                 </a:solidFill>
@@ -14394,7 +14366,7 @@
               <a:t>IEnumerable</a:t>
             </a:r>
             <a:r>
-              <a:rPr lang="nb-NO" sz="1200" dirty="0">
+              <a:rPr lang="nb-NO" sz="1600" dirty="0">
                 <a:solidFill>
                   <a:srgbClr val="000000"/>
                 </a:solidFill>
@@ -14406,7 +14378,7 @@
               <a:t>&lt;</a:t>
             </a:r>
             <a:r>
-              <a:rPr lang="nb-NO" sz="1200" dirty="0">
+              <a:rPr lang="nb-NO" sz="1600" dirty="0">
                 <a:solidFill>
                   <a:srgbClr val="0000FF"/>
                 </a:solidFill>
@@ -14418,7 +14390,7 @@
               <a:t>string</a:t>
             </a:r>
             <a:r>
-              <a:rPr lang="nb-NO" sz="1200" dirty="0">
+              <a:rPr lang="nb-NO" sz="1600" dirty="0">
                 <a:solidFill>
                   <a:srgbClr val="000000"/>
                 </a:solidFill>
@@ -14430,7 +14402,7 @@
               <a:t>&gt; Get</a:t>
             </a:r>
             <a:r>
-              <a:rPr lang="nb-NO" sz="1200" dirty="0" smtClean="0">
+              <a:rPr lang="nb-NO" sz="1600" dirty="0" smtClean="0">
                 <a:solidFill>
                   <a:srgbClr val="000000"/>
                 </a:solidFill>
@@ -14442,7 +14414,7 @@
               <a:t>()</a:t>
             </a:r>
             <a:r>
-              <a:rPr lang="en-US" sz="1200" dirty="0">
+              <a:rPr lang="en-US" sz="1600" dirty="0">
                 <a:solidFill>
                   <a:srgbClr val="000000"/>
                 </a:solidFill>
@@ -14455,7 +14427,7 @@
               <a:t> </a:t>
             </a:r>
             <a:r>
-              <a:rPr lang="nb-NO" sz="1200" dirty="0" smtClean="0">
+              <a:rPr lang="nb-NO" sz="1600" dirty="0" smtClean="0">
                 <a:solidFill>
                   <a:srgbClr val="000000"/>
                 </a:solidFill>
@@ -14468,7 +14440,7 @@
               <a:t>{ ... }</a:t>
             </a:r>
             <a:r>
-              <a:rPr kumimoji="0" lang="en-US" sz="1200" b="0" i="0" u="none" strike="noStrike" cap="none" normalizeH="0" baseline="0" dirty="0" smtClean="0">
+              <a:rPr kumimoji="0" lang="en-US" sz="1600" b="0" i="0" u="none" strike="noStrike" cap="none" normalizeH="0" baseline="0" dirty="0" smtClean="0">
                 <a:ln>
                   <a:noFill/>
                 </a:ln>
@@ -14483,7 +14455,7 @@
             </a:r>
           </a:p>
           <a:p>
-            <a:endParaRPr kumimoji="0" lang="en-US" sz="1200" b="0" i="0" u="none" strike="noStrike" cap="none" normalizeH="0" baseline="0" dirty="0" smtClean="0">
+            <a:endParaRPr kumimoji="0" lang="en-US" sz="1600" b="0" i="0" u="none" strike="noStrike" cap="none" normalizeH="0" baseline="0" dirty="0" smtClean="0">
               <a:ln>
                 <a:noFill/>
               </a:ln>
@@ -14497,7 +14469,7 @@
           </a:p>
           <a:p>
             <a:r>
-              <a:rPr lang="nb-NO" sz="1200" dirty="0" smtClean="0">
+              <a:rPr lang="nb-NO" sz="1600" dirty="0" smtClean="0">
                 <a:solidFill>
                   <a:srgbClr val="000000"/>
                 </a:solidFill>
@@ -14509,7 +14481,7 @@
               <a:t>	</a:t>
             </a:r>
             <a:r>
-              <a:rPr lang="nb-NO" sz="1200" dirty="0" smtClean="0">
+              <a:rPr lang="nb-NO" sz="1600" dirty="0" smtClean="0">
                 <a:solidFill>
                   <a:srgbClr val="008000"/>
                 </a:solidFill>
@@ -14521,7 +14493,7 @@
               <a:t>// </a:t>
             </a:r>
             <a:r>
-              <a:rPr lang="nb-NO" sz="1200" dirty="0">
+              <a:rPr lang="nb-NO" sz="1600" dirty="0">
                 <a:solidFill>
                   <a:srgbClr val="008000"/>
                 </a:solidFill>
@@ -14532,7 +14504,7 @@
               </a:rPr>
               <a:t>GET api/bloggposter/1</a:t>
             </a:r>
-            <a:endParaRPr lang="nb-NO" sz="1200" dirty="0">
+            <a:endParaRPr lang="nb-NO" sz="1600" dirty="0">
               <a:solidFill>
                 <a:srgbClr val="000000"/>
               </a:solidFill>
@@ -14544,7 +14516,7 @@
           </a:p>
           <a:p>
             <a:r>
-              <a:rPr lang="nb-NO" sz="1200" dirty="0">
+              <a:rPr lang="nb-NO" sz="1600" dirty="0">
                 <a:solidFill>
                   <a:srgbClr val="000000"/>
                 </a:solidFill>
@@ -14556,7 +14528,7 @@
               <a:t>     </a:t>
             </a:r>
             <a:r>
-              <a:rPr lang="nb-NO" sz="1200" dirty="0" smtClean="0">
+              <a:rPr lang="nb-NO" sz="1600" dirty="0" smtClean="0">
                 <a:solidFill>
                   <a:srgbClr val="000000"/>
                 </a:solidFill>
@@ -14568,7 +14540,7 @@
               <a:t>[</a:t>
             </a:r>
             <a:r>
-              <a:rPr lang="nb-NO" sz="1200" dirty="0">
+              <a:rPr lang="nb-NO" sz="1600" dirty="0">
                 <a:solidFill>
                   <a:srgbClr val="2B91AF"/>
                 </a:solidFill>
@@ -14580,7 +14552,7 @@
               <a:t>Route</a:t>
             </a:r>
             <a:r>
-              <a:rPr lang="nb-NO" sz="1200" dirty="0" smtClean="0">
+              <a:rPr lang="nb-NO" sz="1600" dirty="0" smtClean="0">
                 <a:solidFill>
                   <a:srgbClr val="000000"/>
                 </a:solidFill>
@@ -14592,7 +14564,7 @@
               <a:t>(</a:t>
             </a:r>
             <a:r>
-              <a:rPr lang="nb-NO" sz="1200" dirty="0" smtClean="0">
+              <a:rPr lang="nb-NO" sz="1600" dirty="0" smtClean="0">
                 <a:solidFill>
                   <a:srgbClr val="A31515"/>
                 </a:solidFill>
@@ -14604,7 +14576,7 @@
               <a:t>"{bloggpostId:int</a:t>
             </a:r>
             <a:r>
-              <a:rPr lang="nb-NO" sz="1200" dirty="0">
+              <a:rPr lang="nb-NO" sz="1600" dirty="0">
                 <a:solidFill>
                   <a:srgbClr val="A31515"/>
                 </a:solidFill>
@@ -14616,7 +14588,7 @@
               <a:t>}"</a:t>
             </a:r>
             <a:r>
-              <a:rPr lang="nb-NO" sz="1200" dirty="0">
+              <a:rPr lang="nb-NO" sz="1600" dirty="0">
                 <a:solidFill>
                   <a:srgbClr val="000000"/>
                 </a:solidFill>
@@ -14630,7 +14602,7 @@
           </a:p>
           <a:p>
             <a:r>
-              <a:rPr lang="nb-NO" sz="1200" dirty="0">
+              <a:rPr lang="nb-NO" sz="1600" dirty="0">
                 <a:solidFill>
                   <a:srgbClr val="000000"/>
                 </a:solidFill>
@@ -14642,7 +14614,7 @@
               <a:t>     </a:t>
             </a:r>
             <a:r>
-              <a:rPr lang="nb-NO" sz="1200" dirty="0" smtClean="0">
+              <a:rPr lang="nb-NO" sz="1600" dirty="0" smtClean="0">
                 <a:solidFill>
                   <a:srgbClr val="0000FF"/>
                 </a:solidFill>
@@ -14654,7 +14626,7 @@
               <a:t>public</a:t>
             </a:r>
             <a:r>
-              <a:rPr lang="nb-NO" sz="1200" dirty="0" smtClean="0">
+              <a:rPr lang="nb-NO" sz="1600" dirty="0" smtClean="0">
                 <a:solidFill>
                   <a:srgbClr val="000000"/>
                 </a:solidFill>
@@ -14666,7 +14638,7 @@
               <a:t> </a:t>
             </a:r>
             <a:r>
-              <a:rPr lang="nb-NO" sz="1200" dirty="0">
+              <a:rPr lang="nb-NO" sz="1600" dirty="0">
                 <a:solidFill>
                   <a:srgbClr val="2B91AF"/>
                 </a:solidFill>
@@ -14678,7 +14650,7 @@
               <a:t>Bloggpost</a:t>
             </a:r>
             <a:r>
-              <a:rPr lang="nb-NO" sz="1200" dirty="0">
+              <a:rPr lang="nb-NO" sz="1600" dirty="0">
                 <a:solidFill>
                   <a:srgbClr val="000000"/>
                 </a:solidFill>
@@ -14690,7 +14662,7 @@
               <a:t> GetBloggpost(</a:t>
             </a:r>
             <a:r>
-              <a:rPr lang="nb-NO" sz="1200" dirty="0">
+              <a:rPr lang="nb-NO" sz="1600" dirty="0">
                 <a:solidFill>
                   <a:srgbClr val="0000FF"/>
                 </a:solidFill>
@@ -14702,7 +14674,7 @@
               <a:t>int</a:t>
             </a:r>
             <a:r>
-              <a:rPr lang="nb-NO" sz="1200" dirty="0">
+              <a:rPr lang="nb-NO" sz="1600" dirty="0">
                 <a:solidFill>
                   <a:srgbClr val="000000"/>
                 </a:solidFill>
@@ -14714,7 +14686,7 @@
               <a:t> </a:t>
             </a:r>
             <a:r>
-              <a:rPr lang="nb-NO" sz="1200" dirty="0" smtClean="0">
+              <a:rPr lang="nb-NO" sz="1600" dirty="0" smtClean="0">
                 <a:solidFill>
                   <a:srgbClr val="000000"/>
                 </a:solidFill>
@@ -14726,7 +14698,7 @@
               <a:t>bloggpostId)</a:t>
             </a:r>
             <a:r>
-              <a:rPr lang="en-US" sz="1200" dirty="0" smtClean="0">
+              <a:rPr lang="en-US" sz="1600" dirty="0" smtClean="0">
                 <a:solidFill>
                   <a:srgbClr val="000000"/>
                 </a:solidFill>
@@ -14740,7 +14712,7 @@
             </a:r>
           </a:p>
           <a:p>
-            <a:endParaRPr kumimoji="0" lang="en-US" sz="1200" b="0" i="0" u="none" strike="noStrike" cap="none" normalizeH="0" baseline="0" dirty="0">
+            <a:endParaRPr kumimoji="0" lang="en-US" sz="1600" b="0" i="0" u="none" strike="noStrike" cap="none" normalizeH="0" baseline="0" dirty="0">
               <a:ln>
                 <a:noFill/>
               </a:ln>
@@ -14757,7 +14729,7 @@
           </a:p>
           <a:p>
             <a:r>
-              <a:rPr lang="nb-NO" sz="1200" dirty="0">
+              <a:rPr lang="nb-NO" sz="1600" dirty="0">
                 <a:solidFill>
                   <a:srgbClr val="000000"/>
                 </a:solidFill>
@@ -14769,7 +14741,7 @@
               <a:t>	</a:t>
             </a:r>
             <a:r>
-              <a:rPr lang="nb-NO" sz="1200" dirty="0">
+              <a:rPr lang="nb-NO" sz="1600" dirty="0">
                 <a:solidFill>
                   <a:srgbClr val="008000"/>
                 </a:solidFill>
@@ -14781,7 +14753,7 @@
               <a:t>// GET </a:t>
             </a:r>
             <a:r>
-              <a:rPr lang="nb-NO" sz="1200" dirty="0" smtClean="0">
+              <a:rPr lang="nb-NO" sz="1600" dirty="0" smtClean="0">
                 <a:solidFill>
                   <a:srgbClr val="008000"/>
                 </a:solidFill>
@@ -14792,7 +14764,7 @@
               </a:rPr>
               <a:t>api/bloggposter/1/kommentarer</a:t>
             </a:r>
-            <a:endParaRPr lang="nb-NO" sz="1200" dirty="0">
+            <a:endParaRPr lang="nb-NO" sz="1600" dirty="0">
               <a:solidFill>
                 <a:srgbClr val="000000"/>
               </a:solidFill>
@@ -14804,7 +14776,7 @@
           </a:p>
           <a:p>
             <a:r>
-              <a:rPr lang="nb-NO" sz="1200" dirty="0">
+              <a:rPr lang="nb-NO" sz="1600" dirty="0">
                 <a:solidFill>
                   <a:srgbClr val="000000"/>
                 </a:solidFill>
@@ -14816,7 +14788,7 @@
               <a:t>     [</a:t>
             </a:r>
             <a:r>
-              <a:rPr lang="nb-NO" sz="1200" dirty="0">
+              <a:rPr lang="nb-NO" sz="1600" dirty="0">
                 <a:solidFill>
                   <a:srgbClr val="2B91AF"/>
                 </a:solidFill>
@@ -14828,7 +14800,7 @@
               <a:t>Route</a:t>
             </a:r>
             <a:r>
-              <a:rPr lang="nb-NO" sz="1200" dirty="0" smtClean="0">
+              <a:rPr lang="nb-NO" sz="1600" dirty="0" smtClean="0">
                 <a:solidFill>
                   <a:srgbClr val="000000"/>
                 </a:solidFill>
@@ -14840,7 +14812,7 @@
               <a:t>(</a:t>
             </a:r>
             <a:r>
-              <a:rPr lang="nb-NO" sz="1200" dirty="0" smtClean="0">
+              <a:rPr lang="nb-NO" sz="1600" dirty="0" smtClean="0">
                 <a:solidFill>
                   <a:srgbClr val="A31515"/>
                 </a:solidFill>
@@ -14852,7 +14824,7 @@
               <a:t>"{bloggpostId:int}/kommentarer"</a:t>
             </a:r>
             <a:r>
-              <a:rPr lang="nb-NO" sz="1200" dirty="0" smtClean="0">
+              <a:rPr lang="nb-NO" sz="1600" dirty="0" smtClean="0">
                 <a:solidFill>
                   <a:srgbClr val="000000"/>
                 </a:solidFill>
@@ -14863,7 +14835,7 @@
               </a:rPr>
               <a:t>)]</a:t>
             </a:r>
-            <a:endParaRPr lang="nb-NO" sz="1200" dirty="0">
+            <a:endParaRPr lang="nb-NO" sz="1600" dirty="0">
               <a:solidFill>
                 <a:srgbClr val="000000"/>
               </a:solidFill>
@@ -14875,7 +14847,7 @@
           </a:p>
           <a:p>
             <a:r>
-              <a:rPr lang="nb-NO" sz="1200" dirty="0">
+              <a:rPr lang="nb-NO" sz="1600" dirty="0">
                 <a:solidFill>
                   <a:srgbClr val="000000"/>
                 </a:solidFill>
@@ -14887,7 +14859,7 @@
               <a:t>     </a:t>
             </a:r>
             <a:r>
-              <a:rPr lang="nb-NO" sz="1200" dirty="0">
+              <a:rPr lang="nb-NO" sz="1600" dirty="0">
                 <a:solidFill>
                   <a:srgbClr val="0000FF"/>
                 </a:solidFill>
@@ -14899,7 +14871,7 @@
               <a:t>public</a:t>
             </a:r>
             <a:r>
-              <a:rPr lang="nb-NO" sz="1200" dirty="0">
+              <a:rPr lang="nb-NO" sz="1600" dirty="0">
                 <a:solidFill>
                   <a:srgbClr val="000000"/>
                 </a:solidFill>
@@ -14911,7 +14883,7 @@
               <a:t> </a:t>
             </a:r>
             <a:r>
-              <a:rPr lang="nb-NO" sz="1200" dirty="0">
+              <a:rPr lang="nb-NO" sz="1600" dirty="0">
                 <a:solidFill>
                   <a:srgbClr val="2B91AF"/>
                 </a:solidFill>
@@ -14923,7 +14895,7 @@
               <a:t>Bloggpost</a:t>
             </a:r>
             <a:r>
-              <a:rPr lang="nb-NO" sz="1200" dirty="0">
+              <a:rPr lang="nb-NO" sz="1600" dirty="0">
                 <a:solidFill>
                   <a:srgbClr val="000000"/>
                 </a:solidFill>
@@ -14935,7 +14907,7 @@
               <a:t> </a:t>
             </a:r>
             <a:r>
-              <a:rPr lang="nb-NO" sz="1200" dirty="0" smtClean="0">
+              <a:rPr lang="nb-NO" sz="1600" dirty="0" smtClean="0">
                 <a:solidFill>
                   <a:srgbClr val="000000"/>
                 </a:solidFill>
@@ -14947,7 +14919,7 @@
               <a:t>GetKommentarer(</a:t>
             </a:r>
             <a:r>
-              <a:rPr lang="nb-NO" sz="1200" dirty="0" smtClean="0">
+              <a:rPr lang="nb-NO" sz="1600" dirty="0" smtClean="0">
                 <a:solidFill>
                   <a:srgbClr val="0000FF"/>
                 </a:solidFill>
@@ -14959,7 +14931,7 @@
               <a:t>int</a:t>
             </a:r>
             <a:r>
-              <a:rPr lang="nb-NO" sz="1200" dirty="0" smtClean="0">
+              <a:rPr lang="nb-NO" sz="1600" dirty="0" smtClean="0">
                 <a:solidFill>
                   <a:srgbClr val="000000"/>
                 </a:solidFill>
@@ -14971,7 +14943,7 @@
               <a:t> </a:t>
             </a:r>
             <a:r>
-              <a:rPr lang="nb-NO" sz="1200" dirty="0">
+              <a:rPr lang="nb-NO" sz="1600" dirty="0">
                 <a:solidFill>
                   <a:srgbClr val="000000"/>
                 </a:solidFill>
@@ -14983,7 +14955,7 @@
               <a:t>id)</a:t>
             </a:r>
             <a:r>
-              <a:rPr lang="en-US" sz="1200" dirty="0">
+              <a:rPr lang="en-US" sz="1600" dirty="0">
                 <a:solidFill>
                   <a:srgbClr val="000000"/>
                 </a:solidFill>
@@ -14995,14 +14967,14 @@
               </a:rPr>
               <a:t> { ... }</a:t>
             </a:r>
-            <a:endParaRPr lang="en-US" sz="1200" dirty="0">
+            <a:endParaRPr lang="en-US" sz="1600" dirty="0">
               <a:latin typeface="Arial" pitchFamily="34" charset="0"/>
               <a:cs typeface="Arial" pitchFamily="34" charset="0"/>
             </a:endParaRPr>
           </a:p>
           <a:p>
             <a:r>
-              <a:rPr kumimoji="0" lang="nb-NO" sz="1200" b="0" i="0" u="none" strike="noStrike" cap="none" normalizeH="0" baseline="0" dirty="0" smtClean="0">
+              <a:rPr kumimoji="0" lang="nb-NO" sz="1600" b="0" i="0" u="none" strike="noStrike" cap="none" normalizeH="0" baseline="0" dirty="0" smtClean="0">
                 <a:ln>
                   <a:noFill/>
                 </a:ln>
@@ -15015,7 +14987,7 @@
               </a:rPr>
               <a:t>}</a:t>
             </a:r>
-            <a:endParaRPr kumimoji="0" lang="en-US" sz="1200" b="0" i="0" u="none" strike="noStrike" cap="none" normalizeH="0" baseline="0" dirty="0" smtClean="0">
+            <a:endParaRPr kumimoji="0" lang="en-US" sz="1600" b="0" i="0" u="none" strike="noStrike" cap="none" normalizeH="0" baseline="0" dirty="0" smtClean="0">
               <a:ln>
                 <a:noFill/>
               </a:ln>
@@ -15197,8 +15169,8 @@
         </p:nvSpPr>
         <p:spPr bwMode="auto">
           <a:xfrm>
-            <a:off x="509204" y="1103940"/>
-            <a:ext cx="8231434" cy="3231654"/>
+            <a:off x="0" y="1426530"/>
+            <a:ext cx="9144000" cy="3754874"/>
           </a:xfrm>
           <a:prstGeom prst="rect">
             <a:avLst/>
@@ -15226,7 +15198,7 @@
           <a:lstStyle/>
           <a:p>
             <a:r>
-              <a:rPr lang="nb-NO" sz="1200" dirty="0">
+              <a:rPr lang="nb-NO" sz="1400" dirty="0">
                 <a:solidFill>
                   <a:srgbClr val="0000FF"/>
                 </a:solidFill>
@@ -15238,7 +15210,7 @@
               <a:t>public</a:t>
             </a:r>
             <a:r>
-              <a:rPr lang="nb-NO" sz="1200" dirty="0">
+              <a:rPr lang="nb-NO" sz="1400" dirty="0">
                 <a:solidFill>
                   <a:srgbClr val="000000"/>
                 </a:solidFill>
@@ -15250,7 +15222,7 @@
               <a:t> </a:t>
             </a:r>
             <a:r>
-              <a:rPr lang="nb-NO" sz="1200" dirty="0">
+              <a:rPr lang="nb-NO" sz="1400" dirty="0">
                 <a:solidFill>
                   <a:srgbClr val="2B91AF"/>
                 </a:solidFill>
@@ -15262,7 +15234,7 @@
               <a:t>Bloggpost</a:t>
             </a:r>
             <a:r>
-              <a:rPr lang="nb-NO" sz="1200" dirty="0">
+              <a:rPr lang="nb-NO" sz="1400" dirty="0">
                 <a:solidFill>
                   <a:srgbClr val="000000"/>
                 </a:solidFill>
@@ -15274,7 +15246,7 @@
               <a:t> GetBloggpost(</a:t>
             </a:r>
             <a:r>
-              <a:rPr lang="nb-NO" sz="1200" dirty="0">
+              <a:rPr lang="nb-NO" sz="1400" dirty="0">
                 <a:solidFill>
                   <a:srgbClr val="0000FF"/>
                 </a:solidFill>
@@ -15286,7 +15258,7 @@
               <a:t>int</a:t>
             </a:r>
             <a:r>
-              <a:rPr lang="nb-NO" sz="1200" dirty="0">
+              <a:rPr lang="nb-NO" sz="1400" dirty="0">
                 <a:solidFill>
                   <a:srgbClr val="000000"/>
                 </a:solidFill>
@@ -15300,7 +15272,7 @@
           </a:p>
           <a:p>
             <a:r>
-              <a:rPr lang="nb-NO" sz="1200" dirty="0">
+              <a:rPr lang="nb-NO" sz="1400" dirty="0">
                 <a:solidFill>
                   <a:srgbClr val="000000"/>
                 </a:solidFill>
@@ -15314,7 +15286,7 @@
           </a:p>
           <a:p>
             <a:r>
-              <a:rPr lang="nb-NO" sz="1200" dirty="0">
+              <a:rPr lang="nb-NO" sz="1400" dirty="0">
                 <a:solidFill>
                   <a:srgbClr val="000000"/>
                 </a:solidFill>
@@ -15326,7 +15298,7 @@
               <a:t>    </a:t>
             </a:r>
             <a:r>
-              <a:rPr lang="nb-NO" sz="1200" dirty="0">
+              <a:rPr lang="nb-NO" sz="1400" dirty="0">
                 <a:solidFill>
                   <a:srgbClr val="0000FF"/>
                 </a:solidFill>
@@ -15337,7 +15309,7 @@
               </a:rPr>
               <a:t>try</a:t>
             </a:r>
-            <a:endParaRPr lang="nb-NO" sz="1200" dirty="0">
+            <a:endParaRPr lang="nb-NO" sz="1400" dirty="0">
               <a:solidFill>
                 <a:srgbClr val="000000"/>
               </a:solidFill>
@@ -15349,7 +15321,7 @@
           </a:p>
           <a:p>
             <a:r>
-              <a:rPr lang="nb-NO" sz="1200" dirty="0">
+              <a:rPr lang="nb-NO" sz="1400" dirty="0">
                 <a:solidFill>
                   <a:srgbClr val="000000"/>
                 </a:solidFill>
@@ -15363,7 +15335,7 @@
           </a:p>
           <a:p>
             <a:r>
-              <a:rPr lang="nb-NO" sz="1200" dirty="0">
+              <a:rPr lang="nb-NO" sz="1400" dirty="0">
                 <a:solidFill>
                   <a:srgbClr val="000000"/>
                 </a:solidFill>
@@ -15375,7 +15347,7 @@
               <a:t>        </a:t>
             </a:r>
             <a:r>
-              <a:rPr lang="nb-NO" sz="1200" dirty="0">
+              <a:rPr lang="nb-NO" sz="1400" dirty="0">
                 <a:solidFill>
                   <a:srgbClr val="0000FF"/>
                 </a:solidFill>
@@ -15387,7 +15359,7 @@
               <a:t>var</a:t>
             </a:r>
             <a:r>
-              <a:rPr lang="nb-NO" sz="1200" dirty="0">
+              <a:rPr lang="nb-NO" sz="1400" dirty="0">
                 <a:solidFill>
                   <a:srgbClr val="000000"/>
                 </a:solidFill>
@@ -15401,7 +15373,7 @@
           </a:p>
           <a:p>
             <a:r>
-              <a:rPr lang="nb-NO" sz="1200" dirty="0">
+              <a:rPr lang="nb-NO" sz="1400" dirty="0">
                 <a:solidFill>
                   <a:srgbClr val="000000"/>
                 </a:solidFill>
@@ -15413,7 +15385,7 @@
               <a:t>        </a:t>
             </a:r>
             <a:r>
-              <a:rPr lang="nb-NO" sz="1200" dirty="0">
+              <a:rPr lang="nb-NO" sz="1400" dirty="0">
                 <a:solidFill>
                   <a:srgbClr val="0000FF"/>
                 </a:solidFill>
@@ -15425,7 +15397,7 @@
               <a:t>return</a:t>
             </a:r>
             <a:r>
-              <a:rPr lang="nb-NO" sz="1200" dirty="0">
+              <a:rPr lang="nb-NO" sz="1400" dirty="0">
                 <a:solidFill>
                   <a:srgbClr val="000000"/>
                 </a:solidFill>
@@ -15439,7 +15411,7 @@
           </a:p>
           <a:p>
             <a:r>
-              <a:rPr lang="nb-NO" sz="1200" dirty="0">
+              <a:rPr lang="nb-NO" sz="1400" dirty="0">
                 <a:solidFill>
                   <a:srgbClr val="000000"/>
                 </a:solidFill>
@@ -15453,7 +15425,7 @@
           </a:p>
           <a:p>
             <a:r>
-              <a:rPr lang="nb-NO" sz="1200" dirty="0">
+              <a:rPr lang="nb-NO" sz="1400" dirty="0">
                 <a:solidFill>
                   <a:srgbClr val="000000"/>
                 </a:solidFill>
@@ -15465,7 +15437,7 @@
               <a:t>    </a:t>
             </a:r>
             <a:r>
-              <a:rPr lang="nb-NO" sz="1200" dirty="0">
+              <a:rPr lang="nb-NO" sz="1400" dirty="0">
                 <a:solidFill>
                   <a:srgbClr val="0000FF"/>
                 </a:solidFill>
@@ -15477,7 +15449,7 @@
               <a:t>catch</a:t>
             </a:r>
             <a:r>
-              <a:rPr lang="nb-NO" sz="1200" dirty="0">
+              <a:rPr lang="nb-NO" sz="1400" dirty="0">
                 <a:solidFill>
                   <a:srgbClr val="000000"/>
                 </a:solidFill>
@@ -15489,7 +15461,7 @@
               <a:t> (</a:t>
             </a:r>
             <a:r>
-              <a:rPr lang="nb-NO" sz="1200" dirty="0">
+              <a:rPr lang="nb-NO" sz="1400" dirty="0">
                 <a:solidFill>
                   <a:srgbClr val="2B91AF"/>
                 </a:solidFill>
@@ -15501,7 +15473,7 @@
               <a:t>NotFoundException</a:t>
             </a:r>
             <a:r>
-              <a:rPr lang="nb-NO" sz="1200" dirty="0">
+              <a:rPr lang="nb-NO" sz="1400" dirty="0">
                 <a:solidFill>
                   <a:srgbClr val="000000"/>
                 </a:solidFill>
@@ -15515,7 +15487,7 @@
           </a:p>
           <a:p>
             <a:r>
-              <a:rPr lang="nb-NO" sz="1200" dirty="0">
+              <a:rPr lang="nb-NO" sz="1400" dirty="0">
                 <a:solidFill>
                   <a:srgbClr val="000000"/>
                 </a:solidFill>
@@ -15529,7 +15501,7 @@
           </a:p>
           <a:p>
             <a:r>
-              <a:rPr lang="nb-NO" sz="1200" dirty="0">
+              <a:rPr lang="nb-NO" sz="1400" dirty="0">
                 <a:solidFill>
                   <a:srgbClr val="000000"/>
                 </a:solidFill>
@@ -15541,7 +15513,7 @@
               <a:t>        </a:t>
             </a:r>
             <a:r>
-              <a:rPr lang="nb-NO" sz="1200" dirty="0">
+              <a:rPr lang="nb-NO" sz="1400" dirty="0">
                 <a:solidFill>
                   <a:srgbClr val="0000FF"/>
                 </a:solidFill>
@@ -15553,7 +15525,7 @@
               <a:t>var</a:t>
             </a:r>
             <a:r>
-              <a:rPr lang="nb-NO" sz="1200" dirty="0">
+              <a:rPr lang="nb-NO" sz="1400" dirty="0">
                 <a:solidFill>
                   <a:srgbClr val="000000"/>
                 </a:solidFill>
@@ -15565,7 +15537,7 @@
               <a:t> resp = </a:t>
             </a:r>
             <a:r>
-              <a:rPr lang="nb-NO" sz="1200" dirty="0">
+              <a:rPr lang="nb-NO" sz="1400" dirty="0">
                 <a:solidFill>
                   <a:srgbClr val="0000FF"/>
                 </a:solidFill>
@@ -15577,7 +15549,7 @@
               <a:t>new</a:t>
             </a:r>
             <a:r>
-              <a:rPr lang="nb-NO" sz="1200" dirty="0">
+              <a:rPr lang="nb-NO" sz="1400" dirty="0">
                 <a:solidFill>
                   <a:srgbClr val="000000"/>
                 </a:solidFill>
@@ -15589,7 +15561,7 @@
               <a:t> </a:t>
             </a:r>
             <a:r>
-              <a:rPr lang="nb-NO" sz="1200" dirty="0">
+              <a:rPr lang="nb-NO" sz="1400" dirty="0">
                 <a:solidFill>
                   <a:srgbClr val="2B91AF"/>
                 </a:solidFill>
@@ -15601,7 +15573,7 @@
               <a:t>HttpResponseMessage</a:t>
             </a:r>
             <a:r>
-              <a:rPr lang="nb-NO" sz="1200" dirty="0">
+              <a:rPr lang="nb-NO" sz="1400" dirty="0">
                 <a:solidFill>
                   <a:srgbClr val="000000"/>
                 </a:solidFill>
@@ -15613,7 +15585,7 @@
               <a:t>(</a:t>
             </a:r>
             <a:r>
-              <a:rPr lang="nb-NO" sz="1200" dirty="0">
+              <a:rPr lang="nb-NO" sz="1400" dirty="0">
                 <a:solidFill>
                   <a:srgbClr val="2B91AF"/>
                 </a:solidFill>
@@ -15625,7 +15597,7 @@
               <a:t>HttpStatusCode</a:t>
             </a:r>
             <a:r>
-              <a:rPr lang="nb-NO" sz="1200" dirty="0">
+              <a:rPr lang="nb-NO" sz="1400" dirty="0">
                 <a:solidFill>
                   <a:srgbClr val="000000"/>
                 </a:solidFill>
@@ -15639,7 +15611,7 @@
           </a:p>
           <a:p>
             <a:r>
-              <a:rPr lang="nb-NO" sz="1200" dirty="0">
+              <a:rPr lang="nb-NO" sz="1400" dirty="0">
                 <a:solidFill>
                   <a:srgbClr val="000000"/>
                 </a:solidFill>
@@ -15653,7 +15625,7 @@
           </a:p>
           <a:p>
             <a:r>
-              <a:rPr lang="nb-NO" sz="1200" dirty="0">
+              <a:rPr lang="nb-NO" sz="1400" dirty="0">
                 <a:solidFill>
                   <a:srgbClr val="000000"/>
                 </a:solidFill>
@@ -15665,7 +15637,7 @@
               <a:t>            Content = </a:t>
             </a:r>
             <a:r>
-              <a:rPr lang="nb-NO" sz="1200" dirty="0">
+              <a:rPr lang="nb-NO" sz="1400" dirty="0">
                 <a:solidFill>
                   <a:srgbClr val="0000FF"/>
                 </a:solidFill>
@@ -15677,7 +15649,7 @@
               <a:t>new</a:t>
             </a:r>
             <a:r>
-              <a:rPr lang="nb-NO" sz="1200" dirty="0">
+              <a:rPr lang="nb-NO" sz="1400" dirty="0">
                 <a:solidFill>
                   <a:srgbClr val="000000"/>
                 </a:solidFill>
@@ -15689,7 +15661,7 @@
               <a:t> </a:t>
             </a:r>
             <a:r>
-              <a:rPr lang="nb-NO" sz="1200" dirty="0">
+              <a:rPr lang="nb-NO" sz="1400" dirty="0">
                 <a:solidFill>
                   <a:srgbClr val="2B91AF"/>
                 </a:solidFill>
@@ -15701,7 +15673,7 @@
               <a:t>StringContent</a:t>
             </a:r>
             <a:r>
-              <a:rPr lang="nb-NO" sz="1200" dirty="0">
+              <a:rPr lang="nb-NO" sz="1400" dirty="0">
                 <a:solidFill>
                   <a:srgbClr val="000000"/>
                 </a:solidFill>
@@ -15713,7 +15685,7 @@
               <a:t>(</a:t>
             </a:r>
             <a:r>
-              <a:rPr lang="nb-NO" sz="1200" dirty="0">
+              <a:rPr lang="nb-NO" sz="1400" dirty="0">
                 <a:solidFill>
                   <a:srgbClr val="0000FF"/>
                 </a:solidFill>
@@ -15725,7 +15697,7 @@
               <a:t>string</a:t>
             </a:r>
             <a:r>
-              <a:rPr lang="nb-NO" sz="1200" dirty="0">
+              <a:rPr lang="nb-NO" sz="1400" dirty="0">
                 <a:solidFill>
                   <a:srgbClr val="000000"/>
                 </a:solidFill>
@@ -15737,7 +15709,7 @@
               <a:t>.Format(</a:t>
             </a:r>
             <a:r>
-              <a:rPr lang="nb-NO" sz="1200" dirty="0">
+              <a:rPr lang="nb-NO" sz="1400" dirty="0">
                 <a:solidFill>
                   <a:srgbClr val="A31515"/>
                 </a:solidFill>
@@ -15749,7 +15721,7 @@
               <a:t>"Ingen bloggpost med ID = </a:t>
             </a:r>
             <a:r>
-              <a:rPr lang="nb-NO" sz="1200" dirty="0">
+              <a:rPr lang="nb-NO" sz="1400" dirty="0">
                 <a:solidFill>
                   <a:srgbClr val="3CB371"/>
                 </a:solidFill>
@@ -15761,7 +15733,7 @@
               <a:t>{0}</a:t>
             </a:r>
             <a:r>
-              <a:rPr lang="nb-NO" sz="1200" dirty="0">
+              <a:rPr lang="nb-NO" sz="1400" dirty="0">
                 <a:solidFill>
                   <a:srgbClr val="A31515"/>
                 </a:solidFill>
@@ -15773,7 +15745,7 @@
               <a:t>"</a:t>
             </a:r>
             <a:r>
-              <a:rPr lang="nb-NO" sz="1200" dirty="0">
+              <a:rPr lang="nb-NO" sz="1400" dirty="0">
                 <a:solidFill>
                   <a:srgbClr val="000000"/>
                 </a:solidFill>
@@ -15787,7 +15759,7 @@
           </a:p>
           <a:p>
             <a:r>
-              <a:rPr lang="nb-NO" sz="1200" dirty="0">
+              <a:rPr lang="nb-NO" sz="1400" dirty="0">
                 <a:solidFill>
                   <a:srgbClr val="000000"/>
                 </a:solidFill>
@@ -15799,7 +15771,7 @@
               <a:t>            ReasonPhrase = </a:t>
             </a:r>
             <a:r>
-              <a:rPr lang="nb-NO" sz="1200" dirty="0">
+              <a:rPr lang="nb-NO" sz="1400" dirty="0">
                 <a:solidFill>
                   <a:srgbClr val="A31515"/>
                 </a:solidFill>
@@ -15810,7 +15782,7 @@
               </a:rPr>
               <a:t>"Bloggpost ble ikke funnet."</a:t>
             </a:r>
-            <a:endParaRPr lang="nb-NO" sz="1200" dirty="0">
+            <a:endParaRPr lang="nb-NO" sz="1400" dirty="0">
               <a:solidFill>
                 <a:srgbClr val="000000"/>
               </a:solidFill>
@@ -15822,7 +15794,7 @@
           </a:p>
           <a:p>
             <a:r>
-              <a:rPr lang="nb-NO" sz="1200" dirty="0">
+              <a:rPr lang="nb-NO" sz="1400" dirty="0">
                 <a:solidFill>
                   <a:srgbClr val="000000"/>
                 </a:solidFill>
@@ -15836,7 +15808,7 @@
           </a:p>
           <a:p>
             <a:r>
-              <a:rPr lang="nb-NO" sz="1200" dirty="0">
+              <a:rPr lang="nb-NO" sz="1400" dirty="0">
                 <a:solidFill>
                   <a:srgbClr val="000000"/>
                 </a:solidFill>
@@ -15848,7 +15820,7 @@
               <a:t>        </a:t>
             </a:r>
             <a:r>
-              <a:rPr lang="nb-NO" sz="1200" dirty="0">
+              <a:rPr lang="nb-NO" sz="1400" dirty="0">
                 <a:solidFill>
                   <a:srgbClr val="0000FF"/>
                 </a:solidFill>
@@ -15860,7 +15832,7 @@
               <a:t>throw</a:t>
             </a:r>
             <a:r>
-              <a:rPr lang="nb-NO" sz="1200" dirty="0">
+              <a:rPr lang="nb-NO" sz="1400" dirty="0">
                 <a:solidFill>
                   <a:srgbClr val="000000"/>
                 </a:solidFill>
@@ -15872,7 +15844,7 @@
               <a:t> </a:t>
             </a:r>
             <a:r>
-              <a:rPr lang="nb-NO" sz="1200" dirty="0">
+              <a:rPr lang="nb-NO" sz="1400" dirty="0">
                 <a:solidFill>
                   <a:srgbClr val="0000FF"/>
                 </a:solidFill>
@@ -15884,7 +15856,7 @@
               <a:t>new</a:t>
             </a:r>
             <a:r>
-              <a:rPr lang="nb-NO" sz="1200" dirty="0">
+              <a:rPr lang="nb-NO" sz="1400" dirty="0">
                 <a:solidFill>
                   <a:srgbClr val="000000"/>
                 </a:solidFill>
@@ -15896,7 +15868,7 @@
               <a:t> </a:t>
             </a:r>
             <a:r>
-              <a:rPr lang="nb-NO" sz="1200" dirty="0">
+              <a:rPr lang="nb-NO" sz="1400" dirty="0">
                 <a:solidFill>
                   <a:srgbClr val="2B91AF"/>
                 </a:solidFill>
@@ -15908,7 +15880,7 @@
               <a:t>HttpResponseException</a:t>
             </a:r>
             <a:r>
-              <a:rPr lang="nb-NO" sz="1200" dirty="0">
+              <a:rPr lang="nb-NO" sz="1400" dirty="0">
                 <a:solidFill>
                   <a:srgbClr val="000000"/>
                 </a:solidFill>
@@ -15922,7 +15894,7 @@
           </a:p>
           <a:p>
             <a:r>
-              <a:rPr lang="nb-NO" sz="1200" dirty="0">
+              <a:rPr lang="nb-NO" sz="1400" dirty="0">
                 <a:solidFill>
                   <a:srgbClr val="000000"/>
                 </a:solidFill>
@@ -15936,7 +15908,7 @@
           </a:p>
           <a:p>
             <a:r>
-              <a:rPr lang="nb-NO" sz="1200" dirty="0">
+              <a:rPr lang="nb-NO" sz="1400" dirty="0">
                 <a:solidFill>
                   <a:srgbClr val="000000"/>
                 </a:solidFill>
@@ -15947,7 +15919,7 @@
               </a:rPr>
               <a:t>}</a:t>
             </a:r>
-            <a:endParaRPr kumimoji="0" lang="en-US" sz="1200" b="0" i="0" u="none" strike="noStrike" cap="none" normalizeH="0" baseline="0" dirty="0" smtClean="0">
+            <a:endParaRPr kumimoji="0" lang="en-US" sz="1400" b="0" i="0" u="none" strike="noStrike" cap="none" normalizeH="0" baseline="0" dirty="0" smtClean="0">
               <a:ln>
                 <a:noFill/>
               </a:ln>
@@ -16022,7 +15994,7 @@
         <p:spPr>
           <a:xfrm>
             <a:off x="321623" y="418905"/>
-            <a:ext cx="1583767" cy="307777"/>
+            <a:ext cx="1401666" cy="307777"/>
           </a:xfrm>
           <a:solidFill>
             <a:schemeClr val="accent1"/>
@@ -16038,7 +16010,7 @@
                   <a:schemeClr val="bg1"/>
                 </a:solidFill>
               </a:rPr>
-              <a:t>OppgaveR</a:t>
+              <a:t>Oppgave</a:t>
             </a:r>
             <a:endParaRPr lang="en-US" dirty="0">
               <a:solidFill>
@@ -16093,7 +16065,7 @@
         <p:spPr>
           <a:xfrm>
             <a:off x="321623" y="771823"/>
-            <a:ext cx="8102827" cy="5601533"/>
+            <a:ext cx="8102827" cy="5816977"/>
           </a:xfrm>
           <a:prstGeom prst="rect">
             <a:avLst/>
@@ -16357,8 +16329,105 @@
                 <a:latin typeface="Consolas" pitchFamily="49" charset="0"/>
                 <a:cs typeface="Consolas" pitchFamily="49" charset="0"/>
               </a:rPr>
-              <a:t>Fork solution fra github: github.com/espenekvang/dotnetkurs</a:t>
-            </a:r>
+              <a:t>Fork solution fra github: </a:t>
+            </a:r>
+            <a:r>
+              <a:rPr lang="nb-NO" sz="1400" i="1" dirty="0" smtClean="0">
+                <a:solidFill>
+                  <a:schemeClr val="bg1"/>
+                </a:solidFill>
+                <a:latin typeface="Consolas" pitchFamily="49" charset="0"/>
+                <a:cs typeface="Consolas" pitchFamily="49" charset="0"/>
+              </a:rPr>
+              <a:t>github.com/bekk/</a:t>
+            </a:r>
+            <a:r>
+              <a:rPr lang="nb-NO" sz="1400" i="1" dirty="0" err="1" smtClean="0">
+                <a:solidFill>
+                  <a:schemeClr val="bg1"/>
+                </a:solidFill>
+                <a:latin typeface="Consolas" pitchFamily="49" charset="0"/>
+                <a:cs typeface="Consolas" pitchFamily="49" charset="0"/>
+              </a:rPr>
+              <a:t>dotnetkurs</a:t>
+            </a:r>
+            <a:r>
+              <a:rPr lang="nb-NO" sz="1400" i="1" dirty="0" smtClean="0">
+                <a:solidFill>
+                  <a:schemeClr val="bg1"/>
+                </a:solidFill>
+                <a:latin typeface="Consolas" pitchFamily="49" charset="0"/>
+                <a:cs typeface="Consolas" pitchFamily="49" charset="0"/>
+              </a:rPr>
+              <a:t> se i mappen Oppgaver under </a:t>
+            </a:r>
+            <a:r>
+              <a:rPr lang="nb-NO" sz="1400" i="1" dirty="0" err="1" smtClean="0">
+                <a:solidFill>
+                  <a:schemeClr val="bg1"/>
+                </a:solidFill>
+                <a:latin typeface="Consolas" pitchFamily="49" charset="0"/>
+                <a:cs typeface="Consolas" pitchFamily="49" charset="0"/>
+              </a:rPr>
+              <a:t>webapi</a:t>
+            </a:r>
+            <a:r>
+              <a:rPr lang="nb-NO" sz="1400" i="1" dirty="0" smtClean="0">
+                <a:solidFill>
+                  <a:schemeClr val="bg1"/>
+                </a:solidFill>
+                <a:latin typeface="Consolas" pitchFamily="49" charset="0"/>
+                <a:cs typeface="Consolas" pitchFamily="49" charset="0"/>
+              </a:rPr>
+              <a:t>. Her ligger en </a:t>
+            </a:r>
+            <a:r>
+              <a:rPr lang="nb-NO" sz="1400" i="1" dirty="0" err="1" smtClean="0">
+                <a:solidFill>
+                  <a:schemeClr val="bg1"/>
+                </a:solidFill>
+                <a:latin typeface="Consolas" pitchFamily="49" charset="0"/>
+                <a:cs typeface="Consolas" pitchFamily="49" charset="0"/>
+              </a:rPr>
+              <a:t>solution</a:t>
+            </a:r>
+            <a:r>
+              <a:rPr lang="nb-NO" sz="1400" i="1" dirty="0" smtClean="0">
+                <a:solidFill>
+                  <a:schemeClr val="bg1"/>
+                </a:solidFill>
+                <a:latin typeface="Consolas" pitchFamily="49" charset="0"/>
+                <a:cs typeface="Consolas" pitchFamily="49" charset="0"/>
+              </a:rPr>
+              <a:t> </a:t>
+            </a:r>
+            <a:r>
+              <a:rPr lang="nb-NO" sz="1400" i="1" dirty="0" err="1" smtClean="0">
+                <a:solidFill>
+                  <a:schemeClr val="bg1"/>
+                </a:solidFill>
+                <a:latin typeface="Consolas" pitchFamily="49" charset="0"/>
+                <a:cs typeface="Consolas" pitchFamily="49" charset="0"/>
+              </a:rPr>
+              <a:t>MinBlogg</a:t>
+            </a:r>
+            <a:r>
+              <a:rPr lang="nb-NO" sz="1400" i="1" dirty="0" smtClean="0">
+                <a:solidFill>
+                  <a:schemeClr val="bg1"/>
+                </a:solidFill>
+                <a:latin typeface="Consolas" pitchFamily="49" charset="0"/>
+                <a:cs typeface="Consolas" pitchFamily="49" charset="0"/>
+              </a:rPr>
+              <a:t> som dere kan ta utgangspunkt i.</a:t>
+            </a:r>
+            <a:endParaRPr lang="nb-NO" sz="1400" i="1" dirty="0" smtClean="0">
+              <a:solidFill>
+                <a:schemeClr val="bg1"/>
+              </a:solidFill>
+              <a:latin typeface="Consolas" pitchFamily="49" charset="0"/>
+              <a:cs typeface="Consolas" pitchFamily="49" charset="0"/>
+            </a:endParaRPr>
           </a:p>
           <a:p>
             <a:pPr algn="just"/>
@@ -16449,7 +16518,7 @@
         <p:spPr>
           <a:xfrm>
             <a:off x="321623" y="418905"/>
-            <a:ext cx="1610377" cy="307777"/>
+            <a:ext cx="1401666" cy="307777"/>
           </a:xfrm>
           <a:solidFill>
             <a:schemeClr val="accent1"/>
@@ -16465,7 +16534,7 @@
                   <a:schemeClr val="bg1"/>
                 </a:solidFill>
               </a:rPr>
-              <a:t>Oppgave 3</a:t>
+              <a:t>Oppgave</a:t>
             </a:r>
             <a:endParaRPr lang="en-US" dirty="0">
               <a:solidFill>
@@ -16641,7 +16710,7 @@
         <p:spPr>
           <a:xfrm>
             <a:off x="321623" y="418905"/>
-            <a:ext cx="1466748" cy="307777"/>
+            <a:ext cx="1088760" cy="307777"/>
           </a:xfrm>
           <a:solidFill>
             <a:schemeClr val="accent1"/>
@@ -16657,7 +16726,7 @@
                   <a:schemeClr val="bg1"/>
                 </a:solidFill>
               </a:rPr>
-              <a:t>Oppgave </a:t>
+              <a:t>BONUS</a:t>
             </a:r>
             <a:endParaRPr lang="en-US" dirty="0">
               <a:solidFill>
@@ -16711,7 +16780,7 @@
         </p:nvSpPr>
         <p:spPr>
           <a:xfrm>
-            <a:off x="321623" y="1397000"/>
+            <a:off x="334323" y="1397000"/>
             <a:ext cx="8102827" cy="369332"/>
           </a:xfrm>
           <a:prstGeom prst="rect">
@@ -16732,7 +16801,23 @@
                   <a:schemeClr val="bg1"/>
                 </a:solidFill>
               </a:rPr>
-              <a:t>Vi ønsker at man skal kunne opprette kommentarer på en bloggpost</a:t>
+              <a:t>Utvid blogg </a:t>
+            </a:r>
+            <a:r>
+              <a:rPr lang="nb-NO" dirty="0" err="1" smtClean="0">
+                <a:solidFill>
+                  <a:schemeClr val="bg1"/>
+                </a:solidFill>
+              </a:rPr>
+              <a:t>api’et</a:t>
+            </a:r>
+            <a:r>
+              <a:rPr lang="nb-NO" dirty="0" smtClean="0">
+                <a:solidFill>
+                  <a:schemeClr val="bg1"/>
+                </a:solidFill>
+              </a:rPr>
+              <a:t> slik at man kan tillate kommentarer på en bloggpost.</a:t>
             </a:r>
             <a:endParaRPr lang="en-US" dirty="0" smtClean="0">
               <a:solidFill>
@@ -16766,7 +16851,7 @@
 </file>
 
 <file path=ppt/slides/slide17.xml><?xml version="1.0" encoding="utf-8"?>
-<p:sld xmlns:a="http://schemas.openxmlformats.org/drawingml/2006/main" xmlns:r="http://schemas.openxmlformats.org/officeDocument/2006/relationships" xmlns:p="http://schemas.openxmlformats.org/presentationml/2006/main" show="0">
+<p:sld xmlns:a="http://schemas.openxmlformats.org/drawingml/2006/main" xmlns:r="http://schemas.openxmlformats.org/officeDocument/2006/relationships" xmlns:p="http://schemas.openxmlformats.org/presentationml/2006/main">
   <p:cSld>
     <p:spTree>
       <p:nvGrpSpPr>
@@ -17018,7 +17103,7 @@
         <p:spPr>
           <a:xfrm>
             <a:off x="321623" y="1397000"/>
-            <a:ext cx="8102827" cy="3057247"/>
+            <a:ext cx="8102827" cy="3888244"/>
           </a:xfrm>
           <a:prstGeom prst="rect">
             <a:avLst/>
@@ -17042,7 +17127,7 @@
               <a:buChar char="ü"/>
             </a:pPr>
             <a:r>
-              <a:rPr lang="nb-NO" sz="1400" dirty="0" smtClean="0"/>
+              <a:rPr lang="nb-NO" sz="2000" b="1" dirty="0" smtClean="0"/>
               <a:t> HTTP-baserte tjenester (REST)</a:t>
             </a:r>
           </a:p>
@@ -17058,7 +17143,7 @@
               <a:buChar char="ü"/>
             </a:pPr>
             <a:r>
-              <a:rPr lang="nb-NO" sz="1400" dirty="0" smtClean="0"/>
+              <a:rPr lang="nb-NO" sz="2000" b="1" dirty="0" smtClean="0"/>
               <a:t>ASP.NET Web API</a:t>
             </a:r>
           </a:p>
@@ -17074,7 +17159,7 @@
               <a:buChar char="ü"/>
             </a:pPr>
             <a:r>
-              <a:rPr lang="nb-NO" sz="1400" dirty="0" smtClean="0"/>
+              <a:rPr lang="nb-NO" sz="2000" b="1" dirty="0" smtClean="0"/>
               <a:t> ApiController</a:t>
             </a:r>
           </a:p>
@@ -17090,7 +17175,7 @@
               <a:buChar char="ü"/>
             </a:pPr>
             <a:r>
-              <a:rPr lang="nb-NO" sz="1400" dirty="0" smtClean="0"/>
+              <a:rPr lang="nb-NO" sz="2000" b="1" dirty="0" smtClean="0"/>
               <a:t> Routing</a:t>
             </a:r>
           </a:p>
@@ -17106,7 +17191,7 @@
               <a:buChar char="ü"/>
             </a:pPr>
             <a:r>
-              <a:rPr lang="nb-NO" sz="1400" dirty="0" smtClean="0"/>
+              <a:rPr lang="nb-NO" sz="2000" b="1" dirty="0" smtClean="0"/>
               <a:t> Responser</a:t>
             </a:r>
           </a:p>
@@ -17122,9 +17207,22 @@
               <a:buChar char="ü"/>
             </a:pPr>
             <a:r>
-              <a:rPr lang="nb-NO" sz="1400" dirty="0" smtClean="0"/>
-              <a:t> Oppgave</a:t>
-            </a:r>
+              <a:rPr lang="nb-NO" sz="2000" b="1" dirty="0" smtClean="0"/>
+              <a:t> </a:t>
+            </a:r>
+            <a:r>
+              <a:rPr lang="nb-NO" sz="2000" b="1" dirty="0" smtClean="0"/>
+              <a:t>Oppgave (</a:t>
+            </a:r>
+            <a:r>
+              <a:rPr lang="nb-NO" sz="2000" b="1" dirty="0" err="1" smtClean="0"/>
+              <a:t>MinBlogg.Api</a:t>
+            </a:r>
+            <a:r>
+              <a:rPr lang="nb-NO" sz="2000" b="1" dirty="0" smtClean="0"/>
+              <a:t>)</a:t>
+            </a:r>
+            <a:endParaRPr lang="nb-NO" sz="2000" b="1" dirty="0" smtClean="0"/>
           </a:p>
           <a:p>
             <a:pPr>
@@ -17138,9 +17236,18 @@
               <a:buChar char="ü"/>
             </a:pPr>
             <a:r>
-              <a:rPr lang="nb-NO" sz="1400" dirty="0" smtClean="0"/>
-              <a:t>Oppgave 2</a:t>
-            </a:r>
+              <a:rPr lang="nb-NO" sz="2000" b="1" dirty="0" smtClean="0"/>
+              <a:t> Oppgave (Web </a:t>
+            </a:r>
+            <a:r>
+              <a:rPr lang="nb-NO" sz="2000" b="1" dirty="0" err="1" smtClean="0"/>
+              <a:t>Api</a:t>
+            </a:r>
+            <a:r>
+              <a:rPr lang="nb-NO" sz="2000" b="1" dirty="0" smtClean="0"/>
+              <a:t> konsument)</a:t>
+            </a:r>
+            <a:endParaRPr lang="nb-NO" sz="2000" b="1" dirty="0" smtClean="0"/>
           </a:p>
           <a:p>
             <a:pPr>
@@ -17154,7 +17261,7 @@
               <a:buChar char="ü"/>
             </a:pPr>
             <a:r>
-              <a:rPr lang="nb-NO" sz="1400" dirty="0" smtClean="0"/>
+              <a:rPr lang="nb-NO" sz="2000" b="1" dirty="0" smtClean="0"/>
               <a:t> Konsumere ASP.NET Web API</a:t>
             </a:r>
           </a:p>
@@ -17170,7 +17277,7 @@
               <a:buChar char="ü"/>
             </a:pPr>
             <a:r>
-              <a:rPr lang="nb-NO" sz="1400" dirty="0" smtClean="0"/>
+              <a:rPr lang="nb-NO" sz="2000" b="1" dirty="0" smtClean="0"/>
               <a:t> Oppgave</a:t>
             </a:r>
           </a:p>
@@ -17281,7 +17388,7 @@
         <p:spPr>
           <a:xfrm>
             <a:off x="321623" y="1313025"/>
-            <a:ext cx="8102827" cy="954107"/>
+            <a:ext cx="8102827" cy="2554545"/>
           </a:xfrm>
           <a:prstGeom prst="rect">
             <a:avLst/>
@@ -17300,13 +17407,29 @@
             </a:r>
           </a:p>
           <a:p>
-            <a:r>
-              <a:rPr lang="nb-NO" sz="2800" dirty="0" smtClean="0">
+            <a:endParaRPr lang="nb-NO" sz="2000" dirty="0"/>
+          </a:p>
+          <a:p>
+            <a:endParaRPr lang="nb-NO" sz="2000" dirty="0" smtClean="0"/>
+          </a:p>
+          <a:p>
+            <a:endParaRPr lang="nb-NO" sz="2000" dirty="0" smtClean="0"/>
+          </a:p>
+          <a:p>
+            <a:endParaRPr lang="nb-NO" sz="2000" dirty="0"/>
+          </a:p>
+          <a:p>
+            <a:endParaRPr lang="nb-NO" sz="2000" dirty="0" smtClean="0"/>
+          </a:p>
+          <a:p>
+            <a:pPr algn="ctr"/>
+            <a:r>
+              <a:rPr lang="nb-NO" sz="3200" dirty="0" smtClean="0">
                 <a:hlinkClick r:id="rId3"/>
               </a:rPr>
               <a:t>http://minblogg.no/api/bloggposter</a:t>
             </a:r>
-            <a:endParaRPr lang="nb-NO" sz="2800" dirty="0" smtClean="0"/>
+            <a:endParaRPr lang="nb-NO" sz="3200" dirty="0" smtClean="0"/>
           </a:p>
         </p:txBody>
       </p:sp>
@@ -17420,7 +17543,7 @@
         <p:spPr>
           <a:xfrm>
             <a:off x="321623" y="1313025"/>
-            <a:ext cx="8102827" cy="1815882"/>
+            <a:ext cx="8102827" cy="3539430"/>
           </a:xfrm>
           <a:prstGeom prst="rect">
             <a:avLst/>
@@ -17439,9 +17562,28 @@
             </a:r>
           </a:p>
           <a:p>
+            <a:endParaRPr lang="nb-NO" sz="2800" dirty="0" smtClean="0"/>
+          </a:p>
+          <a:p>
+            <a:endParaRPr lang="nb-NO" sz="2800" dirty="0"/>
+          </a:p>
+          <a:p>
+            <a:pPr algn="ctr"/>
+            <a:endParaRPr lang="nb-NO" sz="2800" dirty="0" smtClean="0"/>
+          </a:p>
+          <a:p>
+            <a:pPr algn="ctr"/>
+            <a:endParaRPr lang="nb-NO" sz="2800" dirty="0"/>
+          </a:p>
+          <a:p>
+            <a:pPr algn="ctr"/>
             <a:r>
               <a:rPr lang="nb-NO" sz="2800" dirty="0" smtClean="0"/>
-              <a:t>Ressurs:</a:t>
+              <a:t>Ressurs</a:t>
+            </a:r>
+            <a:r>
+              <a:rPr lang="nb-NO" sz="2800" dirty="0" smtClean="0"/>
+              <a:t>:</a:t>
             </a:r>
             <a:r>
               <a:rPr lang="nb-NO" sz="2800" dirty="0"/>
@@ -17904,7 +18046,7 @@
         <p:spPr>
           <a:xfrm>
             <a:off x="588578" y="1019183"/>
-            <a:ext cx="7378672" cy="4247317"/>
+            <a:ext cx="8314122" cy="4247317"/>
           </a:xfrm>
           <a:prstGeom prst="rect">
             <a:avLst/>
@@ -17916,78 +18058,165 @@
           </a:bodyPr>
           <a:lstStyle/>
           <a:p>
+            <a:pPr marL="285750" indent="-285750">
+              <a:buFont typeface="Wingdings" panose="05000000000000000000" pitchFamily="2" charset="2"/>
+              <a:buChar char="ü"/>
+            </a:pPr>
             <a:r>
               <a:rPr lang="nb-NO" b="1" dirty="0" smtClean="0"/>
-              <a:t>Hent alle bloggposter på blogg</a:t>
-            </a:r>
-            <a:endParaRPr lang="nb-NO" b="1" dirty="0"/>
-          </a:p>
-          <a:p>
-            <a:r>
-              <a:rPr lang="nb-NO" dirty="0" smtClean="0"/>
-              <a:t>GET – minblogg.no/api/bloggposter</a:t>
+              <a:t>Hent alle bloggposter på </a:t>
+            </a:r>
+            <a:r>
+              <a:rPr lang="nb-NO" b="1" dirty="0" smtClean="0"/>
+              <a:t>blogg</a:t>
+            </a:r>
+            <a:r>
+              <a:rPr lang="nb-NO" b="1" dirty="0"/>
+              <a:t/>
+            </a:r>
+            <a:br>
+              <a:rPr lang="nb-NO" b="1" dirty="0"/>
+            </a:br>
+            <a:r>
+              <a:rPr lang="nb-NO" dirty="0" smtClean="0"/>
+              <a:t>GET </a:t>
+            </a:r>
+            <a:r>
+              <a:rPr lang="nb-NO" dirty="0" smtClean="0"/>
+              <a:t>– minblogg.no/api/bloggposter</a:t>
             </a:r>
             <a:endParaRPr lang="nb-NO" dirty="0"/>
           </a:p>
           <a:p>
+            <a:pPr marL="285750" indent="-285750">
+              <a:buFont typeface="Wingdings" panose="05000000000000000000" pitchFamily="2" charset="2"/>
+              <a:buChar char="ü"/>
+            </a:pPr>
             <a:endParaRPr lang="nb-NO" dirty="0" smtClean="0"/>
           </a:p>
           <a:p>
+            <a:pPr marL="285750" indent="-285750">
+              <a:buFont typeface="Wingdings" panose="05000000000000000000" pitchFamily="2" charset="2"/>
+              <a:buChar char="ü"/>
+            </a:pPr>
             <a:r>
               <a:rPr lang="nb-NO" b="1" dirty="0" smtClean="0"/>
-              <a:t>Lag ny bloggpost</a:t>
-            </a:r>
-          </a:p>
-          <a:p>
-            <a:r>
-              <a:rPr lang="nb-NO" dirty="0" smtClean="0"/>
-              <a:t>POST {Id: 1, Tittel: Lær deg WebApi} – minblogg.no/api/bloggposter</a:t>
-            </a:r>
-          </a:p>
-          <a:p>
+              <a:t>Lag ny </a:t>
+            </a:r>
+            <a:r>
+              <a:rPr lang="nb-NO" b="1" dirty="0" smtClean="0"/>
+              <a:t>bloggpost</a:t>
+            </a:r>
+            <a:br>
+              <a:rPr lang="nb-NO" b="1" dirty="0" smtClean="0"/>
+            </a:br>
+            <a:r>
+              <a:rPr lang="nb-NO" dirty="0" smtClean="0"/>
+              <a:t>POST </a:t>
+            </a:r>
+            <a:r>
+              <a:rPr lang="nb-NO" dirty="0" smtClean="0"/>
+              <a:t>{Id: 1, Tittel: Lær deg WebApi} – minblogg.no/api/bloggposter</a:t>
+            </a:r>
+          </a:p>
+          <a:p>
+            <a:pPr marL="285750" indent="-285750">
+              <a:buFont typeface="Wingdings" panose="05000000000000000000" pitchFamily="2" charset="2"/>
+              <a:buChar char="ü"/>
+            </a:pPr>
             <a:endParaRPr lang="nb-NO" dirty="0"/>
           </a:p>
           <a:p>
+            <a:pPr marL="285750" indent="-285750">
+              <a:buFont typeface="Wingdings" panose="05000000000000000000" pitchFamily="2" charset="2"/>
+              <a:buChar char="ü"/>
+            </a:pPr>
             <a:r>
               <a:rPr lang="nb-NO" b="1" dirty="0" smtClean="0"/>
-              <a:t>Endre tittel på bloggpost</a:t>
-            </a:r>
-          </a:p>
-          <a:p>
-            <a:r>
-              <a:rPr lang="nb-NO" dirty="0" smtClean="0"/>
-              <a:t>PUT {Tittel: WebApi er gøy} – minblogg.no/api/bloggposter/1</a:t>
-            </a:r>
-          </a:p>
-          <a:p>
+              <a:t>Endre tittel på </a:t>
+            </a:r>
+            <a:r>
+              <a:rPr lang="nb-NO" b="1" dirty="0" smtClean="0"/>
+              <a:t>bloggpost</a:t>
+            </a:r>
+            <a:br>
+              <a:rPr lang="nb-NO" b="1" dirty="0" smtClean="0"/>
+            </a:br>
+            <a:r>
+              <a:rPr lang="nb-NO" dirty="0" smtClean="0"/>
+              <a:t>PUT </a:t>
+            </a:r>
+            <a:r>
+              <a:rPr lang="nb-NO" dirty="0" smtClean="0"/>
+              <a:t>{Tittel: WebApi er gøy} – minblogg.no/api/bloggposter/1</a:t>
+            </a:r>
+          </a:p>
+          <a:p>
+            <a:pPr marL="285750" indent="-285750">
+              <a:buFont typeface="Wingdings" panose="05000000000000000000" pitchFamily="2" charset="2"/>
+              <a:buChar char="ü"/>
+            </a:pPr>
             <a:endParaRPr lang="nb-NO" dirty="0" smtClean="0"/>
           </a:p>
           <a:p>
+            <a:pPr marL="285750" indent="-285750">
+              <a:buFont typeface="Wingdings" panose="05000000000000000000" pitchFamily="2" charset="2"/>
+              <a:buChar char="ü"/>
+            </a:pPr>
             <a:r>
               <a:rPr lang="nb-NO" b="1" dirty="0" smtClean="0"/>
-              <a:t>Slett bloggpost</a:t>
-            </a:r>
-            <a:endParaRPr lang="nb-NO" b="1" dirty="0"/>
-          </a:p>
-          <a:p>
-            <a:r>
-              <a:rPr lang="nb-NO" dirty="0" smtClean="0"/>
-              <a:t>DELETE – minblogg.no/api/bloggposter/1</a:t>
-            </a:r>
-          </a:p>
-          <a:p>
+              <a:t>Slett </a:t>
+            </a:r>
+            <a:r>
+              <a:rPr lang="nb-NO" b="1" dirty="0" smtClean="0"/>
+              <a:t>bloggpost</a:t>
+            </a:r>
+            <a:r>
+              <a:rPr lang="nb-NO" b="1" dirty="0"/>
+              <a:t/>
+            </a:r>
+            <a:br>
+              <a:rPr lang="nb-NO" b="1" dirty="0"/>
+            </a:br>
+            <a:r>
+              <a:rPr lang="nb-NO" dirty="0" smtClean="0"/>
+              <a:t>DELETE </a:t>
+            </a:r>
+            <a:r>
+              <a:rPr lang="nb-NO" dirty="0" smtClean="0"/>
+              <a:t>– minblogg.no/api/bloggposter/1</a:t>
+            </a:r>
+          </a:p>
+          <a:p>
+            <a:pPr marL="285750" indent="-285750">
+              <a:buFont typeface="Wingdings" panose="05000000000000000000" pitchFamily="2" charset="2"/>
+              <a:buChar char="ü"/>
+            </a:pPr>
             <a:endParaRPr lang="nb-NO" dirty="0"/>
           </a:p>
           <a:p>
+            <a:pPr marL="285750" indent="-285750">
+              <a:buFont typeface="Wingdings" panose="05000000000000000000" pitchFamily="2" charset="2"/>
+              <a:buChar char="ü"/>
+            </a:pPr>
             <a:r>
               <a:rPr lang="nb-NO" b="1" dirty="0"/>
-              <a:t>Hent alle kommentarer for bloggpost</a:t>
-            </a:r>
-          </a:p>
-          <a:p>
+              <a:t>Hent alle kommentarer for </a:t>
+            </a:r>
+            <a:r>
+              <a:rPr lang="nb-NO" b="1" dirty="0" smtClean="0"/>
+              <a:t>bloggpost</a:t>
+            </a:r>
+            <a:br>
+              <a:rPr lang="nb-NO" b="1" dirty="0" smtClean="0"/>
+            </a:br>
+            <a:r>
+              <a:rPr lang="nb-NO" dirty="0" smtClean="0"/>
+              <a:t>GET </a:t>
+            </a:r>
             <a:r>
               <a:rPr lang="nb-NO" dirty="0"/>
-              <a:t>GET – </a:t>
+              <a:t>– </a:t>
             </a:r>
             <a:r>
               <a:rPr lang="nb-NO" dirty="0" smtClean="0"/>
@@ -18100,7 +18329,7 @@
         <p:spPr>
           <a:xfrm>
             <a:off x="321623" y="1397000"/>
-            <a:ext cx="8102827" cy="2026196"/>
+            <a:ext cx="8517577" cy="3888244"/>
           </a:xfrm>
           <a:prstGeom prst="rect">
             <a:avLst/>
@@ -18124,9 +18353,25 @@
               <a:buChar char="ü"/>
             </a:pPr>
             <a:r>
-              <a:rPr lang="nb-NO" sz="1400" dirty="0" smtClean="0"/>
-              <a:t>Rammeverk for å bygge HTTP-baserte tjenester på .NET platformen</a:t>
-            </a:r>
+              <a:rPr lang="nb-NO" b="1" dirty="0" smtClean="0"/>
+              <a:t> Rammeverk </a:t>
+            </a:r>
+            <a:r>
+              <a:rPr lang="nb-NO" b="1" dirty="0" smtClean="0"/>
+              <a:t>for å bygge HTTP-baserte tjenester på .NET </a:t>
+            </a:r>
+            <a:r>
+              <a:rPr lang="nb-NO" b="1" dirty="0" err="1" smtClean="0"/>
+              <a:t>platformen</a:t>
+            </a:r>
+            <a:r>
+              <a:rPr lang="nb-NO" b="1" dirty="0" smtClean="0"/>
+              <a:t/>
+            </a:r>
+            <a:br>
+              <a:rPr lang="nb-NO" b="1" dirty="0" smtClean="0"/>
+            </a:br>
+            <a:endParaRPr lang="nb-NO" b="1" dirty="0" smtClean="0"/>
           </a:p>
           <a:p>
             <a:pPr>
@@ -18140,9 +18385,24 @@
               <a:buChar char="ü"/>
             </a:pPr>
             <a:r>
-              <a:rPr lang="nb-NO" sz="1400" dirty="0" smtClean="0"/>
-              <a:t>Gjør det enkelt å lage tjenester som følger REST-prinsippene </a:t>
-            </a:r>
+              <a:rPr lang="nb-NO" b="1" dirty="0" smtClean="0"/>
+              <a:t> Gjør </a:t>
+            </a:r>
+            <a:r>
+              <a:rPr lang="nb-NO" b="1" dirty="0" smtClean="0"/>
+              <a:t>det enkelt å lage tjenester som følger REST-prinsippene </a:t>
+            </a:r>
+          </a:p>
+          <a:p>
+            <a:pPr>
+              <a:spcBef>
+                <a:spcPts val="600"/>
+              </a:spcBef>
+              <a:spcAft>
+                <a:spcPts val="400"/>
+              </a:spcAft>
+            </a:pPr>
+            <a:endParaRPr lang="nb-NO" b="1" dirty="0" smtClean="0"/>
           </a:p>
           <a:p>
             <a:pPr>
@@ -18156,8 +18416,12 @@
               <a:buChar char="ü"/>
             </a:pPr>
             <a:r>
-              <a:rPr lang="nb-NO" sz="1400" dirty="0" smtClean="0"/>
-              <a:t>Tilgjengeliggjøring for flere enheter og klientplatformer</a:t>
+              <a:rPr lang="nb-NO" b="1" dirty="0" smtClean="0"/>
+              <a:t> Tilgjengeliggjøring </a:t>
+            </a:r>
+            <a:r>
+              <a:rPr lang="nb-NO" b="1" dirty="0" smtClean="0"/>
+              <a:t>for flere enheter og klientplatformer</a:t>
             </a:r>
           </a:p>
           <a:p>
@@ -18171,10 +18435,7 @@
               <a:buFont typeface="Wingdings" pitchFamily="2" charset="2"/>
               <a:buChar char="ü"/>
             </a:pPr>
-            <a:r>
-              <a:rPr lang="nb-NO" sz="1400" dirty="0" smtClean="0"/>
-              <a:t>Levere data i flere formater (XML, JSON)</a:t>
-            </a:r>
+            <a:endParaRPr lang="nb-NO" b="1" dirty="0" smtClean="0"/>
           </a:p>
           <a:p>
             <a:pPr>
@@ -18188,8 +18449,12 @@
               <a:buChar char="ü"/>
             </a:pPr>
             <a:r>
-              <a:rPr lang="nb-NO" sz="1400" dirty="0" smtClean="0"/>
-              <a:t> Facebook, Twitter, LinkedIn +++ </a:t>
+              <a:rPr lang="nb-NO" b="1" dirty="0" smtClean="0"/>
+              <a:t> Levere </a:t>
+            </a:r>
+            <a:r>
+              <a:rPr lang="nb-NO" b="1" dirty="0" smtClean="0"/>
+              <a:t>data i flere formater (XML, JSON)</a:t>
             </a:r>
           </a:p>
           <a:p>
@@ -18203,7 +18468,40 @@
               <a:buFont typeface="Wingdings" pitchFamily="2" charset="2"/>
               <a:buChar char="ü"/>
             </a:pPr>
-            <a:endParaRPr lang="nb-NO" sz="1400" dirty="0" smtClean="0"/>
+            <a:endParaRPr lang="nb-NO" b="1" dirty="0" smtClean="0"/>
+          </a:p>
+          <a:p>
+            <a:pPr>
+              <a:spcBef>
+                <a:spcPts val="600"/>
+              </a:spcBef>
+              <a:spcAft>
+                <a:spcPts val="400"/>
+              </a:spcAft>
+              <a:buFont typeface="Wingdings" pitchFamily="2" charset="2"/>
+              <a:buChar char="ü"/>
+            </a:pPr>
+            <a:r>
+              <a:rPr lang="nb-NO" b="1" dirty="0" smtClean="0"/>
+              <a:t> </a:t>
+            </a:r>
+            <a:r>
+              <a:rPr lang="nb-NO" b="1" dirty="0" smtClean="0"/>
+              <a:t>Facebook, Twitter, LinkedIn +++ </a:t>
+            </a:r>
+          </a:p>
+          <a:p>
+            <a:pPr>
+              <a:spcBef>
+                <a:spcPts val="600"/>
+              </a:spcBef>
+              <a:spcAft>
+                <a:spcPts val="400"/>
+              </a:spcAft>
+              <a:buFont typeface="Wingdings" pitchFamily="2" charset="2"/>
+              <a:buChar char="ü"/>
+            </a:pPr>
+            <a:endParaRPr lang="nb-NO" b="1" dirty="0" smtClean="0"/>
           </a:p>
         </p:txBody>
       </p:sp>
@@ -18333,8 +18631,8 @@
         </p:nvSpPr>
         <p:spPr>
           <a:xfrm>
-            <a:off x="321623" y="1397000"/>
-            <a:ext cx="8102827" cy="1338828"/>
+            <a:off x="321623" y="1041400"/>
+            <a:ext cx="8517577" cy="1585049"/>
           </a:xfrm>
           <a:prstGeom prst="rect">
             <a:avLst/>
@@ -18358,7 +18656,7 @@
               <a:buChar char="ü"/>
             </a:pPr>
             <a:r>
-              <a:rPr lang="nb-NO" sz="1400" dirty="0" smtClean="0"/>
+              <a:rPr lang="nb-NO" dirty="0" smtClean="0"/>
               <a:t> Rammeverk for å bygge Web API på toppen av .NET rammeverket</a:t>
             </a:r>
           </a:p>
@@ -18374,14 +18672,10 @@
               <a:buChar char="ü"/>
             </a:pPr>
             <a:r>
-              <a:rPr lang="nb-NO" sz="1400" dirty="0" smtClean="0"/>
-              <a:t> Kan brukes direkte i et ASP .NET MVC 4 </a:t>
-            </a:r>
-            <a:r>
-              <a:rPr lang="nb-NO" sz="1400" dirty="0" smtClean="0"/>
-              <a:t>prosjekt</a:t>
-            </a:r>
-            <a:endParaRPr lang="nb-NO" sz="1400" dirty="0"/>
+              <a:rPr lang="nb-NO" dirty="0" smtClean="0"/>
+              <a:t> Kan brukes direkte i et ASP .NET MVC 4 prosjekt</a:t>
+            </a:r>
+            <a:endParaRPr lang="nb-NO" dirty="0"/>
           </a:p>
           <a:p>
             <a:pPr>
@@ -18395,18 +18689,14 @@
               <a:buChar char="ü"/>
             </a:pPr>
             <a:r>
-              <a:rPr lang="nb-NO" sz="1400" dirty="0" smtClean="0"/>
-              <a:t> Eller </a:t>
-            </a:r>
-            <a:r>
-              <a:rPr lang="nb-NO" sz="1400" dirty="0" smtClean="0"/>
-              <a:t>installeres separat med nuget: Install-Package </a:t>
-            </a:r>
-            <a:r>
-              <a:rPr lang="nb-NO" sz="1400" dirty="0"/>
+              <a:rPr lang="nb-NO" dirty="0" smtClean="0"/>
+              <a:t> Eller installeres separat med nuget: Install-Package </a:t>
+            </a:r>
+            <a:r>
+              <a:rPr lang="nb-NO" dirty="0"/>
               <a:t>Microsoft.AspNet.WebApi</a:t>
             </a:r>
-            <a:endParaRPr lang="nb-NO" sz="1400" dirty="0" smtClean="0"/>
+            <a:endParaRPr lang="nb-NO" dirty="0" smtClean="0"/>
           </a:p>
           <a:p>
             <a:pPr>
@@ -18419,29 +18709,34 @@
               <a:buFont typeface="Wingdings" pitchFamily="2" charset="2"/>
               <a:buChar char="ü"/>
             </a:pPr>
-            <a:endParaRPr lang="nb-NO" sz="1400" dirty="0" smtClean="0"/>
+            <a:endParaRPr lang="nb-NO" dirty="0" smtClean="0"/>
           </a:p>
         </p:txBody>
       </p:sp>
       <p:pic>
         <p:nvPicPr>
-          <p:cNvPr id="1026" name="Picture 2"/>
+          <p:cNvPr id="6" name="Picture 5"/>
           <p:cNvPicPr>
-            <a:picLocks noChangeAspect="1" noChangeArrowheads="1"/>
+            <a:picLocks noChangeAspect="1"/>
           </p:cNvPicPr>
           <p:nvPr/>
         </p:nvPicPr>
         <p:blipFill>
-          <a:blip r:embed="rId3"/>
-          <a:srcRect/>
+          <a:blip r:embed="rId3">
+            <a:extLst>
+              <a:ext uri="{28A0092B-C50C-407E-A947-70E740481C1C}">
+                <a14:useLocalDpi xmlns:a14="http://schemas.microsoft.com/office/drawing/2010/main" val="0"/>
+              </a:ext>
+            </a:extLst>
+          </a:blip>
           <a:stretch>
             <a:fillRect/>
           </a:stretch>
         </p:blipFill>
-        <p:spPr bwMode="auto">
+        <p:spPr>
           <a:xfrm>
-            <a:off x="287411" y="2745712"/>
-            <a:ext cx="6677025" cy="2305050"/>
+            <a:off x="524823" y="2941167"/>
+            <a:ext cx="5077534" cy="2381582"/>
           </a:xfrm>
           <a:prstGeom prst="roundRect">
             <a:avLst>
@@ -18463,23 +18758,28 @@
       </p:pic>
       <p:pic>
         <p:nvPicPr>
-          <p:cNvPr id="1028" name="Picture 4"/>
+          <p:cNvPr id="7" name="Picture 6"/>
           <p:cNvPicPr>
-            <a:picLocks noChangeAspect="1" noChangeArrowheads="1"/>
+            <a:picLocks noChangeAspect="1"/>
           </p:cNvPicPr>
           <p:nvPr/>
         </p:nvPicPr>
         <p:blipFill>
-          <a:blip r:embed="rId4"/>
-          <a:srcRect/>
+          <a:blip r:embed="rId4">
+            <a:extLst>
+              <a:ext uri="{28A0092B-C50C-407E-A947-70E740481C1C}">
+                <a14:useLocalDpi xmlns:a14="http://schemas.microsoft.com/office/drawing/2010/main" val="0"/>
+              </a:ext>
+            </a:extLst>
+          </a:blip>
           <a:stretch>
             <a:fillRect/>
           </a:stretch>
         </p:blipFill>
-        <p:spPr bwMode="auto">
+        <p:spPr>
           <a:xfrm>
-            <a:off x="7159508" y="2745712"/>
-            <a:ext cx="1781175" cy="2266950"/>
+            <a:off x="5858054" y="2703008"/>
+            <a:ext cx="2572109" cy="2857899"/>
           </a:xfrm>
           <a:prstGeom prst="roundRect">
             <a:avLst>
@@ -18596,8 +18896,8 @@
         </p:nvSpPr>
         <p:spPr bwMode="auto">
           <a:xfrm>
-            <a:off x="499873" y="1871437"/>
-            <a:ext cx="8231434" cy="1754326"/>
+            <a:off x="499873" y="1471328"/>
+            <a:ext cx="7924577" cy="2554545"/>
           </a:xfrm>
           <a:prstGeom prst="rect">
             <a:avLst/>
@@ -18641,7 +18941,7 @@
               <a:tabLst/>
             </a:pPr>
             <a:r>
-              <a:rPr kumimoji="0" lang="en-US" sz="1200" b="0" i="0" u="none" strike="noStrike" cap="none" normalizeH="0" baseline="0" dirty="0" smtClean="0">
+              <a:rPr kumimoji="0" lang="en-US" sz="1600" b="0" i="0" u="none" strike="noStrike" cap="none" normalizeH="0" baseline="0" dirty="0" smtClean="0">
                 <a:ln>
                   <a:noFill/>
                 </a:ln>
@@ -18655,7 +18955,7 @@
               <a:t>public</a:t>
             </a:r>
             <a:r>
-              <a:rPr kumimoji="0" lang="en-US" sz="1200" b="0" i="0" u="none" strike="noStrike" cap="none" normalizeH="0" baseline="0" dirty="0" smtClean="0">
+              <a:rPr kumimoji="0" lang="en-US" sz="1600" b="0" i="0" u="none" strike="noStrike" cap="none" normalizeH="0" baseline="0" dirty="0" smtClean="0">
                 <a:ln>
                   <a:noFill/>
                 </a:ln>
@@ -18669,7 +18969,7 @@
               <a:t> </a:t>
             </a:r>
             <a:r>
-              <a:rPr kumimoji="0" lang="en-US" sz="1200" b="0" i="0" u="none" strike="noStrike" cap="none" normalizeH="0" baseline="0" dirty="0" smtClean="0">
+              <a:rPr kumimoji="0" lang="en-US" sz="1600" b="0" i="0" u="none" strike="noStrike" cap="none" normalizeH="0" baseline="0" dirty="0" smtClean="0">
                 <a:ln>
                   <a:noFill/>
                 </a:ln>
@@ -18683,7 +18983,7 @@
               <a:t>class</a:t>
             </a:r>
             <a:r>
-              <a:rPr kumimoji="0" lang="en-US" sz="1200" b="0" i="0" u="none" strike="noStrike" cap="none" normalizeH="0" baseline="0" dirty="0" smtClean="0">
+              <a:rPr kumimoji="0" lang="en-US" sz="1600" b="0" i="0" u="none" strike="noStrike" cap="none" normalizeH="0" baseline="0" dirty="0" smtClean="0">
                 <a:ln>
                   <a:noFill/>
                 </a:ln>
@@ -18697,7 +18997,7 @@
               <a:t> </a:t>
             </a:r>
             <a:r>
-              <a:rPr kumimoji="0" lang="en-US" sz="1200" b="0" i="0" u="none" strike="noStrike" cap="none" normalizeH="0" baseline="0" dirty="0" err="1" smtClean="0">
+              <a:rPr kumimoji="0" lang="en-US" sz="1600" b="0" i="0" u="none" strike="noStrike" cap="none" normalizeH="0" baseline="0" dirty="0" err="1" smtClean="0">
                 <a:ln>
                   <a:noFill/>
                 </a:ln>
@@ -18711,7 +19011,7 @@
               <a:t>PersonController</a:t>
             </a:r>
             <a:r>
-              <a:rPr kumimoji="0" lang="en-US" sz="1200" b="0" i="0" u="none" strike="noStrike" cap="none" normalizeH="0" baseline="0" dirty="0" smtClean="0">
+              <a:rPr kumimoji="0" lang="en-US" sz="1600" b="0" i="0" u="none" strike="noStrike" cap="none" normalizeH="0" baseline="0" dirty="0" smtClean="0">
                 <a:ln>
                   <a:noFill/>
                 </a:ln>
@@ -18725,7 +19025,7 @@
               <a:t> : </a:t>
             </a:r>
             <a:r>
-              <a:rPr kumimoji="0" lang="en-US" sz="1200" b="0" i="0" u="none" strike="noStrike" cap="none" normalizeH="0" baseline="0" dirty="0" smtClean="0">
+              <a:rPr kumimoji="0" lang="en-US" sz="1600" b="0" i="0" u="none" strike="noStrike" cap="none" normalizeH="0" baseline="0" dirty="0" smtClean="0">
                 <a:ln>
                   <a:noFill/>
                 </a:ln>
@@ -18739,7 +19039,7 @@
               <a:t>ApiController</a:t>
             </a:r>
             <a:r>
-              <a:rPr kumimoji="0" lang="en-US" sz="1200" b="0" i="0" u="none" strike="noStrike" cap="none" normalizeH="0" baseline="0" dirty="0" smtClean="0">
+              <a:rPr kumimoji="0" lang="en-US" sz="1600" b="0" i="0" u="none" strike="noStrike" cap="none" normalizeH="0" baseline="0" dirty="0" smtClean="0">
                 <a:ln>
                   <a:noFill/>
                 </a:ln>
@@ -18771,7 +19071,7 @@
               <a:tabLst/>
             </a:pPr>
             <a:r>
-              <a:rPr kumimoji="0" lang="en-US" sz="1200" b="0" i="0" u="none" strike="noStrike" cap="none" normalizeH="0" baseline="0" dirty="0" smtClean="0">
+              <a:rPr kumimoji="0" lang="en-US" sz="1600" b="0" i="0" u="none" strike="noStrike" cap="none" normalizeH="0" baseline="0" dirty="0" smtClean="0">
                 <a:ln>
                   <a:noFill/>
                 </a:ln>
@@ -18803,7 +19103,7 @@
               <a:tabLst/>
             </a:pPr>
             <a:r>
-              <a:rPr lang="en-US" sz="1200" dirty="0" smtClean="0">
+              <a:rPr lang="en-US" sz="1600" dirty="0" smtClean="0">
                 <a:solidFill>
                   <a:srgbClr val="000000"/>
                 </a:solidFill>
@@ -18813,7 +19113,7 @@
               <a:t>	</a:t>
             </a:r>
             <a:r>
-              <a:rPr kumimoji="0" lang="en-US" sz="1200" b="0" i="0" u="none" strike="noStrike" cap="none" normalizeH="0" baseline="0" dirty="0" smtClean="0">
+              <a:rPr kumimoji="0" lang="en-US" sz="1600" b="0" i="0" u="none" strike="noStrike" cap="none" normalizeH="0" baseline="0" dirty="0" smtClean="0">
                 <a:ln>
                   <a:noFill/>
                 </a:ln>
@@ -18827,7 +19127,7 @@
               <a:t>private</a:t>
             </a:r>
             <a:r>
-              <a:rPr kumimoji="0" lang="en-US" sz="1200" b="0" i="0" u="none" strike="noStrike" cap="none" normalizeH="0" baseline="0" dirty="0" smtClean="0">
+              <a:rPr kumimoji="0" lang="en-US" sz="1600" b="0" i="0" u="none" strike="noStrike" cap="none" normalizeH="0" baseline="0" dirty="0" smtClean="0">
                 <a:ln>
                   <a:noFill/>
                 </a:ln>
@@ -18841,7 +19141,7 @@
               <a:t> </a:t>
             </a:r>
             <a:r>
-              <a:rPr kumimoji="0" lang="en-US" sz="1200" b="0" i="0" u="none" strike="noStrike" cap="none" normalizeH="0" baseline="0" dirty="0" err="1" smtClean="0">
+              <a:rPr kumimoji="0" lang="en-US" sz="1600" b="0" i="0" u="none" strike="noStrike" cap="none" normalizeH="0" baseline="0" dirty="0" err="1" smtClean="0">
                 <a:ln>
                   <a:noFill/>
                 </a:ln>
@@ -18855,7 +19155,7 @@
               <a:t>IEnumerable</a:t>
             </a:r>
             <a:r>
-              <a:rPr kumimoji="0" lang="en-US" sz="1200" b="0" i="0" u="none" strike="noStrike" cap="none" normalizeH="0" baseline="0" dirty="0" smtClean="0">
+              <a:rPr kumimoji="0" lang="en-US" sz="1600" b="0" i="0" u="none" strike="noStrike" cap="none" normalizeH="0" baseline="0" dirty="0" smtClean="0">
                 <a:ln>
                   <a:noFill/>
                 </a:ln>
@@ -18869,7 +19169,7 @@
               <a:t>&lt;</a:t>
             </a:r>
             <a:r>
-              <a:rPr kumimoji="0" lang="en-US" sz="1200" b="0" i="0" u="none" strike="noStrike" cap="none" normalizeH="0" baseline="0" dirty="0" smtClean="0">
+              <a:rPr kumimoji="0" lang="en-US" sz="1600" b="0" i="0" u="none" strike="noStrike" cap="none" normalizeH="0" baseline="0" dirty="0" smtClean="0">
                 <a:ln>
                   <a:noFill/>
                 </a:ln>
@@ -18883,7 +19183,7 @@
               <a:t>Person</a:t>
             </a:r>
             <a:r>
-              <a:rPr kumimoji="0" lang="en-US" sz="1200" b="0" i="0" u="none" strike="noStrike" cap="none" normalizeH="0" baseline="0" dirty="0" smtClean="0">
+              <a:rPr kumimoji="0" lang="en-US" sz="1600" b="0" i="0" u="none" strike="noStrike" cap="none" normalizeH="0" baseline="0" dirty="0" smtClean="0">
                 <a:ln>
                   <a:noFill/>
                 </a:ln>
@@ -18897,7 +19197,7 @@
               <a:t>&gt; _persons = </a:t>
             </a:r>
             <a:r>
-              <a:rPr kumimoji="0" lang="en-US" sz="1200" b="0" i="0" u="none" strike="noStrike" cap="none" normalizeH="0" baseline="0" dirty="0" smtClean="0">
+              <a:rPr kumimoji="0" lang="en-US" sz="1600" b="0" i="0" u="none" strike="noStrike" cap="none" normalizeH="0" baseline="0" dirty="0" smtClean="0">
                 <a:ln>
                   <a:noFill/>
                 </a:ln>
@@ -18911,7 +19211,7 @@
               <a:t>new</a:t>
             </a:r>
             <a:r>
-              <a:rPr kumimoji="0" lang="en-US" sz="1200" b="0" i="0" u="none" strike="noStrike" cap="none" normalizeH="0" baseline="0" dirty="0" smtClean="0">
+              <a:rPr kumimoji="0" lang="en-US" sz="1600" b="0" i="0" u="none" strike="noStrike" cap="none" normalizeH="0" baseline="0" dirty="0" smtClean="0">
                 <a:ln>
                   <a:noFill/>
                 </a:ln>
@@ -18925,7 +19225,7 @@
               <a:t> </a:t>
             </a:r>
             <a:r>
-              <a:rPr kumimoji="0" lang="en-US" sz="1200" b="0" i="0" u="none" strike="noStrike" cap="none" normalizeH="0" baseline="0" dirty="0" smtClean="0">
+              <a:rPr kumimoji="0" lang="en-US" sz="1600" b="0" i="0" u="none" strike="noStrike" cap="none" normalizeH="0" baseline="0" dirty="0" smtClean="0">
                 <a:ln>
                   <a:noFill/>
                 </a:ln>
@@ -18939,7 +19239,7 @@
               <a:t>List</a:t>
             </a:r>
             <a:r>
-              <a:rPr kumimoji="0" lang="en-US" sz="1200" b="0" i="0" u="none" strike="noStrike" cap="none" normalizeH="0" baseline="0" dirty="0" smtClean="0">
+              <a:rPr kumimoji="0" lang="en-US" sz="1600" b="0" i="0" u="none" strike="noStrike" cap="none" normalizeH="0" baseline="0" dirty="0" smtClean="0">
                 <a:ln>
                   <a:noFill/>
                 </a:ln>
@@ -18953,7 +19253,7 @@
               <a:t>&lt;</a:t>
             </a:r>
             <a:r>
-              <a:rPr kumimoji="0" lang="en-US" sz="1200" b="0" i="0" u="none" strike="noStrike" cap="none" normalizeH="0" baseline="0" dirty="0" smtClean="0">
+              <a:rPr kumimoji="0" lang="en-US" sz="1600" b="0" i="0" u="none" strike="noStrike" cap="none" normalizeH="0" baseline="0" dirty="0" smtClean="0">
                 <a:ln>
                   <a:noFill/>
                 </a:ln>
@@ -18967,7 +19267,7 @@
               <a:t>Person</a:t>
             </a:r>
             <a:r>
-              <a:rPr kumimoji="0" lang="en-US" sz="1200" b="0" i="0" u="none" strike="noStrike" cap="none" normalizeH="0" baseline="0" dirty="0" smtClean="0">
+              <a:rPr kumimoji="0" lang="en-US" sz="1600" b="0" i="0" u="none" strike="noStrike" cap="none" normalizeH="0" baseline="0" dirty="0" smtClean="0">
                 <a:ln>
                   <a:noFill/>
                 </a:ln>
@@ -18999,7 +19299,7 @@
               <a:tabLst/>
             </a:pPr>
             <a:r>
-              <a:rPr kumimoji="0" lang="en-US" sz="1200" b="0" i="0" u="none" strike="noStrike" cap="none" normalizeH="0" baseline="0" dirty="0" smtClean="0">
+              <a:rPr kumimoji="0" lang="en-US" sz="1600" b="0" i="0" u="none" strike="noStrike" cap="none" normalizeH="0" baseline="0" dirty="0" smtClean="0">
                 <a:ln>
                   <a:noFill/>
                 </a:ln>
@@ -19031,7 +19331,7 @@
               <a:tabLst/>
             </a:pPr>
             <a:r>
-              <a:rPr lang="en-US" sz="1200" dirty="0" smtClean="0">
+              <a:rPr lang="en-US" sz="1600" dirty="0" smtClean="0">
                 <a:solidFill>
                   <a:srgbClr val="0000FF"/>
                 </a:solidFill>
@@ -19041,7 +19341,7 @@
               <a:t>	</a:t>
             </a:r>
             <a:r>
-              <a:rPr kumimoji="0" lang="en-US" sz="1200" b="0" i="0" u="none" strike="noStrike" cap="none" normalizeH="0" baseline="0" dirty="0" smtClean="0">
+              <a:rPr kumimoji="0" lang="en-US" sz="1600" b="0" i="0" u="none" strike="noStrike" cap="none" normalizeH="0" baseline="0" dirty="0" smtClean="0">
                 <a:ln>
                   <a:noFill/>
                 </a:ln>
@@ -19055,7 +19355,7 @@
               <a:t>public</a:t>
             </a:r>
             <a:r>
-              <a:rPr kumimoji="0" lang="en-US" sz="1200" b="0" i="0" u="none" strike="noStrike" cap="none" normalizeH="0" baseline="0" dirty="0" smtClean="0">
+              <a:rPr kumimoji="0" lang="en-US" sz="1600" b="0" i="0" u="none" strike="noStrike" cap="none" normalizeH="0" baseline="0" dirty="0" smtClean="0">
                 <a:ln>
                   <a:noFill/>
                 </a:ln>
@@ -19069,7 +19369,7 @@
               <a:t> </a:t>
             </a:r>
             <a:r>
-              <a:rPr kumimoji="0" lang="en-US" sz="1200" b="0" i="0" u="none" strike="noStrike" cap="none" normalizeH="0" baseline="0" dirty="0" err="1" smtClean="0">
+              <a:rPr kumimoji="0" lang="en-US" sz="1600" b="0" i="0" u="none" strike="noStrike" cap="none" normalizeH="0" baseline="0" dirty="0" err="1" smtClean="0">
                 <a:ln>
                   <a:noFill/>
                 </a:ln>
@@ -19083,7 +19383,7 @@
               <a:t>IEnumerable</a:t>
             </a:r>
             <a:r>
-              <a:rPr kumimoji="0" lang="en-US" sz="1200" b="0" i="0" u="none" strike="noStrike" cap="none" normalizeH="0" baseline="0" dirty="0" smtClean="0">
+              <a:rPr kumimoji="0" lang="en-US" sz="1600" b="0" i="0" u="none" strike="noStrike" cap="none" normalizeH="0" baseline="0" dirty="0" smtClean="0">
                 <a:ln>
                   <a:noFill/>
                 </a:ln>
@@ -19097,7 +19397,7 @@
               <a:t>&lt;</a:t>
             </a:r>
             <a:r>
-              <a:rPr kumimoji="0" lang="en-US" sz="1200" b="0" i="0" u="none" strike="noStrike" cap="none" normalizeH="0" baseline="0" dirty="0" smtClean="0">
+              <a:rPr kumimoji="0" lang="en-US" sz="1600" b="0" i="0" u="none" strike="noStrike" cap="none" normalizeH="0" baseline="0" dirty="0" smtClean="0">
                 <a:ln>
                   <a:noFill/>
                 </a:ln>
@@ -19111,7 +19411,7 @@
               <a:t>Person</a:t>
             </a:r>
             <a:r>
-              <a:rPr kumimoji="0" lang="en-US" sz="1200" b="0" i="0" u="none" strike="noStrike" cap="none" normalizeH="0" baseline="0" dirty="0" smtClean="0">
+              <a:rPr kumimoji="0" lang="en-US" sz="1600" b="0" i="0" u="none" strike="noStrike" cap="none" normalizeH="0" baseline="0" dirty="0" smtClean="0">
                 <a:ln>
                   <a:noFill/>
                 </a:ln>
@@ -19143,7 +19443,7 @@
               <a:tabLst/>
             </a:pPr>
             <a:r>
-              <a:rPr lang="en-US" sz="1200" dirty="0" smtClean="0">
+              <a:rPr lang="en-US" sz="1600" dirty="0" smtClean="0">
                 <a:solidFill>
                   <a:srgbClr val="000000"/>
                 </a:solidFill>
@@ -19153,7 +19453,7 @@
               <a:t>	</a:t>
             </a:r>
             <a:r>
-              <a:rPr kumimoji="0" lang="en-US" sz="1200" b="0" i="0" u="none" strike="noStrike" cap="none" normalizeH="0" baseline="0" dirty="0" smtClean="0">
+              <a:rPr kumimoji="0" lang="en-US" sz="1600" b="0" i="0" u="none" strike="noStrike" cap="none" normalizeH="0" baseline="0" dirty="0" smtClean="0">
                 <a:ln>
                   <a:noFill/>
                 </a:ln>
@@ -19185,7 +19485,7 @@
               <a:tabLst/>
             </a:pPr>
             <a:r>
-              <a:rPr lang="en-US" sz="1200" dirty="0" smtClean="0">
+              <a:rPr lang="en-US" sz="1600" dirty="0" smtClean="0">
                 <a:solidFill>
                   <a:srgbClr val="000000"/>
                 </a:solidFill>
@@ -19195,7 +19495,7 @@
               <a:t>		</a:t>
             </a:r>
             <a:r>
-              <a:rPr kumimoji="0" lang="en-US" sz="1200" b="0" i="0" u="none" strike="noStrike" cap="none" normalizeH="0" baseline="0" dirty="0" smtClean="0">
+              <a:rPr kumimoji="0" lang="en-US" sz="1600" b="0" i="0" u="none" strike="noStrike" cap="none" normalizeH="0" baseline="0" dirty="0" smtClean="0">
                 <a:ln>
                   <a:noFill/>
                 </a:ln>
@@ -19209,7 +19509,7 @@
               <a:t>return</a:t>
             </a:r>
             <a:r>
-              <a:rPr kumimoji="0" lang="en-US" sz="1200" b="0" i="0" u="none" strike="noStrike" cap="none" normalizeH="0" baseline="0" dirty="0" smtClean="0">
+              <a:rPr kumimoji="0" lang="en-US" sz="1600" b="0" i="0" u="none" strike="noStrike" cap="none" normalizeH="0" baseline="0" dirty="0" smtClean="0">
                 <a:ln>
                   <a:noFill/>
                 </a:ln>
@@ -19241,7 +19541,7 @@
               <a:tabLst/>
             </a:pPr>
             <a:r>
-              <a:rPr lang="en-US" sz="1200" dirty="0" smtClean="0">
+              <a:rPr lang="en-US" sz="1600" dirty="0" smtClean="0">
                 <a:solidFill>
                   <a:srgbClr val="000000"/>
                 </a:solidFill>
@@ -19251,7 +19551,7 @@
               <a:t>	</a:t>
             </a:r>
             <a:r>
-              <a:rPr kumimoji="0" lang="en-US" sz="1200" b="0" i="0" u="none" strike="noStrike" cap="none" normalizeH="0" baseline="0" dirty="0" smtClean="0">
+              <a:rPr kumimoji="0" lang="en-US" sz="1600" b="0" i="0" u="none" strike="noStrike" cap="none" normalizeH="0" baseline="0" dirty="0" smtClean="0">
                 <a:ln>
                   <a:noFill/>
                 </a:ln>
@@ -19283,7 +19583,7 @@
               <a:tabLst/>
             </a:pPr>
             <a:r>
-              <a:rPr kumimoji="0" lang="en-US" sz="1200" b="0" i="0" u="none" strike="noStrike" cap="none" normalizeH="0" baseline="0" dirty="0" smtClean="0">
+              <a:rPr kumimoji="0" lang="en-US" sz="1600" b="0" i="0" u="none" strike="noStrike" cap="none" normalizeH="0" baseline="0" dirty="0" smtClean="0">
                 <a:ln>
                   <a:noFill/>
                 </a:ln>
@@ -19296,7 +19596,7 @@
               </a:rPr>
               <a:t>}</a:t>
             </a:r>
-            <a:endParaRPr kumimoji="0" lang="en-US" sz="1200" b="0" i="0" u="none" strike="noStrike" cap="none" normalizeH="0" baseline="0" dirty="0" smtClean="0">
+            <a:endParaRPr kumimoji="0" lang="en-US" sz="1600" b="0" i="0" u="none" strike="noStrike" cap="none" normalizeH="0" baseline="0" dirty="0" smtClean="0">
               <a:ln>
                 <a:noFill/>
               </a:ln>

--- a/webapi/WebAPI.pptx
+++ b/webapi/WebAPI.pptx
@@ -5,10 +5,10 @@
     <p:sldMasterId id="2147483648" r:id="rId1"/>
   </p:sldMasterIdLst>
   <p:notesMasterIdLst>
-    <p:notesMasterId r:id="rId19"/>
+    <p:notesMasterId r:id="rId20"/>
   </p:notesMasterIdLst>
   <p:handoutMasterIdLst>
-    <p:handoutMasterId r:id="rId20"/>
+    <p:handoutMasterId r:id="rId21"/>
   </p:handoutMasterIdLst>
   <p:sldIdLst>
     <p:sldId id="256" r:id="rId2"/>
@@ -26,8 +26,9 @@
     <p:sldId id="290" r:id="rId14"/>
     <p:sldId id="269" r:id="rId15"/>
     <p:sldId id="279" r:id="rId16"/>
-    <p:sldId id="289" r:id="rId17"/>
-    <p:sldId id="296" r:id="rId18"/>
+    <p:sldId id="297" r:id="rId17"/>
+    <p:sldId id="289" r:id="rId18"/>
+    <p:sldId id="296" r:id="rId19"/>
   </p:sldIdLst>
   <p:sldSz cx="9144000" cy="6858000" type="screen4x3"/>
   <p:notesSz cx="6858000" cy="9144000"/>
@@ -16329,105 +16330,88 @@
                 <a:latin typeface="Consolas" pitchFamily="49" charset="0"/>
                 <a:cs typeface="Consolas" pitchFamily="49" charset="0"/>
               </a:rPr>
-              <a:t>Fork solution fra github: </a:t>
-            </a:r>
-            <a:r>
-              <a:rPr lang="nb-NO" sz="1400" i="1" dirty="0" smtClean="0">
+              <a:t>Fork solution fra github: github.com/bekk/</a:t>
+            </a:r>
+            <a:r>
+              <a:rPr lang="nb-NO" sz="1400" i="1" dirty="0" err="1" smtClean="0">
                 <a:solidFill>
                   <a:schemeClr val="bg1"/>
                 </a:solidFill>
                 <a:latin typeface="Consolas" pitchFamily="49" charset="0"/>
                 <a:cs typeface="Consolas" pitchFamily="49" charset="0"/>
               </a:rPr>
-              <a:t>github.com/bekk/</a:t>
-            </a:r>
-            <a:r>
-              <a:rPr lang="nb-NO" sz="1400" i="1" dirty="0" err="1" smtClean="0">
+              <a:t>dotnetkurs</a:t>
+            </a:r>
+            <a:r>
+              <a:rPr lang="nb-NO" sz="1400" i="1" dirty="0" smtClean="0">
                 <a:solidFill>
                   <a:schemeClr val="bg1"/>
                 </a:solidFill>
                 <a:latin typeface="Consolas" pitchFamily="49" charset="0"/>
                 <a:cs typeface="Consolas" pitchFamily="49" charset="0"/>
               </a:rPr>
-              <a:t>dotnetkurs</a:t>
-            </a:r>
-            <a:r>
-              <a:rPr lang="nb-NO" sz="1400" i="1" dirty="0" smtClean="0">
+              <a:t> se i mappen Oppgaver under </a:t>
+            </a:r>
+            <a:r>
+              <a:rPr lang="nb-NO" sz="1400" i="1" dirty="0" err="1" smtClean="0">
                 <a:solidFill>
                   <a:schemeClr val="bg1"/>
                 </a:solidFill>
                 <a:latin typeface="Consolas" pitchFamily="49" charset="0"/>
                 <a:cs typeface="Consolas" pitchFamily="49" charset="0"/>
               </a:rPr>
-              <a:t> se i mappen Oppgaver under </a:t>
-            </a:r>
-            <a:r>
-              <a:rPr lang="nb-NO" sz="1400" i="1" dirty="0" err="1" smtClean="0">
+              <a:t>webapi</a:t>
+            </a:r>
+            <a:r>
+              <a:rPr lang="nb-NO" sz="1400" i="1" dirty="0" smtClean="0">
                 <a:solidFill>
                   <a:schemeClr val="bg1"/>
                 </a:solidFill>
                 <a:latin typeface="Consolas" pitchFamily="49" charset="0"/>
                 <a:cs typeface="Consolas" pitchFamily="49" charset="0"/>
               </a:rPr>
-              <a:t>webapi</a:t>
-            </a:r>
-            <a:r>
-              <a:rPr lang="nb-NO" sz="1400" i="1" dirty="0" smtClean="0">
+              <a:t>. Her ligger en </a:t>
+            </a:r>
+            <a:r>
+              <a:rPr lang="nb-NO" sz="1400" i="1" dirty="0" err="1" smtClean="0">
                 <a:solidFill>
                   <a:schemeClr val="bg1"/>
                 </a:solidFill>
                 <a:latin typeface="Consolas" pitchFamily="49" charset="0"/>
                 <a:cs typeface="Consolas" pitchFamily="49" charset="0"/>
               </a:rPr>
-              <a:t>. Her ligger en </a:t>
-            </a:r>
-            <a:r>
-              <a:rPr lang="nb-NO" sz="1400" i="1" dirty="0" err="1" smtClean="0">
+              <a:t>solution</a:t>
+            </a:r>
+            <a:r>
+              <a:rPr lang="nb-NO" sz="1400" i="1" dirty="0" smtClean="0">
                 <a:solidFill>
                   <a:schemeClr val="bg1"/>
                 </a:solidFill>
                 <a:latin typeface="Consolas" pitchFamily="49" charset="0"/>
                 <a:cs typeface="Consolas" pitchFamily="49" charset="0"/>
               </a:rPr>
-              <a:t>solution</a:t>
-            </a:r>
-            <a:r>
-              <a:rPr lang="nb-NO" sz="1400" i="1" dirty="0" smtClean="0">
+              <a:t> </a:t>
+            </a:r>
+            <a:r>
+              <a:rPr lang="nb-NO" sz="1400" i="1" dirty="0" err="1" smtClean="0">
                 <a:solidFill>
                   <a:schemeClr val="bg1"/>
                 </a:solidFill>
                 <a:latin typeface="Consolas" pitchFamily="49" charset="0"/>
                 <a:cs typeface="Consolas" pitchFamily="49" charset="0"/>
               </a:rPr>
-              <a:t> </a:t>
-            </a:r>
-            <a:r>
-              <a:rPr lang="nb-NO" sz="1400" i="1" dirty="0" err="1" smtClean="0">
+              <a:t>MinBlogg</a:t>
+            </a:r>
+            <a:r>
+              <a:rPr lang="nb-NO" sz="1400" i="1" dirty="0" smtClean="0">
                 <a:solidFill>
                   <a:schemeClr val="bg1"/>
                 </a:solidFill>
                 <a:latin typeface="Consolas" pitchFamily="49" charset="0"/>
                 <a:cs typeface="Consolas" pitchFamily="49" charset="0"/>
               </a:rPr>
-              <a:t>MinBlogg</a:t>
-            </a:r>
-            <a:r>
-              <a:rPr lang="nb-NO" sz="1400" i="1" dirty="0" smtClean="0">
-                <a:solidFill>
-                  <a:schemeClr val="bg1"/>
-                </a:solidFill>
-                <a:latin typeface="Consolas" pitchFamily="49" charset="0"/>
-                <a:cs typeface="Consolas" pitchFamily="49" charset="0"/>
-              </a:rPr>
               <a:t> som dere kan ta utgangspunkt i.</a:t>
             </a:r>
-            <a:endParaRPr lang="nb-NO" sz="1400" i="1" dirty="0" smtClean="0">
-              <a:solidFill>
-                <a:schemeClr val="bg1"/>
-              </a:solidFill>
-              <a:latin typeface="Consolas" pitchFamily="49" charset="0"/>
-              <a:cs typeface="Consolas" pitchFamily="49" charset="0"/>
-            </a:endParaRPr>
           </a:p>
           <a:p>
             <a:pPr algn="just"/>
@@ -16675,6 +16659,755 @@
 <file path=ppt/slides/slide16.xml><?xml version="1.0" encoding="utf-8"?>
 <p:sld xmlns:a="http://schemas.openxmlformats.org/drawingml/2006/main" xmlns:r="http://schemas.openxmlformats.org/officeDocument/2006/relationships" xmlns:p="http://schemas.openxmlformats.org/presentationml/2006/main">
   <p:cSld>
+    <p:spTree>
+      <p:nvGrpSpPr>
+        <p:cNvPr id="1" name=""/>
+        <p:cNvGrpSpPr/>
+        <p:nvPr/>
+      </p:nvGrpSpPr>
+      <p:grpSpPr>
+        <a:xfrm>
+          <a:off x="0" y="0"/>
+          <a:ext cx="0" cy="0"/>
+          <a:chOff x="0" y="0"/>
+          <a:chExt cx="0" cy="0"/>
+        </a:xfrm>
+      </p:grpSpPr>
+      <p:sp>
+        <p:nvSpPr>
+          <p:cNvPr id="2" name="Title 1"/>
+          <p:cNvSpPr>
+            <a:spLocks noGrp="1"/>
+          </p:cNvSpPr>
+          <p:nvPr>
+            <p:ph type="title"/>
+          </p:nvPr>
+        </p:nvSpPr>
+        <p:spPr>
+          <a:xfrm>
+            <a:off x="321623" y="418905"/>
+            <a:ext cx="1412887" cy="307777"/>
+          </a:xfrm>
+        </p:spPr>
+        <p:txBody>
+          <a:bodyPr/>
+          <a:lstStyle/>
+          <a:p>
+            <a:r>
+              <a:rPr lang="nb-NO" dirty="0" smtClean="0"/>
+              <a:t>HATEOAS</a:t>
+            </a:r>
+            <a:endParaRPr lang="nb-NO" dirty="0"/>
+          </a:p>
+        </p:txBody>
+      </p:sp>
+      <p:sp>
+        <p:nvSpPr>
+          <p:cNvPr id="3" name="Slide Number Placeholder 2"/>
+          <p:cNvSpPr>
+            <a:spLocks noGrp="1"/>
+          </p:cNvSpPr>
+          <p:nvPr>
+            <p:ph type="sldNum" sz="quarter" idx="10"/>
+          </p:nvPr>
+        </p:nvSpPr>
+        <p:spPr/>
+        <p:txBody>
+          <a:bodyPr/>
+          <a:lstStyle/>
+          <a:p>
+            <a:fld id="{FF67BF5B-7344-D747-A0C2-CBD7B2ACBC85}" type="slidenum">
+              <a:rPr lang="en-US" smtClean="0"/>
+              <a:pPr/>
+              <a:t>16</a:t>
+            </a:fld>
+            <a:endParaRPr lang="en-US" dirty="0"/>
+          </a:p>
+        </p:txBody>
+      </p:sp>
+      <p:sp>
+        <p:nvSpPr>
+          <p:cNvPr id="5" name="TextBox 4"/>
+          <p:cNvSpPr txBox="1"/>
+          <p:nvPr/>
+        </p:nvSpPr>
+        <p:spPr>
+          <a:xfrm>
+            <a:off x="321623" y="1181100"/>
+            <a:ext cx="8517577" cy="836126"/>
+          </a:xfrm>
+          <a:prstGeom prst="rect">
+            <a:avLst/>
+          </a:prstGeom>
+          <a:noFill/>
+        </p:spPr>
+        <p:txBody>
+          <a:bodyPr wrap="square" rtlCol="0">
+            <a:spAutoFit/>
+          </a:bodyPr>
+          <a:lstStyle/>
+          <a:p>
+            <a:pPr>
+              <a:spcBef>
+                <a:spcPts val="600"/>
+              </a:spcBef>
+              <a:spcAft>
+                <a:spcPts val="400"/>
+              </a:spcAft>
+            </a:pPr>
+            <a:r>
+              <a:rPr lang="nb-NO" sz="2000" i="1" dirty="0" err="1" smtClean="0"/>
+              <a:t>Hypermedia</a:t>
+            </a:r>
+            <a:r>
+              <a:rPr lang="nb-NO" sz="2000" i="1" dirty="0" smtClean="0"/>
+              <a:t> as </a:t>
+            </a:r>
+            <a:r>
+              <a:rPr lang="nb-NO" sz="2000" i="1" dirty="0" err="1" smtClean="0"/>
+              <a:t>the</a:t>
+            </a:r>
+            <a:r>
+              <a:rPr lang="nb-NO" sz="2000" i="1" dirty="0" smtClean="0"/>
+              <a:t> Engine </a:t>
+            </a:r>
+            <a:r>
+              <a:rPr lang="nb-NO" sz="2000" i="1" dirty="0" err="1" smtClean="0"/>
+              <a:t>of</a:t>
+            </a:r>
+            <a:r>
+              <a:rPr lang="nb-NO" sz="2000" i="1" dirty="0" smtClean="0"/>
+              <a:t> Application State</a:t>
+            </a:r>
+          </a:p>
+          <a:p>
+            <a:pPr>
+              <a:spcBef>
+                <a:spcPts val="600"/>
+              </a:spcBef>
+              <a:spcAft>
+                <a:spcPts val="400"/>
+              </a:spcAft>
+            </a:pPr>
+            <a:endParaRPr lang="nb-NO" sz="2000" i="1" dirty="0"/>
+          </a:p>
+        </p:txBody>
+      </p:sp>
+      <p:sp>
+        <p:nvSpPr>
+          <p:cNvPr id="6" name="Rounded Rectangle 5"/>
+          <p:cNvSpPr/>
+          <p:nvPr/>
+        </p:nvSpPr>
+        <p:spPr>
+          <a:xfrm>
+            <a:off x="321623" y="5080000"/>
+            <a:ext cx="6853877" cy="571500"/>
+          </a:xfrm>
+          <a:prstGeom prst="roundRect">
+            <a:avLst/>
+          </a:prstGeom>
+          <a:solidFill>
+            <a:schemeClr val="accent1">
+              <a:lumMod val="50000"/>
+            </a:schemeClr>
+          </a:solidFill>
+          <a:ln>
+            <a:noFill/>
+          </a:ln>
+          <a:effectLst/>
+        </p:spPr>
+        <p:style>
+          <a:lnRef idx="1">
+            <a:schemeClr val="accent1"/>
+          </a:lnRef>
+          <a:fillRef idx="3">
+            <a:schemeClr val="accent1"/>
+          </a:fillRef>
+          <a:effectRef idx="2">
+            <a:schemeClr val="accent1"/>
+          </a:effectRef>
+          <a:fontRef idx="minor">
+            <a:schemeClr val="lt1"/>
+          </a:fontRef>
+        </p:style>
+        <p:txBody>
+          <a:bodyPr rot="0" spcFirstLastPara="0" vertOverflow="overflow" horzOverflow="overflow" vert="horz" wrap="square" lIns="91440" tIns="45720" rIns="91440" bIns="45720" numCol="1" spcCol="0" rtlCol="0" fromWordArt="0" anchor="ctr" anchorCtr="0" forceAA="0" compatLnSpc="1">
+            <a:prstTxWarp prst="textNoShape">
+              <a:avLst/>
+            </a:prstTxWarp>
+            <a:noAutofit/>
+          </a:bodyPr>
+          <a:lstStyle/>
+          <a:p>
+            <a:pPr>
+              <a:spcBef>
+                <a:spcPts val="600"/>
+              </a:spcBef>
+              <a:spcAft>
+                <a:spcPts val="400"/>
+              </a:spcAft>
+            </a:pPr>
+            <a:r>
+              <a:rPr lang="nb-NO" sz="1600" b="1" dirty="0" smtClean="0">
+                <a:solidFill>
+                  <a:schemeClr val="bg1"/>
+                </a:solidFill>
+              </a:rPr>
+              <a:t>Level 0 : The </a:t>
+            </a:r>
+            <a:r>
+              <a:rPr lang="nb-NO" sz="1600" b="1" dirty="0" err="1" smtClean="0">
+                <a:solidFill>
+                  <a:schemeClr val="bg1"/>
+                </a:solidFill>
+              </a:rPr>
+              <a:t>smap</a:t>
+            </a:r>
+            <a:r>
+              <a:rPr lang="nb-NO" sz="1600" b="1" dirty="0" smtClean="0">
+                <a:solidFill>
+                  <a:schemeClr val="bg1"/>
+                </a:solidFill>
+              </a:rPr>
+              <a:t> </a:t>
+            </a:r>
+            <a:r>
+              <a:rPr lang="nb-NO" sz="1600" b="1" dirty="0" err="1" smtClean="0">
+                <a:solidFill>
+                  <a:schemeClr val="bg1"/>
+                </a:solidFill>
+              </a:rPr>
+              <a:t>of</a:t>
+            </a:r>
+            <a:r>
+              <a:rPr lang="nb-NO" sz="1600" b="1" dirty="0" smtClean="0">
+                <a:solidFill>
+                  <a:schemeClr val="bg1"/>
+                </a:solidFill>
+              </a:rPr>
+              <a:t> POX</a:t>
+            </a:r>
+            <a:endParaRPr lang="nb-NO" sz="1600" b="1" dirty="0" smtClean="0">
+              <a:solidFill>
+                <a:schemeClr val="bg1"/>
+              </a:solidFill>
+            </a:endParaRPr>
+          </a:p>
+        </p:txBody>
+      </p:sp>
+      <p:sp>
+        <p:nvSpPr>
+          <p:cNvPr id="7" name="Rounded Rectangle 6"/>
+          <p:cNvSpPr/>
+          <p:nvPr/>
+        </p:nvSpPr>
+        <p:spPr>
+          <a:xfrm>
+            <a:off x="1244600" y="4356100"/>
+            <a:ext cx="5930900" cy="571500"/>
+          </a:xfrm>
+          <a:prstGeom prst="roundRect">
+            <a:avLst/>
+          </a:prstGeom>
+          <a:solidFill>
+            <a:schemeClr val="accent1">
+              <a:lumMod val="75000"/>
+            </a:schemeClr>
+          </a:solidFill>
+          <a:ln>
+            <a:noFill/>
+          </a:ln>
+          <a:effectLst/>
+        </p:spPr>
+        <p:style>
+          <a:lnRef idx="1">
+            <a:schemeClr val="accent1"/>
+          </a:lnRef>
+          <a:fillRef idx="3">
+            <a:schemeClr val="accent1"/>
+          </a:fillRef>
+          <a:effectRef idx="2">
+            <a:schemeClr val="accent1"/>
+          </a:effectRef>
+          <a:fontRef idx="minor">
+            <a:schemeClr val="lt1"/>
+          </a:fontRef>
+        </p:style>
+        <p:txBody>
+          <a:bodyPr rot="0" spcFirstLastPara="0" vertOverflow="overflow" horzOverflow="overflow" vert="horz" wrap="square" lIns="91440" tIns="45720" rIns="91440" bIns="45720" numCol="1" spcCol="0" rtlCol="0" fromWordArt="0" anchor="ctr" anchorCtr="0" forceAA="0" compatLnSpc="1">
+            <a:prstTxWarp prst="textNoShape">
+              <a:avLst/>
+            </a:prstTxWarp>
+            <a:noAutofit/>
+          </a:bodyPr>
+          <a:lstStyle/>
+          <a:p>
+            <a:pPr>
+              <a:spcBef>
+                <a:spcPts val="600"/>
+              </a:spcBef>
+              <a:spcAft>
+                <a:spcPts val="400"/>
+              </a:spcAft>
+            </a:pPr>
+            <a:r>
+              <a:rPr lang="nb-NO" sz="1600" b="1" dirty="0" smtClean="0">
+                <a:solidFill>
+                  <a:schemeClr val="bg1"/>
+                </a:solidFill>
+              </a:rPr>
+              <a:t>Level 1 : Resources</a:t>
+            </a:r>
+            <a:endParaRPr lang="nb-NO" sz="1600" b="1" dirty="0" smtClean="0">
+              <a:solidFill>
+                <a:schemeClr val="bg1"/>
+              </a:solidFill>
+            </a:endParaRPr>
+          </a:p>
+        </p:txBody>
+      </p:sp>
+      <p:sp>
+        <p:nvSpPr>
+          <p:cNvPr id="8" name="Rounded Rectangle 7"/>
+          <p:cNvSpPr/>
+          <p:nvPr/>
+        </p:nvSpPr>
+        <p:spPr>
+          <a:xfrm>
+            <a:off x="2159000" y="3632200"/>
+            <a:ext cx="5016499" cy="571500"/>
+          </a:xfrm>
+          <a:prstGeom prst="roundRect">
+            <a:avLst/>
+          </a:prstGeom>
+          <a:solidFill>
+            <a:schemeClr val="accent1">
+              <a:lumMod val="60000"/>
+              <a:lumOff val="40000"/>
+            </a:schemeClr>
+          </a:solidFill>
+          <a:ln>
+            <a:noFill/>
+          </a:ln>
+          <a:effectLst/>
+        </p:spPr>
+        <p:style>
+          <a:lnRef idx="1">
+            <a:schemeClr val="accent1"/>
+          </a:lnRef>
+          <a:fillRef idx="3">
+            <a:schemeClr val="accent1"/>
+          </a:fillRef>
+          <a:effectRef idx="2">
+            <a:schemeClr val="accent1"/>
+          </a:effectRef>
+          <a:fontRef idx="minor">
+            <a:schemeClr val="lt1"/>
+          </a:fontRef>
+        </p:style>
+        <p:txBody>
+          <a:bodyPr rot="0" spcFirstLastPara="0" vertOverflow="overflow" horzOverflow="overflow" vert="horz" wrap="square" lIns="91440" tIns="45720" rIns="91440" bIns="45720" numCol="1" spcCol="0" rtlCol="0" fromWordArt="0" anchor="ctr" anchorCtr="0" forceAA="0" compatLnSpc="1">
+            <a:prstTxWarp prst="textNoShape">
+              <a:avLst/>
+            </a:prstTxWarp>
+            <a:noAutofit/>
+          </a:bodyPr>
+          <a:lstStyle/>
+          <a:p>
+            <a:pPr>
+              <a:spcBef>
+                <a:spcPts val="600"/>
+              </a:spcBef>
+              <a:spcAft>
+                <a:spcPts val="400"/>
+              </a:spcAft>
+            </a:pPr>
+            <a:r>
+              <a:rPr lang="nb-NO" sz="1600" b="1" dirty="0" smtClean="0">
+                <a:solidFill>
+                  <a:schemeClr val="bg1"/>
+                </a:solidFill>
+              </a:rPr>
+              <a:t>Level 2 : HTTP Verbs</a:t>
+            </a:r>
+            <a:endParaRPr lang="nb-NO" sz="1600" b="1" dirty="0" smtClean="0">
+              <a:solidFill>
+                <a:schemeClr val="bg1"/>
+              </a:solidFill>
+            </a:endParaRPr>
+          </a:p>
+        </p:txBody>
+      </p:sp>
+      <p:sp>
+        <p:nvSpPr>
+          <p:cNvPr id="9" name="Rounded Rectangle 8"/>
+          <p:cNvSpPr/>
+          <p:nvPr/>
+        </p:nvSpPr>
+        <p:spPr>
+          <a:xfrm>
+            <a:off x="3086100" y="2908300"/>
+            <a:ext cx="4089400" cy="571500"/>
+          </a:xfrm>
+          <a:prstGeom prst="roundRect">
+            <a:avLst/>
+          </a:prstGeom>
+          <a:solidFill>
+            <a:schemeClr val="accent1">
+              <a:lumMod val="40000"/>
+              <a:lumOff val="60000"/>
+            </a:schemeClr>
+          </a:solidFill>
+          <a:ln>
+            <a:noFill/>
+          </a:ln>
+          <a:effectLst/>
+        </p:spPr>
+        <p:style>
+          <a:lnRef idx="1">
+            <a:schemeClr val="accent1"/>
+          </a:lnRef>
+          <a:fillRef idx="3">
+            <a:schemeClr val="accent1"/>
+          </a:fillRef>
+          <a:effectRef idx="2">
+            <a:schemeClr val="accent1"/>
+          </a:effectRef>
+          <a:fontRef idx="minor">
+            <a:schemeClr val="lt1"/>
+          </a:fontRef>
+        </p:style>
+        <p:txBody>
+          <a:bodyPr rot="0" spcFirstLastPara="0" vertOverflow="overflow" horzOverflow="overflow" vert="horz" wrap="square" lIns="91440" tIns="45720" rIns="91440" bIns="45720" numCol="1" spcCol="0" rtlCol="0" fromWordArt="0" anchor="ctr" anchorCtr="0" forceAA="0" compatLnSpc="1">
+            <a:prstTxWarp prst="textNoShape">
+              <a:avLst/>
+            </a:prstTxWarp>
+            <a:noAutofit/>
+          </a:bodyPr>
+          <a:lstStyle/>
+          <a:p>
+            <a:pPr>
+              <a:spcBef>
+                <a:spcPts val="600"/>
+              </a:spcBef>
+              <a:spcAft>
+                <a:spcPts val="400"/>
+              </a:spcAft>
+            </a:pPr>
+            <a:r>
+              <a:rPr lang="nb-NO" sz="1600" b="1" dirty="0" smtClean="0">
+                <a:solidFill>
+                  <a:schemeClr val="bg1"/>
+                </a:solidFill>
+              </a:rPr>
+              <a:t>Level 3 : </a:t>
+            </a:r>
+            <a:r>
+              <a:rPr lang="nb-NO" sz="1600" b="1" dirty="0" err="1" smtClean="0">
+                <a:solidFill>
+                  <a:schemeClr val="bg1"/>
+                </a:solidFill>
+              </a:rPr>
+              <a:t>Hypermedia</a:t>
+            </a:r>
+            <a:r>
+              <a:rPr lang="nb-NO" sz="1600" b="1" dirty="0" smtClean="0">
+                <a:solidFill>
+                  <a:schemeClr val="bg1"/>
+                </a:solidFill>
+              </a:rPr>
+              <a:t> </a:t>
+            </a:r>
+            <a:r>
+              <a:rPr lang="nb-NO" sz="1600" b="1" dirty="0" err="1" smtClean="0">
+                <a:solidFill>
+                  <a:schemeClr val="bg1"/>
+                </a:solidFill>
+              </a:rPr>
+              <a:t>controls</a:t>
+            </a:r>
+            <a:endParaRPr lang="nb-NO" sz="1600" b="1" dirty="0" smtClean="0">
+              <a:solidFill>
+                <a:schemeClr val="bg1"/>
+              </a:solidFill>
+            </a:endParaRPr>
+          </a:p>
+        </p:txBody>
+      </p:sp>
+      <p:sp>
+        <p:nvSpPr>
+          <p:cNvPr id="10" name="TextBox 9"/>
+          <p:cNvSpPr txBox="1"/>
+          <p:nvPr/>
+        </p:nvSpPr>
+        <p:spPr>
+          <a:xfrm>
+            <a:off x="3467099" y="2324100"/>
+            <a:ext cx="3708399" cy="461665"/>
+          </a:xfrm>
+          <a:prstGeom prst="rect">
+            <a:avLst/>
+          </a:prstGeom>
+          <a:noFill/>
+        </p:spPr>
+        <p:txBody>
+          <a:bodyPr wrap="square" rtlCol="0">
+            <a:spAutoFit/>
+          </a:bodyPr>
+          <a:lstStyle/>
+          <a:p>
+            <a:pPr algn="r">
+              <a:spcBef>
+                <a:spcPts val="600"/>
+              </a:spcBef>
+              <a:spcAft>
+                <a:spcPts val="400"/>
+              </a:spcAft>
+            </a:pPr>
+            <a:r>
+              <a:rPr lang="nb-NO" sz="2400" b="1" dirty="0" err="1" smtClean="0"/>
+              <a:t>Glory</a:t>
+            </a:r>
+            <a:r>
+              <a:rPr lang="nb-NO" sz="2400" b="1" dirty="0" smtClean="0"/>
+              <a:t> </a:t>
+            </a:r>
+            <a:r>
+              <a:rPr lang="nb-NO" sz="2400" b="1" dirty="0" err="1" smtClean="0"/>
+              <a:t>of</a:t>
+            </a:r>
+            <a:r>
+              <a:rPr lang="nb-NO" sz="2400" b="1" dirty="0" smtClean="0"/>
+              <a:t> REST</a:t>
+            </a:r>
+            <a:endParaRPr lang="nb-NO" sz="2400" b="1" dirty="0" smtClean="0"/>
+          </a:p>
+        </p:txBody>
+      </p:sp>
+      <p:sp>
+        <p:nvSpPr>
+          <p:cNvPr id="11" name="Right Arrow 10"/>
+          <p:cNvSpPr/>
+          <p:nvPr/>
+        </p:nvSpPr>
+        <p:spPr>
+          <a:xfrm rot="16200000">
+            <a:off x="6702333" y="3787868"/>
+            <a:ext cx="2743200" cy="984061"/>
+          </a:xfrm>
+          <a:prstGeom prst="rightArrow">
+            <a:avLst/>
+          </a:prstGeom>
+          <a:gradFill flip="none" rotWithShape="1">
+            <a:gsLst>
+              <a:gs pos="24000">
+                <a:schemeClr val="accent2">
+                  <a:lumMod val="75000"/>
+                </a:schemeClr>
+              </a:gs>
+              <a:gs pos="0">
+                <a:schemeClr val="accent1">
+                  <a:lumMod val="50000"/>
+                </a:schemeClr>
+              </a:gs>
+              <a:gs pos="53000">
+                <a:schemeClr val="accent2">
+                  <a:lumMod val="60000"/>
+                  <a:lumOff val="40000"/>
+                </a:schemeClr>
+              </a:gs>
+              <a:gs pos="78000">
+                <a:schemeClr val="accent1">
+                  <a:lumMod val="45000"/>
+                  <a:lumOff val="55000"/>
+                </a:schemeClr>
+              </a:gs>
+              <a:gs pos="100000">
+                <a:schemeClr val="accent1">
+                  <a:lumMod val="30000"/>
+                  <a:lumOff val="70000"/>
+                </a:schemeClr>
+              </a:gs>
+            </a:gsLst>
+            <a:lin ang="0" scaled="0"/>
+            <a:tileRect/>
+          </a:gradFill>
+          <a:ln>
+            <a:noFill/>
+          </a:ln>
+          <a:effectLst/>
+        </p:spPr>
+        <p:style>
+          <a:lnRef idx="1">
+            <a:schemeClr val="accent1"/>
+          </a:lnRef>
+          <a:fillRef idx="3">
+            <a:schemeClr val="accent1"/>
+          </a:fillRef>
+          <a:effectRef idx="2">
+            <a:schemeClr val="accent1"/>
+          </a:effectRef>
+          <a:fontRef idx="minor">
+            <a:schemeClr val="lt1"/>
+          </a:fontRef>
+        </p:style>
+        <p:txBody>
+          <a:bodyPr rot="0" spcFirstLastPara="0" vertOverflow="overflow" horzOverflow="overflow" vert="horz" wrap="square" lIns="91440" tIns="45720" rIns="91440" bIns="45720" numCol="1" spcCol="0" rtlCol="0" fromWordArt="0" anchor="ctr" anchorCtr="0" forceAA="0" compatLnSpc="1">
+            <a:prstTxWarp prst="textNoShape">
+              <a:avLst/>
+            </a:prstTxWarp>
+            <a:noAutofit/>
+          </a:bodyPr>
+          <a:lstStyle/>
+          <a:p>
+            <a:pPr algn="ctr">
+              <a:spcBef>
+                <a:spcPts val="600"/>
+              </a:spcBef>
+              <a:spcAft>
+                <a:spcPts val="400"/>
+              </a:spcAft>
+            </a:pPr>
+            <a:endParaRPr lang="nb-NO" sz="1400" dirty="0" err="1" smtClean="0">
+              <a:solidFill>
+                <a:schemeClr val="tx1"/>
+              </a:solidFill>
+            </a:endParaRPr>
+          </a:p>
+        </p:txBody>
+      </p:sp>
+      <p:sp>
+        <p:nvSpPr>
+          <p:cNvPr id="12" name="Donut 11"/>
+          <p:cNvSpPr/>
+          <p:nvPr/>
+        </p:nvSpPr>
+        <p:spPr>
+          <a:xfrm>
+            <a:off x="7581902" y="2362200"/>
+            <a:ext cx="927100" cy="304800"/>
+          </a:xfrm>
+          <a:prstGeom prst="donut">
+            <a:avLst/>
+          </a:prstGeom>
+          <a:ln/>
+        </p:spPr>
+        <p:style>
+          <a:lnRef idx="2">
+            <a:schemeClr val="accent3"/>
+          </a:lnRef>
+          <a:fillRef idx="1">
+            <a:schemeClr val="lt1"/>
+          </a:fillRef>
+          <a:effectRef idx="0">
+            <a:schemeClr val="accent3"/>
+          </a:effectRef>
+          <a:fontRef idx="minor">
+            <a:schemeClr val="dk1"/>
+          </a:fontRef>
+        </p:style>
+        <p:txBody>
+          <a:bodyPr rot="0" spcFirstLastPara="0" vertOverflow="overflow" horzOverflow="overflow" vert="horz" wrap="square" lIns="91440" tIns="45720" rIns="91440" bIns="45720" numCol="1" spcCol="0" rtlCol="0" fromWordArt="0" anchor="ctr" anchorCtr="0" forceAA="0" compatLnSpc="1">
+            <a:prstTxWarp prst="textNoShape">
+              <a:avLst/>
+            </a:prstTxWarp>
+            <a:noAutofit/>
+          </a:bodyPr>
+          <a:lstStyle/>
+          <a:p>
+            <a:pPr algn="ctr">
+              <a:spcBef>
+                <a:spcPts val="600"/>
+              </a:spcBef>
+              <a:spcAft>
+                <a:spcPts val="400"/>
+              </a:spcAft>
+            </a:pPr>
+            <a:endParaRPr lang="nb-NO" sz="1400" dirty="0" err="1" smtClean="0">
+              <a:solidFill>
+                <a:schemeClr val="tx1"/>
+              </a:solidFill>
+            </a:endParaRPr>
+          </a:p>
+        </p:txBody>
+      </p:sp>
+      <p:sp>
+        <p:nvSpPr>
+          <p:cNvPr id="13" name="TextBox 12"/>
+          <p:cNvSpPr txBox="1"/>
+          <p:nvPr/>
+        </p:nvSpPr>
+        <p:spPr>
+          <a:xfrm>
+            <a:off x="2780011" y="5880100"/>
+            <a:ext cx="2860078" cy="353943"/>
+          </a:xfrm>
+          <a:prstGeom prst="rect">
+            <a:avLst/>
+          </a:prstGeom>
+          <a:noFill/>
+        </p:spPr>
+        <p:txBody>
+          <a:bodyPr wrap="none" rtlCol="0">
+            <a:spAutoFit/>
+          </a:bodyPr>
+          <a:lstStyle/>
+          <a:p>
+            <a:pPr>
+              <a:spcBef>
+                <a:spcPts val="600"/>
+              </a:spcBef>
+              <a:spcAft>
+                <a:spcPts val="400"/>
+              </a:spcAft>
+            </a:pPr>
+            <a:r>
+              <a:rPr lang="nb-NO" sz="1700" dirty="0" err="1" smtClean="0"/>
+              <a:t>Richardson</a:t>
+            </a:r>
+            <a:r>
+              <a:rPr lang="nb-NO" sz="1700" dirty="0" smtClean="0"/>
+              <a:t> </a:t>
+            </a:r>
+            <a:r>
+              <a:rPr lang="nb-NO" sz="1700" dirty="0" err="1" smtClean="0"/>
+              <a:t>Maturity</a:t>
+            </a:r>
+            <a:r>
+              <a:rPr lang="nb-NO" sz="1700" dirty="0" smtClean="0"/>
+              <a:t> Model</a:t>
+            </a:r>
+            <a:endParaRPr lang="nb-NO" sz="1700" dirty="0" smtClean="0"/>
+          </a:p>
+        </p:txBody>
+      </p:sp>
+    </p:spTree>
+    <p:extLst>
+      <p:ext uri="{BB962C8B-B14F-4D97-AF65-F5344CB8AC3E}">
+        <p14:creationId xmlns:p14="http://schemas.microsoft.com/office/powerpoint/2010/main" val="1129048049"/>
+      </p:ext>
+    </p:extLst>
+  </p:cSld>
+  <p:clrMapOvr>
+    <a:masterClrMapping/>
+  </p:clrMapOvr>
+  <p:transition>
+    <p:fade thruBlk="1"/>
+  </p:transition>
+  <p:timing>
+    <p:tnLst>
+      <p:par>
+        <p:cTn id="1" dur="indefinite" restart="never" nodeType="tmRoot"/>
+      </p:par>
+    </p:tnLst>
+  </p:timing>
+</p:sld>
+</file>
+
+<file path=ppt/slides/slide17.xml><?xml version="1.0" encoding="utf-8"?>
+<p:sld xmlns:a="http://schemas.openxmlformats.org/drawingml/2006/main" xmlns:r="http://schemas.openxmlformats.org/officeDocument/2006/relationships" xmlns:p="http://schemas.openxmlformats.org/presentationml/2006/main">
+  <p:cSld>
     <p:bg>
       <p:bgPr>
         <a:solidFill>
@@ -16762,7 +17495,7 @@
                 </a:solidFill>
               </a:rPr>
               <a:pPr/>
-              <a:t>16</a:t>
+              <a:t>17</a:t>
             </a:fld>
             <a:endParaRPr lang="en-US" dirty="0">
               <a:solidFill>
@@ -16850,7 +17583,7 @@
 </p:sld>
 </file>
 
-<file path=ppt/slides/slide17.xml><?xml version="1.0" encoding="utf-8"?>
+<file path=ppt/slides/slide18.xml><?xml version="1.0" encoding="utf-8"?>
 <p:sld xmlns:a="http://schemas.openxmlformats.org/drawingml/2006/main" xmlns:r="http://schemas.openxmlformats.org/officeDocument/2006/relationships" xmlns:p="http://schemas.openxmlformats.org/presentationml/2006/main">
   <p:cSld>
     <p:spTree>
@@ -16996,7 +17729,7 @@
             <a:fld id="{FF67BF5B-7344-D747-A0C2-CBD7B2ACBC85}" type="slidenum">
               <a:rPr lang="en-US" smtClean="0"/>
               <a:pPr/>
-              <a:t>17</a:t>
+              <a:t>18</a:t>
             </a:fld>
             <a:endParaRPr lang="en-US" dirty="0"/>
           </a:p>
@@ -17208,11 +17941,7 @@
             </a:pPr>
             <a:r>
               <a:rPr lang="nb-NO" sz="2000" b="1" dirty="0" smtClean="0"/>
-              <a:t> </a:t>
-            </a:r>
-            <a:r>
-              <a:rPr lang="nb-NO" sz="2000" b="1" dirty="0" smtClean="0"/>
-              <a:t>Oppgave (</a:t>
+              <a:t> Oppgave (</a:t>
             </a:r>
             <a:r>
               <a:rPr lang="nb-NO" sz="2000" b="1" dirty="0" err="1" smtClean="0"/>
@@ -17222,7 +17951,6 @@
               <a:rPr lang="nb-NO" sz="2000" b="1" dirty="0" smtClean="0"/>
               <a:t>)</a:t>
             </a:r>
-            <a:endParaRPr lang="nb-NO" sz="2000" b="1" dirty="0" smtClean="0"/>
           </a:p>
           <a:p>
             <a:pPr>
@@ -17247,7 +17975,6 @@
               <a:rPr lang="nb-NO" sz="2000" b="1" dirty="0" smtClean="0"/>
               <a:t> konsument)</a:t>
             </a:r>
-            <a:endParaRPr lang="nb-NO" sz="2000" b="1" dirty="0" smtClean="0"/>
           </a:p>
           <a:p>
             <a:pPr>
@@ -17579,11 +18306,7 @@
             <a:pPr algn="ctr"/>
             <a:r>
               <a:rPr lang="nb-NO" sz="2800" dirty="0" smtClean="0"/>
-              <a:t>Ressurs</a:t>
-            </a:r>
-            <a:r>
-              <a:rPr lang="nb-NO" sz="2800" dirty="0" smtClean="0"/>
-              <a:t>:</a:t>
+              <a:t>Ressurs:</a:t>
             </a:r>
             <a:r>
               <a:rPr lang="nb-NO" sz="2800" dirty="0"/>
@@ -18064,11 +18787,7 @@
             </a:pPr>
             <a:r>
               <a:rPr lang="nb-NO" b="1" dirty="0" smtClean="0"/>
-              <a:t>Hent alle bloggposter på </a:t>
-            </a:r>
-            <a:r>
-              <a:rPr lang="nb-NO" b="1" dirty="0" smtClean="0"/>
-              <a:t>blogg</a:t>
+              <a:t>Hent alle bloggposter på blogg</a:t>
             </a:r>
             <a:r>
               <a:rPr lang="nb-NO" b="1" dirty="0"/>
@@ -18079,11 +18798,7 @@
             </a:br>
             <a:r>
               <a:rPr lang="nb-NO" dirty="0" smtClean="0"/>
-              <a:t>GET </a:t>
-            </a:r>
-            <a:r>
-              <a:rPr lang="nb-NO" dirty="0" smtClean="0"/>
-              <a:t>– minblogg.no/api/bloggposter</a:t>
+              <a:t>GET – minblogg.no/api/bloggposter</a:t>
             </a:r>
             <a:endParaRPr lang="nb-NO" dirty="0"/>
           </a:p>
@@ -18101,22 +18816,14 @@
             </a:pPr>
             <a:r>
               <a:rPr lang="nb-NO" b="1" dirty="0" smtClean="0"/>
-              <a:t>Lag ny </a:t>
-            </a:r>
-            <a:r>
-              <a:rPr lang="nb-NO" b="1" dirty="0" smtClean="0"/>
-              <a:t>bloggpost</a:t>
+              <a:t>Lag ny bloggpost</a:t>
             </a:r>
             <a:br>
               <a:rPr lang="nb-NO" b="1" dirty="0" smtClean="0"/>
             </a:br>
             <a:r>
               <a:rPr lang="nb-NO" dirty="0" smtClean="0"/>
-              <a:t>POST </a:t>
-            </a:r>
-            <a:r>
-              <a:rPr lang="nb-NO" dirty="0" smtClean="0"/>
-              <a:t>{Id: 1, Tittel: Lær deg WebApi} – minblogg.no/api/bloggposter</a:t>
+              <a:t>POST {Id: 1, Tittel: Lær deg WebApi} – minblogg.no/api/bloggposter</a:t>
             </a:r>
           </a:p>
           <a:p>
@@ -18133,22 +18840,14 @@
             </a:pPr>
             <a:r>
               <a:rPr lang="nb-NO" b="1" dirty="0" smtClean="0"/>
-              <a:t>Endre tittel på </a:t>
-            </a:r>
-            <a:r>
-              <a:rPr lang="nb-NO" b="1" dirty="0" smtClean="0"/>
-              <a:t>bloggpost</a:t>
+              <a:t>Endre tittel på bloggpost</a:t>
             </a:r>
             <a:br>
               <a:rPr lang="nb-NO" b="1" dirty="0" smtClean="0"/>
             </a:br>
             <a:r>
               <a:rPr lang="nb-NO" dirty="0" smtClean="0"/>
-              <a:t>PUT </a:t>
-            </a:r>
-            <a:r>
-              <a:rPr lang="nb-NO" dirty="0" smtClean="0"/>
-              <a:t>{Tittel: WebApi er gøy} – minblogg.no/api/bloggposter/1</a:t>
+              <a:t>PUT {Tittel: WebApi er gøy} – minblogg.no/api/bloggposter/1</a:t>
             </a:r>
           </a:p>
           <a:p>
@@ -18165,11 +18864,7 @@
             </a:pPr>
             <a:r>
               <a:rPr lang="nb-NO" b="1" dirty="0" smtClean="0"/>
-              <a:t>Slett </a:t>
-            </a:r>
-            <a:r>
-              <a:rPr lang="nb-NO" b="1" dirty="0" smtClean="0"/>
-              <a:t>bloggpost</a:t>
+              <a:t>Slett bloggpost</a:t>
             </a:r>
             <a:r>
               <a:rPr lang="nb-NO" b="1" dirty="0"/>
@@ -18180,11 +18875,7 @@
             </a:br>
             <a:r>
               <a:rPr lang="nb-NO" dirty="0" smtClean="0"/>
-              <a:t>DELETE </a:t>
-            </a:r>
-            <a:r>
-              <a:rPr lang="nb-NO" dirty="0" smtClean="0"/>
-              <a:t>– minblogg.no/api/bloggposter/1</a:t>
+              <a:t>DELETE – minblogg.no/api/bloggposter/1</a:t>
             </a:r>
           </a:p>
           <a:p>
@@ -18354,11 +19045,7 @@
             </a:pPr>
             <a:r>
               <a:rPr lang="nb-NO" b="1" dirty="0" smtClean="0"/>
-              <a:t> Rammeverk </a:t>
-            </a:r>
-            <a:r>
-              <a:rPr lang="nb-NO" b="1" dirty="0" smtClean="0"/>
-              <a:t>for å bygge HTTP-baserte tjenester på .NET </a:t>
+              <a:t> Rammeverk for å bygge HTTP-baserte tjenester på .NET </a:t>
             </a:r>
             <a:r>
               <a:rPr lang="nb-NO" b="1" dirty="0" err="1" smtClean="0"/>
@@ -18386,11 +19073,7 @@
             </a:pPr>
             <a:r>
               <a:rPr lang="nb-NO" b="1" dirty="0" smtClean="0"/>
-              <a:t> Gjør </a:t>
-            </a:r>
-            <a:r>
-              <a:rPr lang="nb-NO" b="1" dirty="0" smtClean="0"/>
-              <a:t>det enkelt å lage tjenester som følger REST-prinsippene </a:t>
+              <a:t> Gjør det enkelt å lage tjenester som følger REST-prinsippene </a:t>
             </a:r>
           </a:p>
           <a:p>
@@ -18417,11 +19100,7 @@
             </a:pPr>
             <a:r>
               <a:rPr lang="nb-NO" b="1" dirty="0" smtClean="0"/>
-              <a:t> Tilgjengeliggjøring </a:t>
-            </a:r>
-            <a:r>
-              <a:rPr lang="nb-NO" b="1" dirty="0" smtClean="0"/>
-              <a:t>for flere enheter og klientplatformer</a:t>
+              <a:t> Tilgjengeliggjøring for flere enheter og klientplatformer</a:t>
             </a:r>
           </a:p>
           <a:p>
@@ -18450,11 +19129,7 @@
             </a:pPr>
             <a:r>
               <a:rPr lang="nb-NO" b="1" dirty="0" smtClean="0"/>
-              <a:t> Levere </a:t>
-            </a:r>
-            <a:r>
-              <a:rPr lang="nb-NO" b="1" dirty="0" smtClean="0"/>
-              <a:t>data i flere formater (XML, JSON)</a:t>
+              <a:t> Levere data i flere formater (XML, JSON)</a:t>
             </a:r>
           </a:p>
           <a:p>
@@ -18483,11 +19158,7 @@
             </a:pPr>
             <a:r>
               <a:rPr lang="nb-NO" b="1" dirty="0" smtClean="0"/>
-              <a:t> </a:t>
-            </a:r>
-            <a:r>
-              <a:rPr lang="nb-NO" b="1" dirty="0" smtClean="0"/>
-              <a:t>Facebook, Twitter, LinkedIn +++ </a:t>
+              <a:t> Facebook, Twitter, LinkedIn +++ </a:t>
             </a:r>
           </a:p>
           <a:p>

--- a/webapi/WebAPI.pptx
+++ b/webapi/WebAPI.pptx
@@ -129,7 +129,7 @@
   </p:defaultTextStyle>
   <p:extLst>
     <p:ext uri="{EFAFB233-063F-42B5-8137-9DF3F51BA10A}">
-      <p15:sldGuideLst xmlns:p15="http://schemas.microsoft.com/office/powerpoint/2012/main">
+      <p15:sldGuideLst xmlns:p15="http://schemas.microsoft.com/office/powerpoint/2012/main" xmlns="">
         <p15:guide id="1" orient="horz" pos="4196">
           <p15:clr>
             <a:srgbClr val="A4A3A4"/>
@@ -163,7 +163,7 @@
       </p15:sldGuideLst>
     </p:ext>
     <p:ext uri="{2D200454-40CA-4A62-9FC3-DE9A4176ACB9}">
-      <p15:notesGuideLst xmlns:p15="http://schemas.microsoft.com/office/powerpoint/2012/main">
+      <p15:notesGuideLst xmlns:p15="http://schemas.microsoft.com/office/powerpoint/2012/main" xmlns="">
         <p15:guide id="1" orient="horz" pos="2880">
           <p15:clr>
             <a:srgbClr val="A4A3A4"/>
@@ -849,6 +849,75 @@
             <p:ph type="sldImg"/>
           </p:nvPr>
         </p:nvSpPr>
+        <p:spPr/>
+      </p:sp>
+      <p:sp>
+        <p:nvSpPr>
+          <p:cNvPr id="3" name="Notes Placeholder 2"/>
+          <p:cNvSpPr>
+            <a:spLocks noGrp="1"/>
+          </p:cNvSpPr>
+          <p:nvPr>
+            <p:ph type="body" idx="1"/>
+          </p:nvPr>
+        </p:nvSpPr>
+        <p:spPr/>
+        <p:txBody>
+          <a:bodyPr/>
+          <a:lstStyle/>
+          <a:p>
+            <a:r>
+              <a:rPr lang="nb-NO" dirty="0" smtClean="0"/>
+              <a:t>For de som ønsker</a:t>
+            </a:r>
+            <a:r>
+              <a:rPr lang="nb-NO" baseline="0" dirty="0" smtClean="0"/>
+              <a:t> å starte helt fra scratch så kan dere lese tekstfilen «Start fra scratch» som ligger i MinBlogg katalogen.</a:t>
+            </a:r>
+            <a:endParaRPr lang="nb-NO" dirty="0"/>
+          </a:p>
+        </p:txBody>
+      </p:sp>
+    </p:spTree>
+    <p:extLst>
+      <p:ext uri="{BB962C8B-B14F-4D97-AF65-F5344CB8AC3E}">
+        <p14:creationId xmlns:p14="http://schemas.microsoft.com/office/powerpoint/2010/main" val="2134900006"/>
+      </p:ext>
+    </p:extLst>
+  </p:cSld>
+  <p:clrMapOvr>
+    <a:masterClrMapping/>
+  </p:clrMapOvr>
+</p:notes>
+</file>
+
+<file path=ppt/notesSlides/notesSlide14.xml><?xml version="1.0" encoding="utf-8"?>
+<p:notes xmlns:a="http://schemas.openxmlformats.org/drawingml/2006/main" xmlns:r="http://schemas.openxmlformats.org/officeDocument/2006/relationships" xmlns:p="http://schemas.openxmlformats.org/presentationml/2006/main">
+  <p:cSld>
+    <p:spTree>
+      <p:nvGrpSpPr>
+        <p:cNvPr id="1" name=""/>
+        <p:cNvGrpSpPr/>
+        <p:nvPr/>
+      </p:nvGrpSpPr>
+      <p:grpSpPr>
+        <a:xfrm>
+          <a:off x="0" y="0"/>
+          <a:ext cx="0" cy="0"/>
+          <a:chOff x="0" y="0"/>
+          <a:chExt cx="0" cy="0"/>
+        </a:xfrm>
+      </p:grpSpPr>
+      <p:sp>
+        <p:nvSpPr>
+          <p:cNvPr id="2" name="Slide Image Placeholder 1"/>
+          <p:cNvSpPr>
+            <a:spLocks noGrp="1" noRot="1" noChangeAspect="1"/>
+          </p:cNvSpPr>
+          <p:nvPr>
+            <p:ph type="sldImg"/>
+          </p:nvPr>
+        </p:nvSpPr>
         <p:spPr>
           <a:xfrm>
             <a:off x="827088" y="592138"/>
@@ -896,7 +965,74 @@
 </p:notes>
 </file>
 
-<file path=ppt/notesSlides/notesSlide14.xml><?xml version="1.0" encoding="utf-8"?>
+<file path=ppt/notesSlides/notesSlide15.xml><?xml version="1.0" encoding="utf-8"?>
+<p:notes xmlns:a="http://schemas.openxmlformats.org/drawingml/2006/main" xmlns:r="http://schemas.openxmlformats.org/officeDocument/2006/relationships" xmlns:p="http://schemas.openxmlformats.org/presentationml/2006/main">
+  <p:cSld>
+    <p:spTree>
+      <p:nvGrpSpPr>
+        <p:cNvPr id="1" name=""/>
+        <p:cNvGrpSpPr/>
+        <p:nvPr/>
+      </p:nvGrpSpPr>
+      <p:grpSpPr>
+        <a:xfrm>
+          <a:off x="0" y="0"/>
+          <a:ext cx="0" cy="0"/>
+          <a:chOff x="0" y="0"/>
+          <a:chExt cx="0" cy="0"/>
+        </a:xfrm>
+      </p:grpSpPr>
+      <p:sp>
+        <p:nvSpPr>
+          <p:cNvPr id="2" name="Slide Image Placeholder 1"/>
+          <p:cNvSpPr>
+            <a:spLocks noGrp="1" noRot="1" noChangeAspect="1"/>
+          </p:cNvSpPr>
+          <p:nvPr>
+            <p:ph type="sldImg"/>
+          </p:nvPr>
+        </p:nvSpPr>
+        <p:spPr/>
+      </p:sp>
+      <p:sp>
+        <p:nvSpPr>
+          <p:cNvPr id="3" name="Notes Placeholder 2"/>
+          <p:cNvSpPr>
+            <a:spLocks noGrp="1"/>
+          </p:cNvSpPr>
+          <p:nvPr>
+            <p:ph type="body" idx="1"/>
+          </p:nvPr>
+        </p:nvSpPr>
+        <p:spPr/>
+        <p:txBody>
+          <a:bodyPr/>
+          <a:lstStyle/>
+          <a:p>
+            <a:r>
+              <a:rPr lang="nb-NO" smtClean="0">
+                <a:hlinkClick r:id="rId3"/>
+              </a:rPr>
+              <a:t>http://martinfowler.com/articles/richardsonMaturityModel.html</a:t>
+            </a:r>
+            <a:endParaRPr lang="nb-NO"/>
+          </a:p>
+        </p:txBody>
+      </p:sp>
+    </p:spTree>
+    <p:extLst>
+      <p:ext uri="{BB962C8B-B14F-4D97-AF65-F5344CB8AC3E}">
+        <p14:creationId xmlns:p14="http://schemas.microsoft.com/office/powerpoint/2010/main" val="2578365851"/>
+      </p:ext>
+    </p:extLst>
+  </p:cSld>
+  <p:clrMapOvr>
+    <a:masterClrMapping/>
+  </p:clrMapOvr>
+</p:notes>
+</file>
+
+<file path=ppt/notesSlides/notesSlide16.xml><?xml version="1.0" encoding="utf-8"?>
 <p:notes xmlns:a="http://schemas.openxmlformats.org/drawingml/2006/main" xmlns:r="http://schemas.openxmlformats.org/officeDocument/2006/relationships" xmlns:p="http://schemas.openxmlformats.org/presentationml/2006/main">
   <p:cSld>
     <p:spTree>
@@ -1101,6 +1237,12 @@
               <a:rPr lang="nb-NO" baseline="0" dirty="0" smtClean="0"/>
               <a:t> tilfellet er ressursen en liste av bloggposter.</a:t>
             </a:r>
+          </a:p>
+          <a:p>
+            <a:r>
+              <a:rPr lang="nb-NO" baseline="0" dirty="0" smtClean="0"/>
+              <a:t>Url’en linker til ressursen</a:t>
+            </a:r>
             <a:endParaRPr lang="nb-NO" dirty="0"/>
           </a:p>
         </p:txBody>
@@ -1189,7 +1331,111 @@
                 <a:ea typeface="+mn-ea"/>
                 <a:cs typeface="Georgia"/>
               </a:rPr>
-              <a:t>I REST (og også Web APIet) så kan man bare endre eller utføre operasjonerpå en ressurs ved å bruke en av de fire HTTP-verbene. Altså GET, PUT, POST og DELETE. </a:t>
+              <a:t>En nettleser bruker GET-verbet</a:t>
+            </a:r>
+            <a:r>
+              <a:rPr lang="nb-NO" sz="1500" kern="1200" baseline="0" dirty="0" smtClean="0">
+                <a:solidFill>
+                  <a:schemeClr val="tx1"/>
+                </a:solidFill>
+                <a:effectLst/>
+                <a:latin typeface="Georgia"/>
+                <a:ea typeface="+mn-ea"/>
+                <a:cs typeface="Georgia"/>
+              </a:rPr>
+              <a:t> når man klikker seg rundt på nettet.</a:t>
+            </a:r>
+            <a:endParaRPr lang="nb-NO" sz="1500" kern="1200" dirty="0" smtClean="0">
+              <a:solidFill>
+                <a:schemeClr val="tx1"/>
+              </a:solidFill>
+              <a:effectLst/>
+              <a:latin typeface="Georgia"/>
+              <a:ea typeface="+mn-ea"/>
+              <a:cs typeface="Georgia"/>
+            </a:endParaRPr>
+          </a:p>
+          <a:p>
+            <a:pPr marL="0" marR="0" indent="0" algn="l" defTabSz="457200" rtl="0" eaLnBrk="1" fontAlgn="auto" latinLnBrk="0" hangingPunct="1">
+              <a:lnSpc>
+                <a:spcPct val="100000"/>
+              </a:lnSpc>
+              <a:spcBef>
+                <a:spcPts val="0"/>
+              </a:spcBef>
+              <a:spcAft>
+                <a:spcPts val="0"/>
+              </a:spcAft>
+              <a:buClrTx/>
+              <a:buSzTx/>
+              <a:buFontTx/>
+              <a:buNone/>
+              <a:tabLst/>
+              <a:defRPr/>
+            </a:pPr>
+            <a:r>
+              <a:rPr lang="nb-NO" sz="1500" kern="1200" dirty="0" smtClean="0">
+                <a:solidFill>
+                  <a:schemeClr val="tx1"/>
+                </a:solidFill>
+                <a:effectLst/>
+                <a:latin typeface="Georgia"/>
+                <a:ea typeface="+mn-ea"/>
+                <a:cs typeface="Georgia"/>
+              </a:rPr>
+              <a:t>En</a:t>
+            </a:r>
+            <a:r>
+              <a:rPr lang="nb-NO" sz="1500" kern="1200" baseline="0" dirty="0" smtClean="0">
+                <a:solidFill>
+                  <a:schemeClr val="tx1"/>
+                </a:solidFill>
+                <a:effectLst/>
+                <a:latin typeface="Georgia"/>
+                <a:ea typeface="+mn-ea"/>
+                <a:cs typeface="Georgia"/>
+              </a:rPr>
+              <a:t> ressurs kan støtte flere operasjoner enn GET</a:t>
+            </a:r>
+            <a:endParaRPr lang="nb-NO" sz="1500" kern="1200" dirty="0" smtClean="0">
+              <a:solidFill>
+                <a:schemeClr val="tx1"/>
+              </a:solidFill>
+              <a:effectLst/>
+              <a:latin typeface="Georgia"/>
+              <a:ea typeface="+mn-ea"/>
+              <a:cs typeface="Georgia"/>
+            </a:endParaRPr>
+          </a:p>
+          <a:p>
+            <a:pPr marL="0" marR="0" indent="0" algn="l" defTabSz="457200" rtl="0" eaLnBrk="1" fontAlgn="auto" latinLnBrk="0" hangingPunct="1">
+              <a:lnSpc>
+                <a:spcPct val="100000"/>
+              </a:lnSpc>
+              <a:spcBef>
+                <a:spcPts val="0"/>
+              </a:spcBef>
+              <a:spcAft>
+                <a:spcPts val="0"/>
+              </a:spcAft>
+              <a:buClrTx/>
+              <a:buSzTx/>
+              <a:buFontTx/>
+              <a:buNone/>
+              <a:tabLst/>
+              <a:defRPr/>
+            </a:pPr>
+            <a:r>
+              <a:rPr lang="nb-NO" sz="1500" kern="1200" dirty="0" smtClean="0">
+                <a:solidFill>
+                  <a:schemeClr val="tx1"/>
+                </a:solidFill>
+                <a:effectLst/>
+                <a:latin typeface="Georgia"/>
+                <a:ea typeface="+mn-ea"/>
+                <a:cs typeface="Georgia"/>
+              </a:rPr>
+              <a:t>I REST (og også Web APIet) kan operasjoner på en ressurs bare utføres ved å bruke en av de fire HTTP-verbene. Altså GET, PUT, POST og DELETE. </a:t>
             </a:r>
           </a:p>
           <a:p>
@@ -16888,11 +17134,6 @@
               </a:rPr>
               <a:t> POX</a:t>
             </a:r>
-            <a:endParaRPr lang="nb-NO" sz="1600" b="1" dirty="0" smtClean="0">
-              <a:solidFill>
-                <a:schemeClr val="bg1"/>
-              </a:solidFill>
-            </a:endParaRPr>
           </a:p>
         </p:txBody>
       </p:sp>
@@ -16959,11 +17200,6 @@
               </a:rPr>
               <a:t>Level 1 : Resources</a:t>
             </a:r>
-            <a:endParaRPr lang="nb-NO" sz="1600" b="1" dirty="0" smtClean="0">
-              <a:solidFill>
-                <a:schemeClr val="bg1"/>
-              </a:solidFill>
-            </a:endParaRPr>
           </a:p>
         </p:txBody>
       </p:sp>
@@ -17031,11 +17267,6 @@
               </a:rPr>
               <a:t>Level 2 : HTTP Verbs</a:t>
             </a:r>
-            <a:endParaRPr lang="nb-NO" sz="1600" b="1" dirty="0" smtClean="0">
-              <a:solidFill>
-                <a:schemeClr val="bg1"/>
-              </a:solidFill>
-            </a:endParaRPr>
           </a:p>
         </p:txBody>
       </p:sp>
@@ -17181,7 +17412,6 @@
               <a:rPr lang="nb-NO" sz="2400" b="1" dirty="0" smtClean="0"/>
               <a:t> REST</a:t>
             </a:r>
-            <a:endParaRPr lang="nb-NO" sz="2400" b="1" dirty="0" smtClean="0"/>
           </a:p>
         </p:txBody>
       </p:sp>
@@ -17378,7 +17608,6 @@
               <a:rPr lang="nb-NO" sz="1700" dirty="0" smtClean="0"/>
               <a:t> Model</a:t>
             </a:r>
-            <a:endParaRPr lang="nb-NO" sz="1700" dirty="0" smtClean="0"/>
           </a:p>
         </p:txBody>
       </p:sp>

--- a/webapi/WebAPI.pptx
+++ b/webapi/WebAPI.pptx
@@ -5,10 +5,10 @@
     <p:sldMasterId id="2147483648" r:id="rId1"/>
   </p:sldMasterIdLst>
   <p:notesMasterIdLst>
-    <p:notesMasterId r:id="rId20"/>
+    <p:notesMasterId r:id="rId21"/>
   </p:notesMasterIdLst>
   <p:handoutMasterIdLst>
-    <p:handoutMasterId r:id="rId21"/>
+    <p:handoutMasterId r:id="rId22"/>
   </p:handoutMasterIdLst>
   <p:sldIdLst>
     <p:sldId id="256" r:id="rId2"/>
@@ -24,11 +24,12 @@
     <p:sldId id="275" r:id="rId12"/>
     <p:sldId id="294" r:id="rId13"/>
     <p:sldId id="290" r:id="rId14"/>
-    <p:sldId id="269" r:id="rId15"/>
-    <p:sldId id="279" r:id="rId16"/>
-    <p:sldId id="297" r:id="rId17"/>
-    <p:sldId id="289" r:id="rId18"/>
-    <p:sldId id="296" r:id="rId19"/>
+    <p:sldId id="299" r:id="rId15"/>
+    <p:sldId id="269" r:id="rId16"/>
+    <p:sldId id="279" r:id="rId17"/>
+    <p:sldId id="297" r:id="rId18"/>
+    <p:sldId id="289" r:id="rId19"/>
+    <p:sldId id="296" r:id="rId20"/>
   </p:sldIdLst>
   <p:sldSz cx="9144000" cy="6858000" type="screen4x3"/>
   <p:notesSz cx="6858000" cy="9144000"/>
@@ -129,7 +130,7 @@
   </p:defaultTextStyle>
   <p:extLst>
     <p:ext uri="{EFAFB233-063F-42B5-8137-9DF3F51BA10A}">
-      <p15:sldGuideLst xmlns:p15="http://schemas.microsoft.com/office/powerpoint/2012/main" xmlns="">
+      <p15:sldGuideLst xmlns:p15="http://schemas.microsoft.com/office/powerpoint/2012/main">
         <p15:guide id="1" orient="horz" pos="4196">
           <p15:clr>
             <a:srgbClr val="A4A3A4"/>
@@ -163,7 +164,7 @@
       </p15:sldGuideLst>
     </p:ext>
     <p:ext uri="{2D200454-40CA-4A62-9FC3-DE9A4176ACB9}">
-      <p15:notesGuideLst xmlns:p15="http://schemas.microsoft.com/office/powerpoint/2012/main" xmlns="">
+      <p15:notesGuideLst xmlns:p15="http://schemas.microsoft.com/office/powerpoint/2012/main">
         <p15:guide id="1" orient="horz" pos="2880">
           <p15:clr>
             <a:srgbClr val="A4A3A4"/>
@@ -718,7 +719,17 @@
             </a:r>
             <a:r>
               <a:rPr lang="nb-NO" baseline="0" dirty="0" smtClean="0"/>
-              <a:t> kjekt å bruke for å lage ruter for sub-ressurser som f.eks. Kommentarer i dette eksemplet</a:t>
+              <a:t> kjekt å bruke for å lage ruter for sub-ressurser som f.eks. Kommentarer i dette </a:t>
+            </a:r>
+            <a:r>
+              <a:rPr lang="nb-NO" baseline="0" dirty="0" smtClean="0"/>
+              <a:t>eksemplet</a:t>
+            </a:r>
+          </a:p>
+          <a:p>
+            <a:r>
+              <a:rPr lang="nb-NO" baseline="0" dirty="0" smtClean="0"/>
+              <a:t>Kommer med MVC 5</a:t>
             </a:r>
             <a:endParaRPr lang="nb-NO" dirty="0"/>
           </a:p>
@@ -849,7 +860,12 @@
             <p:ph type="sldImg"/>
           </p:nvPr>
         </p:nvSpPr>
-        <p:spPr/>
+        <p:spPr>
+          <a:xfrm>
+            <a:off x="827088" y="592138"/>
+            <a:ext cx="5226050" cy="3919537"/>
+          </a:xfrm>
+        </p:spPr>
       </p:sp>
       <p:sp>
         <p:nvSpPr>
@@ -992,7 +1008,12 @@
             <p:ph type="sldImg"/>
           </p:nvPr>
         </p:nvSpPr>
-        <p:spPr/>
+        <p:spPr>
+          <a:xfrm>
+            <a:off x="827088" y="592138"/>
+            <a:ext cx="5226050" cy="3919537"/>
+          </a:xfrm>
+        </p:spPr>
       </p:sp>
       <p:sp>
         <p:nvSpPr>
@@ -1582,8 +1603,23 @@
             </a:pPr>
             <a:r>
               <a:rPr lang="nb-NO" baseline="0" dirty="0" smtClean="0"/>
-              <a:t>Kan hente alle kommentarer som tilhører en bloggpost ved å gjøre en GET mot subressursen «kommentarer».</a:t>
-            </a:r>
+              <a:t>Kan hente alle kommentarer som tilhører en bloggpost ved å gjøre en GET mot subressursen «kommentarer</a:t>
+            </a:r>
+            <a:r>
+              <a:rPr lang="nb-NO" baseline="0" dirty="0" smtClean="0"/>
+              <a:t>».</a:t>
+            </a:r>
+          </a:p>
+          <a:p>
+            <a:pPr marL="285750" indent="-285750">
+              <a:buFontTx/>
+              <a:buChar char="-"/>
+            </a:pPr>
+            <a:r>
+              <a:rPr lang="nb-NO" baseline="0" dirty="0" smtClean="0"/>
+              <a:t>Facebook, twitter, linkedin</a:t>
+            </a:r>
+            <a:endParaRPr lang="nb-NO" baseline="0" dirty="0" smtClean="0"/>
           </a:p>
         </p:txBody>
       </p:sp>
@@ -16206,14 +16242,6 @@
 <file path=ppt/slides/slide14.xml><?xml version="1.0" encoding="utf-8"?>
 <p:sld xmlns:a="http://schemas.openxmlformats.org/drawingml/2006/main" xmlns:r="http://schemas.openxmlformats.org/officeDocument/2006/relationships" xmlns:p="http://schemas.openxmlformats.org/presentationml/2006/main">
   <p:cSld>
-    <p:bg>
-      <p:bgPr>
-        <a:solidFill>
-          <a:schemeClr val="accent1"/>
-        </a:solidFill>
-        <a:effectLst/>
-      </p:bgPr>
-    </p:bg>
     <p:spTree>
       <p:nvGrpSpPr>
         <p:cNvPr id="1" name=""/>
@@ -16241,29 +16269,18 @@
         <p:spPr>
           <a:xfrm>
             <a:off x="321623" y="418905"/>
-            <a:ext cx="1401666" cy="307777"/>
+            <a:ext cx="2990242" cy="307777"/>
           </a:xfrm>
-          <a:solidFill>
-            <a:schemeClr val="accent1"/>
-          </a:solidFill>
         </p:spPr>
         <p:txBody>
           <a:bodyPr/>
           <a:lstStyle/>
           <a:p>
             <a:r>
-              <a:rPr lang="nb-NO" dirty="0" smtClean="0">
-                <a:solidFill>
-                  <a:schemeClr val="bg1"/>
-                </a:solidFill>
-              </a:rPr>
-              <a:t>Oppgave</a:t>
-            </a:r>
-            <a:endParaRPr lang="en-US" dirty="0">
-              <a:solidFill>
-                <a:schemeClr val="bg1"/>
-              </a:solidFill>
-            </a:endParaRPr>
+              <a:rPr lang="nb-NO" dirty="0" smtClean="0"/>
+              <a:t>IHttpActionResult</a:t>
+            </a:r>
+            <a:endParaRPr lang="nb-NO" dirty="0"/>
           </a:p>
         </p:txBody>
       </p:sp>
@@ -16277,42 +16294,30 @@
             <p:ph type="sldNum" sz="quarter" idx="10"/>
           </p:nvPr>
         </p:nvSpPr>
-        <p:spPr>
-          <a:solidFill>
-            <a:schemeClr val="accent1"/>
-          </a:solidFill>
-        </p:spPr>
+        <p:spPr/>
         <p:txBody>
           <a:bodyPr/>
           <a:lstStyle/>
           <a:p>
             <a:fld id="{FF67BF5B-7344-D747-A0C2-CBD7B2ACBC85}" type="slidenum">
-              <a:rPr lang="en-US" smtClean="0">
-                <a:solidFill>
-                  <a:schemeClr val="bg1"/>
-                </a:solidFill>
-              </a:rPr>
+              <a:rPr lang="en-US" smtClean="0"/>
               <a:pPr/>
               <a:t>14</a:t>
             </a:fld>
-            <a:endParaRPr lang="en-US" dirty="0">
-              <a:solidFill>
-                <a:schemeClr val="bg1"/>
-              </a:solidFill>
-            </a:endParaRPr>
+            <a:endParaRPr lang="en-US" dirty="0"/>
           </a:p>
         </p:txBody>
       </p:sp>
       <p:sp>
         <p:nvSpPr>
-          <p:cNvPr id="7" name="TextBox 6"/>
+          <p:cNvPr id="5" name="TextBox 4"/>
           <p:cNvSpPr txBox="1"/>
           <p:nvPr/>
         </p:nvSpPr>
         <p:spPr>
           <a:xfrm>
-            <a:off x="321623" y="771823"/>
-            <a:ext cx="8102827" cy="5816977"/>
+            <a:off x="321623" y="1155876"/>
+            <a:ext cx="8409684" cy="3970318"/>
           </a:xfrm>
           <a:prstGeom prst="rect">
             <a:avLst/>
@@ -16325,374 +16330,138 @@
           </a:bodyPr>
           <a:lstStyle/>
           <a:p>
-            <a:pPr algn="just"/>
+            <a:r>
+              <a:rPr lang="nb-NO" b="1" dirty="0" smtClean="0"/>
+              <a:t>Web API 1</a:t>
+            </a:r>
+          </a:p>
+          <a:p>
+            <a:pPr marL="285750" indent="-285750">
+              <a:buFont typeface="Arial" panose="020B0604020202020204" pitchFamily="34" charset="0"/>
+              <a:buChar char="•"/>
+            </a:pPr>
+            <a:endParaRPr lang="nb-NO" dirty="0" smtClean="0"/>
+          </a:p>
+          <a:p>
+            <a:pPr marL="285750" indent="-285750">
+              <a:buFont typeface="Arial" panose="020B0604020202020204" pitchFamily="34" charset="0"/>
+              <a:buChar char="•"/>
+            </a:pPr>
+            <a:r>
+              <a:rPr lang="nb-NO" dirty="0" smtClean="0"/>
+              <a:t>Spesifikk returtype (eller void)</a:t>
+            </a:r>
+          </a:p>
+          <a:p>
+            <a:pPr marL="285750" indent="-285750">
+              <a:buFont typeface="Arial" panose="020B0604020202020204" pitchFamily="34" charset="0"/>
+              <a:buChar char="•"/>
+            </a:pPr>
             <a:r>
               <a:rPr lang="nb-NO" dirty="0" smtClean="0">
-                <a:solidFill>
-                  <a:schemeClr val="bg1"/>
-                </a:solidFill>
-              </a:rPr>
-              <a:t>I denne oppgaven skal vi starte på å lage et lite web API som skal eksponere blogginnlegg. Et blogginnlegg skal minimum ha tittel, innhold og dato for publisering. Målet med denne oppgaven er å få til enkel CRUD for blogginnlegg. Vi trenger ikke lagring  i databasen, kun i minne.</a:t>
-            </a:r>
-          </a:p>
-          <a:p>
-            <a:pPr algn="just"/>
+                <a:latin typeface="Consolas" panose="020B0609020204030204" pitchFamily="49" charset="0"/>
+                <a:cs typeface="Consolas" panose="020B0609020204030204" pitchFamily="49" charset="0"/>
+              </a:rPr>
+              <a:t>HttpResponseMessage</a:t>
+            </a:r>
+            <a:endParaRPr lang="nb-NO" dirty="0">
+              <a:latin typeface="Consolas" panose="020B0609020204030204" pitchFamily="49" charset="0"/>
+              <a:cs typeface="Consolas" panose="020B0609020204030204" pitchFamily="49" charset="0"/>
+            </a:endParaRPr>
+          </a:p>
+          <a:p>
+            <a:endParaRPr lang="nb-NO" dirty="0" smtClean="0"/>
+          </a:p>
+          <a:p>
+            <a:r>
+              <a:rPr lang="nb-NO" b="1" dirty="0" smtClean="0"/>
+              <a:t>Web API 2</a:t>
+            </a:r>
+          </a:p>
+          <a:p>
+            <a:endParaRPr lang="nb-NO" b="1" dirty="0" smtClean="0"/>
+          </a:p>
+          <a:p>
+            <a:pPr marL="285750" indent="-285750">
+              <a:buFont typeface="Arial" panose="020B0604020202020204" pitchFamily="34" charset="0"/>
+              <a:buChar char="•"/>
+            </a:pPr>
+            <a:r>
+              <a:rPr lang="nb-NO" dirty="0"/>
+              <a:t>Spesifikk returtype (eller void)</a:t>
+            </a:r>
+          </a:p>
+          <a:p>
+            <a:pPr marL="285750" indent="-285750">
+              <a:buFont typeface="Arial" panose="020B0604020202020204" pitchFamily="34" charset="0"/>
+              <a:buChar char="•"/>
+            </a:pPr>
+            <a:r>
+              <a:rPr lang="nb-NO" dirty="0" smtClean="0">
+                <a:latin typeface="Consolas" panose="020B0609020204030204" pitchFamily="49" charset="0"/>
+                <a:cs typeface="Consolas" panose="020B0609020204030204" pitchFamily="49" charset="0"/>
+              </a:rPr>
+              <a:t>HttpResponseMessage</a:t>
+            </a:r>
+          </a:p>
+          <a:p>
+            <a:pPr marL="285750" indent="-285750">
+              <a:buFont typeface="Arial" panose="020B0604020202020204" pitchFamily="34" charset="0"/>
+              <a:buChar char="•"/>
+            </a:pPr>
+            <a:r>
+              <a:rPr lang="nb-NO" dirty="0" smtClean="0">
+                <a:latin typeface="Consolas" panose="020B0609020204030204" pitchFamily="49" charset="0"/>
+                <a:cs typeface="Consolas" panose="020B0609020204030204" pitchFamily="49" charset="0"/>
+              </a:rPr>
+              <a:t>IHttpActionResult</a:t>
+            </a:r>
             <a:endParaRPr lang="nb-NO" dirty="0" smtClean="0">
-              <a:solidFill>
-                <a:schemeClr val="bg1"/>
-              </a:solidFill>
+              <a:cs typeface="Consolas" panose="020B0609020204030204" pitchFamily="49" charset="0"/>
             </a:endParaRPr>
           </a:p>
           <a:p>
-            <a:pPr algn="just"/>
+            <a:pPr marL="742950" lvl="1" indent="-285750">
+              <a:buFont typeface="Arial" panose="020B0604020202020204" pitchFamily="34" charset="0"/>
+              <a:buChar char="•"/>
+            </a:pPr>
             <a:r>
               <a:rPr lang="nb-NO" dirty="0" smtClean="0">
-                <a:solidFill>
-                  <a:schemeClr val="bg1"/>
-                </a:solidFill>
-              </a:rPr>
-              <a:t>Implementèr følgende operasjoner i ApiControlleren:</a:t>
-            </a:r>
-          </a:p>
-          <a:p>
-            <a:pPr algn="just"/>
-            <a:endParaRPr lang="nb-NO" dirty="0" smtClean="0">
-              <a:solidFill>
-                <a:schemeClr val="bg1"/>
-              </a:solidFill>
+                <a:cs typeface="Consolas" panose="020B0609020204030204" pitchFamily="49" charset="0"/>
+              </a:rPr>
+              <a:t>Factory for HttpResponseMessage</a:t>
+            </a:r>
+          </a:p>
+          <a:p>
+            <a:pPr marL="742950" lvl="1" indent="-285750">
+              <a:buFont typeface="Arial" panose="020B0604020202020204" pitchFamily="34" charset="0"/>
+              <a:buChar char="•"/>
+            </a:pPr>
+            <a:r>
+              <a:rPr lang="nb-NO" dirty="0" smtClean="0">
+                <a:cs typeface="Consolas" panose="020B0609020204030204" pitchFamily="49" charset="0"/>
+              </a:rPr>
+              <a:t>Ved å implementere det så forklarer du noe om hvordan responsen skal konstrueres – hindre duplisering av kode</a:t>
+            </a:r>
+            <a:endParaRPr lang="nb-NO" dirty="0">
+              <a:cs typeface="Consolas" panose="020B0609020204030204" pitchFamily="49" charset="0"/>
             </a:endParaRPr>
           </a:p>
           <a:p>
-            <a:pPr algn="just"/>
-            <a:r>
-              <a:rPr lang="nb-NO" dirty="0" smtClean="0">
-                <a:solidFill>
-                  <a:schemeClr val="bg1"/>
-                </a:solidFill>
-              </a:rPr>
-              <a:t>	1. </a:t>
-            </a:r>
-            <a:r>
-              <a:rPr lang="nb-NO" dirty="0" smtClean="0">
-                <a:solidFill>
-                  <a:schemeClr val="bg1"/>
-                </a:solidFill>
-                <a:latin typeface="Consolas" pitchFamily="49" charset="0"/>
-                <a:cs typeface="Consolas" pitchFamily="49" charset="0"/>
-              </a:rPr>
-              <a:t>IEnumerable&lt;Bloggpost&gt; Get()</a:t>
-            </a:r>
-          </a:p>
-          <a:p>
-            <a:pPr algn="just"/>
-            <a:r>
-              <a:rPr lang="nb-NO" dirty="0" smtClean="0">
-                <a:solidFill>
-                  <a:schemeClr val="bg1"/>
-                </a:solidFill>
-                <a:latin typeface="Consolas" pitchFamily="49" charset="0"/>
-                <a:cs typeface="Consolas" pitchFamily="49" charset="0"/>
-              </a:rPr>
-              <a:t>	</a:t>
-            </a:r>
-            <a:r>
-              <a:rPr lang="nb-NO" dirty="0" smtClean="0">
-                <a:solidFill>
-                  <a:schemeClr val="bg1"/>
-                </a:solidFill>
-              </a:rPr>
-              <a:t>2. </a:t>
-            </a:r>
-            <a:r>
-              <a:rPr lang="nb-NO" dirty="0" smtClean="0">
-                <a:solidFill>
-                  <a:schemeClr val="bg1"/>
-                </a:solidFill>
-                <a:latin typeface="Consolas" pitchFamily="49" charset="0"/>
-                <a:cs typeface="Consolas" pitchFamily="49" charset="0"/>
-              </a:rPr>
-              <a:t>Bloggpost Get(id)</a:t>
-            </a:r>
-          </a:p>
-          <a:p>
-            <a:pPr algn="just"/>
-            <a:r>
-              <a:rPr lang="nb-NO" dirty="0" smtClean="0">
-                <a:solidFill>
-                  <a:schemeClr val="bg1"/>
-                </a:solidFill>
-                <a:latin typeface="Consolas" pitchFamily="49" charset="0"/>
-                <a:cs typeface="Consolas" pitchFamily="49" charset="0"/>
-              </a:rPr>
-              <a:t>	</a:t>
-            </a:r>
-            <a:r>
-              <a:rPr lang="nb-NO" dirty="0" smtClean="0">
-                <a:solidFill>
-                  <a:schemeClr val="bg1"/>
-                </a:solidFill>
-              </a:rPr>
-              <a:t>3. </a:t>
-            </a:r>
-            <a:r>
-              <a:rPr lang="nb-NO" dirty="0" smtClean="0">
-                <a:solidFill>
-                  <a:schemeClr val="bg1"/>
-                </a:solidFill>
-                <a:latin typeface="Consolas" pitchFamily="49" charset="0"/>
-                <a:cs typeface="Consolas" pitchFamily="49" charset="0"/>
-              </a:rPr>
-              <a:t>HttpResponseMessage Post(Bloggpost post)</a:t>
-            </a:r>
-          </a:p>
-          <a:p>
-            <a:pPr algn="just"/>
-            <a:r>
-              <a:rPr lang="nb-NO" dirty="0" smtClean="0">
-                <a:solidFill>
-                  <a:schemeClr val="bg1"/>
-                </a:solidFill>
-                <a:latin typeface="Consolas" pitchFamily="49" charset="0"/>
-                <a:cs typeface="Consolas" pitchFamily="49" charset="0"/>
-              </a:rPr>
-              <a:t>	</a:t>
-            </a:r>
-            <a:r>
-              <a:rPr lang="nb-NO" dirty="0" smtClean="0">
-                <a:solidFill>
-                  <a:schemeClr val="bg1"/>
-                </a:solidFill>
-              </a:rPr>
-              <a:t>4. </a:t>
-            </a:r>
-            <a:r>
-              <a:rPr lang="nb-NO" dirty="0" smtClean="0">
-                <a:solidFill>
-                  <a:schemeClr val="bg1"/>
-                </a:solidFill>
-                <a:latin typeface="Consolas" pitchFamily="49" charset="0"/>
-                <a:cs typeface="Consolas" pitchFamily="49" charset="0"/>
-              </a:rPr>
-              <a:t>HttpResponseMessage Put(int id, Bloggpost post)</a:t>
-            </a:r>
-          </a:p>
-          <a:p>
-            <a:pPr algn="just"/>
-            <a:r>
-              <a:rPr lang="nb-NO" dirty="0" smtClean="0">
-                <a:solidFill>
-                  <a:schemeClr val="bg1"/>
-                </a:solidFill>
-                <a:latin typeface="Consolas" pitchFamily="49" charset="0"/>
-                <a:cs typeface="Consolas" pitchFamily="49" charset="0"/>
-              </a:rPr>
-              <a:t>	</a:t>
-            </a:r>
-            <a:r>
-              <a:rPr lang="nb-NO" dirty="0" smtClean="0">
-                <a:solidFill>
-                  <a:schemeClr val="bg1"/>
-                </a:solidFill>
-              </a:rPr>
-              <a:t>5. </a:t>
-            </a:r>
-            <a:r>
-              <a:rPr lang="nb-NO" dirty="0" smtClean="0">
-                <a:solidFill>
-                  <a:schemeClr val="bg1"/>
-                </a:solidFill>
-                <a:latin typeface="Consolas" pitchFamily="49" charset="0"/>
-                <a:cs typeface="Consolas" pitchFamily="49" charset="0"/>
-              </a:rPr>
-              <a:t>HttpResponseMessage Delete(int id)</a:t>
-            </a:r>
-          </a:p>
-          <a:p>
-            <a:pPr algn="just"/>
-            <a:endParaRPr lang="nb-NO" dirty="0">
-              <a:solidFill>
-                <a:schemeClr val="bg1"/>
-              </a:solidFill>
-              <a:latin typeface="Consolas" pitchFamily="49" charset="0"/>
-              <a:cs typeface="Consolas" pitchFamily="49" charset="0"/>
-            </a:endParaRPr>
-          </a:p>
-          <a:p>
-            <a:pPr algn="just"/>
-            <a:r>
-              <a:rPr lang="nb-NO" dirty="0" smtClean="0">
-                <a:solidFill>
-                  <a:schemeClr val="bg1"/>
-                </a:solidFill>
-                <a:latin typeface="Consolas" pitchFamily="49" charset="0"/>
-                <a:cs typeface="Consolas" pitchFamily="49" charset="0"/>
-              </a:rPr>
-              <a:t>Svar/Response ved suksess:</a:t>
-            </a:r>
-          </a:p>
-          <a:p>
-            <a:pPr algn="just"/>
-            <a:r>
-              <a:rPr lang="nb-NO" dirty="0" smtClean="0">
-                <a:solidFill>
-                  <a:schemeClr val="bg1"/>
-                </a:solidFill>
-                <a:latin typeface="Consolas" pitchFamily="49" charset="0"/>
-                <a:cs typeface="Consolas" pitchFamily="49" charset="0"/>
-              </a:rPr>
-              <a:t>GET,PUT,DELETE – HTTP status kode ‘200 OK’</a:t>
-            </a:r>
-          </a:p>
-          <a:p>
-            <a:pPr algn="just"/>
-            <a:r>
-              <a:rPr lang="nb-NO" dirty="0" smtClean="0">
-                <a:solidFill>
-                  <a:schemeClr val="bg1"/>
-                </a:solidFill>
-                <a:latin typeface="Consolas" pitchFamily="49" charset="0"/>
-                <a:cs typeface="Consolas" pitchFamily="49" charset="0"/>
-              </a:rPr>
-              <a:t>POST – HTTP status kode ‘201 Created’</a:t>
-            </a:r>
-          </a:p>
-          <a:p>
-            <a:pPr algn="just"/>
-            <a:endParaRPr lang="nb-NO" sz="1400" i="1" dirty="0">
-              <a:solidFill>
-                <a:schemeClr val="bg1"/>
-              </a:solidFill>
-              <a:latin typeface="Consolas" pitchFamily="49" charset="0"/>
-              <a:cs typeface="Consolas" pitchFamily="49" charset="0"/>
-            </a:endParaRPr>
-          </a:p>
-          <a:p>
-            <a:pPr algn="just"/>
-            <a:r>
-              <a:rPr lang="nb-NO" sz="1400" i="1" dirty="0" smtClean="0">
-                <a:solidFill>
-                  <a:schemeClr val="bg1"/>
-                </a:solidFill>
-                <a:latin typeface="Consolas" pitchFamily="49" charset="0"/>
-                <a:cs typeface="Consolas" pitchFamily="49" charset="0"/>
-              </a:rPr>
-              <a:t>Fork solution fra github: github.com/bekk/</a:t>
-            </a:r>
-            <a:r>
-              <a:rPr lang="nb-NO" sz="1400" i="1" dirty="0" err="1" smtClean="0">
-                <a:solidFill>
-                  <a:schemeClr val="bg1"/>
-                </a:solidFill>
-                <a:latin typeface="Consolas" pitchFamily="49" charset="0"/>
-                <a:cs typeface="Consolas" pitchFamily="49" charset="0"/>
-              </a:rPr>
-              <a:t>dotnetkurs</a:t>
-            </a:r>
-            <a:r>
-              <a:rPr lang="nb-NO" sz="1400" i="1" dirty="0" smtClean="0">
-                <a:solidFill>
-                  <a:schemeClr val="bg1"/>
-                </a:solidFill>
-                <a:latin typeface="Consolas" pitchFamily="49" charset="0"/>
-                <a:cs typeface="Consolas" pitchFamily="49" charset="0"/>
-              </a:rPr>
-              <a:t> se i mappen Oppgaver under </a:t>
-            </a:r>
-            <a:r>
-              <a:rPr lang="nb-NO" sz="1400" i="1" dirty="0" err="1" smtClean="0">
-                <a:solidFill>
-                  <a:schemeClr val="bg1"/>
-                </a:solidFill>
-                <a:latin typeface="Consolas" pitchFamily="49" charset="0"/>
-                <a:cs typeface="Consolas" pitchFamily="49" charset="0"/>
-              </a:rPr>
-              <a:t>webapi</a:t>
-            </a:r>
-            <a:r>
-              <a:rPr lang="nb-NO" sz="1400" i="1" dirty="0" smtClean="0">
-                <a:solidFill>
-                  <a:schemeClr val="bg1"/>
-                </a:solidFill>
-                <a:latin typeface="Consolas" pitchFamily="49" charset="0"/>
-                <a:cs typeface="Consolas" pitchFamily="49" charset="0"/>
-              </a:rPr>
-              <a:t>. Her ligger en </a:t>
-            </a:r>
-            <a:r>
-              <a:rPr lang="nb-NO" sz="1400" i="1" dirty="0" err="1" smtClean="0">
-                <a:solidFill>
-                  <a:schemeClr val="bg1"/>
-                </a:solidFill>
-                <a:latin typeface="Consolas" pitchFamily="49" charset="0"/>
-                <a:cs typeface="Consolas" pitchFamily="49" charset="0"/>
-              </a:rPr>
-              <a:t>solution</a:t>
-            </a:r>
-            <a:r>
-              <a:rPr lang="nb-NO" sz="1400" i="1" dirty="0" smtClean="0">
-                <a:solidFill>
-                  <a:schemeClr val="bg1"/>
-                </a:solidFill>
-                <a:latin typeface="Consolas" pitchFamily="49" charset="0"/>
-                <a:cs typeface="Consolas" pitchFamily="49" charset="0"/>
-              </a:rPr>
-              <a:t> </a:t>
-            </a:r>
-            <a:r>
-              <a:rPr lang="nb-NO" sz="1400" i="1" dirty="0" err="1" smtClean="0">
-                <a:solidFill>
-                  <a:schemeClr val="bg1"/>
-                </a:solidFill>
-                <a:latin typeface="Consolas" pitchFamily="49" charset="0"/>
-                <a:cs typeface="Consolas" pitchFamily="49" charset="0"/>
-              </a:rPr>
-              <a:t>MinBlogg</a:t>
-            </a:r>
-            <a:r>
-              <a:rPr lang="nb-NO" sz="1400" i="1" dirty="0" smtClean="0">
-                <a:solidFill>
-                  <a:schemeClr val="bg1"/>
-                </a:solidFill>
-                <a:latin typeface="Consolas" pitchFamily="49" charset="0"/>
-                <a:cs typeface="Consolas" pitchFamily="49" charset="0"/>
-              </a:rPr>
-              <a:t> som dere kan ta utgangspunkt i.</a:t>
-            </a:r>
-          </a:p>
-          <a:p>
-            <a:pPr algn="just"/>
-            <a:endParaRPr lang="nb-NO" sz="1400" i="1" dirty="0">
-              <a:solidFill>
-                <a:schemeClr val="bg1"/>
-              </a:solidFill>
-              <a:latin typeface="Consolas" pitchFamily="49" charset="0"/>
-              <a:cs typeface="Consolas" pitchFamily="49" charset="0"/>
-            </a:endParaRPr>
-          </a:p>
-          <a:p>
-            <a:pPr algn="just"/>
-            <a:r>
-              <a:rPr lang="nb-NO" sz="1400" i="1" dirty="0" smtClean="0">
-                <a:solidFill>
-                  <a:schemeClr val="bg1"/>
-                </a:solidFill>
-                <a:latin typeface="Consolas" pitchFamily="49" charset="0"/>
-                <a:cs typeface="Consolas" pitchFamily="49" charset="0"/>
-              </a:rPr>
-              <a:t>Hint: Benytt en static variabel for lagring av bloggpostene siden vi ikke går mot en database</a:t>
-            </a:r>
-            <a:r>
-              <a:rPr lang="nb-NO" sz="1400" i="1" dirty="0" smtClean="0">
-                <a:solidFill>
-                  <a:schemeClr val="bg1"/>
-                </a:solidFill>
-              </a:rPr>
-              <a:t> </a:t>
-            </a:r>
+            <a:pPr marL="285750" indent="-285750">
+              <a:buFont typeface="Arial" panose="020B0604020202020204" pitchFamily="34" charset="0"/>
+              <a:buChar char="•"/>
+            </a:pPr>
+            <a:endParaRPr lang="nb-NO" dirty="0"/>
           </a:p>
         </p:txBody>
       </p:sp>
     </p:spTree>
+    <p:extLst>
+      <p:ext uri="{BB962C8B-B14F-4D97-AF65-F5344CB8AC3E}">
+        <p14:creationId xmlns:p14="http://schemas.microsoft.com/office/powerpoint/2010/main" val="853334288"/>
+      </p:ext>
+    </p:extLst>
   </p:cSld>
   <p:clrMapOvr>
     <a:masterClrMapping/>
@@ -16818,8 +16587,8 @@
         </p:nvSpPr>
         <p:spPr>
           <a:xfrm>
-            <a:off x="321623" y="1397000"/>
-            <a:ext cx="8102827" cy="1477328"/>
+            <a:off x="321623" y="771823"/>
+            <a:ext cx="8102827" cy="5816977"/>
           </a:xfrm>
           <a:prstGeom prst="rect">
             <a:avLst/>
@@ -16839,7 +16608,7 @@
                   <a:schemeClr val="bg1"/>
                 </a:solidFill>
               </a:rPr>
-              <a:t>I denne oppgaven skal vi lage en konsument til vårt Web API. Opprett en konsollapplikasjon som kan bruke vårt Web API til å hente ut blogposter, samt opprette nye.</a:t>
+              <a:t>I denne oppgaven skal vi starte på å lage et lite web API som skal eksponere blogginnlegg. Et blogginnlegg skal minimum ha tittel, innhold og dato for publisering. Målet med denne oppgaven er å få til enkel CRUD for blogginnlegg. Vi trenger ikke lagring  i databasen, kun i minne.</a:t>
             </a:r>
           </a:p>
           <a:p>
@@ -16858,29 +16627,394 @@
                   <a:schemeClr val="bg1"/>
                 </a:solidFill>
               </a:rPr>
-              <a:t>(</a:t>
-            </a:r>
-            <a:r>
-              <a:rPr lang="nb-NO" i="1" dirty="0" smtClean="0">
-                <a:solidFill>
-                  <a:schemeClr val="bg1"/>
-                </a:solidFill>
-              </a:rPr>
-              <a:t>Hint: System.Web.Http.HttpClient</a:t>
-            </a:r>
-            <a:r>
-              <a:rPr lang="nb-NO" dirty="0" smtClean="0">
-                <a:solidFill>
-                  <a:schemeClr val="bg1"/>
-                </a:solidFill>
-              </a:rPr>
-              <a:t>)</a:t>
-            </a:r>
-            <a:endParaRPr lang="en-US" dirty="0" smtClean="0">
+              <a:t>Implementèr følgende operasjoner i ApiControlleren:</a:t>
+            </a:r>
+          </a:p>
+          <a:p>
+            <a:pPr algn="just"/>
+            <a:endParaRPr lang="nb-NO" dirty="0" smtClean="0">
               <a:solidFill>
                 <a:schemeClr val="bg1"/>
               </a:solidFill>
             </a:endParaRPr>
+          </a:p>
+          <a:p>
+            <a:pPr algn="just"/>
+            <a:r>
+              <a:rPr lang="nb-NO" dirty="0" smtClean="0">
+                <a:solidFill>
+                  <a:schemeClr val="bg1"/>
+                </a:solidFill>
+              </a:rPr>
+              <a:t>	1. </a:t>
+            </a:r>
+            <a:r>
+              <a:rPr lang="nb-NO" dirty="0" smtClean="0">
+                <a:solidFill>
+                  <a:schemeClr val="bg1"/>
+                </a:solidFill>
+                <a:latin typeface="Consolas" pitchFamily="49" charset="0"/>
+                <a:cs typeface="Consolas" pitchFamily="49" charset="0"/>
+              </a:rPr>
+              <a:t>IEnumerable&lt;Bloggpost&gt; Get()</a:t>
+            </a:r>
+          </a:p>
+          <a:p>
+            <a:pPr algn="just"/>
+            <a:r>
+              <a:rPr lang="nb-NO" dirty="0" smtClean="0">
+                <a:solidFill>
+                  <a:schemeClr val="bg1"/>
+                </a:solidFill>
+                <a:latin typeface="Consolas" pitchFamily="49" charset="0"/>
+                <a:cs typeface="Consolas" pitchFamily="49" charset="0"/>
+              </a:rPr>
+              <a:t>	</a:t>
+            </a:r>
+            <a:r>
+              <a:rPr lang="nb-NO" dirty="0" smtClean="0">
+                <a:solidFill>
+                  <a:schemeClr val="bg1"/>
+                </a:solidFill>
+              </a:rPr>
+              <a:t>2. </a:t>
+            </a:r>
+            <a:r>
+              <a:rPr lang="nb-NO" dirty="0" smtClean="0">
+                <a:solidFill>
+                  <a:schemeClr val="bg1"/>
+                </a:solidFill>
+                <a:latin typeface="Consolas" pitchFamily="49" charset="0"/>
+                <a:cs typeface="Consolas" pitchFamily="49" charset="0"/>
+              </a:rPr>
+              <a:t>Bloggpost Get(id)</a:t>
+            </a:r>
+          </a:p>
+          <a:p>
+            <a:pPr algn="just"/>
+            <a:r>
+              <a:rPr lang="nb-NO" dirty="0" smtClean="0">
+                <a:solidFill>
+                  <a:schemeClr val="bg1"/>
+                </a:solidFill>
+                <a:latin typeface="Consolas" pitchFamily="49" charset="0"/>
+                <a:cs typeface="Consolas" pitchFamily="49" charset="0"/>
+              </a:rPr>
+              <a:t>	</a:t>
+            </a:r>
+            <a:r>
+              <a:rPr lang="nb-NO" dirty="0" smtClean="0">
+                <a:solidFill>
+                  <a:schemeClr val="bg1"/>
+                </a:solidFill>
+              </a:rPr>
+              <a:t>3. </a:t>
+            </a:r>
+            <a:r>
+              <a:rPr lang="nb-NO" dirty="0" smtClean="0">
+                <a:solidFill>
+                  <a:schemeClr val="bg1"/>
+                </a:solidFill>
+                <a:latin typeface="Consolas" pitchFamily="49" charset="0"/>
+                <a:cs typeface="Consolas" pitchFamily="49" charset="0"/>
+              </a:rPr>
+              <a:t>IHttpActionResult Post(Bloggpost </a:t>
+            </a:r>
+            <a:r>
+              <a:rPr lang="nb-NO" dirty="0" smtClean="0">
+                <a:solidFill>
+                  <a:schemeClr val="bg1"/>
+                </a:solidFill>
+                <a:latin typeface="Consolas" pitchFamily="49" charset="0"/>
+                <a:cs typeface="Consolas" pitchFamily="49" charset="0"/>
+              </a:rPr>
+              <a:t>post)</a:t>
+            </a:r>
+          </a:p>
+          <a:p>
+            <a:pPr algn="just"/>
+            <a:r>
+              <a:rPr lang="nb-NO" dirty="0" smtClean="0">
+                <a:solidFill>
+                  <a:schemeClr val="bg1"/>
+                </a:solidFill>
+                <a:latin typeface="Consolas" pitchFamily="49" charset="0"/>
+                <a:cs typeface="Consolas" pitchFamily="49" charset="0"/>
+              </a:rPr>
+              <a:t>	</a:t>
+            </a:r>
+            <a:r>
+              <a:rPr lang="nb-NO" dirty="0" smtClean="0">
+                <a:solidFill>
+                  <a:schemeClr val="bg1"/>
+                </a:solidFill>
+              </a:rPr>
+              <a:t>4. </a:t>
+            </a:r>
+            <a:r>
+              <a:rPr lang="nb-NO" dirty="0" smtClean="0">
+                <a:solidFill>
+                  <a:schemeClr val="bg1"/>
+                </a:solidFill>
+                <a:latin typeface="Consolas" pitchFamily="49" charset="0"/>
+                <a:cs typeface="Consolas" pitchFamily="49" charset="0"/>
+              </a:rPr>
+              <a:t>IHttpActionResult</a:t>
+            </a:r>
+            <a:r>
+              <a:rPr lang="nb-NO" dirty="0" smtClean="0">
+                <a:solidFill>
+                  <a:schemeClr val="bg1"/>
+                </a:solidFill>
+                <a:latin typeface="Consolas" pitchFamily="49" charset="0"/>
+                <a:cs typeface="Consolas" pitchFamily="49" charset="0"/>
+              </a:rPr>
+              <a:t> </a:t>
+            </a:r>
+            <a:r>
+              <a:rPr lang="nb-NO" dirty="0" smtClean="0">
+                <a:solidFill>
+                  <a:schemeClr val="bg1"/>
+                </a:solidFill>
+                <a:latin typeface="Consolas" pitchFamily="49" charset="0"/>
+                <a:cs typeface="Consolas" pitchFamily="49" charset="0"/>
+              </a:rPr>
+              <a:t>Put(int id, Bloggpost post)</a:t>
+            </a:r>
+          </a:p>
+          <a:p>
+            <a:pPr algn="just"/>
+            <a:r>
+              <a:rPr lang="nb-NO" dirty="0" smtClean="0">
+                <a:solidFill>
+                  <a:schemeClr val="bg1"/>
+                </a:solidFill>
+                <a:latin typeface="Consolas" pitchFamily="49" charset="0"/>
+                <a:cs typeface="Consolas" pitchFamily="49" charset="0"/>
+              </a:rPr>
+              <a:t>	</a:t>
+            </a:r>
+            <a:r>
+              <a:rPr lang="nb-NO" dirty="0" smtClean="0">
+                <a:solidFill>
+                  <a:schemeClr val="bg1"/>
+                </a:solidFill>
+              </a:rPr>
+              <a:t>5. </a:t>
+            </a:r>
+            <a:r>
+              <a:rPr lang="nb-NO" dirty="0" smtClean="0">
+                <a:solidFill>
+                  <a:schemeClr val="bg1"/>
+                </a:solidFill>
+                <a:latin typeface="Consolas" pitchFamily="49" charset="0"/>
+                <a:cs typeface="Consolas" pitchFamily="49" charset="0"/>
+              </a:rPr>
+              <a:t>IHttpActionResult</a:t>
+            </a:r>
+            <a:r>
+              <a:rPr lang="nb-NO" dirty="0" smtClean="0">
+                <a:solidFill>
+                  <a:schemeClr val="bg1"/>
+                </a:solidFill>
+                <a:latin typeface="Consolas" pitchFamily="49" charset="0"/>
+                <a:cs typeface="Consolas" pitchFamily="49" charset="0"/>
+              </a:rPr>
+              <a:t> </a:t>
+            </a:r>
+            <a:r>
+              <a:rPr lang="nb-NO" dirty="0" smtClean="0">
+                <a:solidFill>
+                  <a:schemeClr val="bg1"/>
+                </a:solidFill>
+                <a:latin typeface="Consolas" pitchFamily="49" charset="0"/>
+                <a:cs typeface="Consolas" pitchFamily="49" charset="0"/>
+              </a:rPr>
+              <a:t>Delete(int id)</a:t>
+            </a:r>
+          </a:p>
+          <a:p>
+            <a:pPr algn="just"/>
+            <a:endParaRPr lang="nb-NO" dirty="0">
+              <a:solidFill>
+                <a:schemeClr val="bg1"/>
+              </a:solidFill>
+              <a:latin typeface="Consolas" pitchFamily="49" charset="0"/>
+              <a:cs typeface="Consolas" pitchFamily="49" charset="0"/>
+            </a:endParaRPr>
+          </a:p>
+          <a:p>
+            <a:pPr algn="just"/>
+            <a:r>
+              <a:rPr lang="nb-NO" dirty="0" smtClean="0">
+                <a:solidFill>
+                  <a:schemeClr val="bg1"/>
+                </a:solidFill>
+                <a:latin typeface="Consolas" pitchFamily="49" charset="0"/>
+                <a:cs typeface="Consolas" pitchFamily="49" charset="0"/>
+              </a:rPr>
+              <a:t>Svar/Response ved suksess:</a:t>
+            </a:r>
+          </a:p>
+          <a:p>
+            <a:pPr algn="just"/>
+            <a:r>
+              <a:rPr lang="nb-NO" dirty="0" smtClean="0">
+                <a:solidFill>
+                  <a:schemeClr val="bg1"/>
+                </a:solidFill>
+                <a:latin typeface="Consolas" pitchFamily="49" charset="0"/>
+                <a:cs typeface="Consolas" pitchFamily="49" charset="0"/>
+              </a:rPr>
+              <a:t>GET,PUT,DELETE – HTTP status kode ‘200 OK’</a:t>
+            </a:r>
+          </a:p>
+          <a:p>
+            <a:pPr algn="just"/>
+            <a:r>
+              <a:rPr lang="nb-NO" dirty="0" smtClean="0">
+                <a:solidFill>
+                  <a:schemeClr val="bg1"/>
+                </a:solidFill>
+                <a:latin typeface="Consolas" pitchFamily="49" charset="0"/>
+                <a:cs typeface="Consolas" pitchFamily="49" charset="0"/>
+              </a:rPr>
+              <a:t>POST – HTTP status kode ‘201 Created’</a:t>
+            </a:r>
+          </a:p>
+          <a:p>
+            <a:pPr algn="just"/>
+            <a:endParaRPr lang="nb-NO" sz="1400" i="1" dirty="0">
+              <a:solidFill>
+                <a:schemeClr val="bg1"/>
+              </a:solidFill>
+              <a:latin typeface="Consolas" pitchFamily="49" charset="0"/>
+              <a:cs typeface="Consolas" pitchFamily="49" charset="0"/>
+            </a:endParaRPr>
+          </a:p>
+          <a:p>
+            <a:pPr algn="just"/>
+            <a:r>
+              <a:rPr lang="nb-NO" sz="1400" i="1" dirty="0" smtClean="0">
+                <a:solidFill>
+                  <a:schemeClr val="bg1"/>
+                </a:solidFill>
+                <a:latin typeface="Consolas" pitchFamily="49" charset="0"/>
+                <a:cs typeface="Consolas" pitchFamily="49" charset="0"/>
+              </a:rPr>
+              <a:t>Fork solution fra github: github.com/bekk/</a:t>
+            </a:r>
+            <a:r>
+              <a:rPr lang="nb-NO" sz="1400" i="1" dirty="0" err="1" smtClean="0">
+                <a:solidFill>
+                  <a:schemeClr val="bg1"/>
+                </a:solidFill>
+                <a:latin typeface="Consolas" pitchFamily="49" charset="0"/>
+                <a:cs typeface="Consolas" pitchFamily="49" charset="0"/>
+              </a:rPr>
+              <a:t>dotnetkurs</a:t>
+            </a:r>
+            <a:r>
+              <a:rPr lang="nb-NO" sz="1400" i="1" dirty="0" smtClean="0">
+                <a:solidFill>
+                  <a:schemeClr val="bg1"/>
+                </a:solidFill>
+                <a:latin typeface="Consolas" pitchFamily="49" charset="0"/>
+                <a:cs typeface="Consolas" pitchFamily="49" charset="0"/>
+              </a:rPr>
+              <a:t> se i mappen Oppgaver under </a:t>
+            </a:r>
+            <a:r>
+              <a:rPr lang="nb-NO" sz="1400" i="1" dirty="0" err="1" smtClean="0">
+                <a:solidFill>
+                  <a:schemeClr val="bg1"/>
+                </a:solidFill>
+                <a:latin typeface="Consolas" pitchFamily="49" charset="0"/>
+                <a:cs typeface="Consolas" pitchFamily="49" charset="0"/>
+              </a:rPr>
+              <a:t>webapi</a:t>
+            </a:r>
+            <a:r>
+              <a:rPr lang="nb-NO" sz="1400" i="1" dirty="0" smtClean="0">
+                <a:solidFill>
+                  <a:schemeClr val="bg1"/>
+                </a:solidFill>
+                <a:latin typeface="Consolas" pitchFamily="49" charset="0"/>
+                <a:cs typeface="Consolas" pitchFamily="49" charset="0"/>
+              </a:rPr>
+              <a:t>. Her ligger en </a:t>
+            </a:r>
+            <a:r>
+              <a:rPr lang="nb-NO" sz="1400" i="1" dirty="0" err="1" smtClean="0">
+                <a:solidFill>
+                  <a:schemeClr val="bg1"/>
+                </a:solidFill>
+                <a:latin typeface="Consolas" pitchFamily="49" charset="0"/>
+                <a:cs typeface="Consolas" pitchFamily="49" charset="0"/>
+              </a:rPr>
+              <a:t>solution</a:t>
+            </a:r>
+            <a:r>
+              <a:rPr lang="nb-NO" sz="1400" i="1" dirty="0" smtClean="0">
+                <a:solidFill>
+                  <a:schemeClr val="bg1"/>
+                </a:solidFill>
+                <a:latin typeface="Consolas" pitchFamily="49" charset="0"/>
+                <a:cs typeface="Consolas" pitchFamily="49" charset="0"/>
+              </a:rPr>
+              <a:t> </a:t>
+            </a:r>
+            <a:r>
+              <a:rPr lang="nb-NO" sz="1400" i="1" dirty="0" err="1" smtClean="0">
+                <a:solidFill>
+                  <a:schemeClr val="bg1"/>
+                </a:solidFill>
+                <a:latin typeface="Consolas" pitchFamily="49" charset="0"/>
+                <a:cs typeface="Consolas" pitchFamily="49" charset="0"/>
+              </a:rPr>
+              <a:t>MinBlogg</a:t>
+            </a:r>
+            <a:r>
+              <a:rPr lang="nb-NO" sz="1400" i="1" dirty="0" smtClean="0">
+                <a:solidFill>
+                  <a:schemeClr val="bg1"/>
+                </a:solidFill>
+                <a:latin typeface="Consolas" pitchFamily="49" charset="0"/>
+                <a:cs typeface="Consolas" pitchFamily="49" charset="0"/>
+              </a:rPr>
+              <a:t> som dere kan ta utgangspunkt i.</a:t>
+            </a:r>
+          </a:p>
+          <a:p>
+            <a:pPr algn="just"/>
+            <a:endParaRPr lang="nb-NO" sz="1400" i="1" dirty="0">
+              <a:solidFill>
+                <a:schemeClr val="bg1"/>
+              </a:solidFill>
+              <a:latin typeface="Consolas" pitchFamily="49" charset="0"/>
+              <a:cs typeface="Consolas" pitchFamily="49" charset="0"/>
+            </a:endParaRPr>
+          </a:p>
+          <a:p>
+            <a:pPr algn="just"/>
+            <a:r>
+              <a:rPr lang="nb-NO" sz="1400" i="1" dirty="0" smtClean="0">
+                <a:solidFill>
+                  <a:schemeClr val="bg1"/>
+                </a:solidFill>
+                <a:latin typeface="Consolas" pitchFamily="49" charset="0"/>
+                <a:cs typeface="Consolas" pitchFamily="49" charset="0"/>
+              </a:rPr>
+              <a:t>Hint: Benytt en static variabel for lagring av bloggpostene siden vi ikke går mot en database</a:t>
+            </a:r>
+            <a:r>
+              <a:rPr lang="nb-NO" sz="1400" i="1" dirty="0" smtClean="0">
+                <a:solidFill>
+                  <a:schemeClr val="bg1"/>
+                </a:solidFill>
+              </a:rPr>
+              <a:t> </a:t>
+            </a:r>
           </a:p>
         </p:txBody>
       </p:sp>
@@ -16903,6 +17037,198 @@
 </file>
 
 <file path=ppt/slides/slide16.xml><?xml version="1.0" encoding="utf-8"?>
+<p:sld xmlns:a="http://schemas.openxmlformats.org/drawingml/2006/main" xmlns:r="http://schemas.openxmlformats.org/officeDocument/2006/relationships" xmlns:p="http://schemas.openxmlformats.org/presentationml/2006/main">
+  <p:cSld>
+    <p:bg>
+      <p:bgPr>
+        <a:solidFill>
+          <a:schemeClr val="accent1"/>
+        </a:solidFill>
+        <a:effectLst/>
+      </p:bgPr>
+    </p:bg>
+    <p:spTree>
+      <p:nvGrpSpPr>
+        <p:cNvPr id="1" name=""/>
+        <p:cNvGrpSpPr/>
+        <p:nvPr/>
+      </p:nvGrpSpPr>
+      <p:grpSpPr>
+        <a:xfrm>
+          <a:off x="0" y="0"/>
+          <a:ext cx="0" cy="0"/>
+          <a:chOff x="0" y="0"/>
+          <a:chExt cx="0" cy="0"/>
+        </a:xfrm>
+      </p:grpSpPr>
+      <p:sp>
+        <p:nvSpPr>
+          <p:cNvPr id="2" name="Title 1"/>
+          <p:cNvSpPr>
+            <a:spLocks noGrp="1"/>
+          </p:cNvSpPr>
+          <p:nvPr>
+            <p:ph type="title"/>
+          </p:nvPr>
+        </p:nvSpPr>
+        <p:spPr>
+          <a:xfrm>
+            <a:off x="321623" y="418905"/>
+            <a:ext cx="1401666" cy="307777"/>
+          </a:xfrm>
+          <a:solidFill>
+            <a:schemeClr val="accent1"/>
+          </a:solidFill>
+        </p:spPr>
+        <p:txBody>
+          <a:bodyPr/>
+          <a:lstStyle/>
+          <a:p>
+            <a:r>
+              <a:rPr lang="nb-NO" dirty="0" smtClean="0">
+                <a:solidFill>
+                  <a:schemeClr val="bg1"/>
+                </a:solidFill>
+              </a:rPr>
+              <a:t>Oppgave</a:t>
+            </a:r>
+            <a:endParaRPr lang="en-US" dirty="0">
+              <a:solidFill>
+                <a:schemeClr val="bg1"/>
+              </a:solidFill>
+            </a:endParaRPr>
+          </a:p>
+        </p:txBody>
+      </p:sp>
+      <p:sp>
+        <p:nvSpPr>
+          <p:cNvPr id="3" name="Slide Number Placeholder 2"/>
+          <p:cNvSpPr>
+            <a:spLocks noGrp="1"/>
+          </p:cNvSpPr>
+          <p:nvPr>
+            <p:ph type="sldNum" sz="quarter" idx="10"/>
+          </p:nvPr>
+        </p:nvSpPr>
+        <p:spPr>
+          <a:solidFill>
+            <a:schemeClr val="accent1"/>
+          </a:solidFill>
+        </p:spPr>
+        <p:txBody>
+          <a:bodyPr/>
+          <a:lstStyle/>
+          <a:p>
+            <a:fld id="{FF67BF5B-7344-D747-A0C2-CBD7B2ACBC85}" type="slidenum">
+              <a:rPr lang="en-US" smtClean="0">
+                <a:solidFill>
+                  <a:schemeClr val="bg1"/>
+                </a:solidFill>
+              </a:rPr>
+              <a:pPr/>
+              <a:t>16</a:t>
+            </a:fld>
+            <a:endParaRPr lang="en-US" dirty="0">
+              <a:solidFill>
+                <a:schemeClr val="bg1"/>
+              </a:solidFill>
+            </a:endParaRPr>
+          </a:p>
+        </p:txBody>
+      </p:sp>
+      <p:sp>
+        <p:nvSpPr>
+          <p:cNvPr id="7" name="TextBox 6"/>
+          <p:cNvSpPr txBox="1"/>
+          <p:nvPr/>
+        </p:nvSpPr>
+        <p:spPr>
+          <a:xfrm>
+            <a:off x="321623" y="1397000"/>
+            <a:ext cx="8102827" cy="1477328"/>
+          </a:xfrm>
+          <a:prstGeom prst="rect">
+            <a:avLst/>
+          </a:prstGeom>
+          <a:noFill/>
+        </p:spPr>
+        <p:txBody>
+          <a:bodyPr wrap="square" rtlCol="0">
+            <a:spAutoFit/>
+          </a:bodyPr>
+          <a:lstStyle/>
+          <a:p>
+            <a:pPr algn="just"/>
+            <a:r>
+              <a:rPr lang="nb-NO" dirty="0" smtClean="0">
+                <a:solidFill>
+                  <a:schemeClr val="bg1"/>
+                </a:solidFill>
+              </a:rPr>
+              <a:t>I denne oppgaven skal vi lage en konsument til vårt Web API. Opprett en konsollapplikasjon som kan bruke vårt Web API til å hente ut blogposter, samt opprette nye.</a:t>
+            </a:r>
+          </a:p>
+          <a:p>
+            <a:pPr algn="just"/>
+            <a:endParaRPr lang="nb-NO" dirty="0" smtClean="0">
+              <a:solidFill>
+                <a:schemeClr val="bg1"/>
+              </a:solidFill>
+            </a:endParaRPr>
+          </a:p>
+          <a:p>
+            <a:pPr algn="just"/>
+            <a:r>
+              <a:rPr lang="nb-NO" dirty="0" smtClean="0">
+                <a:solidFill>
+                  <a:schemeClr val="bg1"/>
+                </a:solidFill>
+              </a:rPr>
+              <a:t>(</a:t>
+            </a:r>
+            <a:r>
+              <a:rPr lang="nb-NO" i="1" dirty="0" smtClean="0">
+                <a:solidFill>
+                  <a:schemeClr val="bg1"/>
+                </a:solidFill>
+              </a:rPr>
+              <a:t>Hint: System.Web.Http.HttpClient</a:t>
+            </a:r>
+            <a:r>
+              <a:rPr lang="nb-NO" dirty="0" smtClean="0">
+                <a:solidFill>
+                  <a:schemeClr val="bg1"/>
+                </a:solidFill>
+              </a:rPr>
+              <a:t>)</a:t>
+            </a:r>
+            <a:endParaRPr lang="en-US" dirty="0" smtClean="0">
+              <a:solidFill>
+                <a:schemeClr val="bg1"/>
+              </a:solidFill>
+            </a:endParaRPr>
+          </a:p>
+        </p:txBody>
+      </p:sp>
+    </p:spTree>
+  </p:cSld>
+  <p:clrMapOvr>
+    <a:masterClrMapping/>
+  </p:clrMapOvr>
+  <p:transition>
+    <p:fade thruBlk="1"/>
+  </p:transition>
+  <p:timing>
+    <p:tnLst>
+      <p:par>
+        <p:cTn id="1" dur="indefinite" restart="never" nodeType="tmRoot"/>
+      </p:par>
+    </p:tnLst>
+  </p:timing>
+</p:sld>
+</file>
+
+<file path=ppt/slides/slide17.xml><?xml version="1.0" encoding="utf-8"?>
 <p:sld xmlns:a="http://schemas.openxmlformats.org/drawingml/2006/main" xmlns:r="http://schemas.openxmlformats.org/officeDocument/2006/relationships" xmlns:p="http://schemas.openxmlformats.org/presentationml/2006/main">
   <p:cSld>
     <p:spTree>
@@ -16965,7 +17291,7 @@
             <a:fld id="{FF67BF5B-7344-D747-A0C2-CBD7B2ACBC85}" type="slidenum">
               <a:rPr lang="en-US" smtClean="0"/>
               <a:pPr/>
-              <a:t>16</a:t>
+              <a:t>17</a:t>
             </a:fld>
             <a:endParaRPr lang="en-US" dirty="0"/>
           </a:p>
@@ -17634,7 +17960,7 @@
 </p:sld>
 </file>
 
-<file path=ppt/slides/slide17.xml><?xml version="1.0" encoding="utf-8"?>
+<file path=ppt/slides/slide18.xml><?xml version="1.0" encoding="utf-8"?>
 <p:sld xmlns:a="http://schemas.openxmlformats.org/drawingml/2006/main" xmlns:r="http://schemas.openxmlformats.org/officeDocument/2006/relationships" xmlns:p="http://schemas.openxmlformats.org/presentationml/2006/main">
   <p:cSld>
     <p:bg>
@@ -17724,7 +18050,7 @@
                 </a:solidFill>
               </a:rPr>
               <a:pPr/>
-              <a:t>17</a:t>
+              <a:t>18</a:t>
             </a:fld>
             <a:endParaRPr lang="en-US" dirty="0">
               <a:solidFill>
@@ -17812,7 +18138,7 @@
 </p:sld>
 </file>
 
-<file path=ppt/slides/slide18.xml><?xml version="1.0" encoding="utf-8"?>
+<file path=ppt/slides/slide19.xml><?xml version="1.0" encoding="utf-8"?>
 <p:sld xmlns:a="http://schemas.openxmlformats.org/drawingml/2006/main" xmlns:r="http://schemas.openxmlformats.org/officeDocument/2006/relationships" xmlns:p="http://schemas.openxmlformats.org/presentationml/2006/main">
   <p:cSld>
     <p:spTree>
@@ -17958,7 +18284,7 @@
             <a:fld id="{FF67BF5B-7344-D747-A0C2-CBD7B2ACBC85}" type="slidenum">
               <a:rPr lang="en-US" smtClean="0"/>
               <a:pPr/>
-              <a:t>18</a:t>
+              <a:t>19</a:t>
             </a:fld>
             <a:endParaRPr lang="en-US" dirty="0"/>
           </a:p>
@@ -18218,8 +18544,13 @@
             </a:pPr>
             <a:r>
               <a:rPr lang="nb-NO" sz="2000" b="1" dirty="0" smtClean="0"/>
-              <a:t> Konsumere ASP.NET Web API</a:t>
-            </a:r>
+              <a:t> </a:t>
+            </a:r>
+            <a:r>
+              <a:rPr lang="nb-NO" sz="2000" b="1" dirty="0"/>
+              <a:t>HATEOAS</a:t>
+            </a:r>
+            <a:endParaRPr lang="nb-NO" sz="2000" b="1" dirty="0" smtClean="0"/>
           </a:p>
           <a:p>
             <a:pPr>
@@ -18234,8 +18565,13 @@
             </a:pPr>
             <a:r>
               <a:rPr lang="nb-NO" sz="2000" b="1" dirty="0" smtClean="0"/>
-              <a:t> Oppgave</a:t>
-            </a:r>
+              <a:t> </a:t>
+            </a:r>
+            <a:r>
+              <a:rPr lang="nb-NO" sz="2000" b="1" dirty="0" smtClean="0"/>
+              <a:t>Oppgave (Hvis tid)</a:t>
+            </a:r>
+            <a:endParaRPr lang="nb-NO" sz="2000" b="1" dirty="0" smtClean="0"/>
           </a:p>
         </p:txBody>
       </p:sp>
@@ -19249,7 +19585,7 @@
         <p:spPr>
           <a:xfrm>
             <a:off x="321623" y="1397000"/>
-            <a:ext cx="8517577" cy="3888244"/>
+            <a:ext cx="8517577" cy="2672526"/>
           </a:xfrm>
           <a:prstGeom prst="rect">
             <a:avLst/>
@@ -19358,49 +19694,12 @@
             </a:pPr>
             <a:r>
               <a:rPr lang="nb-NO" b="1" dirty="0" smtClean="0"/>
-              <a:t> Levere data i flere formater (XML, JSON)</a:t>
-            </a:r>
-          </a:p>
-          <a:p>
-            <a:pPr>
-              <a:spcBef>
-                <a:spcPts val="600"/>
-              </a:spcBef>
-              <a:spcAft>
-                <a:spcPts val="400"/>
-              </a:spcAft>
-              <a:buFont typeface="Wingdings" pitchFamily="2" charset="2"/>
-              <a:buChar char="ü"/>
-            </a:pPr>
-            <a:endParaRPr lang="nb-NO" b="1" dirty="0" smtClean="0"/>
-          </a:p>
-          <a:p>
-            <a:pPr>
-              <a:spcBef>
-                <a:spcPts val="600"/>
-              </a:spcBef>
-              <a:spcAft>
-                <a:spcPts val="400"/>
-              </a:spcAft>
-              <a:buFont typeface="Wingdings" pitchFamily="2" charset="2"/>
-              <a:buChar char="ü"/>
-            </a:pPr>
+              <a:t> Levere data i flere formater (XML, JSON</a:t>
+            </a:r>
             <a:r>
               <a:rPr lang="nb-NO" b="1" dirty="0" smtClean="0"/>
-              <a:t> Facebook, Twitter, LinkedIn +++ </a:t>
-            </a:r>
-          </a:p>
-          <a:p>
-            <a:pPr>
-              <a:spcBef>
-                <a:spcPts val="600"/>
-              </a:spcBef>
-              <a:spcAft>
-                <a:spcPts val="400"/>
-              </a:spcAft>
-              <a:buFont typeface="Wingdings" pitchFamily="2" charset="2"/>
-              <a:buChar char="ü"/>
-            </a:pPr>
+              <a:t>)</a:t>
+            </a:r>
             <a:endParaRPr lang="nb-NO" b="1" dirty="0" smtClean="0"/>
           </a:p>
         </p:txBody>
@@ -19532,7 +19831,7 @@
         <p:spPr>
           <a:xfrm>
             <a:off x="321623" y="1041400"/>
-            <a:ext cx="8517577" cy="1585049"/>
+            <a:ext cx="8517577" cy="1179810"/>
           </a:xfrm>
           <a:prstGeom prst="rect">
             <a:avLst/>
@@ -19557,23 +19856,11 @@
             </a:pPr>
             <a:r>
               <a:rPr lang="nb-NO" dirty="0" smtClean="0"/>
-              <a:t> Rammeverk for å bygge Web API på toppen av .NET rammeverket</a:t>
-            </a:r>
-          </a:p>
-          <a:p>
-            <a:pPr>
-              <a:spcBef>
-                <a:spcPts val="600"/>
-              </a:spcBef>
-              <a:spcAft>
-                <a:spcPts val="400"/>
-              </a:spcAft>
-              <a:buFont typeface="Wingdings" pitchFamily="2" charset="2"/>
-              <a:buChar char="ü"/>
-            </a:pPr>
-            <a:r>
-              <a:rPr lang="nb-NO" dirty="0" smtClean="0"/>
-              <a:t> Kan brukes direkte i et ASP .NET MVC 4 prosjekt</a:t>
+              <a:t> </a:t>
+            </a:r>
+            <a:r>
+              <a:rPr lang="nb-NO" dirty="0" smtClean="0"/>
+              <a:t>Kan brukes direkte i et ASP .NET MVC 4 prosjekt</a:t>
             </a:r>
             <a:endParaRPr lang="nb-NO" dirty="0"/>
           </a:p>

--- a/webapi/WebAPI.pptx
+++ b/webapi/WebAPI.pptx
@@ -719,11 +719,7 @@
             </a:r>
             <a:r>
               <a:rPr lang="nb-NO" baseline="0" dirty="0" smtClean="0"/>
-              <a:t> kjekt å bruke for å lage ruter for sub-ressurser som f.eks. Kommentarer i dette </a:t>
-            </a:r>
-            <a:r>
-              <a:rPr lang="nb-NO" baseline="0" dirty="0" smtClean="0"/>
-              <a:t>eksemplet</a:t>
+              <a:t> kjekt å bruke for å lage ruter for sub-ressurser som f.eks. Kommentarer i dette eksemplet</a:t>
             </a:r>
           </a:p>
           <a:p>
@@ -1603,11 +1599,7 @@
             </a:pPr>
             <a:r>
               <a:rPr lang="nb-NO" baseline="0" dirty="0" smtClean="0"/>
-              <a:t>Kan hente alle kommentarer som tilhører en bloggpost ved å gjøre en GET mot subressursen «kommentarer</a:t>
-            </a:r>
-            <a:r>
-              <a:rPr lang="nb-NO" baseline="0" dirty="0" smtClean="0"/>
-              <a:t>».</a:t>
+              <a:t>Kan hente alle kommentarer som tilhører en bloggpost ved å gjøre en GET mot subressursen «kommentarer».</a:t>
             </a:r>
           </a:p>
           <a:p>
@@ -1619,7 +1611,6 @@
               <a:rPr lang="nb-NO" baseline="0" dirty="0" smtClean="0"/>
               <a:t>Facebook, twitter, linkedin</a:t>
             </a:r>
-            <a:endParaRPr lang="nb-NO" baseline="0" dirty="0" smtClean="0"/>
           </a:p>
         </p:txBody>
       </p:sp>
@@ -16718,8 +16709,11 @@
                 <a:latin typeface="Consolas" pitchFamily="49" charset="0"/>
                 <a:cs typeface="Consolas" pitchFamily="49" charset="0"/>
               </a:rPr>
-              <a:t>IHttpActionResult Post(Bloggpost </a:t>
-            </a:r>
+              <a:t>IHttpActionResult Post(Bloggpost post)</a:t>
+            </a:r>
+          </a:p>
+          <a:p>
+            <a:pPr algn="just"/>
             <a:r>
               <a:rPr lang="nb-NO" dirty="0" smtClean="0">
                 <a:solidFill>
@@ -16728,11 +16722,16 @@
                 <a:latin typeface="Consolas" pitchFamily="49" charset="0"/>
                 <a:cs typeface="Consolas" pitchFamily="49" charset="0"/>
               </a:rPr>
-              <a:t>post)</a:t>
-            </a:r>
-          </a:p>
-          <a:p>
-            <a:pPr algn="just"/>
+              <a:t>	</a:t>
+            </a:r>
+            <a:r>
+              <a:rPr lang="nb-NO" dirty="0" smtClean="0">
+                <a:solidFill>
+                  <a:schemeClr val="bg1"/>
+                </a:solidFill>
+              </a:rPr>
+              <a:t>4. </a:t>
+            </a:r>
             <a:r>
               <a:rPr lang="nb-NO" dirty="0" smtClean="0">
                 <a:solidFill>
@@ -16741,16 +16740,11 @@
                 <a:latin typeface="Consolas" pitchFamily="49" charset="0"/>
                 <a:cs typeface="Consolas" pitchFamily="49" charset="0"/>
               </a:rPr>
-              <a:t>	</a:t>
-            </a:r>
-            <a:r>
-              <a:rPr lang="nb-NO" dirty="0" smtClean="0">
-                <a:solidFill>
-                  <a:schemeClr val="bg1"/>
-                </a:solidFill>
-              </a:rPr>
-              <a:t>4. </a:t>
-            </a:r>
+              <a:t>IHttpActionResult Put(int id, Bloggpost post)</a:t>
+            </a:r>
+          </a:p>
+          <a:p>
+            <a:pPr algn="just"/>
             <a:r>
               <a:rPr lang="nb-NO" dirty="0" smtClean="0">
                 <a:solidFill>
@@ -16759,7 +16753,15 @@
                 <a:latin typeface="Consolas" pitchFamily="49" charset="0"/>
                 <a:cs typeface="Consolas" pitchFamily="49" charset="0"/>
               </a:rPr>
-              <a:t>IHttpActionResult</a:t>
+              <a:t>	</a:t>
+            </a:r>
+            <a:r>
+              <a:rPr lang="nb-NO" dirty="0" smtClean="0">
+                <a:solidFill>
+                  <a:schemeClr val="bg1"/>
+                </a:solidFill>
+              </a:rPr>
+              <a:t>5. </a:t>
             </a:r>
             <a:r>
               <a:rPr lang="nb-NO" dirty="0" smtClean="0">
@@ -16769,68 +16771,7 @@
                 <a:latin typeface="Consolas" pitchFamily="49" charset="0"/>
                 <a:cs typeface="Consolas" pitchFamily="49" charset="0"/>
               </a:rPr>
-              <a:t> </a:t>
-            </a:r>
-            <a:r>
-              <a:rPr lang="nb-NO" dirty="0" smtClean="0">
-                <a:solidFill>
-                  <a:schemeClr val="bg1"/>
-                </a:solidFill>
-                <a:latin typeface="Consolas" pitchFamily="49" charset="0"/>
-                <a:cs typeface="Consolas" pitchFamily="49" charset="0"/>
-              </a:rPr>
-              <a:t>Put(int id, Bloggpost post)</a:t>
-            </a:r>
-          </a:p>
-          <a:p>
-            <a:pPr algn="just"/>
-            <a:r>
-              <a:rPr lang="nb-NO" dirty="0" smtClean="0">
-                <a:solidFill>
-                  <a:schemeClr val="bg1"/>
-                </a:solidFill>
-                <a:latin typeface="Consolas" pitchFamily="49" charset="0"/>
-                <a:cs typeface="Consolas" pitchFamily="49" charset="0"/>
-              </a:rPr>
-              <a:t>	</a:t>
-            </a:r>
-            <a:r>
-              <a:rPr lang="nb-NO" dirty="0" smtClean="0">
-                <a:solidFill>
-                  <a:schemeClr val="bg1"/>
-                </a:solidFill>
-              </a:rPr>
-              <a:t>5. </a:t>
-            </a:r>
-            <a:r>
-              <a:rPr lang="nb-NO" dirty="0" smtClean="0">
-                <a:solidFill>
-                  <a:schemeClr val="bg1"/>
-                </a:solidFill>
-                <a:latin typeface="Consolas" pitchFamily="49" charset="0"/>
-                <a:cs typeface="Consolas" pitchFamily="49" charset="0"/>
-              </a:rPr>
-              <a:t>IHttpActionResult</a:t>
-            </a:r>
-            <a:r>
-              <a:rPr lang="nb-NO" dirty="0" smtClean="0">
-                <a:solidFill>
-                  <a:schemeClr val="bg1"/>
-                </a:solidFill>
-                <a:latin typeface="Consolas" pitchFamily="49" charset="0"/>
-                <a:cs typeface="Consolas" pitchFamily="49" charset="0"/>
-              </a:rPr>
-              <a:t> </a:t>
-            </a:r>
-            <a:r>
-              <a:rPr lang="nb-NO" dirty="0" smtClean="0">
-                <a:solidFill>
-                  <a:schemeClr val="bg1"/>
-                </a:solidFill>
-                <a:latin typeface="Consolas" pitchFamily="49" charset="0"/>
-                <a:cs typeface="Consolas" pitchFamily="49" charset="0"/>
-              </a:rPr>
-              <a:t>Delete(int id)</a:t>
+              <a:t>IHttpActionResult Delete(int id)</a:t>
             </a:r>
           </a:p>
           <a:p>
@@ -17192,10 +17133,26 @@
                   <a:schemeClr val="bg1"/>
                 </a:solidFill>
               </a:rPr>
-              <a:t>Hint: System.Web.Http.HttpClient</a:t>
-            </a:r>
-            <a:r>
-              <a:rPr lang="nb-NO" dirty="0" smtClean="0">
+              <a:t>Hint</a:t>
+            </a:r>
+            <a:r>
+              <a:rPr lang="nb-NO" i="1" smtClean="0">
+                <a:solidFill>
+                  <a:schemeClr val="bg1"/>
+                </a:solidFill>
+              </a:rPr>
+              <a:t>: </a:t>
+            </a:r>
+            <a:r>
+              <a:rPr lang="nb-NO" i="1" smtClean="0">
+                <a:solidFill>
+                  <a:schemeClr val="bg1"/>
+                </a:solidFill>
+              </a:rPr>
+              <a:t>RestSharp</a:t>
+            </a:r>
+            <a:r>
+              <a:rPr lang="nb-NO" smtClean="0">
                 <a:solidFill>
                   <a:schemeClr val="bg1"/>
                 </a:solidFill>
@@ -18565,13 +18522,8 @@
             </a:pPr>
             <a:r>
               <a:rPr lang="nb-NO" sz="2000" b="1" dirty="0" smtClean="0"/>
-              <a:t> </a:t>
-            </a:r>
-            <a:r>
-              <a:rPr lang="nb-NO" sz="2000" b="1" dirty="0" smtClean="0"/>
-              <a:t>Oppgave (Hvis tid)</a:t>
-            </a:r>
-            <a:endParaRPr lang="nb-NO" sz="2000" b="1" dirty="0" smtClean="0"/>
+              <a:t> Oppgave (Hvis tid)</a:t>
+            </a:r>
           </a:p>
         </p:txBody>
       </p:sp>
@@ -19694,13 +19646,8 @@
             </a:pPr>
             <a:r>
               <a:rPr lang="nb-NO" b="1" dirty="0" smtClean="0"/>
-              <a:t> Levere data i flere formater (XML, JSON</a:t>
-            </a:r>
-            <a:r>
-              <a:rPr lang="nb-NO" b="1" dirty="0" smtClean="0"/>
-              <a:t>)</a:t>
-            </a:r>
-            <a:endParaRPr lang="nb-NO" b="1" dirty="0" smtClean="0"/>
+              <a:t> Levere data i flere formater (XML, JSON)</a:t>
+            </a:r>
           </a:p>
         </p:txBody>
       </p:sp>
@@ -19856,11 +19803,7 @@
             </a:pPr>
             <a:r>
               <a:rPr lang="nb-NO" dirty="0" smtClean="0"/>
-              <a:t> </a:t>
-            </a:r>
-            <a:r>
-              <a:rPr lang="nb-NO" dirty="0" smtClean="0"/>
-              <a:t>Kan brukes direkte i et ASP .NET MVC 4 prosjekt</a:t>
+              <a:t> Kan brukes direkte i et ASP .NET MVC 4 prosjekt</a:t>
             </a:r>
             <a:endParaRPr lang="nb-NO" dirty="0"/>
           </a:p>
